--- a/ppt/majian.pptx
+++ b/ppt/majian.pptx
@@ -346,12 +346,12 @@
             <a:pPr>
               <a:defRPr/>
             </a:pPr>
-            <a:fld id="{A5D3BD1D-22E9-4FF9-A938-14D6C4128BD7}" type="datetimeFigureOut">
+            <a:fld id="{AB78EB58-233E-490E-A2DB-DB14B42FDEB9}" type="datetimeFigureOut">
               <a:rPr lang="zh-CN" altLang="en-US"/>
               <a:pPr>
                 <a:defRPr/>
               </a:pPr>
-              <a:t>2016/4/27</a:t>
+              <a:t>2016/4/29</a:t>
             </a:fld>
             <a:endParaRPr lang="zh-CN" altLang="en-US"/>
           </a:p>
@@ -405,7 +405,7 @@
             <a:pPr>
               <a:defRPr/>
             </a:pPr>
-            <a:fld id="{CDDB767E-916D-415F-8BD9-42090BEA295A}" type="slidenum">
+            <a:fld id="{1EAA1354-EFD9-443F-B509-FD9A9ECE37CF}" type="slidenum">
               <a:rPr lang="zh-CN" altLang="en-US"/>
               <a:pPr>
                 <a:defRPr/>
@@ -538,12 +538,12 @@
             <a:pPr>
               <a:defRPr/>
             </a:pPr>
-            <a:fld id="{6D2723A0-0BBE-4EB6-B74C-9F7A1EF16D11}" type="datetimeFigureOut">
+            <a:fld id="{6E8F8909-8CF7-49BF-AF1D-F04E343D21AB}" type="datetimeFigureOut">
               <a:rPr lang="zh-CN" altLang="en-US"/>
               <a:pPr>
                 <a:defRPr/>
               </a:pPr>
-              <a:t>2016/4/27</a:t>
+              <a:t>2016/4/29</a:t>
             </a:fld>
             <a:endParaRPr lang="zh-CN" altLang="en-US"/>
           </a:p>
@@ -597,7 +597,7 @@
             <a:pPr>
               <a:defRPr/>
             </a:pPr>
-            <a:fld id="{91792473-BBA5-43C4-8839-7589CFD8A2C5}" type="slidenum">
+            <a:fld id="{A62E99DD-1713-4DBB-9B09-97243758099B}" type="slidenum">
               <a:rPr lang="zh-CN" altLang="en-US"/>
               <a:pPr>
                 <a:defRPr/>
@@ -740,12 +740,12 @@
             <a:pPr>
               <a:defRPr/>
             </a:pPr>
-            <a:fld id="{5F8B31B3-A864-4AC3-817E-38F678B3CFB4}" type="datetimeFigureOut">
+            <a:fld id="{66B0E860-A04D-4FC2-8429-D7D7F87C485E}" type="datetimeFigureOut">
               <a:rPr lang="zh-CN" altLang="en-US"/>
               <a:pPr>
                 <a:defRPr/>
               </a:pPr>
-              <a:t>2016/4/27</a:t>
+              <a:t>2016/4/29</a:t>
             </a:fld>
             <a:endParaRPr lang="zh-CN" altLang="en-US"/>
           </a:p>
@@ -799,7 +799,7 @@
             <a:pPr>
               <a:defRPr/>
             </a:pPr>
-            <a:fld id="{C7D8DA3E-9898-4452-8790-1FF5E1BBF23A}" type="slidenum">
+            <a:fld id="{3F307C9D-E10C-465C-9BF9-8F146A462A9E}" type="slidenum">
               <a:rPr lang="zh-CN" altLang="en-US"/>
               <a:pPr>
                 <a:defRPr/>
@@ -932,12 +932,12 @@
             <a:pPr>
               <a:defRPr/>
             </a:pPr>
-            <a:fld id="{80C57063-BAA7-4956-A9AF-FF473D2D8BA3}" type="datetimeFigureOut">
+            <a:fld id="{1537BD77-36CD-48DB-AEF8-0DE8593610B9}" type="datetimeFigureOut">
               <a:rPr lang="zh-CN" altLang="en-US"/>
               <a:pPr>
                 <a:defRPr/>
               </a:pPr>
-              <a:t>2016/4/27</a:t>
+              <a:t>2016/4/29</a:t>
             </a:fld>
             <a:endParaRPr lang="zh-CN" altLang="en-US"/>
           </a:p>
@@ -991,7 +991,7 @@
             <a:pPr>
               <a:defRPr/>
             </a:pPr>
-            <a:fld id="{2BAD39FA-87D8-42CF-A3BB-79785B59F5D8}" type="slidenum">
+            <a:fld id="{D89637CF-31AA-41D5-B3CF-8BA72D187861}" type="slidenum">
               <a:rPr lang="zh-CN" altLang="en-US"/>
               <a:pPr>
                 <a:defRPr/>
@@ -1200,12 +1200,12 @@
             <a:pPr>
               <a:defRPr/>
             </a:pPr>
-            <a:fld id="{72FD8B6A-27B0-45E6-BEC7-0BC27DF527A1}" type="datetimeFigureOut">
+            <a:fld id="{652BAFEC-4551-40B0-BE3E-2A3E984FA843}" type="datetimeFigureOut">
               <a:rPr lang="zh-CN" altLang="en-US"/>
               <a:pPr>
                 <a:defRPr/>
               </a:pPr>
-              <a:t>2016/4/27</a:t>
+              <a:t>2016/4/29</a:t>
             </a:fld>
             <a:endParaRPr lang="zh-CN" altLang="en-US"/>
           </a:p>
@@ -1259,7 +1259,7 @@
             <a:pPr>
               <a:defRPr/>
             </a:pPr>
-            <a:fld id="{EE5E13E9-4CC4-4759-97AB-C4C4B008CE2F}" type="slidenum">
+            <a:fld id="{BD0D0579-DC5C-4B65-B048-C48C93C6E4A8}" type="slidenum">
               <a:rPr lang="zh-CN" altLang="en-US"/>
               <a:pPr>
                 <a:defRPr/>
@@ -1510,12 +1510,12 @@
             <a:pPr>
               <a:defRPr/>
             </a:pPr>
-            <a:fld id="{E6EE608F-2B25-4BAB-9E5A-66C24647839E}" type="datetimeFigureOut">
+            <a:fld id="{329F9F90-E54A-4A0D-BCAF-6183AED5C21E}" type="datetimeFigureOut">
               <a:rPr lang="zh-CN" altLang="en-US"/>
               <a:pPr>
                 <a:defRPr/>
               </a:pPr>
-              <a:t>2016/4/27</a:t>
+              <a:t>2016/4/29</a:t>
             </a:fld>
             <a:endParaRPr lang="zh-CN" altLang="en-US"/>
           </a:p>
@@ -1569,7 +1569,7 @@
             <a:pPr>
               <a:defRPr/>
             </a:pPr>
-            <a:fld id="{78D92272-0CFE-4FC1-9845-97E9A4E15647}" type="slidenum">
+            <a:fld id="{04F84DAF-446C-4FCF-9ED3-B59675CB58B5}" type="slidenum">
               <a:rPr lang="zh-CN" altLang="en-US"/>
               <a:pPr>
                 <a:defRPr/>
@@ -1954,12 +1954,12 @@
             <a:pPr>
               <a:defRPr/>
             </a:pPr>
-            <a:fld id="{38448932-A4C8-459B-84F4-8C09F5C9C049}" type="datetimeFigureOut">
+            <a:fld id="{38BF71F6-3AB9-4899-A7EF-72B05E3E1DF8}" type="datetimeFigureOut">
               <a:rPr lang="zh-CN" altLang="en-US"/>
               <a:pPr>
                 <a:defRPr/>
               </a:pPr>
-              <a:t>2016/4/27</a:t>
+              <a:t>2016/4/29</a:t>
             </a:fld>
             <a:endParaRPr lang="zh-CN" altLang="en-US"/>
           </a:p>
@@ -2013,7 +2013,7 @@
             <a:pPr>
               <a:defRPr/>
             </a:pPr>
-            <a:fld id="{4B99602E-0996-4652-B58F-5A1B1661B4CC}" type="slidenum">
+            <a:fld id="{2782A750-EC3A-40AB-BAEB-5CCCED7F51FD}" type="slidenum">
               <a:rPr lang="zh-CN" altLang="en-US"/>
               <a:pPr>
                 <a:defRPr/>
@@ -2094,12 +2094,12 @@
             <a:pPr>
               <a:defRPr/>
             </a:pPr>
-            <a:fld id="{D1C7B131-1867-498F-A1C5-1C4AF7DF2B93}" type="datetimeFigureOut">
+            <a:fld id="{0FB04CA1-7E82-4E41-93E2-6AC6FCAB6EBD}" type="datetimeFigureOut">
               <a:rPr lang="zh-CN" altLang="en-US"/>
               <a:pPr>
                 <a:defRPr/>
               </a:pPr>
-              <a:t>2016/4/27</a:t>
+              <a:t>2016/4/29</a:t>
             </a:fld>
             <a:endParaRPr lang="zh-CN" altLang="en-US"/>
           </a:p>
@@ -2153,7 +2153,7 @@
             <a:pPr>
               <a:defRPr/>
             </a:pPr>
-            <a:fld id="{8710DA14-B294-46BB-BD18-236E17198CF4}" type="slidenum">
+            <a:fld id="{685E880A-CE59-426B-9820-6A2EF8A84320}" type="slidenum">
               <a:rPr lang="zh-CN" altLang="en-US"/>
               <a:pPr>
                 <a:defRPr/>
@@ -2211,12 +2211,12 @@
             <a:pPr>
               <a:defRPr/>
             </a:pPr>
-            <a:fld id="{E581E215-15DB-4B18-874B-0DDA6003A460}" type="datetimeFigureOut">
+            <a:fld id="{FFA7C939-B74F-4902-9D88-A44E64854DDC}" type="datetimeFigureOut">
               <a:rPr lang="zh-CN" altLang="en-US"/>
               <a:pPr>
                 <a:defRPr/>
               </a:pPr>
-              <a:t>2016/4/27</a:t>
+              <a:t>2016/4/29</a:t>
             </a:fld>
             <a:endParaRPr lang="zh-CN" altLang="en-US"/>
           </a:p>
@@ -2270,7 +2270,7 @@
             <a:pPr>
               <a:defRPr/>
             </a:pPr>
-            <a:fld id="{923365A3-ED78-4971-B17A-BB5226FC1B9B}" type="slidenum">
+            <a:fld id="{AF727ACD-E2F0-4BF9-9322-757F3C1D7251}" type="slidenum">
               <a:rPr lang="zh-CN" altLang="en-US"/>
               <a:pPr>
                 <a:defRPr/>
@@ -2510,12 +2510,12 @@
             <a:pPr>
               <a:defRPr/>
             </a:pPr>
-            <a:fld id="{E52D05E4-14E0-406E-99E3-6C592D66272F}" type="datetimeFigureOut">
+            <a:fld id="{45F81BA3-5F5F-432B-8B9F-A8703FCCBAC8}" type="datetimeFigureOut">
               <a:rPr lang="zh-CN" altLang="en-US"/>
               <a:pPr>
                 <a:defRPr/>
               </a:pPr>
-              <a:t>2016/4/27</a:t>
+              <a:t>2016/4/29</a:t>
             </a:fld>
             <a:endParaRPr lang="zh-CN" altLang="en-US"/>
           </a:p>
@@ -2569,7 +2569,7 @@
             <a:pPr>
               <a:defRPr/>
             </a:pPr>
-            <a:fld id="{84D18E1B-1135-49E7-8C98-9D75AD359EF5}" type="slidenum">
+            <a:fld id="{E33E249D-01FB-4FED-A0F2-F29C5288BE5A}" type="slidenum">
               <a:rPr lang="zh-CN" altLang="en-US"/>
               <a:pPr>
                 <a:defRPr/>
@@ -2788,12 +2788,12 @@
             <a:pPr>
               <a:defRPr/>
             </a:pPr>
-            <a:fld id="{8CF546B4-2099-4A3F-8C30-0D4B1CBD91B9}" type="datetimeFigureOut">
+            <a:fld id="{15D9F057-0CD2-4959-A4CA-A50E2B79CBF5}" type="datetimeFigureOut">
               <a:rPr lang="zh-CN" altLang="en-US"/>
               <a:pPr>
                 <a:defRPr/>
               </a:pPr>
-              <a:t>2016/4/27</a:t>
+              <a:t>2016/4/29</a:t>
             </a:fld>
             <a:endParaRPr lang="zh-CN" altLang="en-US"/>
           </a:p>
@@ -2847,7 +2847,7 @@
             <a:pPr>
               <a:defRPr/>
             </a:pPr>
-            <a:fld id="{9FB7EE77-B71E-4397-917B-B40D6003A986}" type="slidenum">
+            <a:fld id="{41663287-195A-4982-A731-3D32BC0CA524}" type="slidenum">
               <a:rPr lang="zh-CN" altLang="en-US"/>
               <a:pPr>
                 <a:defRPr/>
@@ -3045,12 +3045,12 @@
             <a:pPr>
               <a:defRPr/>
             </a:pPr>
-            <a:fld id="{737DE582-569F-49E4-BCEA-EB0E9B48221E}" type="datetimeFigureOut">
+            <a:fld id="{42997E65-A451-4E1B-8495-5008E2D056C5}" type="datetimeFigureOut">
               <a:rPr lang="zh-CN" altLang="en-US"/>
               <a:pPr>
                 <a:defRPr/>
               </a:pPr>
-              <a:t>2016/4/27</a:t>
+              <a:t>2016/4/29</a:t>
             </a:fld>
             <a:endParaRPr lang="zh-CN" altLang="en-US"/>
           </a:p>
@@ -3150,7 +3150,7 @@
             <a:pPr>
               <a:defRPr/>
             </a:pPr>
-            <a:fld id="{ECECC69A-4E7A-4624-9918-6BD865D29B59}" type="slidenum">
+            <a:fld id="{708447DB-A44F-4988-A91D-232A49C43D2F}" type="slidenum">
               <a:rPr lang="zh-CN" altLang="en-US"/>
               <a:pPr>
                 <a:defRPr/>
@@ -7419,13 +7419,13 @@
       </p:grpSpPr>
       <p:sp>
         <p:nvSpPr>
-          <p:cNvPr id="4" name="Title 1"/>
+          <p:cNvPr id="15361" name="Title 1"/>
           <p:cNvSpPr txBox="1">
             <a:spLocks/>
           </p:cNvSpPr>
           <p:nvPr/>
         </p:nvSpPr>
-        <p:spPr>
+        <p:spPr bwMode="auto">
           <a:xfrm>
             <a:off x="457200" y="44450"/>
             <a:ext cx="8229600" cy="1143000"/>
@@ -7433,11 +7433,16 @@
           <a:prstGeom prst="rect">
             <a:avLst/>
           </a:prstGeom>
-        </p:spPr>
-        <p:txBody>
-          <a:bodyPr anchor="ctr">
-            <a:normAutofit/>
-          </a:bodyPr>
+          <a:noFill/>
+          <a:ln w="9525">
+            <a:noFill/>
+            <a:miter lim="800000"/>
+            <a:headEnd/>
+            <a:tailEnd/>
+          </a:ln>
+        </p:spPr>
+        <p:txBody>
+          <a:bodyPr anchor="ctr"/>
           <a:lstStyle/>
           <a:p>
             <a:r>
@@ -9253,7 +9258,7 @@
       </p:pic>
       <p:sp>
         <p:nvSpPr>
-          <p:cNvPr id="18447" name="Text Box 15"/>
+          <p:cNvPr id="18446" name="Text Box 15"/>
           <p:cNvSpPr txBox="1">
             <a:spLocks noChangeArrowheads="1"/>
           </p:cNvSpPr>
@@ -9580,7 +9585,7 @@
                 </a:solidFill>
                 <a:latin typeface="宋体" charset="-122"/>
               </a:rPr>
-              <a:t>利用任务迁移和</a:t>
+              <a:t>模型预测控制方法结合任务迁移和</a:t>
             </a:r>
             <a:r>
               <a:rPr lang="en-US" altLang="zh-CN" sz="2400" smtClean="0">

--- a/ppt/majian.pptx
+++ b/ppt/majian.pptx
@@ -6,29 +6,27 @@
   </p:sldMasterIdLst>
   <p:sldIdLst>
     <p:sldId id="256" r:id="rId2"/>
-    <p:sldId id="271" r:id="rId3"/>
-    <p:sldId id="258" r:id="rId4"/>
-    <p:sldId id="260" r:id="rId5"/>
-    <p:sldId id="296" r:id="rId6"/>
+    <p:sldId id="258" r:id="rId3"/>
+    <p:sldId id="260" r:id="rId4"/>
+    <p:sldId id="296" r:id="rId5"/>
+    <p:sldId id="307" r:id="rId6"/>
     <p:sldId id="295" r:id="rId7"/>
     <p:sldId id="297" r:id="rId8"/>
     <p:sldId id="298" r:id="rId9"/>
-    <p:sldId id="286" r:id="rId10"/>
-    <p:sldId id="285" r:id="rId11"/>
-    <p:sldId id="299" r:id="rId12"/>
-    <p:sldId id="261" r:id="rId13"/>
-    <p:sldId id="300" r:id="rId14"/>
-    <p:sldId id="301" r:id="rId15"/>
-    <p:sldId id="302" r:id="rId16"/>
-    <p:sldId id="306" r:id="rId17"/>
-    <p:sldId id="292" r:id="rId18"/>
-    <p:sldId id="264" r:id="rId19"/>
-    <p:sldId id="293" r:id="rId20"/>
-    <p:sldId id="294" r:id="rId21"/>
-    <p:sldId id="305" r:id="rId22"/>
-    <p:sldId id="304" r:id="rId23"/>
-    <p:sldId id="274" r:id="rId24"/>
-    <p:sldId id="270" r:id="rId25"/>
+    <p:sldId id="285" r:id="rId10"/>
+    <p:sldId id="299" r:id="rId11"/>
+    <p:sldId id="261" r:id="rId12"/>
+    <p:sldId id="300" r:id="rId13"/>
+    <p:sldId id="301" r:id="rId14"/>
+    <p:sldId id="302" r:id="rId15"/>
+    <p:sldId id="306" r:id="rId16"/>
+    <p:sldId id="264" r:id="rId17"/>
+    <p:sldId id="293" r:id="rId18"/>
+    <p:sldId id="294" r:id="rId19"/>
+    <p:sldId id="305" r:id="rId20"/>
+    <p:sldId id="304" r:id="rId21"/>
+    <p:sldId id="274" r:id="rId22"/>
+    <p:sldId id="270" r:id="rId23"/>
   </p:sldIdLst>
   <p:sldSz cx="9144000" cy="6858000" type="screen4x3"/>
   <p:notesSz cx="6858000" cy="9144000"/>
@@ -346,12 +344,12 @@
             <a:pPr>
               <a:defRPr/>
             </a:pPr>
-            <a:fld id="{AB78EB58-233E-490E-A2DB-DB14B42FDEB9}" type="datetimeFigureOut">
+            <a:fld id="{FB444ACB-1C7D-4E61-863C-48322B7E1A52}" type="datetimeFigureOut">
               <a:rPr lang="zh-CN" altLang="en-US"/>
               <a:pPr>
                 <a:defRPr/>
               </a:pPr>
-              <a:t>2016/4/29</a:t>
+              <a:t>2016/5/5</a:t>
             </a:fld>
             <a:endParaRPr lang="zh-CN" altLang="en-US"/>
           </a:p>
@@ -405,7 +403,7 @@
             <a:pPr>
               <a:defRPr/>
             </a:pPr>
-            <a:fld id="{1EAA1354-EFD9-443F-B509-FD9A9ECE37CF}" type="slidenum">
+            <a:fld id="{9AFFCFDD-A685-48D4-B5A9-93E1813D7314}" type="slidenum">
               <a:rPr lang="zh-CN" altLang="en-US"/>
               <a:pPr>
                 <a:defRPr/>
@@ -538,12 +536,12 @@
             <a:pPr>
               <a:defRPr/>
             </a:pPr>
-            <a:fld id="{6E8F8909-8CF7-49BF-AF1D-F04E343D21AB}" type="datetimeFigureOut">
+            <a:fld id="{C2779472-2616-4144-B127-025AC9047FF2}" type="datetimeFigureOut">
               <a:rPr lang="zh-CN" altLang="en-US"/>
               <a:pPr>
                 <a:defRPr/>
               </a:pPr>
-              <a:t>2016/4/29</a:t>
+              <a:t>2016/5/5</a:t>
             </a:fld>
             <a:endParaRPr lang="zh-CN" altLang="en-US"/>
           </a:p>
@@ -597,7 +595,7 @@
             <a:pPr>
               <a:defRPr/>
             </a:pPr>
-            <a:fld id="{A62E99DD-1713-4DBB-9B09-97243758099B}" type="slidenum">
+            <a:fld id="{39E66BB0-C1EF-482F-9517-4CEC5DBF6BF2}" type="slidenum">
               <a:rPr lang="zh-CN" altLang="en-US"/>
               <a:pPr>
                 <a:defRPr/>
@@ -740,12 +738,12 @@
             <a:pPr>
               <a:defRPr/>
             </a:pPr>
-            <a:fld id="{66B0E860-A04D-4FC2-8429-D7D7F87C485E}" type="datetimeFigureOut">
+            <a:fld id="{D88CBAA6-B4F0-45F0-9CE7-08C5152C7F7E}" type="datetimeFigureOut">
               <a:rPr lang="zh-CN" altLang="en-US"/>
               <a:pPr>
                 <a:defRPr/>
               </a:pPr>
-              <a:t>2016/4/29</a:t>
+              <a:t>2016/5/5</a:t>
             </a:fld>
             <a:endParaRPr lang="zh-CN" altLang="en-US"/>
           </a:p>
@@ -799,7 +797,7 @@
             <a:pPr>
               <a:defRPr/>
             </a:pPr>
-            <a:fld id="{3F307C9D-E10C-465C-9BF9-8F146A462A9E}" type="slidenum">
+            <a:fld id="{7B454321-9FE2-46B9-9FE8-C56BE65350AF}" type="slidenum">
               <a:rPr lang="zh-CN" altLang="en-US"/>
               <a:pPr>
                 <a:defRPr/>
@@ -932,12 +930,12 @@
             <a:pPr>
               <a:defRPr/>
             </a:pPr>
-            <a:fld id="{1537BD77-36CD-48DB-AEF8-0DE8593610B9}" type="datetimeFigureOut">
+            <a:fld id="{E4546036-982D-45BD-A7BA-AE5084F02AE4}" type="datetimeFigureOut">
               <a:rPr lang="zh-CN" altLang="en-US"/>
               <a:pPr>
                 <a:defRPr/>
               </a:pPr>
-              <a:t>2016/4/29</a:t>
+              <a:t>2016/5/5</a:t>
             </a:fld>
             <a:endParaRPr lang="zh-CN" altLang="en-US"/>
           </a:p>
@@ -991,7 +989,7 @@
             <a:pPr>
               <a:defRPr/>
             </a:pPr>
-            <a:fld id="{D89637CF-31AA-41D5-B3CF-8BA72D187861}" type="slidenum">
+            <a:fld id="{073421AD-2CFF-423D-A4CB-DF179AFFFDFC}" type="slidenum">
               <a:rPr lang="zh-CN" altLang="en-US"/>
               <a:pPr>
                 <a:defRPr/>
@@ -1200,12 +1198,12 @@
             <a:pPr>
               <a:defRPr/>
             </a:pPr>
-            <a:fld id="{652BAFEC-4551-40B0-BE3E-2A3E984FA843}" type="datetimeFigureOut">
+            <a:fld id="{94226D61-C60A-4DEB-A7BB-E6963A98C885}" type="datetimeFigureOut">
               <a:rPr lang="zh-CN" altLang="en-US"/>
               <a:pPr>
                 <a:defRPr/>
               </a:pPr>
-              <a:t>2016/4/29</a:t>
+              <a:t>2016/5/5</a:t>
             </a:fld>
             <a:endParaRPr lang="zh-CN" altLang="en-US"/>
           </a:p>
@@ -1259,7 +1257,7 @@
             <a:pPr>
               <a:defRPr/>
             </a:pPr>
-            <a:fld id="{BD0D0579-DC5C-4B65-B048-C48C93C6E4A8}" type="slidenum">
+            <a:fld id="{77D52CD9-2BA1-437E-8BB0-0233B1833024}" type="slidenum">
               <a:rPr lang="zh-CN" altLang="en-US"/>
               <a:pPr>
                 <a:defRPr/>
@@ -1510,12 +1508,12 @@
             <a:pPr>
               <a:defRPr/>
             </a:pPr>
-            <a:fld id="{329F9F90-E54A-4A0D-BCAF-6183AED5C21E}" type="datetimeFigureOut">
+            <a:fld id="{732CD33F-C0C0-45E3-8E1C-C267A4D65ED3}" type="datetimeFigureOut">
               <a:rPr lang="zh-CN" altLang="en-US"/>
               <a:pPr>
                 <a:defRPr/>
               </a:pPr>
-              <a:t>2016/4/29</a:t>
+              <a:t>2016/5/5</a:t>
             </a:fld>
             <a:endParaRPr lang="zh-CN" altLang="en-US"/>
           </a:p>
@@ -1569,7 +1567,7 @@
             <a:pPr>
               <a:defRPr/>
             </a:pPr>
-            <a:fld id="{04F84DAF-446C-4FCF-9ED3-B59675CB58B5}" type="slidenum">
+            <a:fld id="{6F9DF3CD-E740-4B52-9B0A-09B6268642B1}" type="slidenum">
               <a:rPr lang="zh-CN" altLang="en-US"/>
               <a:pPr>
                 <a:defRPr/>
@@ -1954,12 +1952,12 @@
             <a:pPr>
               <a:defRPr/>
             </a:pPr>
-            <a:fld id="{38BF71F6-3AB9-4899-A7EF-72B05E3E1DF8}" type="datetimeFigureOut">
+            <a:fld id="{6C7FB85F-0357-4282-A6E9-E7FCC27D1695}" type="datetimeFigureOut">
               <a:rPr lang="zh-CN" altLang="en-US"/>
               <a:pPr>
                 <a:defRPr/>
               </a:pPr>
-              <a:t>2016/4/29</a:t>
+              <a:t>2016/5/5</a:t>
             </a:fld>
             <a:endParaRPr lang="zh-CN" altLang="en-US"/>
           </a:p>
@@ -2013,7 +2011,7 @@
             <a:pPr>
               <a:defRPr/>
             </a:pPr>
-            <a:fld id="{2782A750-EC3A-40AB-BAEB-5CCCED7F51FD}" type="slidenum">
+            <a:fld id="{2DC1B147-E8D5-4983-B99F-72C4762E513A}" type="slidenum">
               <a:rPr lang="zh-CN" altLang="en-US"/>
               <a:pPr>
                 <a:defRPr/>
@@ -2094,12 +2092,12 @@
             <a:pPr>
               <a:defRPr/>
             </a:pPr>
-            <a:fld id="{0FB04CA1-7E82-4E41-93E2-6AC6FCAB6EBD}" type="datetimeFigureOut">
+            <a:fld id="{EA17B98F-2E58-40F6-9A3A-32C36DE9013C}" type="datetimeFigureOut">
               <a:rPr lang="zh-CN" altLang="en-US"/>
               <a:pPr>
                 <a:defRPr/>
               </a:pPr>
-              <a:t>2016/4/29</a:t>
+              <a:t>2016/5/5</a:t>
             </a:fld>
             <a:endParaRPr lang="zh-CN" altLang="en-US"/>
           </a:p>
@@ -2153,7 +2151,7 @@
             <a:pPr>
               <a:defRPr/>
             </a:pPr>
-            <a:fld id="{685E880A-CE59-426B-9820-6A2EF8A84320}" type="slidenum">
+            <a:fld id="{8C99B170-0A14-4CFB-818F-DB6151023C0A}" type="slidenum">
               <a:rPr lang="zh-CN" altLang="en-US"/>
               <a:pPr>
                 <a:defRPr/>
@@ -2211,12 +2209,12 @@
             <a:pPr>
               <a:defRPr/>
             </a:pPr>
-            <a:fld id="{FFA7C939-B74F-4902-9D88-A44E64854DDC}" type="datetimeFigureOut">
+            <a:fld id="{7018894E-5BDA-413E-9170-5C236E54FF80}" type="datetimeFigureOut">
               <a:rPr lang="zh-CN" altLang="en-US"/>
               <a:pPr>
                 <a:defRPr/>
               </a:pPr>
-              <a:t>2016/4/29</a:t>
+              <a:t>2016/5/5</a:t>
             </a:fld>
             <a:endParaRPr lang="zh-CN" altLang="en-US"/>
           </a:p>
@@ -2270,7 +2268,7 @@
             <a:pPr>
               <a:defRPr/>
             </a:pPr>
-            <a:fld id="{AF727ACD-E2F0-4BF9-9322-757F3C1D7251}" type="slidenum">
+            <a:fld id="{FC51CCDD-6B53-490F-8118-F088D0E72ACA}" type="slidenum">
               <a:rPr lang="zh-CN" altLang="en-US"/>
               <a:pPr>
                 <a:defRPr/>
@@ -2510,12 +2508,12 @@
             <a:pPr>
               <a:defRPr/>
             </a:pPr>
-            <a:fld id="{45F81BA3-5F5F-432B-8B9F-A8703FCCBAC8}" type="datetimeFigureOut">
+            <a:fld id="{E7F23D07-1C43-47A8-BEE0-6F4ADEF8C8A0}" type="datetimeFigureOut">
               <a:rPr lang="zh-CN" altLang="en-US"/>
               <a:pPr>
                 <a:defRPr/>
               </a:pPr>
-              <a:t>2016/4/29</a:t>
+              <a:t>2016/5/5</a:t>
             </a:fld>
             <a:endParaRPr lang="zh-CN" altLang="en-US"/>
           </a:p>
@@ -2569,7 +2567,7 @@
             <a:pPr>
               <a:defRPr/>
             </a:pPr>
-            <a:fld id="{E33E249D-01FB-4FED-A0F2-F29C5288BE5A}" type="slidenum">
+            <a:fld id="{9992795E-2915-46D5-99CB-1D4500E1F58B}" type="slidenum">
               <a:rPr lang="zh-CN" altLang="en-US"/>
               <a:pPr>
                 <a:defRPr/>
@@ -2788,12 +2786,12 @@
             <a:pPr>
               <a:defRPr/>
             </a:pPr>
-            <a:fld id="{15D9F057-0CD2-4959-A4CA-A50E2B79CBF5}" type="datetimeFigureOut">
+            <a:fld id="{69770EB9-29E9-4F53-B06F-80EF47C0B023}" type="datetimeFigureOut">
               <a:rPr lang="zh-CN" altLang="en-US"/>
               <a:pPr>
                 <a:defRPr/>
               </a:pPr>
-              <a:t>2016/4/29</a:t>
+              <a:t>2016/5/5</a:t>
             </a:fld>
             <a:endParaRPr lang="zh-CN" altLang="en-US"/>
           </a:p>
@@ -2847,7 +2845,7 @@
             <a:pPr>
               <a:defRPr/>
             </a:pPr>
-            <a:fld id="{41663287-195A-4982-A731-3D32BC0CA524}" type="slidenum">
+            <a:fld id="{D5C13F12-B29B-4C29-A5F5-DF452B3E46AF}" type="slidenum">
               <a:rPr lang="zh-CN" altLang="en-US"/>
               <a:pPr>
                 <a:defRPr/>
@@ -3045,12 +3043,12 @@
             <a:pPr>
               <a:defRPr/>
             </a:pPr>
-            <a:fld id="{42997E65-A451-4E1B-8495-5008E2D056C5}" type="datetimeFigureOut">
+            <a:fld id="{2099D896-4ABA-4944-9FB9-1BD4B48C2D62}" type="datetimeFigureOut">
               <a:rPr lang="zh-CN" altLang="en-US"/>
               <a:pPr>
                 <a:defRPr/>
               </a:pPr>
-              <a:t>2016/4/29</a:t>
+              <a:t>2016/5/5</a:t>
             </a:fld>
             <a:endParaRPr lang="zh-CN" altLang="en-US"/>
           </a:p>
@@ -3150,7 +3148,7 @@
             <a:pPr>
               <a:defRPr/>
             </a:pPr>
-            <a:fld id="{708447DB-A44F-4988-A91D-232A49C43D2F}" type="slidenum">
+            <a:fld id="{52343EBC-DFFD-4F90-AC18-0350D2766163}" type="slidenum">
               <a:rPr lang="zh-CN" altLang="en-US"/>
               <a:pPr>
                 <a:defRPr/>
@@ -3594,8 +3592,8 @@
         </p:nvSpPr>
         <p:spPr bwMode="auto">
           <a:xfrm>
-            <a:off x="144463" y="1692275"/>
-            <a:ext cx="8820150" cy="1470025"/>
+            <a:off x="719138" y="1692275"/>
+            <a:ext cx="7413625" cy="1470025"/>
           </a:xfrm>
           <a:prstGeom prst="rect">
             <a:avLst/>
@@ -3614,7 +3612,7 @@
           <a:p>
             <a:pPr algn="ctr"/>
             <a:r>
-              <a:rPr lang="zh-CN" altLang="en-US" sz="3200" b="1">
+              <a:rPr lang="zh-CN" altLang="en-US" sz="4800" b="1">
                 <a:solidFill>
                   <a:srgbClr val="FF6600"/>
                 </a:solidFill>
@@ -3806,16 +3804,16 @@
       </p:grpSpPr>
       <p:sp>
         <p:nvSpPr>
-          <p:cNvPr id="22529" name="Title 1"/>
+          <p:cNvPr id="23554" name="Rectangle 3"/>
           <p:cNvSpPr txBox="1">
-            <a:spLocks/>
+            <a:spLocks noChangeArrowheads="1"/>
           </p:cNvSpPr>
           <p:nvPr/>
         </p:nvSpPr>
         <p:spPr bwMode="auto">
           <a:xfrm>
-            <a:off x="457200" y="76200"/>
-            <a:ext cx="8229600" cy="1143000"/>
+            <a:off x="228600" y="1204913"/>
+            <a:ext cx="8763000" cy="957262"/>
           </a:xfrm>
           <a:prstGeom prst="rect">
             <a:avLst/>
@@ -3829,50 +3827,6 @@
           </a:ln>
         </p:spPr>
         <p:txBody>
-          <a:bodyPr anchor="ctr"/>
-          <a:lstStyle/>
-          <a:p>
-            <a:r>
-              <a:rPr lang="zh-CN" altLang="en-US" sz="4400">
-                <a:solidFill>
-                  <a:srgbClr val="FF6600"/>
-                </a:solidFill>
-              </a:rPr>
-              <a:t>提出的新方法</a:t>
-            </a:r>
-            <a:endParaRPr lang="en-US" altLang="zh-CN" sz="4400">
-              <a:solidFill>
-                <a:srgbClr val="FF6600"/>
-              </a:solidFill>
-            </a:endParaRPr>
-          </a:p>
-        </p:txBody>
-      </p:sp>
-      <p:sp>
-        <p:nvSpPr>
-          <p:cNvPr id="22530" name="Rectangle 3"/>
-          <p:cNvSpPr txBox="1">
-            <a:spLocks noChangeArrowheads="1"/>
-          </p:cNvSpPr>
-          <p:nvPr/>
-        </p:nvSpPr>
-        <p:spPr bwMode="auto">
-          <a:xfrm>
-            <a:off x="228600" y="1219200"/>
-            <a:ext cx="8763000" cy="957263"/>
-          </a:xfrm>
-          <a:prstGeom prst="rect">
-            <a:avLst/>
-          </a:prstGeom>
-          <a:noFill/>
-          <a:ln w="9525">
-            <a:noFill/>
-            <a:miter lim="800000"/>
-            <a:headEnd/>
-            <a:tailEnd/>
-          </a:ln>
-        </p:spPr>
-        <p:txBody>
           <a:bodyPr/>
           <a:lstStyle/>
           <a:p>
@@ -3884,52 +3838,13 @@
               <a:buChar char="•"/>
             </a:pPr>
             <a:r>
-              <a:rPr lang="en-US" altLang="zh-CN" sz="2400">
+              <a:rPr lang="zh-CN" altLang="en-US" sz="2800">
                 <a:solidFill>
                   <a:schemeClr val="tx2"/>
                 </a:solidFill>
-                <a:latin typeface="Arial" charset="0"/>
-                <a:ea typeface="MS PGothic" pitchFamily="34" charset="-128"/>
-              </a:rPr>
-              <a:t>Partition the chip into blocks.</a:t>
-            </a:r>
-          </a:p>
-          <a:p>
-            <a:pPr marL="742950" lvl="1" indent="-285750">
-              <a:spcBef>
-                <a:spcPct val="20000"/>
-              </a:spcBef>
-              <a:buFont typeface="Arial" charset="0"/>
-              <a:buChar char="–"/>
-            </a:pPr>
-            <a:r>
-              <a:rPr lang="en-US" altLang="zh-CN" sz="2000">
-                <a:solidFill>
-                  <a:schemeClr val="tx2"/>
-                </a:solidFill>
-                <a:latin typeface="Arial" charset="0"/>
-                <a:ea typeface="MS PGothic" pitchFamily="34" charset="-128"/>
-              </a:rPr>
-              <a:t>Task migration inside each block.</a:t>
-            </a:r>
-          </a:p>
-          <a:p>
-            <a:pPr marL="742950" lvl="1" indent="-285750">
-              <a:spcBef>
-                <a:spcPct val="20000"/>
-              </a:spcBef>
-              <a:buFont typeface="Arial" charset="0"/>
-              <a:buChar char="–"/>
-            </a:pPr>
-            <a:r>
-              <a:rPr lang="en-US" altLang="zh-CN" sz="2000">
-                <a:solidFill>
-                  <a:schemeClr val="tx2"/>
-                </a:solidFill>
-                <a:latin typeface="Arial" charset="0"/>
-                <a:ea typeface="MS PGothic" pitchFamily="34" charset="-128"/>
-              </a:rPr>
-              <a:t>Task migration among blocks.</a:t>
+                <a:latin typeface="宋体" charset="-122"/>
+              </a:rPr>
+              <a:t>块内任务迁移</a:t>
             </a:r>
           </a:p>
           <a:p>
@@ -3940,7 +3855,7 @@
               <a:buFont typeface="Arial" charset="0"/>
               <a:buNone/>
             </a:pPr>
-            <a:endParaRPr lang="en-US" altLang="zh-CN" sz="2000">
+            <a:endParaRPr lang="en-US" altLang="zh-CN" sz="2800">
               <a:solidFill>
                 <a:schemeClr val="tx1"/>
               </a:solidFill>
@@ -3950,9 +3865,55 @@
           </a:p>
         </p:txBody>
       </p:sp>
+      <p:sp>
+        <p:nvSpPr>
+          <p:cNvPr id="23555" name="Text Box 7"/>
+          <p:cNvSpPr txBox="1">
+            <a:spLocks noChangeArrowheads="1"/>
+          </p:cNvSpPr>
+          <p:nvPr/>
+        </p:nvSpPr>
+        <p:spPr bwMode="auto">
+          <a:xfrm>
+            <a:off x="1666875" y="6246813"/>
+            <a:ext cx="3994150" cy="366712"/>
+          </a:xfrm>
+          <a:prstGeom prst="rect">
+            <a:avLst/>
+          </a:prstGeom>
+          <a:noFill/>
+          <a:ln w="28575" algn="ctr">
+            <a:noFill/>
+            <a:miter lim="800000"/>
+            <a:headEnd/>
+            <a:tailEnd/>
+          </a:ln>
+        </p:spPr>
+        <p:txBody>
+          <a:bodyPr>
+            <a:spAutoFit/>
+          </a:bodyPr>
+          <a:lstStyle/>
+          <a:p>
+            <a:pPr>
+              <a:spcBef>
+                <a:spcPct val="50000"/>
+              </a:spcBef>
+            </a:pPr>
+            <a:r>
+              <a:rPr lang="en-US" altLang="zh-CN">
+                <a:solidFill>
+                  <a:schemeClr val="tx2"/>
+                </a:solidFill>
+              </a:rPr>
+              <a:t>Example of block I (threshold is 3)</a:t>
+            </a:r>
+          </a:p>
+        </p:txBody>
+      </p:sp>
       <p:pic>
         <p:nvPicPr>
-          <p:cNvPr id="22531" name="Picture 5" descr="tu17"/>
+          <p:cNvPr id="23556" name="Picture 8" descr="tu5"/>
           <p:cNvPicPr>
             <a:picLocks noChangeAspect="1" noChangeArrowheads="1"/>
           </p:cNvPicPr>
@@ -3967,8 +3928,8 @@
         </p:blipFill>
         <p:spPr bwMode="auto">
           <a:xfrm>
-            <a:off x="2212975" y="2439988"/>
-            <a:ext cx="3848100" cy="3867150"/>
+            <a:off x="842963" y="1628775"/>
+            <a:ext cx="7843837" cy="4618038"/>
           </a:xfrm>
           <a:prstGeom prst="rect">
             <a:avLst/>
@@ -3982,6 +3943,50 @@
           </a:ln>
         </p:spPr>
       </p:pic>
+      <p:sp>
+        <p:nvSpPr>
+          <p:cNvPr id="23558" name="Title 1"/>
+          <p:cNvSpPr txBox="1">
+            <a:spLocks/>
+          </p:cNvSpPr>
+          <p:nvPr/>
+        </p:nvSpPr>
+        <p:spPr bwMode="auto">
+          <a:xfrm>
+            <a:off x="457200" y="76200"/>
+            <a:ext cx="8229600" cy="1143000"/>
+          </a:xfrm>
+          <a:prstGeom prst="rect">
+            <a:avLst/>
+          </a:prstGeom>
+          <a:noFill/>
+          <a:ln w="9525">
+            <a:noFill/>
+            <a:miter lim="800000"/>
+            <a:headEnd/>
+            <a:tailEnd/>
+          </a:ln>
+        </p:spPr>
+        <p:txBody>
+          <a:bodyPr anchor="ctr"/>
+          <a:lstStyle/>
+          <a:p>
+            <a:r>
+              <a:rPr lang="zh-CN" altLang="en-US" sz="4400">
+                <a:solidFill>
+                  <a:srgbClr val="FF6600"/>
+                </a:solidFill>
+              </a:rPr>
+              <a:t>改进的分层方法</a:t>
+            </a:r>
+            <a:endParaRPr lang="en-US" altLang="zh-CN" sz="4400">
+              <a:solidFill>
+                <a:srgbClr val="FF6600"/>
+              </a:solidFill>
+            </a:endParaRPr>
+          </a:p>
+        </p:txBody>
+      </p:sp>
     </p:spTree>
   </p:cSld>
   <p:clrMapOvr>
@@ -4016,16 +4021,16 @@
       </p:grpSpPr>
       <p:sp>
         <p:nvSpPr>
-          <p:cNvPr id="23553" name="Title 1"/>
+          <p:cNvPr id="24578" name="Rectangle 3"/>
           <p:cNvSpPr txBox="1">
-            <a:spLocks/>
+            <a:spLocks noChangeArrowheads="1"/>
           </p:cNvSpPr>
           <p:nvPr/>
         </p:nvSpPr>
         <p:spPr bwMode="auto">
           <a:xfrm>
-            <a:off x="457200" y="76200"/>
-            <a:ext cx="8229600" cy="1143000"/>
+            <a:off x="195263" y="1217613"/>
+            <a:ext cx="8839200" cy="2278062"/>
           </a:xfrm>
           <a:prstGeom prst="rect">
             <a:avLst/>
@@ -4039,49 +4044,10 @@
           </a:ln>
         </p:spPr>
         <p:txBody>
-          <a:bodyPr anchor="ctr"/>
-          <a:lstStyle/>
-          <a:p>
-            <a:r>
-              <a:rPr lang="en-US" altLang="zh-CN" sz="4400">
-                <a:solidFill>
-                  <a:srgbClr val="FF6600"/>
-                </a:solidFill>
-              </a:rPr>
-              <a:t>The Hierarchical method </a:t>
-            </a:r>
-          </a:p>
-        </p:txBody>
-      </p:sp>
-      <p:sp>
-        <p:nvSpPr>
-          <p:cNvPr id="23554" name="Rectangle 3"/>
-          <p:cNvSpPr txBox="1">
-            <a:spLocks noChangeArrowheads="1"/>
-          </p:cNvSpPr>
-          <p:nvPr/>
-        </p:nvSpPr>
-        <p:spPr bwMode="auto">
-          <a:xfrm>
-            <a:off x="228600" y="1219200"/>
-            <a:ext cx="8763000" cy="957263"/>
-          </a:xfrm>
-          <a:prstGeom prst="rect">
-            <a:avLst/>
-          </a:prstGeom>
-          <a:noFill/>
-          <a:ln w="9525">
-            <a:noFill/>
-            <a:miter lim="800000"/>
-            <a:headEnd/>
-            <a:tailEnd/>
-          </a:ln>
-        </p:spPr>
-        <p:txBody>
           <a:bodyPr/>
           <a:lstStyle/>
           <a:p>
-            <a:pPr marL="342900" indent="-342900">
+            <a:pPr marL="342900" lvl="1" indent="-342900">
               <a:spcBef>
                 <a:spcPct val="20000"/>
               </a:spcBef>
@@ -4089,18 +4055,35 @@
               <a:buChar char="•"/>
             </a:pPr>
             <a:r>
-              <a:rPr lang="en-US" altLang="zh-CN" sz="2400">
+              <a:rPr lang="zh-CN" altLang="en-US" sz="2800">
                 <a:solidFill>
                   <a:schemeClr val="tx2"/>
                 </a:solidFill>
-                <a:latin typeface="Arial" charset="0"/>
-                <a:ea typeface="MS PGothic" pitchFamily="34" charset="-128"/>
-              </a:rPr>
-              <a:t>Task migration inside each block</a:t>
-            </a:r>
-          </a:p>
-          <a:p>
-            <a:pPr marL="342900" indent="-342900">
+                <a:latin typeface="宋体" charset="-122"/>
+              </a:rPr>
+              <a:t>没有匹配上的核可能在块间可以匹配</a:t>
+            </a:r>
+          </a:p>
+          <a:p>
+            <a:pPr marL="342900" lvl="1" indent="-342900">
+              <a:spcBef>
+                <a:spcPct val="20000"/>
+              </a:spcBef>
+              <a:buFont typeface="Arial" charset="0"/>
+              <a:buChar char="•"/>
+            </a:pPr>
+            <a:r>
+              <a:rPr lang="zh-CN" altLang="en-US" sz="2800">
+                <a:solidFill>
+                  <a:schemeClr val="tx2"/>
+                </a:solidFill>
+                <a:latin typeface="宋体" charset="-122"/>
+              </a:rPr>
+              <a:t>将未匹配核集中到一起</a:t>
+            </a:r>
+          </a:p>
+          <a:p>
+            <a:pPr>
               <a:spcBef>
                 <a:spcPct val="20000"/>
               </a:spcBef>
@@ -4111,61 +4094,30 @@
               <a:solidFill>
                 <a:schemeClr val="tx1"/>
               </a:solidFill>
+              <a:latin typeface="宋体" charset="-122"/>
+            </a:endParaRPr>
+          </a:p>
+          <a:p>
+            <a:pPr>
+              <a:spcBef>
+                <a:spcPct val="20000"/>
+              </a:spcBef>
+              <a:buFont typeface="Arial" charset="0"/>
+              <a:buChar char="•"/>
+            </a:pPr>
+            <a:endParaRPr lang="en-US" altLang="zh-CN" sz="2400">
+              <a:solidFill>
+                <a:srgbClr val="7F7F7F"/>
+              </a:solidFill>
               <a:latin typeface="Arial" charset="0"/>
               <a:ea typeface="MS PGothic" pitchFamily="34" charset="-128"/>
             </a:endParaRPr>
           </a:p>
         </p:txBody>
       </p:sp>
-      <p:sp>
-        <p:nvSpPr>
-          <p:cNvPr id="23555" name="Text Box 7"/>
-          <p:cNvSpPr txBox="1">
-            <a:spLocks noChangeArrowheads="1"/>
-          </p:cNvSpPr>
-          <p:nvPr/>
-        </p:nvSpPr>
-        <p:spPr bwMode="auto">
-          <a:xfrm>
-            <a:off x="1666875" y="6246813"/>
-            <a:ext cx="3994150" cy="366712"/>
-          </a:xfrm>
-          <a:prstGeom prst="rect">
-            <a:avLst/>
-          </a:prstGeom>
-          <a:noFill/>
-          <a:ln w="28575" algn="ctr">
-            <a:noFill/>
-            <a:miter lim="800000"/>
-            <a:headEnd/>
-            <a:tailEnd/>
-          </a:ln>
-        </p:spPr>
-        <p:txBody>
-          <a:bodyPr>
-            <a:spAutoFit/>
-          </a:bodyPr>
-          <a:lstStyle/>
-          <a:p>
-            <a:pPr>
-              <a:spcBef>
-                <a:spcPct val="50000"/>
-              </a:spcBef>
-            </a:pPr>
-            <a:r>
-              <a:rPr lang="en-US" altLang="zh-CN">
-                <a:solidFill>
-                  <a:schemeClr val="tx2"/>
-                </a:solidFill>
-              </a:rPr>
-              <a:t>Example of block I (threshold is 3)</a:t>
-            </a:r>
-          </a:p>
-        </p:txBody>
-      </p:sp>
       <p:pic>
         <p:nvPicPr>
-          <p:cNvPr id="23556" name="Picture 8" descr="tu5"/>
+          <p:cNvPr id="24579" name="Picture 5" descr="tu16"/>
           <p:cNvPicPr>
             <a:picLocks noChangeAspect="1" noChangeArrowheads="1"/>
           </p:cNvPicPr>
@@ -4180,8 +4132,8 @@
         </p:blipFill>
         <p:spPr bwMode="auto">
           <a:xfrm>
-            <a:off x="457200" y="1628775"/>
-            <a:ext cx="7843838" cy="4618038"/>
+            <a:off x="1804988" y="2251075"/>
+            <a:ext cx="4340225" cy="4370388"/>
           </a:xfrm>
           <a:prstGeom prst="rect">
             <a:avLst/>
@@ -4195,6 +4147,50 @@
           </a:ln>
         </p:spPr>
       </p:pic>
+      <p:sp>
+        <p:nvSpPr>
+          <p:cNvPr id="24581" name="Title 1"/>
+          <p:cNvSpPr txBox="1">
+            <a:spLocks/>
+          </p:cNvSpPr>
+          <p:nvPr/>
+        </p:nvSpPr>
+        <p:spPr bwMode="auto">
+          <a:xfrm>
+            <a:off x="457200" y="76200"/>
+            <a:ext cx="8229600" cy="1143000"/>
+          </a:xfrm>
+          <a:prstGeom prst="rect">
+            <a:avLst/>
+          </a:prstGeom>
+          <a:noFill/>
+          <a:ln w="9525">
+            <a:noFill/>
+            <a:miter lim="800000"/>
+            <a:headEnd/>
+            <a:tailEnd/>
+          </a:ln>
+        </p:spPr>
+        <p:txBody>
+          <a:bodyPr anchor="ctr"/>
+          <a:lstStyle/>
+          <a:p>
+            <a:r>
+              <a:rPr lang="zh-CN" altLang="en-US" sz="4400">
+                <a:solidFill>
+                  <a:srgbClr val="FF6600"/>
+                </a:solidFill>
+              </a:rPr>
+              <a:t>改进的分层方法</a:t>
+            </a:r>
+            <a:endParaRPr lang="en-US" altLang="zh-CN" sz="4400">
+              <a:solidFill>
+                <a:srgbClr val="FF6600"/>
+              </a:solidFill>
+            </a:endParaRPr>
+          </a:p>
+        </p:txBody>
+      </p:sp>
     </p:spTree>
   </p:cSld>
   <p:clrMapOvr>
@@ -4229,16 +4225,16 @@
       </p:grpSpPr>
       <p:sp>
         <p:nvSpPr>
-          <p:cNvPr id="24577" name="Title 1"/>
+          <p:cNvPr id="25602" name="Rectangle 3"/>
           <p:cNvSpPr txBox="1">
-            <a:spLocks/>
+            <a:spLocks noChangeArrowheads="1"/>
           </p:cNvSpPr>
           <p:nvPr/>
         </p:nvSpPr>
         <p:spPr bwMode="auto">
           <a:xfrm>
-            <a:off x="457200" y="44450"/>
-            <a:ext cx="8577263" cy="1143000"/>
+            <a:off x="195263" y="1217613"/>
+            <a:ext cx="8839200" cy="1323975"/>
           </a:xfrm>
           <a:prstGeom prst="rect">
             <a:avLst/>
@@ -4252,49 +4248,6 @@
           </a:ln>
         </p:spPr>
         <p:txBody>
-          <a:bodyPr anchor="ctr"/>
-          <a:lstStyle/>
-          <a:p>
-            <a:r>
-              <a:rPr lang="en-US" altLang="zh-CN" sz="4400">
-                <a:solidFill>
-                  <a:srgbClr val="FF6600"/>
-                </a:solidFill>
-              </a:rPr>
-              <a:t>The Hierarchical method</a:t>
-            </a:r>
-            <a:r>
-              <a:rPr lang="en-US" altLang="zh-CN" sz="4400"/>
-              <a:t> </a:t>
-            </a:r>
-          </a:p>
-        </p:txBody>
-      </p:sp>
-      <p:sp>
-        <p:nvSpPr>
-          <p:cNvPr id="24578" name="Rectangle 3"/>
-          <p:cNvSpPr txBox="1">
-            <a:spLocks noChangeArrowheads="1"/>
-          </p:cNvSpPr>
-          <p:nvPr/>
-        </p:nvSpPr>
-        <p:spPr bwMode="auto">
-          <a:xfrm>
-            <a:off x="195263" y="1217613"/>
-            <a:ext cx="8839200" cy="2278062"/>
-          </a:xfrm>
-          <a:prstGeom prst="rect">
-            <a:avLst/>
-          </a:prstGeom>
-          <a:noFill/>
-          <a:ln w="9525">
-            <a:noFill/>
-            <a:miter lim="800000"/>
-            <a:headEnd/>
-            <a:tailEnd/>
-          </a:ln>
-        </p:spPr>
-        <p:txBody>
           <a:bodyPr/>
           <a:lstStyle/>
           <a:p>
@@ -4306,33 +4259,58 @@
               <a:buChar char="•"/>
             </a:pPr>
             <a:r>
-              <a:rPr lang="en-US" altLang="zh-CN" sz="2800">
+              <a:rPr lang="zh-CN" altLang="en-US" sz="2800">
                 <a:solidFill>
                   <a:schemeClr val="tx2"/>
                 </a:solidFill>
-                <a:latin typeface="Arial" charset="0"/>
-                <a:ea typeface="MS PGothic" pitchFamily="34" charset="-128"/>
-              </a:rPr>
-              <a:t>Unmatched cores maybe match between blocks.</a:t>
-            </a:r>
-          </a:p>
-          <a:p>
-            <a:pPr marL="342900" lvl="1" indent="-342900">
+                <a:latin typeface="宋体" charset="-122"/>
+              </a:rPr>
+              <a:t>未匹配核的数量可能很大</a:t>
+            </a:r>
+          </a:p>
+          <a:p>
+            <a:pPr marL="1143000" lvl="2" indent="-228600">
               <a:spcBef>
                 <a:spcPct val="20000"/>
               </a:spcBef>
               <a:buFont typeface="Arial" charset="0"/>
-              <a:buChar char="•"/>
-            </a:pPr>
-            <a:r>
-              <a:rPr lang="en-US" altLang="zh-CN" sz="2800">
+              <a:buChar char="–"/>
+            </a:pPr>
+            <a:r>
+              <a:rPr lang="zh-CN" altLang="en-US" sz="2000">
                 <a:solidFill>
                   <a:schemeClr val="tx2"/>
                 </a:solidFill>
-                <a:latin typeface="Arial" charset="0"/>
-                <a:ea typeface="MS PGothic" pitchFamily="34" charset="-128"/>
-              </a:rPr>
-              <a:t>Collect unmatched cores.</a:t>
+                <a:latin typeface="宋体" charset="-122"/>
+              </a:rPr>
+              <a:t>如果未匹配核数量很小，直接进行匹配</a:t>
+            </a:r>
+            <a:r>
+              <a:rPr lang="en-US" altLang="zh-CN" sz="2000">
+                <a:solidFill>
+                  <a:schemeClr val="tx2"/>
+                </a:solidFill>
+                <a:latin typeface="宋体" charset="-122"/>
+              </a:rPr>
+              <a:t>.</a:t>
+            </a:r>
+          </a:p>
+          <a:p>
+            <a:pPr marL="1143000" lvl="2" indent="-228600">
+              <a:spcBef>
+                <a:spcPct val="20000"/>
+              </a:spcBef>
+              <a:buFont typeface="Arial" charset="0"/>
+              <a:buChar char="–"/>
+            </a:pPr>
+            <a:r>
+              <a:rPr lang="zh-CN" altLang="en-US" sz="2000">
+                <a:solidFill>
+                  <a:schemeClr val="tx2"/>
+                </a:solidFill>
+                <a:latin typeface="宋体" charset="-122"/>
+              </a:rPr>
+              <a:t>否则用最小割算法将其划分</a:t>
             </a:r>
           </a:p>
           <a:p>
@@ -4343,12 +4321,11 @@
               <a:buFont typeface="Arial" charset="0"/>
               <a:buNone/>
             </a:pPr>
-            <a:endParaRPr lang="en-US" altLang="zh-CN" sz="2400">
+            <a:endParaRPr lang="en-US" altLang="zh-CN" sz="2000">
               <a:solidFill>
                 <a:schemeClr val="tx1"/>
               </a:solidFill>
-              <a:latin typeface="Arial" charset="0"/>
-              <a:ea typeface="MS PGothic" pitchFamily="34" charset="-128"/>
+              <a:latin typeface="宋体" charset="-122"/>
             </a:endParaRPr>
           </a:p>
           <a:p>
@@ -4369,9 +4346,48 @@
           </a:p>
         </p:txBody>
       </p:sp>
+      <p:sp>
+        <p:nvSpPr>
+          <p:cNvPr id="25603" name="AutoShape 17"/>
+          <p:cNvSpPr>
+            <a:spLocks noChangeArrowheads="1"/>
+          </p:cNvSpPr>
+          <p:nvPr/>
+        </p:nvSpPr>
+        <p:spPr bwMode="auto">
+          <a:xfrm>
+            <a:off x="4005263" y="3990975"/>
+            <a:ext cx="1133475" cy="538163"/>
+          </a:xfrm>
+          <a:prstGeom prst="rightArrow">
+            <a:avLst>
+              <a:gd name="adj1" fmla="val 50000"/>
+              <a:gd name="adj2" fmla="val 52655"/>
+            </a:avLst>
+          </a:prstGeom>
+          <a:solidFill>
+            <a:schemeClr val="bg1"/>
+          </a:solidFill>
+          <a:ln w="28575" algn="ctr">
+            <a:solidFill>
+              <a:schemeClr val="tx1"/>
+            </a:solidFill>
+            <a:miter lim="800000"/>
+            <a:headEnd/>
+            <a:tailEnd/>
+          </a:ln>
+        </p:spPr>
+        <p:txBody>
+          <a:bodyPr wrap="none" anchor="ctr"/>
+          <a:lstStyle/>
+          <a:p>
+            <a:endParaRPr lang="zh-CN" altLang="en-US"/>
+          </a:p>
+        </p:txBody>
+      </p:sp>
       <p:pic>
         <p:nvPicPr>
-          <p:cNvPr id="24579" name="Picture 5" descr="tu16"/>
+          <p:cNvPr id="25604" name="Picture 18" descr="tu2"/>
           <p:cNvPicPr>
             <a:picLocks noChangeAspect="1" noChangeArrowheads="1"/>
           </p:cNvPicPr>
@@ -4386,8 +4402,8 @@
         </p:blipFill>
         <p:spPr bwMode="auto">
           <a:xfrm>
-            <a:off x="1804988" y="2251075"/>
-            <a:ext cx="4340225" cy="4370388"/>
+            <a:off x="5546725" y="2563813"/>
+            <a:ext cx="2843213" cy="4084637"/>
           </a:xfrm>
           <a:prstGeom prst="rect">
             <a:avLst/>
@@ -4401,6 +4417,82 @@
           </a:ln>
         </p:spPr>
       </p:pic>
+      <p:pic>
+        <p:nvPicPr>
+          <p:cNvPr id="25605" name="Picture 19" descr="tu1"/>
+          <p:cNvPicPr>
+            <a:picLocks noChangeAspect="1" noChangeArrowheads="1"/>
+          </p:cNvPicPr>
+          <p:nvPr/>
+        </p:nvPicPr>
+        <p:blipFill>
+          <a:blip r:embed="rId3"/>
+          <a:srcRect/>
+          <a:stretch>
+            <a:fillRect/>
+          </a:stretch>
+        </p:blipFill>
+        <p:spPr bwMode="auto">
+          <a:xfrm>
+            <a:off x="722313" y="2541588"/>
+            <a:ext cx="2889250" cy="4106862"/>
+          </a:xfrm>
+          <a:prstGeom prst="rect">
+            <a:avLst/>
+          </a:prstGeom>
+          <a:noFill/>
+          <a:ln w="9525">
+            <a:noFill/>
+            <a:miter lim="800000"/>
+            <a:headEnd/>
+            <a:tailEnd/>
+          </a:ln>
+        </p:spPr>
+      </p:pic>
+      <p:sp>
+        <p:nvSpPr>
+          <p:cNvPr id="25607" name="Title 1"/>
+          <p:cNvSpPr txBox="1">
+            <a:spLocks/>
+          </p:cNvSpPr>
+          <p:nvPr/>
+        </p:nvSpPr>
+        <p:spPr bwMode="auto">
+          <a:xfrm>
+            <a:off x="457200" y="76200"/>
+            <a:ext cx="8229600" cy="1143000"/>
+          </a:xfrm>
+          <a:prstGeom prst="rect">
+            <a:avLst/>
+          </a:prstGeom>
+          <a:noFill/>
+          <a:ln w="9525">
+            <a:noFill/>
+            <a:miter lim="800000"/>
+            <a:headEnd/>
+            <a:tailEnd/>
+          </a:ln>
+        </p:spPr>
+        <p:txBody>
+          <a:bodyPr anchor="ctr"/>
+          <a:lstStyle/>
+          <a:p>
+            <a:r>
+              <a:rPr lang="zh-CN" altLang="en-US" sz="4400">
+                <a:solidFill>
+                  <a:srgbClr val="FF6600"/>
+                </a:solidFill>
+              </a:rPr>
+              <a:t>改进的分层方法</a:t>
+            </a:r>
+            <a:endParaRPr lang="en-US" altLang="zh-CN" sz="4400">
+              <a:solidFill>
+                <a:srgbClr val="FF6600"/>
+              </a:solidFill>
+            </a:endParaRPr>
+          </a:p>
+        </p:txBody>
+      </p:sp>
     </p:spTree>
   </p:cSld>
   <p:clrMapOvr>
@@ -4435,16 +4527,16 @@
       </p:grpSpPr>
       <p:sp>
         <p:nvSpPr>
-          <p:cNvPr id="25601" name="Title 1"/>
+          <p:cNvPr id="26626" name="Rectangle 3"/>
           <p:cNvSpPr txBox="1">
-            <a:spLocks/>
+            <a:spLocks noChangeArrowheads="1"/>
           </p:cNvSpPr>
           <p:nvPr/>
         </p:nvSpPr>
         <p:spPr bwMode="auto">
           <a:xfrm>
-            <a:off x="457200" y="44450"/>
-            <a:ext cx="8577263" cy="1143000"/>
+            <a:off x="650875" y="1217613"/>
+            <a:ext cx="8383588" cy="1323975"/>
           </a:xfrm>
           <a:prstGeom prst="rect">
             <a:avLst/>
@@ -4458,108 +4550,8 @@
           </a:ln>
         </p:spPr>
         <p:txBody>
-          <a:bodyPr anchor="ctr"/>
-          <a:lstStyle/>
-          <a:p>
-            <a:r>
-              <a:rPr lang="en-US" altLang="zh-CN" sz="4400">
-                <a:solidFill>
-                  <a:srgbClr val="FF6600"/>
-                </a:solidFill>
-              </a:rPr>
-              <a:t>The Hierarchical method</a:t>
-            </a:r>
-            <a:r>
-              <a:rPr lang="en-US" altLang="zh-CN" sz="4400"/>
-              <a:t> </a:t>
-            </a:r>
-          </a:p>
-        </p:txBody>
-      </p:sp>
-      <p:sp>
-        <p:nvSpPr>
-          <p:cNvPr id="25602" name="Rectangle 3"/>
-          <p:cNvSpPr txBox="1">
-            <a:spLocks noChangeArrowheads="1"/>
-          </p:cNvSpPr>
-          <p:nvPr/>
-        </p:nvSpPr>
-        <p:spPr bwMode="auto">
-          <a:xfrm>
-            <a:off x="195263" y="1217613"/>
-            <a:ext cx="8839200" cy="1323975"/>
-          </a:xfrm>
-          <a:prstGeom prst="rect">
-            <a:avLst/>
-          </a:prstGeom>
-          <a:noFill/>
-          <a:ln w="9525">
-            <a:noFill/>
-            <a:miter lim="800000"/>
-            <a:headEnd/>
-            <a:tailEnd/>
-          </a:ln>
-        </p:spPr>
-        <p:txBody>
           <a:bodyPr/>
           <a:lstStyle/>
-          <a:p>
-            <a:pPr marL="342900" lvl="1" indent="-342900">
-              <a:spcBef>
-                <a:spcPct val="20000"/>
-              </a:spcBef>
-              <a:buFont typeface="Arial" charset="0"/>
-              <a:buChar char="•"/>
-            </a:pPr>
-            <a:r>
-              <a:rPr lang="en-US" altLang="zh-CN" sz="2800">
-                <a:solidFill>
-                  <a:schemeClr val="tx2"/>
-                </a:solidFill>
-                <a:latin typeface="Arial" charset="0"/>
-                <a:ea typeface="MS PGothic" pitchFamily="34" charset="-128"/>
-              </a:rPr>
-              <a:t>The number of unmatched cores maybe very large.</a:t>
-            </a:r>
-          </a:p>
-          <a:p>
-            <a:pPr marL="1143000" lvl="2" indent="-228600">
-              <a:spcBef>
-                <a:spcPct val="20000"/>
-              </a:spcBef>
-              <a:buFont typeface="Arial" charset="0"/>
-              <a:buChar char="–"/>
-            </a:pPr>
-            <a:r>
-              <a:rPr lang="en-US" altLang="zh-CN" sz="2000">
-                <a:solidFill>
-                  <a:schemeClr val="tx2"/>
-                </a:solidFill>
-                <a:latin typeface="Arial" charset="0"/>
-                <a:ea typeface="MS PGothic" pitchFamily="34" charset="-128"/>
-              </a:rPr>
-              <a:t>If there is little unmatched cores, match those directly.</a:t>
-            </a:r>
-          </a:p>
-          <a:p>
-            <a:pPr marL="1143000" lvl="2" indent="-228600">
-              <a:spcBef>
-                <a:spcPct val="20000"/>
-              </a:spcBef>
-              <a:buFont typeface="Arial" charset="0"/>
-              <a:buChar char="–"/>
-            </a:pPr>
-            <a:r>
-              <a:rPr lang="en-US" altLang="zh-CN" sz="2000">
-                <a:solidFill>
-                  <a:schemeClr val="tx2"/>
-                </a:solidFill>
-                <a:latin typeface="Arial" charset="0"/>
-                <a:ea typeface="MS PGothic" pitchFamily="34" charset="-128"/>
-              </a:rPr>
-              <a:t>Else partition again using a minimum cut algorithm.</a:t>
-            </a:r>
-          </a:p>
           <a:p>
             <a:pPr>
               <a:spcBef>
@@ -4568,13 +4560,15 @@
               <a:buFont typeface="Arial" charset="0"/>
               <a:buNone/>
             </a:pPr>
-            <a:endParaRPr lang="en-US" altLang="zh-CN" sz="2000">
-              <a:solidFill>
-                <a:schemeClr val="tx1"/>
-              </a:solidFill>
-              <a:latin typeface="Arial" charset="0"/>
-              <a:ea typeface="MS PGothic" pitchFamily="34" charset="-128"/>
-            </a:endParaRPr>
+            <a:r>
+              <a:rPr lang="zh-CN" altLang="en-US" sz="2800">
+                <a:solidFill>
+                  <a:schemeClr val="tx2"/>
+                </a:solidFill>
+                <a:latin typeface="Arial" charset="0"/>
+              </a:rPr>
+              <a:t>每部分内部匹配</a:t>
+            </a:r>
           </a:p>
           <a:p>
             <a:pPr>
@@ -4584,19 +4578,18 @@
               <a:buFont typeface="Arial" charset="0"/>
               <a:buChar char="•"/>
             </a:pPr>
-            <a:endParaRPr lang="en-US" altLang="zh-CN" sz="2400">
+            <a:endParaRPr lang="en-US" altLang="zh-CN" sz="2800">
               <a:solidFill>
-                <a:srgbClr val="7F7F7F"/>
+                <a:schemeClr val="tx1"/>
               </a:solidFill>
               <a:latin typeface="Arial" charset="0"/>
-              <a:ea typeface="MS PGothic" pitchFamily="34" charset="-128"/>
             </a:endParaRPr>
           </a:p>
         </p:txBody>
       </p:sp>
       <p:sp>
         <p:nvSpPr>
-          <p:cNvPr id="25603" name="AutoShape 17"/>
+          <p:cNvPr id="26627" name="AutoShape 6"/>
           <p:cNvSpPr>
             <a:spLocks noChangeArrowheads="1"/>
           </p:cNvSpPr>
@@ -4635,7 +4628,7 @@
       </p:sp>
       <p:pic>
         <p:nvPicPr>
-          <p:cNvPr id="25604" name="Picture 18" descr="tu2"/>
+          <p:cNvPr id="26628" name="Picture 9" descr="tu2"/>
           <p:cNvPicPr>
             <a:picLocks noChangeAspect="1" noChangeArrowheads="1"/>
           </p:cNvPicPr>
@@ -4650,8 +4643,8 @@
         </p:blipFill>
         <p:spPr bwMode="auto">
           <a:xfrm>
-            <a:off x="5546725" y="2563813"/>
-            <a:ext cx="2843213" cy="4084637"/>
+            <a:off x="650875" y="2352675"/>
+            <a:ext cx="2843213" cy="4084638"/>
           </a:xfrm>
           <a:prstGeom prst="rect">
             <a:avLst/>
@@ -4667,7 +4660,7 @@
       </p:pic>
       <p:pic>
         <p:nvPicPr>
-          <p:cNvPr id="25605" name="Picture 19" descr="tu1"/>
+          <p:cNvPr id="26629" name="Picture 10" descr="tu3"/>
           <p:cNvPicPr>
             <a:picLocks noChangeAspect="1" noChangeArrowheads="1"/>
           </p:cNvPicPr>
@@ -4682,8 +4675,8 @@
         </p:blipFill>
         <p:spPr bwMode="auto">
           <a:xfrm>
-            <a:off x="722313" y="2541588"/>
-            <a:ext cx="2889250" cy="4106862"/>
+            <a:off x="5430838" y="2003425"/>
+            <a:ext cx="2946400" cy="4433888"/>
           </a:xfrm>
           <a:prstGeom prst="rect">
             <a:avLst/>
@@ -4697,6 +4690,50 @@
           </a:ln>
         </p:spPr>
       </p:pic>
+      <p:sp>
+        <p:nvSpPr>
+          <p:cNvPr id="26631" name="Title 1"/>
+          <p:cNvSpPr txBox="1">
+            <a:spLocks/>
+          </p:cNvSpPr>
+          <p:nvPr/>
+        </p:nvSpPr>
+        <p:spPr bwMode="auto">
+          <a:xfrm>
+            <a:off x="457200" y="76200"/>
+            <a:ext cx="8229600" cy="1143000"/>
+          </a:xfrm>
+          <a:prstGeom prst="rect">
+            <a:avLst/>
+          </a:prstGeom>
+          <a:noFill/>
+          <a:ln w="9525">
+            <a:noFill/>
+            <a:miter lim="800000"/>
+            <a:headEnd/>
+            <a:tailEnd/>
+          </a:ln>
+        </p:spPr>
+        <p:txBody>
+          <a:bodyPr anchor="ctr"/>
+          <a:lstStyle/>
+          <a:p>
+            <a:r>
+              <a:rPr lang="zh-CN" altLang="en-US" sz="4400">
+                <a:solidFill>
+                  <a:srgbClr val="FF6600"/>
+                </a:solidFill>
+              </a:rPr>
+              <a:t>改进的分层方法</a:t>
+            </a:r>
+            <a:endParaRPr lang="en-US" altLang="zh-CN" sz="4400">
+              <a:solidFill>
+                <a:srgbClr val="FF6600"/>
+              </a:solidFill>
+            </a:endParaRPr>
+          </a:p>
+        </p:txBody>
+      </p:sp>
     </p:spTree>
   </p:cSld>
   <p:clrMapOvr>
@@ -4731,16 +4768,16 @@
       </p:grpSpPr>
       <p:sp>
         <p:nvSpPr>
-          <p:cNvPr id="26625" name="Title 1"/>
+          <p:cNvPr id="27650" name="Rectangle 3"/>
           <p:cNvSpPr txBox="1">
-            <a:spLocks/>
+            <a:spLocks noChangeArrowheads="1"/>
           </p:cNvSpPr>
           <p:nvPr/>
         </p:nvSpPr>
         <p:spPr bwMode="auto">
           <a:xfrm>
-            <a:off x="457200" y="44450"/>
-            <a:ext cx="8577263" cy="1143000"/>
+            <a:off x="195263" y="1217613"/>
+            <a:ext cx="8839200" cy="1323975"/>
           </a:xfrm>
           <a:prstGeom prst="rect">
             <a:avLst/>
@@ -4754,49 +4791,6 @@
           </a:ln>
         </p:spPr>
         <p:txBody>
-          <a:bodyPr anchor="ctr"/>
-          <a:lstStyle/>
-          <a:p>
-            <a:r>
-              <a:rPr lang="en-US" altLang="zh-CN" sz="4400">
-                <a:solidFill>
-                  <a:srgbClr val="FF6600"/>
-                </a:solidFill>
-              </a:rPr>
-              <a:t>The Hierarchical method</a:t>
-            </a:r>
-            <a:r>
-              <a:rPr lang="en-US" altLang="zh-CN" sz="4400"/>
-              <a:t> </a:t>
-            </a:r>
-          </a:p>
-        </p:txBody>
-      </p:sp>
-      <p:sp>
-        <p:nvSpPr>
-          <p:cNvPr id="26626" name="Rectangle 3"/>
-          <p:cNvSpPr txBox="1">
-            <a:spLocks noChangeArrowheads="1"/>
-          </p:cNvSpPr>
-          <p:nvPr/>
-        </p:nvSpPr>
-        <p:spPr bwMode="auto">
-          <a:xfrm>
-            <a:off x="650875" y="1217613"/>
-            <a:ext cx="8383588" cy="1323975"/>
-          </a:xfrm>
-          <a:prstGeom prst="rect">
-            <a:avLst/>
-          </a:prstGeom>
-          <a:noFill/>
-          <a:ln w="9525">
-            <a:noFill/>
-            <a:miter lim="800000"/>
-            <a:headEnd/>
-            <a:tailEnd/>
-          </a:ln>
-        </p:spPr>
-        <p:txBody>
           <a:bodyPr/>
           <a:lstStyle/>
           <a:p>
@@ -4808,14 +4802,31 @@
               <a:buNone/>
             </a:pPr>
             <a:r>
+              <a:rPr lang="zh-CN" altLang="en-US" sz="2000">
+                <a:solidFill>
+                  <a:schemeClr val="tx2"/>
+                </a:solidFill>
+                <a:latin typeface="宋体" charset="-122"/>
+              </a:rPr>
+              <a:t>最后没有匹配上的核再采用</a:t>
+            </a:r>
+            <a:r>
               <a:rPr lang="en-US" altLang="zh-CN" sz="2000">
                 <a:solidFill>
                   <a:schemeClr val="tx2"/>
                 </a:solidFill>
-                <a:latin typeface="Arial" charset="0"/>
-                <a:ea typeface="MS PGothic" pitchFamily="34" charset="-128"/>
-              </a:rPr>
-              <a:t>Match inside each part.</a:t>
+                <a:latin typeface="宋体" charset="-122"/>
+              </a:rPr>
+              <a:t>DVFS</a:t>
+            </a:r>
+            <a:r>
+              <a:rPr lang="zh-CN" altLang="en-US" sz="2000">
+                <a:solidFill>
+                  <a:schemeClr val="tx2"/>
+                </a:solidFill>
+                <a:latin typeface="宋体" charset="-122"/>
+              </a:rPr>
+              <a:t>处理。</a:t>
             </a:r>
           </a:p>
           <a:p>
@@ -4830,54 +4841,14 @@
               <a:solidFill>
                 <a:schemeClr val="tx1"/>
               </a:solidFill>
-              <a:latin typeface="Arial" charset="0"/>
-              <a:ea typeface="MS PGothic" pitchFamily="34" charset="-128"/>
+              <a:latin typeface="宋体" charset="-122"/>
             </a:endParaRPr>
-          </a:p>
-        </p:txBody>
-      </p:sp>
-      <p:sp>
-        <p:nvSpPr>
-          <p:cNvPr id="26627" name="AutoShape 6"/>
-          <p:cNvSpPr>
-            <a:spLocks noChangeArrowheads="1"/>
-          </p:cNvSpPr>
-          <p:nvPr/>
-        </p:nvSpPr>
-        <p:spPr bwMode="auto">
-          <a:xfrm>
-            <a:off x="4005263" y="3990975"/>
-            <a:ext cx="1133475" cy="538163"/>
-          </a:xfrm>
-          <a:prstGeom prst="rightArrow">
-            <a:avLst>
-              <a:gd name="adj1" fmla="val 50000"/>
-              <a:gd name="adj2" fmla="val 52655"/>
-            </a:avLst>
-          </a:prstGeom>
-          <a:solidFill>
-            <a:schemeClr val="bg1"/>
-          </a:solidFill>
-          <a:ln w="28575" algn="ctr">
-            <a:solidFill>
-              <a:schemeClr val="tx1"/>
-            </a:solidFill>
-            <a:miter lim="800000"/>
-            <a:headEnd/>
-            <a:tailEnd/>
-          </a:ln>
-        </p:spPr>
-        <p:txBody>
-          <a:bodyPr wrap="none" anchor="ctr"/>
-          <a:lstStyle/>
-          <a:p>
-            <a:endParaRPr lang="zh-CN" altLang="en-US"/>
           </a:p>
         </p:txBody>
       </p:sp>
       <p:pic>
         <p:nvPicPr>
-          <p:cNvPr id="26628" name="Picture 9" descr="tu2"/>
+          <p:cNvPr id="27651" name="Picture 6" descr="DVFSlast"/>
           <p:cNvPicPr>
             <a:picLocks noChangeAspect="1" noChangeArrowheads="1"/>
           </p:cNvPicPr>
@@ -4892,8 +4863,8 @@
         </p:blipFill>
         <p:spPr bwMode="auto">
           <a:xfrm>
-            <a:off x="650875" y="2352675"/>
-            <a:ext cx="2843213" cy="4084638"/>
+            <a:off x="960438" y="2065338"/>
+            <a:ext cx="6616700" cy="4206875"/>
           </a:xfrm>
           <a:prstGeom prst="rect">
             <a:avLst/>
@@ -4907,25 +4878,18 @@
           </a:ln>
         </p:spPr>
       </p:pic>
-      <p:pic>
-        <p:nvPicPr>
-          <p:cNvPr id="26629" name="Picture 10" descr="tu3"/>
-          <p:cNvPicPr>
-            <a:picLocks noChangeAspect="1" noChangeArrowheads="1"/>
-          </p:cNvPicPr>
+      <p:sp>
+        <p:nvSpPr>
+          <p:cNvPr id="27653" name="Title 1"/>
+          <p:cNvSpPr txBox="1">
+            <a:spLocks/>
+          </p:cNvSpPr>
           <p:nvPr/>
-        </p:nvPicPr>
-        <p:blipFill>
-          <a:blip r:embed="rId3"/>
-          <a:srcRect/>
-          <a:stretch>
-            <a:fillRect/>
-          </a:stretch>
-        </p:blipFill>
+        </p:nvSpPr>
         <p:spPr bwMode="auto">
           <a:xfrm>
-            <a:off x="5430838" y="2003425"/>
-            <a:ext cx="2946400" cy="4433888"/>
+            <a:off x="457200" y="76200"/>
+            <a:ext cx="8229600" cy="1143000"/>
           </a:xfrm>
           <a:prstGeom prst="rect">
             <a:avLst/>
@@ -4938,7 +4902,26 @@
             <a:tailEnd/>
           </a:ln>
         </p:spPr>
-      </p:pic>
+        <p:txBody>
+          <a:bodyPr anchor="ctr"/>
+          <a:lstStyle/>
+          <a:p>
+            <a:r>
+              <a:rPr lang="zh-CN" altLang="en-US" sz="4400">
+                <a:solidFill>
+                  <a:srgbClr val="FF6600"/>
+                </a:solidFill>
+              </a:rPr>
+              <a:t>改进的分层方法</a:t>
+            </a:r>
+            <a:endParaRPr lang="en-US" altLang="zh-CN" sz="4400">
+              <a:solidFill>
+                <a:srgbClr val="FF6600"/>
+              </a:solidFill>
+            </a:endParaRPr>
+          </a:p>
+        </p:txBody>
+      </p:sp>
     </p:spTree>
   </p:cSld>
   <p:clrMapOvr>
@@ -4973,16 +4956,16 @@
       </p:grpSpPr>
       <p:sp>
         <p:nvSpPr>
-          <p:cNvPr id="27649" name="Title 1"/>
+          <p:cNvPr id="28674" name="Rectangle 3"/>
           <p:cNvSpPr txBox="1">
-            <a:spLocks/>
+            <a:spLocks noChangeArrowheads="1"/>
           </p:cNvSpPr>
           <p:nvPr/>
         </p:nvSpPr>
         <p:spPr bwMode="auto">
           <a:xfrm>
-            <a:off x="457200" y="44450"/>
-            <a:ext cx="8577263" cy="1143000"/>
+            <a:off x="228600" y="1219200"/>
+            <a:ext cx="8763000" cy="957263"/>
           </a:xfrm>
           <a:prstGeom prst="rect">
             <a:avLst/>
@@ -4996,77 +4979,33 @@
           </a:ln>
         </p:spPr>
         <p:txBody>
-          <a:bodyPr anchor="ctr"/>
-          <a:lstStyle/>
-          <a:p>
-            <a:r>
-              <a:rPr lang="en-US" altLang="zh-CN" sz="4400">
-                <a:solidFill>
-                  <a:srgbClr val="FF6600"/>
-                </a:solidFill>
-              </a:rPr>
-              <a:t>The Hierarchical method</a:t>
-            </a:r>
-            <a:r>
-              <a:rPr lang="en-US" altLang="zh-CN" sz="4400"/>
-              <a:t> </a:t>
-            </a:r>
-          </a:p>
-        </p:txBody>
-      </p:sp>
-      <p:sp>
-        <p:nvSpPr>
-          <p:cNvPr id="27650" name="Rectangle 3"/>
-          <p:cNvSpPr txBox="1">
-            <a:spLocks noChangeArrowheads="1"/>
-          </p:cNvSpPr>
-          <p:nvPr/>
-        </p:nvSpPr>
-        <p:spPr bwMode="auto">
-          <a:xfrm>
-            <a:off x="195263" y="1217613"/>
-            <a:ext cx="8839200" cy="1323975"/>
-          </a:xfrm>
-          <a:prstGeom prst="rect">
-            <a:avLst/>
-          </a:prstGeom>
-          <a:noFill/>
-          <a:ln w="9525">
-            <a:noFill/>
-            <a:miter lim="800000"/>
-            <a:headEnd/>
-            <a:tailEnd/>
-          </a:ln>
-        </p:spPr>
-        <p:txBody>
           <a:bodyPr/>
           <a:lstStyle/>
           <a:p>
-            <a:pPr>
+            <a:pPr marL="342900" indent="-342900">
+              <a:spcBef>
+                <a:spcPct val="20000"/>
+              </a:spcBef>
+              <a:buFont typeface="Arial" charset="0"/>
+              <a:buChar char="•"/>
+            </a:pPr>
+            <a:r>
+              <a:rPr lang="zh-CN" altLang="en-US" sz="2400">
+                <a:solidFill>
+                  <a:schemeClr val="tx2"/>
+                </a:solidFill>
+                <a:latin typeface="宋体" charset="-122"/>
+              </a:rPr>
+              <a:t>功耗重新分配完成</a:t>
+            </a:r>
+          </a:p>
+          <a:p>
+            <a:pPr marL="342900" indent="-342900">
               <a:spcBef>
                 <a:spcPct val="20000"/>
               </a:spcBef>
               <a:buFont typeface="Arial" charset="0"/>
               <a:buNone/>
-            </a:pPr>
-            <a:r>
-              <a:rPr lang="en-US" altLang="zh-CN" sz="2000">
-                <a:solidFill>
-                  <a:schemeClr val="tx2"/>
-                </a:solidFill>
-                <a:latin typeface="Arial" charset="0"/>
-                <a:ea typeface="MS PGothic" pitchFamily="34" charset="-128"/>
-              </a:rPr>
-              <a:t>Use DVFS to the last unmatched cores.</a:t>
-            </a:r>
-          </a:p>
-          <a:p>
-            <a:pPr>
-              <a:spcBef>
-                <a:spcPct val="20000"/>
-              </a:spcBef>
-              <a:buFont typeface="Arial" charset="0"/>
-              <a:buChar char="•"/>
             </a:pPr>
             <a:endParaRPr lang="en-US" altLang="zh-CN" sz="2400">
               <a:solidFill>
@@ -5080,7 +5019,7 @@
       </p:sp>
       <p:pic>
         <p:nvPicPr>
-          <p:cNvPr id="27651" name="Picture 6" descr="DVFSlast"/>
+          <p:cNvPr id="28675" name="Picture 8" descr="tu5"/>
           <p:cNvPicPr>
             <a:picLocks noChangeAspect="1" noChangeArrowheads="1"/>
           </p:cNvPicPr>
@@ -5095,8 +5034,8 @@
         </p:blipFill>
         <p:spPr bwMode="auto">
           <a:xfrm>
-            <a:off x="960438" y="2065338"/>
-            <a:ext cx="6616700" cy="4206875"/>
+            <a:off x="228600" y="3100388"/>
+            <a:ext cx="4999038" cy="2943225"/>
           </a:xfrm>
           <a:prstGeom prst="rect">
             <a:avLst/>
@@ -5110,6 +5049,82 @@
           </a:ln>
         </p:spPr>
       </p:pic>
+      <p:pic>
+        <p:nvPicPr>
+          <p:cNvPr id="28676" name="Picture 6" descr="partlast"/>
+          <p:cNvPicPr>
+            <a:picLocks noChangeAspect="1" noChangeArrowheads="1"/>
+          </p:cNvPicPr>
+          <p:nvPr/>
+        </p:nvPicPr>
+        <p:blipFill>
+          <a:blip r:embed="rId3"/>
+          <a:srcRect/>
+          <a:stretch>
+            <a:fillRect/>
+          </a:stretch>
+        </p:blipFill>
+        <p:spPr bwMode="auto">
+          <a:xfrm>
+            <a:off x="5780088" y="2176463"/>
+            <a:ext cx="2906712" cy="4284662"/>
+          </a:xfrm>
+          <a:prstGeom prst="rect">
+            <a:avLst/>
+          </a:prstGeom>
+          <a:noFill/>
+          <a:ln w="9525">
+            <a:noFill/>
+            <a:miter lim="800000"/>
+            <a:headEnd/>
+            <a:tailEnd/>
+          </a:ln>
+        </p:spPr>
+      </p:pic>
+      <p:sp>
+        <p:nvSpPr>
+          <p:cNvPr id="28678" name="Title 1"/>
+          <p:cNvSpPr txBox="1">
+            <a:spLocks/>
+          </p:cNvSpPr>
+          <p:nvPr/>
+        </p:nvSpPr>
+        <p:spPr bwMode="auto">
+          <a:xfrm>
+            <a:off x="457200" y="76200"/>
+            <a:ext cx="8229600" cy="1143000"/>
+          </a:xfrm>
+          <a:prstGeom prst="rect">
+            <a:avLst/>
+          </a:prstGeom>
+          <a:noFill/>
+          <a:ln w="9525">
+            <a:noFill/>
+            <a:miter lim="800000"/>
+            <a:headEnd/>
+            <a:tailEnd/>
+          </a:ln>
+        </p:spPr>
+        <p:txBody>
+          <a:bodyPr anchor="ctr"/>
+          <a:lstStyle/>
+          <a:p>
+            <a:r>
+              <a:rPr lang="zh-CN" altLang="en-US" sz="4400">
+                <a:solidFill>
+                  <a:srgbClr val="FF6600"/>
+                </a:solidFill>
+              </a:rPr>
+              <a:t>改进的分层方法</a:t>
+            </a:r>
+            <a:endParaRPr lang="en-US" altLang="zh-CN" sz="4400">
+              <a:solidFill>
+                <a:srgbClr val="FF6600"/>
+              </a:solidFill>
+            </a:endParaRPr>
+          </a:p>
+        </p:txBody>
+      </p:sp>
     </p:spTree>
   </p:cSld>
   <p:clrMapOvr>
@@ -5144,7 +5159,7 @@
       </p:grpSpPr>
       <p:sp>
         <p:nvSpPr>
-          <p:cNvPr id="28673" name="Title 1"/>
+          <p:cNvPr id="30721" name="Title 1"/>
           <p:cNvSpPr txBox="1">
             <a:spLocks/>
           </p:cNvSpPr>
@@ -5152,7 +5167,7 @@
         </p:nvSpPr>
         <p:spPr bwMode="auto">
           <a:xfrm>
-            <a:off x="457200" y="76200"/>
+            <a:off x="457200" y="44450"/>
             <a:ext cx="8229600" cy="1143000"/>
           </a:xfrm>
           <a:prstGeom prst="rect">
@@ -5171,19 +5186,20 @@
           <a:lstStyle/>
           <a:p>
             <a:r>
-              <a:rPr lang="en-US" altLang="zh-CN" sz="4400">
+              <a:rPr lang="zh-CN" altLang="en-US" sz="4400">
                 <a:solidFill>
                   <a:srgbClr val="FF6600"/>
                 </a:solidFill>
-              </a:rPr>
-              <a:t>The Hierarchical method </a:t>
-            </a:r>
-          </a:p>
-        </p:txBody>
-      </p:sp>
-      <p:sp>
-        <p:nvSpPr>
-          <p:cNvPr id="28674" name="Rectangle 3"/>
+                <a:latin typeface="宋体" charset="-122"/>
+              </a:rPr>
+              <a:t>实验设定</a:t>
+            </a:r>
+          </a:p>
+        </p:txBody>
+      </p:sp>
+      <p:sp>
+        <p:nvSpPr>
+          <p:cNvPr id="30722" name="Rectangle 3"/>
           <p:cNvSpPr txBox="1">
             <a:spLocks noChangeArrowheads="1"/>
           </p:cNvSpPr>
@@ -5191,8 +5207,8 @@
         </p:nvSpPr>
         <p:spPr bwMode="auto">
           <a:xfrm>
-            <a:off x="228600" y="1219200"/>
-            <a:ext cx="8763000" cy="957263"/>
+            <a:off x="228600" y="1135063"/>
+            <a:ext cx="8745538" cy="4960937"/>
           </a:xfrm>
           <a:prstGeom prst="rect">
             <a:avLst/>
@@ -5209,33 +5225,145 @@
           <a:bodyPr/>
           <a:lstStyle/>
           <a:p>
-            <a:pPr marL="342900" indent="-342900">
+            <a:pPr marL="342900" lvl="1" indent="-342900">
               <a:spcBef>
                 <a:spcPct val="20000"/>
               </a:spcBef>
               <a:buFont typeface="Arial" charset="0"/>
               <a:buChar char="•"/>
             </a:pPr>
-            <a:r>
-              <a:rPr lang="en-US" altLang="zh-CN" sz="2400">
-                <a:solidFill>
-                  <a:schemeClr val="tx2"/>
-                </a:solidFill>
-                <a:latin typeface="Arial" charset="0"/>
-                <a:ea typeface="MS PGothic" pitchFamily="34" charset="-128"/>
-              </a:rPr>
-              <a:t>The power profile is redistributed.</a:t>
-            </a:r>
-          </a:p>
-          <a:p>
-            <a:pPr marL="342900" indent="-342900">
+            <a:endParaRPr lang="en-US" altLang="zh-CN" sz="2200">
+              <a:latin typeface="Arial" charset="0"/>
+              <a:ea typeface="MS PGothic" pitchFamily="34" charset="-128"/>
+            </a:endParaRPr>
+          </a:p>
+          <a:p>
+            <a:pPr marL="342900" lvl="1" indent="-342900">
               <a:spcBef>
                 <a:spcPct val="20000"/>
               </a:spcBef>
               <a:buFont typeface="Arial" charset="0"/>
-              <a:buNone/>
-            </a:pPr>
-            <a:endParaRPr lang="en-US" altLang="zh-CN" sz="2400">
+              <a:buChar char="•"/>
+            </a:pPr>
+            <a:endParaRPr lang="en-US" altLang="zh-CN" sz="2200">
+              <a:solidFill>
+                <a:schemeClr val="tx2"/>
+              </a:solidFill>
+              <a:latin typeface="Arial" charset="0"/>
+              <a:ea typeface="MS PGothic" pitchFamily="34" charset="-128"/>
+            </a:endParaRPr>
+          </a:p>
+          <a:p>
+            <a:pPr marL="342900" lvl="1" indent="-342900">
+              <a:spcBef>
+                <a:spcPct val="20000"/>
+              </a:spcBef>
+              <a:buFont typeface="Arial" charset="0"/>
+              <a:buChar char="•"/>
+            </a:pPr>
+            <a:r>
+              <a:rPr lang="en-US" altLang="zh-CN" sz="2200">
+                <a:solidFill>
+                  <a:schemeClr val="tx2"/>
+                </a:solidFill>
+                <a:latin typeface="Arial" charset="0"/>
+                <a:ea typeface="MS PGothic" pitchFamily="34" charset="-128"/>
+              </a:rPr>
+              <a:t>Tested on processors with 100 cores, 256 cores, 400 cores, 625 cores.</a:t>
+            </a:r>
+            <a:endParaRPr lang="en-US" altLang="zh-CN" sz="2600">
+              <a:solidFill>
+                <a:schemeClr val="tx2"/>
+              </a:solidFill>
+              <a:latin typeface="Arial" charset="0"/>
+              <a:ea typeface="MS PGothic" pitchFamily="34" charset="-128"/>
+            </a:endParaRPr>
+          </a:p>
+          <a:p>
+            <a:pPr marL="342900" lvl="1" indent="-342900">
+              <a:spcBef>
+                <a:spcPct val="20000"/>
+              </a:spcBef>
+              <a:buFont typeface="Arial" charset="0"/>
+              <a:buChar char="•"/>
+            </a:pPr>
+            <a:r>
+              <a:rPr lang="en-US" altLang="zh-CN" sz="2200">
+                <a:solidFill>
+                  <a:schemeClr val="tx2"/>
+                </a:solidFill>
+                <a:latin typeface="Arial" charset="0"/>
+                <a:ea typeface="MS PGothic" pitchFamily="34" charset="-128"/>
+              </a:rPr>
+              <a:t>Thermal model generated using HotSpot.</a:t>
+            </a:r>
+          </a:p>
+          <a:p>
+            <a:pPr marL="342900" lvl="1" indent="-342900">
+              <a:spcBef>
+                <a:spcPct val="20000"/>
+              </a:spcBef>
+              <a:buFont typeface="Arial" charset="0"/>
+              <a:buChar char="•"/>
+            </a:pPr>
+            <a:r>
+              <a:rPr lang="en-US" altLang="zh-CN" sz="2200">
+                <a:solidFill>
+                  <a:schemeClr val="tx2"/>
+                </a:solidFill>
+                <a:latin typeface="Arial" charset="0"/>
+                <a:ea typeface="MS PGothic" pitchFamily="34" charset="-128"/>
+              </a:rPr>
+              <a:t>Power trace generated using Wattch with SPEC benchmarks.</a:t>
+            </a:r>
+          </a:p>
+          <a:p>
+            <a:pPr marL="342900" lvl="1" indent="-342900">
+              <a:spcBef>
+                <a:spcPct val="20000"/>
+              </a:spcBef>
+              <a:buFont typeface="Arial" charset="0"/>
+              <a:buChar char="•"/>
+            </a:pPr>
+            <a:r>
+              <a:rPr lang="en-US" altLang="zh-CN" sz="2200">
+                <a:solidFill>
+                  <a:schemeClr val="tx2"/>
+                </a:solidFill>
+                <a:latin typeface="Arial" charset="0"/>
+                <a:ea typeface="MS PGothic" pitchFamily="34" charset="-128"/>
+              </a:rPr>
+              <a:t>Ambient temperature set to be 20 degree.</a:t>
+            </a:r>
+          </a:p>
+          <a:p>
+            <a:pPr marL="342900" lvl="1" indent="-342900">
+              <a:spcBef>
+                <a:spcPct val="20000"/>
+              </a:spcBef>
+              <a:buFont typeface="Arial" charset="0"/>
+              <a:buChar char="•"/>
+            </a:pPr>
+            <a:r>
+              <a:rPr lang="en-US" altLang="zh-CN" sz="2200">
+                <a:solidFill>
+                  <a:schemeClr val="tx2"/>
+                </a:solidFill>
+                <a:latin typeface="Arial" charset="0"/>
+                <a:ea typeface="MS PGothic" pitchFamily="34" charset="-128"/>
+              </a:rPr>
+              <a:t>Safe temperature set to be 105 degree.</a:t>
+            </a:r>
+          </a:p>
+          <a:p>
+            <a:pPr marL="342900" lvl="1" indent="-342900">
+              <a:spcBef>
+                <a:spcPct val="20000"/>
+              </a:spcBef>
+              <a:buFont typeface="Arial" charset="0"/>
+              <a:buChar char="•"/>
+            </a:pPr>
+            <a:endParaRPr lang="en-US" altLang="zh-CN" sz="2200">
               <a:solidFill>
                 <a:schemeClr val="tx1"/>
               </a:solidFill>
@@ -5243,72 +5371,47 @@
               <a:ea typeface="MS PGothic" pitchFamily="34" charset="-128"/>
             </a:endParaRPr>
           </a:p>
-        </p:txBody>
-      </p:sp>
-      <p:pic>
-        <p:nvPicPr>
-          <p:cNvPr id="28675" name="Picture 8" descr="tu5"/>
-          <p:cNvPicPr>
-            <a:picLocks noChangeAspect="1" noChangeArrowheads="1"/>
-          </p:cNvPicPr>
-          <p:nvPr/>
-        </p:nvPicPr>
-        <p:blipFill>
-          <a:blip r:embed="rId2"/>
-          <a:srcRect/>
-          <a:stretch>
-            <a:fillRect/>
-          </a:stretch>
-        </p:blipFill>
-        <p:spPr bwMode="auto">
-          <a:xfrm>
-            <a:off x="228600" y="3100388"/>
-            <a:ext cx="4999038" cy="2943225"/>
-          </a:xfrm>
-          <a:prstGeom prst="rect">
-            <a:avLst/>
-          </a:prstGeom>
-          <a:noFill/>
-          <a:ln w="9525">
-            <a:noFill/>
-            <a:miter lim="800000"/>
-            <a:headEnd/>
-            <a:tailEnd/>
-          </a:ln>
-        </p:spPr>
-      </p:pic>
-      <p:pic>
-        <p:nvPicPr>
-          <p:cNvPr id="28676" name="Picture 6" descr="partlast"/>
-          <p:cNvPicPr>
-            <a:picLocks noChangeAspect="1" noChangeArrowheads="1"/>
-          </p:cNvPicPr>
-          <p:nvPr/>
-        </p:nvPicPr>
-        <p:blipFill>
-          <a:blip r:embed="rId3"/>
-          <a:srcRect/>
-          <a:stretch>
-            <a:fillRect/>
-          </a:stretch>
-        </p:blipFill>
-        <p:spPr bwMode="auto">
-          <a:xfrm>
-            <a:off x="5780088" y="2176463"/>
-            <a:ext cx="2906712" cy="4284662"/>
-          </a:xfrm>
-          <a:prstGeom prst="rect">
-            <a:avLst/>
-          </a:prstGeom>
-          <a:noFill/>
-          <a:ln w="9525">
-            <a:noFill/>
-            <a:miter lim="800000"/>
-            <a:headEnd/>
-            <a:tailEnd/>
-          </a:ln>
-        </p:spPr>
-      </p:pic>
+          <a:p>
+            <a:pPr marL="342900" lvl="1" indent="-342900">
+              <a:spcBef>
+                <a:spcPct val="20000"/>
+              </a:spcBef>
+              <a:buFont typeface="Arial" charset="0"/>
+              <a:buChar char="•"/>
+            </a:pPr>
+            <a:endParaRPr lang="en-US" altLang="zh-CN" sz="2200">
+              <a:latin typeface="Arial" charset="0"/>
+              <a:ea typeface="MS PGothic" pitchFamily="34" charset="-128"/>
+            </a:endParaRPr>
+          </a:p>
+          <a:p>
+            <a:pPr marL="342900" lvl="1" indent="-342900">
+              <a:spcBef>
+                <a:spcPct val="20000"/>
+              </a:spcBef>
+              <a:buFont typeface="Arial" charset="0"/>
+              <a:buChar char="•"/>
+            </a:pPr>
+            <a:endParaRPr lang="en-US" altLang="zh-CN" sz="2200">
+              <a:latin typeface="Arial" charset="0"/>
+              <a:ea typeface="MS PGothic" pitchFamily="34" charset="-128"/>
+            </a:endParaRPr>
+          </a:p>
+          <a:p>
+            <a:pPr marL="342900" lvl="1" indent="-342900">
+              <a:spcBef>
+                <a:spcPct val="20000"/>
+              </a:spcBef>
+              <a:buFont typeface="Arial" charset="0"/>
+              <a:buChar char="•"/>
+            </a:pPr>
+            <a:endParaRPr lang="en-US" altLang="zh-CN" sz="2200">
+              <a:latin typeface="Arial" charset="0"/>
+              <a:ea typeface="MS PGothic" pitchFamily="34" charset="-128"/>
+            </a:endParaRPr>
+          </a:p>
+        </p:txBody>
+      </p:sp>
     </p:spTree>
   </p:cSld>
   <p:clrMapOvr>
@@ -5343,7 +5446,7 @@
       </p:grpSpPr>
       <p:sp>
         <p:nvSpPr>
-          <p:cNvPr id="29697" name="Title 1"/>
+          <p:cNvPr id="31745" name="Title 1"/>
           <p:cNvSpPr txBox="1">
             <a:spLocks/>
           </p:cNvSpPr>
@@ -5375,23 +5478,30 @@
                   <a:srgbClr val="FF6600"/>
                 </a:solidFill>
               </a:rPr>
-              <a:t>Outline</a:t>
-            </a:r>
-          </a:p>
-        </p:txBody>
-      </p:sp>
-      <p:sp>
-        <p:nvSpPr>
-          <p:cNvPr id="29698" name="Rectangle 3"/>
-          <p:cNvSpPr>
-            <a:spLocks noChangeArrowheads="1"/>
-          </p:cNvSpPr>
+              <a:t>Transient temperature comparison</a:t>
+            </a:r>
+          </a:p>
+        </p:txBody>
+      </p:sp>
+      <p:pic>
+        <p:nvPicPr>
+          <p:cNvPr id="31746" name="Picture 13" descr="Screenshot-9"/>
+          <p:cNvPicPr>
+            <a:picLocks noChangeAspect="1" noChangeArrowheads="1"/>
+          </p:cNvPicPr>
           <p:nvPr/>
-        </p:nvSpPr>
+        </p:nvPicPr>
+        <p:blipFill>
+          <a:blip r:embed="rId2"/>
+          <a:srcRect/>
+          <a:stretch>
+            <a:fillRect/>
+          </a:stretch>
+        </p:blipFill>
         <p:spPr bwMode="auto">
           <a:xfrm>
-            <a:off x="755650" y="2028825"/>
-            <a:ext cx="8388350" cy="2747963"/>
+            <a:off x="4530725" y="3887788"/>
+            <a:ext cx="3198813" cy="2597150"/>
           </a:xfrm>
           <a:prstGeom prst="rect">
             <a:avLst/>
@@ -5404,79 +5514,283 @@
             <a:tailEnd/>
           </a:ln>
         </p:spPr>
-        <p:txBody>
-          <a:bodyPr/>
+      </p:pic>
+      <p:pic>
+        <p:nvPicPr>
+          <p:cNvPr id="31747" name="Picture 14" descr="Screenshot-6"/>
+          <p:cNvPicPr>
+            <a:picLocks noChangeAspect="1" noChangeArrowheads="1"/>
+          </p:cNvPicPr>
+          <p:nvPr/>
+        </p:nvPicPr>
+        <p:blipFill>
+          <a:blip r:embed="rId3"/>
+          <a:srcRect/>
+          <a:stretch>
+            <a:fillRect/>
+          </a:stretch>
+        </p:blipFill>
+        <p:spPr bwMode="auto">
+          <a:xfrm>
+            <a:off x="457200" y="1187450"/>
+            <a:ext cx="3048000" cy="2403475"/>
+          </a:xfrm>
+          <a:prstGeom prst="rect">
+            <a:avLst/>
+          </a:prstGeom>
+          <a:noFill/>
+          <a:ln w="9525">
+            <a:noFill/>
+            <a:miter lim="800000"/>
+            <a:headEnd/>
+            <a:tailEnd/>
+          </a:ln>
+        </p:spPr>
+      </p:pic>
+      <p:pic>
+        <p:nvPicPr>
+          <p:cNvPr id="31748" name="Picture 15" descr="Screenshot-7"/>
+          <p:cNvPicPr>
+            <a:picLocks noChangeAspect="1" noChangeArrowheads="1"/>
+          </p:cNvPicPr>
+          <p:nvPr/>
+        </p:nvPicPr>
+        <p:blipFill>
+          <a:blip r:embed="rId4"/>
+          <a:srcRect/>
+          <a:stretch>
+            <a:fillRect/>
+          </a:stretch>
+        </p:blipFill>
+        <p:spPr bwMode="auto">
+          <a:xfrm>
+            <a:off x="4556125" y="1168400"/>
+            <a:ext cx="3203575" cy="2552700"/>
+          </a:xfrm>
+          <a:prstGeom prst="rect">
+            <a:avLst/>
+          </a:prstGeom>
+          <a:noFill/>
+          <a:ln w="9525">
+            <a:noFill/>
+            <a:miter lim="800000"/>
+            <a:headEnd/>
+            <a:tailEnd/>
+          </a:ln>
+        </p:spPr>
+      </p:pic>
+      <p:pic>
+        <p:nvPicPr>
+          <p:cNvPr id="31749" name="Picture 16" descr="Screenshot-8"/>
+          <p:cNvPicPr>
+            <a:picLocks noChangeAspect="1" noChangeArrowheads="1"/>
+          </p:cNvPicPr>
+          <p:nvPr/>
+        </p:nvPicPr>
+        <p:blipFill>
+          <a:blip r:embed="rId5"/>
+          <a:srcRect/>
+          <a:stretch>
+            <a:fillRect/>
+          </a:stretch>
+        </p:blipFill>
+        <p:spPr bwMode="auto">
+          <a:xfrm>
+            <a:off x="515938" y="4002088"/>
+            <a:ext cx="2989262" cy="2339975"/>
+          </a:xfrm>
+          <a:prstGeom prst="rect">
+            <a:avLst/>
+          </a:prstGeom>
+          <a:noFill/>
+          <a:ln w="9525">
+            <a:noFill/>
+            <a:miter lim="800000"/>
+            <a:headEnd/>
+            <a:tailEnd/>
+          </a:ln>
+        </p:spPr>
+      </p:pic>
+      <p:sp>
+        <p:nvSpPr>
+          <p:cNvPr id="31750" name="Text Box 17"/>
+          <p:cNvSpPr txBox="1">
+            <a:spLocks noChangeArrowheads="1"/>
+          </p:cNvSpPr>
+          <p:nvPr/>
+        </p:nvSpPr>
+        <p:spPr bwMode="auto">
+          <a:xfrm>
+            <a:off x="790575" y="3590925"/>
+            <a:ext cx="2903538" cy="366713"/>
+          </a:xfrm>
+          <a:prstGeom prst="rect">
+            <a:avLst/>
+          </a:prstGeom>
+          <a:noFill/>
+          <a:ln w="28575" algn="ctr">
+            <a:noFill/>
+            <a:miter lim="800000"/>
+            <a:headEnd/>
+            <a:tailEnd/>
+          </a:ln>
+        </p:spPr>
+        <p:txBody>
+          <a:bodyPr>
+            <a:spAutoFit/>
+          </a:bodyPr>
           <a:lstStyle/>
           <a:p>
-            <a:pPr marL="342900" indent="-342900">
+            <a:pPr>
               <a:spcBef>
-                <a:spcPct val="20000"/>
+                <a:spcPct val="50000"/>
               </a:spcBef>
-              <a:buClr>
-                <a:schemeClr val="tx2"/>
-              </a:buClr>
-              <a:buSzPct val="70000"/>
-              <a:buFont typeface="Wingdings" pitchFamily="2" charset="2"/>
-              <a:buChar char="l"/>
-            </a:pPr>
-            <a:r>
-              <a:rPr lang="en-US" altLang="zh-CN" sz="3200"/>
-              <a:t>Dynamic thermal management</a:t>
-            </a:r>
-          </a:p>
-          <a:p>
-            <a:pPr marL="342900" indent="-342900">
+            </a:pPr>
+            <a:r>
+              <a:rPr lang="en-US" altLang="zh-CN">
+                <a:solidFill>
+                  <a:schemeClr val="tx2"/>
+                </a:solidFill>
+              </a:rPr>
+              <a:t>Temperature without DTM</a:t>
+            </a:r>
+          </a:p>
+        </p:txBody>
+      </p:sp>
+      <p:sp>
+        <p:nvSpPr>
+          <p:cNvPr id="31751" name="Text Box 18"/>
+          <p:cNvSpPr txBox="1">
+            <a:spLocks noChangeArrowheads="1"/>
+          </p:cNvSpPr>
+          <p:nvPr/>
+        </p:nvSpPr>
+        <p:spPr bwMode="auto">
+          <a:xfrm>
+            <a:off x="4856163" y="3635375"/>
+            <a:ext cx="3225800" cy="366713"/>
+          </a:xfrm>
+          <a:prstGeom prst="rect">
+            <a:avLst/>
+          </a:prstGeom>
+          <a:noFill/>
+          <a:ln w="28575" algn="ctr">
+            <a:noFill/>
+            <a:miter lim="800000"/>
+            <a:headEnd/>
+            <a:tailEnd/>
+          </a:ln>
+        </p:spPr>
+        <p:txBody>
+          <a:bodyPr>
+            <a:spAutoFit/>
+          </a:bodyPr>
+          <a:lstStyle/>
+          <a:p>
+            <a:pPr>
               <a:spcBef>
-                <a:spcPct val="20000"/>
+                <a:spcPct val="50000"/>
               </a:spcBef>
-              <a:buClr>
-                <a:schemeClr val="tx2"/>
-              </a:buClr>
-              <a:buSzPct val="70000"/>
-              <a:buFont typeface="Wingdings" pitchFamily="2" charset="2"/>
-              <a:buChar char="l"/>
-            </a:pPr>
-            <a:r>
-              <a:rPr lang="en-US" altLang="zh-CN" sz="3200"/>
-              <a:t>Hierarchical dynamic thermal management</a:t>
-            </a:r>
-          </a:p>
-          <a:p>
-            <a:pPr marL="342900" indent="-342900">
+            </a:pPr>
+            <a:r>
+              <a:rPr lang="en-US" altLang="zh-CN">
+                <a:solidFill>
+                  <a:schemeClr val="tx2"/>
+                </a:solidFill>
+              </a:rPr>
+              <a:t>Temperature with new method</a:t>
+            </a:r>
+          </a:p>
+        </p:txBody>
+      </p:sp>
+      <p:sp>
+        <p:nvSpPr>
+          <p:cNvPr id="31752" name="Text Box 19"/>
+          <p:cNvSpPr txBox="1">
+            <a:spLocks noChangeArrowheads="1"/>
+          </p:cNvSpPr>
+          <p:nvPr/>
+        </p:nvSpPr>
+        <p:spPr bwMode="auto">
+          <a:xfrm>
+            <a:off x="515938" y="6300788"/>
+            <a:ext cx="4340225" cy="366712"/>
+          </a:xfrm>
+          <a:prstGeom prst="rect">
+            <a:avLst/>
+          </a:prstGeom>
+          <a:noFill/>
+          <a:ln w="28575" algn="ctr">
+            <a:noFill/>
+            <a:miter lim="800000"/>
+            <a:headEnd/>
+            <a:tailEnd/>
+          </a:ln>
+        </p:spPr>
+        <p:txBody>
+          <a:bodyPr>
+            <a:spAutoFit/>
+          </a:bodyPr>
+          <a:lstStyle/>
+          <a:p>
+            <a:pPr>
               <a:spcBef>
-                <a:spcPct val="20000"/>
+                <a:spcPct val="50000"/>
               </a:spcBef>
-              <a:buClr>
-                <a:schemeClr val="tx2"/>
-              </a:buClr>
-              <a:buSzPct val="70000"/>
-              <a:buFont typeface="Wingdings" pitchFamily="2" charset="2"/>
-              <a:buChar char="l"/>
-            </a:pPr>
-            <a:r>
-              <a:rPr lang="en-US" altLang="zh-CN" sz="3200">
-                <a:solidFill>
-                  <a:srgbClr val="FF6600"/>
-                </a:solidFill>
-              </a:rPr>
-              <a:t>Experimental results</a:t>
-            </a:r>
-          </a:p>
-          <a:p>
-            <a:pPr marL="342900" indent="-342900">
+            </a:pPr>
+            <a:r>
+              <a:rPr lang="en-US" altLang="zh-CN">
+                <a:solidFill>
+                  <a:schemeClr val="tx2"/>
+                </a:solidFill>
+              </a:rPr>
+              <a:t>Temperature with method proposed in [1]</a:t>
+            </a:r>
+          </a:p>
+        </p:txBody>
+      </p:sp>
+      <p:sp>
+        <p:nvSpPr>
+          <p:cNvPr id="31753" name="Text Box 20"/>
+          <p:cNvSpPr txBox="1">
+            <a:spLocks noChangeArrowheads="1"/>
+          </p:cNvSpPr>
+          <p:nvPr/>
+        </p:nvSpPr>
+        <p:spPr bwMode="auto">
+          <a:xfrm>
+            <a:off x="4856163" y="6342063"/>
+            <a:ext cx="4032250" cy="366712"/>
+          </a:xfrm>
+          <a:prstGeom prst="rect">
+            <a:avLst/>
+          </a:prstGeom>
+          <a:noFill/>
+          <a:ln w="28575" algn="ctr">
+            <a:noFill/>
+            <a:miter lim="800000"/>
+            <a:headEnd/>
+            <a:tailEnd/>
+          </a:ln>
+        </p:spPr>
+        <p:txBody>
+          <a:bodyPr>
+            <a:spAutoFit/>
+          </a:bodyPr>
+          <a:lstStyle/>
+          <a:p>
+            <a:pPr>
               <a:spcBef>
-                <a:spcPct val="20000"/>
+                <a:spcPct val="50000"/>
               </a:spcBef>
-              <a:buClr>
-                <a:schemeClr val="tx2"/>
-              </a:buClr>
-              <a:buSzPct val="70000"/>
-              <a:buFont typeface="Wingdings" pitchFamily="2" charset="2"/>
-              <a:buChar char="l"/>
-            </a:pPr>
-            <a:r>
-              <a:rPr lang="en-US" altLang="zh-CN" sz="3200"/>
-              <a:t>Conclusion</a:t>
+            </a:pPr>
+            <a:r>
+              <a:rPr lang="en-US" altLang="zh-CN">
+                <a:solidFill>
+                  <a:schemeClr val="tx2"/>
+                </a:solidFill>
+              </a:rPr>
+              <a:t>Temperature with DVFS only method</a:t>
             </a:r>
           </a:p>
         </p:txBody>
@@ -5515,7 +5829,7 @@
       </p:grpSpPr>
       <p:sp>
         <p:nvSpPr>
-          <p:cNvPr id="30721" name="Title 1"/>
+          <p:cNvPr id="32769" name="Title 1"/>
           <p:cNvSpPr txBox="1">
             <a:spLocks/>
           </p:cNvSpPr>
@@ -5547,23 +5861,30 @@
                   <a:srgbClr val="FF6600"/>
                 </a:solidFill>
               </a:rPr>
-              <a:t>Experimental setup</a:t>
-            </a:r>
-          </a:p>
-        </p:txBody>
-      </p:sp>
-      <p:sp>
-        <p:nvSpPr>
-          <p:cNvPr id="30722" name="Rectangle 3"/>
-          <p:cNvSpPr txBox="1">
-            <a:spLocks noChangeArrowheads="1"/>
-          </p:cNvSpPr>
+              <a:t>Transient variance comparison</a:t>
+            </a:r>
+          </a:p>
+        </p:txBody>
+      </p:sp>
+      <p:pic>
+        <p:nvPicPr>
+          <p:cNvPr id="32770" name="Picture 4" descr="Screenshot-11"/>
+          <p:cNvPicPr>
+            <a:picLocks noChangeAspect="1" noChangeArrowheads="1"/>
+          </p:cNvPicPr>
           <p:nvPr/>
-        </p:nvSpPr>
+        </p:nvPicPr>
+        <p:blipFill>
+          <a:blip r:embed="rId2"/>
+          <a:srcRect/>
+          <a:stretch>
+            <a:fillRect/>
+          </a:stretch>
+        </p:blipFill>
         <p:spPr bwMode="auto">
           <a:xfrm>
-            <a:off x="228600" y="1135063"/>
-            <a:ext cx="8745538" cy="4960937"/>
+            <a:off x="144463" y="1187450"/>
+            <a:ext cx="8999537" cy="2582863"/>
           </a:xfrm>
           <a:prstGeom prst="rect">
             <a:avLst/>
@@ -5576,193 +5897,194 @@
             <a:tailEnd/>
           </a:ln>
         </p:spPr>
-        <p:txBody>
-          <a:bodyPr/>
+      </p:pic>
+      <p:sp>
+        <p:nvSpPr>
+          <p:cNvPr id="32771" name="Text Box 10"/>
+          <p:cNvSpPr txBox="1">
+            <a:spLocks noChangeArrowheads="1"/>
+          </p:cNvSpPr>
+          <p:nvPr/>
+        </p:nvSpPr>
+        <p:spPr bwMode="auto">
+          <a:xfrm>
+            <a:off x="938213" y="4079875"/>
+            <a:ext cx="7748587" cy="2843213"/>
+          </a:xfrm>
+          <a:prstGeom prst="rect">
+            <a:avLst/>
+          </a:prstGeom>
+          <a:noFill/>
+          <a:ln w="28575" algn="ctr">
+            <a:noFill/>
+            <a:miter lim="800000"/>
+            <a:headEnd/>
+            <a:tailEnd/>
+          </a:ln>
+        </p:spPr>
+        <p:txBody>
+          <a:bodyPr>
+            <a:spAutoFit/>
+          </a:bodyPr>
           <a:lstStyle/>
           <a:p>
-            <a:pPr marL="342900" lvl="1" indent="-342900">
+            <a:pPr>
               <a:spcBef>
-                <a:spcPct val="20000"/>
+                <a:spcPct val="50000"/>
               </a:spcBef>
-              <a:buFont typeface="Arial" charset="0"/>
-              <a:buChar char="•"/>
-            </a:pPr>
-            <a:endParaRPr lang="en-US" altLang="zh-CN" sz="2200">
-              <a:latin typeface="Arial" charset="0"/>
-              <a:ea typeface="MS PGothic" pitchFamily="34" charset="-128"/>
-            </a:endParaRPr>
-          </a:p>
-          <a:p>
-            <a:pPr marL="342900" lvl="1" indent="-342900">
+            </a:pPr>
+            <a:r>
+              <a:rPr lang="en-US" altLang="zh-CN">
+                <a:solidFill>
+                  <a:schemeClr val="tx2"/>
+                </a:solidFill>
+              </a:rPr>
+              <a:t>var</a:t>
+            </a:r>
+            <a:r>
+              <a:rPr lang="en-US" altLang="zh-CN" baseline="-25000">
+                <a:solidFill>
+                  <a:schemeClr val="tx2"/>
+                </a:solidFill>
+              </a:rPr>
+              <a:t>o</a:t>
+            </a:r>
+            <a:r>
+              <a:rPr lang="en-US" altLang="zh-CN">
+                <a:solidFill>
+                  <a:schemeClr val="tx2"/>
+                </a:solidFill>
+              </a:rPr>
+              <a:t> is variance of Transient temperature trace without DTM method.</a:t>
+            </a:r>
+          </a:p>
+          <a:p>
+            <a:pPr>
               <a:spcBef>
-                <a:spcPct val="20000"/>
+                <a:spcPct val="50000"/>
               </a:spcBef>
-              <a:buFont typeface="Arial" charset="0"/>
-              <a:buChar char="•"/>
-            </a:pPr>
-            <a:endParaRPr lang="en-US" altLang="zh-CN" sz="2200">
-              <a:solidFill>
-                <a:schemeClr val="tx2"/>
-              </a:solidFill>
-              <a:latin typeface="Arial" charset="0"/>
-              <a:ea typeface="MS PGothic" pitchFamily="34" charset="-128"/>
-            </a:endParaRPr>
-          </a:p>
-          <a:p>
-            <a:pPr marL="342900" lvl="1" indent="-342900">
+            </a:pPr>
+            <a:r>
+              <a:rPr lang="en-US" altLang="zh-CN">
+                <a:solidFill>
+                  <a:schemeClr val="tx2"/>
+                </a:solidFill>
+              </a:rPr>
+              <a:t>var</a:t>
+            </a:r>
+            <a:r>
+              <a:rPr lang="en-US" altLang="zh-CN" baseline="-25000">
+                <a:solidFill>
+                  <a:schemeClr val="tx2"/>
+                </a:solidFill>
+              </a:rPr>
+              <a:t>d</a:t>
+            </a:r>
+            <a:r>
+              <a:rPr lang="en-US" altLang="zh-CN">
+                <a:solidFill>
+                  <a:schemeClr val="tx2"/>
+                </a:solidFill>
+              </a:rPr>
+              <a:t> is variance of Transient temperature trace with DVFS only method.</a:t>
+            </a:r>
+          </a:p>
+          <a:p>
+            <a:pPr>
               <a:spcBef>
-                <a:spcPct val="20000"/>
+                <a:spcPct val="50000"/>
               </a:spcBef>
-              <a:buFont typeface="Arial" charset="0"/>
-              <a:buChar char="•"/>
-            </a:pPr>
-            <a:r>
-              <a:rPr lang="en-US" altLang="zh-CN" sz="2200">
+            </a:pPr>
+            <a:r>
+              <a:rPr lang="en-US" altLang="zh-CN">
                 <a:solidFill>
                   <a:schemeClr val="tx2"/>
                 </a:solidFill>
-                <a:latin typeface="Arial" charset="0"/>
-                <a:ea typeface="MS PGothic" pitchFamily="34" charset="-128"/>
-              </a:rPr>
-              <a:t>Tested on processors with 100 cores, 256 cores, 400 cores, 625 cores.</a:t>
-            </a:r>
-            <a:endParaRPr lang="en-US" altLang="zh-CN" sz="2600">
-              <a:solidFill>
-                <a:schemeClr val="tx2"/>
-              </a:solidFill>
-              <a:latin typeface="Arial" charset="0"/>
-              <a:ea typeface="MS PGothic" pitchFamily="34" charset="-128"/>
-            </a:endParaRPr>
-          </a:p>
-          <a:p>
-            <a:pPr marL="342900" lvl="1" indent="-342900">
+              </a:rPr>
+              <a:t>var</a:t>
+            </a:r>
+            <a:r>
+              <a:rPr lang="en-US" altLang="zh-CN" baseline="-25000">
+                <a:solidFill>
+                  <a:schemeClr val="tx2"/>
+                </a:solidFill>
+              </a:rPr>
+              <a:t>c</a:t>
+            </a:r>
+            <a:r>
+              <a:rPr lang="en-US" altLang="zh-CN">
+                <a:solidFill>
+                  <a:schemeClr val="tx2"/>
+                </a:solidFill>
+              </a:rPr>
+              <a:t> is variance of Transient temperature trace with method proposed in [1].</a:t>
+            </a:r>
+          </a:p>
+          <a:p>
+            <a:pPr>
               <a:spcBef>
-                <a:spcPct val="20000"/>
+                <a:spcPct val="50000"/>
               </a:spcBef>
-              <a:buFont typeface="Arial" charset="0"/>
-              <a:buChar char="•"/>
-            </a:pPr>
-            <a:r>
-              <a:rPr lang="en-US" altLang="zh-CN" sz="2200">
+            </a:pPr>
+            <a:r>
+              <a:rPr lang="en-US" altLang="zh-CN">
                 <a:solidFill>
                   <a:schemeClr val="tx2"/>
                 </a:solidFill>
-                <a:latin typeface="Arial" charset="0"/>
-                <a:ea typeface="MS PGothic" pitchFamily="34" charset="-128"/>
-              </a:rPr>
-              <a:t>Thermal model generated using HotSpot.</a:t>
-            </a:r>
-          </a:p>
-          <a:p>
-            <a:pPr marL="342900" lvl="1" indent="-342900">
+              </a:rPr>
+              <a:t>var</a:t>
+            </a:r>
+            <a:r>
+              <a:rPr lang="en-US" altLang="zh-CN" baseline="-25000">
+                <a:solidFill>
+                  <a:schemeClr val="tx2"/>
+                </a:solidFill>
+              </a:rPr>
+              <a:t>n</a:t>
+            </a:r>
+            <a:r>
+              <a:rPr lang="en-US" altLang="zh-CN">
+                <a:solidFill>
+                  <a:schemeClr val="tx2"/>
+                </a:solidFill>
+              </a:rPr>
+              <a:t> is variance of Transient temperature trace with new method.</a:t>
+            </a:r>
+          </a:p>
+          <a:p>
+            <a:pPr>
               <a:spcBef>
-                <a:spcPct val="20000"/>
+                <a:spcPct val="50000"/>
               </a:spcBef>
-              <a:buFont typeface="Arial" charset="0"/>
-              <a:buChar char="•"/>
-            </a:pPr>
-            <a:r>
-              <a:rPr lang="en-US" altLang="zh-CN" sz="2200">
-                <a:solidFill>
-                  <a:schemeClr val="tx2"/>
-                </a:solidFill>
-                <a:latin typeface="Arial" charset="0"/>
-                <a:ea typeface="MS PGothic" pitchFamily="34" charset="-128"/>
-              </a:rPr>
-              <a:t>Power trace generated using Wattch with SPEC benchmarks.</a:t>
-            </a:r>
-          </a:p>
-          <a:p>
-            <a:pPr marL="342900" lvl="1" indent="-342900">
-              <a:spcBef>
-                <a:spcPct val="20000"/>
-              </a:spcBef>
-              <a:buFont typeface="Arial" charset="0"/>
-              <a:buChar char="•"/>
-            </a:pPr>
-            <a:r>
-              <a:rPr lang="en-US" altLang="zh-CN" sz="2200">
-                <a:solidFill>
-                  <a:schemeClr val="tx2"/>
-                </a:solidFill>
-                <a:latin typeface="Arial" charset="0"/>
-                <a:ea typeface="MS PGothic" pitchFamily="34" charset="-128"/>
-              </a:rPr>
-              <a:t>Ambient temperature set to be 20 degree.</a:t>
-            </a:r>
-          </a:p>
-          <a:p>
-            <a:pPr marL="342900" lvl="1" indent="-342900">
-              <a:spcBef>
-                <a:spcPct val="20000"/>
-              </a:spcBef>
-              <a:buFont typeface="Arial" charset="0"/>
-              <a:buChar char="•"/>
-            </a:pPr>
-            <a:r>
-              <a:rPr lang="en-US" altLang="zh-CN" sz="2200">
-                <a:solidFill>
-                  <a:schemeClr val="tx2"/>
-                </a:solidFill>
-                <a:latin typeface="Arial" charset="0"/>
-                <a:ea typeface="MS PGothic" pitchFamily="34" charset="-128"/>
-              </a:rPr>
-              <a:t>Safe temperature set to be 105 degree.</a:t>
-            </a:r>
-          </a:p>
-          <a:p>
-            <a:pPr marL="342900" lvl="1" indent="-342900">
-              <a:spcBef>
-                <a:spcPct val="20000"/>
-              </a:spcBef>
-              <a:buFont typeface="Arial" charset="0"/>
-              <a:buChar char="•"/>
-            </a:pPr>
-            <a:endParaRPr lang="en-US" altLang="zh-CN" sz="2200">
+            </a:pPr>
+            <a:endParaRPr lang="en-US" altLang="zh-CN">
               <a:solidFill>
                 <a:schemeClr val="tx1"/>
               </a:solidFill>
-              <a:latin typeface="Arial" charset="0"/>
-              <a:ea typeface="MS PGothic" pitchFamily="34" charset="-128"/>
             </a:endParaRPr>
           </a:p>
           <a:p>
-            <a:pPr marL="342900" lvl="1" indent="-342900">
+            <a:pPr>
               <a:spcBef>
-                <a:spcPct val="20000"/>
+                <a:spcPct val="50000"/>
               </a:spcBef>
-              <a:buFont typeface="Arial" charset="0"/>
-              <a:buChar char="•"/>
-            </a:pPr>
-            <a:endParaRPr lang="en-US" altLang="zh-CN" sz="2200">
-              <a:latin typeface="Arial" charset="0"/>
-              <a:ea typeface="MS PGothic" pitchFamily="34" charset="-128"/>
+            </a:pPr>
+            <a:endParaRPr lang="en-US" altLang="zh-CN">
+              <a:solidFill>
+                <a:schemeClr val="tx1"/>
+              </a:solidFill>
             </a:endParaRPr>
           </a:p>
           <a:p>
-            <a:pPr marL="342900" lvl="1" indent="-342900">
+            <a:pPr>
               <a:spcBef>
-                <a:spcPct val="20000"/>
+                <a:spcPct val="50000"/>
               </a:spcBef>
-              <a:buFont typeface="Arial" charset="0"/>
-              <a:buChar char="•"/>
-            </a:pPr>
-            <a:endParaRPr lang="en-US" altLang="zh-CN" sz="2200">
-              <a:latin typeface="Arial" charset="0"/>
-              <a:ea typeface="MS PGothic" pitchFamily="34" charset="-128"/>
-            </a:endParaRPr>
-          </a:p>
-          <a:p>
-            <a:pPr marL="342900" lvl="1" indent="-342900">
-              <a:spcBef>
-                <a:spcPct val="20000"/>
-              </a:spcBef>
-              <a:buFont typeface="Arial" charset="0"/>
-              <a:buChar char="•"/>
-            </a:pPr>
-            <a:endParaRPr lang="en-US" altLang="zh-CN" sz="2200">
-              <a:latin typeface="Arial" charset="0"/>
-              <a:ea typeface="MS PGothic" pitchFamily="34" charset="-128"/>
+            </a:pPr>
+            <a:endParaRPr lang="en-US" altLang="zh-CN">
+              <a:solidFill>
+                <a:schemeClr val="tx1"/>
+              </a:solidFill>
             </a:endParaRPr>
           </a:p>
         </p:txBody>
@@ -5801,7 +6123,7 @@
       </p:grpSpPr>
       <p:sp>
         <p:nvSpPr>
-          <p:cNvPr id="31745" name="Title 1"/>
+          <p:cNvPr id="33793" name="Title 1"/>
           <p:cNvSpPr txBox="1">
             <a:spLocks/>
           </p:cNvSpPr>
@@ -5833,14 +6155,14 @@
                   <a:srgbClr val="FF6600"/>
                 </a:solidFill>
               </a:rPr>
-              <a:t>Transient temperature comparison</a:t>
+              <a:t>Runtime comparison</a:t>
             </a:r>
           </a:p>
         </p:txBody>
       </p:sp>
       <p:pic>
         <p:nvPicPr>
-          <p:cNvPr id="31746" name="Picture 13" descr="Screenshot-9"/>
+          <p:cNvPr id="33794" name="Picture 3" descr="Screenshot-12"/>
           <p:cNvPicPr>
             <a:picLocks noChangeAspect="1" noChangeArrowheads="1"/>
           </p:cNvPicPr>
@@ -5855,8 +6177,8 @@
         </p:blipFill>
         <p:spPr bwMode="auto">
           <a:xfrm>
-            <a:off x="4530725" y="3887788"/>
-            <a:ext cx="3198813" cy="2597150"/>
+            <a:off x="161925" y="1560513"/>
+            <a:ext cx="8818563" cy="2455862"/>
           </a:xfrm>
           <a:prstGeom prst="rect">
             <a:avLst/>
@@ -5870,105 +6192,9 @@
           </a:ln>
         </p:spPr>
       </p:pic>
-      <p:pic>
-        <p:nvPicPr>
-          <p:cNvPr id="31747" name="Picture 14" descr="Screenshot-6"/>
-          <p:cNvPicPr>
-            <a:picLocks noChangeAspect="1" noChangeArrowheads="1"/>
-          </p:cNvPicPr>
-          <p:nvPr/>
-        </p:nvPicPr>
-        <p:blipFill>
-          <a:blip r:embed="rId3"/>
-          <a:srcRect/>
-          <a:stretch>
-            <a:fillRect/>
-          </a:stretch>
-        </p:blipFill>
-        <p:spPr bwMode="auto">
-          <a:xfrm>
-            <a:off x="457200" y="1187450"/>
-            <a:ext cx="3048000" cy="2403475"/>
-          </a:xfrm>
-          <a:prstGeom prst="rect">
-            <a:avLst/>
-          </a:prstGeom>
-          <a:noFill/>
-          <a:ln w="9525">
-            <a:noFill/>
-            <a:miter lim="800000"/>
-            <a:headEnd/>
-            <a:tailEnd/>
-          </a:ln>
-        </p:spPr>
-      </p:pic>
-      <p:pic>
-        <p:nvPicPr>
-          <p:cNvPr id="31748" name="Picture 15" descr="Screenshot-7"/>
-          <p:cNvPicPr>
-            <a:picLocks noChangeAspect="1" noChangeArrowheads="1"/>
-          </p:cNvPicPr>
-          <p:nvPr/>
-        </p:nvPicPr>
-        <p:blipFill>
-          <a:blip r:embed="rId4"/>
-          <a:srcRect/>
-          <a:stretch>
-            <a:fillRect/>
-          </a:stretch>
-        </p:blipFill>
-        <p:spPr bwMode="auto">
-          <a:xfrm>
-            <a:off x="4556125" y="1168400"/>
-            <a:ext cx="3203575" cy="2552700"/>
-          </a:xfrm>
-          <a:prstGeom prst="rect">
-            <a:avLst/>
-          </a:prstGeom>
-          <a:noFill/>
-          <a:ln w="9525">
-            <a:noFill/>
-            <a:miter lim="800000"/>
-            <a:headEnd/>
-            <a:tailEnd/>
-          </a:ln>
-        </p:spPr>
-      </p:pic>
-      <p:pic>
-        <p:nvPicPr>
-          <p:cNvPr id="31749" name="Picture 16" descr="Screenshot-8"/>
-          <p:cNvPicPr>
-            <a:picLocks noChangeAspect="1" noChangeArrowheads="1"/>
-          </p:cNvPicPr>
-          <p:nvPr/>
-        </p:nvPicPr>
-        <p:blipFill>
-          <a:blip r:embed="rId5"/>
-          <a:srcRect/>
-          <a:stretch>
-            <a:fillRect/>
-          </a:stretch>
-        </p:blipFill>
-        <p:spPr bwMode="auto">
-          <a:xfrm>
-            <a:off x="515938" y="4002088"/>
-            <a:ext cx="2989262" cy="2339975"/>
-          </a:xfrm>
-          <a:prstGeom prst="rect">
-            <a:avLst/>
-          </a:prstGeom>
-          <a:noFill/>
-          <a:ln w="9525">
-            <a:noFill/>
-            <a:miter lim="800000"/>
-            <a:headEnd/>
-            <a:tailEnd/>
-          </a:ln>
-        </p:spPr>
-      </p:pic>
-      <p:sp>
-        <p:nvSpPr>
-          <p:cNvPr id="31750" name="Text Box 17"/>
+      <p:sp>
+        <p:nvSpPr>
+          <p:cNvPr id="33795" name="Text Box 7"/>
           <p:cNvSpPr txBox="1">
             <a:spLocks noChangeArrowheads="1"/>
           </p:cNvSpPr>
@@ -5976,8 +6202,8 @@
         </p:nvSpPr>
         <p:spPr bwMode="auto">
           <a:xfrm>
-            <a:off x="790575" y="3590925"/>
-            <a:ext cx="2903538" cy="366713"/>
+            <a:off x="677863" y="4460875"/>
+            <a:ext cx="5718175" cy="2225675"/>
           </a:xfrm>
           <a:prstGeom prst="rect">
             <a:avLst/>
@@ -6002,45 +6228,30 @@
               </a:spcBef>
             </a:pPr>
             <a:r>
-              <a:rPr lang="en-US" altLang="zh-CN">
+              <a:rPr lang="en-US" altLang="zh-CN" sz="2000">
                 <a:solidFill>
                   <a:schemeClr val="tx2"/>
                 </a:solidFill>
               </a:rPr>
-              <a:t>Temperature without DTM</a:t>
-            </a:r>
-          </a:p>
-        </p:txBody>
-      </p:sp>
-      <p:sp>
-        <p:nvSpPr>
-          <p:cNvPr id="31751" name="Text Box 18"/>
-          <p:cNvSpPr txBox="1">
-            <a:spLocks noChangeArrowheads="1"/>
-          </p:cNvSpPr>
-          <p:nvPr/>
-        </p:nvSpPr>
-        <p:spPr bwMode="auto">
-          <a:xfrm>
-            <a:off x="4856163" y="3635375"/>
-            <a:ext cx="3225800" cy="366713"/>
-          </a:xfrm>
-          <a:prstGeom prst="rect">
-            <a:avLst/>
-          </a:prstGeom>
-          <a:noFill/>
-          <a:ln w="28575" algn="ctr">
-            <a:noFill/>
-            <a:miter lim="800000"/>
-            <a:headEnd/>
-            <a:tailEnd/>
-          </a:ln>
-        </p:spPr>
-        <p:txBody>
-          <a:bodyPr>
-            <a:spAutoFit/>
-          </a:bodyPr>
-          <a:lstStyle/>
+              <a:t>t</a:t>
+            </a:r>
+            <a:r>
+              <a:rPr lang="en-US" altLang="zh-CN" sz="2000" baseline="-25000">
+                <a:solidFill>
+                  <a:schemeClr val="tx2"/>
+                </a:solidFill>
+              </a:rPr>
+              <a:t>n</a:t>
+            </a:r>
+            <a:r>
+              <a:rPr lang="en-US" altLang="zh-CN" sz="2000">
+                <a:solidFill>
+                  <a:schemeClr val="tx2"/>
+                </a:solidFill>
+              </a:rPr>
+              <a:t> is runtime per second of new method.</a:t>
+            </a:r>
+          </a:p>
           <a:p>
             <a:pPr>
               <a:spcBef>
@@ -6048,45 +6259,30 @@
               </a:spcBef>
             </a:pPr>
             <a:r>
-              <a:rPr lang="en-US" altLang="zh-CN">
+              <a:rPr lang="en-US" altLang="zh-CN" sz="2000">
                 <a:solidFill>
                   <a:schemeClr val="tx2"/>
                 </a:solidFill>
               </a:rPr>
-              <a:t>Temperature with new method</a:t>
-            </a:r>
-          </a:p>
-        </p:txBody>
-      </p:sp>
-      <p:sp>
-        <p:nvSpPr>
-          <p:cNvPr id="31752" name="Text Box 19"/>
-          <p:cNvSpPr txBox="1">
-            <a:spLocks noChangeArrowheads="1"/>
-          </p:cNvSpPr>
-          <p:nvPr/>
-        </p:nvSpPr>
-        <p:spPr bwMode="auto">
-          <a:xfrm>
-            <a:off x="515938" y="6300788"/>
-            <a:ext cx="4340225" cy="366712"/>
-          </a:xfrm>
-          <a:prstGeom prst="rect">
-            <a:avLst/>
-          </a:prstGeom>
-          <a:noFill/>
-          <a:ln w="28575" algn="ctr">
-            <a:noFill/>
-            <a:miter lim="800000"/>
-            <a:headEnd/>
-            <a:tailEnd/>
-          </a:ln>
-        </p:spPr>
-        <p:txBody>
-          <a:bodyPr>
-            <a:spAutoFit/>
-          </a:bodyPr>
-          <a:lstStyle/>
+              <a:t>t</a:t>
+            </a:r>
+            <a:r>
+              <a:rPr lang="en-US" altLang="zh-CN" sz="2000" baseline="-25000">
+                <a:solidFill>
+                  <a:schemeClr val="tx2"/>
+                </a:solidFill>
+              </a:rPr>
+              <a:t>c</a:t>
+            </a:r>
+            <a:r>
+              <a:rPr lang="en-US" altLang="zh-CN" sz="2000">
+                <a:solidFill>
+                  <a:schemeClr val="tx2"/>
+                </a:solidFill>
+              </a:rPr>
+              <a:t> is runtime per second of method proposed in [1].</a:t>
+            </a:r>
+          </a:p>
           <a:p>
             <a:pPr>
               <a:spcBef>
@@ -6094,45 +6290,30 @@
               </a:spcBef>
             </a:pPr>
             <a:r>
-              <a:rPr lang="en-US" altLang="zh-CN">
+              <a:rPr lang="en-US" altLang="zh-CN" sz="2000">
                 <a:solidFill>
                   <a:schemeClr val="tx2"/>
                 </a:solidFill>
               </a:rPr>
-              <a:t>Temperature with method proposed in [1]</a:t>
-            </a:r>
-          </a:p>
-        </p:txBody>
-      </p:sp>
-      <p:sp>
-        <p:nvSpPr>
-          <p:cNvPr id="31753" name="Text Box 20"/>
-          <p:cNvSpPr txBox="1">
-            <a:spLocks noChangeArrowheads="1"/>
-          </p:cNvSpPr>
-          <p:nvPr/>
-        </p:nvSpPr>
-        <p:spPr bwMode="auto">
-          <a:xfrm>
-            <a:off x="4856163" y="6342063"/>
-            <a:ext cx="4032250" cy="366712"/>
-          </a:xfrm>
-          <a:prstGeom prst="rect">
-            <a:avLst/>
-          </a:prstGeom>
-          <a:noFill/>
-          <a:ln w="28575" algn="ctr">
-            <a:noFill/>
-            <a:miter lim="800000"/>
-            <a:headEnd/>
-            <a:tailEnd/>
-          </a:ln>
-        </p:spPr>
-        <p:txBody>
-          <a:bodyPr>
-            <a:spAutoFit/>
-          </a:bodyPr>
-          <a:lstStyle/>
+              <a:t>t</a:t>
+            </a:r>
+            <a:r>
+              <a:rPr lang="en-US" altLang="zh-CN" sz="2000" baseline="-25000">
+                <a:solidFill>
+                  <a:schemeClr val="tx2"/>
+                </a:solidFill>
+              </a:rPr>
+              <a:t>d</a:t>
+            </a:r>
+            <a:r>
+              <a:rPr lang="en-US" altLang="zh-CN" sz="2000">
+                <a:solidFill>
+                  <a:schemeClr val="tx2"/>
+                </a:solidFill>
+              </a:rPr>
+              <a:t> is runtime per second of DVFS only method. </a:t>
+            </a:r>
+          </a:p>
           <a:p>
             <a:pPr>
               <a:spcBef>
@@ -6140,12 +6321,27 @@
               </a:spcBef>
             </a:pPr>
             <a:r>
-              <a:rPr lang="en-US" altLang="zh-CN">
-                <a:solidFill>
-                  <a:schemeClr val="tx2"/>
-                </a:solidFill>
-              </a:rPr>
-              <a:t>Temperature with DVFS only method</a:t>
+              <a:rPr lang="en-US" altLang="zh-CN" sz="2000">
+                <a:solidFill>
+                  <a:schemeClr val="tx1"/>
+                </a:solidFill>
+              </a:rPr>
+              <a:t> </a:t>
+            </a:r>
+          </a:p>
+          <a:p>
+            <a:pPr>
+              <a:spcBef>
+                <a:spcPct val="50000"/>
+              </a:spcBef>
+            </a:pPr>
+            <a:r>
+              <a:rPr lang="en-US" altLang="zh-CN" sz="2000">
+                <a:solidFill>
+                  <a:schemeClr val="tx1"/>
+                </a:solidFill>
+              </a:rPr>
+              <a:t> </a:t>
             </a:r>
           </a:p>
         </p:txBody>
@@ -6184,7 +6380,7 @@
       </p:grpSpPr>
       <p:sp>
         <p:nvSpPr>
-          <p:cNvPr id="14337" name="Title 1"/>
+          <p:cNvPr id="15361" name="Title 1"/>
           <p:cNvSpPr txBox="1">
             <a:spLocks/>
           </p:cNvSpPr>
@@ -6211,28 +6407,28 @@
           <a:lstStyle/>
           <a:p>
             <a:r>
-              <a:rPr lang="en-US" altLang="zh-CN" sz="4400">
+              <a:rPr lang="zh-CN" altLang="en-US" sz="4100">
                 <a:solidFill>
                   <a:srgbClr val="FF6600"/>
                 </a:solidFill>
               </a:rPr>
-              <a:t>Outline</a:t>
-            </a:r>
-          </a:p>
-        </p:txBody>
-      </p:sp>
-      <p:sp>
-        <p:nvSpPr>
-          <p:cNvPr id="14338" name="Rectangle 3"/>
-          <p:cNvSpPr>
+              <a:t>为什么需要动态温度管理</a:t>
+            </a:r>
+          </a:p>
+        </p:txBody>
+      </p:sp>
+      <p:sp>
+        <p:nvSpPr>
+          <p:cNvPr id="15362" name="Rectangle 3"/>
+          <p:cNvSpPr txBox="1">
             <a:spLocks noChangeArrowheads="1"/>
           </p:cNvSpPr>
           <p:nvPr/>
         </p:nvSpPr>
         <p:spPr bwMode="auto">
           <a:xfrm>
-            <a:off x="755650" y="2028825"/>
-            <a:ext cx="8388350" cy="2747963"/>
+            <a:off x="152400" y="1066800"/>
+            <a:ext cx="8991600" cy="2630488"/>
           </a:xfrm>
           <a:prstGeom prst="rect">
             <a:avLst/>
@@ -6249,7 +6445,7 @@
           <a:bodyPr/>
           <a:lstStyle/>
           <a:p>
-            <a:pPr marL="342900" indent="-342900">
+            <a:pPr marL="342900" indent="-342900" eaLnBrk="0" hangingPunct="0">
               <a:spcBef>
                 <a:spcPct val="20000"/>
               </a:spcBef>
@@ -6261,16 +6457,17 @@
               <a:buChar char="l"/>
             </a:pPr>
             <a:r>
-              <a:rPr lang="en-US" altLang="zh-CN" sz="3200">
-                <a:solidFill>
-                  <a:srgbClr val="FF6600"/>
-                </a:solidFill>
-              </a:rPr>
-              <a:t>Dynamic thermal management</a:t>
-            </a:r>
-          </a:p>
-          <a:p>
-            <a:pPr marL="342900" indent="-342900">
+              <a:rPr lang="zh-CN" altLang="en-US" sz="2000">
+                <a:solidFill>
+                  <a:schemeClr val="tx2"/>
+                </a:solidFill>
+                <a:latin typeface="Arial" charset="0"/>
+              </a:rPr>
+              <a:t>功耗密度不断增长导致高温热问题，在众核领域，高温点问题更加严重</a:t>
+            </a:r>
+          </a:p>
+          <a:p>
+            <a:pPr marL="342900" indent="-342900" eaLnBrk="0" hangingPunct="0">
               <a:spcBef>
                 <a:spcPct val="20000"/>
               </a:spcBef>
@@ -6281,13 +6478,16 @@
               <a:buFont typeface="Wingdings" pitchFamily="2" charset="2"/>
               <a:buChar char="l"/>
             </a:pPr>
-            <a:r>
-              <a:rPr lang="en-US" altLang="zh-CN" sz="3200"/>
-              <a:t>Hierarchical dynamic thermal management</a:t>
-            </a:r>
-          </a:p>
-          <a:p>
-            <a:pPr marL="342900" indent="-342900">
+            <a:endParaRPr lang="en-US" altLang="zh-CN" sz="2000">
+              <a:solidFill>
+                <a:schemeClr val="tx2"/>
+              </a:solidFill>
+              <a:latin typeface="Arial" charset="0"/>
+              <a:ea typeface="MS PGothic" pitchFamily="34" charset="-128"/>
+            </a:endParaRPr>
+          </a:p>
+          <a:p>
+            <a:pPr marL="742950" lvl="1" indent="-285750" eaLnBrk="0" hangingPunct="0">
               <a:spcBef>
                 <a:spcPct val="20000"/>
               </a:spcBef>
@@ -6298,13 +6498,16 @@
               <a:buFont typeface="Wingdings" pitchFamily="2" charset="2"/>
               <a:buChar char="l"/>
             </a:pPr>
-            <a:r>
-              <a:rPr lang="en-US" altLang="zh-CN" sz="3200"/>
-              <a:t>Experimental results</a:t>
-            </a:r>
-          </a:p>
-          <a:p>
-            <a:pPr marL="342900" indent="-342900">
+            <a:endParaRPr lang="en-US" altLang="zh-CN" sz="2000">
+              <a:solidFill>
+                <a:schemeClr val="tx2"/>
+              </a:solidFill>
+              <a:latin typeface="Arial" charset="0"/>
+              <a:ea typeface="MS PGothic" pitchFamily="34" charset="-128"/>
+            </a:endParaRPr>
+          </a:p>
+          <a:p>
+            <a:pPr marL="742950" lvl="1" indent="-285750" eaLnBrk="0" hangingPunct="0">
               <a:spcBef>
                 <a:spcPct val="20000"/>
               </a:spcBef>
@@ -6316,8 +6519,242 @@
               <a:buChar char="l"/>
             </a:pPr>
             <a:r>
-              <a:rPr lang="en-US" altLang="zh-CN" sz="3200"/>
-              <a:t>Conclusion</a:t>
+              <a:rPr lang="zh-CN" altLang="en-US">
+                <a:solidFill>
+                  <a:schemeClr val="tx2"/>
+                </a:solidFill>
+                <a:latin typeface="Times New Roman" pitchFamily="18" charset="0"/>
+              </a:rPr>
+              <a:t>芯片高温或局部高温影响系统可靠性</a:t>
+            </a:r>
+          </a:p>
+          <a:p>
+            <a:pPr marL="742950" lvl="1" indent="-285750" eaLnBrk="0" hangingPunct="0">
+              <a:spcBef>
+                <a:spcPct val="20000"/>
+              </a:spcBef>
+              <a:buClr>
+                <a:schemeClr val="tx2"/>
+              </a:buClr>
+              <a:buSzPct val="70000"/>
+              <a:buFont typeface="Wingdings" pitchFamily="2" charset="2"/>
+              <a:buChar char="l"/>
+            </a:pPr>
+            <a:r>
+              <a:rPr lang="zh-CN" altLang="en-US">
+                <a:solidFill>
+                  <a:schemeClr val="tx2"/>
+                </a:solidFill>
+                <a:latin typeface="Times New Roman" pitchFamily="18" charset="0"/>
+              </a:rPr>
+              <a:t>高温使静态功耗增加</a:t>
+            </a:r>
+          </a:p>
+          <a:p>
+            <a:pPr marL="742950" lvl="1" indent="-285750" eaLnBrk="0" hangingPunct="0">
+              <a:spcBef>
+                <a:spcPct val="20000"/>
+              </a:spcBef>
+              <a:buClr>
+                <a:schemeClr val="tx2"/>
+              </a:buClr>
+              <a:buSzPct val="70000"/>
+              <a:buFont typeface="Wingdings" pitchFamily="2" charset="2"/>
+              <a:buChar char="l"/>
+            </a:pPr>
+            <a:r>
+              <a:rPr lang="zh-CN" altLang="en-US">
+                <a:solidFill>
+                  <a:schemeClr val="tx2"/>
+                </a:solidFill>
+                <a:latin typeface="Times New Roman" pitchFamily="18" charset="0"/>
+              </a:rPr>
+              <a:t>热问题使系统冷却开销很大</a:t>
+            </a:r>
+            <a:endParaRPr lang="en-US" altLang="zh-CN" sz="2000">
+              <a:solidFill>
+                <a:schemeClr val="tx2"/>
+              </a:solidFill>
+              <a:latin typeface="Times New Roman" pitchFamily="18" charset="0"/>
+              <a:ea typeface="MS PGothic" pitchFamily="34" charset="-128"/>
+            </a:endParaRPr>
+          </a:p>
+          <a:p>
+            <a:pPr marL="742950" lvl="1" indent="-285750" eaLnBrk="0" hangingPunct="0">
+              <a:spcBef>
+                <a:spcPct val="20000"/>
+              </a:spcBef>
+              <a:buClr>
+                <a:schemeClr val="tx2"/>
+              </a:buClr>
+              <a:buSzPct val="70000"/>
+              <a:buFont typeface="Wingdings" pitchFamily="2" charset="2"/>
+              <a:buChar char="l"/>
+            </a:pPr>
+            <a:endParaRPr lang="en-US" altLang="zh-CN" sz="2000">
+              <a:solidFill>
+                <a:schemeClr val="tx2"/>
+              </a:solidFill>
+              <a:latin typeface="Arial" charset="0"/>
+              <a:ea typeface="MS PGothic" pitchFamily="34" charset="-128"/>
+            </a:endParaRPr>
+          </a:p>
+          <a:p>
+            <a:pPr marL="742950" lvl="1" indent="-285750" eaLnBrk="0" hangingPunct="0">
+              <a:spcBef>
+                <a:spcPct val="20000"/>
+              </a:spcBef>
+              <a:buClr>
+                <a:schemeClr val="tx2"/>
+              </a:buClr>
+              <a:buSzPct val="70000"/>
+              <a:buFont typeface="Wingdings" pitchFamily="2" charset="2"/>
+              <a:buChar char="l"/>
+            </a:pPr>
+            <a:endParaRPr lang="en-US" altLang="zh-CN" sz="2000">
+              <a:solidFill>
+                <a:schemeClr val="tx2"/>
+              </a:solidFill>
+              <a:latin typeface="Arial" charset="0"/>
+              <a:ea typeface="MS PGothic" pitchFamily="34" charset="-128"/>
+            </a:endParaRPr>
+          </a:p>
+          <a:p>
+            <a:pPr marL="742950" lvl="1" indent="-285750"/>
+            <a:r>
+              <a:rPr lang="en-US" altLang="zh-CN">
+                <a:solidFill>
+                  <a:schemeClr val="tx2"/>
+                </a:solidFill>
+              </a:rPr>
+              <a:t>	</a:t>
+            </a:r>
+          </a:p>
+          <a:p>
+            <a:pPr marL="742950" lvl="1" indent="-285750" eaLnBrk="0" hangingPunct="0">
+              <a:spcBef>
+                <a:spcPct val="20000"/>
+              </a:spcBef>
+              <a:buClr>
+                <a:schemeClr val="tx2"/>
+              </a:buClr>
+              <a:buSzPct val="70000"/>
+              <a:buFont typeface="Wingdings" pitchFamily="2" charset="2"/>
+              <a:buChar char="l"/>
+            </a:pPr>
+            <a:endParaRPr lang="en-US" altLang="zh-CN" sz="2000">
+              <a:solidFill>
+                <a:schemeClr val="tx2"/>
+              </a:solidFill>
+              <a:latin typeface="Arial" charset="0"/>
+              <a:ea typeface="MS PGothic" pitchFamily="34" charset="-128"/>
+            </a:endParaRPr>
+          </a:p>
+        </p:txBody>
+      </p:sp>
+      <p:sp>
+        <p:nvSpPr>
+          <p:cNvPr id="15363" name="AutoShape 3"/>
+          <p:cNvSpPr>
+            <a:spLocks noChangeAspect="1" noChangeArrowheads="1" noTextEdit="1"/>
+          </p:cNvSpPr>
+          <p:nvPr/>
+        </p:nvSpPr>
+        <p:spPr bwMode="auto">
+          <a:xfrm>
+            <a:off x="2500313" y="2249488"/>
+            <a:ext cx="3062287" cy="2027237"/>
+          </a:xfrm>
+          <a:prstGeom prst="rect">
+            <a:avLst/>
+          </a:prstGeom>
+          <a:noFill/>
+          <a:ln w="9525">
+            <a:noFill/>
+            <a:miter lim="800000"/>
+            <a:headEnd/>
+            <a:tailEnd/>
+          </a:ln>
+        </p:spPr>
+        <p:txBody>
+          <a:bodyPr/>
+          <a:lstStyle/>
+          <a:p>
+            <a:endParaRPr lang="zh-CN" altLang="en-US"/>
+          </a:p>
+        </p:txBody>
+      </p:sp>
+      <p:pic>
+        <p:nvPicPr>
+          <p:cNvPr id="15364" name="Picture 2"/>
+          <p:cNvPicPr>
+            <a:picLocks noChangeAspect="1" noChangeArrowheads="1"/>
+          </p:cNvPicPr>
+          <p:nvPr/>
+        </p:nvPicPr>
+        <p:blipFill>
+          <a:blip r:embed="rId2"/>
+          <a:srcRect/>
+          <a:stretch>
+            <a:fillRect/>
+          </a:stretch>
+        </p:blipFill>
+        <p:spPr bwMode="auto">
+          <a:xfrm>
+            <a:off x="5407025" y="3779838"/>
+            <a:ext cx="2873375" cy="1874837"/>
+          </a:xfrm>
+          <a:prstGeom prst="rect">
+            <a:avLst/>
+          </a:prstGeom>
+          <a:noFill/>
+          <a:ln w="9525">
+            <a:noFill/>
+            <a:miter lim="800000"/>
+            <a:headEnd/>
+            <a:tailEnd/>
+          </a:ln>
+        </p:spPr>
+      </p:pic>
+      <p:sp>
+        <p:nvSpPr>
+          <p:cNvPr id="15365" name="TextBox 7"/>
+          <p:cNvSpPr txBox="1">
+            <a:spLocks noChangeArrowheads="1"/>
+          </p:cNvSpPr>
+          <p:nvPr/>
+        </p:nvSpPr>
+        <p:spPr bwMode="auto">
+          <a:xfrm>
+            <a:off x="5424488" y="6037263"/>
+            <a:ext cx="3059112" cy="581025"/>
+          </a:xfrm>
+          <a:prstGeom prst="rect">
+            <a:avLst/>
+          </a:prstGeom>
+          <a:noFill/>
+          <a:ln w="9525">
+            <a:noFill/>
+            <a:miter lim="800000"/>
+            <a:headEnd/>
+            <a:tailEnd/>
+          </a:ln>
+        </p:spPr>
+        <p:txBody>
+          <a:bodyPr>
+            <a:spAutoFit/>
+          </a:bodyPr>
+          <a:lstStyle/>
+          <a:p>
+            <a:r>
+              <a:rPr lang="en-US" altLang="zh-CN" sz="1600" b="1" i="1">
+                <a:solidFill>
+                  <a:srgbClr val="FF6600"/>
+                </a:solidFill>
+                <a:latin typeface="Arial" charset="0"/>
+                <a:ea typeface="MS PGothic" pitchFamily="34" charset="-128"/>
+              </a:rPr>
+              <a:t>Temperature distribution of multi-core chip</a:t>
             </a:r>
           </a:p>
         </p:txBody>
@@ -6356,7 +6793,7 @@
       </p:grpSpPr>
       <p:sp>
         <p:nvSpPr>
-          <p:cNvPr id="32769" name="Title 1"/>
+          <p:cNvPr id="34817" name="Title 1"/>
           <p:cNvSpPr txBox="1">
             <a:spLocks/>
           </p:cNvSpPr>
@@ -6388,14 +6825,14 @@
                   <a:srgbClr val="FF6600"/>
                 </a:solidFill>
               </a:rPr>
-              <a:t>Transient variance comparison</a:t>
+              <a:t>Performance  comparison</a:t>
             </a:r>
           </a:p>
         </p:txBody>
       </p:sp>
       <p:pic>
         <p:nvPicPr>
-          <p:cNvPr id="32770" name="Picture 4" descr="Screenshot-11"/>
+          <p:cNvPr id="34818" name="Picture 5" descr="Screenshot-10"/>
           <p:cNvPicPr>
             <a:picLocks noChangeAspect="1" noChangeArrowheads="1"/>
           </p:cNvPicPr>
@@ -6410,8 +6847,8 @@
         </p:blipFill>
         <p:spPr bwMode="auto">
           <a:xfrm>
-            <a:off x="144463" y="1187450"/>
-            <a:ext cx="8999537" cy="2582863"/>
+            <a:off x="280988" y="1517650"/>
+            <a:ext cx="8670925" cy="2408238"/>
           </a:xfrm>
           <a:prstGeom prst="rect">
             <a:avLst/>
@@ -6427,7 +6864,7 @@
       </p:pic>
       <p:sp>
         <p:nvSpPr>
-          <p:cNvPr id="32771" name="Text Box 10"/>
+          <p:cNvPr id="34819" name="Text Box 9"/>
           <p:cNvSpPr txBox="1">
             <a:spLocks noChangeArrowheads="1"/>
           </p:cNvSpPr>
@@ -6435,8 +6872,8 @@
         </p:nvSpPr>
         <p:spPr bwMode="auto">
           <a:xfrm>
-            <a:off x="938213" y="4079875"/>
-            <a:ext cx="7748587" cy="2843213"/>
+            <a:off x="831850" y="4400550"/>
+            <a:ext cx="7289800" cy="2017713"/>
           </a:xfrm>
           <a:prstGeom prst="rect">
             <a:avLst/>
@@ -6466,7 +6903,7 @@
                   <a:schemeClr val="tx2"/>
                 </a:solidFill>
               </a:rPr>
-              <a:t>var</a:t>
+              <a:t>MIPS</a:t>
             </a:r>
             <a:r>
               <a:rPr lang="en-US" altLang="zh-CN" baseline="-25000">
@@ -6482,7 +6919,7 @@
                   <a:schemeClr val="tx2"/>
                 </a:solidFill>
               </a:rPr>
-              <a:t> is variance of Transient temperature trace without DTM method.</a:t>
+              <a:t> is  the average number of IPS in million without DTM.</a:t>
             </a:r>
           </a:p>
           <a:p>
@@ -6497,7 +6934,7 @@
                   <a:schemeClr val="tx2"/>
                 </a:solidFill>
               </a:rPr>
-              <a:t>var</a:t>
+              <a:t>MIPS</a:t>
             </a:r>
             <a:r>
               <a:rPr lang="en-US" altLang="zh-CN" baseline="-25000">
@@ -6513,7 +6950,7 @@
                   <a:schemeClr val="tx2"/>
                 </a:solidFill>
               </a:rPr>
-              <a:t> is variance of Transient temperature trace with DVFS only method.</a:t>
+              <a:t> is  the average number of IPS in million with DVFS only method.</a:t>
             </a:r>
           </a:p>
           <a:p>
@@ -6528,7 +6965,7 @@
                   <a:schemeClr val="tx2"/>
                 </a:solidFill>
               </a:rPr>
-              <a:t>var</a:t>
+              <a:t>MIPS</a:t>
             </a:r>
             <a:r>
               <a:rPr lang="en-US" altLang="zh-CN" baseline="-25000">
@@ -6536,7 +6973,7 @@
                   <a:schemeClr val="tx2"/>
                 </a:solidFill>
               </a:rPr>
-              <a:t>c</a:t>
+              <a:t>n</a:t>
             </a:r>
             <a:r>
               <a:rPr lang="en-US" altLang="zh-CN">
@@ -6544,51 +6981,8 @@
                   <a:schemeClr val="tx2"/>
                 </a:solidFill>
               </a:rPr>
-              <a:t> is variance of Transient temperature trace with method proposed in [1].</a:t>
-            </a:r>
-          </a:p>
-          <a:p>
-            <a:pPr>
-              <a:spcBef>
-                <a:spcPct val="50000"/>
-              </a:spcBef>
-            </a:pPr>
-            <a:r>
-              <a:rPr lang="en-US" altLang="zh-CN">
-                <a:solidFill>
-                  <a:schemeClr val="tx2"/>
-                </a:solidFill>
-              </a:rPr>
-              <a:t>var</a:t>
-            </a:r>
-            <a:r>
-              <a:rPr lang="en-US" altLang="zh-CN" baseline="-25000">
-                <a:solidFill>
-                  <a:schemeClr val="tx2"/>
-                </a:solidFill>
-              </a:rPr>
-              <a:t>n</a:t>
-            </a:r>
-            <a:r>
-              <a:rPr lang="en-US" altLang="zh-CN">
-                <a:solidFill>
-                  <a:schemeClr val="tx2"/>
-                </a:solidFill>
-              </a:rPr>
-              <a:t> is variance of Transient temperature trace with new method.</a:t>
-            </a:r>
-          </a:p>
-          <a:p>
-            <a:pPr>
-              <a:spcBef>
-                <a:spcPct val="50000"/>
-              </a:spcBef>
-            </a:pPr>
-            <a:endParaRPr lang="en-US" altLang="zh-CN">
-              <a:solidFill>
-                <a:schemeClr val="tx1"/>
-              </a:solidFill>
-            </a:endParaRPr>
+              <a:t> is  the average number of IPS in million with new method.</a:t>
+            </a:r>
           </a:p>
           <a:p>
             <a:pPr>
@@ -6650,7 +7044,7 @@
       </p:grpSpPr>
       <p:sp>
         <p:nvSpPr>
-          <p:cNvPr id="33793" name="Title 1"/>
+          <p:cNvPr id="35841" name="Title 1"/>
           <p:cNvSpPr txBox="1">
             <a:spLocks/>
           </p:cNvSpPr>
@@ -6682,30 +7076,23 @@
                   <a:srgbClr val="FF6600"/>
                 </a:solidFill>
               </a:rPr>
-              <a:t>Runtime comparison</a:t>
-            </a:r>
-          </a:p>
-        </p:txBody>
-      </p:sp>
-      <p:pic>
-        <p:nvPicPr>
-          <p:cNvPr id="33794" name="Picture 3" descr="Screenshot-12"/>
-          <p:cNvPicPr>
-            <a:picLocks noChangeAspect="1" noChangeArrowheads="1"/>
-          </p:cNvPicPr>
+              <a:t>Conclusion</a:t>
+            </a:r>
+          </a:p>
+        </p:txBody>
+      </p:sp>
+      <p:sp>
+        <p:nvSpPr>
+          <p:cNvPr id="35842" name="Rectangle 3"/>
+          <p:cNvSpPr txBox="1">
+            <a:spLocks noChangeArrowheads="1"/>
+          </p:cNvSpPr>
           <p:nvPr/>
-        </p:nvPicPr>
-        <p:blipFill>
-          <a:blip r:embed="rId2"/>
-          <a:srcRect/>
-          <a:stretch>
-            <a:fillRect/>
-          </a:stretch>
-        </p:blipFill>
+        </p:nvSpPr>
         <p:spPr bwMode="auto">
           <a:xfrm>
-            <a:off x="161925" y="1560513"/>
-            <a:ext cx="8818563" cy="2455862"/>
+            <a:off x="457200" y="1563688"/>
+            <a:ext cx="8423275" cy="3805237"/>
           </a:xfrm>
           <a:prstGeom prst="rect">
             <a:avLst/>
@@ -6718,157 +7105,96 @@
             <a:tailEnd/>
           </a:ln>
         </p:spPr>
-      </p:pic>
-      <p:sp>
-        <p:nvSpPr>
-          <p:cNvPr id="33795" name="Text Box 7"/>
-          <p:cNvSpPr txBox="1">
-            <a:spLocks noChangeArrowheads="1"/>
-          </p:cNvSpPr>
-          <p:nvPr/>
-        </p:nvSpPr>
-        <p:spPr bwMode="auto">
-          <a:xfrm>
-            <a:off x="677863" y="4460875"/>
-            <a:ext cx="5718175" cy="2225675"/>
-          </a:xfrm>
-          <a:prstGeom prst="rect">
-            <a:avLst/>
-          </a:prstGeom>
-          <a:noFill/>
-          <a:ln w="28575" algn="ctr">
-            <a:noFill/>
-            <a:miter lim="800000"/>
-            <a:headEnd/>
-            <a:tailEnd/>
-          </a:ln>
-        </p:spPr>
-        <p:txBody>
-          <a:bodyPr>
-            <a:spAutoFit/>
-          </a:bodyPr>
+        <p:txBody>
+          <a:bodyPr/>
           <a:lstStyle/>
           <a:p>
-            <a:pPr>
+            <a:pPr marL="342900" indent="-342900" eaLnBrk="0" hangingPunct="0">
               <a:spcBef>
-                <a:spcPct val="50000"/>
+                <a:spcPct val="20000"/>
               </a:spcBef>
-            </a:pPr>
-            <a:r>
-              <a:rPr lang="en-US" altLang="zh-CN" sz="2000">
+              <a:buClr>
+                <a:schemeClr val="tx2"/>
+              </a:buClr>
+              <a:buSzPct val="70000"/>
+              <a:buFont typeface="Wingdings" pitchFamily="2" charset="2"/>
+              <a:buChar char="l"/>
+            </a:pPr>
+            <a:endParaRPr lang="en-US" altLang="zh-CN" sz="2400">
+              <a:solidFill>
+                <a:schemeClr val="tx2"/>
+              </a:solidFill>
+              <a:latin typeface="Arial" charset="0"/>
+              <a:ea typeface="MS PGothic" pitchFamily="34" charset="-128"/>
+            </a:endParaRPr>
+          </a:p>
+          <a:p>
+            <a:pPr marL="342900" indent="-342900" eaLnBrk="0" hangingPunct="0">
+              <a:spcBef>
+                <a:spcPct val="20000"/>
+              </a:spcBef>
+              <a:buClr>
+                <a:schemeClr val="tx2"/>
+              </a:buClr>
+              <a:buSzPct val="70000"/>
+              <a:buFont typeface="Wingdings" pitchFamily="2" charset="2"/>
+              <a:buChar char="l"/>
+            </a:pPr>
+            <a:r>
+              <a:rPr lang="en-US" altLang="zh-CN" sz="2400">
                 <a:solidFill>
                   <a:schemeClr val="tx2"/>
                 </a:solidFill>
-              </a:rPr>
-              <a:t>t</a:t>
-            </a:r>
-            <a:r>
-              <a:rPr lang="en-US" altLang="zh-CN" sz="2000" baseline="-25000">
+                <a:latin typeface="Arial" charset="0"/>
+                <a:ea typeface="MS PGothic" pitchFamily="34" charset="-128"/>
+              </a:rPr>
+              <a:t>A Hierarchical dynamic thermal management method is proposed.</a:t>
+            </a:r>
+          </a:p>
+          <a:p>
+            <a:pPr marL="342900" indent="-342900" eaLnBrk="0" hangingPunct="0">
+              <a:spcBef>
+                <a:spcPct val="20000"/>
+              </a:spcBef>
+              <a:buClr>
+                <a:schemeClr val="tx2"/>
+              </a:buClr>
+              <a:buSzPct val="70000"/>
+              <a:buFont typeface="Wingdings" pitchFamily="2" charset="2"/>
+              <a:buChar char="l"/>
+            </a:pPr>
+            <a:r>
+              <a:rPr lang="en-US" altLang="zh-CN" sz="2400">
                 <a:solidFill>
                   <a:schemeClr val="tx2"/>
                 </a:solidFill>
-              </a:rPr>
-              <a:t>n</a:t>
-            </a:r>
-            <a:r>
-              <a:rPr lang="en-US" altLang="zh-CN" sz="2000">
+                <a:latin typeface="Arial" charset="0"/>
+                <a:ea typeface="MS PGothic" pitchFamily="34" charset="-128"/>
+              </a:rPr>
+              <a:t>Two partitioning methods are used: one is partitioning by position, the other is partitioning using a minimum cut algorithm.</a:t>
+            </a:r>
+          </a:p>
+          <a:p>
+            <a:pPr marL="342900" indent="-342900" eaLnBrk="0" hangingPunct="0">
+              <a:spcBef>
+                <a:spcPct val="20000"/>
+              </a:spcBef>
+              <a:buClr>
+                <a:schemeClr val="tx2"/>
+              </a:buClr>
+              <a:buSzPct val="70000"/>
+              <a:buFont typeface="Wingdings" pitchFamily="2" charset="2"/>
+              <a:buChar char="l"/>
+            </a:pPr>
+            <a:r>
+              <a:rPr lang="en-US" altLang="zh-CN" sz="2400">
                 <a:solidFill>
                   <a:schemeClr val="tx2"/>
                 </a:solidFill>
-              </a:rPr>
-              <a:t> is runtime per second of new method.</a:t>
-            </a:r>
-          </a:p>
-          <a:p>
-            <a:pPr>
-              <a:spcBef>
-                <a:spcPct val="50000"/>
-              </a:spcBef>
-            </a:pPr>
-            <a:r>
-              <a:rPr lang="en-US" altLang="zh-CN" sz="2000">
-                <a:solidFill>
-                  <a:schemeClr val="tx2"/>
-                </a:solidFill>
-              </a:rPr>
-              <a:t>t</a:t>
-            </a:r>
-            <a:r>
-              <a:rPr lang="en-US" altLang="zh-CN" sz="2000" baseline="-25000">
-                <a:solidFill>
-                  <a:schemeClr val="tx2"/>
-                </a:solidFill>
-              </a:rPr>
-              <a:t>c</a:t>
-            </a:r>
-            <a:r>
-              <a:rPr lang="en-US" altLang="zh-CN" sz="2000">
-                <a:solidFill>
-                  <a:schemeClr val="tx2"/>
-                </a:solidFill>
-              </a:rPr>
-              <a:t> is runtime per second of method proposed in [1].</a:t>
-            </a:r>
-          </a:p>
-          <a:p>
-            <a:pPr>
-              <a:spcBef>
-                <a:spcPct val="50000"/>
-              </a:spcBef>
-            </a:pPr>
-            <a:r>
-              <a:rPr lang="en-US" altLang="zh-CN" sz="2000">
-                <a:solidFill>
-                  <a:schemeClr val="tx2"/>
-                </a:solidFill>
-              </a:rPr>
-              <a:t>t</a:t>
-            </a:r>
-            <a:r>
-              <a:rPr lang="en-US" altLang="zh-CN" sz="2000" baseline="-25000">
-                <a:solidFill>
-                  <a:schemeClr val="tx2"/>
-                </a:solidFill>
-              </a:rPr>
-              <a:t>d</a:t>
-            </a:r>
-            <a:r>
-              <a:rPr lang="en-US" altLang="zh-CN" sz="2000">
-                <a:solidFill>
-                  <a:schemeClr val="tx2"/>
-                </a:solidFill>
-              </a:rPr>
-              <a:t> is runtime per second of DVFS only method. </a:t>
-            </a:r>
-          </a:p>
-          <a:p>
-            <a:pPr>
-              <a:spcBef>
-                <a:spcPct val="50000"/>
-              </a:spcBef>
-            </a:pPr>
-            <a:r>
-              <a:rPr lang="en-US" altLang="zh-CN" sz="2000">
-                <a:solidFill>
-                  <a:schemeClr val="tx1"/>
-                </a:solidFill>
-              </a:rPr>
-              <a:t> </a:t>
-            </a:r>
-          </a:p>
-          <a:p>
-            <a:pPr>
-              <a:spcBef>
-                <a:spcPct val="50000"/>
-              </a:spcBef>
-            </a:pPr>
-            <a:r>
-              <a:rPr lang="en-US" altLang="zh-CN" sz="2000">
-                <a:solidFill>
-                  <a:schemeClr val="tx1"/>
-                </a:solidFill>
-              </a:rPr>
-              <a:t> </a:t>
+                <a:latin typeface="Arial" charset="0"/>
+                <a:ea typeface="MS PGothic" pitchFamily="34" charset="-128"/>
+              </a:rPr>
+              <a:t>The new method is distributed, time spent in computing is reduced so much.</a:t>
             </a:r>
           </a:p>
         </p:txBody>
@@ -6907,446 +7233,6 @@
       </p:grpSpPr>
       <p:sp>
         <p:nvSpPr>
-          <p:cNvPr id="34817" name="Title 1"/>
-          <p:cNvSpPr txBox="1">
-            <a:spLocks/>
-          </p:cNvSpPr>
-          <p:nvPr/>
-        </p:nvSpPr>
-        <p:spPr bwMode="auto">
-          <a:xfrm>
-            <a:off x="457200" y="44450"/>
-            <a:ext cx="8229600" cy="1143000"/>
-          </a:xfrm>
-          <a:prstGeom prst="rect">
-            <a:avLst/>
-          </a:prstGeom>
-          <a:noFill/>
-          <a:ln w="9525">
-            <a:noFill/>
-            <a:miter lim="800000"/>
-            <a:headEnd/>
-            <a:tailEnd/>
-          </a:ln>
-        </p:spPr>
-        <p:txBody>
-          <a:bodyPr anchor="ctr"/>
-          <a:lstStyle/>
-          <a:p>
-            <a:r>
-              <a:rPr lang="en-US" altLang="zh-CN" sz="4400">
-                <a:solidFill>
-                  <a:srgbClr val="FF6600"/>
-                </a:solidFill>
-              </a:rPr>
-              <a:t>Performance  comparison</a:t>
-            </a:r>
-          </a:p>
-        </p:txBody>
-      </p:sp>
-      <p:pic>
-        <p:nvPicPr>
-          <p:cNvPr id="34818" name="Picture 5" descr="Screenshot-10"/>
-          <p:cNvPicPr>
-            <a:picLocks noChangeAspect="1" noChangeArrowheads="1"/>
-          </p:cNvPicPr>
-          <p:nvPr/>
-        </p:nvPicPr>
-        <p:blipFill>
-          <a:blip r:embed="rId2"/>
-          <a:srcRect/>
-          <a:stretch>
-            <a:fillRect/>
-          </a:stretch>
-        </p:blipFill>
-        <p:spPr bwMode="auto">
-          <a:xfrm>
-            <a:off x="280988" y="1517650"/>
-            <a:ext cx="8670925" cy="2408238"/>
-          </a:xfrm>
-          <a:prstGeom prst="rect">
-            <a:avLst/>
-          </a:prstGeom>
-          <a:noFill/>
-          <a:ln w="9525">
-            <a:noFill/>
-            <a:miter lim="800000"/>
-            <a:headEnd/>
-            <a:tailEnd/>
-          </a:ln>
-        </p:spPr>
-      </p:pic>
-      <p:sp>
-        <p:nvSpPr>
-          <p:cNvPr id="34819" name="Text Box 9"/>
-          <p:cNvSpPr txBox="1">
-            <a:spLocks noChangeArrowheads="1"/>
-          </p:cNvSpPr>
-          <p:nvPr/>
-        </p:nvSpPr>
-        <p:spPr bwMode="auto">
-          <a:xfrm>
-            <a:off x="831850" y="4400550"/>
-            <a:ext cx="7289800" cy="2017713"/>
-          </a:xfrm>
-          <a:prstGeom prst="rect">
-            <a:avLst/>
-          </a:prstGeom>
-          <a:noFill/>
-          <a:ln w="28575" algn="ctr">
-            <a:noFill/>
-            <a:miter lim="800000"/>
-            <a:headEnd/>
-            <a:tailEnd/>
-          </a:ln>
-        </p:spPr>
-        <p:txBody>
-          <a:bodyPr>
-            <a:spAutoFit/>
-          </a:bodyPr>
-          <a:lstStyle/>
-          <a:p>
-            <a:pPr>
-              <a:spcBef>
-                <a:spcPct val="50000"/>
-              </a:spcBef>
-            </a:pPr>
-            <a:r>
-              <a:rPr lang="en-US" altLang="zh-CN">
-                <a:solidFill>
-                  <a:schemeClr val="tx2"/>
-                </a:solidFill>
-              </a:rPr>
-              <a:t>MIPS</a:t>
-            </a:r>
-            <a:r>
-              <a:rPr lang="en-US" altLang="zh-CN" baseline="-25000">
-                <a:solidFill>
-                  <a:schemeClr val="tx2"/>
-                </a:solidFill>
-              </a:rPr>
-              <a:t>o</a:t>
-            </a:r>
-            <a:r>
-              <a:rPr lang="en-US" altLang="zh-CN">
-                <a:solidFill>
-                  <a:schemeClr val="tx2"/>
-                </a:solidFill>
-              </a:rPr>
-              <a:t> is  the average number of IPS in million without DTM.</a:t>
-            </a:r>
-          </a:p>
-          <a:p>
-            <a:pPr>
-              <a:spcBef>
-                <a:spcPct val="50000"/>
-              </a:spcBef>
-            </a:pPr>
-            <a:r>
-              <a:rPr lang="en-US" altLang="zh-CN">
-                <a:solidFill>
-                  <a:schemeClr val="tx2"/>
-                </a:solidFill>
-              </a:rPr>
-              <a:t>MIPS</a:t>
-            </a:r>
-            <a:r>
-              <a:rPr lang="en-US" altLang="zh-CN" baseline="-25000">
-                <a:solidFill>
-                  <a:schemeClr val="tx2"/>
-                </a:solidFill>
-              </a:rPr>
-              <a:t>d</a:t>
-            </a:r>
-            <a:r>
-              <a:rPr lang="en-US" altLang="zh-CN">
-                <a:solidFill>
-                  <a:schemeClr val="tx2"/>
-                </a:solidFill>
-              </a:rPr>
-              <a:t> is  the average number of IPS in million with DVFS only method.</a:t>
-            </a:r>
-          </a:p>
-          <a:p>
-            <a:pPr>
-              <a:spcBef>
-                <a:spcPct val="50000"/>
-              </a:spcBef>
-            </a:pPr>
-            <a:r>
-              <a:rPr lang="en-US" altLang="zh-CN">
-                <a:solidFill>
-                  <a:schemeClr val="tx2"/>
-                </a:solidFill>
-              </a:rPr>
-              <a:t>MIPS</a:t>
-            </a:r>
-            <a:r>
-              <a:rPr lang="en-US" altLang="zh-CN" baseline="-25000">
-                <a:solidFill>
-                  <a:schemeClr val="tx2"/>
-                </a:solidFill>
-              </a:rPr>
-              <a:t>n</a:t>
-            </a:r>
-            <a:r>
-              <a:rPr lang="en-US" altLang="zh-CN">
-                <a:solidFill>
-                  <a:schemeClr val="tx2"/>
-                </a:solidFill>
-              </a:rPr>
-              <a:t> is  the average number of IPS in million with new method.</a:t>
-            </a:r>
-          </a:p>
-          <a:p>
-            <a:pPr>
-              <a:spcBef>
-                <a:spcPct val="50000"/>
-              </a:spcBef>
-            </a:pPr>
-            <a:endParaRPr lang="en-US" altLang="zh-CN">
-              <a:solidFill>
-                <a:schemeClr val="tx1"/>
-              </a:solidFill>
-            </a:endParaRPr>
-          </a:p>
-          <a:p>
-            <a:pPr>
-              <a:spcBef>
-                <a:spcPct val="50000"/>
-              </a:spcBef>
-            </a:pPr>
-            <a:endParaRPr lang="en-US" altLang="zh-CN">
-              <a:solidFill>
-                <a:schemeClr val="tx1"/>
-              </a:solidFill>
-            </a:endParaRPr>
-          </a:p>
-        </p:txBody>
-      </p:sp>
-    </p:spTree>
-  </p:cSld>
-  <p:clrMapOvr>
-    <a:masterClrMapping/>
-  </p:clrMapOvr>
-  <p:timing>
-    <p:tnLst>
-      <p:par>
-        <p:cTn id="1" dur="indefinite" restart="never" nodeType="tmRoot"/>
-      </p:par>
-    </p:tnLst>
-  </p:timing>
-</p:sld>
-</file>
-
-<file path=ppt/slides/slide23.xml><?xml version="1.0" encoding="utf-8"?>
-<p:sld xmlns:a="http://schemas.openxmlformats.org/drawingml/2006/main" xmlns:r="http://schemas.openxmlformats.org/officeDocument/2006/relationships" xmlns:p="http://schemas.openxmlformats.org/presentationml/2006/main">
-  <p:cSld>
-    <p:spTree>
-      <p:nvGrpSpPr>
-        <p:cNvPr id="1" name=""/>
-        <p:cNvGrpSpPr/>
-        <p:nvPr/>
-      </p:nvGrpSpPr>
-      <p:grpSpPr>
-        <a:xfrm>
-          <a:off x="0" y="0"/>
-          <a:ext cx="0" cy="0"/>
-          <a:chOff x="0" y="0"/>
-          <a:chExt cx="0" cy="0"/>
-        </a:xfrm>
-      </p:grpSpPr>
-      <p:sp>
-        <p:nvSpPr>
-          <p:cNvPr id="35841" name="Title 1"/>
-          <p:cNvSpPr txBox="1">
-            <a:spLocks/>
-          </p:cNvSpPr>
-          <p:nvPr/>
-        </p:nvSpPr>
-        <p:spPr bwMode="auto">
-          <a:xfrm>
-            <a:off x="457200" y="44450"/>
-            <a:ext cx="8229600" cy="1143000"/>
-          </a:xfrm>
-          <a:prstGeom prst="rect">
-            <a:avLst/>
-          </a:prstGeom>
-          <a:noFill/>
-          <a:ln w="9525">
-            <a:noFill/>
-            <a:miter lim="800000"/>
-            <a:headEnd/>
-            <a:tailEnd/>
-          </a:ln>
-        </p:spPr>
-        <p:txBody>
-          <a:bodyPr anchor="ctr"/>
-          <a:lstStyle/>
-          <a:p>
-            <a:r>
-              <a:rPr lang="en-US" altLang="zh-CN" sz="4400">
-                <a:solidFill>
-                  <a:srgbClr val="FF6600"/>
-                </a:solidFill>
-              </a:rPr>
-              <a:t>Conclusion</a:t>
-            </a:r>
-          </a:p>
-        </p:txBody>
-      </p:sp>
-      <p:sp>
-        <p:nvSpPr>
-          <p:cNvPr id="35842" name="Rectangle 3"/>
-          <p:cNvSpPr txBox="1">
-            <a:spLocks noChangeArrowheads="1"/>
-          </p:cNvSpPr>
-          <p:nvPr/>
-        </p:nvSpPr>
-        <p:spPr bwMode="auto">
-          <a:xfrm>
-            <a:off x="457200" y="1563688"/>
-            <a:ext cx="8423275" cy="3805237"/>
-          </a:xfrm>
-          <a:prstGeom prst="rect">
-            <a:avLst/>
-          </a:prstGeom>
-          <a:noFill/>
-          <a:ln w="9525">
-            <a:noFill/>
-            <a:miter lim="800000"/>
-            <a:headEnd/>
-            <a:tailEnd/>
-          </a:ln>
-        </p:spPr>
-        <p:txBody>
-          <a:bodyPr/>
-          <a:lstStyle/>
-          <a:p>
-            <a:pPr marL="342900" indent="-342900" eaLnBrk="0" hangingPunct="0">
-              <a:spcBef>
-                <a:spcPct val="20000"/>
-              </a:spcBef>
-              <a:buClr>
-                <a:schemeClr val="tx2"/>
-              </a:buClr>
-              <a:buSzPct val="70000"/>
-              <a:buFont typeface="Wingdings" pitchFamily="2" charset="2"/>
-              <a:buChar char="l"/>
-            </a:pPr>
-            <a:endParaRPr lang="en-US" altLang="zh-CN" sz="2400">
-              <a:solidFill>
-                <a:schemeClr val="tx2"/>
-              </a:solidFill>
-              <a:latin typeface="Arial" charset="0"/>
-              <a:ea typeface="MS PGothic" pitchFamily="34" charset="-128"/>
-            </a:endParaRPr>
-          </a:p>
-          <a:p>
-            <a:pPr marL="342900" indent="-342900" eaLnBrk="0" hangingPunct="0">
-              <a:spcBef>
-                <a:spcPct val="20000"/>
-              </a:spcBef>
-              <a:buClr>
-                <a:schemeClr val="tx2"/>
-              </a:buClr>
-              <a:buSzPct val="70000"/>
-              <a:buFont typeface="Wingdings" pitchFamily="2" charset="2"/>
-              <a:buChar char="l"/>
-            </a:pPr>
-            <a:r>
-              <a:rPr lang="en-US" altLang="zh-CN" sz="2400">
-                <a:solidFill>
-                  <a:schemeClr val="tx2"/>
-                </a:solidFill>
-                <a:latin typeface="Arial" charset="0"/>
-                <a:ea typeface="MS PGothic" pitchFamily="34" charset="-128"/>
-              </a:rPr>
-              <a:t>A Hierarchical dynamic thermal management method is proposed.</a:t>
-            </a:r>
-          </a:p>
-          <a:p>
-            <a:pPr marL="342900" indent="-342900" eaLnBrk="0" hangingPunct="0">
-              <a:spcBef>
-                <a:spcPct val="20000"/>
-              </a:spcBef>
-              <a:buClr>
-                <a:schemeClr val="tx2"/>
-              </a:buClr>
-              <a:buSzPct val="70000"/>
-              <a:buFont typeface="Wingdings" pitchFamily="2" charset="2"/>
-              <a:buChar char="l"/>
-            </a:pPr>
-            <a:r>
-              <a:rPr lang="en-US" altLang="zh-CN" sz="2400">
-                <a:solidFill>
-                  <a:schemeClr val="tx2"/>
-                </a:solidFill>
-                <a:latin typeface="Arial" charset="0"/>
-                <a:ea typeface="MS PGothic" pitchFamily="34" charset="-128"/>
-              </a:rPr>
-              <a:t>Two partitioning methods are used: one is partitioning by position, the other is partitioning using a minimum cut algorithm.</a:t>
-            </a:r>
-          </a:p>
-          <a:p>
-            <a:pPr marL="342900" indent="-342900" eaLnBrk="0" hangingPunct="0">
-              <a:spcBef>
-                <a:spcPct val="20000"/>
-              </a:spcBef>
-              <a:buClr>
-                <a:schemeClr val="tx2"/>
-              </a:buClr>
-              <a:buSzPct val="70000"/>
-              <a:buFont typeface="Wingdings" pitchFamily="2" charset="2"/>
-              <a:buChar char="l"/>
-            </a:pPr>
-            <a:r>
-              <a:rPr lang="en-US" altLang="zh-CN" sz="2400">
-                <a:solidFill>
-                  <a:schemeClr val="tx2"/>
-                </a:solidFill>
-                <a:latin typeface="Arial" charset="0"/>
-                <a:ea typeface="MS PGothic" pitchFamily="34" charset="-128"/>
-              </a:rPr>
-              <a:t>The new method is distributed, time spent in computing is reduced so much.</a:t>
-            </a:r>
-          </a:p>
-        </p:txBody>
-      </p:sp>
-    </p:spTree>
-  </p:cSld>
-  <p:clrMapOvr>
-    <a:masterClrMapping/>
-  </p:clrMapOvr>
-  <p:timing>
-    <p:tnLst>
-      <p:par>
-        <p:cTn id="1" dur="indefinite" restart="never" nodeType="tmRoot"/>
-      </p:par>
-    </p:tnLst>
-  </p:timing>
-</p:sld>
-</file>
-
-<file path=ppt/slides/slide24.xml><?xml version="1.0" encoding="utf-8"?>
-<p:sld xmlns:a="http://schemas.openxmlformats.org/drawingml/2006/main" xmlns:r="http://schemas.openxmlformats.org/officeDocument/2006/relationships" xmlns:p="http://schemas.openxmlformats.org/presentationml/2006/main">
-  <p:cSld>
-    <p:spTree>
-      <p:nvGrpSpPr>
-        <p:cNvPr id="1" name=""/>
-        <p:cNvGrpSpPr/>
-        <p:nvPr/>
-      </p:nvGrpSpPr>
-      <p:grpSpPr>
-        <a:xfrm>
-          <a:off x="0" y="0"/>
-          <a:ext cx="0" cy="0"/>
-          <a:chOff x="0" y="0"/>
-          <a:chExt cx="0" cy="0"/>
-        </a:xfrm>
-      </p:grpSpPr>
-      <p:sp>
-        <p:nvSpPr>
           <p:cNvPr id="36865" name="Title 1"/>
           <p:cNvSpPr txBox="1">
             <a:spLocks/>
@@ -7419,7 +7305,7 @@
       </p:grpSpPr>
       <p:sp>
         <p:nvSpPr>
-          <p:cNvPr id="15361" name="Title 1"/>
+          <p:cNvPr id="16385" name="Title 1"/>
           <p:cNvSpPr txBox="1">
             <a:spLocks/>
           </p:cNvSpPr>
@@ -7446,19 +7332,19 @@
           <a:lstStyle/>
           <a:p>
             <a:r>
-              <a:rPr lang="zh-CN" altLang="en-US" sz="4100">
+              <a:rPr lang="zh-CN" altLang="en-US" sz="4400">
                 <a:solidFill>
                   <a:srgbClr val="FF6600"/>
                 </a:solidFill>
               </a:rPr>
-              <a:t>为什么需要动态温度管理</a:t>
-            </a:r>
-          </a:p>
-        </p:txBody>
-      </p:sp>
-      <p:sp>
-        <p:nvSpPr>
-          <p:cNvPr id="15362" name="Rectangle 3"/>
+              <a:t>动态温度管理技术</a:t>
+            </a:r>
+          </a:p>
+        </p:txBody>
+      </p:sp>
+      <p:sp>
+        <p:nvSpPr>
+          <p:cNvPr id="16386" name="Rectangle 3"/>
           <p:cNvSpPr txBox="1">
             <a:spLocks noChangeArrowheads="1"/>
           </p:cNvSpPr>
@@ -7466,8 +7352,8 @@
         </p:nvSpPr>
         <p:spPr bwMode="auto">
           <a:xfrm>
-            <a:off x="152400" y="1066800"/>
-            <a:ext cx="8991600" cy="2630488"/>
+            <a:off x="228600" y="1695450"/>
+            <a:ext cx="8686800" cy="3810000"/>
           </a:xfrm>
           <a:prstGeom prst="rect">
             <a:avLst/>
@@ -7484,39 +7370,96 @@
           <a:bodyPr/>
           <a:lstStyle/>
           <a:p>
-            <a:pPr marL="342900" indent="-342900" eaLnBrk="0" hangingPunct="0">
+            <a:pPr marL="342900" indent="-342900">
               <a:spcBef>
                 <a:spcPct val="20000"/>
               </a:spcBef>
-              <a:buClr>
+              <a:buFont typeface="Arial" charset="0"/>
+              <a:buChar char="•"/>
+            </a:pPr>
+            <a:r>
+              <a:rPr lang="zh-CN" altLang="en-US" sz="2400">
+                <a:solidFill>
+                  <a:schemeClr val="tx2"/>
+                </a:solidFill>
+                <a:latin typeface="Arial" charset="0"/>
+              </a:rPr>
+              <a:t>动态电压频率调整技术 </a:t>
+            </a:r>
+            <a:r>
+              <a:rPr lang="en-US" altLang="zh-CN" sz="2400">
+                <a:solidFill>
+                  <a:schemeClr val="tx2"/>
+                </a:solidFill>
+                <a:latin typeface="Arial" charset="0"/>
+              </a:rPr>
+              <a:t>(</a:t>
+            </a:r>
+            <a:r>
+              <a:rPr lang="en-US" altLang="zh-CN" sz="2400">
+                <a:solidFill>
+                  <a:schemeClr val="tx2"/>
+                </a:solidFill>
+                <a:latin typeface="Times New Roman" pitchFamily="18" charset="0"/>
+                <a:ea typeface="MS PGothic" pitchFamily="34" charset="-128"/>
+              </a:rPr>
+              <a:t>DVFS)</a:t>
+            </a:r>
+            <a:r>
+              <a:rPr lang="en-US" altLang="zh-CN" sz="2000">
+                <a:solidFill>
+                  <a:schemeClr val="tx2"/>
+                </a:solidFill>
+                <a:latin typeface="宋体" charset="-122"/>
+              </a:rPr>
+              <a:t>:</a:t>
+            </a:r>
+            <a:r>
+              <a:rPr lang="en-US" altLang="zh-CN" sz="2400">
+                <a:solidFill>
+                  <a:schemeClr val="tx2"/>
+                </a:solidFill>
+                <a:latin typeface="Arial" charset="0"/>
+                <a:ea typeface="MS PGothic" pitchFamily="34" charset="-128"/>
+              </a:rPr>
+              <a:t> </a:t>
+            </a:r>
+            <a:endParaRPr lang="en-US" altLang="zh-CN" sz="1400">
+              <a:solidFill>
                 <a:schemeClr val="tx2"/>
-              </a:buClr>
-              <a:buSzPct val="70000"/>
-              <a:buFont typeface="Wingdings" pitchFamily="2" charset="2"/>
-              <a:buChar char="l"/>
-            </a:pPr>
-            <a:r>
-              <a:rPr lang="zh-CN" altLang="en-US" sz="2000">
-                <a:solidFill>
-                  <a:schemeClr val="tx2"/>
-                </a:solidFill>
-                <a:latin typeface="Arial" charset="0"/>
-              </a:rPr>
-              <a:t>功耗密度不断增长导致高温热问题，在众核领域，高温点问题更加严重</a:t>
-            </a:r>
-          </a:p>
-          <a:p>
-            <a:pPr marL="342900" indent="-342900" eaLnBrk="0" hangingPunct="0">
+              </a:solidFill>
+              <a:latin typeface="Arial" charset="0"/>
+              <a:ea typeface="MS PGothic" pitchFamily="34" charset="-128"/>
+            </a:endParaRPr>
+          </a:p>
+          <a:p>
+            <a:pPr marL="742950" lvl="1" indent="-285750">
               <a:spcBef>
                 <a:spcPct val="20000"/>
               </a:spcBef>
-              <a:buClr>
-                <a:schemeClr val="tx2"/>
-              </a:buClr>
-              <a:buSzPct val="70000"/>
-              <a:buFont typeface="Wingdings" pitchFamily="2" charset="2"/>
-              <a:buChar char="l"/>
-            </a:pPr>
+              <a:buFont typeface="Arial" charset="0"/>
+              <a:buChar char="–"/>
+            </a:pPr>
+            <a:r>
+              <a:rPr lang="en-US" altLang="zh-CN" sz="2000">
+                <a:solidFill>
+                  <a:schemeClr val="tx2"/>
+                </a:solidFill>
+                <a:latin typeface="Arial" charset="0"/>
+                <a:ea typeface="MS PGothic" pitchFamily="34" charset="-128"/>
+              </a:rPr>
+              <a:t> P ~ f v</a:t>
+            </a:r>
+            <a:r>
+              <a:rPr lang="en-US" altLang="zh-CN" sz="2000" baseline="30000">
+                <a:solidFill>
+                  <a:schemeClr val="tx2"/>
+                </a:solidFill>
+                <a:latin typeface="Arial" charset="0"/>
+                <a:ea typeface="MS PGothic" pitchFamily="34" charset="-128"/>
+              </a:rPr>
+              <a:t>2</a:t>
+            </a:r>
             <a:endParaRPr lang="en-US" altLang="zh-CN" sz="2000">
               <a:solidFill>
                 <a:schemeClr val="tx2"/>
@@ -7526,183 +7469,109 @@
             </a:endParaRPr>
           </a:p>
           <a:p>
-            <a:pPr marL="742950" lvl="1" indent="-285750" eaLnBrk="0" hangingPunct="0">
+            <a:pPr marL="742950" lvl="1" indent="-285750">
               <a:spcBef>
                 <a:spcPct val="20000"/>
               </a:spcBef>
-              <a:buClr>
-                <a:schemeClr val="tx2"/>
-              </a:buClr>
-              <a:buSzPct val="70000"/>
-              <a:buFont typeface="Wingdings" pitchFamily="2" charset="2"/>
-              <a:buChar char="l"/>
-            </a:pPr>
-            <a:endParaRPr lang="en-US" altLang="zh-CN" sz="2000">
-              <a:solidFill>
-                <a:schemeClr val="tx2"/>
-              </a:solidFill>
-              <a:latin typeface="Arial" charset="0"/>
-              <a:ea typeface="MS PGothic" pitchFamily="34" charset="-128"/>
-            </a:endParaRPr>
-          </a:p>
-          <a:p>
-            <a:pPr marL="742950" lvl="1" indent="-285750" eaLnBrk="0" hangingPunct="0">
+              <a:buFont typeface="Arial" charset="0"/>
+              <a:buChar char="–"/>
+            </a:pPr>
+            <a:r>
+              <a:rPr lang="zh-CN" altLang="en-US" sz="2000">
+                <a:solidFill>
+                  <a:schemeClr val="tx2"/>
+                </a:solidFill>
+                <a:latin typeface="宋体" charset="-122"/>
+              </a:rPr>
+              <a:t>通过调整电压和频率来降低动态功耗 </a:t>
+            </a:r>
+          </a:p>
+          <a:p>
+            <a:pPr marL="742950" lvl="1" indent="-285750">
               <a:spcBef>
                 <a:spcPct val="20000"/>
               </a:spcBef>
-              <a:buClr>
-                <a:schemeClr val="tx2"/>
-              </a:buClr>
-              <a:buSzPct val="70000"/>
-              <a:buFont typeface="Wingdings" pitchFamily="2" charset="2"/>
-              <a:buChar char="l"/>
-            </a:pPr>
-            <a:r>
-              <a:rPr lang="zh-CN" altLang="en-US">
+              <a:buFont typeface="Arial" charset="0"/>
+              <a:buChar char="–"/>
+            </a:pPr>
+            <a:r>
+              <a:rPr lang="zh-CN" altLang="en-US" sz="2000">
                 <a:solidFill>
                   <a:schemeClr val="tx2"/>
                 </a:solidFill>
-                <a:latin typeface="Times New Roman" pitchFamily="18" charset="0"/>
-              </a:rPr>
-              <a:t>芯片高温或局部高温影响系统可靠性</a:t>
-            </a:r>
-          </a:p>
-          <a:p>
-            <a:pPr marL="742950" lvl="1" indent="-285750" eaLnBrk="0" hangingPunct="0">
+                <a:latin typeface="Arial" charset="0"/>
+              </a:rPr>
+              <a:t>温度降低的同时处理速度下降</a:t>
+            </a:r>
+          </a:p>
+          <a:p>
+            <a:pPr marL="342900" indent="-342900">
               <a:spcBef>
                 <a:spcPct val="20000"/>
               </a:spcBef>
-              <a:buClr>
-                <a:schemeClr val="tx2"/>
-              </a:buClr>
-              <a:buSzPct val="70000"/>
-              <a:buFont typeface="Wingdings" pitchFamily="2" charset="2"/>
-              <a:buChar char="l"/>
-            </a:pPr>
-            <a:r>
-              <a:rPr lang="zh-CN" altLang="en-US">
-                <a:solidFill>
-                  <a:schemeClr val="tx2"/>
-                </a:solidFill>
-                <a:latin typeface="Times New Roman" pitchFamily="18" charset="0"/>
-              </a:rPr>
-              <a:t>高温使静态功耗增加</a:t>
-            </a:r>
-          </a:p>
-          <a:p>
-            <a:pPr marL="742950" lvl="1" indent="-285750" eaLnBrk="0" hangingPunct="0">
-              <a:spcBef>
-                <a:spcPct val="20000"/>
-              </a:spcBef>
-              <a:buClr>
-                <a:schemeClr val="tx2"/>
-              </a:buClr>
-              <a:buSzPct val="70000"/>
-              <a:buFont typeface="Wingdings" pitchFamily="2" charset="2"/>
-              <a:buChar char="l"/>
-            </a:pPr>
-            <a:r>
-              <a:rPr lang="zh-CN" altLang="en-US">
-                <a:solidFill>
-                  <a:schemeClr val="tx2"/>
-                </a:solidFill>
-                <a:latin typeface="Times New Roman" pitchFamily="18" charset="0"/>
-              </a:rPr>
-              <a:t>热问题使系统冷却开销很大</a:t>
-            </a:r>
-            <a:endParaRPr lang="en-US" altLang="zh-CN" sz="2000">
+              <a:buFont typeface="Arial" charset="0"/>
+              <a:buChar char="•"/>
+            </a:pPr>
+            <a:endParaRPr lang="zh-CN" altLang="en-US" sz="2000">
               <a:solidFill>
-                <a:schemeClr val="tx2"/>
-              </a:solidFill>
-              <a:latin typeface="Times New Roman" pitchFamily="18" charset="0"/>
-              <a:ea typeface="MS PGothic" pitchFamily="34" charset="-128"/>
-            </a:endParaRPr>
-          </a:p>
-          <a:p>
-            <a:pPr marL="742950" lvl="1" indent="-285750" eaLnBrk="0" hangingPunct="0">
-              <a:spcBef>
-                <a:spcPct val="20000"/>
-              </a:spcBef>
-              <a:buClr>
-                <a:schemeClr val="tx2"/>
-              </a:buClr>
-              <a:buSzPct val="70000"/>
-              <a:buFont typeface="Wingdings" pitchFamily="2" charset="2"/>
-              <a:buChar char="l"/>
-            </a:pPr>
-            <a:endParaRPr lang="en-US" altLang="zh-CN" sz="2000">
-              <a:solidFill>
-                <a:schemeClr val="tx2"/>
+                <a:schemeClr val="tx1"/>
               </a:solidFill>
               <a:latin typeface="Arial" charset="0"/>
-              <a:ea typeface="MS PGothic" pitchFamily="34" charset="-128"/>
             </a:endParaRPr>
           </a:p>
-          <a:p>
-            <a:pPr marL="742950" lvl="1" indent="-285750" eaLnBrk="0" hangingPunct="0">
-              <a:spcBef>
-                <a:spcPct val="20000"/>
-              </a:spcBef>
-              <a:buClr>
-                <a:schemeClr val="tx2"/>
-              </a:buClr>
-              <a:buSzPct val="70000"/>
-              <a:buFont typeface="Wingdings" pitchFamily="2" charset="2"/>
-              <a:buChar char="l"/>
-            </a:pPr>
-            <a:endParaRPr lang="en-US" altLang="zh-CN" sz="2000">
-              <a:solidFill>
-                <a:schemeClr val="tx2"/>
-              </a:solidFill>
-              <a:latin typeface="Arial" charset="0"/>
-              <a:ea typeface="MS PGothic" pitchFamily="34" charset="-128"/>
-            </a:endParaRPr>
-          </a:p>
-          <a:p>
-            <a:pPr marL="742950" lvl="1" indent="-285750"/>
-            <a:r>
-              <a:rPr lang="en-US" altLang="zh-CN">
-                <a:solidFill>
-                  <a:schemeClr val="tx2"/>
-                </a:solidFill>
-              </a:rPr>
-              <a:t>	</a:t>
-            </a:r>
-          </a:p>
-          <a:p>
-            <a:pPr marL="742950" lvl="1" indent="-285750" eaLnBrk="0" hangingPunct="0">
-              <a:spcBef>
-                <a:spcPct val="20000"/>
-              </a:spcBef>
-              <a:buClr>
-                <a:schemeClr val="tx2"/>
-              </a:buClr>
-              <a:buSzPct val="70000"/>
-              <a:buFont typeface="Wingdings" pitchFamily="2" charset="2"/>
-              <a:buChar char="l"/>
-            </a:pPr>
-            <a:endParaRPr lang="en-US" altLang="zh-CN" sz="2000">
-              <a:solidFill>
-                <a:schemeClr val="tx2"/>
-              </a:solidFill>
-              <a:latin typeface="Arial" charset="0"/>
-              <a:ea typeface="MS PGothic" pitchFamily="34" charset="-128"/>
-            </a:endParaRPr>
-          </a:p>
-        </p:txBody>
-      </p:sp>
-      <p:sp>
-        <p:nvSpPr>
-          <p:cNvPr id="15363" name="AutoShape 3"/>
+        </p:txBody>
+      </p:sp>
+      <p:sp>
+        <p:nvSpPr>
+          <p:cNvPr id="16387" name="AutoShape 8"/>
           <p:cNvSpPr>
-            <a:spLocks noChangeAspect="1" noChangeArrowheads="1" noTextEdit="1"/>
+            <a:spLocks noChangeArrowheads="1"/>
           </p:cNvSpPr>
           <p:nvPr/>
         </p:nvSpPr>
         <p:spPr bwMode="auto">
           <a:xfrm>
-            <a:off x="2500313" y="2249488"/>
-            <a:ext cx="3062287" cy="2027237"/>
+            <a:off x="3468688" y="4322763"/>
+            <a:ext cx="1320800" cy="552450"/>
+          </a:xfrm>
+          <a:prstGeom prst="rightArrow">
+            <a:avLst>
+              <a:gd name="adj1" fmla="val 50000"/>
+              <a:gd name="adj2" fmla="val 59770"/>
+            </a:avLst>
+          </a:prstGeom>
+          <a:solidFill>
+            <a:schemeClr val="bg1"/>
+          </a:solidFill>
+          <a:ln w="9525">
+            <a:solidFill>
+              <a:schemeClr val="tx1"/>
+            </a:solidFill>
+            <a:miter lim="800000"/>
+            <a:headEnd/>
+            <a:tailEnd/>
+          </a:ln>
+        </p:spPr>
+        <p:txBody>
+          <a:bodyPr wrap="none" anchor="ctr"/>
+          <a:lstStyle/>
+          <a:p>
+            <a:endParaRPr lang="zh-CN" altLang="en-US"/>
+          </a:p>
+        </p:txBody>
+      </p:sp>
+      <p:sp>
+        <p:nvSpPr>
+          <p:cNvPr id="16388" name="Rectangle 3"/>
+          <p:cNvSpPr>
+            <a:spLocks noChangeArrowheads="1"/>
+          </p:cNvSpPr>
+          <p:nvPr/>
+        </p:nvSpPr>
+        <p:spPr bwMode="auto">
+          <a:xfrm>
+            <a:off x="801688" y="5791200"/>
+            <a:ext cx="7885112" cy="885825"/>
           </a:xfrm>
           <a:prstGeom prst="rect">
             <a:avLst/>
@@ -7716,16 +7585,85 @@
           </a:ln>
         </p:spPr>
         <p:txBody>
-          <a:bodyPr/>
+          <a:bodyPr>
+            <a:spAutoFit/>
+          </a:bodyPr>
           <a:lstStyle/>
           <a:p>
-            <a:endParaRPr lang="zh-CN" altLang="en-US"/>
+            <a:r>
+              <a:rPr lang="zh-CN" altLang="en-US" sz="1300">
+                <a:solidFill>
+                  <a:schemeClr val="tx2"/>
+                </a:solidFill>
+              </a:rPr>
+              <a:t>红色核：</a:t>
+            </a:r>
+            <a:r>
+              <a:rPr lang="en-US" altLang="zh-CN" sz="1300">
+                <a:solidFill>
+                  <a:schemeClr val="tx2"/>
+                </a:solidFill>
+              </a:rPr>
+              <a:t> </a:t>
+            </a:r>
+            <a:r>
+              <a:rPr lang="zh-CN" altLang="en-US" sz="1300">
+                <a:solidFill>
+                  <a:schemeClr val="tx2"/>
+                </a:solidFill>
+              </a:rPr>
+              <a:t>温度超出安全温度</a:t>
+            </a:r>
+          </a:p>
+          <a:p>
+            <a:r>
+              <a:rPr lang="zh-CN" altLang="en-US" sz="1300">
+                <a:solidFill>
+                  <a:schemeClr val="tx2"/>
+                </a:solidFill>
+              </a:rPr>
+              <a:t>黄色核：</a:t>
+            </a:r>
+            <a:r>
+              <a:rPr lang="en-US" altLang="zh-CN" sz="1300">
+                <a:solidFill>
+                  <a:schemeClr val="tx2"/>
+                </a:solidFill>
+              </a:rPr>
+              <a:t> </a:t>
+            </a:r>
+            <a:r>
+              <a:rPr lang="zh-CN" altLang="en-US" sz="1300">
+                <a:solidFill>
+                  <a:schemeClr val="tx2"/>
+                </a:solidFill>
+              </a:rPr>
+              <a:t>温度刚刚在安全温度以下</a:t>
+            </a:r>
+          </a:p>
+          <a:p>
+            <a:r>
+              <a:rPr lang="zh-CN" altLang="en-US" sz="1300">
+                <a:solidFill>
+                  <a:schemeClr val="tx2"/>
+                </a:solidFill>
+              </a:rPr>
+              <a:t>蓝色核： 温度远低于安全温度</a:t>
+            </a:r>
+            <a:endParaRPr lang="en-US" altLang="zh-CN" sz="1300">
+              <a:solidFill>
+                <a:schemeClr val="tx2"/>
+              </a:solidFill>
+            </a:endParaRPr>
+          </a:p>
+          <a:p>
+            <a:endParaRPr lang="en-US" altLang="zh-CN" sz="1300"/>
           </a:p>
         </p:txBody>
       </p:sp>
       <p:pic>
         <p:nvPicPr>
-          <p:cNvPr id="15364" name="Picture 2"/>
+          <p:cNvPr id="16389" name="Picture 8" descr="tu12"/>
           <p:cNvPicPr>
             <a:picLocks noChangeAspect="1" noChangeArrowheads="1"/>
           </p:cNvPicPr>
@@ -7740,8 +7678,8 @@
         </p:blipFill>
         <p:spPr bwMode="auto">
           <a:xfrm>
-            <a:off x="5407025" y="3779838"/>
-            <a:ext cx="2873375" cy="1874837"/>
+            <a:off x="5162550" y="3282950"/>
+            <a:ext cx="2487613" cy="2508250"/>
           </a:xfrm>
           <a:prstGeom prst="rect">
             <a:avLst/>
@@ -7755,18 +7693,25 @@
           </a:ln>
         </p:spPr>
       </p:pic>
-      <p:sp>
-        <p:nvSpPr>
-          <p:cNvPr id="15365" name="TextBox 7"/>
-          <p:cNvSpPr txBox="1">
-            <a:spLocks noChangeArrowheads="1"/>
-          </p:cNvSpPr>
+      <p:pic>
+        <p:nvPicPr>
+          <p:cNvPr id="16390" name="Picture 9" descr="tu11"/>
+          <p:cNvPicPr>
+            <a:picLocks noChangeAspect="1" noChangeArrowheads="1"/>
+          </p:cNvPicPr>
           <p:nvPr/>
-        </p:nvSpPr>
+        </p:nvPicPr>
+        <p:blipFill>
+          <a:blip r:embed="rId3"/>
+          <a:srcRect/>
+          <a:stretch>
+            <a:fillRect/>
+          </a:stretch>
+        </p:blipFill>
         <p:spPr bwMode="auto">
           <a:xfrm>
-            <a:off x="5424488" y="6037263"/>
-            <a:ext cx="3059112" cy="581025"/>
+            <a:off x="457200" y="3262313"/>
+            <a:ext cx="2503488" cy="2528887"/>
           </a:xfrm>
           <a:prstGeom prst="rect">
             <a:avLst/>
@@ -7779,25 +7724,7 @@
             <a:tailEnd/>
           </a:ln>
         </p:spPr>
-        <p:txBody>
-          <a:bodyPr>
-            <a:spAutoFit/>
-          </a:bodyPr>
-          <a:lstStyle/>
-          <a:p>
-            <a:r>
-              <a:rPr lang="en-US" altLang="zh-CN" sz="1600" b="1" i="1">
-                <a:solidFill>
-                  <a:srgbClr val="FF6600"/>
-                </a:solidFill>
-                <a:latin typeface="Arial" charset="0"/>
-                <a:ea typeface="MS PGothic" pitchFamily="34" charset="-128"/>
-              </a:rPr>
-              <a:t>Temperature distribution of multi-core chip</a:t>
-            </a:r>
-          </a:p>
-        </p:txBody>
-      </p:sp>
+      </p:pic>
     </p:spTree>
   </p:cSld>
   <p:clrMapOvr>
@@ -7832,7 +7759,7 @@
       </p:grpSpPr>
       <p:sp>
         <p:nvSpPr>
-          <p:cNvPr id="16385" name="Title 1"/>
+          <p:cNvPr id="17409" name="Title 1"/>
           <p:cNvSpPr txBox="1">
             <a:spLocks/>
           </p:cNvSpPr>
@@ -7866,12 +7793,17 @@
               </a:rPr>
               <a:t>动态温度管理技术</a:t>
             </a:r>
-          </a:p>
-        </p:txBody>
-      </p:sp>
-      <p:sp>
-        <p:nvSpPr>
-          <p:cNvPr id="16386" name="Rectangle 3"/>
+            <a:endParaRPr lang="en-US" altLang="zh-CN" sz="4400">
+              <a:solidFill>
+                <a:srgbClr val="FF6600"/>
+              </a:solidFill>
+            </a:endParaRPr>
+          </a:p>
+        </p:txBody>
+      </p:sp>
+      <p:sp>
+        <p:nvSpPr>
+          <p:cNvPr id="17410" name="Rectangle 3"/>
           <p:cNvSpPr txBox="1">
             <a:spLocks noChangeArrowheads="1"/>
           </p:cNvSpPr>
@@ -7879,7 +7811,7 @@
         </p:nvSpPr>
         <p:spPr bwMode="auto">
           <a:xfrm>
-            <a:off x="228600" y="1695450"/>
+            <a:off x="228600" y="1187450"/>
             <a:ext cx="8686800" cy="3810000"/>
           </a:xfrm>
           <a:prstGeom prst="rect">
@@ -7902,56 +7834,9 @@
                 <a:spcPct val="20000"/>
               </a:spcBef>
               <a:buFont typeface="Arial" charset="0"/>
-              <a:buChar char="•"/>
-            </a:pPr>
-            <a:r>
-              <a:rPr lang="zh-CN" altLang="en-US" sz="2400">
-                <a:solidFill>
-                  <a:schemeClr val="tx2"/>
-                </a:solidFill>
-                <a:latin typeface="Arial" charset="0"/>
-              </a:rPr>
-              <a:t>动态电压频率调整技术 </a:t>
-            </a:r>
-            <a:r>
-              <a:rPr lang="en-US" altLang="zh-CN" sz="2400">
-                <a:solidFill>
-                  <a:schemeClr val="tx2"/>
-                </a:solidFill>
-                <a:latin typeface="Arial" charset="0"/>
-              </a:rPr>
-              <a:t>(</a:t>
-            </a:r>
-            <a:r>
-              <a:rPr lang="en-US" altLang="zh-CN" sz="2400">
-                <a:solidFill>
-                  <a:schemeClr val="tx2"/>
-                </a:solidFill>
-                <a:latin typeface="Times New Roman" pitchFamily="18" charset="0"/>
-                <a:ea typeface="MS PGothic" pitchFamily="34" charset="-128"/>
-              </a:rPr>
-              <a:t>DVFS)</a:t>
-            </a:r>
-            <a:r>
-              <a:rPr lang="en-US" altLang="zh-CN" sz="2000">
-                <a:solidFill>
-                  <a:schemeClr val="tx2"/>
-                </a:solidFill>
-                <a:latin typeface="宋体" charset="-122"/>
-              </a:rPr>
-              <a:t>:</a:t>
-            </a:r>
-            <a:r>
-              <a:rPr lang="en-US" altLang="zh-CN" sz="2400">
-                <a:solidFill>
-                  <a:schemeClr val="tx2"/>
-                </a:solidFill>
-                <a:latin typeface="Arial" charset="0"/>
-                <a:ea typeface="MS PGothic" pitchFamily="34" charset="-128"/>
-              </a:rPr>
-              <a:t> </a:t>
-            </a:r>
-            <a:endParaRPr lang="en-US" altLang="zh-CN" sz="1400">
+              <a:buNone/>
+            </a:pPr>
+            <a:endParaRPr lang="en-US" altLang="zh-CN" sz="2400">
               <a:solidFill>
                 <a:schemeClr val="tx2"/>
               </a:solidFill>
@@ -7960,6 +7845,33 @@
             </a:endParaRPr>
           </a:p>
           <a:p>
+            <a:pPr marL="342900" indent="-342900">
+              <a:spcBef>
+                <a:spcPct val="20000"/>
+              </a:spcBef>
+              <a:buFont typeface="Arial" charset="0"/>
+              <a:buChar char="•"/>
+            </a:pPr>
+            <a:r>
+              <a:rPr lang="zh-CN" altLang="en-US" sz="2000">
+                <a:solidFill>
+                  <a:schemeClr val="tx2"/>
+                </a:solidFill>
+                <a:latin typeface="宋体" charset="-122"/>
+              </a:rPr>
+              <a:t>任务迁移：</a:t>
+            </a:r>
+            <a:r>
+              <a:rPr lang="en-US" altLang="zh-CN" sz="2000">
+                <a:solidFill>
+                  <a:schemeClr val="tx2"/>
+                </a:solidFill>
+                <a:latin typeface="宋体" charset="-122"/>
+              </a:rPr>
+              <a:t>  </a:t>
+            </a:r>
+          </a:p>
+          <a:p>
             <a:pPr marL="742950" lvl="1" indent="-285750">
               <a:spcBef>
                 <a:spcPct val="20000"/>
@@ -7968,68 +7880,30 @@
               <a:buChar char="–"/>
             </a:pPr>
             <a:r>
-              <a:rPr lang="en-US" altLang="zh-CN" sz="2000">
+              <a:rPr lang="zh-CN" altLang="en-US" sz="2000">
                 <a:solidFill>
                   <a:schemeClr val="tx2"/>
                 </a:solidFill>
                 <a:latin typeface="Arial" charset="0"/>
-                <a:ea typeface="MS PGothic" pitchFamily="34" charset="-128"/>
-              </a:rPr>
-              <a:t> P ~ f v</a:t>
-            </a:r>
-            <a:r>
-              <a:rPr lang="en-US" altLang="zh-CN" sz="2000" baseline="30000">
-                <a:solidFill>
-                  <a:schemeClr val="tx2"/>
-                </a:solidFill>
-                <a:latin typeface="Arial" charset="0"/>
-                <a:ea typeface="MS PGothic" pitchFamily="34" charset="-128"/>
-              </a:rPr>
-              <a:t>2</a:t>
-            </a:r>
-            <a:endParaRPr lang="en-US" altLang="zh-CN" sz="2000">
+              </a:rPr>
+              <a:t>将高温核上的重负载任务迁出，来避免高温问题</a:t>
+            </a:r>
+          </a:p>
+          <a:p>
+            <a:pPr marL="342900" indent="-342900">
+              <a:spcBef>
+                <a:spcPct val="20000"/>
+              </a:spcBef>
+              <a:buFont typeface="Arial" charset="0"/>
+              <a:buNone/>
+            </a:pPr>
+            <a:endParaRPr lang="en-US" altLang="zh-CN" sz="3200">
               <a:solidFill>
-                <a:schemeClr val="tx2"/>
+                <a:schemeClr val="tx1"/>
               </a:solidFill>
               <a:latin typeface="Arial" charset="0"/>
               <a:ea typeface="MS PGothic" pitchFamily="34" charset="-128"/>
             </a:endParaRPr>
-          </a:p>
-          <a:p>
-            <a:pPr marL="742950" lvl="1" indent="-285750">
-              <a:spcBef>
-                <a:spcPct val="20000"/>
-              </a:spcBef>
-              <a:buFont typeface="Arial" charset="0"/>
-              <a:buChar char="–"/>
-            </a:pPr>
-            <a:r>
-              <a:rPr lang="zh-CN" altLang="en-US" sz="2000">
-                <a:solidFill>
-                  <a:schemeClr val="tx2"/>
-                </a:solidFill>
-                <a:latin typeface="宋体" charset="-122"/>
-              </a:rPr>
-              <a:t>通过调整电压和频率来降低动态功耗 </a:t>
-            </a:r>
-          </a:p>
-          <a:p>
-            <a:pPr marL="742950" lvl="1" indent="-285750">
-              <a:spcBef>
-                <a:spcPct val="20000"/>
-              </a:spcBef>
-              <a:buFont typeface="Arial" charset="0"/>
-              <a:buChar char="–"/>
-            </a:pPr>
-            <a:r>
-              <a:rPr lang="zh-CN" altLang="en-US" sz="2000">
-                <a:solidFill>
-                  <a:schemeClr val="tx2"/>
-                </a:solidFill>
-                <a:latin typeface="Arial" charset="0"/>
-              </a:rPr>
-              <a:t>温度降低的同时处理速度下降</a:t>
-            </a:r>
           </a:p>
           <a:p>
             <a:pPr marL="342900" indent="-342900">
@@ -8039,18 +7913,19 @@
               <a:buFont typeface="Arial" charset="0"/>
               <a:buChar char="•"/>
             </a:pPr>
-            <a:endParaRPr lang="zh-CN" altLang="en-US" sz="2000">
+            <a:endParaRPr lang="zh-CN" altLang="en-US" sz="3200">
               <a:solidFill>
                 <a:schemeClr val="tx1"/>
               </a:solidFill>
               <a:latin typeface="Arial" charset="0"/>
+              <a:ea typeface="MS PGothic" pitchFamily="34" charset="-128"/>
             </a:endParaRPr>
           </a:p>
         </p:txBody>
       </p:sp>
       <p:sp>
         <p:nvSpPr>
-          <p:cNvPr id="16387" name="AutoShape 8"/>
+          <p:cNvPr id="17411" name="AutoShape 6"/>
           <p:cNvSpPr>
             <a:spLocks noChangeArrowheads="1"/>
           </p:cNvSpPr>
@@ -8058,13 +7933,13 @@
         </p:nvSpPr>
         <p:spPr bwMode="auto">
           <a:xfrm>
-            <a:off x="3468688" y="4322763"/>
-            <a:ext cx="1320800" cy="552450"/>
+            <a:off x="4102100" y="3913188"/>
+            <a:ext cx="1143000" cy="523875"/>
           </a:xfrm>
           <a:prstGeom prst="rightArrow">
             <a:avLst>
               <a:gd name="adj1" fmla="val 50000"/>
-              <a:gd name="adj2" fmla="val 59770"/>
+              <a:gd name="adj2" fmla="val 54545"/>
             </a:avLst>
           </a:prstGeom>
           <a:solidFill>
@@ -8089,22 +7964,22 @@
       </p:sp>
       <p:sp>
         <p:nvSpPr>
-          <p:cNvPr id="16388" name="Rectangle 3"/>
-          <p:cNvSpPr>
+          <p:cNvPr id="17412" name="Text Box 10"/>
+          <p:cNvSpPr txBox="1">
             <a:spLocks noChangeArrowheads="1"/>
           </p:cNvSpPr>
           <p:nvPr/>
         </p:nvSpPr>
         <p:spPr bwMode="auto">
           <a:xfrm>
-            <a:off x="801688" y="5791200"/>
-            <a:ext cx="7885112" cy="885825"/>
+            <a:off x="3005138" y="6037263"/>
+            <a:ext cx="3381375" cy="366712"/>
           </a:xfrm>
           <a:prstGeom prst="rect">
             <a:avLst/>
           </a:prstGeom>
           <a:noFill/>
-          <a:ln w="9525">
+          <a:ln w="28575" algn="ctr">
             <a:noFill/>
             <a:miter lim="800000"/>
             <a:headEnd/>
@@ -8117,80 +7992,25 @@
           </a:bodyPr>
           <a:lstStyle/>
           <a:p>
-            <a:r>
-              <a:rPr lang="zh-CN" altLang="en-US" sz="1300">
+            <a:pPr>
+              <a:spcBef>
+                <a:spcPct val="50000"/>
+              </a:spcBef>
+            </a:pPr>
+            <a:r>
+              <a:rPr lang="zh-CN" altLang="en-US">
                 <a:solidFill>
                   <a:schemeClr val="tx2"/>
                 </a:solidFill>
               </a:rPr>
-              <a:t>红色核：</a:t>
-            </a:r>
-            <a:r>
-              <a:rPr lang="en-US" altLang="zh-CN" sz="1300">
-                <a:solidFill>
-                  <a:schemeClr val="tx2"/>
-                </a:solidFill>
-              </a:rPr>
-              <a:t> </a:t>
-            </a:r>
-            <a:r>
-              <a:rPr lang="zh-CN" altLang="en-US" sz="1300">
-                <a:solidFill>
-                  <a:schemeClr val="tx2"/>
-                </a:solidFill>
-              </a:rPr>
-              <a:t>温度超出安全温度</a:t>
-            </a:r>
-          </a:p>
-          <a:p>
-            <a:r>
-              <a:rPr lang="zh-CN" altLang="en-US" sz="1300">
-                <a:solidFill>
-                  <a:schemeClr val="tx2"/>
-                </a:solidFill>
-              </a:rPr>
-              <a:t>黄色核：</a:t>
-            </a:r>
-            <a:r>
-              <a:rPr lang="en-US" altLang="zh-CN" sz="1300">
-                <a:solidFill>
-                  <a:schemeClr val="tx2"/>
-                </a:solidFill>
-              </a:rPr>
-              <a:t> </a:t>
-            </a:r>
-            <a:r>
-              <a:rPr lang="zh-CN" altLang="en-US" sz="1300">
-                <a:solidFill>
-                  <a:schemeClr val="tx2"/>
-                </a:solidFill>
-              </a:rPr>
-              <a:t>温度刚刚在安全温度以下</a:t>
-            </a:r>
-          </a:p>
-          <a:p>
-            <a:r>
-              <a:rPr lang="zh-CN" altLang="en-US" sz="1300">
-                <a:solidFill>
-                  <a:schemeClr val="tx2"/>
-                </a:solidFill>
-              </a:rPr>
-              <a:t>蓝色核： 温度远低于安全温度</a:t>
-            </a:r>
-            <a:endParaRPr lang="en-US" altLang="zh-CN" sz="1300">
-              <a:solidFill>
-                <a:schemeClr val="tx2"/>
-              </a:solidFill>
-            </a:endParaRPr>
-          </a:p>
-          <a:p>
-            <a:endParaRPr lang="en-US" altLang="zh-CN" sz="1300"/>
+              <a:t>交换任务</a:t>
+            </a:r>
           </a:p>
         </p:txBody>
       </p:sp>
       <p:pic>
         <p:nvPicPr>
-          <p:cNvPr id="16389" name="Picture 8" descr="tu12"/>
+          <p:cNvPr id="17413" name="Picture 8" descr="tu14"/>
           <p:cNvPicPr>
             <a:picLocks noChangeAspect="1" noChangeArrowheads="1"/>
           </p:cNvPicPr>
@@ -8205,8 +8025,8 @@
         </p:blipFill>
         <p:spPr bwMode="auto">
           <a:xfrm>
-            <a:off x="5162550" y="3282950"/>
-            <a:ext cx="2487613" cy="2508250"/>
+            <a:off x="5724525" y="2914650"/>
+            <a:ext cx="2816225" cy="2840038"/>
           </a:xfrm>
           <a:prstGeom prst="rect">
             <a:avLst/>
@@ -8222,7 +8042,7 @@
       </p:pic>
       <p:pic>
         <p:nvPicPr>
-          <p:cNvPr id="16390" name="Picture 9" descr="tu11"/>
+          <p:cNvPr id="17414" name="Picture 9" descr="tu13"/>
           <p:cNvPicPr>
             <a:picLocks noChangeAspect="1" noChangeArrowheads="1"/>
           </p:cNvPicPr>
@@ -8237,8 +8057,8 @@
         </p:blipFill>
         <p:spPr bwMode="auto">
           <a:xfrm>
-            <a:off x="457200" y="3262313"/>
-            <a:ext cx="2503488" cy="2528887"/>
+            <a:off x="769938" y="2886075"/>
+            <a:ext cx="2819400" cy="2832100"/>
           </a:xfrm>
           <a:prstGeom prst="rect">
             <a:avLst/>
@@ -8286,7 +8106,7 @@
       </p:grpSpPr>
       <p:sp>
         <p:nvSpPr>
-          <p:cNvPr id="17409" name="Title 1"/>
+          <p:cNvPr id="37890" name="Title 1"/>
           <p:cNvSpPr txBox="1">
             <a:spLocks/>
           </p:cNvSpPr>
@@ -8318,7 +8138,7 @@
                   <a:srgbClr val="FF6600"/>
                 </a:solidFill>
               </a:rPr>
-              <a:t>动态温度管理技术</a:t>
+              <a:t>热模型</a:t>
             </a:r>
             <a:endParaRPr lang="en-US" altLang="zh-CN" sz="4400">
               <a:solidFill>
@@ -8330,7 +8150,7 @@
       </p:sp>
       <p:sp>
         <p:nvSpPr>
-          <p:cNvPr id="17410" name="Rectangle 3"/>
+          <p:cNvPr id="37899" name="Text Box 11"/>
           <p:cNvSpPr txBox="1">
             <a:spLocks noChangeArrowheads="1"/>
           </p:cNvSpPr>
@@ -8338,8 +8158,8 @@
         </p:nvSpPr>
         <p:spPr bwMode="auto">
           <a:xfrm>
-            <a:off x="228600" y="1187450"/>
-            <a:ext cx="8686800" cy="3810000"/>
+            <a:off x="1019175" y="3587750"/>
+            <a:ext cx="6630988" cy="2460625"/>
           </a:xfrm>
           <a:prstGeom prst="rect">
             <a:avLst/>
@@ -8351,167 +8171,7 @@
             <a:headEnd/>
             <a:tailEnd/>
           </a:ln>
-        </p:spPr>
-        <p:txBody>
-          <a:bodyPr/>
-          <a:lstStyle/>
-          <a:p>
-            <a:pPr marL="342900" indent="-342900">
-              <a:spcBef>
-                <a:spcPct val="20000"/>
-              </a:spcBef>
-              <a:buFont typeface="Arial" charset="0"/>
-              <a:buNone/>
-            </a:pPr>
-            <a:endParaRPr lang="en-US" altLang="zh-CN" sz="2400">
-              <a:solidFill>
-                <a:schemeClr val="tx2"/>
-              </a:solidFill>
-              <a:latin typeface="Arial" charset="0"/>
-              <a:ea typeface="MS PGothic" pitchFamily="34" charset="-128"/>
-            </a:endParaRPr>
-          </a:p>
-          <a:p>
-            <a:pPr marL="342900" indent="-342900">
-              <a:spcBef>
-                <a:spcPct val="20000"/>
-              </a:spcBef>
-              <a:buFont typeface="Arial" charset="0"/>
-              <a:buChar char="•"/>
-            </a:pPr>
-            <a:r>
-              <a:rPr lang="zh-CN" altLang="en-US" sz="2000">
-                <a:solidFill>
-                  <a:schemeClr val="tx2"/>
-                </a:solidFill>
-                <a:latin typeface="宋体" charset="-122"/>
-              </a:rPr>
-              <a:t>任务迁移：</a:t>
-            </a:r>
-            <a:r>
-              <a:rPr lang="en-US" altLang="zh-CN" sz="2000">
-                <a:solidFill>
-                  <a:schemeClr val="tx2"/>
-                </a:solidFill>
-                <a:latin typeface="宋体" charset="-122"/>
-              </a:rPr>
-              <a:t>  </a:t>
-            </a:r>
-          </a:p>
-          <a:p>
-            <a:pPr marL="742950" lvl="1" indent="-285750">
-              <a:spcBef>
-                <a:spcPct val="20000"/>
-              </a:spcBef>
-              <a:buFont typeface="Arial" charset="0"/>
-              <a:buChar char="–"/>
-            </a:pPr>
-            <a:r>
-              <a:rPr lang="zh-CN" altLang="en-US" sz="2000">
-                <a:solidFill>
-                  <a:schemeClr val="tx2"/>
-                </a:solidFill>
-                <a:latin typeface="Arial" charset="0"/>
-              </a:rPr>
-              <a:t>将高温核上的重负载任务迁出，来避免高温问题</a:t>
-            </a:r>
-          </a:p>
-          <a:p>
-            <a:pPr marL="342900" indent="-342900">
-              <a:spcBef>
-                <a:spcPct val="20000"/>
-              </a:spcBef>
-              <a:buFont typeface="Arial" charset="0"/>
-              <a:buNone/>
-            </a:pPr>
-            <a:endParaRPr lang="en-US" altLang="zh-CN" sz="3200">
-              <a:solidFill>
-                <a:schemeClr val="tx1"/>
-              </a:solidFill>
-              <a:latin typeface="Arial" charset="0"/>
-              <a:ea typeface="MS PGothic" pitchFamily="34" charset="-128"/>
-            </a:endParaRPr>
-          </a:p>
-          <a:p>
-            <a:pPr marL="342900" indent="-342900">
-              <a:spcBef>
-                <a:spcPct val="20000"/>
-              </a:spcBef>
-              <a:buFont typeface="Arial" charset="0"/>
-              <a:buChar char="•"/>
-            </a:pPr>
-            <a:endParaRPr lang="zh-CN" altLang="en-US" sz="3200">
-              <a:solidFill>
-                <a:schemeClr val="tx1"/>
-              </a:solidFill>
-              <a:latin typeface="Arial" charset="0"/>
-              <a:ea typeface="MS PGothic" pitchFamily="34" charset="-128"/>
-            </a:endParaRPr>
-          </a:p>
-        </p:txBody>
-      </p:sp>
-      <p:sp>
-        <p:nvSpPr>
-          <p:cNvPr id="17411" name="AutoShape 6"/>
-          <p:cNvSpPr>
-            <a:spLocks noChangeArrowheads="1"/>
-          </p:cNvSpPr>
-          <p:nvPr/>
-        </p:nvSpPr>
-        <p:spPr bwMode="auto">
-          <a:xfrm>
-            <a:off x="4102100" y="3913188"/>
-            <a:ext cx="1143000" cy="523875"/>
-          </a:xfrm>
-          <a:prstGeom prst="rightArrow">
-            <a:avLst>
-              <a:gd name="adj1" fmla="val 50000"/>
-              <a:gd name="adj2" fmla="val 54545"/>
-            </a:avLst>
-          </a:prstGeom>
-          <a:solidFill>
-            <a:schemeClr val="bg1"/>
-          </a:solidFill>
-          <a:ln w="9525">
-            <a:solidFill>
-              <a:schemeClr val="tx1"/>
-            </a:solidFill>
-            <a:miter lim="800000"/>
-            <a:headEnd/>
-            <a:tailEnd/>
-          </a:ln>
-        </p:spPr>
-        <p:txBody>
-          <a:bodyPr wrap="none" anchor="ctr"/>
-          <a:lstStyle/>
-          <a:p>
-            <a:endParaRPr lang="zh-CN" altLang="en-US"/>
-          </a:p>
-        </p:txBody>
-      </p:sp>
-      <p:sp>
-        <p:nvSpPr>
-          <p:cNvPr id="17412" name="Text Box 10"/>
-          <p:cNvSpPr txBox="1">
-            <a:spLocks noChangeArrowheads="1"/>
-          </p:cNvSpPr>
-          <p:nvPr/>
-        </p:nvSpPr>
-        <p:spPr bwMode="auto">
-          <a:xfrm>
-            <a:off x="3005138" y="6037263"/>
-            <a:ext cx="3381375" cy="366712"/>
-          </a:xfrm>
-          <a:prstGeom prst="rect">
-            <a:avLst/>
-          </a:prstGeom>
-          <a:noFill/>
-          <a:ln w="28575" algn="ctr">
-            <a:noFill/>
-            <a:miter lim="800000"/>
-            <a:headEnd/>
-            <a:tailEnd/>
-          </a:ln>
+          <a:effectLst/>
         </p:spPr>
         <p:txBody>
           <a:bodyPr>
@@ -8519,57 +8179,85 @@
           </a:bodyPr>
           <a:lstStyle/>
           <a:p>
-            <a:pPr>
+            <a:pPr defTabSz="914400">
               <a:spcBef>
                 <a:spcPct val="50000"/>
               </a:spcBef>
             </a:pPr>
             <a:r>
-              <a:rPr lang="zh-CN" altLang="en-US">
-                <a:solidFill>
-                  <a:schemeClr val="tx2"/>
-                </a:solidFill>
-              </a:rPr>
-              <a:t>交换任务</a:t>
-            </a:r>
+              <a:rPr lang="zh-CN" altLang="en-US"/>
+              <a:t>           </a:t>
+            </a:r>
+            <a:r>
+              <a:rPr lang="zh-CN" altLang="en-US" sz="2000"/>
+              <a:t>表示温度向量，包括处理器核的温度和其他部分。</a:t>
+            </a:r>
+          </a:p>
+          <a:p>
+            <a:pPr defTabSz="914400">
+              <a:spcBef>
+                <a:spcPct val="50000"/>
+              </a:spcBef>
+            </a:pPr>
+            <a:r>
+              <a:rPr lang="zh-CN" altLang="en-US"/>
+              <a:t>           表示输出向量，即核的温度向量。</a:t>
+            </a:r>
+          </a:p>
+          <a:p>
+            <a:pPr defTabSz="914400">
+              <a:spcBef>
+                <a:spcPct val="50000"/>
+              </a:spcBef>
+            </a:pPr>
+            <a:r>
+              <a:rPr lang="zh-CN" altLang="en-US"/>
+              <a:t>           表示输入向量，即核的功耗向量</a:t>
+            </a:r>
+          </a:p>
+          <a:p>
+            <a:pPr defTabSz="914400">
+              <a:spcBef>
+                <a:spcPct val="50000"/>
+              </a:spcBef>
+            </a:pPr>
+            <a:r>
+              <a:rPr lang="zh-CN" altLang="en-US"/>
+              <a:t>              表示</a:t>
+            </a:r>
+            <a:r>
+              <a:rPr lang="en-US" altLang="zh-CN"/>
+              <a:t>hotspot</a:t>
+            </a:r>
+            <a:r>
+              <a:rPr lang="zh-CN" altLang="en-US"/>
+              <a:t>热模型提取的热容热阻信息的离散化形式</a:t>
+            </a:r>
+          </a:p>
+          <a:p>
+            <a:pPr defTabSz="914400">
+              <a:spcBef>
+                <a:spcPct val="50000"/>
+              </a:spcBef>
+            </a:pPr>
+            <a:r>
+              <a:rPr lang="zh-CN" altLang="en-US"/>
+              <a:t>            是一个选择矩阵，即从       中将核的温度选择出来</a:t>
+            </a:r>
+          </a:p>
+          <a:p>
+            <a:pPr defTabSz="914400">
+              <a:spcBef>
+                <a:spcPct val="50000"/>
+              </a:spcBef>
+            </a:pPr>
+            <a:endParaRPr lang="zh-CN" altLang="en-US"/>
           </a:p>
         </p:txBody>
       </p:sp>
       <p:pic>
         <p:nvPicPr>
-          <p:cNvPr id="17413" name="Picture 8" descr="tu14"/>
-          <p:cNvPicPr>
-            <a:picLocks noChangeAspect="1" noChangeArrowheads="1"/>
-          </p:cNvPicPr>
-          <p:nvPr/>
-        </p:nvPicPr>
-        <p:blipFill>
-          <a:blip r:embed="rId2"/>
-          <a:srcRect/>
-          <a:stretch>
-            <a:fillRect/>
-          </a:stretch>
-        </p:blipFill>
-        <p:spPr bwMode="auto">
-          <a:xfrm>
-            <a:off x="5724525" y="2914650"/>
-            <a:ext cx="2816225" cy="2840038"/>
-          </a:xfrm>
-          <a:prstGeom prst="rect">
-            <a:avLst/>
-          </a:prstGeom>
-          <a:noFill/>
-          <a:ln w="9525">
-            <a:noFill/>
-            <a:miter lim="800000"/>
-            <a:headEnd/>
-            <a:tailEnd/>
-          </a:ln>
-        </p:spPr>
-      </p:pic>
-      <p:pic>
-        <p:nvPicPr>
-          <p:cNvPr id="17414" name="Picture 9" descr="tu13"/>
+          <p:cNvPr id="37900" name="Picture 12" descr="thermalmodel"/>
           <p:cNvPicPr>
             <a:picLocks noChangeAspect="1" noChangeArrowheads="1"/>
           </p:cNvPicPr>
@@ -8584,21 +8272,155 @@
         </p:blipFill>
         <p:spPr bwMode="auto">
           <a:xfrm>
-            <a:off x="769938" y="2886075"/>
-            <a:ext cx="2819400" cy="2832100"/>
+            <a:off x="1347788" y="1333500"/>
+            <a:ext cx="6310312" cy="1682750"/>
           </a:xfrm>
           <a:prstGeom prst="rect">
             <a:avLst/>
           </a:prstGeom>
           <a:noFill/>
-          <a:ln w="9525">
-            <a:noFill/>
-            <a:miter lim="800000"/>
-            <a:headEnd/>
-            <a:tailEnd/>
-          </a:ln>
         </p:spPr>
       </p:pic>
+      <p:graphicFrame>
+        <p:nvGraphicFramePr>
+          <p:cNvPr id="37901" name="Object 13"/>
+          <p:cNvGraphicFramePr>
+            <a:graphicFrameLocks noChangeAspect="1"/>
+          </p:cNvGraphicFramePr>
+          <p:nvPr/>
+        </p:nvGraphicFramePr>
+        <p:xfrm>
+          <a:off x="1376363" y="3602038"/>
+          <a:ext cx="288925" cy="341312"/>
+        </p:xfrm>
+        <a:graphic>
+          <a:graphicData uri="http://schemas.openxmlformats.org/presentationml/2006/ole">
+            <p:oleObj spid="_x0000_s37901" name="Equation" r:id="rId4" imgW="139680" imgH="164880" progId="Equation.DSMT4">
+              <p:embed/>
+            </p:oleObj>
+          </a:graphicData>
+        </a:graphic>
+      </p:graphicFrame>
+      <p:graphicFrame>
+        <p:nvGraphicFramePr>
+          <p:cNvPr id="37902" name="Object 14"/>
+          <p:cNvGraphicFramePr>
+            <a:graphicFrameLocks noChangeAspect="1"/>
+          </p:cNvGraphicFramePr>
+          <p:nvPr/>
+        </p:nvGraphicFramePr>
+        <p:xfrm>
+          <a:off x="1376363" y="4010025"/>
+          <a:ext cx="284162" cy="334963"/>
+        </p:xfrm>
+        <a:graphic>
+          <a:graphicData uri="http://schemas.openxmlformats.org/presentationml/2006/ole">
+            <p:oleObj spid="_x0000_s37902" name="Equation" r:id="rId5" imgW="139680" imgH="164880" progId="Equation.DSMT4">
+              <p:embed/>
+            </p:oleObj>
+          </a:graphicData>
+        </a:graphic>
+      </p:graphicFrame>
+      <p:graphicFrame>
+        <p:nvGraphicFramePr>
+          <p:cNvPr id="37903" name="Object 15"/>
+          <p:cNvGraphicFramePr>
+            <a:graphicFrameLocks noChangeAspect="1"/>
+          </p:cNvGraphicFramePr>
+          <p:nvPr/>
+        </p:nvGraphicFramePr>
+        <p:xfrm>
+          <a:off x="1347788" y="4410075"/>
+          <a:ext cx="322262" cy="349250"/>
+        </p:xfrm>
+        <a:graphic>
+          <a:graphicData uri="http://schemas.openxmlformats.org/presentationml/2006/ole">
+            <p:oleObj spid="_x0000_s37903" name="Equation" r:id="rId6" imgW="152280" imgH="164880" progId="Equation.DSMT4">
+              <p:embed/>
+            </p:oleObj>
+          </a:graphicData>
+        </a:graphic>
+      </p:graphicFrame>
+      <p:graphicFrame>
+        <p:nvGraphicFramePr>
+          <p:cNvPr id="37906" name="Object 18"/>
+          <p:cNvGraphicFramePr>
+            <a:graphicFrameLocks noChangeAspect="1"/>
+          </p:cNvGraphicFramePr>
+          <p:nvPr/>
+        </p:nvGraphicFramePr>
+        <p:xfrm>
+          <a:off x="1062038" y="4854575"/>
+          <a:ext cx="334962" cy="363538"/>
+        </p:xfrm>
+        <a:graphic>
+          <a:graphicData uri="http://schemas.openxmlformats.org/presentationml/2006/ole">
+            <p:oleObj spid="_x0000_s37906" name="Equation" r:id="rId7" imgW="152280" imgH="164880" progId="Equation.DSMT4">
+              <p:embed/>
+            </p:oleObj>
+          </a:graphicData>
+        </a:graphic>
+      </p:graphicFrame>
+      <p:graphicFrame>
+        <p:nvGraphicFramePr>
+          <p:cNvPr id="37907" name="Object 19"/>
+          <p:cNvGraphicFramePr>
+            <a:graphicFrameLocks noChangeAspect="1"/>
+          </p:cNvGraphicFramePr>
+          <p:nvPr/>
+        </p:nvGraphicFramePr>
+        <p:xfrm>
+          <a:off x="1481138" y="4854575"/>
+          <a:ext cx="341312" cy="409575"/>
+        </p:xfrm>
+        <a:graphic>
+          <a:graphicData uri="http://schemas.openxmlformats.org/presentationml/2006/ole">
+            <p:oleObj spid="_x0000_s37907" name="Equation" r:id="rId8" imgW="190440" imgH="228600" progId="Equation.DSMT4">
+              <p:embed/>
+            </p:oleObj>
+          </a:graphicData>
+        </a:graphic>
+      </p:graphicFrame>
+      <p:graphicFrame>
+        <p:nvGraphicFramePr>
+          <p:cNvPr id="37908" name="Object 20"/>
+          <p:cNvGraphicFramePr>
+            <a:graphicFrameLocks noChangeAspect="1"/>
+          </p:cNvGraphicFramePr>
+          <p:nvPr/>
+        </p:nvGraphicFramePr>
+        <p:xfrm>
+          <a:off x="1330325" y="5249863"/>
+          <a:ext cx="301625" cy="357187"/>
+        </p:xfrm>
+        <a:graphic>
+          <a:graphicData uri="http://schemas.openxmlformats.org/presentationml/2006/ole">
+            <p:oleObj spid="_x0000_s37908" name="Equation" r:id="rId9" imgW="139680" imgH="164880" progId="Equation.DSMT4">
+              <p:embed/>
+            </p:oleObj>
+          </a:graphicData>
+        </a:graphic>
+      </p:graphicFrame>
+      <p:graphicFrame>
+        <p:nvGraphicFramePr>
+          <p:cNvPr id="37909" name="Object 21"/>
+          <p:cNvGraphicFramePr>
+            <a:graphicFrameLocks noChangeAspect="1"/>
+          </p:cNvGraphicFramePr>
+          <p:nvPr/>
+        </p:nvGraphicFramePr>
+        <p:xfrm>
+          <a:off x="4062413" y="5265738"/>
+          <a:ext cx="288925" cy="341312"/>
+        </p:xfrm>
+        <a:graphic>
+          <a:graphicData uri="http://schemas.openxmlformats.org/presentationml/2006/ole">
+            <p:oleObj spid="_x0000_s37909" name="Equation" r:id="rId10" imgW="139680" imgH="164880" progId="Equation.DSMT4">
+              <p:embed/>
+            </p:oleObj>
+          </a:graphicData>
+        </a:graphic>
+      </p:graphicFrame>
     </p:spTree>
   </p:cSld>
   <p:clrMapOvr>
@@ -9642,7 +9464,7 @@
       </p:sp>
       <p:pic>
         <p:nvPicPr>
-          <p:cNvPr id="19459" name="Picture 14" descr="tu7"/>
+          <p:cNvPr id="19463" name="Picture 7" descr="match1"/>
           <p:cNvPicPr>
             <a:picLocks noChangeAspect="1" noChangeArrowheads="1"/>
           </p:cNvPicPr>
@@ -9657,24 +9479,18 @@
         </p:blipFill>
         <p:spPr bwMode="auto">
           <a:xfrm>
-            <a:off x="6205538" y="4891088"/>
-            <a:ext cx="1582737" cy="1579562"/>
+            <a:off x="1106488" y="2655888"/>
+            <a:ext cx="2571750" cy="3167062"/>
           </a:xfrm>
           <a:prstGeom prst="rect">
             <a:avLst/>
           </a:prstGeom>
           <a:noFill/>
-          <a:ln w="9525">
-            <a:noFill/>
-            <a:miter lim="800000"/>
-            <a:headEnd/>
-            <a:tailEnd/>
-          </a:ln>
         </p:spPr>
       </p:pic>
       <p:pic>
         <p:nvPicPr>
-          <p:cNvPr id="19460" name="Picture 15" descr="tu6"/>
+          <p:cNvPr id="19464" name="Picture 8" descr="match2"/>
           <p:cNvPicPr>
             <a:picLocks noChangeAspect="1" noChangeArrowheads="1"/>
           </p:cNvPicPr>
@@ -9689,8 +9505,27 @@
         </p:blipFill>
         <p:spPr bwMode="auto">
           <a:xfrm>
-            <a:off x="6192838" y="2957513"/>
-            <a:ext cx="1563687" cy="1563687"/>
+            <a:off x="5691188" y="2655888"/>
+            <a:ext cx="2565400" cy="3167062"/>
+          </a:xfrm>
+          <a:prstGeom prst="rect">
+            <a:avLst/>
+          </a:prstGeom>
+          <a:noFill/>
+        </p:spPr>
+      </p:pic>
+      <p:sp>
+        <p:nvSpPr>
+          <p:cNvPr id="19465" name="Text Box 9"/>
+          <p:cNvSpPr txBox="1">
+            <a:spLocks noChangeArrowheads="1"/>
+          </p:cNvSpPr>
+          <p:nvPr/>
+        </p:nvSpPr>
+        <p:spPr bwMode="auto">
+          <a:xfrm>
+            <a:off x="1106488" y="6005513"/>
+            <a:ext cx="2865437" cy="366712"/>
           </a:xfrm>
           <a:prstGeom prst="rect">
             <a:avLst/>
@@ -9702,27 +9537,42 @@
             <a:headEnd/>
             <a:tailEnd/>
           </a:ln>
-        </p:spPr>
-      </p:pic>
-      <p:pic>
-        <p:nvPicPr>
-          <p:cNvPr id="19461" name="Picture 7" descr="match2"/>
-          <p:cNvPicPr>
-            <a:picLocks noChangeAspect="1" noChangeArrowheads="1"/>
-          </p:cNvPicPr>
+          <a:effectLst/>
+        </p:spPr>
+        <p:txBody>
+          <a:bodyPr>
+            <a:spAutoFit/>
+          </a:bodyPr>
+          <a:lstStyle/>
+          <a:p>
+            <a:pPr defTabSz="914400">
+              <a:spcBef>
+                <a:spcPct val="50000"/>
+              </a:spcBef>
+            </a:pPr>
+            <a:r>
+              <a:rPr lang="zh-CN" altLang="en-US"/>
+              <a:t>匹配前设定匹配阈值为</a:t>
+            </a:r>
+            <a:r>
+              <a:rPr lang="en-US" altLang="zh-CN"/>
+              <a:t>3</a:t>
+            </a:r>
+          </a:p>
+        </p:txBody>
+      </p:sp>
+      <p:sp>
+        <p:nvSpPr>
+          <p:cNvPr id="19466" name="Text Box 10"/>
+          <p:cNvSpPr txBox="1">
+            <a:spLocks noChangeArrowheads="1"/>
+          </p:cNvSpPr>
           <p:nvPr/>
-        </p:nvPicPr>
-        <p:blipFill>
-          <a:blip r:embed="rId4"/>
-          <a:srcRect/>
-          <a:stretch>
-            <a:fillRect/>
-          </a:stretch>
-        </p:blipFill>
+        </p:nvSpPr>
         <p:spPr bwMode="auto">
           <a:xfrm>
-            <a:off x="1531938" y="2655888"/>
-            <a:ext cx="3200400" cy="3846512"/>
+            <a:off x="6388100" y="6005513"/>
+            <a:ext cx="1160463" cy="366712"/>
           </a:xfrm>
           <a:prstGeom prst="rect">
             <a:avLst/>
@@ -9734,8 +9584,110 @@
             <a:headEnd/>
             <a:tailEnd/>
           </a:ln>
-        </p:spPr>
-      </p:pic>
+          <a:effectLst/>
+        </p:spPr>
+        <p:txBody>
+          <a:bodyPr>
+            <a:spAutoFit/>
+          </a:bodyPr>
+          <a:lstStyle/>
+          <a:p>
+            <a:pPr>
+              <a:spcBef>
+                <a:spcPct val="50000"/>
+              </a:spcBef>
+            </a:pPr>
+            <a:r>
+              <a:rPr lang="zh-CN" altLang="en-US"/>
+              <a:t>匹配后</a:t>
+            </a:r>
+            <a:endParaRPr lang="en-US" altLang="zh-CN"/>
+          </a:p>
+        </p:txBody>
+      </p:sp>
+      <p:sp>
+        <p:nvSpPr>
+          <p:cNvPr id="19467" name="AutoShape 6"/>
+          <p:cNvSpPr>
+            <a:spLocks noChangeArrowheads="1"/>
+          </p:cNvSpPr>
+          <p:nvPr/>
+        </p:nvSpPr>
+        <p:spPr bwMode="auto">
+          <a:xfrm>
+            <a:off x="4149725" y="3913188"/>
+            <a:ext cx="1143000" cy="523875"/>
+          </a:xfrm>
+          <a:prstGeom prst="rightArrow">
+            <a:avLst>
+              <a:gd name="adj1" fmla="val 50000"/>
+              <a:gd name="adj2" fmla="val 54545"/>
+            </a:avLst>
+          </a:prstGeom>
+          <a:solidFill>
+            <a:schemeClr val="bg1"/>
+          </a:solidFill>
+          <a:ln w="9525">
+            <a:solidFill>
+              <a:schemeClr val="tx1"/>
+            </a:solidFill>
+            <a:miter lim="800000"/>
+            <a:headEnd/>
+            <a:tailEnd/>
+          </a:ln>
+        </p:spPr>
+        <p:txBody>
+          <a:bodyPr wrap="none" anchor="ctr"/>
+          <a:lstStyle/>
+          <a:p>
+            <a:endParaRPr lang="zh-CN" altLang="en-US"/>
+          </a:p>
+        </p:txBody>
+      </p:sp>
+      <p:sp>
+        <p:nvSpPr>
+          <p:cNvPr id="19468" name="Text Box 12"/>
+          <p:cNvSpPr txBox="1">
+            <a:spLocks noChangeArrowheads="1"/>
+          </p:cNvSpPr>
+          <p:nvPr/>
+        </p:nvSpPr>
+        <p:spPr bwMode="auto">
+          <a:xfrm>
+            <a:off x="3971925" y="3271838"/>
+            <a:ext cx="1614488" cy="641350"/>
+          </a:xfrm>
+          <a:prstGeom prst="rect">
+            <a:avLst/>
+          </a:prstGeom>
+          <a:noFill/>
+          <a:ln w="9525">
+            <a:noFill/>
+            <a:miter lim="800000"/>
+            <a:headEnd/>
+            <a:tailEnd/>
+          </a:ln>
+          <a:effectLst/>
+        </p:spPr>
+        <p:txBody>
+          <a:bodyPr>
+            <a:spAutoFit/>
+          </a:bodyPr>
+          <a:lstStyle/>
+          <a:p>
+            <a:pPr>
+              <a:spcBef>
+                <a:spcPct val="50000"/>
+              </a:spcBef>
+            </a:pPr>
+            <a:r>
+              <a:rPr lang="zh-CN" altLang="en-US"/>
+              <a:t>利用匈牙利算法匹配</a:t>
+            </a:r>
+            <a:endParaRPr lang="en-US" altLang="zh-CN"/>
+          </a:p>
+        </p:txBody>
+      </p:sp>
     </p:spTree>
   </p:cSld>
   <p:clrMapOvr>
@@ -9823,7 +9775,7 @@
                 </a:solidFill>
                 <a:latin typeface="宋体" charset="-122"/>
               </a:rPr>
-              <a:t>有一个问题 </a:t>
+              <a:t>算法运算时间的问题 </a:t>
             </a:r>
           </a:p>
           <a:p>
@@ -9971,7 +9923,7 @@
       </p:grpSpPr>
       <p:sp>
         <p:nvSpPr>
-          <p:cNvPr id="21505" name="Title 1"/>
+          <p:cNvPr id="22529" name="Title 1"/>
           <p:cNvSpPr txBox="1">
             <a:spLocks/>
           </p:cNvSpPr>
@@ -9979,7 +9931,7 @@
         </p:nvSpPr>
         <p:spPr bwMode="auto">
           <a:xfrm>
-            <a:off x="457200" y="44450"/>
+            <a:off x="457200" y="76200"/>
             <a:ext cx="8229600" cy="1143000"/>
           </a:xfrm>
           <a:prstGeom prst="rect">
@@ -9998,28 +9950,33 @@
           <a:lstStyle/>
           <a:p>
             <a:r>
-              <a:rPr lang="en-US" altLang="zh-CN" sz="4400">
+              <a:rPr lang="zh-CN" altLang="en-US" sz="4400">
                 <a:solidFill>
                   <a:srgbClr val="FF6600"/>
                 </a:solidFill>
               </a:rPr>
-              <a:t>Outline</a:t>
-            </a:r>
-          </a:p>
-        </p:txBody>
-      </p:sp>
-      <p:sp>
-        <p:nvSpPr>
-          <p:cNvPr id="21506" name="Rectangle 3"/>
-          <p:cNvSpPr>
+              <a:t>改进的分层方法</a:t>
+            </a:r>
+            <a:endParaRPr lang="en-US" altLang="zh-CN" sz="4400">
+              <a:solidFill>
+                <a:srgbClr val="FF6600"/>
+              </a:solidFill>
+            </a:endParaRPr>
+          </a:p>
+        </p:txBody>
+      </p:sp>
+      <p:sp>
+        <p:nvSpPr>
+          <p:cNvPr id="22530" name="Rectangle 3"/>
+          <p:cNvSpPr txBox="1">
             <a:spLocks noChangeArrowheads="1"/>
           </p:cNvSpPr>
           <p:nvPr/>
         </p:nvSpPr>
         <p:spPr bwMode="auto">
           <a:xfrm>
-            <a:off x="755650" y="2028825"/>
-            <a:ext cx="8388350" cy="2747963"/>
+            <a:off x="228600" y="1219200"/>
+            <a:ext cx="8763000" cy="957263"/>
           </a:xfrm>
           <a:prstGeom prst="rect">
             <a:avLst/>
@@ -10040,16 +9997,53 @@
               <a:spcBef>
                 <a:spcPct val="20000"/>
               </a:spcBef>
-              <a:buClr>
-                <a:schemeClr val="tx2"/>
-              </a:buClr>
-              <a:buSzPct val="70000"/>
-              <a:buFont typeface="Wingdings" pitchFamily="2" charset="2"/>
-              <a:buChar char="l"/>
-            </a:pPr>
-            <a:r>
-              <a:rPr lang="en-US" altLang="zh-CN" sz="3200"/>
-              <a:t>Dynamic thermal management</a:t>
+              <a:buFont typeface="Arial" charset="0"/>
+              <a:buChar char="•"/>
+            </a:pPr>
+            <a:r>
+              <a:rPr lang="zh-CN" altLang="en-US" sz="2800">
+                <a:solidFill>
+                  <a:schemeClr val="tx2"/>
+                </a:solidFill>
+                <a:latin typeface="宋体" charset="-122"/>
+              </a:rPr>
+              <a:t>将芯片分块做两层任务迁移</a:t>
+            </a:r>
+          </a:p>
+          <a:p>
+            <a:pPr marL="742950" lvl="1" indent="-285750">
+              <a:spcBef>
+                <a:spcPct val="20000"/>
+              </a:spcBef>
+              <a:buFont typeface="Arial" charset="0"/>
+              <a:buChar char="–"/>
+            </a:pPr>
+            <a:r>
+              <a:rPr lang="zh-CN" altLang="en-US" sz="2000">
+                <a:solidFill>
+                  <a:schemeClr val="tx2"/>
+                </a:solidFill>
+                <a:latin typeface="宋体" charset="-122"/>
+              </a:rPr>
+              <a:t>块内任务迁移</a:t>
+            </a:r>
+          </a:p>
+          <a:p>
+            <a:pPr marL="742950" lvl="1" indent="-285750">
+              <a:spcBef>
+                <a:spcPct val="20000"/>
+              </a:spcBef>
+              <a:buFont typeface="Arial" charset="0"/>
+              <a:buChar char="–"/>
+            </a:pPr>
+            <a:r>
+              <a:rPr lang="zh-CN" altLang="en-US" sz="2000">
+                <a:solidFill>
+                  <a:schemeClr val="tx2"/>
+                </a:solidFill>
+                <a:latin typeface="宋体" charset="-122"/>
+              </a:rPr>
+              <a:t>块间任务迁移</a:t>
             </a:r>
           </a:p>
           <a:p>
@@ -10057,75 +10051,50 @@
               <a:spcBef>
                 <a:spcPct val="20000"/>
               </a:spcBef>
-              <a:buClr>
-                <a:schemeClr val="tx2"/>
-              </a:buClr>
-              <a:buSzPct val="70000"/>
-              <a:buFont typeface="Wingdings" pitchFamily="2" charset="2"/>
-              <a:buChar char="l"/>
-            </a:pPr>
-            <a:r>
-              <a:rPr lang="en-US" altLang="zh-CN" sz="3200">
-                <a:solidFill>
-                  <a:srgbClr val="FF6600"/>
-                </a:solidFill>
-              </a:rPr>
-              <a:t>Hierarchical</a:t>
-            </a:r>
-            <a:r>
-              <a:rPr lang="en-US" altLang="zh-CN">
-                <a:solidFill>
-                  <a:schemeClr val="tx1"/>
-                </a:solidFill>
-                <a:latin typeface="Arial" charset="0"/>
-              </a:rPr>
-              <a:t> </a:t>
-            </a:r>
-            <a:r>
-              <a:rPr lang="en-US" altLang="zh-CN" sz="3200">
-                <a:solidFill>
-                  <a:srgbClr val="FF6600"/>
-                </a:solidFill>
-              </a:rPr>
-              <a:t>dynamic thermal management</a:t>
-            </a:r>
-          </a:p>
-          <a:p>
-            <a:pPr marL="342900" indent="-342900">
-              <a:spcBef>
-                <a:spcPct val="20000"/>
-              </a:spcBef>
-              <a:buClr>
-                <a:schemeClr val="tx2"/>
-              </a:buClr>
-              <a:buSzPct val="70000"/>
-              <a:buFont typeface="Wingdings" pitchFamily="2" charset="2"/>
-              <a:buChar char="l"/>
-            </a:pPr>
-            <a:r>
-              <a:rPr lang="en-US" altLang="zh-CN" sz="3200"/>
-              <a:t>Experimental results</a:t>
-            </a:r>
-          </a:p>
-          <a:p>
-            <a:pPr marL="342900" indent="-342900">
-              <a:spcBef>
-                <a:spcPct val="20000"/>
-              </a:spcBef>
-              <a:buClr>
-                <a:schemeClr val="tx2"/>
-              </a:buClr>
-              <a:buSzPct val="70000"/>
-              <a:buFont typeface="Wingdings" pitchFamily="2" charset="2"/>
-              <a:buChar char="l"/>
-            </a:pPr>
-            <a:r>
-              <a:rPr lang="en-US" altLang="zh-CN" sz="3200"/>
-              <a:t>Conclusion</a:t>
-            </a:r>
-          </a:p>
-        </p:txBody>
-      </p:sp>
+              <a:buFont typeface="Arial" charset="0"/>
+              <a:buNone/>
+            </a:pPr>
+            <a:endParaRPr lang="en-US" altLang="zh-CN" sz="2000">
+              <a:solidFill>
+                <a:schemeClr val="tx1"/>
+              </a:solidFill>
+              <a:latin typeface="宋体" charset="-122"/>
+            </a:endParaRPr>
+          </a:p>
+        </p:txBody>
+      </p:sp>
+      <p:pic>
+        <p:nvPicPr>
+          <p:cNvPr id="22531" name="Picture 5" descr="tu17"/>
+          <p:cNvPicPr>
+            <a:picLocks noChangeAspect="1" noChangeArrowheads="1"/>
+          </p:cNvPicPr>
+          <p:nvPr/>
+        </p:nvPicPr>
+        <p:blipFill>
+          <a:blip r:embed="rId2"/>
+          <a:srcRect/>
+          <a:stretch>
+            <a:fillRect/>
+          </a:stretch>
+        </p:blipFill>
+        <p:spPr bwMode="auto">
+          <a:xfrm>
+            <a:off x="2212975" y="2439988"/>
+            <a:ext cx="3848100" cy="3867150"/>
+          </a:xfrm>
+          <a:prstGeom prst="rect">
+            <a:avLst/>
+          </a:prstGeom>
+          <a:noFill/>
+          <a:ln w="9525">
+            <a:noFill/>
+            <a:miter lim="800000"/>
+            <a:headEnd/>
+            <a:tailEnd/>
+          </a:ln>
+        </p:spPr>
+      </p:pic>
     </p:spTree>
   </p:cSld>
   <p:clrMapOvr>

--- a/ppt/majian.pptx
+++ b/ppt/majian.pptx
@@ -12,12 +12,12 @@
     <p:sldId id="307" r:id="rId6"/>
     <p:sldId id="295" r:id="rId7"/>
     <p:sldId id="297" r:id="rId8"/>
-    <p:sldId id="298" r:id="rId9"/>
-    <p:sldId id="285" r:id="rId10"/>
-    <p:sldId id="299" r:id="rId11"/>
-    <p:sldId id="261" r:id="rId12"/>
-    <p:sldId id="300" r:id="rId13"/>
-    <p:sldId id="301" r:id="rId14"/>
+    <p:sldId id="308" r:id="rId9"/>
+    <p:sldId id="298" r:id="rId10"/>
+    <p:sldId id="285" r:id="rId11"/>
+    <p:sldId id="299" r:id="rId12"/>
+    <p:sldId id="261" r:id="rId13"/>
+    <p:sldId id="300" r:id="rId14"/>
     <p:sldId id="302" r:id="rId15"/>
     <p:sldId id="306" r:id="rId16"/>
     <p:sldId id="264" r:id="rId17"/>
@@ -344,12 +344,12 @@
             <a:pPr>
               <a:defRPr/>
             </a:pPr>
-            <a:fld id="{FB444ACB-1C7D-4E61-863C-48322B7E1A52}" type="datetimeFigureOut">
+            <a:fld id="{6287810A-7199-4651-9A5F-D73A56534896}" type="datetimeFigureOut">
               <a:rPr lang="zh-CN" altLang="en-US"/>
               <a:pPr>
                 <a:defRPr/>
               </a:pPr>
-              <a:t>2016/5/5</a:t>
+              <a:t>2016/5/6</a:t>
             </a:fld>
             <a:endParaRPr lang="zh-CN" altLang="en-US"/>
           </a:p>
@@ -403,7 +403,7 @@
             <a:pPr>
               <a:defRPr/>
             </a:pPr>
-            <a:fld id="{9AFFCFDD-A685-48D4-B5A9-93E1813D7314}" type="slidenum">
+            <a:fld id="{6E6EF504-974C-4D6A-9220-31D5B12CBCB6}" type="slidenum">
               <a:rPr lang="zh-CN" altLang="en-US"/>
               <a:pPr>
                 <a:defRPr/>
@@ -536,12 +536,12 @@
             <a:pPr>
               <a:defRPr/>
             </a:pPr>
-            <a:fld id="{C2779472-2616-4144-B127-025AC9047FF2}" type="datetimeFigureOut">
+            <a:fld id="{8B48CC2B-6E4A-47D1-8A4D-BFDA98E5CB88}" type="datetimeFigureOut">
               <a:rPr lang="zh-CN" altLang="en-US"/>
               <a:pPr>
                 <a:defRPr/>
               </a:pPr>
-              <a:t>2016/5/5</a:t>
+              <a:t>2016/5/6</a:t>
             </a:fld>
             <a:endParaRPr lang="zh-CN" altLang="en-US"/>
           </a:p>
@@ -595,7 +595,7 @@
             <a:pPr>
               <a:defRPr/>
             </a:pPr>
-            <a:fld id="{39E66BB0-C1EF-482F-9517-4CEC5DBF6BF2}" type="slidenum">
+            <a:fld id="{5463A266-D51F-4B4B-BCB9-D3A8954CD08B}" type="slidenum">
               <a:rPr lang="zh-CN" altLang="en-US"/>
               <a:pPr>
                 <a:defRPr/>
@@ -738,12 +738,12 @@
             <a:pPr>
               <a:defRPr/>
             </a:pPr>
-            <a:fld id="{D88CBAA6-B4F0-45F0-9CE7-08C5152C7F7E}" type="datetimeFigureOut">
+            <a:fld id="{D59DF0C2-7E81-4E32-934E-DBD616FF3AEB}" type="datetimeFigureOut">
               <a:rPr lang="zh-CN" altLang="en-US"/>
               <a:pPr>
                 <a:defRPr/>
               </a:pPr>
-              <a:t>2016/5/5</a:t>
+              <a:t>2016/5/6</a:t>
             </a:fld>
             <a:endParaRPr lang="zh-CN" altLang="en-US"/>
           </a:p>
@@ -797,7 +797,7 @@
             <a:pPr>
               <a:defRPr/>
             </a:pPr>
-            <a:fld id="{7B454321-9FE2-46B9-9FE8-C56BE65350AF}" type="slidenum">
+            <a:fld id="{63DA5D9D-D79A-4E3E-AF94-28B82589D109}" type="slidenum">
               <a:rPr lang="zh-CN" altLang="en-US"/>
               <a:pPr>
                 <a:defRPr/>
@@ -930,12 +930,12 @@
             <a:pPr>
               <a:defRPr/>
             </a:pPr>
-            <a:fld id="{E4546036-982D-45BD-A7BA-AE5084F02AE4}" type="datetimeFigureOut">
+            <a:fld id="{F11A9A18-C566-4370-8815-9AD6B237CDE5}" type="datetimeFigureOut">
               <a:rPr lang="zh-CN" altLang="en-US"/>
               <a:pPr>
                 <a:defRPr/>
               </a:pPr>
-              <a:t>2016/5/5</a:t>
+              <a:t>2016/5/6</a:t>
             </a:fld>
             <a:endParaRPr lang="zh-CN" altLang="en-US"/>
           </a:p>
@@ -989,7 +989,7 @@
             <a:pPr>
               <a:defRPr/>
             </a:pPr>
-            <a:fld id="{073421AD-2CFF-423D-A4CB-DF179AFFFDFC}" type="slidenum">
+            <a:fld id="{DCB55983-5B6C-4CDF-9FC6-8C22B5646FC7}" type="slidenum">
               <a:rPr lang="zh-CN" altLang="en-US"/>
               <a:pPr>
                 <a:defRPr/>
@@ -1198,12 +1198,12 @@
             <a:pPr>
               <a:defRPr/>
             </a:pPr>
-            <a:fld id="{94226D61-C60A-4DEB-A7BB-E6963A98C885}" type="datetimeFigureOut">
+            <a:fld id="{7972ED8F-E8A3-4DAB-9F74-FB85AD085B8E}" type="datetimeFigureOut">
               <a:rPr lang="zh-CN" altLang="en-US"/>
               <a:pPr>
                 <a:defRPr/>
               </a:pPr>
-              <a:t>2016/5/5</a:t>
+              <a:t>2016/5/6</a:t>
             </a:fld>
             <a:endParaRPr lang="zh-CN" altLang="en-US"/>
           </a:p>
@@ -1257,7 +1257,7 @@
             <a:pPr>
               <a:defRPr/>
             </a:pPr>
-            <a:fld id="{77D52CD9-2BA1-437E-8BB0-0233B1833024}" type="slidenum">
+            <a:fld id="{B92AB10B-E378-4859-B296-8D6CE4B0537F}" type="slidenum">
               <a:rPr lang="zh-CN" altLang="en-US"/>
               <a:pPr>
                 <a:defRPr/>
@@ -1508,12 +1508,12 @@
             <a:pPr>
               <a:defRPr/>
             </a:pPr>
-            <a:fld id="{732CD33F-C0C0-45E3-8E1C-C267A4D65ED3}" type="datetimeFigureOut">
+            <a:fld id="{80932F27-1B0B-4929-80C3-BEBEE4756F85}" type="datetimeFigureOut">
               <a:rPr lang="zh-CN" altLang="en-US"/>
               <a:pPr>
                 <a:defRPr/>
               </a:pPr>
-              <a:t>2016/5/5</a:t>
+              <a:t>2016/5/6</a:t>
             </a:fld>
             <a:endParaRPr lang="zh-CN" altLang="en-US"/>
           </a:p>
@@ -1567,7 +1567,7 @@
             <a:pPr>
               <a:defRPr/>
             </a:pPr>
-            <a:fld id="{6F9DF3CD-E740-4B52-9B0A-09B6268642B1}" type="slidenum">
+            <a:fld id="{6E63E268-8A0B-47F8-95FD-CF83CCF76C6C}" type="slidenum">
               <a:rPr lang="zh-CN" altLang="en-US"/>
               <a:pPr>
                 <a:defRPr/>
@@ -1952,12 +1952,12 @@
             <a:pPr>
               <a:defRPr/>
             </a:pPr>
-            <a:fld id="{6C7FB85F-0357-4282-A6E9-E7FCC27D1695}" type="datetimeFigureOut">
+            <a:fld id="{6EDB8394-A9F4-4517-A0DD-AA72C5138798}" type="datetimeFigureOut">
               <a:rPr lang="zh-CN" altLang="en-US"/>
               <a:pPr>
                 <a:defRPr/>
               </a:pPr>
-              <a:t>2016/5/5</a:t>
+              <a:t>2016/5/6</a:t>
             </a:fld>
             <a:endParaRPr lang="zh-CN" altLang="en-US"/>
           </a:p>
@@ -2011,7 +2011,7 @@
             <a:pPr>
               <a:defRPr/>
             </a:pPr>
-            <a:fld id="{2DC1B147-E8D5-4983-B99F-72C4762E513A}" type="slidenum">
+            <a:fld id="{F05F1047-874B-456A-947F-38973EBFDC53}" type="slidenum">
               <a:rPr lang="zh-CN" altLang="en-US"/>
               <a:pPr>
                 <a:defRPr/>
@@ -2092,12 +2092,12 @@
             <a:pPr>
               <a:defRPr/>
             </a:pPr>
-            <a:fld id="{EA17B98F-2E58-40F6-9A3A-32C36DE9013C}" type="datetimeFigureOut">
+            <a:fld id="{6557BFF9-C78C-4C60-95A9-9DA8114844CA}" type="datetimeFigureOut">
               <a:rPr lang="zh-CN" altLang="en-US"/>
               <a:pPr>
                 <a:defRPr/>
               </a:pPr>
-              <a:t>2016/5/5</a:t>
+              <a:t>2016/5/6</a:t>
             </a:fld>
             <a:endParaRPr lang="zh-CN" altLang="en-US"/>
           </a:p>
@@ -2151,7 +2151,7 @@
             <a:pPr>
               <a:defRPr/>
             </a:pPr>
-            <a:fld id="{8C99B170-0A14-4CFB-818F-DB6151023C0A}" type="slidenum">
+            <a:fld id="{102FA3E8-3C68-423F-988B-FE022667F8E8}" type="slidenum">
               <a:rPr lang="zh-CN" altLang="en-US"/>
               <a:pPr>
                 <a:defRPr/>
@@ -2209,12 +2209,12 @@
             <a:pPr>
               <a:defRPr/>
             </a:pPr>
-            <a:fld id="{7018894E-5BDA-413E-9170-5C236E54FF80}" type="datetimeFigureOut">
+            <a:fld id="{0F61ACB0-26FB-4DA0-B150-856669313D2D}" type="datetimeFigureOut">
               <a:rPr lang="zh-CN" altLang="en-US"/>
               <a:pPr>
                 <a:defRPr/>
               </a:pPr>
-              <a:t>2016/5/5</a:t>
+              <a:t>2016/5/6</a:t>
             </a:fld>
             <a:endParaRPr lang="zh-CN" altLang="en-US"/>
           </a:p>
@@ -2268,7 +2268,7 @@
             <a:pPr>
               <a:defRPr/>
             </a:pPr>
-            <a:fld id="{FC51CCDD-6B53-490F-8118-F088D0E72ACA}" type="slidenum">
+            <a:fld id="{3A01209D-68C8-4B55-B5B9-F90AAE086282}" type="slidenum">
               <a:rPr lang="zh-CN" altLang="en-US"/>
               <a:pPr>
                 <a:defRPr/>
@@ -2508,12 +2508,12 @@
             <a:pPr>
               <a:defRPr/>
             </a:pPr>
-            <a:fld id="{E7F23D07-1C43-47A8-BEE0-6F4ADEF8C8A0}" type="datetimeFigureOut">
+            <a:fld id="{A6BA4E58-AFB2-43F1-AE89-B9F8446C7BF1}" type="datetimeFigureOut">
               <a:rPr lang="zh-CN" altLang="en-US"/>
               <a:pPr>
                 <a:defRPr/>
               </a:pPr>
-              <a:t>2016/5/5</a:t>
+              <a:t>2016/5/6</a:t>
             </a:fld>
             <a:endParaRPr lang="zh-CN" altLang="en-US"/>
           </a:p>
@@ -2567,7 +2567,7 @@
             <a:pPr>
               <a:defRPr/>
             </a:pPr>
-            <a:fld id="{9992795E-2915-46D5-99CB-1D4500E1F58B}" type="slidenum">
+            <a:fld id="{2E33144A-C5EB-4A40-AC09-5C04764FB7D8}" type="slidenum">
               <a:rPr lang="zh-CN" altLang="en-US"/>
               <a:pPr>
                 <a:defRPr/>
@@ -2786,12 +2786,12 @@
             <a:pPr>
               <a:defRPr/>
             </a:pPr>
-            <a:fld id="{69770EB9-29E9-4F53-B06F-80EF47C0B023}" type="datetimeFigureOut">
+            <a:fld id="{07A0BA62-5EE8-40CE-AD89-247E9D6C743E}" type="datetimeFigureOut">
               <a:rPr lang="zh-CN" altLang="en-US"/>
               <a:pPr>
                 <a:defRPr/>
               </a:pPr>
-              <a:t>2016/5/5</a:t>
+              <a:t>2016/5/6</a:t>
             </a:fld>
             <a:endParaRPr lang="zh-CN" altLang="en-US"/>
           </a:p>
@@ -2845,7 +2845,7 @@
             <a:pPr>
               <a:defRPr/>
             </a:pPr>
-            <a:fld id="{D5C13F12-B29B-4C29-A5F5-DF452B3E46AF}" type="slidenum">
+            <a:fld id="{C156F21A-CD2D-4087-B96B-F7052F80E6DC}" type="slidenum">
               <a:rPr lang="zh-CN" altLang="en-US"/>
               <a:pPr>
                 <a:defRPr/>
@@ -3043,12 +3043,12 @@
             <a:pPr>
               <a:defRPr/>
             </a:pPr>
-            <a:fld id="{2099D896-4ABA-4944-9FB9-1BD4B48C2D62}" type="datetimeFigureOut">
+            <a:fld id="{86ED8413-75B5-4E51-9A23-16E3C9D07FA2}" type="datetimeFigureOut">
               <a:rPr lang="zh-CN" altLang="en-US"/>
               <a:pPr>
                 <a:defRPr/>
               </a:pPr>
-              <a:t>2016/5/5</a:t>
+              <a:t>2016/5/6</a:t>
             </a:fld>
             <a:endParaRPr lang="zh-CN" altLang="en-US"/>
           </a:p>
@@ -3148,7 +3148,7 @@
             <a:pPr>
               <a:defRPr/>
             </a:pPr>
-            <a:fld id="{52343EBC-DFFD-4F90-AC18-0350D2766163}" type="slidenum">
+            <a:fld id="{AC6FEEF2-BE96-4537-B892-C8E4107378E8}" type="slidenum">
               <a:rPr lang="zh-CN" altLang="en-US"/>
               <a:pPr>
                 <a:defRPr/>
@@ -3804,16 +3804,16 @@
       </p:grpSpPr>
       <p:sp>
         <p:nvSpPr>
-          <p:cNvPr id="23554" name="Rectangle 3"/>
+          <p:cNvPr id="41985" name="Title 1"/>
           <p:cNvSpPr txBox="1">
-            <a:spLocks noChangeArrowheads="1"/>
+            <a:spLocks/>
           </p:cNvSpPr>
           <p:nvPr/>
         </p:nvSpPr>
         <p:spPr bwMode="auto">
           <a:xfrm>
-            <a:off x="228600" y="1204913"/>
-            <a:ext cx="8763000" cy="957262"/>
+            <a:off x="457200" y="76200"/>
+            <a:ext cx="8229600" cy="1143000"/>
           </a:xfrm>
           <a:prstGeom prst="rect">
             <a:avLst/>
@@ -3827,6 +3827,50 @@
           </a:ln>
         </p:spPr>
         <p:txBody>
+          <a:bodyPr anchor="ctr"/>
+          <a:lstStyle/>
+          <a:p>
+            <a:r>
+              <a:rPr lang="zh-CN" altLang="en-US" sz="4400">
+                <a:solidFill>
+                  <a:srgbClr val="FF6600"/>
+                </a:solidFill>
+              </a:rPr>
+              <a:t>改进的分层方法</a:t>
+            </a:r>
+            <a:endParaRPr lang="en-US" altLang="zh-CN" sz="4400">
+              <a:solidFill>
+                <a:srgbClr val="FF6600"/>
+              </a:solidFill>
+            </a:endParaRPr>
+          </a:p>
+        </p:txBody>
+      </p:sp>
+      <p:sp>
+        <p:nvSpPr>
+          <p:cNvPr id="41986" name="Rectangle 3"/>
+          <p:cNvSpPr txBox="1">
+            <a:spLocks noChangeArrowheads="1"/>
+          </p:cNvSpPr>
+          <p:nvPr/>
+        </p:nvSpPr>
+        <p:spPr bwMode="auto">
+          <a:xfrm>
+            <a:off x="228600" y="1219200"/>
+            <a:ext cx="8763000" cy="957263"/>
+          </a:xfrm>
+          <a:prstGeom prst="rect">
+            <a:avLst/>
+          </a:prstGeom>
+          <a:noFill/>
+          <a:ln w="9525">
+            <a:noFill/>
+            <a:miter lim="800000"/>
+            <a:headEnd/>
+            <a:tailEnd/>
+          </a:ln>
+        </p:spPr>
+        <p:txBody>
           <a:bodyPr/>
           <a:lstStyle/>
           <a:p>
@@ -3844,7 +3888,43 @@
                 </a:solidFill>
                 <a:latin typeface="宋体" charset="-122"/>
               </a:rPr>
+              <a:t>将芯片分块做两层任务迁移</a:t>
+            </a:r>
+          </a:p>
+          <a:p>
+            <a:pPr marL="742950" lvl="1" indent="-285750">
+              <a:spcBef>
+                <a:spcPct val="20000"/>
+              </a:spcBef>
+              <a:buFont typeface="Arial" charset="0"/>
+              <a:buChar char="–"/>
+            </a:pPr>
+            <a:r>
+              <a:rPr lang="zh-CN" altLang="en-US" sz="2000">
+                <a:solidFill>
+                  <a:schemeClr val="tx2"/>
+                </a:solidFill>
+                <a:latin typeface="宋体" charset="-122"/>
+              </a:rPr>
               <a:t>块内任务迁移</a:t>
+            </a:r>
+          </a:p>
+          <a:p>
+            <a:pPr marL="742950" lvl="1" indent="-285750">
+              <a:spcBef>
+                <a:spcPct val="20000"/>
+              </a:spcBef>
+              <a:buFont typeface="Arial" charset="0"/>
+              <a:buChar char="–"/>
+            </a:pPr>
+            <a:r>
+              <a:rPr lang="zh-CN" altLang="en-US" sz="2000">
+                <a:solidFill>
+                  <a:schemeClr val="tx2"/>
+                </a:solidFill>
+                <a:latin typeface="宋体" charset="-122"/>
+              </a:rPr>
+              <a:t>块间任务迁移</a:t>
             </a:r>
           </a:p>
           <a:p>
@@ -3855,65 +3935,18 @@
               <a:buFont typeface="Arial" charset="0"/>
               <a:buNone/>
             </a:pPr>
-            <a:endParaRPr lang="en-US" altLang="zh-CN" sz="2800">
+            <a:endParaRPr lang="en-US" altLang="zh-CN" sz="2000">
               <a:solidFill>
                 <a:schemeClr val="tx1"/>
               </a:solidFill>
-              <a:latin typeface="Arial" charset="0"/>
-              <a:ea typeface="MS PGothic" pitchFamily="34" charset="-128"/>
+              <a:latin typeface="宋体" charset="-122"/>
             </a:endParaRPr>
-          </a:p>
-        </p:txBody>
-      </p:sp>
-      <p:sp>
-        <p:nvSpPr>
-          <p:cNvPr id="23555" name="Text Box 7"/>
-          <p:cNvSpPr txBox="1">
-            <a:spLocks noChangeArrowheads="1"/>
-          </p:cNvSpPr>
-          <p:nvPr/>
-        </p:nvSpPr>
-        <p:spPr bwMode="auto">
-          <a:xfrm>
-            <a:off x="1666875" y="6246813"/>
-            <a:ext cx="3994150" cy="366712"/>
-          </a:xfrm>
-          <a:prstGeom prst="rect">
-            <a:avLst/>
-          </a:prstGeom>
-          <a:noFill/>
-          <a:ln w="28575" algn="ctr">
-            <a:noFill/>
-            <a:miter lim="800000"/>
-            <a:headEnd/>
-            <a:tailEnd/>
-          </a:ln>
-        </p:spPr>
-        <p:txBody>
-          <a:bodyPr>
-            <a:spAutoFit/>
-          </a:bodyPr>
-          <a:lstStyle/>
-          <a:p>
-            <a:pPr>
-              <a:spcBef>
-                <a:spcPct val="50000"/>
-              </a:spcBef>
-            </a:pPr>
-            <a:r>
-              <a:rPr lang="en-US" altLang="zh-CN">
-                <a:solidFill>
-                  <a:schemeClr val="tx2"/>
-                </a:solidFill>
-              </a:rPr>
-              <a:t>Example of block I (threshold is 3)</a:t>
-            </a:r>
           </a:p>
         </p:txBody>
       </p:sp>
       <p:pic>
         <p:nvPicPr>
-          <p:cNvPr id="23556" name="Picture 8" descr="tu5"/>
+          <p:cNvPr id="41987" name="Picture 5" descr="tu17"/>
           <p:cNvPicPr>
             <a:picLocks noChangeAspect="1" noChangeArrowheads="1"/>
           </p:cNvPicPr>
@@ -3928,8 +3961,8 @@
         </p:blipFill>
         <p:spPr bwMode="auto">
           <a:xfrm>
-            <a:off x="842963" y="1628775"/>
-            <a:ext cx="7843837" cy="4618038"/>
+            <a:off x="2212975" y="2439988"/>
+            <a:ext cx="3848100" cy="3867150"/>
           </a:xfrm>
           <a:prstGeom prst="rect">
             <a:avLst/>
@@ -3943,50 +3976,6 @@
           </a:ln>
         </p:spPr>
       </p:pic>
-      <p:sp>
-        <p:nvSpPr>
-          <p:cNvPr id="23558" name="Title 1"/>
-          <p:cNvSpPr txBox="1">
-            <a:spLocks/>
-          </p:cNvSpPr>
-          <p:nvPr/>
-        </p:nvSpPr>
-        <p:spPr bwMode="auto">
-          <a:xfrm>
-            <a:off x="457200" y="76200"/>
-            <a:ext cx="8229600" cy="1143000"/>
-          </a:xfrm>
-          <a:prstGeom prst="rect">
-            <a:avLst/>
-          </a:prstGeom>
-          <a:noFill/>
-          <a:ln w="9525">
-            <a:noFill/>
-            <a:miter lim="800000"/>
-            <a:headEnd/>
-            <a:tailEnd/>
-          </a:ln>
-        </p:spPr>
-        <p:txBody>
-          <a:bodyPr anchor="ctr"/>
-          <a:lstStyle/>
-          <a:p>
-            <a:r>
-              <a:rPr lang="zh-CN" altLang="en-US" sz="4400">
-                <a:solidFill>
-                  <a:srgbClr val="FF6600"/>
-                </a:solidFill>
-              </a:rPr>
-              <a:t>改进的分层方法</a:t>
-            </a:r>
-            <a:endParaRPr lang="en-US" altLang="zh-CN" sz="4400">
-              <a:solidFill>
-                <a:srgbClr val="FF6600"/>
-              </a:solidFill>
-            </a:endParaRPr>
-          </a:p>
-        </p:txBody>
-      </p:sp>
     </p:spTree>
   </p:cSld>
   <p:clrMapOvr>
@@ -4021,7 +4010,7 @@
       </p:grpSpPr>
       <p:sp>
         <p:nvSpPr>
-          <p:cNvPr id="24578" name="Rectangle 3"/>
+          <p:cNvPr id="43009" name="Rectangle 3"/>
           <p:cNvSpPr txBox="1">
             <a:spLocks noChangeArrowheads="1"/>
           </p:cNvSpPr>
@@ -4029,8 +4018,8 @@
         </p:nvSpPr>
         <p:spPr bwMode="auto">
           <a:xfrm>
-            <a:off x="195263" y="1217613"/>
-            <a:ext cx="8839200" cy="2278062"/>
+            <a:off x="228600" y="1204913"/>
+            <a:ext cx="8763000" cy="957262"/>
           </a:xfrm>
           <a:prstGeom prst="rect">
             <a:avLst/>
@@ -4047,7 +4036,7 @@
           <a:bodyPr/>
           <a:lstStyle/>
           <a:p>
-            <a:pPr marL="342900" lvl="1" indent="-342900">
+            <a:pPr marL="342900" indent="-342900">
               <a:spcBef>
                 <a:spcPct val="20000"/>
               </a:spcBef>
@@ -4061,53 +4050,20 @@
                 </a:solidFill>
                 <a:latin typeface="宋体" charset="-122"/>
               </a:rPr>
-              <a:t>没有匹配上的核可能在块间可以匹配</a:t>
-            </a:r>
-          </a:p>
-          <a:p>
-            <a:pPr marL="342900" lvl="1" indent="-342900">
-              <a:spcBef>
-                <a:spcPct val="20000"/>
-              </a:spcBef>
-              <a:buFont typeface="Arial" charset="0"/>
-              <a:buChar char="•"/>
-            </a:pPr>
-            <a:r>
-              <a:rPr lang="zh-CN" altLang="en-US" sz="2800">
-                <a:solidFill>
-                  <a:schemeClr val="tx2"/>
-                </a:solidFill>
-                <a:latin typeface="宋体" charset="-122"/>
-              </a:rPr>
-              <a:t>将未匹配核集中到一起</a:t>
-            </a:r>
-          </a:p>
-          <a:p>
-            <a:pPr>
+              <a:t>块内任务迁移</a:t>
+            </a:r>
+          </a:p>
+          <a:p>
+            <a:pPr marL="342900" indent="-342900">
               <a:spcBef>
                 <a:spcPct val="20000"/>
               </a:spcBef>
               <a:buFont typeface="Arial" charset="0"/>
               <a:buNone/>
             </a:pPr>
-            <a:endParaRPr lang="en-US" altLang="zh-CN" sz="2400">
+            <a:endParaRPr lang="en-US" altLang="zh-CN" sz="2800">
               <a:solidFill>
                 <a:schemeClr val="tx1"/>
-              </a:solidFill>
-              <a:latin typeface="宋体" charset="-122"/>
-            </a:endParaRPr>
-          </a:p>
-          <a:p>
-            <a:pPr>
-              <a:spcBef>
-                <a:spcPct val="20000"/>
-              </a:spcBef>
-              <a:buFont typeface="Arial" charset="0"/>
-              <a:buChar char="•"/>
-            </a:pPr>
-            <a:endParaRPr lang="en-US" altLang="zh-CN" sz="2400">
-              <a:solidFill>
-                <a:srgbClr val="7F7F7F"/>
               </a:solidFill>
               <a:latin typeface="Arial" charset="0"/>
               <a:ea typeface="MS PGothic" pitchFamily="34" charset="-128"/>
@@ -4115,9 +4071,115 @@
           </a:p>
         </p:txBody>
       </p:sp>
+      <p:sp>
+        <p:nvSpPr>
+          <p:cNvPr id="43010" name="Text Box 7"/>
+          <p:cNvSpPr txBox="1">
+            <a:spLocks noChangeArrowheads="1"/>
+          </p:cNvSpPr>
+          <p:nvPr/>
+        </p:nvSpPr>
+        <p:spPr bwMode="auto">
+          <a:xfrm>
+            <a:off x="1666875" y="6246813"/>
+            <a:ext cx="3994150" cy="366712"/>
+          </a:xfrm>
+          <a:prstGeom prst="rect">
+            <a:avLst/>
+          </a:prstGeom>
+          <a:noFill/>
+          <a:ln w="28575" algn="ctr">
+            <a:noFill/>
+            <a:miter lim="800000"/>
+            <a:headEnd/>
+            <a:tailEnd/>
+          </a:ln>
+        </p:spPr>
+        <p:txBody>
+          <a:bodyPr>
+            <a:spAutoFit/>
+          </a:bodyPr>
+          <a:lstStyle/>
+          <a:p>
+            <a:pPr>
+              <a:spcBef>
+                <a:spcPct val="50000"/>
+              </a:spcBef>
+            </a:pPr>
+            <a:r>
+              <a:rPr lang="zh-CN" altLang="en-US">
+                <a:solidFill>
+                  <a:schemeClr val="tx2"/>
+                </a:solidFill>
+              </a:rPr>
+              <a:t>块</a:t>
+            </a:r>
+            <a:r>
+              <a:rPr lang="en-US" altLang="zh-CN">
+                <a:solidFill>
+                  <a:schemeClr val="tx2"/>
+                </a:solidFill>
+              </a:rPr>
+              <a:t>I</a:t>
+            </a:r>
+            <a:r>
+              <a:rPr lang="zh-CN" altLang="en-US">
+                <a:solidFill>
+                  <a:schemeClr val="tx2"/>
+                </a:solidFill>
+              </a:rPr>
+              <a:t>的例子</a:t>
+            </a:r>
+          </a:p>
+        </p:txBody>
+      </p:sp>
+      <p:sp>
+        <p:nvSpPr>
+          <p:cNvPr id="43012" name="Title 1"/>
+          <p:cNvSpPr txBox="1">
+            <a:spLocks/>
+          </p:cNvSpPr>
+          <p:nvPr/>
+        </p:nvSpPr>
+        <p:spPr bwMode="auto">
+          <a:xfrm>
+            <a:off x="457200" y="76200"/>
+            <a:ext cx="8229600" cy="1143000"/>
+          </a:xfrm>
+          <a:prstGeom prst="rect">
+            <a:avLst/>
+          </a:prstGeom>
+          <a:noFill/>
+          <a:ln w="9525">
+            <a:noFill/>
+            <a:miter lim="800000"/>
+            <a:headEnd/>
+            <a:tailEnd/>
+          </a:ln>
+        </p:spPr>
+        <p:txBody>
+          <a:bodyPr anchor="ctr"/>
+          <a:lstStyle/>
+          <a:p>
+            <a:r>
+              <a:rPr lang="zh-CN" altLang="en-US" sz="4400">
+                <a:solidFill>
+                  <a:srgbClr val="FF6600"/>
+                </a:solidFill>
+              </a:rPr>
+              <a:t>改进的分层方法</a:t>
+            </a:r>
+            <a:endParaRPr lang="en-US" altLang="zh-CN" sz="4400">
+              <a:solidFill>
+                <a:srgbClr val="FF6600"/>
+              </a:solidFill>
+            </a:endParaRPr>
+          </a:p>
+        </p:txBody>
+      </p:sp>
       <p:pic>
         <p:nvPicPr>
-          <p:cNvPr id="24579" name="Picture 5" descr="tu16"/>
+          <p:cNvPr id="43014" name="Picture 6" descr="inblock"/>
           <p:cNvPicPr>
             <a:picLocks noChangeAspect="1" noChangeArrowheads="1"/>
           </p:cNvPicPr>
@@ -4132,65 +4194,15 @@
         </p:blipFill>
         <p:spPr bwMode="auto">
           <a:xfrm>
-            <a:off x="1804988" y="2251075"/>
-            <a:ext cx="4340225" cy="4370388"/>
+            <a:off x="969963" y="2162175"/>
+            <a:ext cx="7470775" cy="3852863"/>
           </a:xfrm>
           <a:prstGeom prst="rect">
             <a:avLst/>
           </a:prstGeom>
           <a:noFill/>
-          <a:ln w="9525">
-            <a:noFill/>
-            <a:miter lim="800000"/>
-            <a:headEnd/>
-            <a:tailEnd/>
-          </a:ln>
         </p:spPr>
       </p:pic>
-      <p:sp>
-        <p:nvSpPr>
-          <p:cNvPr id="24581" name="Title 1"/>
-          <p:cNvSpPr txBox="1">
-            <a:spLocks/>
-          </p:cNvSpPr>
-          <p:nvPr/>
-        </p:nvSpPr>
-        <p:spPr bwMode="auto">
-          <a:xfrm>
-            <a:off x="457200" y="76200"/>
-            <a:ext cx="8229600" cy="1143000"/>
-          </a:xfrm>
-          <a:prstGeom prst="rect">
-            <a:avLst/>
-          </a:prstGeom>
-          <a:noFill/>
-          <a:ln w="9525">
-            <a:noFill/>
-            <a:miter lim="800000"/>
-            <a:headEnd/>
-            <a:tailEnd/>
-          </a:ln>
-        </p:spPr>
-        <p:txBody>
-          <a:bodyPr anchor="ctr"/>
-          <a:lstStyle/>
-          <a:p>
-            <a:r>
-              <a:rPr lang="zh-CN" altLang="en-US" sz="4400">
-                <a:solidFill>
-                  <a:srgbClr val="FF6600"/>
-                </a:solidFill>
-              </a:rPr>
-              <a:t>改进的分层方法</a:t>
-            </a:r>
-            <a:endParaRPr lang="en-US" altLang="zh-CN" sz="4400">
-              <a:solidFill>
-                <a:srgbClr val="FF6600"/>
-              </a:solidFill>
-            </a:endParaRPr>
-          </a:p>
-        </p:txBody>
-      </p:sp>
     </p:spTree>
   </p:cSld>
   <p:clrMapOvr>
@@ -4225,7 +4237,7 @@
       </p:grpSpPr>
       <p:sp>
         <p:nvSpPr>
-          <p:cNvPr id="25602" name="Rectangle 3"/>
+          <p:cNvPr id="44033" name="Rectangle 3"/>
           <p:cNvSpPr txBox="1">
             <a:spLocks noChangeArrowheads="1"/>
           </p:cNvSpPr>
@@ -4234,7 +4246,7 @@
         <p:spPr bwMode="auto">
           <a:xfrm>
             <a:off x="195263" y="1217613"/>
-            <a:ext cx="8839200" cy="1323975"/>
+            <a:ext cx="8839200" cy="2278062"/>
           </a:xfrm>
           <a:prstGeom prst="rect">
             <a:avLst/>
@@ -4265,52 +4277,25 @@
                 </a:solidFill>
                 <a:latin typeface="宋体" charset="-122"/>
               </a:rPr>
-              <a:t>未匹配核的数量可能很大</a:t>
-            </a:r>
-          </a:p>
-          <a:p>
-            <a:pPr marL="1143000" lvl="2" indent="-228600">
+              <a:t>没有匹配上的核可能在块间可以匹配</a:t>
+            </a:r>
+          </a:p>
+          <a:p>
+            <a:pPr marL="342900" lvl="1" indent="-342900">
               <a:spcBef>
                 <a:spcPct val="20000"/>
               </a:spcBef>
               <a:buFont typeface="Arial" charset="0"/>
-              <a:buChar char="–"/>
-            </a:pPr>
-            <a:r>
-              <a:rPr lang="zh-CN" altLang="en-US" sz="2000">
+              <a:buChar char="•"/>
+            </a:pPr>
+            <a:r>
+              <a:rPr lang="zh-CN" altLang="en-US" sz="2800">
                 <a:solidFill>
                   <a:schemeClr val="tx2"/>
                 </a:solidFill>
                 <a:latin typeface="宋体" charset="-122"/>
               </a:rPr>
-              <a:t>如果未匹配核数量很小，直接进行匹配</a:t>
-            </a:r>
-            <a:r>
-              <a:rPr lang="en-US" altLang="zh-CN" sz="2000">
-                <a:solidFill>
-                  <a:schemeClr val="tx2"/>
-                </a:solidFill>
-                <a:latin typeface="宋体" charset="-122"/>
-              </a:rPr>
-              <a:t>.</a:t>
-            </a:r>
-          </a:p>
-          <a:p>
-            <a:pPr marL="1143000" lvl="2" indent="-228600">
-              <a:spcBef>
-                <a:spcPct val="20000"/>
-              </a:spcBef>
-              <a:buFont typeface="Arial" charset="0"/>
-              <a:buChar char="–"/>
-            </a:pPr>
-            <a:r>
-              <a:rPr lang="zh-CN" altLang="en-US" sz="2000">
-                <a:solidFill>
-                  <a:schemeClr val="tx2"/>
-                </a:solidFill>
-                <a:latin typeface="宋体" charset="-122"/>
-              </a:rPr>
-              <a:t>否则用最小割算法将其划分</a:t>
+              <a:t>将未匹配核集中到一起</a:t>
             </a:r>
           </a:p>
           <a:p>
@@ -4321,7 +4306,7 @@
               <a:buFont typeface="Arial" charset="0"/>
               <a:buNone/>
             </a:pPr>
-            <a:endParaRPr lang="en-US" altLang="zh-CN" sz="2000">
+            <a:endParaRPr lang="en-US" altLang="zh-CN" sz="2400">
               <a:solidFill>
                 <a:schemeClr val="tx1"/>
               </a:solidFill>
@@ -4348,46 +4333,51 @@
       </p:sp>
       <p:sp>
         <p:nvSpPr>
-          <p:cNvPr id="25603" name="AutoShape 17"/>
-          <p:cNvSpPr>
-            <a:spLocks noChangeArrowheads="1"/>
+          <p:cNvPr id="44035" name="Title 1"/>
+          <p:cNvSpPr txBox="1">
+            <a:spLocks/>
           </p:cNvSpPr>
           <p:nvPr/>
         </p:nvSpPr>
         <p:spPr bwMode="auto">
           <a:xfrm>
-            <a:off x="4005263" y="3990975"/>
-            <a:ext cx="1133475" cy="538163"/>
-          </a:xfrm>
-          <a:prstGeom prst="rightArrow">
-            <a:avLst>
-              <a:gd name="adj1" fmla="val 50000"/>
-              <a:gd name="adj2" fmla="val 52655"/>
-            </a:avLst>
+            <a:off x="457200" y="76200"/>
+            <a:ext cx="8229600" cy="1143000"/>
+          </a:xfrm>
+          <a:prstGeom prst="rect">
+            <a:avLst/>
           </a:prstGeom>
-          <a:solidFill>
-            <a:schemeClr val="bg1"/>
-          </a:solidFill>
-          <a:ln w="28575" algn="ctr">
-            <a:solidFill>
-              <a:schemeClr val="tx1"/>
-            </a:solidFill>
+          <a:noFill/>
+          <a:ln w="9525">
+            <a:noFill/>
             <a:miter lim="800000"/>
             <a:headEnd/>
             <a:tailEnd/>
           </a:ln>
         </p:spPr>
         <p:txBody>
-          <a:bodyPr wrap="none" anchor="ctr"/>
+          <a:bodyPr anchor="ctr"/>
           <a:lstStyle/>
           <a:p>
-            <a:endParaRPr lang="zh-CN" altLang="en-US"/>
+            <a:r>
+              <a:rPr lang="zh-CN" altLang="en-US" sz="4400">
+                <a:solidFill>
+                  <a:srgbClr val="FF6600"/>
+                </a:solidFill>
+              </a:rPr>
+              <a:t>改进的分层方法</a:t>
+            </a:r>
+            <a:endParaRPr lang="en-US" altLang="zh-CN" sz="4400">
+              <a:solidFill>
+                <a:srgbClr val="FF6600"/>
+              </a:solidFill>
+            </a:endParaRPr>
           </a:p>
         </p:txBody>
       </p:sp>
       <p:pic>
         <p:nvPicPr>
-          <p:cNvPr id="25604" name="Picture 18" descr="tu2"/>
+          <p:cNvPr id="44037" name="Picture 5" descr="left"/>
           <p:cNvPicPr>
             <a:picLocks noChangeAspect="1" noChangeArrowheads="1"/>
           </p:cNvPicPr>
@@ -4402,97 +4392,15 @@
         </p:blipFill>
         <p:spPr bwMode="auto">
           <a:xfrm>
-            <a:off x="5546725" y="2563813"/>
-            <a:ext cx="2843213" cy="4084637"/>
+            <a:off x="2279650" y="2362200"/>
+            <a:ext cx="4475163" cy="4495800"/>
           </a:xfrm>
           <a:prstGeom prst="rect">
             <a:avLst/>
           </a:prstGeom>
           <a:noFill/>
-          <a:ln w="9525">
-            <a:noFill/>
-            <a:miter lim="800000"/>
-            <a:headEnd/>
-            <a:tailEnd/>
-          </a:ln>
         </p:spPr>
       </p:pic>
-      <p:pic>
-        <p:nvPicPr>
-          <p:cNvPr id="25605" name="Picture 19" descr="tu1"/>
-          <p:cNvPicPr>
-            <a:picLocks noChangeAspect="1" noChangeArrowheads="1"/>
-          </p:cNvPicPr>
-          <p:nvPr/>
-        </p:nvPicPr>
-        <p:blipFill>
-          <a:blip r:embed="rId3"/>
-          <a:srcRect/>
-          <a:stretch>
-            <a:fillRect/>
-          </a:stretch>
-        </p:blipFill>
-        <p:spPr bwMode="auto">
-          <a:xfrm>
-            <a:off x="722313" y="2541588"/>
-            <a:ext cx="2889250" cy="4106862"/>
-          </a:xfrm>
-          <a:prstGeom prst="rect">
-            <a:avLst/>
-          </a:prstGeom>
-          <a:noFill/>
-          <a:ln w="9525">
-            <a:noFill/>
-            <a:miter lim="800000"/>
-            <a:headEnd/>
-            <a:tailEnd/>
-          </a:ln>
-        </p:spPr>
-      </p:pic>
-      <p:sp>
-        <p:nvSpPr>
-          <p:cNvPr id="25607" name="Title 1"/>
-          <p:cNvSpPr txBox="1">
-            <a:spLocks/>
-          </p:cNvSpPr>
-          <p:nvPr/>
-        </p:nvSpPr>
-        <p:spPr bwMode="auto">
-          <a:xfrm>
-            <a:off x="457200" y="76200"/>
-            <a:ext cx="8229600" cy="1143000"/>
-          </a:xfrm>
-          <a:prstGeom prst="rect">
-            <a:avLst/>
-          </a:prstGeom>
-          <a:noFill/>
-          <a:ln w="9525">
-            <a:noFill/>
-            <a:miter lim="800000"/>
-            <a:headEnd/>
-            <a:tailEnd/>
-          </a:ln>
-        </p:spPr>
-        <p:txBody>
-          <a:bodyPr anchor="ctr"/>
-          <a:lstStyle/>
-          <a:p>
-            <a:r>
-              <a:rPr lang="zh-CN" altLang="en-US" sz="4400">
-                <a:solidFill>
-                  <a:srgbClr val="FF6600"/>
-                </a:solidFill>
-              </a:rPr>
-              <a:t>改进的分层方法</a:t>
-            </a:r>
-            <a:endParaRPr lang="en-US" altLang="zh-CN" sz="4400">
-              <a:solidFill>
-                <a:srgbClr val="FF6600"/>
-              </a:solidFill>
-            </a:endParaRPr>
-          </a:p>
-        </p:txBody>
-      </p:sp>
     </p:spTree>
   </p:cSld>
   <p:clrMapOvr>
@@ -4527,7 +4435,7 @@
       </p:grpSpPr>
       <p:sp>
         <p:nvSpPr>
-          <p:cNvPr id="26626" name="Rectangle 3"/>
+          <p:cNvPr id="45057" name="Rectangle 3"/>
           <p:cNvSpPr txBox="1">
             <a:spLocks noChangeArrowheads="1"/>
           </p:cNvSpPr>
@@ -4535,8 +4443,8 @@
         </p:nvSpPr>
         <p:spPr bwMode="auto">
           <a:xfrm>
-            <a:off x="650875" y="1217613"/>
-            <a:ext cx="8383588" cy="1323975"/>
+            <a:off x="195263" y="1217613"/>
+            <a:ext cx="8839200" cy="1323975"/>
           </a:xfrm>
           <a:prstGeom prst="rect">
             <a:avLst/>
@@ -4553,6 +4461,69 @@
           <a:bodyPr/>
           <a:lstStyle/>
           <a:p>
+            <a:pPr marL="342900" lvl="1" indent="-342900">
+              <a:spcBef>
+                <a:spcPct val="20000"/>
+              </a:spcBef>
+              <a:buFont typeface="Arial" charset="0"/>
+              <a:buChar char="•"/>
+            </a:pPr>
+            <a:r>
+              <a:rPr lang="zh-CN" altLang="en-US" sz="2800">
+                <a:solidFill>
+                  <a:schemeClr val="tx2"/>
+                </a:solidFill>
+                <a:latin typeface="宋体" charset="-122"/>
+              </a:rPr>
+              <a:t>未匹配核的数量可能很大</a:t>
+            </a:r>
+          </a:p>
+          <a:p>
+            <a:pPr marL="1143000" lvl="2" indent="-228600">
+              <a:spcBef>
+                <a:spcPct val="20000"/>
+              </a:spcBef>
+              <a:buFont typeface="Arial" charset="0"/>
+              <a:buChar char="–"/>
+            </a:pPr>
+            <a:r>
+              <a:rPr lang="zh-CN" altLang="en-US" sz="2000">
+                <a:solidFill>
+                  <a:schemeClr val="tx2"/>
+                </a:solidFill>
+                <a:latin typeface="宋体" charset="-122"/>
+              </a:rPr>
+              <a:t>如果未匹配核数量很小，直接进行匹配</a:t>
+            </a:r>
+            <a:r>
+              <a:rPr lang="en-US" altLang="zh-CN" sz="2000">
+                <a:solidFill>
+                  <a:schemeClr val="tx2"/>
+                </a:solidFill>
+                <a:latin typeface="宋体" charset="-122"/>
+              </a:rPr>
+              <a:t>.</a:t>
+            </a:r>
+          </a:p>
+          <a:p>
+            <a:pPr marL="1143000" lvl="2" indent="-228600">
+              <a:spcBef>
+                <a:spcPct val="20000"/>
+              </a:spcBef>
+              <a:buFont typeface="Arial" charset="0"/>
+              <a:buChar char="–"/>
+            </a:pPr>
+            <a:r>
+              <a:rPr lang="zh-CN" altLang="en-US" sz="2000">
+                <a:solidFill>
+                  <a:schemeClr val="tx2"/>
+                </a:solidFill>
+                <a:latin typeface="宋体" charset="-122"/>
+              </a:rPr>
+              <a:t>否则用最小割算法将其划分，每部分内部匹配</a:t>
+            </a:r>
+          </a:p>
+          <a:p>
             <a:pPr>
               <a:spcBef>
                 <a:spcPct val="20000"/>
@@ -4560,15 +4531,12 @@
               <a:buFont typeface="Arial" charset="0"/>
               <a:buNone/>
             </a:pPr>
-            <a:r>
-              <a:rPr lang="zh-CN" altLang="en-US" sz="2800">
-                <a:solidFill>
-                  <a:schemeClr val="tx2"/>
-                </a:solidFill>
-                <a:latin typeface="Arial" charset="0"/>
-              </a:rPr>
-              <a:t>每部分内部匹配</a:t>
-            </a:r>
+            <a:endParaRPr lang="en-US" altLang="zh-CN" sz="2000">
+              <a:solidFill>
+                <a:schemeClr val="tx1"/>
+              </a:solidFill>
+              <a:latin typeface="宋体" charset="-122"/>
+            </a:endParaRPr>
           </a:p>
           <a:p>
             <a:pPr>
@@ -4578,18 +4546,19 @@
               <a:buFont typeface="Arial" charset="0"/>
               <a:buChar char="•"/>
             </a:pPr>
-            <a:endParaRPr lang="en-US" altLang="zh-CN" sz="2800">
+            <a:endParaRPr lang="en-US" altLang="zh-CN" sz="2400">
               <a:solidFill>
-                <a:schemeClr val="tx1"/>
+                <a:srgbClr val="7F7F7F"/>
               </a:solidFill>
               <a:latin typeface="Arial" charset="0"/>
+              <a:ea typeface="MS PGothic" pitchFamily="34" charset="-128"/>
             </a:endParaRPr>
           </a:p>
         </p:txBody>
       </p:sp>
       <p:sp>
         <p:nvSpPr>
-          <p:cNvPr id="26627" name="AutoShape 6"/>
+          <p:cNvPr id="45058" name="AutoShape 17"/>
           <p:cNvSpPr>
             <a:spLocks noChangeArrowheads="1"/>
           </p:cNvSpPr>
@@ -4626,9 +4595,53 @@
           </a:p>
         </p:txBody>
       </p:sp>
+      <p:sp>
+        <p:nvSpPr>
+          <p:cNvPr id="45061" name="Title 1"/>
+          <p:cNvSpPr txBox="1">
+            <a:spLocks/>
+          </p:cNvSpPr>
+          <p:nvPr/>
+        </p:nvSpPr>
+        <p:spPr bwMode="auto">
+          <a:xfrm>
+            <a:off x="457200" y="76200"/>
+            <a:ext cx="8229600" cy="1143000"/>
+          </a:xfrm>
+          <a:prstGeom prst="rect">
+            <a:avLst/>
+          </a:prstGeom>
+          <a:noFill/>
+          <a:ln w="9525">
+            <a:noFill/>
+            <a:miter lim="800000"/>
+            <a:headEnd/>
+            <a:tailEnd/>
+          </a:ln>
+        </p:spPr>
+        <p:txBody>
+          <a:bodyPr anchor="ctr"/>
+          <a:lstStyle/>
+          <a:p>
+            <a:r>
+              <a:rPr lang="zh-CN" altLang="en-US" sz="4400">
+                <a:solidFill>
+                  <a:srgbClr val="FF6600"/>
+                </a:solidFill>
+              </a:rPr>
+              <a:t>改进的分层方法</a:t>
+            </a:r>
+            <a:endParaRPr lang="en-US" altLang="zh-CN" sz="4400">
+              <a:solidFill>
+                <a:srgbClr val="FF6600"/>
+              </a:solidFill>
+            </a:endParaRPr>
+          </a:p>
+        </p:txBody>
+      </p:sp>
       <p:pic>
         <p:nvPicPr>
-          <p:cNvPr id="26628" name="Picture 9" descr="tu2"/>
+          <p:cNvPr id="45063" name="Picture 7" descr="partion1"/>
           <p:cNvPicPr>
             <a:picLocks noChangeAspect="1" noChangeArrowheads="1"/>
           </p:cNvPicPr>
@@ -4643,24 +4656,18 @@
         </p:blipFill>
         <p:spPr bwMode="auto">
           <a:xfrm>
-            <a:off x="650875" y="2352675"/>
-            <a:ext cx="2843213" cy="4084638"/>
+            <a:off x="982663" y="2486025"/>
+            <a:ext cx="2689225" cy="4086225"/>
           </a:xfrm>
           <a:prstGeom prst="rect">
             <a:avLst/>
           </a:prstGeom>
           <a:noFill/>
-          <a:ln w="9525">
-            <a:noFill/>
-            <a:miter lim="800000"/>
-            <a:headEnd/>
-            <a:tailEnd/>
-          </a:ln>
         </p:spPr>
       </p:pic>
       <p:pic>
         <p:nvPicPr>
-          <p:cNvPr id="26629" name="Picture 10" descr="tu3"/>
+          <p:cNvPr id="45064" name="Picture 8" descr="partion2"/>
           <p:cNvPicPr>
             <a:picLocks noChangeAspect="1" noChangeArrowheads="1"/>
           </p:cNvPicPr>
@@ -4675,65 +4682,15 @@
         </p:blipFill>
         <p:spPr bwMode="auto">
           <a:xfrm>
-            <a:off x="5430838" y="2003425"/>
-            <a:ext cx="2946400" cy="4433888"/>
+            <a:off x="5138738" y="2419350"/>
+            <a:ext cx="2679700" cy="4217988"/>
           </a:xfrm>
           <a:prstGeom prst="rect">
             <a:avLst/>
           </a:prstGeom>
           <a:noFill/>
-          <a:ln w="9525">
-            <a:noFill/>
-            <a:miter lim="800000"/>
-            <a:headEnd/>
-            <a:tailEnd/>
-          </a:ln>
         </p:spPr>
       </p:pic>
-      <p:sp>
-        <p:nvSpPr>
-          <p:cNvPr id="26631" name="Title 1"/>
-          <p:cNvSpPr txBox="1">
-            <a:spLocks/>
-          </p:cNvSpPr>
-          <p:nvPr/>
-        </p:nvSpPr>
-        <p:spPr bwMode="auto">
-          <a:xfrm>
-            <a:off x="457200" y="76200"/>
-            <a:ext cx="8229600" cy="1143000"/>
-          </a:xfrm>
-          <a:prstGeom prst="rect">
-            <a:avLst/>
-          </a:prstGeom>
-          <a:noFill/>
-          <a:ln w="9525">
-            <a:noFill/>
-            <a:miter lim="800000"/>
-            <a:headEnd/>
-            <a:tailEnd/>
-          </a:ln>
-        </p:spPr>
-        <p:txBody>
-          <a:bodyPr anchor="ctr"/>
-          <a:lstStyle/>
-          <a:p>
-            <a:r>
-              <a:rPr lang="zh-CN" altLang="en-US" sz="4400">
-                <a:solidFill>
-                  <a:srgbClr val="FF6600"/>
-                </a:solidFill>
-              </a:rPr>
-              <a:t>改进的分层方法</a:t>
-            </a:r>
-            <a:endParaRPr lang="en-US" altLang="zh-CN" sz="4400">
-              <a:solidFill>
-                <a:srgbClr val="FF6600"/>
-              </a:solidFill>
-            </a:endParaRPr>
-          </a:p>
-        </p:txBody>
-      </p:sp>
     </p:spTree>
   </p:cSld>
   <p:clrMapOvr>
@@ -4768,7 +4725,7 @@
       </p:grpSpPr>
       <p:sp>
         <p:nvSpPr>
-          <p:cNvPr id="27650" name="Rectangle 3"/>
+          <p:cNvPr id="47105" name="Rectangle 3"/>
           <p:cNvSpPr txBox="1">
             <a:spLocks noChangeArrowheads="1"/>
           </p:cNvSpPr>
@@ -4846,9 +4803,53 @@
           </a:p>
         </p:txBody>
       </p:sp>
+      <p:sp>
+        <p:nvSpPr>
+          <p:cNvPr id="47107" name="Title 1"/>
+          <p:cNvSpPr txBox="1">
+            <a:spLocks/>
+          </p:cNvSpPr>
+          <p:nvPr/>
+        </p:nvSpPr>
+        <p:spPr bwMode="auto">
+          <a:xfrm>
+            <a:off x="457200" y="76200"/>
+            <a:ext cx="8229600" cy="1143000"/>
+          </a:xfrm>
+          <a:prstGeom prst="rect">
+            <a:avLst/>
+          </a:prstGeom>
+          <a:noFill/>
+          <a:ln w="9525">
+            <a:noFill/>
+            <a:miter lim="800000"/>
+            <a:headEnd/>
+            <a:tailEnd/>
+          </a:ln>
+        </p:spPr>
+        <p:txBody>
+          <a:bodyPr anchor="ctr"/>
+          <a:lstStyle/>
+          <a:p>
+            <a:r>
+              <a:rPr lang="zh-CN" altLang="en-US" sz="4400">
+                <a:solidFill>
+                  <a:srgbClr val="FF6600"/>
+                </a:solidFill>
+              </a:rPr>
+              <a:t>改进的分层方法</a:t>
+            </a:r>
+            <a:endParaRPr lang="en-US" altLang="zh-CN" sz="4400">
+              <a:solidFill>
+                <a:srgbClr val="FF6600"/>
+              </a:solidFill>
+            </a:endParaRPr>
+          </a:p>
+        </p:txBody>
+      </p:sp>
       <p:pic>
         <p:nvPicPr>
-          <p:cNvPr id="27651" name="Picture 6" descr="DVFSlast"/>
+          <p:cNvPr id="47109" name="Picture 5" descr="lastDVFS"/>
           <p:cNvPicPr>
             <a:picLocks noChangeAspect="1" noChangeArrowheads="1"/>
           </p:cNvPicPr>
@@ -4863,65 +4864,15 @@
         </p:blipFill>
         <p:spPr bwMode="auto">
           <a:xfrm>
-            <a:off x="960438" y="2065338"/>
-            <a:ext cx="6616700" cy="4206875"/>
+            <a:off x="1365250" y="1992313"/>
+            <a:ext cx="6742113" cy="4592637"/>
           </a:xfrm>
           <a:prstGeom prst="rect">
             <a:avLst/>
           </a:prstGeom>
           <a:noFill/>
-          <a:ln w="9525">
-            <a:noFill/>
-            <a:miter lim="800000"/>
-            <a:headEnd/>
-            <a:tailEnd/>
-          </a:ln>
         </p:spPr>
       </p:pic>
-      <p:sp>
-        <p:nvSpPr>
-          <p:cNvPr id="27653" name="Title 1"/>
-          <p:cNvSpPr txBox="1">
-            <a:spLocks/>
-          </p:cNvSpPr>
-          <p:nvPr/>
-        </p:nvSpPr>
-        <p:spPr bwMode="auto">
-          <a:xfrm>
-            <a:off x="457200" y="76200"/>
-            <a:ext cx="8229600" cy="1143000"/>
-          </a:xfrm>
-          <a:prstGeom prst="rect">
-            <a:avLst/>
-          </a:prstGeom>
-          <a:noFill/>
-          <a:ln w="9525">
-            <a:noFill/>
-            <a:miter lim="800000"/>
-            <a:headEnd/>
-            <a:tailEnd/>
-          </a:ln>
-        </p:spPr>
-        <p:txBody>
-          <a:bodyPr anchor="ctr"/>
-          <a:lstStyle/>
-          <a:p>
-            <a:r>
-              <a:rPr lang="zh-CN" altLang="en-US" sz="4400">
-                <a:solidFill>
-                  <a:srgbClr val="FF6600"/>
-                </a:solidFill>
-              </a:rPr>
-              <a:t>改进的分层方法</a:t>
-            </a:r>
-            <a:endParaRPr lang="en-US" altLang="zh-CN" sz="4400">
-              <a:solidFill>
-                <a:srgbClr val="FF6600"/>
-              </a:solidFill>
-            </a:endParaRPr>
-          </a:p>
-        </p:txBody>
-      </p:sp>
     </p:spTree>
   </p:cSld>
   <p:clrMapOvr>
@@ -4956,7 +4907,7 @@
       </p:grpSpPr>
       <p:sp>
         <p:nvSpPr>
-          <p:cNvPr id="28674" name="Rectangle 3"/>
+          <p:cNvPr id="48129" name="Rectangle 3"/>
           <p:cNvSpPr txBox="1">
             <a:spLocks noChangeArrowheads="1"/>
           </p:cNvSpPr>
@@ -5017,9 +4968,53 @@
           </a:p>
         </p:txBody>
       </p:sp>
+      <p:sp>
+        <p:nvSpPr>
+          <p:cNvPr id="48132" name="Title 1"/>
+          <p:cNvSpPr txBox="1">
+            <a:spLocks/>
+          </p:cNvSpPr>
+          <p:nvPr/>
+        </p:nvSpPr>
+        <p:spPr bwMode="auto">
+          <a:xfrm>
+            <a:off x="457200" y="76200"/>
+            <a:ext cx="8229600" cy="1143000"/>
+          </a:xfrm>
+          <a:prstGeom prst="rect">
+            <a:avLst/>
+          </a:prstGeom>
+          <a:noFill/>
+          <a:ln w="9525">
+            <a:noFill/>
+            <a:miter lim="800000"/>
+            <a:headEnd/>
+            <a:tailEnd/>
+          </a:ln>
+        </p:spPr>
+        <p:txBody>
+          <a:bodyPr anchor="ctr"/>
+          <a:lstStyle/>
+          <a:p>
+            <a:r>
+              <a:rPr lang="zh-CN" altLang="en-US" sz="4400">
+                <a:solidFill>
+                  <a:srgbClr val="FF6600"/>
+                </a:solidFill>
+              </a:rPr>
+              <a:t>改进的分层方法</a:t>
+            </a:r>
+            <a:endParaRPr lang="en-US" altLang="zh-CN" sz="4400">
+              <a:solidFill>
+                <a:srgbClr val="FF6600"/>
+              </a:solidFill>
+            </a:endParaRPr>
+          </a:p>
+        </p:txBody>
+      </p:sp>
       <p:pic>
         <p:nvPicPr>
-          <p:cNvPr id="28675" name="Picture 8" descr="tu5"/>
+          <p:cNvPr id="48134" name="Picture 6" descr="inblock"/>
           <p:cNvPicPr>
             <a:picLocks noChangeAspect="1" noChangeArrowheads="1"/>
           </p:cNvPicPr>
@@ -5034,24 +5029,18 @@
         </p:blipFill>
         <p:spPr bwMode="auto">
           <a:xfrm>
-            <a:off x="228600" y="3100388"/>
-            <a:ext cx="4999038" cy="2943225"/>
+            <a:off x="457200" y="3690938"/>
+            <a:ext cx="4672013" cy="2409825"/>
           </a:xfrm>
           <a:prstGeom prst="rect">
             <a:avLst/>
           </a:prstGeom>
           <a:noFill/>
-          <a:ln w="9525">
-            <a:noFill/>
-            <a:miter lim="800000"/>
-            <a:headEnd/>
-            <a:tailEnd/>
-          </a:ln>
         </p:spPr>
       </p:pic>
       <p:pic>
         <p:nvPicPr>
-          <p:cNvPr id="28676" name="Picture 6" descr="partlast"/>
+          <p:cNvPr id="48136" name="Picture 8" descr="lastover"/>
           <p:cNvPicPr>
             <a:picLocks noChangeAspect="1" noChangeArrowheads="1"/>
           </p:cNvPicPr>
@@ -5066,65 +5055,15 @@
         </p:blipFill>
         <p:spPr bwMode="auto">
           <a:xfrm>
-            <a:off x="5780088" y="2176463"/>
-            <a:ext cx="2906712" cy="4284662"/>
+            <a:off x="5868988" y="2176463"/>
+            <a:ext cx="2817812" cy="4430712"/>
           </a:xfrm>
           <a:prstGeom prst="rect">
             <a:avLst/>
           </a:prstGeom>
           <a:noFill/>
-          <a:ln w="9525">
-            <a:noFill/>
-            <a:miter lim="800000"/>
-            <a:headEnd/>
-            <a:tailEnd/>
-          </a:ln>
         </p:spPr>
       </p:pic>
-      <p:sp>
-        <p:nvSpPr>
-          <p:cNvPr id="28678" name="Title 1"/>
-          <p:cNvSpPr txBox="1">
-            <a:spLocks/>
-          </p:cNvSpPr>
-          <p:nvPr/>
-        </p:nvSpPr>
-        <p:spPr bwMode="auto">
-          <a:xfrm>
-            <a:off x="457200" y="76200"/>
-            <a:ext cx="8229600" cy="1143000"/>
-          </a:xfrm>
-          <a:prstGeom prst="rect">
-            <a:avLst/>
-          </a:prstGeom>
-          <a:noFill/>
-          <a:ln w="9525">
-            <a:noFill/>
-            <a:miter lim="800000"/>
-            <a:headEnd/>
-            <a:tailEnd/>
-          </a:ln>
-        </p:spPr>
-        <p:txBody>
-          <a:bodyPr anchor="ctr"/>
-          <a:lstStyle/>
-          <a:p>
-            <a:r>
-              <a:rPr lang="zh-CN" altLang="en-US" sz="4400">
-                <a:solidFill>
-                  <a:srgbClr val="FF6600"/>
-                </a:solidFill>
-              </a:rPr>
-              <a:t>改进的分层方法</a:t>
-            </a:r>
-            <a:endParaRPr lang="en-US" altLang="zh-CN" sz="4400">
-              <a:solidFill>
-                <a:srgbClr val="FF6600"/>
-              </a:solidFill>
-            </a:endParaRPr>
-          </a:p>
-        </p:txBody>
-      </p:sp>
     </p:spTree>
   </p:cSld>
   <p:clrMapOvr>
@@ -5159,7 +5098,7 @@
       </p:grpSpPr>
       <p:sp>
         <p:nvSpPr>
-          <p:cNvPr id="30721" name="Title 1"/>
+          <p:cNvPr id="49153" name="Title 1"/>
           <p:cNvSpPr txBox="1">
             <a:spLocks/>
           </p:cNvSpPr>
@@ -5199,7 +5138,7 @@
       </p:sp>
       <p:sp>
         <p:nvSpPr>
-          <p:cNvPr id="30722" name="Rectangle 3"/>
+          <p:cNvPr id="49154" name="Rectangle 3"/>
           <p:cNvSpPr txBox="1">
             <a:spLocks noChangeArrowheads="1"/>
           </p:cNvSpPr>
@@ -5446,7 +5385,7 @@
       </p:grpSpPr>
       <p:sp>
         <p:nvSpPr>
-          <p:cNvPr id="31745" name="Title 1"/>
+          <p:cNvPr id="50177" name="Title 1"/>
           <p:cNvSpPr txBox="1">
             <a:spLocks/>
           </p:cNvSpPr>
@@ -5485,7 +5424,7 @@
       </p:sp>
       <p:pic>
         <p:nvPicPr>
-          <p:cNvPr id="31746" name="Picture 13" descr="Screenshot-9"/>
+          <p:cNvPr id="50178" name="Picture 13" descr="Screenshot-9"/>
           <p:cNvPicPr>
             <a:picLocks noChangeAspect="1" noChangeArrowheads="1"/>
           </p:cNvPicPr>
@@ -5517,7 +5456,7 @@
       </p:pic>
       <p:pic>
         <p:nvPicPr>
-          <p:cNvPr id="31747" name="Picture 14" descr="Screenshot-6"/>
+          <p:cNvPr id="50179" name="Picture 14" descr="Screenshot-6"/>
           <p:cNvPicPr>
             <a:picLocks noChangeAspect="1" noChangeArrowheads="1"/>
           </p:cNvPicPr>
@@ -5549,7 +5488,7 @@
       </p:pic>
       <p:pic>
         <p:nvPicPr>
-          <p:cNvPr id="31748" name="Picture 15" descr="Screenshot-7"/>
+          <p:cNvPr id="50180" name="Picture 15" descr="Screenshot-7"/>
           <p:cNvPicPr>
             <a:picLocks noChangeAspect="1" noChangeArrowheads="1"/>
           </p:cNvPicPr>
@@ -5581,7 +5520,7 @@
       </p:pic>
       <p:pic>
         <p:nvPicPr>
-          <p:cNvPr id="31749" name="Picture 16" descr="Screenshot-8"/>
+          <p:cNvPr id="50181" name="Picture 16" descr="Screenshot-8"/>
           <p:cNvPicPr>
             <a:picLocks noChangeAspect="1" noChangeArrowheads="1"/>
           </p:cNvPicPr>
@@ -5613,7 +5552,7 @@
       </p:pic>
       <p:sp>
         <p:nvSpPr>
-          <p:cNvPr id="31750" name="Text Box 17"/>
+          <p:cNvPr id="50182" name="Text Box 17"/>
           <p:cNvSpPr txBox="1">
             <a:spLocks noChangeArrowheads="1"/>
           </p:cNvSpPr>
@@ -5659,7 +5598,7 @@
       </p:sp>
       <p:sp>
         <p:nvSpPr>
-          <p:cNvPr id="31751" name="Text Box 18"/>
+          <p:cNvPr id="50183" name="Text Box 18"/>
           <p:cNvSpPr txBox="1">
             <a:spLocks noChangeArrowheads="1"/>
           </p:cNvSpPr>
@@ -5705,7 +5644,7 @@
       </p:sp>
       <p:sp>
         <p:nvSpPr>
-          <p:cNvPr id="31752" name="Text Box 19"/>
+          <p:cNvPr id="50184" name="Text Box 19"/>
           <p:cNvSpPr txBox="1">
             <a:spLocks noChangeArrowheads="1"/>
           </p:cNvSpPr>
@@ -5751,7 +5690,7 @@
       </p:sp>
       <p:sp>
         <p:nvSpPr>
-          <p:cNvPr id="31753" name="Text Box 20"/>
+          <p:cNvPr id="50185" name="Text Box 20"/>
           <p:cNvSpPr txBox="1">
             <a:spLocks noChangeArrowheads="1"/>
           </p:cNvSpPr>
@@ -5829,7 +5768,7 @@
       </p:grpSpPr>
       <p:sp>
         <p:nvSpPr>
-          <p:cNvPr id="32769" name="Title 1"/>
+          <p:cNvPr id="51201" name="Title 1"/>
           <p:cNvSpPr txBox="1">
             <a:spLocks/>
           </p:cNvSpPr>
@@ -5868,7 +5807,7 @@
       </p:sp>
       <p:pic>
         <p:nvPicPr>
-          <p:cNvPr id="32770" name="Picture 4" descr="Screenshot-11"/>
+          <p:cNvPr id="51202" name="Picture 4" descr="Screenshot-11"/>
           <p:cNvPicPr>
             <a:picLocks noChangeAspect="1" noChangeArrowheads="1"/>
           </p:cNvPicPr>
@@ -5900,7 +5839,7 @@
       </p:pic>
       <p:sp>
         <p:nvSpPr>
-          <p:cNvPr id="32771" name="Text Box 10"/>
+          <p:cNvPr id="51203" name="Text Box 10"/>
           <p:cNvSpPr txBox="1">
             <a:spLocks noChangeArrowheads="1"/>
           </p:cNvSpPr>
@@ -6123,7 +6062,7 @@
       </p:grpSpPr>
       <p:sp>
         <p:nvSpPr>
-          <p:cNvPr id="33793" name="Title 1"/>
+          <p:cNvPr id="52225" name="Title 1"/>
           <p:cNvSpPr txBox="1">
             <a:spLocks/>
           </p:cNvSpPr>
@@ -6162,7 +6101,7 @@
       </p:sp>
       <p:pic>
         <p:nvPicPr>
-          <p:cNvPr id="33794" name="Picture 3" descr="Screenshot-12"/>
+          <p:cNvPr id="52226" name="Picture 3" descr="Screenshot-12"/>
           <p:cNvPicPr>
             <a:picLocks noChangeAspect="1" noChangeArrowheads="1"/>
           </p:cNvPicPr>
@@ -6194,7 +6133,7 @@
       </p:pic>
       <p:sp>
         <p:nvSpPr>
-          <p:cNvPr id="33795" name="Text Box 7"/>
+          <p:cNvPr id="52227" name="Text Box 7"/>
           <p:cNvSpPr txBox="1">
             <a:spLocks noChangeArrowheads="1"/>
           </p:cNvSpPr>
@@ -6380,7 +6319,7 @@
       </p:grpSpPr>
       <p:sp>
         <p:nvSpPr>
-          <p:cNvPr id="15361" name="Title 1"/>
+          <p:cNvPr id="14337" name="Title 1"/>
           <p:cNvSpPr txBox="1">
             <a:spLocks/>
           </p:cNvSpPr>
@@ -6419,7 +6358,7 @@
       </p:sp>
       <p:sp>
         <p:nvSpPr>
-          <p:cNvPr id="15362" name="Rectangle 3"/>
+          <p:cNvPr id="14338" name="Rectangle 3"/>
           <p:cNvSpPr txBox="1">
             <a:spLocks noChangeArrowheads="1"/>
           </p:cNvSpPr>
@@ -6498,13 +6437,15 @@
               <a:buFont typeface="Wingdings" pitchFamily="2" charset="2"/>
               <a:buChar char="l"/>
             </a:pPr>
-            <a:endParaRPr lang="en-US" altLang="zh-CN" sz="2000">
-              <a:solidFill>
-                <a:schemeClr val="tx2"/>
-              </a:solidFill>
-              <a:latin typeface="Arial" charset="0"/>
-              <a:ea typeface="MS PGothic" pitchFamily="34" charset="-128"/>
-            </a:endParaRPr>
+            <a:r>
+              <a:rPr lang="zh-CN" altLang="en-US">
+                <a:solidFill>
+                  <a:schemeClr val="tx2"/>
+                </a:solidFill>
+                <a:latin typeface="Times New Roman" pitchFamily="18" charset="0"/>
+              </a:rPr>
+              <a:t>芯片高温或局部高温影响系统可靠性</a:t>
+            </a:r>
           </a:p>
           <a:p>
             <a:pPr marL="742950" lvl="1" indent="-285750" eaLnBrk="0" hangingPunct="0">
@@ -6525,7 +6466,7 @@
                 </a:solidFill>
                 <a:latin typeface="Times New Roman" pitchFamily="18" charset="0"/>
               </a:rPr>
-              <a:t>芯片高温或局部高温影响系统可靠性</a:t>
+              <a:t>高温使静态功耗增加</a:t>
             </a:r>
           </a:p>
           <a:p>
@@ -6547,8 +6488,15 @@
                 </a:solidFill>
                 <a:latin typeface="Times New Roman" pitchFamily="18" charset="0"/>
               </a:rPr>
-              <a:t>高温使静态功耗增加</a:t>
-            </a:r>
+              <a:t>热问题使系统冷却开销很大</a:t>
+            </a:r>
+            <a:endParaRPr lang="en-US" altLang="zh-CN" sz="2000">
+              <a:solidFill>
+                <a:schemeClr val="tx2"/>
+              </a:solidFill>
+              <a:latin typeface="Times New Roman" pitchFamily="18" charset="0"/>
+              <a:ea typeface="MS PGothic" pitchFamily="34" charset="-128"/>
+            </a:endParaRPr>
           </a:p>
           <a:p>
             <a:pPr marL="742950" lvl="1" indent="-285750" eaLnBrk="0" hangingPunct="0">
@@ -6562,20 +6510,11 @@
               <a:buFont typeface="Wingdings" pitchFamily="2" charset="2"/>
               <a:buChar char="l"/>
             </a:pPr>
-            <a:r>
-              <a:rPr lang="zh-CN" altLang="en-US">
-                <a:solidFill>
-                  <a:schemeClr val="tx2"/>
-                </a:solidFill>
-                <a:latin typeface="Times New Roman" pitchFamily="18" charset="0"/>
-              </a:rPr>
-              <a:t>热问题使系统冷却开销很大</a:t>
-            </a:r>
             <a:endParaRPr lang="en-US" altLang="zh-CN" sz="2000">
               <a:solidFill>
                 <a:schemeClr val="tx2"/>
               </a:solidFill>
-              <a:latin typeface="Times New Roman" pitchFamily="18" charset="0"/>
+              <a:latin typeface="Arial" charset="0"/>
               <a:ea typeface="MS PGothic" pitchFamily="34" charset="-128"/>
             </a:endParaRPr>
           </a:p>
@@ -6600,6 +6539,17 @@
             </a:endParaRPr>
           </a:p>
           <a:p>
+            <a:pPr marL="742950" lvl="1" indent="-285750"/>
+            <a:r>
+              <a:rPr lang="en-US" altLang="zh-CN">
+                <a:solidFill>
+                  <a:schemeClr val="tx2"/>
+                </a:solidFill>
+              </a:rPr>
+              <a:t>	</a:t>
+            </a:r>
+          </a:p>
+          <a:p>
             <a:pPr marL="742950" lvl="1" indent="-285750" eaLnBrk="0" hangingPunct="0">
               <a:spcBef>
                 <a:spcPct val="20000"/>
@@ -6619,42 +6569,11 @@
               <a:ea typeface="MS PGothic" pitchFamily="34" charset="-128"/>
             </a:endParaRPr>
           </a:p>
-          <a:p>
-            <a:pPr marL="742950" lvl="1" indent="-285750"/>
-            <a:r>
-              <a:rPr lang="en-US" altLang="zh-CN">
-                <a:solidFill>
-                  <a:schemeClr val="tx2"/>
-                </a:solidFill>
-              </a:rPr>
-              <a:t>	</a:t>
-            </a:r>
-          </a:p>
-          <a:p>
-            <a:pPr marL="742950" lvl="1" indent="-285750" eaLnBrk="0" hangingPunct="0">
-              <a:spcBef>
-                <a:spcPct val="20000"/>
-              </a:spcBef>
-              <a:buClr>
-                <a:schemeClr val="tx2"/>
-              </a:buClr>
-              <a:buSzPct val="70000"/>
-              <a:buFont typeface="Wingdings" pitchFamily="2" charset="2"/>
-              <a:buChar char="l"/>
-            </a:pPr>
-            <a:endParaRPr lang="en-US" altLang="zh-CN" sz="2000">
-              <a:solidFill>
-                <a:schemeClr val="tx2"/>
-              </a:solidFill>
-              <a:latin typeface="Arial" charset="0"/>
-              <a:ea typeface="MS PGothic" pitchFamily="34" charset="-128"/>
-            </a:endParaRPr>
-          </a:p>
-        </p:txBody>
-      </p:sp>
-      <p:sp>
-        <p:nvSpPr>
-          <p:cNvPr id="15363" name="AutoShape 3"/>
+        </p:txBody>
+      </p:sp>
+      <p:sp>
+        <p:nvSpPr>
+          <p:cNvPr id="14339" name="AutoShape 3"/>
           <p:cNvSpPr>
             <a:spLocks noChangeAspect="1" noChangeArrowheads="1" noTextEdit="1"/>
           </p:cNvSpPr>
@@ -6686,7 +6605,7 @@
       </p:sp>
       <p:pic>
         <p:nvPicPr>
-          <p:cNvPr id="15364" name="Picture 2"/>
+          <p:cNvPr id="14340" name="Picture 2"/>
           <p:cNvPicPr>
             <a:picLocks noChangeAspect="1" noChangeArrowheads="1"/>
           </p:cNvPicPr>
@@ -6701,8 +6620,8 @@
         </p:blipFill>
         <p:spPr bwMode="auto">
           <a:xfrm>
-            <a:off x="5407025" y="3779838"/>
-            <a:ext cx="2873375" cy="1874837"/>
+            <a:off x="3603625" y="2852738"/>
+            <a:ext cx="4879975" cy="3184525"/>
           </a:xfrm>
           <a:prstGeom prst="rect">
             <a:avLst/>
@@ -6718,7 +6637,7 @@
       </p:pic>
       <p:sp>
         <p:nvSpPr>
-          <p:cNvPr id="15365" name="TextBox 7"/>
+          <p:cNvPr id="14341" name="TextBox 7"/>
           <p:cNvSpPr txBox="1">
             <a:spLocks noChangeArrowheads="1"/>
           </p:cNvSpPr>
@@ -6793,7 +6712,7 @@
       </p:grpSpPr>
       <p:sp>
         <p:nvSpPr>
-          <p:cNvPr id="34817" name="Title 1"/>
+          <p:cNvPr id="53249" name="Title 1"/>
           <p:cNvSpPr txBox="1">
             <a:spLocks/>
           </p:cNvSpPr>
@@ -6832,7 +6751,7 @@
       </p:sp>
       <p:pic>
         <p:nvPicPr>
-          <p:cNvPr id="34818" name="Picture 5" descr="Screenshot-10"/>
+          <p:cNvPr id="53250" name="Picture 5" descr="Screenshot-10"/>
           <p:cNvPicPr>
             <a:picLocks noChangeAspect="1" noChangeArrowheads="1"/>
           </p:cNvPicPr>
@@ -6864,7 +6783,7 @@
       </p:pic>
       <p:sp>
         <p:nvSpPr>
-          <p:cNvPr id="34819" name="Text Box 9"/>
+          <p:cNvPr id="53251" name="Text Box 9"/>
           <p:cNvSpPr txBox="1">
             <a:spLocks noChangeArrowheads="1"/>
           </p:cNvSpPr>
@@ -7044,7 +6963,7 @@
       </p:grpSpPr>
       <p:sp>
         <p:nvSpPr>
-          <p:cNvPr id="35841" name="Title 1"/>
+          <p:cNvPr id="54273" name="Title 1"/>
           <p:cNvSpPr txBox="1">
             <a:spLocks/>
           </p:cNvSpPr>
@@ -7083,7 +7002,7 @@
       </p:sp>
       <p:sp>
         <p:nvSpPr>
-          <p:cNvPr id="35842" name="Rectangle 3"/>
+          <p:cNvPr id="54274" name="Rectangle 3"/>
           <p:cNvSpPr txBox="1">
             <a:spLocks noChangeArrowheads="1"/>
           </p:cNvSpPr>
@@ -7233,7 +7152,7 @@
       </p:grpSpPr>
       <p:sp>
         <p:nvSpPr>
-          <p:cNvPr id="36865" name="Title 1"/>
+          <p:cNvPr id="55297" name="Title 1"/>
           <p:cNvSpPr txBox="1">
             <a:spLocks/>
           </p:cNvSpPr>
@@ -7305,7 +7224,7 @@
       </p:grpSpPr>
       <p:sp>
         <p:nvSpPr>
-          <p:cNvPr id="16385" name="Title 1"/>
+          <p:cNvPr id="15361" name="Title 1"/>
           <p:cNvSpPr txBox="1">
             <a:spLocks/>
           </p:cNvSpPr>
@@ -7344,7 +7263,7 @@
       </p:sp>
       <p:sp>
         <p:nvSpPr>
-          <p:cNvPr id="16386" name="Rectangle 3"/>
+          <p:cNvPr id="15362" name="Rectangle 3"/>
           <p:cNvSpPr txBox="1">
             <a:spLocks noChangeArrowheads="1"/>
           </p:cNvSpPr>
@@ -7523,7 +7442,7 @@
       </p:sp>
       <p:sp>
         <p:nvSpPr>
-          <p:cNvPr id="16387" name="AutoShape 8"/>
+          <p:cNvPr id="15363" name="AutoShape 8"/>
           <p:cNvSpPr>
             <a:spLocks noChangeArrowheads="1"/>
           </p:cNvSpPr>
@@ -7562,7 +7481,7 @@
       </p:sp>
       <p:sp>
         <p:nvSpPr>
-          <p:cNvPr id="16388" name="Rectangle 3"/>
+          <p:cNvPr id="15364" name="Rectangle 3"/>
           <p:cNvSpPr>
             <a:spLocks noChangeArrowheads="1"/>
           </p:cNvSpPr>
@@ -7663,7 +7582,7 @@
       </p:sp>
       <p:pic>
         <p:nvPicPr>
-          <p:cNvPr id="16389" name="Picture 8" descr="tu12"/>
+          <p:cNvPr id="15365" name="Picture 8" descr="tu12"/>
           <p:cNvPicPr>
             <a:picLocks noChangeAspect="1" noChangeArrowheads="1"/>
           </p:cNvPicPr>
@@ -7695,7 +7614,7 @@
       </p:pic>
       <p:pic>
         <p:nvPicPr>
-          <p:cNvPr id="16390" name="Picture 9" descr="tu11"/>
+          <p:cNvPr id="15366" name="Picture 9" descr="tu11"/>
           <p:cNvPicPr>
             <a:picLocks noChangeAspect="1" noChangeArrowheads="1"/>
           </p:cNvPicPr>
@@ -7759,7 +7678,7 @@
       </p:grpSpPr>
       <p:sp>
         <p:nvSpPr>
-          <p:cNvPr id="17409" name="Title 1"/>
+          <p:cNvPr id="16385" name="Title 1"/>
           <p:cNvSpPr txBox="1">
             <a:spLocks/>
           </p:cNvSpPr>
@@ -7803,7 +7722,7 @@
       </p:sp>
       <p:sp>
         <p:nvSpPr>
-          <p:cNvPr id="17410" name="Rectangle 3"/>
+          <p:cNvPr id="16386" name="Rectangle 3"/>
           <p:cNvSpPr txBox="1">
             <a:spLocks noChangeArrowheads="1"/>
           </p:cNvSpPr>
@@ -7925,7 +7844,7 @@
       </p:sp>
       <p:sp>
         <p:nvSpPr>
-          <p:cNvPr id="17411" name="AutoShape 6"/>
+          <p:cNvPr id="16387" name="AutoShape 6"/>
           <p:cNvSpPr>
             <a:spLocks noChangeArrowheads="1"/>
           </p:cNvSpPr>
@@ -7964,7 +7883,7 @@
       </p:sp>
       <p:sp>
         <p:nvSpPr>
-          <p:cNvPr id="17412" name="Text Box 10"/>
+          <p:cNvPr id="16388" name="Text Box 10"/>
           <p:cNvSpPr txBox="1">
             <a:spLocks noChangeArrowheads="1"/>
           </p:cNvSpPr>
@@ -8010,7 +7929,7 @@
       </p:sp>
       <p:pic>
         <p:nvPicPr>
-          <p:cNvPr id="17413" name="Picture 8" descr="tu14"/>
+          <p:cNvPr id="16389" name="Picture 8" descr="tu14"/>
           <p:cNvPicPr>
             <a:picLocks noChangeAspect="1" noChangeArrowheads="1"/>
           </p:cNvPicPr>
@@ -8042,7 +7961,7 @@
       </p:pic>
       <p:pic>
         <p:nvPicPr>
-          <p:cNvPr id="17414" name="Picture 9" descr="tu13"/>
+          <p:cNvPr id="16390" name="Picture 9" descr="tu13"/>
           <p:cNvPicPr>
             <a:picLocks noChangeAspect="1" noChangeArrowheads="1"/>
           </p:cNvPicPr>
@@ -8106,7 +8025,7 @@
       </p:grpSpPr>
       <p:sp>
         <p:nvSpPr>
-          <p:cNvPr id="37890" name="Title 1"/>
+          <p:cNvPr id="37910" name="Title 1"/>
           <p:cNvSpPr txBox="1">
             <a:spLocks/>
           </p:cNvSpPr>
@@ -8150,7 +8069,7 @@
       </p:sp>
       <p:sp>
         <p:nvSpPr>
-          <p:cNvPr id="37899" name="Text Box 11"/>
+          <p:cNvPr id="37911" name="Text Box 11"/>
           <p:cNvSpPr txBox="1">
             <a:spLocks noChangeArrowheads="1"/>
           </p:cNvSpPr>
@@ -8171,7 +8090,6 @@
             <a:headEnd/>
             <a:tailEnd/>
           </a:ln>
-          <a:effectLst/>
         </p:spPr>
         <p:txBody>
           <a:bodyPr>
@@ -8257,7 +8175,7 @@
       </p:sp>
       <p:pic>
         <p:nvPicPr>
-          <p:cNvPr id="37900" name="Picture 12" descr="thermalmodel"/>
+          <p:cNvPr id="37912" name="Picture 12" descr="thermalmodel"/>
           <p:cNvPicPr>
             <a:picLocks noChangeAspect="1" noChangeArrowheads="1"/>
           </p:cNvPicPr>
@@ -8279,6 +8197,12 @@
             <a:avLst/>
           </a:prstGeom>
           <a:noFill/>
+          <a:ln w="9525">
+            <a:noFill/>
+            <a:miter lim="800000"/>
+            <a:headEnd/>
+            <a:tailEnd/>
+          </a:ln>
         </p:spPr>
       </p:pic>
       <p:graphicFrame>
@@ -8455,7 +8379,7 @@
       </p:grpSpPr>
       <p:sp>
         <p:nvSpPr>
-          <p:cNvPr id="18433" name="Rectangle 2"/>
+          <p:cNvPr id="38913" name="Rectangle 2"/>
           <p:cNvSpPr>
             <a:spLocks noGrp="1"/>
           </p:cNvSpPr>
@@ -8482,7 +8406,7 @@
       </p:sp>
       <p:sp>
         <p:nvSpPr>
-          <p:cNvPr id="18434" name="Rectangle 3"/>
+          <p:cNvPr id="38914" name="Rectangle 3"/>
           <p:cNvSpPr>
             <a:spLocks noGrp="1"/>
           </p:cNvSpPr>
@@ -8575,7 +8499,7 @@
       </p:sp>
       <p:sp>
         <p:nvSpPr>
-          <p:cNvPr id="18435" name="Line 4"/>
+          <p:cNvPr id="38915" name="Line 4"/>
           <p:cNvSpPr>
             <a:spLocks noChangeShapeType="1"/>
           </p:cNvSpPr>
@@ -8609,7 +8533,7 @@
       </p:sp>
       <p:sp>
         <p:nvSpPr>
-          <p:cNvPr id="18436" name="Line 10"/>
+          <p:cNvPr id="38916" name="Line 10"/>
           <p:cNvSpPr>
             <a:spLocks noChangeShapeType="1"/>
           </p:cNvSpPr>
@@ -8643,7 +8567,7 @@
       </p:sp>
       <p:sp>
         <p:nvSpPr>
-          <p:cNvPr id="18437" name="Text Box 11"/>
+          <p:cNvPr id="38917" name="Text Box 11"/>
           <p:cNvSpPr txBox="1">
             <a:spLocks noChangeArrowheads="1"/>
           </p:cNvSpPr>
@@ -8690,7 +8614,7 @@
       </p:sp>
       <p:sp>
         <p:nvSpPr>
-          <p:cNvPr id="18438" name="Text Box 15"/>
+          <p:cNvPr id="38918" name="Text Box 15"/>
           <p:cNvSpPr txBox="1">
             <a:spLocks noChangeArrowheads="1"/>
           </p:cNvSpPr>
@@ -8737,7 +8661,7 @@
       </p:sp>
       <p:sp>
         <p:nvSpPr>
-          <p:cNvPr id="18439" name="Text Box 16"/>
+          <p:cNvPr id="38919" name="Text Box 16"/>
           <p:cNvSpPr txBox="1">
             <a:spLocks noChangeArrowheads="1"/>
           </p:cNvSpPr>
@@ -8952,7 +8876,7 @@
       </p:sp>
       <p:pic>
         <p:nvPicPr>
-          <p:cNvPr id="18442" name="Picture 31" descr="tu7"/>
+          <p:cNvPr id="38922" name="Picture 31" descr="tu7"/>
           <p:cNvPicPr>
             <a:picLocks noChangeAspect="1" noChangeArrowheads="1"/>
           </p:cNvPicPr>
@@ -8984,7 +8908,7 @@
       </p:pic>
       <p:pic>
         <p:nvPicPr>
-          <p:cNvPr id="18443" name="Picture 32" descr="tu6"/>
+          <p:cNvPr id="38923" name="Picture 32" descr="tu6"/>
           <p:cNvPicPr>
             <a:picLocks noChangeAspect="1" noChangeArrowheads="1"/>
           </p:cNvPicPr>
@@ -9016,7 +8940,7 @@
       </p:pic>
       <p:pic>
         <p:nvPicPr>
-          <p:cNvPr id="18444" name="Picture 15" descr="tu11"/>
+          <p:cNvPr id="38924" name="Picture 15" descr="tu11"/>
           <p:cNvPicPr>
             <a:picLocks noChangeAspect="1" noChangeArrowheads="1"/>
           </p:cNvPicPr>
@@ -9048,7 +8972,7 @@
       </p:pic>
       <p:pic>
         <p:nvPicPr>
-          <p:cNvPr id="18445" name="Picture 16" descr="tu15"/>
+          <p:cNvPr id="38925" name="Picture 16" descr="tu15"/>
           <p:cNvPicPr>
             <a:picLocks noChangeAspect="1" noChangeArrowheads="1"/>
           </p:cNvPicPr>
@@ -9080,7 +9004,7 @@
       </p:pic>
       <p:sp>
         <p:nvSpPr>
-          <p:cNvPr id="18446" name="Text Box 15"/>
+          <p:cNvPr id="38926" name="Text Box 15"/>
           <p:cNvSpPr txBox="1">
             <a:spLocks noChangeArrowheads="1"/>
           </p:cNvSpPr>
@@ -9350,7 +9274,7 @@
       </p:grpSpPr>
       <p:sp>
         <p:nvSpPr>
-          <p:cNvPr id="19457" name="Rectangle 2"/>
+          <p:cNvPr id="39937" name="Rectangle 2"/>
           <p:cNvSpPr>
             <a:spLocks noGrp="1"/>
           </p:cNvSpPr>
@@ -9377,7 +9301,7 @@
       </p:sp>
       <p:sp>
         <p:nvSpPr>
-          <p:cNvPr id="19458" name="Rectangle 3"/>
+          <p:cNvPr id="39938" name="Rectangle 3"/>
           <p:cNvSpPr>
             <a:spLocks noGrp="1"/>
           </p:cNvSpPr>
@@ -9395,11 +9319,7 @@
           <a:bodyPr/>
           <a:lstStyle/>
           <a:p>
-            <a:pPr eaLnBrk="1" hangingPunct="1">
-              <a:lnSpc>
-                <a:spcPct val="80000"/>
-              </a:lnSpc>
-            </a:pPr>
+            <a:pPr eaLnBrk="1" hangingPunct="1"/>
             <a:r>
               <a:rPr lang="zh-CN" altLang="en-US" sz="2400" smtClean="0">
                 <a:solidFill>
@@ -9407,284 +9327,14 @@
                 </a:solidFill>
                 <a:latin typeface="宋体" charset="-122"/>
               </a:rPr>
-              <a:t>模型预测控制方法结合任务迁移和</a:t>
-            </a:r>
-            <a:r>
-              <a:rPr lang="en-US" altLang="zh-CN" sz="2400" smtClean="0">
-                <a:solidFill>
-                  <a:schemeClr val="tx2"/>
-                </a:solidFill>
-                <a:latin typeface="宋体" charset="-122"/>
-              </a:rPr>
-              <a:t>DVFS</a:t>
-            </a:r>
-          </a:p>
-          <a:p>
-            <a:pPr lvl="1" eaLnBrk="1" hangingPunct="1">
-              <a:lnSpc>
-                <a:spcPct val="80000"/>
-              </a:lnSpc>
-            </a:pPr>
-            <a:r>
-              <a:rPr lang="zh-CN" altLang="en-US" sz="2000" smtClean="0">
-                <a:solidFill>
-                  <a:schemeClr val="tx2"/>
-                </a:solidFill>
-                <a:latin typeface="宋体" charset="-122"/>
-              </a:rPr>
-              <a:t>匈牙利算法：分配任务到正确的核（一定阈值下的二部图匹配）</a:t>
-            </a:r>
-          </a:p>
-          <a:p>
-            <a:pPr lvl="1" eaLnBrk="1" hangingPunct="1">
-              <a:lnSpc>
-                <a:spcPct val="80000"/>
-              </a:lnSpc>
-            </a:pPr>
-            <a:r>
-              <a:rPr lang="en-US" altLang="zh-CN" sz="2000" smtClean="0">
-                <a:solidFill>
-                  <a:schemeClr val="tx2"/>
-                </a:solidFill>
-                <a:latin typeface="宋体" charset="-122"/>
-              </a:rPr>
-              <a:t>DVFS</a:t>
-            </a:r>
-            <a:r>
-              <a:rPr lang="zh-CN" altLang="en-US" sz="2000" smtClean="0">
-                <a:solidFill>
-                  <a:schemeClr val="tx2"/>
-                </a:solidFill>
-                <a:latin typeface="宋体" charset="-122"/>
-              </a:rPr>
-              <a:t>保证匹配不上的核在安全温度以下</a:t>
-            </a:r>
-          </a:p>
-        </p:txBody>
-      </p:sp>
-      <p:pic>
-        <p:nvPicPr>
-          <p:cNvPr id="19463" name="Picture 7" descr="match1"/>
-          <p:cNvPicPr>
-            <a:picLocks noChangeAspect="1" noChangeArrowheads="1"/>
-          </p:cNvPicPr>
-          <p:nvPr/>
-        </p:nvPicPr>
-        <p:blipFill>
-          <a:blip r:embed="rId2"/>
-          <a:srcRect/>
-          <a:stretch>
-            <a:fillRect/>
-          </a:stretch>
-        </p:blipFill>
-        <p:spPr bwMode="auto">
-          <a:xfrm>
-            <a:off x="1106488" y="2655888"/>
-            <a:ext cx="2571750" cy="3167062"/>
-          </a:xfrm>
-          <a:prstGeom prst="rect">
-            <a:avLst/>
-          </a:prstGeom>
-          <a:noFill/>
-        </p:spPr>
-      </p:pic>
-      <p:pic>
-        <p:nvPicPr>
-          <p:cNvPr id="19464" name="Picture 8" descr="match2"/>
-          <p:cNvPicPr>
-            <a:picLocks noChangeAspect="1" noChangeArrowheads="1"/>
-          </p:cNvPicPr>
-          <p:nvPr/>
-        </p:nvPicPr>
-        <p:blipFill>
-          <a:blip r:embed="rId3"/>
-          <a:srcRect/>
-          <a:stretch>
-            <a:fillRect/>
-          </a:stretch>
-        </p:blipFill>
-        <p:spPr bwMode="auto">
-          <a:xfrm>
-            <a:off x="5691188" y="2655888"/>
-            <a:ext cx="2565400" cy="3167062"/>
-          </a:xfrm>
-          <a:prstGeom prst="rect">
-            <a:avLst/>
-          </a:prstGeom>
-          <a:noFill/>
-        </p:spPr>
-      </p:pic>
-      <p:sp>
-        <p:nvSpPr>
-          <p:cNvPr id="19465" name="Text Box 9"/>
-          <p:cNvSpPr txBox="1">
-            <a:spLocks noChangeArrowheads="1"/>
-          </p:cNvSpPr>
-          <p:nvPr/>
-        </p:nvSpPr>
-        <p:spPr bwMode="auto">
-          <a:xfrm>
-            <a:off x="1106488" y="6005513"/>
-            <a:ext cx="2865437" cy="366712"/>
-          </a:xfrm>
-          <a:prstGeom prst="rect">
-            <a:avLst/>
-          </a:prstGeom>
-          <a:noFill/>
-          <a:ln w="9525">
-            <a:noFill/>
-            <a:miter lim="800000"/>
-            <a:headEnd/>
-            <a:tailEnd/>
-          </a:ln>
-          <a:effectLst/>
-        </p:spPr>
-        <p:txBody>
-          <a:bodyPr>
-            <a:spAutoFit/>
-          </a:bodyPr>
-          <a:lstStyle/>
-          <a:p>
-            <a:pPr defTabSz="914400">
-              <a:spcBef>
-                <a:spcPct val="50000"/>
-              </a:spcBef>
-            </a:pPr>
-            <a:r>
-              <a:rPr lang="zh-CN" altLang="en-US"/>
-              <a:t>匹配前设定匹配阈值为</a:t>
-            </a:r>
-            <a:r>
-              <a:rPr lang="en-US" altLang="zh-CN"/>
-              <a:t>3</a:t>
-            </a:r>
-          </a:p>
-        </p:txBody>
-      </p:sp>
-      <p:sp>
-        <p:nvSpPr>
-          <p:cNvPr id="19466" name="Text Box 10"/>
-          <p:cNvSpPr txBox="1">
-            <a:spLocks noChangeArrowheads="1"/>
-          </p:cNvSpPr>
-          <p:nvPr/>
-        </p:nvSpPr>
-        <p:spPr bwMode="auto">
-          <a:xfrm>
-            <a:off x="6388100" y="6005513"/>
-            <a:ext cx="1160463" cy="366712"/>
-          </a:xfrm>
-          <a:prstGeom prst="rect">
-            <a:avLst/>
-          </a:prstGeom>
-          <a:noFill/>
-          <a:ln w="9525">
-            <a:noFill/>
-            <a:miter lim="800000"/>
-            <a:headEnd/>
-            <a:tailEnd/>
-          </a:ln>
-          <a:effectLst/>
-        </p:spPr>
-        <p:txBody>
-          <a:bodyPr>
-            <a:spAutoFit/>
-          </a:bodyPr>
-          <a:lstStyle/>
-          <a:p>
-            <a:pPr>
-              <a:spcBef>
-                <a:spcPct val="50000"/>
-              </a:spcBef>
-            </a:pPr>
-            <a:r>
-              <a:rPr lang="zh-CN" altLang="en-US"/>
-              <a:t>匹配后</a:t>
-            </a:r>
-            <a:endParaRPr lang="en-US" altLang="zh-CN"/>
-          </a:p>
-        </p:txBody>
-      </p:sp>
-      <p:sp>
-        <p:nvSpPr>
-          <p:cNvPr id="19467" name="AutoShape 6"/>
-          <p:cNvSpPr>
-            <a:spLocks noChangeArrowheads="1"/>
-          </p:cNvSpPr>
-          <p:nvPr/>
-        </p:nvSpPr>
-        <p:spPr bwMode="auto">
-          <a:xfrm>
-            <a:off x="4149725" y="3913188"/>
-            <a:ext cx="1143000" cy="523875"/>
-          </a:xfrm>
-          <a:prstGeom prst="rightArrow">
-            <a:avLst>
-              <a:gd name="adj1" fmla="val 50000"/>
-              <a:gd name="adj2" fmla="val 54545"/>
-            </a:avLst>
-          </a:prstGeom>
-          <a:solidFill>
-            <a:schemeClr val="bg1"/>
-          </a:solidFill>
-          <a:ln w="9525">
-            <a:solidFill>
-              <a:schemeClr val="tx1"/>
-            </a:solidFill>
-            <a:miter lim="800000"/>
-            <a:headEnd/>
-            <a:tailEnd/>
-          </a:ln>
-        </p:spPr>
-        <p:txBody>
-          <a:bodyPr wrap="none" anchor="ctr"/>
-          <a:lstStyle/>
-          <a:p>
-            <a:endParaRPr lang="zh-CN" altLang="en-US"/>
-          </a:p>
-        </p:txBody>
-      </p:sp>
-      <p:sp>
-        <p:nvSpPr>
-          <p:cNvPr id="19468" name="Text Box 12"/>
-          <p:cNvSpPr txBox="1">
-            <a:spLocks noChangeArrowheads="1"/>
-          </p:cNvSpPr>
-          <p:nvPr/>
-        </p:nvSpPr>
-        <p:spPr bwMode="auto">
-          <a:xfrm>
-            <a:off x="3971925" y="3271838"/>
-            <a:ext cx="1614488" cy="641350"/>
-          </a:xfrm>
-          <a:prstGeom prst="rect">
-            <a:avLst/>
-          </a:prstGeom>
-          <a:noFill/>
-          <a:ln w="9525">
-            <a:noFill/>
-            <a:miter lim="800000"/>
-            <a:headEnd/>
-            <a:tailEnd/>
-          </a:ln>
-          <a:effectLst/>
-        </p:spPr>
-        <p:txBody>
-          <a:bodyPr>
-            <a:spAutoFit/>
-          </a:bodyPr>
-          <a:lstStyle/>
-          <a:p>
-            <a:pPr>
-              <a:spcBef>
-                <a:spcPct val="50000"/>
-              </a:spcBef>
-            </a:pPr>
-            <a:r>
-              <a:rPr lang="zh-CN" altLang="en-US"/>
-              <a:t>利用匈牙利算法匹配</a:t>
-            </a:r>
-            <a:endParaRPr lang="en-US" altLang="zh-CN"/>
+              <a:t>新的动态温度管理方法流程</a:t>
+            </a:r>
+            <a:endParaRPr lang="en-US" altLang="zh-CN" sz="2400" smtClean="0">
+              <a:solidFill>
+                <a:schemeClr val="tx2"/>
+              </a:solidFill>
+              <a:latin typeface="宋体" charset="-122"/>
+            </a:endParaRPr>
           </a:p>
         </p:txBody>
       </p:sp>
@@ -9722,12 +9372,12 @@
       </p:grpSpPr>
       <p:sp>
         <p:nvSpPr>
-          <p:cNvPr id="20481" name="Rectangle 2"/>
+          <p:cNvPr id="56322" name="Rectangle 2"/>
           <p:cNvSpPr>
             <a:spLocks noGrp="1"/>
           </p:cNvSpPr>
           <p:nvPr>
-            <p:ph type="title"/>
+            <p:ph type="title" idx="4294967295"/>
           </p:nvPr>
         </p:nvSpPr>
         <p:spPr/>
@@ -9749,12 +9399,12 @@
       </p:sp>
       <p:sp>
         <p:nvSpPr>
-          <p:cNvPr id="20482" name="Rectangle 3"/>
+          <p:cNvPr id="56323" name="Rectangle 3"/>
           <p:cNvSpPr>
             <a:spLocks noGrp="1"/>
           </p:cNvSpPr>
           <p:nvPr>
-            <p:ph type="body" idx="1"/>
+            <p:ph type="body" idx="4294967295"/>
           </p:nvPr>
         </p:nvSpPr>
         <p:spPr>
@@ -9767,99 +9417,76 @@
           <a:bodyPr/>
           <a:lstStyle/>
           <a:p>
-            <a:pPr eaLnBrk="1" hangingPunct="1"/>
-            <a:r>
-              <a:rPr lang="zh-CN" altLang="en-US" sz="2800" smtClean="0">
+            <a:pPr eaLnBrk="1" hangingPunct="1">
+              <a:lnSpc>
+                <a:spcPct val="80000"/>
+              </a:lnSpc>
+            </a:pPr>
+            <a:r>
+              <a:rPr lang="zh-CN" altLang="en-US" sz="2400" smtClean="0">
                 <a:solidFill>
                   <a:schemeClr val="tx2"/>
                 </a:solidFill>
                 <a:latin typeface="宋体" charset="-122"/>
               </a:rPr>
-              <a:t>算法运算时间的问题 </a:t>
-            </a:r>
-          </a:p>
-          <a:p>
-            <a:pPr lvl="1" eaLnBrk="1" hangingPunct="1"/>
+              <a:t>模型预测控制方法结合任务迁移和</a:t>
+            </a:r>
+            <a:r>
+              <a:rPr lang="en-US" altLang="zh-CN" sz="2400" smtClean="0">
+                <a:solidFill>
+                  <a:schemeClr val="tx2"/>
+                </a:solidFill>
+                <a:latin typeface="Times New Roman" pitchFamily="18" charset="0"/>
+              </a:rPr>
+              <a:t>DVFS</a:t>
+            </a:r>
+          </a:p>
+          <a:p>
+            <a:pPr lvl="1" eaLnBrk="1" hangingPunct="1">
+              <a:lnSpc>
+                <a:spcPct val="80000"/>
+              </a:lnSpc>
+            </a:pPr>
             <a:r>
               <a:rPr lang="zh-CN" altLang="en-US" sz="2000" smtClean="0">
                 <a:solidFill>
                   <a:schemeClr val="tx2"/>
                 </a:solidFill>
-                <a:latin typeface="Arial" charset="0"/>
-              </a:rPr>
-              <a:t>随着核数增长，任务迁移决策的计算需要太多时间</a:t>
-            </a:r>
-            <a:endParaRPr lang="en-US" altLang="zh-CN" sz="2000" smtClean="0">
-              <a:solidFill>
-                <a:schemeClr val="tx2"/>
-              </a:solidFill>
-              <a:latin typeface="Arial" charset="0"/>
-            </a:endParaRPr>
-          </a:p>
-          <a:p>
-            <a:endParaRPr lang="zh-CN" altLang="en-US" sz="2000" smtClean="0">
-              <a:latin typeface="Arial" charset="0"/>
-            </a:endParaRPr>
-          </a:p>
-        </p:txBody>
-      </p:sp>
-      <p:sp>
-        <p:nvSpPr>
-          <p:cNvPr id="20483" name="Text Box 8"/>
-          <p:cNvSpPr txBox="1">
-            <a:spLocks noChangeArrowheads="1"/>
-          </p:cNvSpPr>
-          <p:nvPr/>
-        </p:nvSpPr>
-        <p:spPr bwMode="auto">
-          <a:xfrm>
-            <a:off x="2962275" y="6299200"/>
-            <a:ext cx="3989388" cy="366713"/>
-          </a:xfrm>
-          <a:prstGeom prst="rect">
-            <a:avLst/>
-          </a:prstGeom>
-          <a:noFill/>
-          <a:ln w="28575" algn="ctr">
-            <a:noFill/>
-            <a:miter lim="800000"/>
-            <a:headEnd/>
-            <a:tailEnd/>
-          </a:ln>
-        </p:spPr>
-        <p:txBody>
-          <a:bodyPr>
-            <a:spAutoFit/>
-          </a:bodyPr>
-          <a:lstStyle/>
-          <a:p>
-            <a:pPr>
-              <a:spcBef>
-                <a:spcPct val="50000"/>
-              </a:spcBef>
-            </a:pPr>
-            <a:r>
-              <a:rPr lang="en-US" altLang="zh-CN">
+                <a:latin typeface="宋体" charset="-122"/>
+              </a:rPr>
+              <a:t>匈牙利算法：分配任务到正确的核（一定阈值下的二部图匹配）</a:t>
+            </a:r>
+          </a:p>
+          <a:p>
+            <a:pPr lvl="1" eaLnBrk="1" hangingPunct="1">
+              <a:lnSpc>
+                <a:spcPct val="80000"/>
+              </a:lnSpc>
+            </a:pPr>
+            <a:r>
+              <a:rPr lang="en-US" altLang="zh-CN" sz="2000" smtClean="0">
                 <a:solidFill>
                   <a:schemeClr val="tx2"/>
                 </a:solidFill>
-              </a:rPr>
-              <a:t>100</a:t>
-            </a:r>
-            <a:r>
-              <a:rPr lang="zh-CN" altLang="en-US">
+                <a:latin typeface="宋体" charset="-122"/>
+              </a:rPr>
+              <a:t>DVFS</a:t>
+            </a:r>
+            <a:r>
+              <a:rPr lang="zh-CN" altLang="en-US" sz="2000" smtClean="0">
                 <a:solidFill>
                   <a:schemeClr val="tx2"/>
                 </a:solidFill>
-              </a:rPr>
-              <a:t>核芯片的例子</a:t>
+                <a:latin typeface="宋体" charset="-122"/>
+              </a:rPr>
+              <a:t>保证匹配不上的核在安全温度以下</a:t>
             </a:r>
           </a:p>
         </p:txBody>
       </p:sp>
       <p:pic>
         <p:nvPicPr>
-          <p:cNvPr id="20484" name="Picture 7" descr="tu18"/>
+          <p:cNvPr id="56324" name="Picture 7" descr="match1"/>
           <p:cNvPicPr>
             <a:picLocks noChangeAspect="1" noChangeArrowheads="1"/>
           </p:cNvPicPr>
@@ -9874,8 +9501,8 @@
         </p:blipFill>
         <p:spPr bwMode="auto">
           <a:xfrm>
-            <a:off x="2460625" y="2655888"/>
-            <a:ext cx="3524250" cy="3549650"/>
+            <a:off x="1106488" y="2655888"/>
+            <a:ext cx="2571750" cy="3167062"/>
           </a:xfrm>
           <a:prstGeom prst="rect">
             <a:avLst/>
@@ -9889,6 +9516,256 @@
           </a:ln>
         </p:spPr>
       </p:pic>
+      <p:pic>
+        <p:nvPicPr>
+          <p:cNvPr id="56325" name="Picture 8" descr="match2"/>
+          <p:cNvPicPr>
+            <a:picLocks noChangeAspect="1" noChangeArrowheads="1"/>
+          </p:cNvPicPr>
+          <p:nvPr/>
+        </p:nvPicPr>
+        <p:blipFill>
+          <a:blip r:embed="rId3"/>
+          <a:srcRect/>
+          <a:stretch>
+            <a:fillRect/>
+          </a:stretch>
+        </p:blipFill>
+        <p:spPr bwMode="auto">
+          <a:xfrm>
+            <a:off x="5691188" y="2655888"/>
+            <a:ext cx="2565400" cy="3167062"/>
+          </a:xfrm>
+          <a:prstGeom prst="rect">
+            <a:avLst/>
+          </a:prstGeom>
+          <a:noFill/>
+          <a:ln w="9525">
+            <a:noFill/>
+            <a:miter lim="800000"/>
+            <a:headEnd/>
+            <a:tailEnd/>
+          </a:ln>
+        </p:spPr>
+      </p:pic>
+      <p:sp>
+        <p:nvSpPr>
+          <p:cNvPr id="56326" name="Text Box 9"/>
+          <p:cNvSpPr txBox="1">
+            <a:spLocks noChangeArrowheads="1"/>
+          </p:cNvSpPr>
+          <p:nvPr/>
+        </p:nvSpPr>
+        <p:spPr bwMode="auto">
+          <a:xfrm>
+            <a:off x="1106488" y="6005513"/>
+            <a:ext cx="2865437" cy="366712"/>
+          </a:xfrm>
+          <a:prstGeom prst="rect">
+            <a:avLst/>
+          </a:prstGeom>
+          <a:noFill/>
+          <a:ln w="9525">
+            <a:noFill/>
+            <a:miter lim="800000"/>
+            <a:headEnd/>
+            <a:tailEnd/>
+          </a:ln>
+        </p:spPr>
+        <p:txBody>
+          <a:bodyPr>
+            <a:spAutoFit/>
+          </a:bodyPr>
+          <a:lstStyle/>
+          <a:p>
+            <a:pPr defTabSz="914400">
+              <a:spcBef>
+                <a:spcPct val="50000"/>
+              </a:spcBef>
+            </a:pPr>
+            <a:r>
+              <a:rPr lang="zh-CN" altLang="en-US"/>
+              <a:t>匹配前设定匹配阈值为</a:t>
+            </a:r>
+            <a:r>
+              <a:rPr lang="en-US" altLang="zh-CN"/>
+              <a:t>3</a:t>
+            </a:r>
+          </a:p>
+        </p:txBody>
+      </p:sp>
+      <p:sp>
+        <p:nvSpPr>
+          <p:cNvPr id="56327" name="Text Box 10"/>
+          <p:cNvSpPr txBox="1">
+            <a:spLocks noChangeArrowheads="1"/>
+          </p:cNvSpPr>
+          <p:nvPr/>
+        </p:nvSpPr>
+        <p:spPr bwMode="auto">
+          <a:xfrm>
+            <a:off x="6388100" y="6005513"/>
+            <a:ext cx="1160463" cy="366712"/>
+          </a:xfrm>
+          <a:prstGeom prst="rect">
+            <a:avLst/>
+          </a:prstGeom>
+          <a:noFill/>
+          <a:ln w="9525">
+            <a:noFill/>
+            <a:miter lim="800000"/>
+            <a:headEnd/>
+            <a:tailEnd/>
+          </a:ln>
+        </p:spPr>
+        <p:txBody>
+          <a:bodyPr>
+            <a:spAutoFit/>
+          </a:bodyPr>
+          <a:lstStyle/>
+          <a:p>
+            <a:pPr>
+              <a:spcBef>
+                <a:spcPct val="50000"/>
+              </a:spcBef>
+            </a:pPr>
+            <a:r>
+              <a:rPr lang="zh-CN" altLang="en-US"/>
+              <a:t>匹配后</a:t>
+            </a:r>
+            <a:endParaRPr lang="en-US" altLang="zh-CN"/>
+          </a:p>
+        </p:txBody>
+      </p:sp>
+      <p:sp>
+        <p:nvSpPr>
+          <p:cNvPr id="56328" name="AutoShape 6"/>
+          <p:cNvSpPr>
+            <a:spLocks noChangeArrowheads="1"/>
+          </p:cNvSpPr>
+          <p:nvPr/>
+        </p:nvSpPr>
+        <p:spPr bwMode="auto">
+          <a:xfrm>
+            <a:off x="4149725" y="3913188"/>
+            <a:ext cx="1143000" cy="523875"/>
+          </a:xfrm>
+          <a:prstGeom prst="rightArrow">
+            <a:avLst>
+              <a:gd name="adj1" fmla="val 50000"/>
+              <a:gd name="adj2" fmla="val 54545"/>
+            </a:avLst>
+          </a:prstGeom>
+          <a:solidFill>
+            <a:schemeClr val="bg1"/>
+          </a:solidFill>
+          <a:ln w="9525">
+            <a:solidFill>
+              <a:schemeClr val="tx1"/>
+            </a:solidFill>
+            <a:miter lim="800000"/>
+            <a:headEnd/>
+            <a:tailEnd/>
+          </a:ln>
+        </p:spPr>
+        <p:txBody>
+          <a:bodyPr wrap="none" anchor="ctr"/>
+          <a:lstStyle/>
+          <a:p>
+            <a:endParaRPr lang="zh-CN" altLang="en-US"/>
+          </a:p>
+        </p:txBody>
+      </p:sp>
+      <p:sp>
+        <p:nvSpPr>
+          <p:cNvPr id="56329" name="Text Box 12"/>
+          <p:cNvSpPr txBox="1">
+            <a:spLocks noChangeArrowheads="1"/>
+          </p:cNvSpPr>
+          <p:nvPr/>
+        </p:nvSpPr>
+        <p:spPr bwMode="auto">
+          <a:xfrm>
+            <a:off x="3971925" y="3271838"/>
+            <a:ext cx="1614488" cy="641350"/>
+          </a:xfrm>
+          <a:prstGeom prst="rect">
+            <a:avLst/>
+          </a:prstGeom>
+          <a:noFill/>
+          <a:ln w="9525">
+            <a:noFill/>
+            <a:miter lim="800000"/>
+            <a:headEnd/>
+            <a:tailEnd/>
+          </a:ln>
+        </p:spPr>
+        <p:txBody>
+          <a:bodyPr>
+            <a:spAutoFit/>
+          </a:bodyPr>
+          <a:lstStyle/>
+          <a:p>
+            <a:pPr>
+              <a:spcBef>
+                <a:spcPct val="50000"/>
+              </a:spcBef>
+            </a:pPr>
+            <a:r>
+              <a:rPr lang="zh-CN" altLang="en-US"/>
+              <a:t>利用匈牙利算法匹配</a:t>
+            </a:r>
+            <a:endParaRPr lang="en-US" altLang="zh-CN"/>
+          </a:p>
+        </p:txBody>
+      </p:sp>
+      <p:sp>
+        <p:nvSpPr>
+          <p:cNvPr id="56330" name="Text Box 10"/>
+          <p:cNvSpPr txBox="1">
+            <a:spLocks noChangeArrowheads="1"/>
+          </p:cNvSpPr>
+          <p:nvPr/>
+        </p:nvSpPr>
+        <p:spPr bwMode="auto">
+          <a:xfrm>
+            <a:off x="3438525" y="6372225"/>
+            <a:ext cx="2703513" cy="366713"/>
+          </a:xfrm>
+          <a:prstGeom prst="rect">
+            <a:avLst/>
+          </a:prstGeom>
+          <a:noFill/>
+          <a:ln w="9525">
+            <a:noFill/>
+            <a:miter lim="800000"/>
+            <a:headEnd/>
+            <a:tailEnd/>
+          </a:ln>
+          <a:effectLst/>
+        </p:spPr>
+        <p:txBody>
+          <a:bodyPr>
+            <a:spAutoFit/>
+          </a:bodyPr>
+          <a:lstStyle/>
+          <a:p>
+            <a:pPr>
+              <a:spcBef>
+                <a:spcPct val="50000"/>
+              </a:spcBef>
+            </a:pPr>
+            <a:r>
+              <a:rPr lang="en-US" altLang="zh-CN"/>
+              <a:t> 4</a:t>
+            </a:r>
+            <a:r>
+              <a:rPr lang="zh-CN" altLang="en-US"/>
+              <a:t>核匹配示例</a:t>
+            </a:r>
+          </a:p>
+        </p:txBody>
+      </p:sp>
     </p:spTree>
   </p:cSld>
   <p:clrMapOvr>
@@ -9923,22 +9800,105 @@
       </p:grpSpPr>
       <p:sp>
         <p:nvSpPr>
-          <p:cNvPr id="22529" name="Title 1"/>
+          <p:cNvPr id="40961" name="Rectangle 2"/>
+          <p:cNvSpPr>
+            <a:spLocks noGrp="1"/>
+          </p:cNvSpPr>
+          <p:nvPr>
+            <p:ph type="title"/>
+          </p:nvPr>
+        </p:nvSpPr>
+        <p:spPr/>
+        <p:txBody>
+          <a:bodyPr/>
+          <a:lstStyle/>
+          <a:p>
+            <a:pPr algn="l"/>
+            <a:r>
+              <a:rPr lang="zh-CN" altLang="en-US" smtClean="0">
+                <a:solidFill>
+                  <a:srgbClr val="FF6600"/>
+                </a:solidFill>
+              </a:rPr>
+              <a:t>提出的新方法</a:t>
+            </a:r>
+          </a:p>
+        </p:txBody>
+      </p:sp>
+      <p:sp>
+        <p:nvSpPr>
+          <p:cNvPr id="40962" name="Rectangle 3"/>
+          <p:cNvSpPr>
+            <a:spLocks noGrp="1"/>
+          </p:cNvSpPr>
+          <p:nvPr>
+            <p:ph type="body" idx="1"/>
+          </p:nvPr>
+        </p:nvSpPr>
+        <p:spPr>
+          <a:xfrm>
+            <a:off x="457200" y="1600200"/>
+            <a:ext cx="8229600" cy="1055688"/>
+          </a:xfrm>
+        </p:spPr>
+        <p:txBody>
+          <a:bodyPr/>
+          <a:lstStyle/>
+          <a:p>
+            <a:pPr eaLnBrk="1" hangingPunct="1"/>
+            <a:r>
+              <a:rPr lang="zh-CN" altLang="en-US" sz="2800" smtClean="0">
+                <a:solidFill>
+                  <a:schemeClr val="tx2"/>
+                </a:solidFill>
+                <a:latin typeface="宋体" charset="-122"/>
+              </a:rPr>
+              <a:t>算法运算时间的问题 </a:t>
+            </a:r>
+          </a:p>
+          <a:p>
+            <a:pPr lvl="1" eaLnBrk="1" hangingPunct="1"/>
+            <a:r>
+              <a:rPr lang="zh-CN" altLang="en-US" sz="2000" smtClean="0">
+                <a:solidFill>
+                  <a:schemeClr val="tx2"/>
+                </a:solidFill>
+                <a:latin typeface="Arial" charset="0"/>
+              </a:rPr>
+              <a:t>随着核数增长，任务迁移决策的计算需要太多时间</a:t>
+            </a:r>
+            <a:endParaRPr lang="en-US" altLang="zh-CN" sz="2000" smtClean="0">
+              <a:solidFill>
+                <a:schemeClr val="tx2"/>
+              </a:solidFill>
+              <a:latin typeface="Arial" charset="0"/>
+            </a:endParaRPr>
+          </a:p>
+          <a:p>
+            <a:endParaRPr lang="zh-CN" altLang="en-US" sz="2000" smtClean="0">
+              <a:latin typeface="Arial" charset="0"/>
+            </a:endParaRPr>
+          </a:p>
+        </p:txBody>
+      </p:sp>
+      <p:sp>
+        <p:nvSpPr>
+          <p:cNvPr id="40963" name="Text Box 8"/>
           <p:cNvSpPr txBox="1">
-            <a:spLocks/>
+            <a:spLocks noChangeArrowheads="1"/>
           </p:cNvSpPr>
           <p:nvPr/>
         </p:nvSpPr>
         <p:spPr bwMode="auto">
           <a:xfrm>
-            <a:off x="457200" y="76200"/>
-            <a:ext cx="8229600" cy="1143000"/>
+            <a:off x="2962275" y="6299200"/>
+            <a:ext cx="3989388" cy="366713"/>
           </a:xfrm>
           <a:prstGeom prst="rect">
             <a:avLst/>
           </a:prstGeom>
           <a:noFill/>
-          <a:ln w="9525">
+          <a:ln w="28575" algn="ctr">
             <a:noFill/>
             <a:miter lim="800000"/>
             <a:headEnd/>
@@ -9946,126 +9906,38 @@
           </a:ln>
         </p:spPr>
         <p:txBody>
-          <a:bodyPr anchor="ctr"/>
+          <a:bodyPr>
+            <a:spAutoFit/>
+          </a:bodyPr>
           <a:lstStyle/>
           <a:p>
-            <a:r>
-              <a:rPr lang="zh-CN" altLang="en-US" sz="4400">
-                <a:solidFill>
-                  <a:srgbClr val="FF6600"/>
-                </a:solidFill>
-              </a:rPr>
-              <a:t>改进的分层方法</a:t>
-            </a:r>
-            <a:endParaRPr lang="en-US" altLang="zh-CN" sz="4400">
-              <a:solidFill>
-                <a:srgbClr val="FF6600"/>
-              </a:solidFill>
-            </a:endParaRPr>
-          </a:p>
-        </p:txBody>
-      </p:sp>
-      <p:sp>
-        <p:nvSpPr>
-          <p:cNvPr id="22530" name="Rectangle 3"/>
-          <p:cNvSpPr txBox="1">
-            <a:spLocks noChangeArrowheads="1"/>
-          </p:cNvSpPr>
-          <p:nvPr/>
-        </p:nvSpPr>
-        <p:spPr bwMode="auto">
-          <a:xfrm>
-            <a:off x="228600" y="1219200"/>
-            <a:ext cx="8763000" cy="957263"/>
-          </a:xfrm>
-          <a:prstGeom prst="rect">
-            <a:avLst/>
-          </a:prstGeom>
-          <a:noFill/>
-          <a:ln w="9525">
-            <a:noFill/>
-            <a:miter lim="800000"/>
-            <a:headEnd/>
-            <a:tailEnd/>
-          </a:ln>
-        </p:spPr>
-        <p:txBody>
-          <a:bodyPr/>
-          <a:lstStyle/>
-          <a:p>
-            <a:pPr marL="342900" indent="-342900">
+            <a:pPr>
               <a:spcBef>
-                <a:spcPct val="20000"/>
+                <a:spcPct val="50000"/>
               </a:spcBef>
-              <a:buFont typeface="Arial" charset="0"/>
-              <a:buChar char="•"/>
-            </a:pPr>
-            <a:r>
-              <a:rPr lang="zh-CN" altLang="en-US" sz="2800">
+            </a:pPr>
+            <a:r>
+              <a:rPr lang="en-US" altLang="zh-CN">
                 <a:solidFill>
                   <a:schemeClr val="tx2"/>
                 </a:solidFill>
-                <a:latin typeface="宋体" charset="-122"/>
-              </a:rPr>
-              <a:t>将芯片分块做两层任务迁移</a:t>
-            </a:r>
-          </a:p>
-          <a:p>
-            <a:pPr marL="742950" lvl="1" indent="-285750">
-              <a:spcBef>
-                <a:spcPct val="20000"/>
-              </a:spcBef>
-              <a:buFont typeface="Arial" charset="0"/>
-              <a:buChar char="–"/>
-            </a:pPr>
-            <a:r>
-              <a:rPr lang="zh-CN" altLang="en-US" sz="2000">
+              </a:rPr>
+              <a:t>100</a:t>
+            </a:r>
+            <a:r>
+              <a:rPr lang="zh-CN" altLang="en-US">
                 <a:solidFill>
                   <a:schemeClr val="tx2"/>
                 </a:solidFill>
-                <a:latin typeface="宋体" charset="-122"/>
-              </a:rPr>
-              <a:t>块内任务迁移</a:t>
-            </a:r>
-          </a:p>
-          <a:p>
-            <a:pPr marL="742950" lvl="1" indent="-285750">
-              <a:spcBef>
-                <a:spcPct val="20000"/>
-              </a:spcBef>
-              <a:buFont typeface="Arial" charset="0"/>
-              <a:buChar char="–"/>
-            </a:pPr>
-            <a:r>
-              <a:rPr lang="zh-CN" altLang="en-US" sz="2000">
-                <a:solidFill>
-                  <a:schemeClr val="tx2"/>
-                </a:solidFill>
-                <a:latin typeface="宋体" charset="-122"/>
-              </a:rPr>
-              <a:t>块间任务迁移</a:t>
-            </a:r>
-          </a:p>
-          <a:p>
-            <a:pPr marL="342900" indent="-342900">
-              <a:spcBef>
-                <a:spcPct val="20000"/>
-              </a:spcBef>
-              <a:buFont typeface="Arial" charset="0"/>
-              <a:buNone/>
-            </a:pPr>
-            <a:endParaRPr lang="en-US" altLang="zh-CN" sz="2000">
-              <a:solidFill>
-                <a:schemeClr val="tx1"/>
-              </a:solidFill>
-              <a:latin typeface="宋体" charset="-122"/>
-            </a:endParaRPr>
+              </a:rPr>
+              <a:t>核芯片的例子</a:t>
+            </a:r>
           </a:p>
         </p:txBody>
       </p:sp>
       <p:pic>
         <p:nvPicPr>
-          <p:cNvPr id="22531" name="Picture 5" descr="tu17"/>
+          <p:cNvPr id="40964" name="Picture 7" descr="tu18"/>
           <p:cNvPicPr>
             <a:picLocks noChangeAspect="1" noChangeArrowheads="1"/>
           </p:cNvPicPr>
@@ -10080,8 +9952,8 @@
         </p:blipFill>
         <p:spPr bwMode="auto">
           <a:xfrm>
-            <a:off x="2212975" y="2439988"/>
-            <a:ext cx="3848100" cy="3867150"/>
+            <a:off x="2460625" y="2655888"/>
+            <a:ext cx="3524250" cy="3549650"/>
           </a:xfrm>
           <a:prstGeom prst="rect">
             <a:avLst/>

--- a/ppt/majian.pptx
+++ b/ppt/majian.pptx
@@ -344,7 +344,7 @@
             <a:pPr>
               <a:defRPr/>
             </a:pPr>
-            <a:fld id="{6287810A-7199-4651-9A5F-D73A56534896}" type="datetimeFigureOut">
+            <a:fld id="{3F7DCCFB-0B5F-4653-A5ED-541F89827356}" type="datetimeFigureOut">
               <a:rPr lang="zh-CN" altLang="en-US"/>
               <a:pPr>
                 <a:defRPr/>
@@ -403,7 +403,7 @@
             <a:pPr>
               <a:defRPr/>
             </a:pPr>
-            <a:fld id="{6E6EF504-974C-4D6A-9220-31D5B12CBCB6}" type="slidenum">
+            <a:fld id="{C2AE1CD5-05FB-453A-A00D-E026D5735FA4}" type="slidenum">
               <a:rPr lang="zh-CN" altLang="en-US"/>
               <a:pPr>
                 <a:defRPr/>
@@ -536,7 +536,7 @@
             <a:pPr>
               <a:defRPr/>
             </a:pPr>
-            <a:fld id="{8B48CC2B-6E4A-47D1-8A4D-BFDA98E5CB88}" type="datetimeFigureOut">
+            <a:fld id="{3760DE59-BD49-48A8-BBEB-C89DB5149974}" type="datetimeFigureOut">
               <a:rPr lang="zh-CN" altLang="en-US"/>
               <a:pPr>
                 <a:defRPr/>
@@ -595,7 +595,7 @@
             <a:pPr>
               <a:defRPr/>
             </a:pPr>
-            <a:fld id="{5463A266-D51F-4B4B-BCB9-D3A8954CD08B}" type="slidenum">
+            <a:fld id="{21D40854-4D4B-4235-9D15-14E8AB46D3E5}" type="slidenum">
               <a:rPr lang="zh-CN" altLang="en-US"/>
               <a:pPr>
                 <a:defRPr/>
@@ -738,7 +738,7 @@
             <a:pPr>
               <a:defRPr/>
             </a:pPr>
-            <a:fld id="{D59DF0C2-7E81-4E32-934E-DBD616FF3AEB}" type="datetimeFigureOut">
+            <a:fld id="{71E0C5BB-484A-4161-A0B4-75E06290DDCE}" type="datetimeFigureOut">
               <a:rPr lang="zh-CN" altLang="en-US"/>
               <a:pPr>
                 <a:defRPr/>
@@ -797,7 +797,7 @@
             <a:pPr>
               <a:defRPr/>
             </a:pPr>
-            <a:fld id="{63DA5D9D-D79A-4E3E-AF94-28B82589D109}" type="slidenum">
+            <a:fld id="{8987C33B-20D9-4C89-9D7D-F0511F6059A9}" type="slidenum">
               <a:rPr lang="zh-CN" altLang="en-US"/>
               <a:pPr>
                 <a:defRPr/>
@@ -930,7 +930,7 @@
             <a:pPr>
               <a:defRPr/>
             </a:pPr>
-            <a:fld id="{F11A9A18-C566-4370-8815-9AD6B237CDE5}" type="datetimeFigureOut">
+            <a:fld id="{20E342A4-99E4-4196-9B74-5A7C5F761629}" type="datetimeFigureOut">
               <a:rPr lang="zh-CN" altLang="en-US"/>
               <a:pPr>
                 <a:defRPr/>
@@ -989,7 +989,7 @@
             <a:pPr>
               <a:defRPr/>
             </a:pPr>
-            <a:fld id="{DCB55983-5B6C-4CDF-9FC6-8C22B5646FC7}" type="slidenum">
+            <a:fld id="{01E537C7-1AD8-47D9-B63C-E45314C8931C}" type="slidenum">
               <a:rPr lang="zh-CN" altLang="en-US"/>
               <a:pPr>
                 <a:defRPr/>
@@ -1198,7 +1198,7 @@
             <a:pPr>
               <a:defRPr/>
             </a:pPr>
-            <a:fld id="{7972ED8F-E8A3-4DAB-9F74-FB85AD085B8E}" type="datetimeFigureOut">
+            <a:fld id="{84565688-A893-4F54-9822-21A0A82FF07D}" type="datetimeFigureOut">
               <a:rPr lang="zh-CN" altLang="en-US"/>
               <a:pPr>
                 <a:defRPr/>
@@ -1257,7 +1257,7 @@
             <a:pPr>
               <a:defRPr/>
             </a:pPr>
-            <a:fld id="{B92AB10B-E378-4859-B296-8D6CE4B0537F}" type="slidenum">
+            <a:fld id="{83F7DCD2-FE8D-4CF6-B204-FEDE368153BE}" type="slidenum">
               <a:rPr lang="zh-CN" altLang="en-US"/>
               <a:pPr>
                 <a:defRPr/>
@@ -1508,7 +1508,7 @@
             <a:pPr>
               <a:defRPr/>
             </a:pPr>
-            <a:fld id="{80932F27-1B0B-4929-80C3-BEBEE4756F85}" type="datetimeFigureOut">
+            <a:fld id="{508CB9FC-25C9-4627-A54F-897F33D21BB4}" type="datetimeFigureOut">
               <a:rPr lang="zh-CN" altLang="en-US"/>
               <a:pPr>
                 <a:defRPr/>
@@ -1567,7 +1567,7 @@
             <a:pPr>
               <a:defRPr/>
             </a:pPr>
-            <a:fld id="{6E63E268-8A0B-47F8-95FD-CF83CCF76C6C}" type="slidenum">
+            <a:fld id="{D7DD2FDB-DE5B-43F4-9476-7C74824556F6}" type="slidenum">
               <a:rPr lang="zh-CN" altLang="en-US"/>
               <a:pPr>
                 <a:defRPr/>
@@ -1952,7 +1952,7 @@
             <a:pPr>
               <a:defRPr/>
             </a:pPr>
-            <a:fld id="{6EDB8394-A9F4-4517-A0DD-AA72C5138798}" type="datetimeFigureOut">
+            <a:fld id="{EE42CDD9-7856-4A6A-BE05-0A6078AE8B86}" type="datetimeFigureOut">
               <a:rPr lang="zh-CN" altLang="en-US"/>
               <a:pPr>
                 <a:defRPr/>
@@ -2011,7 +2011,7 @@
             <a:pPr>
               <a:defRPr/>
             </a:pPr>
-            <a:fld id="{F05F1047-874B-456A-947F-38973EBFDC53}" type="slidenum">
+            <a:fld id="{78CD5305-C4A4-4DBA-82A5-BCE8FC92FA87}" type="slidenum">
               <a:rPr lang="zh-CN" altLang="en-US"/>
               <a:pPr>
                 <a:defRPr/>
@@ -2092,7 +2092,7 @@
             <a:pPr>
               <a:defRPr/>
             </a:pPr>
-            <a:fld id="{6557BFF9-C78C-4C60-95A9-9DA8114844CA}" type="datetimeFigureOut">
+            <a:fld id="{395B38AE-8C02-442E-B667-0A7B5BDEE1DB}" type="datetimeFigureOut">
               <a:rPr lang="zh-CN" altLang="en-US"/>
               <a:pPr>
                 <a:defRPr/>
@@ -2151,7 +2151,7 @@
             <a:pPr>
               <a:defRPr/>
             </a:pPr>
-            <a:fld id="{102FA3E8-3C68-423F-988B-FE022667F8E8}" type="slidenum">
+            <a:fld id="{AF1165A8-630C-4DDA-BBC0-08F307A2D4FB}" type="slidenum">
               <a:rPr lang="zh-CN" altLang="en-US"/>
               <a:pPr>
                 <a:defRPr/>
@@ -2209,7 +2209,7 @@
             <a:pPr>
               <a:defRPr/>
             </a:pPr>
-            <a:fld id="{0F61ACB0-26FB-4DA0-B150-856669313D2D}" type="datetimeFigureOut">
+            <a:fld id="{B4795D60-1507-4016-9783-F9E75A642F89}" type="datetimeFigureOut">
               <a:rPr lang="zh-CN" altLang="en-US"/>
               <a:pPr>
                 <a:defRPr/>
@@ -2268,7 +2268,7 @@
             <a:pPr>
               <a:defRPr/>
             </a:pPr>
-            <a:fld id="{3A01209D-68C8-4B55-B5B9-F90AAE086282}" type="slidenum">
+            <a:fld id="{E26AE76E-9BD1-4B3A-AE40-E9C95B0BADB1}" type="slidenum">
               <a:rPr lang="zh-CN" altLang="en-US"/>
               <a:pPr>
                 <a:defRPr/>
@@ -2508,7 +2508,7 @@
             <a:pPr>
               <a:defRPr/>
             </a:pPr>
-            <a:fld id="{A6BA4E58-AFB2-43F1-AE89-B9F8446C7BF1}" type="datetimeFigureOut">
+            <a:fld id="{E8975975-28C5-4D6D-BF6D-83C8E38248CA}" type="datetimeFigureOut">
               <a:rPr lang="zh-CN" altLang="en-US"/>
               <a:pPr>
                 <a:defRPr/>
@@ -2567,7 +2567,7 @@
             <a:pPr>
               <a:defRPr/>
             </a:pPr>
-            <a:fld id="{2E33144A-C5EB-4A40-AC09-5C04764FB7D8}" type="slidenum">
+            <a:fld id="{C4190014-66D8-4204-9F56-874D3CD0373E}" type="slidenum">
               <a:rPr lang="zh-CN" altLang="en-US"/>
               <a:pPr>
                 <a:defRPr/>
@@ -2786,7 +2786,7 @@
             <a:pPr>
               <a:defRPr/>
             </a:pPr>
-            <a:fld id="{07A0BA62-5EE8-40CE-AD89-247E9D6C743E}" type="datetimeFigureOut">
+            <a:fld id="{BB75B7D7-002E-41A1-AA53-80583133E547}" type="datetimeFigureOut">
               <a:rPr lang="zh-CN" altLang="en-US"/>
               <a:pPr>
                 <a:defRPr/>
@@ -2845,7 +2845,7 @@
             <a:pPr>
               <a:defRPr/>
             </a:pPr>
-            <a:fld id="{C156F21A-CD2D-4087-B96B-F7052F80E6DC}" type="slidenum">
+            <a:fld id="{43AAA705-0697-449E-A3D2-5EB01DB0F498}" type="slidenum">
               <a:rPr lang="zh-CN" altLang="en-US"/>
               <a:pPr>
                 <a:defRPr/>
@@ -3043,7 +3043,7 @@
             <a:pPr>
               <a:defRPr/>
             </a:pPr>
-            <a:fld id="{86ED8413-75B5-4E51-9A23-16E3C9D07FA2}" type="datetimeFigureOut">
+            <a:fld id="{C18C6E05-2EDD-4FA5-BBFF-9645B222D440}" type="datetimeFigureOut">
               <a:rPr lang="zh-CN" altLang="en-US"/>
               <a:pPr>
                 <a:defRPr/>
@@ -3148,7 +3148,7 @@
             <a:pPr>
               <a:defRPr/>
             </a:pPr>
-            <a:fld id="{AC6FEEF2-BE96-4537-B892-C8E4107378E8}" type="slidenum">
+            <a:fld id="{7370F0A1-CE9B-4897-B903-8CD40AC9A2E2}" type="slidenum">
               <a:rPr lang="zh-CN" altLang="en-US"/>
               <a:pPr>
                 <a:defRPr/>
@@ -3163,17 +3163,17 @@
   </p:cSld>
   <p:clrMap bg1="lt1" tx1="dk1" bg2="lt2" tx2="dk2" accent1="accent1" accent2="accent2" accent3="accent3" accent4="accent4" accent5="accent5" accent6="accent6" hlink="hlink" folHlink="folHlink"/>
   <p:sldLayoutIdLst>
-    <p:sldLayoutId id="2147483649" r:id="rId1"/>
-    <p:sldLayoutId id="2147483650" r:id="rId2"/>
-    <p:sldLayoutId id="2147483651" r:id="rId3"/>
-    <p:sldLayoutId id="2147483652" r:id="rId4"/>
-    <p:sldLayoutId id="2147483653" r:id="rId5"/>
+    <p:sldLayoutId id="2147483659" r:id="rId1"/>
+    <p:sldLayoutId id="2147483658" r:id="rId2"/>
+    <p:sldLayoutId id="2147483657" r:id="rId3"/>
+    <p:sldLayoutId id="2147483656" r:id="rId4"/>
+    <p:sldLayoutId id="2147483655" r:id="rId5"/>
     <p:sldLayoutId id="2147483654" r:id="rId6"/>
-    <p:sldLayoutId id="2147483655" r:id="rId7"/>
-    <p:sldLayoutId id="2147483656" r:id="rId8"/>
-    <p:sldLayoutId id="2147483657" r:id="rId9"/>
-    <p:sldLayoutId id="2147483658" r:id="rId10"/>
-    <p:sldLayoutId id="2147483659" r:id="rId11"/>
+    <p:sldLayoutId id="2147483653" r:id="rId7"/>
+    <p:sldLayoutId id="2147483652" r:id="rId8"/>
+    <p:sldLayoutId id="2147483651" r:id="rId9"/>
+    <p:sldLayoutId id="2147483650" r:id="rId10"/>
+    <p:sldLayoutId id="2147483649" r:id="rId11"/>
   </p:sldLayoutIdLst>
   <p:txStyles>
     <p:titleStyle>
@@ -3804,7 +3804,7 @@
       </p:grpSpPr>
       <p:sp>
         <p:nvSpPr>
-          <p:cNvPr id="41985" name="Title 1"/>
+          <p:cNvPr id="43009" name="Title 1"/>
           <p:cNvSpPr txBox="1">
             <a:spLocks/>
           </p:cNvSpPr>
@@ -3848,7 +3848,7 @@
       </p:sp>
       <p:sp>
         <p:nvSpPr>
-          <p:cNvPr id="41986" name="Rectangle 3"/>
+          <p:cNvPr id="43010" name="Rectangle 3"/>
           <p:cNvSpPr txBox="1">
             <a:spLocks noChangeArrowheads="1"/>
           </p:cNvSpPr>
@@ -3946,7 +3946,7 @@
       </p:sp>
       <p:pic>
         <p:nvPicPr>
-          <p:cNvPr id="41987" name="Picture 5" descr="tu17"/>
+          <p:cNvPr id="43011" name="Picture 5" descr="tu17"/>
           <p:cNvPicPr>
             <a:picLocks noChangeAspect="1" noChangeArrowheads="1"/>
           </p:cNvPicPr>
@@ -4010,7 +4010,7 @@
       </p:grpSpPr>
       <p:sp>
         <p:nvSpPr>
-          <p:cNvPr id="43009" name="Rectangle 3"/>
+          <p:cNvPr id="44033" name="Rectangle 3"/>
           <p:cNvSpPr txBox="1">
             <a:spLocks noChangeArrowheads="1"/>
           </p:cNvSpPr>
@@ -4073,7 +4073,7 @@
       </p:sp>
       <p:sp>
         <p:nvSpPr>
-          <p:cNvPr id="43010" name="Text Box 7"/>
+          <p:cNvPr id="44034" name="Text Box 7"/>
           <p:cNvSpPr txBox="1">
             <a:spLocks noChangeArrowheads="1"/>
           </p:cNvSpPr>
@@ -4135,7 +4135,7 @@
       </p:sp>
       <p:sp>
         <p:nvSpPr>
-          <p:cNvPr id="43012" name="Title 1"/>
+          <p:cNvPr id="44035" name="Title 1"/>
           <p:cNvSpPr txBox="1">
             <a:spLocks/>
           </p:cNvSpPr>
@@ -4179,7 +4179,7 @@
       </p:sp>
       <p:pic>
         <p:nvPicPr>
-          <p:cNvPr id="43014" name="Picture 6" descr="inblock"/>
+          <p:cNvPr id="44036" name="Picture 6" descr="inblock"/>
           <p:cNvPicPr>
             <a:picLocks noChangeAspect="1" noChangeArrowheads="1"/>
           </p:cNvPicPr>
@@ -4201,6 +4201,12 @@
             <a:avLst/>
           </a:prstGeom>
           <a:noFill/>
+          <a:ln w="9525">
+            <a:noFill/>
+            <a:miter lim="800000"/>
+            <a:headEnd/>
+            <a:tailEnd/>
+          </a:ln>
         </p:spPr>
       </p:pic>
     </p:spTree>
@@ -4237,7 +4243,7 @@
       </p:grpSpPr>
       <p:sp>
         <p:nvSpPr>
-          <p:cNvPr id="44033" name="Rectangle 3"/>
+          <p:cNvPr id="45057" name="Rectangle 3"/>
           <p:cNvSpPr txBox="1">
             <a:spLocks noChangeArrowheads="1"/>
           </p:cNvSpPr>
@@ -4277,7 +4283,7 @@
                 </a:solidFill>
                 <a:latin typeface="宋体" charset="-122"/>
               </a:rPr>
-              <a:t>没有匹配上的核可能在块间可以匹配</a:t>
+              <a:t>没有匹配上的核可能在其他块可以匹配</a:t>
             </a:r>
           </a:p>
           <a:p>
@@ -4333,7 +4339,7 @@
       </p:sp>
       <p:sp>
         <p:nvSpPr>
-          <p:cNvPr id="44035" name="Title 1"/>
+          <p:cNvPr id="45058" name="Title 1"/>
           <p:cNvSpPr txBox="1">
             <a:spLocks/>
           </p:cNvSpPr>
@@ -4377,7 +4383,7 @@
       </p:sp>
       <p:pic>
         <p:nvPicPr>
-          <p:cNvPr id="44037" name="Picture 5" descr="left"/>
+          <p:cNvPr id="45059" name="Picture 5" descr="left"/>
           <p:cNvPicPr>
             <a:picLocks noChangeAspect="1" noChangeArrowheads="1"/>
           </p:cNvPicPr>
@@ -4399,6 +4405,12 @@
             <a:avLst/>
           </a:prstGeom>
           <a:noFill/>
+          <a:ln w="9525">
+            <a:noFill/>
+            <a:miter lim="800000"/>
+            <a:headEnd/>
+            <a:tailEnd/>
+          </a:ln>
         </p:spPr>
       </p:pic>
     </p:spTree>
@@ -4435,7 +4447,7 @@
       </p:grpSpPr>
       <p:sp>
         <p:nvSpPr>
-          <p:cNvPr id="45057" name="Rectangle 3"/>
+          <p:cNvPr id="46081" name="Rectangle 3"/>
           <p:cNvSpPr txBox="1">
             <a:spLocks noChangeArrowheads="1"/>
           </p:cNvSpPr>
@@ -4558,7 +4570,7 @@
       </p:sp>
       <p:sp>
         <p:nvSpPr>
-          <p:cNvPr id="45058" name="AutoShape 17"/>
+          <p:cNvPr id="46082" name="AutoShape 17"/>
           <p:cNvSpPr>
             <a:spLocks noChangeArrowheads="1"/>
           </p:cNvSpPr>
@@ -4597,7 +4609,7 @@
       </p:sp>
       <p:sp>
         <p:nvSpPr>
-          <p:cNvPr id="45061" name="Title 1"/>
+          <p:cNvPr id="46083" name="Title 1"/>
           <p:cNvSpPr txBox="1">
             <a:spLocks/>
           </p:cNvSpPr>
@@ -4641,7 +4653,7 @@
       </p:sp>
       <p:pic>
         <p:nvPicPr>
-          <p:cNvPr id="45063" name="Picture 7" descr="partion1"/>
+          <p:cNvPr id="46084" name="Picture 7" descr="partion1"/>
           <p:cNvPicPr>
             <a:picLocks noChangeAspect="1" noChangeArrowheads="1"/>
           </p:cNvPicPr>
@@ -4663,11 +4675,17 @@
             <a:avLst/>
           </a:prstGeom>
           <a:noFill/>
+          <a:ln w="9525">
+            <a:noFill/>
+            <a:miter lim="800000"/>
+            <a:headEnd/>
+            <a:tailEnd/>
+          </a:ln>
         </p:spPr>
       </p:pic>
       <p:pic>
         <p:nvPicPr>
-          <p:cNvPr id="45064" name="Picture 8" descr="partion2"/>
+          <p:cNvPr id="46085" name="Picture 8" descr="partion2"/>
           <p:cNvPicPr>
             <a:picLocks noChangeAspect="1" noChangeArrowheads="1"/>
           </p:cNvPicPr>
@@ -4689,6 +4707,12 @@
             <a:avLst/>
           </a:prstGeom>
           <a:noFill/>
+          <a:ln w="9525">
+            <a:noFill/>
+            <a:miter lim="800000"/>
+            <a:headEnd/>
+            <a:tailEnd/>
+          </a:ln>
         </p:spPr>
       </p:pic>
     </p:spTree>
@@ -4805,7 +4829,7 @@
       </p:sp>
       <p:sp>
         <p:nvSpPr>
-          <p:cNvPr id="47107" name="Title 1"/>
+          <p:cNvPr id="47106" name="Title 1"/>
           <p:cNvSpPr txBox="1">
             <a:spLocks/>
           </p:cNvSpPr>
@@ -4849,7 +4873,7 @@
       </p:sp>
       <p:pic>
         <p:nvPicPr>
-          <p:cNvPr id="47109" name="Picture 5" descr="lastDVFS"/>
+          <p:cNvPr id="47107" name="Picture 5" descr="lastDVFS"/>
           <p:cNvPicPr>
             <a:picLocks noChangeAspect="1" noChangeArrowheads="1"/>
           </p:cNvPicPr>
@@ -4871,6 +4895,12 @@
             <a:avLst/>
           </a:prstGeom>
           <a:noFill/>
+          <a:ln w="9525">
+            <a:noFill/>
+            <a:miter lim="800000"/>
+            <a:headEnd/>
+            <a:tailEnd/>
+          </a:ln>
         </p:spPr>
       </p:pic>
     </p:spTree>
@@ -4970,7 +5000,7 @@
       </p:sp>
       <p:sp>
         <p:nvSpPr>
-          <p:cNvPr id="48132" name="Title 1"/>
+          <p:cNvPr id="48130" name="Title 1"/>
           <p:cNvSpPr txBox="1">
             <a:spLocks/>
           </p:cNvSpPr>
@@ -5014,7 +5044,7 @@
       </p:sp>
       <p:pic>
         <p:nvPicPr>
-          <p:cNvPr id="48134" name="Picture 6" descr="inblock"/>
+          <p:cNvPr id="48131" name="Picture 6" descr="inblock"/>
           <p:cNvPicPr>
             <a:picLocks noChangeAspect="1" noChangeArrowheads="1"/>
           </p:cNvPicPr>
@@ -5036,11 +5066,17 @@
             <a:avLst/>
           </a:prstGeom>
           <a:noFill/>
+          <a:ln w="9525">
+            <a:noFill/>
+            <a:miter lim="800000"/>
+            <a:headEnd/>
+            <a:tailEnd/>
+          </a:ln>
         </p:spPr>
       </p:pic>
       <p:pic>
         <p:nvPicPr>
-          <p:cNvPr id="48136" name="Picture 8" descr="lastover"/>
+          <p:cNvPr id="48132" name="Picture 8" descr="lastover"/>
           <p:cNvPicPr>
             <a:picLocks noChangeAspect="1" noChangeArrowheads="1"/>
           </p:cNvPicPr>
@@ -5062,6 +5098,12 @@
             <a:avLst/>
           </a:prstGeom>
           <a:noFill/>
+          <a:ln w="9525">
+            <a:noFill/>
+            <a:miter lim="800000"/>
+            <a:headEnd/>
+            <a:tailEnd/>
+          </a:ln>
         </p:spPr>
       </p:pic>
     </p:spTree>
@@ -8507,7 +8549,7 @@
         </p:nvSpPr>
         <p:spPr bwMode="auto">
           <a:xfrm flipV="1">
-            <a:off x="2987675" y="3911600"/>
+            <a:off x="2987675" y="3611563"/>
             <a:ext cx="844550" cy="0"/>
           </a:xfrm>
           <a:prstGeom prst="line">
@@ -8541,7 +8583,7 @@
         </p:nvSpPr>
         <p:spPr bwMode="auto">
           <a:xfrm rot="10800000" flipV="1">
-            <a:off x="4289425" y="6048375"/>
+            <a:off x="4318000" y="5734050"/>
             <a:ext cx="796925" cy="0"/>
           </a:xfrm>
           <a:prstGeom prst="line">
@@ -8575,7 +8617,7 @@
         </p:nvSpPr>
         <p:spPr bwMode="auto">
           <a:xfrm>
-            <a:off x="4241800" y="5591175"/>
+            <a:off x="4270375" y="5219700"/>
             <a:ext cx="1643063" cy="457200"/>
           </a:xfrm>
           <a:prstGeom prst="rect">
@@ -8622,8 +8664,8 @@
         </p:nvSpPr>
         <p:spPr bwMode="auto">
           <a:xfrm>
-            <a:off x="6053138" y="3381375"/>
-            <a:ext cx="2365375" cy="366713"/>
+            <a:off x="6053138" y="3081338"/>
+            <a:ext cx="2365375" cy="366712"/>
           </a:xfrm>
           <a:prstGeom prst="rect">
             <a:avLst/>
@@ -8669,8 +8711,8 @@
         </p:nvSpPr>
         <p:spPr bwMode="auto">
           <a:xfrm>
-            <a:off x="6854825" y="5591175"/>
-            <a:ext cx="2365375" cy="366713"/>
+            <a:off x="6854825" y="5291138"/>
+            <a:ext cx="2365375" cy="366712"/>
           </a:xfrm>
           <a:prstGeom prst="rect">
             <a:avLst/>
@@ -8716,8 +8758,8 @@
         </p:nvSpPr>
         <p:spPr bwMode="auto">
           <a:xfrm rot="5400000">
-            <a:off x="1538288" y="5037138"/>
-            <a:ext cx="1055687" cy="966787"/>
+            <a:off x="1538288" y="4737100"/>
+            <a:ext cx="1055688" cy="966787"/>
           </a:xfrm>
           <a:custGeom>
             <a:avLst/>
@@ -8830,7 +8872,7 @@
         </p:nvSpPr>
         <p:spPr bwMode="auto">
           <a:xfrm>
-            <a:off x="882650" y="6078538"/>
+            <a:off x="796925" y="5792788"/>
             <a:ext cx="1666875" cy="779462"/>
           </a:xfrm>
           <a:prstGeom prst="rect">
@@ -8861,8 +8903,13 @@
                   <a:schemeClr val="tx2"/>
                 </a:solidFill>
               </a:rPr>
-              <a:t>调整功耗分布</a:t>
-            </a:r>
+              <a:t>调整控制</a:t>
+            </a:r>
+            <a:endParaRPr lang="en-US" altLang="zh-CN" b="1">
+              <a:solidFill>
+                <a:schemeClr val="tx2"/>
+              </a:solidFill>
+            </a:endParaRPr>
           </a:p>
           <a:p>
             <a:pPr>
@@ -8876,7 +8923,7 @@
       </p:sp>
       <p:pic>
         <p:nvPicPr>
-          <p:cNvPr id="38922" name="Picture 31" descr="tu7"/>
+          <p:cNvPr id="38924" name="Picture 15" descr="tu11"/>
           <p:cNvPicPr>
             <a:picLocks noChangeAspect="1" noChangeArrowheads="1"/>
           </p:cNvPicPr>
@@ -8891,8 +8938,8 @@
         </p:blipFill>
         <p:spPr bwMode="auto">
           <a:xfrm>
-            <a:off x="2659063" y="5245100"/>
-            <a:ext cx="1582737" cy="1579563"/>
+            <a:off x="3998913" y="2773363"/>
+            <a:ext cx="1558925" cy="1574800"/>
           </a:xfrm>
           <a:prstGeom prst="rect">
             <a:avLst/>
@@ -8908,7 +8955,7 @@
       </p:pic>
       <p:pic>
         <p:nvPicPr>
-          <p:cNvPr id="38923" name="Picture 32" descr="tu6"/>
+          <p:cNvPr id="38925" name="Picture 16" descr="tu15"/>
           <p:cNvPicPr>
             <a:picLocks noChangeAspect="1" noChangeArrowheads="1"/>
           </p:cNvPicPr>
@@ -8923,8 +8970,8 @@
         </p:blipFill>
         <p:spPr bwMode="auto">
           <a:xfrm>
-            <a:off x="1095375" y="3073400"/>
-            <a:ext cx="1563688" cy="1563688"/>
+            <a:off x="5210175" y="4787900"/>
+            <a:ext cx="1460500" cy="1454150"/>
           </a:xfrm>
           <a:prstGeom prst="rect">
             <a:avLst/>
@@ -8938,9 +8985,56 @@
           </a:ln>
         </p:spPr>
       </p:pic>
+      <p:sp>
+        <p:nvSpPr>
+          <p:cNvPr id="38926" name="Text Box 15"/>
+          <p:cNvSpPr txBox="1">
+            <a:spLocks noChangeArrowheads="1"/>
+          </p:cNvSpPr>
+          <p:nvPr/>
+        </p:nvSpPr>
+        <p:spPr bwMode="auto">
+          <a:xfrm>
+            <a:off x="1095375" y="4325938"/>
+            <a:ext cx="2365375" cy="366712"/>
+          </a:xfrm>
+          <a:prstGeom prst="rect">
+            <a:avLst/>
+          </a:prstGeom>
+          <a:noFill/>
+          <a:ln w="9525">
+            <a:noFill/>
+            <a:miter lim="800000"/>
+            <a:headEnd/>
+            <a:tailEnd/>
+          </a:ln>
+        </p:spPr>
+        <p:txBody>
+          <a:bodyPr>
+            <a:spAutoFit/>
+          </a:bodyPr>
+          <a:lstStyle/>
+          <a:p>
+            <a:pPr defTabSz="914400">
+              <a:spcBef>
+                <a:spcPct val="50000"/>
+              </a:spcBef>
+            </a:pPr>
+            <a:r>
+              <a:rPr lang="zh-CN" altLang="en-US" b="1">
+                <a:solidFill>
+                  <a:schemeClr val="tx2"/>
+                </a:solidFill>
+                <a:latin typeface="Arial" charset="0"/>
+              </a:rPr>
+              <a:t>当前功耗分布 </a:t>
+            </a:r>
+          </a:p>
+        </p:txBody>
+      </p:sp>
       <p:pic>
         <p:nvPicPr>
-          <p:cNvPr id="38924" name="Picture 15" descr="tu11"/>
+          <p:cNvPr id="38928" name="Picture 16" descr="power"/>
           <p:cNvPicPr>
             <a:picLocks noChangeAspect="1" noChangeArrowheads="1"/>
           </p:cNvPicPr>
@@ -8955,24 +9049,18 @@
         </p:blipFill>
         <p:spPr bwMode="auto">
           <a:xfrm>
-            <a:off x="3998913" y="3073400"/>
-            <a:ext cx="1558925" cy="1574800"/>
+            <a:off x="1095375" y="2625725"/>
+            <a:ext cx="1563688" cy="1552575"/>
           </a:xfrm>
           <a:prstGeom prst="rect">
             <a:avLst/>
           </a:prstGeom>
           <a:noFill/>
-          <a:ln w="9525">
-            <a:noFill/>
-            <a:miter lim="800000"/>
-            <a:headEnd/>
-            <a:tailEnd/>
-          </a:ln>
         </p:spPr>
       </p:pic>
       <p:pic>
         <p:nvPicPr>
-          <p:cNvPr id="38925" name="Picture 16" descr="tu15"/>
+          <p:cNvPr id="38929" name="Picture 17" descr="power2"/>
           <p:cNvPicPr>
             <a:picLocks noChangeAspect="1" noChangeArrowheads="1"/>
           </p:cNvPicPr>
@@ -8987,8 +9075,27 @@
         </p:blipFill>
         <p:spPr bwMode="auto">
           <a:xfrm>
-            <a:off x="5210175" y="5259388"/>
-            <a:ext cx="1460500" cy="1454150"/>
+            <a:off x="2611438" y="4578350"/>
+            <a:ext cx="1630362" cy="1619250"/>
+          </a:xfrm>
+          <a:prstGeom prst="rect">
+            <a:avLst/>
+          </a:prstGeom>
+          <a:noFill/>
+        </p:spPr>
+      </p:pic>
+      <p:sp>
+        <p:nvSpPr>
+          <p:cNvPr id="38930" name="Text Box 15"/>
+          <p:cNvSpPr txBox="1">
+            <a:spLocks noChangeArrowheads="1"/>
+          </p:cNvSpPr>
+          <p:nvPr/>
+        </p:nvSpPr>
+        <p:spPr bwMode="auto">
+          <a:xfrm>
+            <a:off x="2592388" y="6419850"/>
+            <a:ext cx="2365375" cy="366713"/>
           </a:xfrm>
           <a:prstGeom prst="rect">
             <a:avLst/>
@@ -9001,31 +9108,6 @@
             <a:tailEnd/>
           </a:ln>
         </p:spPr>
-      </p:pic>
-      <p:sp>
-        <p:nvSpPr>
-          <p:cNvPr id="38926" name="Text Box 15"/>
-          <p:cNvSpPr txBox="1">
-            <a:spLocks noChangeArrowheads="1"/>
-          </p:cNvSpPr>
-          <p:nvPr/>
-        </p:nvSpPr>
-        <p:spPr bwMode="auto">
-          <a:xfrm>
-            <a:off x="1095375" y="4625975"/>
-            <a:ext cx="2365375" cy="366713"/>
-          </a:xfrm>
-          <a:prstGeom prst="rect">
-            <a:avLst/>
-          </a:prstGeom>
-          <a:noFill/>
-          <a:ln w="9525">
-            <a:noFill/>
-            <a:miter lim="800000"/>
-            <a:headEnd/>
-            <a:tailEnd/>
-          </a:ln>
-        </p:spPr>
         <p:txBody>
           <a:bodyPr>
             <a:spAutoFit/>
@@ -9044,7 +9126,7 @@
                 </a:solidFill>
                 <a:latin typeface="Arial" charset="0"/>
               </a:rPr>
-              <a:t>当前功耗分布 </a:t>
+              <a:t>期望功耗分布 </a:t>
             </a:r>
           </a:p>
         </p:txBody>
@@ -9372,7 +9454,7 @@
       </p:grpSpPr>
       <p:sp>
         <p:nvSpPr>
-          <p:cNvPr id="56322" name="Rectangle 2"/>
+          <p:cNvPr id="40961" name="Rectangle 2"/>
           <p:cNvSpPr>
             <a:spLocks noGrp="1"/>
           </p:cNvSpPr>
@@ -9399,7 +9481,7 @@
       </p:sp>
       <p:sp>
         <p:nvSpPr>
-          <p:cNvPr id="56323" name="Rectangle 3"/>
+          <p:cNvPr id="40962" name="Rectangle 3"/>
           <p:cNvSpPr>
             <a:spLocks noGrp="1"/>
           </p:cNvSpPr>
@@ -9486,7 +9568,7 @@
       </p:sp>
       <p:pic>
         <p:nvPicPr>
-          <p:cNvPr id="56324" name="Picture 7" descr="match1"/>
+          <p:cNvPr id="40963" name="Picture 7" descr="match1"/>
           <p:cNvPicPr>
             <a:picLocks noChangeAspect="1" noChangeArrowheads="1"/>
           </p:cNvPicPr>
@@ -9518,7 +9600,7 @@
       </p:pic>
       <p:pic>
         <p:nvPicPr>
-          <p:cNvPr id="56325" name="Picture 8" descr="match2"/>
+          <p:cNvPr id="40964" name="Picture 8" descr="match2"/>
           <p:cNvPicPr>
             <a:picLocks noChangeAspect="1" noChangeArrowheads="1"/>
           </p:cNvPicPr>
@@ -9550,7 +9632,7 @@
       </p:pic>
       <p:sp>
         <p:nvSpPr>
-          <p:cNvPr id="56326" name="Text Box 9"/>
+          <p:cNvPr id="40965" name="Text Box 9"/>
           <p:cNvSpPr txBox="1">
             <a:spLocks noChangeArrowheads="1"/>
           </p:cNvSpPr>
@@ -9596,7 +9678,7 @@
       </p:sp>
       <p:sp>
         <p:nvSpPr>
-          <p:cNvPr id="56327" name="Text Box 10"/>
+          <p:cNvPr id="40966" name="Text Box 10"/>
           <p:cNvSpPr txBox="1">
             <a:spLocks noChangeArrowheads="1"/>
           </p:cNvSpPr>
@@ -9639,7 +9721,7 @@
       </p:sp>
       <p:sp>
         <p:nvSpPr>
-          <p:cNvPr id="56328" name="AutoShape 6"/>
+          <p:cNvPr id="40967" name="AutoShape 6"/>
           <p:cNvSpPr>
             <a:spLocks noChangeArrowheads="1"/>
           </p:cNvSpPr>
@@ -9678,7 +9760,7 @@
       </p:sp>
       <p:sp>
         <p:nvSpPr>
-          <p:cNvPr id="56329" name="Text Box 12"/>
+          <p:cNvPr id="40968" name="Text Box 12"/>
           <p:cNvSpPr txBox="1">
             <a:spLocks noChangeArrowheads="1"/>
           </p:cNvSpPr>
@@ -9721,7 +9803,7 @@
       </p:sp>
       <p:sp>
         <p:nvSpPr>
-          <p:cNvPr id="56330" name="Text Box 10"/>
+          <p:cNvPr id="40969" name="Text Box 10"/>
           <p:cNvSpPr txBox="1">
             <a:spLocks noChangeArrowheads="1"/>
           </p:cNvSpPr>
@@ -9742,7 +9824,6 @@
             <a:headEnd/>
             <a:tailEnd/>
           </a:ln>
-          <a:effectLst/>
         </p:spPr>
         <p:txBody>
           <a:bodyPr>
@@ -9800,7 +9881,7 @@
       </p:grpSpPr>
       <p:sp>
         <p:nvSpPr>
-          <p:cNvPr id="40961" name="Rectangle 2"/>
+          <p:cNvPr id="41985" name="Rectangle 2"/>
           <p:cNvSpPr>
             <a:spLocks noGrp="1"/>
           </p:cNvSpPr>
@@ -9827,7 +9908,7 @@
       </p:sp>
       <p:sp>
         <p:nvSpPr>
-          <p:cNvPr id="40962" name="Rectangle 3"/>
+          <p:cNvPr id="41986" name="Rectangle 3"/>
           <p:cNvSpPr>
             <a:spLocks noGrp="1"/>
           </p:cNvSpPr>
@@ -9883,7 +9964,7 @@
       </p:sp>
       <p:sp>
         <p:nvSpPr>
-          <p:cNvPr id="40963" name="Text Box 8"/>
+          <p:cNvPr id="41987" name="Text Box 8"/>
           <p:cNvSpPr txBox="1">
             <a:spLocks noChangeArrowheads="1"/>
           </p:cNvSpPr>
@@ -9937,7 +10018,7 @@
       </p:sp>
       <p:pic>
         <p:nvPicPr>
-          <p:cNvPr id="40964" name="Picture 7" descr="tu18"/>
+          <p:cNvPr id="41988" name="Picture 7" descr="tu18"/>
           <p:cNvPicPr>
             <a:picLocks noChangeAspect="1" noChangeArrowheads="1"/>
           </p:cNvPicPr>

--- a/ppt/majian.pptx
+++ b/ppt/majian.pptx
@@ -155,6 +155,22 @@
       </a:defRPr>
     </a:lvl9pPr>
   </p:defaultTextStyle>
+  <p:extLst>
+    <p:ext uri="{EFAFB233-063F-42B5-8137-9DF3F51BA10A}">
+      <p15:sldGuideLst xmlns:p15="http://schemas.microsoft.com/office/powerpoint/2012/main">
+        <p15:guide id="1" orient="horz" pos="2160">
+          <p15:clr>
+            <a:srgbClr val="A4A3A4"/>
+          </p15:clr>
+        </p15:guide>
+        <p15:guide id="2" pos="2880">
+          <p15:clr>
+            <a:srgbClr val="A4A3A4"/>
+          </p15:clr>
+        </p15:guide>
+      </p15:sldGuideLst>
+    </p:ext>
+  </p:extLst>
 </p:presentation>
 </file>
 
@@ -349,7 +365,7 @@
               <a:pPr>
                 <a:defRPr/>
               </a:pPr>
-              <a:t>2016/5/6</a:t>
+              <a:t>2016-05-06</a:t>
             </a:fld>
             <a:endParaRPr lang="zh-CN" altLang="en-US"/>
           </a:p>
@@ -541,7 +557,7 @@
               <a:pPr>
                 <a:defRPr/>
               </a:pPr>
-              <a:t>2016/5/6</a:t>
+              <a:t>2016-05-06</a:t>
             </a:fld>
             <a:endParaRPr lang="zh-CN" altLang="en-US"/>
           </a:p>
@@ -743,7 +759,7 @@
               <a:pPr>
                 <a:defRPr/>
               </a:pPr>
-              <a:t>2016/5/6</a:t>
+              <a:t>2016-05-06</a:t>
             </a:fld>
             <a:endParaRPr lang="zh-CN" altLang="en-US"/>
           </a:p>
@@ -935,7 +951,7 @@
               <a:pPr>
                 <a:defRPr/>
               </a:pPr>
-              <a:t>2016/5/6</a:t>
+              <a:t>2016-05-06</a:t>
             </a:fld>
             <a:endParaRPr lang="zh-CN" altLang="en-US"/>
           </a:p>
@@ -1203,7 +1219,7 @@
               <a:pPr>
                 <a:defRPr/>
               </a:pPr>
-              <a:t>2016/5/6</a:t>
+              <a:t>2016-05-06</a:t>
             </a:fld>
             <a:endParaRPr lang="zh-CN" altLang="en-US"/>
           </a:p>
@@ -1513,7 +1529,7 @@
               <a:pPr>
                 <a:defRPr/>
               </a:pPr>
-              <a:t>2016/5/6</a:t>
+              <a:t>2016-05-06</a:t>
             </a:fld>
             <a:endParaRPr lang="zh-CN" altLang="en-US"/>
           </a:p>
@@ -1957,7 +1973,7 @@
               <a:pPr>
                 <a:defRPr/>
               </a:pPr>
-              <a:t>2016/5/6</a:t>
+              <a:t>2016-05-06</a:t>
             </a:fld>
             <a:endParaRPr lang="zh-CN" altLang="en-US"/>
           </a:p>
@@ -2097,7 +2113,7 @@
               <a:pPr>
                 <a:defRPr/>
               </a:pPr>
-              <a:t>2016/5/6</a:t>
+              <a:t>2016-05-06</a:t>
             </a:fld>
             <a:endParaRPr lang="zh-CN" altLang="en-US"/>
           </a:p>
@@ -2214,7 +2230,7 @@
               <a:pPr>
                 <a:defRPr/>
               </a:pPr>
-              <a:t>2016/5/6</a:t>
+              <a:t>2016-05-06</a:t>
             </a:fld>
             <a:endParaRPr lang="zh-CN" altLang="en-US"/>
           </a:p>
@@ -2513,7 +2529,7 @@
               <a:pPr>
                 <a:defRPr/>
               </a:pPr>
-              <a:t>2016/5/6</a:t>
+              <a:t>2016-05-06</a:t>
             </a:fld>
             <a:endParaRPr lang="zh-CN" altLang="en-US"/>
           </a:p>
@@ -2791,7 +2807,7 @@
               <a:pPr>
                 <a:defRPr/>
               </a:pPr>
-              <a:t>2016/5/6</a:t>
+              <a:t>2016-05-06</a:t>
             </a:fld>
             <a:endParaRPr lang="zh-CN" altLang="en-US"/>
           </a:p>
@@ -3048,7 +3064,7 @@
               <a:pPr>
                 <a:defRPr/>
               </a:pPr>
-              <a:t>2016/5/6</a:t>
+              <a:t>2016-05-06</a:t>
             </a:fld>
             <a:endParaRPr lang="zh-CN" altLang="en-US"/>
           </a:p>
@@ -6438,7 +6454,7 @@
               <a:buChar char="l"/>
             </a:pPr>
             <a:r>
-              <a:rPr lang="zh-CN" altLang="en-US" sz="2000">
+              <a:rPr lang="zh-CN" altLang="en-US" sz="2000" dirty="0">
                 <a:solidFill>
                   <a:schemeClr val="tx2"/>
                 </a:solidFill>
@@ -6459,11 +6475,141 @@
               <a:buFont typeface="Wingdings" pitchFamily="2" charset="2"/>
               <a:buChar char="l"/>
             </a:pPr>
-            <a:endParaRPr lang="en-US" altLang="zh-CN" sz="2000">
+            <a:endParaRPr lang="en-US" altLang="zh-CN" sz="2000" dirty="0">
               <a:solidFill>
                 <a:schemeClr val="tx2"/>
               </a:solidFill>
               <a:latin typeface="Arial" charset="0"/>
+              <a:ea typeface="MS PGothic" pitchFamily="34" charset="-128"/>
+            </a:endParaRPr>
+          </a:p>
+          <a:p>
+            <a:pPr marL="742950" lvl="1" indent="-285750">
+              <a:spcBef>
+                <a:spcPct val="20000"/>
+              </a:spcBef>
+              <a:buFont typeface="Arial" charset="0"/>
+              <a:buChar char="–"/>
+            </a:pPr>
+            <a:r>
+              <a:rPr lang="zh-CN" altLang="en-US" sz="2000" dirty="0" smtClean="0">
+                <a:solidFill>
+                  <a:schemeClr val="tx2"/>
+                </a:solidFill>
+                <a:latin typeface="Times New Roman" pitchFamily="18" charset="0"/>
+              </a:rPr>
+              <a:t>芯片</a:t>
+            </a:r>
+            <a:r>
+              <a:rPr lang="zh-CN" altLang="en-US" sz="2000" dirty="0">
+                <a:solidFill>
+                  <a:schemeClr val="tx2"/>
+                </a:solidFill>
+                <a:latin typeface="Times New Roman" pitchFamily="18" charset="0"/>
+              </a:rPr>
+              <a:t>高温或局部高温影响</a:t>
+            </a:r>
+            <a:r>
+              <a:rPr lang="zh-CN" altLang="en-US" sz="2000" dirty="0" smtClean="0">
+                <a:solidFill>
+                  <a:schemeClr val="tx2"/>
+                </a:solidFill>
+                <a:latin typeface="Times New Roman" pitchFamily="18" charset="0"/>
+              </a:rPr>
+              <a:t>系统可靠性</a:t>
+            </a:r>
+            <a:endParaRPr lang="en-US" altLang="zh-CN" sz="2000" dirty="0" smtClean="0">
+              <a:solidFill>
+                <a:schemeClr val="tx2"/>
+              </a:solidFill>
+              <a:latin typeface="Times New Roman" pitchFamily="18" charset="0"/>
+            </a:endParaRPr>
+          </a:p>
+          <a:p>
+            <a:pPr marL="742950" lvl="1" indent="-285750">
+              <a:spcBef>
+                <a:spcPct val="20000"/>
+              </a:spcBef>
+              <a:buFont typeface="Arial" charset="0"/>
+              <a:buChar char="–"/>
+            </a:pPr>
+            <a:r>
+              <a:rPr lang="zh-CN" altLang="en-US" sz="2000" dirty="0">
+                <a:solidFill>
+                  <a:schemeClr val="tx2"/>
+                </a:solidFill>
+                <a:latin typeface="Times New Roman" pitchFamily="18" charset="0"/>
+              </a:rPr>
+              <a:t>高温使静态功耗</a:t>
+            </a:r>
+            <a:r>
+              <a:rPr lang="zh-CN" altLang="en-US" sz="2000" dirty="0" smtClean="0">
+                <a:solidFill>
+                  <a:schemeClr val="tx2"/>
+                </a:solidFill>
+                <a:latin typeface="Times New Roman" pitchFamily="18" charset="0"/>
+              </a:rPr>
+              <a:t>增加</a:t>
+            </a:r>
+            <a:endParaRPr lang="en-US" altLang="zh-CN" sz="2000" dirty="0" smtClean="0">
+              <a:solidFill>
+                <a:schemeClr val="tx2"/>
+              </a:solidFill>
+              <a:latin typeface="Times New Roman" pitchFamily="18" charset="0"/>
+            </a:endParaRPr>
+          </a:p>
+          <a:p>
+            <a:pPr marL="742950" lvl="1" indent="-285750">
+              <a:spcBef>
+                <a:spcPct val="20000"/>
+              </a:spcBef>
+              <a:buFont typeface="Arial" charset="0"/>
+              <a:buChar char="–"/>
+            </a:pPr>
+            <a:r>
+              <a:rPr lang="zh-CN" altLang="en-US" sz="2000" dirty="0">
+                <a:solidFill>
+                  <a:schemeClr val="tx2"/>
+                </a:solidFill>
+                <a:latin typeface="Times New Roman" pitchFamily="18" charset="0"/>
+              </a:rPr>
+              <a:t>热问题使系统冷却开销很大</a:t>
+            </a:r>
+            <a:endParaRPr lang="en-US" altLang="zh-CN" sz="2000" dirty="0">
+              <a:solidFill>
+                <a:schemeClr val="tx2"/>
+              </a:solidFill>
+              <a:latin typeface="Times New Roman" pitchFamily="18" charset="0"/>
+            </a:endParaRPr>
+          </a:p>
+          <a:p>
+            <a:pPr marL="742950" lvl="1" indent="-285750">
+              <a:spcBef>
+                <a:spcPct val="20000"/>
+              </a:spcBef>
+              <a:buFont typeface="Arial" charset="0"/>
+              <a:buChar char="–"/>
+            </a:pPr>
+            <a:endParaRPr lang="zh-CN" altLang="en-US" sz="2000" dirty="0">
+              <a:solidFill>
+                <a:schemeClr val="tx2"/>
+              </a:solidFill>
+              <a:latin typeface="Times New Roman" pitchFamily="18" charset="0"/>
+            </a:endParaRPr>
+          </a:p>
+          <a:p>
+            <a:pPr marL="742950" lvl="1" indent="-285750">
+              <a:spcBef>
+                <a:spcPct val="20000"/>
+              </a:spcBef>
+              <a:buFont typeface="Arial" charset="0"/>
+              <a:buChar char="–"/>
+            </a:pPr>
+            <a:endParaRPr lang="en-US" altLang="zh-CN" sz="2000" dirty="0">
+              <a:solidFill>
+                <a:schemeClr val="tx2"/>
+              </a:solidFill>
+              <a:latin typeface="Times New Roman" pitchFamily="18" charset="0"/>
               <a:ea typeface="MS PGothic" pitchFamily="34" charset="-128"/>
             </a:endParaRPr>
           </a:p>
@@ -6479,15 +6625,13 @@
               <a:buFont typeface="Wingdings" pitchFamily="2" charset="2"/>
               <a:buChar char="l"/>
             </a:pPr>
-            <a:r>
-              <a:rPr lang="zh-CN" altLang="en-US">
-                <a:solidFill>
-                  <a:schemeClr val="tx2"/>
-                </a:solidFill>
-                <a:latin typeface="Times New Roman" pitchFamily="18" charset="0"/>
-              </a:rPr>
-              <a:t>芯片高温或局部高温影响系统可靠性</a:t>
-            </a:r>
+            <a:endParaRPr lang="en-US" altLang="zh-CN" sz="2000" dirty="0">
+              <a:solidFill>
+                <a:schemeClr val="tx2"/>
+              </a:solidFill>
+              <a:latin typeface="Arial" charset="0"/>
+              <a:ea typeface="MS PGothic" pitchFamily="34" charset="-128"/>
+            </a:endParaRPr>
           </a:p>
           <a:p>
             <a:pPr marL="742950" lvl="1" indent="-285750" eaLnBrk="0" hangingPunct="0">
@@ -6501,14 +6645,23 @@
               <a:buFont typeface="Wingdings" pitchFamily="2" charset="2"/>
               <a:buChar char="l"/>
             </a:pPr>
-            <a:r>
-              <a:rPr lang="zh-CN" altLang="en-US">
+            <a:endParaRPr lang="en-US" altLang="zh-CN" sz="2000" dirty="0">
+              <a:solidFill>
+                <a:schemeClr val="tx2"/>
+              </a:solidFill>
+              <a:latin typeface="Arial" charset="0"/>
+              <a:ea typeface="MS PGothic" pitchFamily="34" charset="-128"/>
+            </a:endParaRPr>
+          </a:p>
+          <a:p>
+            <a:pPr marL="742950" lvl="1" indent="-285750"/>
+            <a:r>
+              <a:rPr lang="en-US" altLang="zh-CN" dirty="0">
                 <a:solidFill>
                   <a:schemeClr val="tx2"/>
                 </a:solidFill>
-                <a:latin typeface="Times New Roman" pitchFamily="18" charset="0"/>
-              </a:rPr>
-              <a:t>高温使静态功耗增加</a:t>
+              </a:rPr>
+              <a:t>	</a:t>
             </a:r>
           </a:p>
           <a:p>
@@ -6523,87 +6676,7 @@
               <a:buFont typeface="Wingdings" pitchFamily="2" charset="2"/>
               <a:buChar char="l"/>
             </a:pPr>
-            <a:r>
-              <a:rPr lang="zh-CN" altLang="en-US">
-                <a:solidFill>
-                  <a:schemeClr val="tx2"/>
-                </a:solidFill>
-                <a:latin typeface="Times New Roman" pitchFamily="18" charset="0"/>
-              </a:rPr>
-              <a:t>热问题使系统冷却开销很大</a:t>
-            </a:r>
-            <a:endParaRPr lang="en-US" altLang="zh-CN" sz="2000">
-              <a:solidFill>
-                <a:schemeClr val="tx2"/>
-              </a:solidFill>
-              <a:latin typeface="Times New Roman" pitchFamily="18" charset="0"/>
-              <a:ea typeface="MS PGothic" pitchFamily="34" charset="-128"/>
-            </a:endParaRPr>
-          </a:p>
-          <a:p>
-            <a:pPr marL="742950" lvl="1" indent="-285750" eaLnBrk="0" hangingPunct="0">
-              <a:spcBef>
-                <a:spcPct val="20000"/>
-              </a:spcBef>
-              <a:buClr>
-                <a:schemeClr val="tx2"/>
-              </a:buClr>
-              <a:buSzPct val="70000"/>
-              <a:buFont typeface="Wingdings" pitchFamily="2" charset="2"/>
-              <a:buChar char="l"/>
-            </a:pPr>
-            <a:endParaRPr lang="en-US" altLang="zh-CN" sz="2000">
-              <a:solidFill>
-                <a:schemeClr val="tx2"/>
-              </a:solidFill>
-              <a:latin typeface="Arial" charset="0"/>
-              <a:ea typeface="MS PGothic" pitchFamily="34" charset="-128"/>
-            </a:endParaRPr>
-          </a:p>
-          <a:p>
-            <a:pPr marL="742950" lvl="1" indent="-285750" eaLnBrk="0" hangingPunct="0">
-              <a:spcBef>
-                <a:spcPct val="20000"/>
-              </a:spcBef>
-              <a:buClr>
-                <a:schemeClr val="tx2"/>
-              </a:buClr>
-              <a:buSzPct val="70000"/>
-              <a:buFont typeface="Wingdings" pitchFamily="2" charset="2"/>
-              <a:buChar char="l"/>
-            </a:pPr>
-            <a:endParaRPr lang="en-US" altLang="zh-CN" sz="2000">
-              <a:solidFill>
-                <a:schemeClr val="tx2"/>
-              </a:solidFill>
-              <a:latin typeface="Arial" charset="0"/>
-              <a:ea typeface="MS PGothic" pitchFamily="34" charset="-128"/>
-            </a:endParaRPr>
-          </a:p>
-          <a:p>
-            <a:pPr marL="742950" lvl="1" indent="-285750"/>
-            <a:r>
-              <a:rPr lang="en-US" altLang="zh-CN">
-                <a:solidFill>
-                  <a:schemeClr val="tx2"/>
-                </a:solidFill>
-              </a:rPr>
-              <a:t>	</a:t>
-            </a:r>
-          </a:p>
-          <a:p>
-            <a:pPr marL="742950" lvl="1" indent="-285750" eaLnBrk="0" hangingPunct="0">
-              <a:spcBef>
-                <a:spcPct val="20000"/>
-              </a:spcBef>
-              <a:buClr>
-                <a:schemeClr val="tx2"/>
-              </a:buClr>
-              <a:buSzPct val="70000"/>
-              <a:buFont typeface="Wingdings" pitchFamily="2" charset="2"/>
-              <a:buChar char="l"/>
-            </a:pPr>
-            <a:endParaRPr lang="en-US" altLang="zh-CN" sz="2000">
+            <a:endParaRPr lang="en-US" altLang="zh-CN" sz="2000" dirty="0">
               <a:solidFill>
                 <a:schemeClr val="tx2"/>
               </a:solidFill>
@@ -6645,25 +6718,18 @@
           </a:p>
         </p:txBody>
       </p:sp>
-      <p:pic>
-        <p:nvPicPr>
-          <p:cNvPr id="14340" name="Picture 2"/>
-          <p:cNvPicPr>
-            <a:picLocks noChangeAspect="1" noChangeArrowheads="1"/>
-          </p:cNvPicPr>
+      <p:sp>
+        <p:nvSpPr>
+          <p:cNvPr id="14341" name="TextBox 7"/>
+          <p:cNvSpPr txBox="1">
+            <a:spLocks noChangeArrowheads="1"/>
+          </p:cNvSpPr>
           <p:nvPr/>
-        </p:nvPicPr>
-        <p:blipFill>
-          <a:blip r:embed="rId2"/>
-          <a:srcRect/>
-          <a:stretch>
-            <a:fillRect/>
-          </a:stretch>
-        </p:blipFill>
+        </p:nvSpPr>
         <p:spPr bwMode="auto">
           <a:xfrm>
-            <a:off x="3603625" y="2852738"/>
-            <a:ext cx="4879975" cy="3184525"/>
+            <a:off x="5562600" y="6114352"/>
+            <a:ext cx="3059112" cy="369332"/>
           </a:xfrm>
           <a:prstGeom prst="rect">
             <a:avLst/>
@@ -6676,31 +6742,6 @@
             <a:tailEnd/>
           </a:ln>
         </p:spPr>
-      </p:pic>
-      <p:sp>
-        <p:nvSpPr>
-          <p:cNvPr id="14341" name="TextBox 7"/>
-          <p:cNvSpPr txBox="1">
-            <a:spLocks noChangeArrowheads="1"/>
-          </p:cNvSpPr>
-          <p:nvPr/>
-        </p:nvSpPr>
-        <p:spPr bwMode="auto">
-          <a:xfrm>
-            <a:off x="5424488" y="6037263"/>
-            <a:ext cx="3059112" cy="581025"/>
-          </a:xfrm>
-          <a:prstGeom prst="rect">
-            <a:avLst/>
-          </a:prstGeom>
-          <a:noFill/>
-          <a:ln w="9525">
-            <a:noFill/>
-            <a:miter lim="800000"/>
-            <a:headEnd/>
-            <a:tailEnd/>
-          </a:ln>
-        </p:spPr>
         <p:txBody>
           <a:bodyPr>
             <a:spAutoFit/>
@@ -6708,18 +6749,55 @@
           <a:lstStyle/>
           <a:p>
             <a:r>
-              <a:rPr lang="en-US" altLang="zh-CN" sz="1600" b="1" i="1">
+              <a:rPr lang="zh-CN" altLang="en-US" b="1" dirty="0" smtClean="0">
                 <a:solidFill>
                   <a:srgbClr val="FF6600"/>
                 </a:solidFill>
-                <a:latin typeface="Arial" charset="0"/>
-                <a:ea typeface="MS PGothic" pitchFamily="34" charset="-128"/>
-              </a:rPr>
-              <a:t>Temperature distribution of multi-core chip</a:t>
-            </a:r>
-          </a:p>
-        </p:txBody>
-      </p:sp>
+                <a:latin typeface="+mn-ea"/>
+                <a:ea typeface="+mn-ea"/>
+              </a:rPr>
+              <a:t>多核芯片的温度分布</a:t>
+            </a:r>
+            <a:endParaRPr lang="en-US" altLang="zh-CN" b="1" dirty="0">
+              <a:solidFill>
+                <a:srgbClr val="FF6600"/>
+              </a:solidFill>
+              <a:latin typeface="+mn-ea"/>
+              <a:ea typeface="+mn-ea"/>
+            </a:endParaRPr>
+          </a:p>
+        </p:txBody>
+      </p:sp>
+      <p:pic>
+        <p:nvPicPr>
+          <p:cNvPr id="2" name="图片 1"/>
+          <p:cNvPicPr>
+            <a:picLocks noChangeAspect="1"/>
+          </p:cNvPicPr>
+          <p:nvPr/>
+        </p:nvPicPr>
+        <p:blipFill>
+          <a:blip r:embed="rId2">
+            <a:extLst>
+              <a:ext uri="{28A0092B-C50C-407E-A947-70E740481C1C}">
+                <a14:useLocalDpi xmlns:a14="http://schemas.microsoft.com/office/drawing/2010/main" val="0"/>
+              </a:ext>
+            </a:extLst>
+          </a:blip>
+          <a:stretch>
+            <a:fillRect/>
+          </a:stretch>
+        </p:blipFill>
+        <p:spPr>
+          <a:xfrm>
+            <a:off x="4686422" y="2209800"/>
+            <a:ext cx="3998201" cy="3925008"/>
+          </a:xfrm>
+          <a:prstGeom prst="rect">
+            <a:avLst/>
+          </a:prstGeom>
+        </p:spPr>
+      </p:pic>
     </p:spTree>
   </p:cSld>
   <p:clrMapOvr>
@@ -7339,7 +7417,7 @@
               <a:buChar char="•"/>
             </a:pPr>
             <a:r>
-              <a:rPr lang="zh-CN" altLang="en-US" sz="2400">
+              <a:rPr lang="zh-CN" altLang="en-US" sz="2400" dirty="0">
                 <a:solidFill>
                   <a:schemeClr val="tx2"/>
                 </a:solidFill>
@@ -7348,7 +7426,7 @@
               <a:t>动态电压频率调整技术 </a:t>
             </a:r>
             <a:r>
-              <a:rPr lang="en-US" altLang="zh-CN" sz="2400">
+              <a:rPr lang="en-US" altLang="zh-CN" sz="2400" dirty="0">
                 <a:solidFill>
                   <a:schemeClr val="tx2"/>
                 </a:solidFill>
@@ -7357,7 +7435,7 @@
               <a:t>(</a:t>
             </a:r>
             <a:r>
-              <a:rPr lang="en-US" altLang="zh-CN" sz="2400">
+              <a:rPr lang="en-US" altLang="zh-CN" sz="2400" dirty="0">
                 <a:solidFill>
                   <a:schemeClr val="tx2"/>
                 </a:solidFill>
@@ -7367,7 +7445,7 @@
               <a:t>DVFS)</a:t>
             </a:r>
             <a:r>
-              <a:rPr lang="en-US" altLang="zh-CN" sz="2000">
+              <a:rPr lang="en-US" altLang="zh-CN" sz="2000" dirty="0">
                 <a:solidFill>
                   <a:schemeClr val="tx2"/>
                 </a:solidFill>
@@ -7376,7 +7454,7 @@
               <a:t>:</a:t>
             </a:r>
             <a:r>
-              <a:rPr lang="en-US" altLang="zh-CN" sz="2400">
+              <a:rPr lang="en-US" altLang="zh-CN" sz="2400" dirty="0">
                 <a:solidFill>
                   <a:schemeClr val="tx2"/>
                 </a:solidFill>
@@ -7385,7 +7463,7 @@
               </a:rPr>
               <a:t> </a:t>
             </a:r>
-            <a:endParaRPr lang="en-US" altLang="zh-CN" sz="1400">
+            <a:endParaRPr lang="en-US" altLang="zh-CN" sz="1400" dirty="0">
               <a:solidFill>
                 <a:schemeClr val="tx2"/>
               </a:solidFill>
@@ -7402,7 +7480,7 @@
               <a:buChar char="–"/>
             </a:pPr>
             <a:r>
-              <a:rPr lang="en-US" altLang="zh-CN" sz="2000">
+              <a:rPr lang="en-US" altLang="zh-CN" sz="2000" dirty="0">
                 <a:solidFill>
                   <a:schemeClr val="tx2"/>
                 </a:solidFill>
@@ -7412,7 +7490,7 @@
               <a:t> P ~ f v</a:t>
             </a:r>
             <a:r>
-              <a:rPr lang="en-US" altLang="zh-CN" sz="2000" baseline="30000">
+              <a:rPr lang="en-US" altLang="zh-CN" sz="2000" baseline="30000" dirty="0">
                 <a:solidFill>
                   <a:schemeClr val="tx2"/>
                 </a:solidFill>
@@ -7421,7 +7499,7 @@
               </a:rPr>
               <a:t>2</a:t>
             </a:r>
-            <a:endParaRPr lang="en-US" altLang="zh-CN" sz="2000">
+            <a:endParaRPr lang="en-US" altLang="zh-CN" sz="2000" dirty="0">
               <a:solidFill>
                 <a:schemeClr val="tx2"/>
               </a:solidFill>
@@ -7438,7 +7516,7 @@
               <a:buChar char="–"/>
             </a:pPr>
             <a:r>
-              <a:rPr lang="zh-CN" altLang="en-US" sz="2000">
+              <a:rPr lang="zh-CN" altLang="en-US" sz="2000" dirty="0">
                 <a:solidFill>
                   <a:schemeClr val="tx2"/>
                 </a:solidFill>
@@ -7456,7 +7534,7 @@
               <a:buChar char="–"/>
             </a:pPr>
             <a:r>
-              <a:rPr lang="zh-CN" altLang="en-US" sz="2000">
+              <a:rPr lang="zh-CN" altLang="en-US" sz="2000" dirty="0">
                 <a:solidFill>
                   <a:schemeClr val="tx2"/>
                 </a:solidFill>
@@ -7473,7 +7551,7 @@
               <a:buFont typeface="Arial" charset="0"/>
               <a:buChar char="•"/>
             </a:pPr>
-            <a:endParaRPr lang="zh-CN" altLang="en-US" sz="2000">
+            <a:endParaRPr lang="zh-CN" altLang="en-US" sz="2000" dirty="0">
               <a:solidFill>
                 <a:schemeClr val="tx1"/>
               </a:solidFill>
@@ -7923,52 +8001,6 @@
           </a:p>
         </p:txBody>
       </p:sp>
-      <p:sp>
-        <p:nvSpPr>
-          <p:cNvPr id="16388" name="Text Box 10"/>
-          <p:cNvSpPr txBox="1">
-            <a:spLocks noChangeArrowheads="1"/>
-          </p:cNvSpPr>
-          <p:nvPr/>
-        </p:nvSpPr>
-        <p:spPr bwMode="auto">
-          <a:xfrm>
-            <a:off x="3005138" y="6037263"/>
-            <a:ext cx="3381375" cy="366712"/>
-          </a:xfrm>
-          <a:prstGeom prst="rect">
-            <a:avLst/>
-          </a:prstGeom>
-          <a:noFill/>
-          <a:ln w="28575" algn="ctr">
-            <a:noFill/>
-            <a:miter lim="800000"/>
-            <a:headEnd/>
-            <a:tailEnd/>
-          </a:ln>
-        </p:spPr>
-        <p:txBody>
-          <a:bodyPr>
-            <a:spAutoFit/>
-          </a:bodyPr>
-          <a:lstStyle/>
-          <a:p>
-            <a:pPr>
-              <a:spcBef>
-                <a:spcPct val="50000"/>
-              </a:spcBef>
-            </a:pPr>
-            <a:r>
-              <a:rPr lang="zh-CN" altLang="en-US">
-                <a:solidFill>
-                  <a:schemeClr val="tx2"/>
-                </a:solidFill>
-              </a:rPr>
-              <a:t>交换任务</a:t>
-            </a:r>
-          </a:p>
-        </p:txBody>
-      </p:sp>
       <p:pic>
         <p:nvPicPr>
           <p:cNvPr id="16389" name="Picture 8" descr="tu14"/>
@@ -8261,9 +8293,59 @@
         </p:xfrm>
         <a:graphic>
           <a:graphicData uri="http://schemas.openxmlformats.org/presentationml/2006/ole">
-            <p:oleObj spid="_x0000_s37901" name="Equation" r:id="rId4" imgW="139680" imgH="164880" progId="Equation.DSMT4">
-              <p:embed/>
-            </p:oleObj>
+            <mc:AlternateContent xmlns:mc="http://schemas.openxmlformats.org/markup-compatibility/2006">
+              <mc:Choice xmlns:v="urn:schemas-microsoft-com:vml" Requires="v">
+                <p:oleObj spid="_x0000_s37931" name="Equation" r:id="rId4" imgW="139680" imgH="164880" progId="Equation.DSMT4">
+                  <p:embed/>
+                </p:oleObj>
+              </mc:Choice>
+              <mc:Fallback>
+                <p:oleObj name="Equation" r:id="rId4" imgW="139680" imgH="164880" progId="Equation.DSMT4">
+                  <p:embed/>
+                  <p:pic>
+                    <p:nvPicPr>
+                      <p:cNvPr id="0" name="Picture 13"/>
+                      <p:cNvPicPr>
+                        <a:picLocks noChangeAspect="1" noChangeArrowheads="1"/>
+                      </p:cNvPicPr>
+                      <p:nvPr/>
+                    </p:nvPicPr>
+                    <p:blipFill>
+                      <a:blip r:embed="rId5">
+                        <a:extLst>
+                          <a:ext uri="{28A0092B-C50C-407E-A947-70E740481C1C}">
+                            <a14:useLocalDpi xmlns:a14="http://schemas.microsoft.com/office/drawing/2010/main" val="0"/>
+                          </a:ext>
+                        </a:extLst>
+                      </a:blip>
+                      <a:srcRect/>
+                      <a:stretch>
+                        <a:fillRect/>
+                      </a:stretch>
+                    </p:blipFill>
+                    <p:spPr bwMode="auto">
+                      <a:xfrm>
+                        <a:off x="1376363" y="3602038"/>
+                        <a:ext cx="288925" cy="341312"/>
+                      </a:xfrm>
+                      <a:prstGeom prst="rect">
+                        <a:avLst/>
+                      </a:prstGeom>
+                      <a:noFill/>
+                      <a:extLst>
+                        <a:ext uri="{909E8E84-426E-40DD-AFC4-6F175D3DCCD1}">
+                          <a14:hiddenFill xmlns:a14="http://schemas.microsoft.com/office/drawing/2010/main">
+                            <a:solidFill>
+                              <a:srgbClr val="FFFFFF"/>
+                            </a:solidFill>
+                          </a14:hiddenFill>
+                        </a:ext>
+                      </a:extLst>
+                    </p:spPr>
+                  </p:pic>
+                </p:oleObj>
+              </mc:Fallback>
+            </mc:AlternateContent>
           </a:graphicData>
         </a:graphic>
       </p:graphicFrame>
@@ -8281,9 +8363,59 @@
         </p:xfrm>
         <a:graphic>
           <a:graphicData uri="http://schemas.openxmlformats.org/presentationml/2006/ole">
-            <p:oleObj spid="_x0000_s37902" name="Equation" r:id="rId5" imgW="139680" imgH="164880" progId="Equation.DSMT4">
-              <p:embed/>
-            </p:oleObj>
+            <mc:AlternateContent xmlns:mc="http://schemas.openxmlformats.org/markup-compatibility/2006">
+              <mc:Choice xmlns:v="urn:schemas-microsoft-com:vml" Requires="v">
+                <p:oleObj spid="_x0000_s37932" name="Equation" r:id="rId6" imgW="139680" imgH="164880" progId="Equation.DSMT4">
+                  <p:embed/>
+                </p:oleObj>
+              </mc:Choice>
+              <mc:Fallback>
+                <p:oleObj name="Equation" r:id="rId6" imgW="139680" imgH="164880" progId="Equation.DSMT4">
+                  <p:embed/>
+                  <p:pic>
+                    <p:nvPicPr>
+                      <p:cNvPr id="0" name="Picture 14"/>
+                      <p:cNvPicPr>
+                        <a:picLocks noChangeAspect="1" noChangeArrowheads="1"/>
+                      </p:cNvPicPr>
+                      <p:nvPr/>
+                    </p:nvPicPr>
+                    <p:blipFill>
+                      <a:blip r:embed="rId7">
+                        <a:extLst>
+                          <a:ext uri="{28A0092B-C50C-407E-A947-70E740481C1C}">
+                            <a14:useLocalDpi xmlns:a14="http://schemas.microsoft.com/office/drawing/2010/main" val="0"/>
+                          </a:ext>
+                        </a:extLst>
+                      </a:blip>
+                      <a:srcRect/>
+                      <a:stretch>
+                        <a:fillRect/>
+                      </a:stretch>
+                    </p:blipFill>
+                    <p:spPr bwMode="auto">
+                      <a:xfrm>
+                        <a:off x="1376363" y="4010025"/>
+                        <a:ext cx="284162" cy="334963"/>
+                      </a:xfrm>
+                      <a:prstGeom prst="rect">
+                        <a:avLst/>
+                      </a:prstGeom>
+                      <a:noFill/>
+                      <a:extLst>
+                        <a:ext uri="{909E8E84-426E-40DD-AFC4-6F175D3DCCD1}">
+                          <a14:hiddenFill xmlns:a14="http://schemas.microsoft.com/office/drawing/2010/main">
+                            <a:solidFill>
+                              <a:srgbClr val="FFFFFF"/>
+                            </a:solidFill>
+                          </a14:hiddenFill>
+                        </a:ext>
+                      </a:extLst>
+                    </p:spPr>
+                  </p:pic>
+                </p:oleObj>
+              </mc:Fallback>
+            </mc:AlternateContent>
           </a:graphicData>
         </a:graphic>
       </p:graphicFrame>
@@ -8301,9 +8433,59 @@
         </p:xfrm>
         <a:graphic>
           <a:graphicData uri="http://schemas.openxmlformats.org/presentationml/2006/ole">
-            <p:oleObj spid="_x0000_s37903" name="Equation" r:id="rId6" imgW="152280" imgH="164880" progId="Equation.DSMT4">
-              <p:embed/>
-            </p:oleObj>
+            <mc:AlternateContent xmlns:mc="http://schemas.openxmlformats.org/markup-compatibility/2006">
+              <mc:Choice xmlns:v="urn:schemas-microsoft-com:vml" Requires="v">
+                <p:oleObj spid="_x0000_s37933" name="Equation" r:id="rId8" imgW="152280" imgH="164880" progId="Equation.DSMT4">
+                  <p:embed/>
+                </p:oleObj>
+              </mc:Choice>
+              <mc:Fallback>
+                <p:oleObj name="Equation" r:id="rId8" imgW="152280" imgH="164880" progId="Equation.DSMT4">
+                  <p:embed/>
+                  <p:pic>
+                    <p:nvPicPr>
+                      <p:cNvPr id="0" name="Picture 15"/>
+                      <p:cNvPicPr>
+                        <a:picLocks noChangeAspect="1" noChangeArrowheads="1"/>
+                      </p:cNvPicPr>
+                      <p:nvPr/>
+                    </p:nvPicPr>
+                    <p:blipFill>
+                      <a:blip r:embed="rId9">
+                        <a:extLst>
+                          <a:ext uri="{28A0092B-C50C-407E-A947-70E740481C1C}">
+                            <a14:useLocalDpi xmlns:a14="http://schemas.microsoft.com/office/drawing/2010/main" val="0"/>
+                          </a:ext>
+                        </a:extLst>
+                      </a:blip>
+                      <a:srcRect/>
+                      <a:stretch>
+                        <a:fillRect/>
+                      </a:stretch>
+                    </p:blipFill>
+                    <p:spPr bwMode="auto">
+                      <a:xfrm>
+                        <a:off x="1347788" y="4410075"/>
+                        <a:ext cx="322262" cy="349250"/>
+                      </a:xfrm>
+                      <a:prstGeom prst="rect">
+                        <a:avLst/>
+                      </a:prstGeom>
+                      <a:noFill/>
+                      <a:extLst>
+                        <a:ext uri="{909E8E84-426E-40DD-AFC4-6F175D3DCCD1}">
+                          <a14:hiddenFill xmlns:a14="http://schemas.microsoft.com/office/drawing/2010/main">
+                            <a:solidFill>
+                              <a:srgbClr val="FFFFFF"/>
+                            </a:solidFill>
+                          </a14:hiddenFill>
+                        </a:ext>
+                      </a:extLst>
+                    </p:spPr>
+                  </p:pic>
+                </p:oleObj>
+              </mc:Fallback>
+            </mc:AlternateContent>
           </a:graphicData>
         </a:graphic>
       </p:graphicFrame>
@@ -8321,9 +8503,59 @@
         </p:xfrm>
         <a:graphic>
           <a:graphicData uri="http://schemas.openxmlformats.org/presentationml/2006/ole">
-            <p:oleObj spid="_x0000_s37906" name="Equation" r:id="rId7" imgW="152280" imgH="164880" progId="Equation.DSMT4">
-              <p:embed/>
-            </p:oleObj>
+            <mc:AlternateContent xmlns:mc="http://schemas.openxmlformats.org/markup-compatibility/2006">
+              <mc:Choice xmlns:v="urn:schemas-microsoft-com:vml" Requires="v">
+                <p:oleObj spid="_x0000_s37934" name="Equation" r:id="rId10" imgW="152280" imgH="164880" progId="Equation.DSMT4">
+                  <p:embed/>
+                </p:oleObj>
+              </mc:Choice>
+              <mc:Fallback>
+                <p:oleObj name="Equation" r:id="rId10" imgW="152280" imgH="164880" progId="Equation.DSMT4">
+                  <p:embed/>
+                  <p:pic>
+                    <p:nvPicPr>
+                      <p:cNvPr id="0" name="Picture 18"/>
+                      <p:cNvPicPr>
+                        <a:picLocks noChangeAspect="1" noChangeArrowheads="1"/>
+                      </p:cNvPicPr>
+                      <p:nvPr/>
+                    </p:nvPicPr>
+                    <p:blipFill>
+                      <a:blip r:embed="rId11">
+                        <a:extLst>
+                          <a:ext uri="{28A0092B-C50C-407E-A947-70E740481C1C}">
+                            <a14:useLocalDpi xmlns:a14="http://schemas.microsoft.com/office/drawing/2010/main" val="0"/>
+                          </a:ext>
+                        </a:extLst>
+                      </a:blip>
+                      <a:srcRect/>
+                      <a:stretch>
+                        <a:fillRect/>
+                      </a:stretch>
+                    </p:blipFill>
+                    <p:spPr bwMode="auto">
+                      <a:xfrm>
+                        <a:off x="1062038" y="4854575"/>
+                        <a:ext cx="334962" cy="363538"/>
+                      </a:xfrm>
+                      <a:prstGeom prst="rect">
+                        <a:avLst/>
+                      </a:prstGeom>
+                      <a:noFill/>
+                      <a:extLst>
+                        <a:ext uri="{909E8E84-426E-40DD-AFC4-6F175D3DCCD1}">
+                          <a14:hiddenFill xmlns:a14="http://schemas.microsoft.com/office/drawing/2010/main">
+                            <a:solidFill>
+                              <a:srgbClr val="FFFFFF"/>
+                            </a:solidFill>
+                          </a14:hiddenFill>
+                        </a:ext>
+                      </a:extLst>
+                    </p:spPr>
+                  </p:pic>
+                </p:oleObj>
+              </mc:Fallback>
+            </mc:AlternateContent>
           </a:graphicData>
         </a:graphic>
       </p:graphicFrame>
@@ -8341,9 +8573,59 @@
         </p:xfrm>
         <a:graphic>
           <a:graphicData uri="http://schemas.openxmlformats.org/presentationml/2006/ole">
-            <p:oleObj spid="_x0000_s37907" name="Equation" r:id="rId8" imgW="190440" imgH="228600" progId="Equation.DSMT4">
-              <p:embed/>
-            </p:oleObj>
+            <mc:AlternateContent xmlns:mc="http://schemas.openxmlformats.org/markup-compatibility/2006">
+              <mc:Choice xmlns:v="urn:schemas-microsoft-com:vml" Requires="v">
+                <p:oleObj spid="_x0000_s37935" name="Equation" r:id="rId12" imgW="190440" imgH="228600" progId="Equation.DSMT4">
+                  <p:embed/>
+                </p:oleObj>
+              </mc:Choice>
+              <mc:Fallback>
+                <p:oleObj name="Equation" r:id="rId12" imgW="190440" imgH="228600" progId="Equation.DSMT4">
+                  <p:embed/>
+                  <p:pic>
+                    <p:nvPicPr>
+                      <p:cNvPr id="0" name="Picture 19"/>
+                      <p:cNvPicPr>
+                        <a:picLocks noChangeAspect="1" noChangeArrowheads="1"/>
+                      </p:cNvPicPr>
+                      <p:nvPr/>
+                    </p:nvPicPr>
+                    <p:blipFill>
+                      <a:blip r:embed="rId13">
+                        <a:extLst>
+                          <a:ext uri="{28A0092B-C50C-407E-A947-70E740481C1C}">
+                            <a14:useLocalDpi xmlns:a14="http://schemas.microsoft.com/office/drawing/2010/main" val="0"/>
+                          </a:ext>
+                        </a:extLst>
+                      </a:blip>
+                      <a:srcRect/>
+                      <a:stretch>
+                        <a:fillRect/>
+                      </a:stretch>
+                    </p:blipFill>
+                    <p:spPr bwMode="auto">
+                      <a:xfrm>
+                        <a:off x="1481138" y="4854575"/>
+                        <a:ext cx="341312" cy="409575"/>
+                      </a:xfrm>
+                      <a:prstGeom prst="rect">
+                        <a:avLst/>
+                      </a:prstGeom>
+                      <a:noFill/>
+                      <a:extLst>
+                        <a:ext uri="{909E8E84-426E-40DD-AFC4-6F175D3DCCD1}">
+                          <a14:hiddenFill xmlns:a14="http://schemas.microsoft.com/office/drawing/2010/main">
+                            <a:solidFill>
+                              <a:srgbClr val="FFFFFF"/>
+                            </a:solidFill>
+                          </a14:hiddenFill>
+                        </a:ext>
+                      </a:extLst>
+                    </p:spPr>
+                  </p:pic>
+                </p:oleObj>
+              </mc:Fallback>
+            </mc:AlternateContent>
           </a:graphicData>
         </a:graphic>
       </p:graphicFrame>
@@ -8361,9 +8643,59 @@
         </p:xfrm>
         <a:graphic>
           <a:graphicData uri="http://schemas.openxmlformats.org/presentationml/2006/ole">
-            <p:oleObj spid="_x0000_s37908" name="Equation" r:id="rId9" imgW="139680" imgH="164880" progId="Equation.DSMT4">
-              <p:embed/>
-            </p:oleObj>
+            <mc:AlternateContent xmlns:mc="http://schemas.openxmlformats.org/markup-compatibility/2006">
+              <mc:Choice xmlns:v="urn:schemas-microsoft-com:vml" Requires="v">
+                <p:oleObj spid="_x0000_s37936" name="Equation" r:id="rId14" imgW="139680" imgH="164880" progId="Equation.DSMT4">
+                  <p:embed/>
+                </p:oleObj>
+              </mc:Choice>
+              <mc:Fallback>
+                <p:oleObj name="Equation" r:id="rId14" imgW="139680" imgH="164880" progId="Equation.DSMT4">
+                  <p:embed/>
+                  <p:pic>
+                    <p:nvPicPr>
+                      <p:cNvPr id="0" name="Picture 20"/>
+                      <p:cNvPicPr>
+                        <a:picLocks noChangeAspect="1" noChangeArrowheads="1"/>
+                      </p:cNvPicPr>
+                      <p:nvPr/>
+                    </p:nvPicPr>
+                    <p:blipFill>
+                      <a:blip r:embed="rId15">
+                        <a:extLst>
+                          <a:ext uri="{28A0092B-C50C-407E-A947-70E740481C1C}">
+                            <a14:useLocalDpi xmlns:a14="http://schemas.microsoft.com/office/drawing/2010/main" val="0"/>
+                          </a:ext>
+                        </a:extLst>
+                      </a:blip>
+                      <a:srcRect/>
+                      <a:stretch>
+                        <a:fillRect/>
+                      </a:stretch>
+                    </p:blipFill>
+                    <p:spPr bwMode="auto">
+                      <a:xfrm>
+                        <a:off x="1330325" y="5249863"/>
+                        <a:ext cx="301625" cy="357187"/>
+                      </a:xfrm>
+                      <a:prstGeom prst="rect">
+                        <a:avLst/>
+                      </a:prstGeom>
+                      <a:noFill/>
+                      <a:extLst>
+                        <a:ext uri="{909E8E84-426E-40DD-AFC4-6F175D3DCCD1}">
+                          <a14:hiddenFill xmlns:a14="http://schemas.microsoft.com/office/drawing/2010/main">
+                            <a:solidFill>
+                              <a:srgbClr val="FFFFFF"/>
+                            </a:solidFill>
+                          </a14:hiddenFill>
+                        </a:ext>
+                      </a:extLst>
+                    </p:spPr>
+                  </p:pic>
+                </p:oleObj>
+              </mc:Fallback>
+            </mc:AlternateContent>
           </a:graphicData>
         </a:graphic>
       </p:graphicFrame>
@@ -8381,9 +8713,59 @@
         </p:xfrm>
         <a:graphic>
           <a:graphicData uri="http://schemas.openxmlformats.org/presentationml/2006/ole">
-            <p:oleObj spid="_x0000_s37909" name="Equation" r:id="rId10" imgW="139680" imgH="164880" progId="Equation.DSMT4">
-              <p:embed/>
-            </p:oleObj>
+            <mc:AlternateContent xmlns:mc="http://schemas.openxmlformats.org/markup-compatibility/2006">
+              <mc:Choice xmlns:v="urn:schemas-microsoft-com:vml" Requires="v">
+                <p:oleObj spid="_x0000_s37937" name="Equation" r:id="rId16" imgW="139680" imgH="164880" progId="Equation.DSMT4">
+                  <p:embed/>
+                </p:oleObj>
+              </mc:Choice>
+              <mc:Fallback>
+                <p:oleObj name="Equation" r:id="rId16" imgW="139680" imgH="164880" progId="Equation.DSMT4">
+                  <p:embed/>
+                  <p:pic>
+                    <p:nvPicPr>
+                      <p:cNvPr id="0" name="Picture 21"/>
+                      <p:cNvPicPr>
+                        <a:picLocks noChangeAspect="1" noChangeArrowheads="1"/>
+                      </p:cNvPicPr>
+                      <p:nvPr/>
+                    </p:nvPicPr>
+                    <p:blipFill>
+                      <a:blip r:embed="rId5">
+                        <a:extLst>
+                          <a:ext uri="{28A0092B-C50C-407E-A947-70E740481C1C}">
+                            <a14:useLocalDpi xmlns:a14="http://schemas.microsoft.com/office/drawing/2010/main" val="0"/>
+                          </a:ext>
+                        </a:extLst>
+                      </a:blip>
+                      <a:srcRect/>
+                      <a:stretch>
+                        <a:fillRect/>
+                      </a:stretch>
+                    </p:blipFill>
+                    <p:spPr bwMode="auto">
+                      <a:xfrm>
+                        <a:off x="4062413" y="5265738"/>
+                        <a:ext cx="288925" cy="341312"/>
+                      </a:xfrm>
+                      <a:prstGeom prst="rect">
+                        <a:avLst/>
+                      </a:prstGeom>
+                      <a:noFill/>
+                      <a:extLst>
+                        <a:ext uri="{909E8E84-426E-40DD-AFC4-6F175D3DCCD1}">
+                          <a14:hiddenFill xmlns:a14="http://schemas.microsoft.com/office/drawing/2010/main">
+                            <a:solidFill>
+                              <a:srgbClr val="FFFFFF"/>
+                            </a:solidFill>
+                          </a14:hiddenFill>
+                        </a:ext>
+                      </a:extLst>
+                    </p:spPr>
+                  </p:pic>
+                </p:oleObj>
+              </mc:Fallback>
+            </mc:AlternateContent>
           </a:graphicData>
         </a:graphic>
       </p:graphicFrame>
@@ -9021,7 +9403,7 @@
               </a:spcBef>
             </a:pPr>
             <a:r>
-              <a:rPr lang="zh-CN" altLang="en-US" b="1">
+              <a:rPr lang="zh-CN" altLang="en-US" b="1" dirty="0">
                 <a:solidFill>
                   <a:schemeClr val="tx2"/>
                 </a:solidFill>
@@ -9420,6 +9802,36 @@
           </a:p>
         </p:txBody>
       </p:sp>
+      <p:pic>
+        <p:nvPicPr>
+          <p:cNvPr id="3" name="图片 2"/>
+          <p:cNvPicPr>
+            <a:picLocks noChangeAspect="1"/>
+          </p:cNvPicPr>
+          <p:nvPr/>
+        </p:nvPicPr>
+        <p:blipFill>
+          <a:blip r:embed="rId2">
+            <a:extLst>
+              <a:ext uri="{28A0092B-C50C-407E-A947-70E740481C1C}">
+                <a14:useLocalDpi xmlns:a14="http://schemas.microsoft.com/office/drawing/2010/main" val="0"/>
+              </a:ext>
+            </a:extLst>
+          </a:blip>
+          <a:stretch>
+            <a:fillRect/>
+          </a:stretch>
+        </p:blipFill>
+        <p:spPr>
+          <a:xfrm>
+            <a:off x="1423852" y="2258673"/>
+            <a:ext cx="6570618" cy="3907961"/>
+          </a:xfrm>
+          <a:prstGeom prst="rect">
+            <a:avLst/>
+          </a:prstGeom>
+        </p:spPr>
+      </p:pic>
     </p:spTree>
   </p:cSld>
   <p:clrMapOvr>

--- a/ppt/majian.pptx
+++ b/ppt/majian.pptx
@@ -22,11 +22,14 @@
     <p:sldId id="306" r:id="rId16"/>
     <p:sldId id="264" r:id="rId17"/>
     <p:sldId id="293" r:id="rId18"/>
-    <p:sldId id="294" r:id="rId19"/>
-    <p:sldId id="305" r:id="rId20"/>
-    <p:sldId id="304" r:id="rId21"/>
-    <p:sldId id="274" r:id="rId22"/>
-    <p:sldId id="270" r:id="rId23"/>
+    <p:sldId id="310" r:id="rId19"/>
+    <p:sldId id="311" r:id="rId20"/>
+    <p:sldId id="309" r:id="rId21"/>
+    <p:sldId id="312" r:id="rId22"/>
+    <p:sldId id="305" r:id="rId23"/>
+    <p:sldId id="304" r:id="rId24"/>
+    <p:sldId id="274" r:id="rId25"/>
+    <p:sldId id="270" r:id="rId26"/>
   </p:sldIdLst>
   <p:sldSz cx="9144000" cy="6858000" type="screen4x3"/>
   <p:notesSz cx="6858000" cy="9144000"/>
@@ -155,22 +158,6 @@
       </a:defRPr>
     </a:lvl9pPr>
   </p:defaultTextStyle>
-  <p:extLst>
-    <p:ext uri="{EFAFB233-063F-42B5-8137-9DF3F51BA10A}">
-      <p15:sldGuideLst xmlns:p15="http://schemas.microsoft.com/office/powerpoint/2012/main">
-        <p15:guide id="1" orient="horz" pos="2160">
-          <p15:clr>
-            <a:srgbClr val="A4A3A4"/>
-          </p15:clr>
-        </p15:guide>
-        <p15:guide id="2" pos="2880">
-          <p15:clr>
-            <a:srgbClr val="A4A3A4"/>
-          </p15:clr>
-        </p15:guide>
-      </p15:sldGuideLst>
-    </p:ext>
-  </p:extLst>
 </p:presentation>
 </file>
 
@@ -360,12 +347,12 @@
             <a:pPr>
               <a:defRPr/>
             </a:pPr>
-            <a:fld id="{3F7DCCFB-0B5F-4653-A5ED-541F89827356}" type="datetimeFigureOut">
+            <a:fld id="{CDC010D0-E8E6-4C33-BD43-C09BB0AE24ED}" type="datetimeFigureOut">
               <a:rPr lang="zh-CN" altLang="en-US"/>
               <a:pPr>
                 <a:defRPr/>
               </a:pPr>
-              <a:t>2016-05-06</a:t>
+              <a:t>2016/5/9</a:t>
             </a:fld>
             <a:endParaRPr lang="zh-CN" altLang="en-US"/>
           </a:p>
@@ -419,7 +406,7 @@
             <a:pPr>
               <a:defRPr/>
             </a:pPr>
-            <a:fld id="{C2AE1CD5-05FB-453A-A00D-E026D5735FA4}" type="slidenum">
+            <a:fld id="{2CECFAE1-F743-4693-AB95-03981E847B09}" type="slidenum">
               <a:rPr lang="zh-CN" altLang="en-US"/>
               <a:pPr>
                 <a:defRPr/>
@@ -552,12 +539,12 @@
             <a:pPr>
               <a:defRPr/>
             </a:pPr>
-            <a:fld id="{3760DE59-BD49-48A8-BBEB-C89DB5149974}" type="datetimeFigureOut">
+            <a:fld id="{0BCF1F0B-549D-40C4-9031-57500022D7A0}" type="datetimeFigureOut">
               <a:rPr lang="zh-CN" altLang="en-US"/>
               <a:pPr>
                 <a:defRPr/>
               </a:pPr>
-              <a:t>2016-05-06</a:t>
+              <a:t>2016/5/9</a:t>
             </a:fld>
             <a:endParaRPr lang="zh-CN" altLang="en-US"/>
           </a:p>
@@ -611,7 +598,7 @@
             <a:pPr>
               <a:defRPr/>
             </a:pPr>
-            <a:fld id="{21D40854-4D4B-4235-9D15-14E8AB46D3E5}" type="slidenum">
+            <a:fld id="{1BB0694D-8681-46B7-BA1A-92519C2A567A}" type="slidenum">
               <a:rPr lang="zh-CN" altLang="en-US"/>
               <a:pPr>
                 <a:defRPr/>
@@ -754,12 +741,12 @@
             <a:pPr>
               <a:defRPr/>
             </a:pPr>
-            <a:fld id="{71E0C5BB-484A-4161-A0B4-75E06290DDCE}" type="datetimeFigureOut">
+            <a:fld id="{D9CB01D9-5634-422F-B352-D108DCD91492}" type="datetimeFigureOut">
               <a:rPr lang="zh-CN" altLang="en-US"/>
               <a:pPr>
                 <a:defRPr/>
               </a:pPr>
-              <a:t>2016-05-06</a:t>
+              <a:t>2016/5/9</a:t>
             </a:fld>
             <a:endParaRPr lang="zh-CN" altLang="en-US"/>
           </a:p>
@@ -813,7 +800,7 @@
             <a:pPr>
               <a:defRPr/>
             </a:pPr>
-            <a:fld id="{8987C33B-20D9-4C89-9D7D-F0511F6059A9}" type="slidenum">
+            <a:fld id="{F075448F-6D2A-4B72-BA89-7EB50AEF3A22}" type="slidenum">
               <a:rPr lang="zh-CN" altLang="en-US"/>
               <a:pPr>
                 <a:defRPr/>
@@ -946,12 +933,12 @@
             <a:pPr>
               <a:defRPr/>
             </a:pPr>
-            <a:fld id="{20E342A4-99E4-4196-9B74-5A7C5F761629}" type="datetimeFigureOut">
+            <a:fld id="{87D2DE19-03D6-4C8B-B674-7951AF203C65}" type="datetimeFigureOut">
               <a:rPr lang="zh-CN" altLang="en-US"/>
               <a:pPr>
                 <a:defRPr/>
               </a:pPr>
-              <a:t>2016-05-06</a:t>
+              <a:t>2016/5/9</a:t>
             </a:fld>
             <a:endParaRPr lang="zh-CN" altLang="en-US"/>
           </a:p>
@@ -1005,7 +992,7 @@
             <a:pPr>
               <a:defRPr/>
             </a:pPr>
-            <a:fld id="{01E537C7-1AD8-47D9-B63C-E45314C8931C}" type="slidenum">
+            <a:fld id="{77F47220-B34F-495C-A488-41F26EC1B877}" type="slidenum">
               <a:rPr lang="zh-CN" altLang="en-US"/>
               <a:pPr>
                 <a:defRPr/>
@@ -1214,12 +1201,12 @@
             <a:pPr>
               <a:defRPr/>
             </a:pPr>
-            <a:fld id="{84565688-A893-4F54-9822-21A0A82FF07D}" type="datetimeFigureOut">
+            <a:fld id="{62009663-1C39-44FE-B34C-0D7B45122177}" type="datetimeFigureOut">
               <a:rPr lang="zh-CN" altLang="en-US"/>
               <a:pPr>
                 <a:defRPr/>
               </a:pPr>
-              <a:t>2016-05-06</a:t>
+              <a:t>2016/5/9</a:t>
             </a:fld>
             <a:endParaRPr lang="zh-CN" altLang="en-US"/>
           </a:p>
@@ -1273,7 +1260,7 @@
             <a:pPr>
               <a:defRPr/>
             </a:pPr>
-            <a:fld id="{83F7DCD2-FE8D-4CF6-B204-FEDE368153BE}" type="slidenum">
+            <a:fld id="{D5C8FF79-1D7B-42AE-AA0C-BD99193EF6FE}" type="slidenum">
               <a:rPr lang="zh-CN" altLang="en-US"/>
               <a:pPr>
                 <a:defRPr/>
@@ -1524,12 +1511,12 @@
             <a:pPr>
               <a:defRPr/>
             </a:pPr>
-            <a:fld id="{508CB9FC-25C9-4627-A54F-897F33D21BB4}" type="datetimeFigureOut">
+            <a:fld id="{250D5F4C-2F8D-4748-9857-91C995CFD654}" type="datetimeFigureOut">
               <a:rPr lang="zh-CN" altLang="en-US"/>
               <a:pPr>
                 <a:defRPr/>
               </a:pPr>
-              <a:t>2016-05-06</a:t>
+              <a:t>2016/5/9</a:t>
             </a:fld>
             <a:endParaRPr lang="zh-CN" altLang="en-US"/>
           </a:p>
@@ -1583,7 +1570,7 @@
             <a:pPr>
               <a:defRPr/>
             </a:pPr>
-            <a:fld id="{D7DD2FDB-DE5B-43F4-9476-7C74824556F6}" type="slidenum">
+            <a:fld id="{E810F476-DA36-449C-9DF1-E7D478FA20B8}" type="slidenum">
               <a:rPr lang="zh-CN" altLang="en-US"/>
               <a:pPr>
                 <a:defRPr/>
@@ -1968,12 +1955,12 @@
             <a:pPr>
               <a:defRPr/>
             </a:pPr>
-            <a:fld id="{EE42CDD9-7856-4A6A-BE05-0A6078AE8B86}" type="datetimeFigureOut">
+            <a:fld id="{8680BB57-2B87-472B-9088-DB56A79DD4DD}" type="datetimeFigureOut">
               <a:rPr lang="zh-CN" altLang="en-US"/>
               <a:pPr>
                 <a:defRPr/>
               </a:pPr>
-              <a:t>2016-05-06</a:t>
+              <a:t>2016/5/9</a:t>
             </a:fld>
             <a:endParaRPr lang="zh-CN" altLang="en-US"/>
           </a:p>
@@ -2027,7 +2014,7 @@
             <a:pPr>
               <a:defRPr/>
             </a:pPr>
-            <a:fld id="{78CD5305-C4A4-4DBA-82A5-BCE8FC92FA87}" type="slidenum">
+            <a:fld id="{633A8026-A653-4EBD-972A-F39B6D74BA87}" type="slidenum">
               <a:rPr lang="zh-CN" altLang="en-US"/>
               <a:pPr>
                 <a:defRPr/>
@@ -2108,12 +2095,12 @@
             <a:pPr>
               <a:defRPr/>
             </a:pPr>
-            <a:fld id="{395B38AE-8C02-442E-B667-0A7B5BDEE1DB}" type="datetimeFigureOut">
+            <a:fld id="{CC7DFCBD-F038-4BCD-8891-F238790A1F1C}" type="datetimeFigureOut">
               <a:rPr lang="zh-CN" altLang="en-US"/>
               <a:pPr>
                 <a:defRPr/>
               </a:pPr>
-              <a:t>2016-05-06</a:t>
+              <a:t>2016/5/9</a:t>
             </a:fld>
             <a:endParaRPr lang="zh-CN" altLang="en-US"/>
           </a:p>
@@ -2167,7 +2154,7 @@
             <a:pPr>
               <a:defRPr/>
             </a:pPr>
-            <a:fld id="{AF1165A8-630C-4DDA-BBC0-08F307A2D4FB}" type="slidenum">
+            <a:fld id="{9B11F458-9EEC-4DEC-8047-D8465E451EAD}" type="slidenum">
               <a:rPr lang="zh-CN" altLang="en-US"/>
               <a:pPr>
                 <a:defRPr/>
@@ -2225,12 +2212,12 @@
             <a:pPr>
               <a:defRPr/>
             </a:pPr>
-            <a:fld id="{B4795D60-1507-4016-9783-F9E75A642F89}" type="datetimeFigureOut">
+            <a:fld id="{F27E9504-1D15-4CCF-929E-86D9B262C056}" type="datetimeFigureOut">
               <a:rPr lang="zh-CN" altLang="en-US"/>
               <a:pPr>
                 <a:defRPr/>
               </a:pPr>
-              <a:t>2016-05-06</a:t>
+              <a:t>2016/5/9</a:t>
             </a:fld>
             <a:endParaRPr lang="zh-CN" altLang="en-US"/>
           </a:p>
@@ -2284,7 +2271,7 @@
             <a:pPr>
               <a:defRPr/>
             </a:pPr>
-            <a:fld id="{E26AE76E-9BD1-4B3A-AE40-E9C95B0BADB1}" type="slidenum">
+            <a:fld id="{3E4C029F-89E5-4C2F-856A-F8C23C772293}" type="slidenum">
               <a:rPr lang="zh-CN" altLang="en-US"/>
               <a:pPr>
                 <a:defRPr/>
@@ -2524,12 +2511,12 @@
             <a:pPr>
               <a:defRPr/>
             </a:pPr>
-            <a:fld id="{E8975975-28C5-4D6D-BF6D-83C8E38248CA}" type="datetimeFigureOut">
+            <a:fld id="{D2F81D6B-FF73-413C-8A3C-F1F41DD4BCA6}" type="datetimeFigureOut">
               <a:rPr lang="zh-CN" altLang="en-US"/>
               <a:pPr>
                 <a:defRPr/>
               </a:pPr>
-              <a:t>2016-05-06</a:t>
+              <a:t>2016/5/9</a:t>
             </a:fld>
             <a:endParaRPr lang="zh-CN" altLang="en-US"/>
           </a:p>
@@ -2583,7 +2570,7 @@
             <a:pPr>
               <a:defRPr/>
             </a:pPr>
-            <a:fld id="{C4190014-66D8-4204-9F56-874D3CD0373E}" type="slidenum">
+            <a:fld id="{82ED582C-7311-4D22-AD89-0DDBCE3DE136}" type="slidenum">
               <a:rPr lang="zh-CN" altLang="en-US"/>
               <a:pPr>
                 <a:defRPr/>
@@ -2802,12 +2789,12 @@
             <a:pPr>
               <a:defRPr/>
             </a:pPr>
-            <a:fld id="{BB75B7D7-002E-41A1-AA53-80583133E547}" type="datetimeFigureOut">
+            <a:fld id="{A1F830B8-DCF8-45BD-9EE4-C07AC200D0CB}" type="datetimeFigureOut">
               <a:rPr lang="zh-CN" altLang="en-US"/>
               <a:pPr>
                 <a:defRPr/>
               </a:pPr>
-              <a:t>2016-05-06</a:t>
+              <a:t>2016/5/9</a:t>
             </a:fld>
             <a:endParaRPr lang="zh-CN" altLang="en-US"/>
           </a:p>
@@ -2861,7 +2848,7 @@
             <a:pPr>
               <a:defRPr/>
             </a:pPr>
-            <a:fld id="{43AAA705-0697-449E-A3D2-5EB01DB0F498}" type="slidenum">
+            <a:fld id="{457C86C8-BF9F-41D5-B660-E3B83316D7DD}" type="slidenum">
               <a:rPr lang="zh-CN" altLang="en-US"/>
               <a:pPr>
                 <a:defRPr/>
@@ -3059,12 +3046,12 @@
             <a:pPr>
               <a:defRPr/>
             </a:pPr>
-            <a:fld id="{C18C6E05-2EDD-4FA5-BBFF-9645B222D440}" type="datetimeFigureOut">
+            <a:fld id="{B4A06061-BFFA-4ABC-A6E1-9E9DC1616358}" type="datetimeFigureOut">
               <a:rPr lang="zh-CN" altLang="en-US"/>
               <a:pPr>
                 <a:defRPr/>
               </a:pPr>
-              <a:t>2016-05-06</a:t>
+              <a:t>2016/5/9</a:t>
             </a:fld>
             <a:endParaRPr lang="zh-CN" altLang="en-US"/>
           </a:p>
@@ -3164,7 +3151,7 @@
             <a:pPr>
               <a:defRPr/>
             </a:pPr>
-            <a:fld id="{7370F0A1-CE9B-4897-B903-8CD40AC9A2E2}" type="slidenum">
+            <a:fld id="{E6225239-91B9-4930-9584-D6C3E0B62393}" type="slidenum">
               <a:rPr lang="zh-CN" altLang="en-US"/>
               <a:pPr>
                 <a:defRPr/>
@@ -3179,17 +3166,17 @@
   </p:cSld>
   <p:clrMap bg1="lt1" tx1="dk1" bg2="lt2" tx2="dk2" accent1="accent1" accent2="accent2" accent3="accent3" accent4="accent4" accent5="accent5" accent6="accent6" hlink="hlink" folHlink="folHlink"/>
   <p:sldLayoutIdLst>
-    <p:sldLayoutId id="2147483659" r:id="rId1"/>
-    <p:sldLayoutId id="2147483658" r:id="rId2"/>
-    <p:sldLayoutId id="2147483657" r:id="rId3"/>
-    <p:sldLayoutId id="2147483656" r:id="rId4"/>
-    <p:sldLayoutId id="2147483655" r:id="rId5"/>
+    <p:sldLayoutId id="2147483649" r:id="rId1"/>
+    <p:sldLayoutId id="2147483650" r:id="rId2"/>
+    <p:sldLayoutId id="2147483651" r:id="rId3"/>
+    <p:sldLayoutId id="2147483652" r:id="rId4"/>
+    <p:sldLayoutId id="2147483653" r:id="rId5"/>
     <p:sldLayoutId id="2147483654" r:id="rId6"/>
-    <p:sldLayoutId id="2147483653" r:id="rId7"/>
-    <p:sldLayoutId id="2147483652" r:id="rId8"/>
-    <p:sldLayoutId id="2147483651" r:id="rId9"/>
-    <p:sldLayoutId id="2147483650" r:id="rId10"/>
-    <p:sldLayoutId id="2147483649" r:id="rId11"/>
+    <p:sldLayoutId id="2147483655" r:id="rId7"/>
+    <p:sldLayoutId id="2147483656" r:id="rId8"/>
+    <p:sldLayoutId id="2147483657" r:id="rId9"/>
+    <p:sldLayoutId id="2147483658" r:id="rId10"/>
+    <p:sldLayoutId id="2147483659" r:id="rId11"/>
   </p:sldLayoutIdLst>
   <p:txStyles>
     <p:titleStyle>
@@ -5259,14 +5246,157 @@
               <a:buChar char="•"/>
             </a:pPr>
             <a:r>
+              <a:rPr lang="zh-CN" altLang="en-US" sz="2200">
+                <a:solidFill>
+                  <a:schemeClr val="tx2"/>
+                </a:solidFill>
+                <a:latin typeface="宋体" charset="-122"/>
+              </a:rPr>
+              <a:t>对于未分层的混合方法，设定</a:t>
+            </a:r>
+            <a:r>
               <a:rPr lang="en-US" altLang="zh-CN" sz="2200">
                 <a:solidFill>
                   <a:schemeClr val="tx2"/>
                 </a:solidFill>
-                <a:latin typeface="Arial" charset="0"/>
-                <a:ea typeface="MS PGothic" pitchFamily="34" charset="-128"/>
-              </a:rPr>
-              <a:t>Tested on processors with 100 cores, 256 cores, 400 cores, 625 cores.</a:t>
+                <a:latin typeface="宋体" charset="-122"/>
+              </a:rPr>
+              <a:t>16</a:t>
+            </a:r>
+            <a:r>
+              <a:rPr lang="zh-CN" altLang="en-US" sz="2200">
+                <a:solidFill>
+                  <a:schemeClr val="tx2"/>
+                </a:solidFill>
+                <a:latin typeface="宋体" charset="-122"/>
+              </a:rPr>
+              <a:t>核，</a:t>
+            </a:r>
+            <a:r>
+              <a:rPr lang="en-US" altLang="zh-CN" sz="2200">
+                <a:solidFill>
+                  <a:schemeClr val="tx2"/>
+                </a:solidFill>
+                <a:latin typeface="宋体" charset="-122"/>
+              </a:rPr>
+              <a:t>25</a:t>
+            </a:r>
+            <a:r>
+              <a:rPr lang="zh-CN" altLang="en-US" sz="2200">
+                <a:solidFill>
+                  <a:schemeClr val="tx2"/>
+                </a:solidFill>
+                <a:latin typeface="宋体" charset="-122"/>
+              </a:rPr>
+              <a:t>核，</a:t>
+            </a:r>
+            <a:r>
+              <a:rPr lang="en-US" altLang="zh-CN" sz="2200">
+                <a:solidFill>
+                  <a:schemeClr val="tx2"/>
+                </a:solidFill>
+                <a:latin typeface="宋体" charset="-122"/>
+              </a:rPr>
+              <a:t>36</a:t>
+            </a:r>
+            <a:r>
+              <a:rPr lang="zh-CN" altLang="en-US" sz="2200">
+                <a:solidFill>
+                  <a:schemeClr val="tx2"/>
+                </a:solidFill>
+                <a:latin typeface="宋体" charset="-122"/>
+              </a:rPr>
+              <a:t>核与</a:t>
+            </a:r>
+            <a:r>
+              <a:rPr lang="en-US" altLang="zh-CN" sz="2200">
+                <a:solidFill>
+                  <a:schemeClr val="tx2"/>
+                </a:solidFill>
+                <a:latin typeface="宋体" charset="-122"/>
+              </a:rPr>
+              <a:t>49</a:t>
+            </a:r>
+            <a:r>
+              <a:rPr lang="zh-CN" altLang="en-US" sz="2200">
+                <a:solidFill>
+                  <a:schemeClr val="tx2"/>
+                </a:solidFill>
+                <a:latin typeface="宋体" charset="-122"/>
+              </a:rPr>
+              <a:t>核来进行测试比较。对于改进的分层方法设定了</a:t>
+            </a:r>
+            <a:r>
+              <a:rPr lang="en-US" altLang="zh-CN" sz="2200">
+                <a:solidFill>
+                  <a:schemeClr val="tx2"/>
+                </a:solidFill>
+                <a:latin typeface="宋体" charset="-122"/>
+              </a:rPr>
+              <a:t>100</a:t>
+            </a:r>
+            <a:r>
+              <a:rPr lang="zh-CN" altLang="en-US" sz="2200">
+                <a:solidFill>
+                  <a:schemeClr val="tx2"/>
+                </a:solidFill>
+                <a:latin typeface="宋体" charset="-122"/>
+              </a:rPr>
+              <a:t>核，</a:t>
+            </a:r>
+            <a:r>
+              <a:rPr lang="en-US" altLang="zh-CN" sz="2200">
+                <a:solidFill>
+                  <a:schemeClr val="tx2"/>
+                </a:solidFill>
+                <a:latin typeface="宋体" charset="-122"/>
+              </a:rPr>
+              <a:t>256</a:t>
+            </a:r>
+            <a:r>
+              <a:rPr lang="zh-CN" altLang="en-US" sz="2200">
+                <a:solidFill>
+                  <a:schemeClr val="tx2"/>
+                </a:solidFill>
+                <a:latin typeface="宋体" charset="-122"/>
+              </a:rPr>
+              <a:t>核，</a:t>
+            </a:r>
+            <a:r>
+              <a:rPr lang="en-US" altLang="zh-CN" sz="2200">
+                <a:solidFill>
+                  <a:schemeClr val="tx2"/>
+                </a:solidFill>
+                <a:latin typeface="宋体" charset="-122"/>
+              </a:rPr>
+              <a:t>400</a:t>
+            </a:r>
+            <a:r>
+              <a:rPr lang="zh-CN" altLang="en-US" sz="2200">
+                <a:solidFill>
+                  <a:schemeClr val="tx2"/>
+                </a:solidFill>
+                <a:latin typeface="宋体" charset="-122"/>
+              </a:rPr>
+              <a:t>核以及</a:t>
+            </a:r>
+            <a:r>
+              <a:rPr lang="en-US" altLang="zh-CN" sz="2200">
+                <a:solidFill>
+                  <a:schemeClr val="tx2"/>
+                </a:solidFill>
+                <a:latin typeface="宋体" charset="-122"/>
+              </a:rPr>
+              <a:t>625</a:t>
+            </a:r>
+            <a:r>
+              <a:rPr lang="zh-CN" altLang="en-US" sz="2200">
+                <a:solidFill>
+                  <a:schemeClr val="tx2"/>
+                </a:solidFill>
+                <a:latin typeface="宋体" charset="-122"/>
+              </a:rPr>
+              <a:t>核进行测试比较。</a:t>
             </a:r>
             <a:endParaRPr lang="en-US" altLang="zh-CN" sz="2600">
               <a:solidFill>
@@ -5285,15 +5415,39 @@
               <a:buChar char="•"/>
             </a:pPr>
             <a:r>
-              <a:rPr lang="en-US" altLang="zh-CN" sz="2200">
-                <a:solidFill>
-                  <a:schemeClr val="tx2"/>
-                </a:solidFill>
-                <a:latin typeface="Arial" charset="0"/>
-                <a:ea typeface="MS PGothic" pitchFamily="34" charset="-128"/>
-              </a:rPr>
-              <a:t>Thermal model generated using HotSpot.</a:t>
-            </a:r>
+              <a:rPr lang="zh-CN" altLang="en-US" sz="2200">
+                <a:solidFill>
+                  <a:schemeClr val="tx2"/>
+                </a:solidFill>
+                <a:latin typeface="宋体" charset="-122"/>
+              </a:rPr>
+              <a:t>热模型用</a:t>
+            </a:r>
+            <a:r>
+              <a:rPr lang="en-US" altLang="zh-CN" sz="2200" b="1">
+                <a:solidFill>
+                  <a:schemeClr val="tx2"/>
+                </a:solidFill>
+                <a:latin typeface="Times New Roman" pitchFamily="18" charset="0"/>
+              </a:rPr>
+              <a:t>HotSpot</a:t>
+            </a:r>
+            <a:r>
+              <a:rPr lang="zh-CN" altLang="en-US" sz="2200">
+                <a:solidFill>
+                  <a:schemeClr val="tx2"/>
+                </a:solidFill>
+                <a:latin typeface="宋体" charset="-122"/>
+              </a:rPr>
+              <a:t>得到。</a:t>
+            </a:r>
+            <a:endParaRPr lang="en-US" altLang="zh-CN" sz="2200">
+              <a:solidFill>
+                <a:schemeClr val="tx2"/>
+              </a:solidFill>
+              <a:latin typeface="Arial" charset="0"/>
+              <a:ea typeface="MS PGothic" pitchFamily="34" charset="-128"/>
+            </a:endParaRPr>
           </a:p>
           <a:p>
             <a:pPr marL="342900" lvl="1" indent="-342900">
@@ -5304,15 +5458,52 @@
               <a:buChar char="•"/>
             </a:pPr>
             <a:r>
-              <a:rPr lang="en-US" altLang="zh-CN" sz="2200">
-                <a:solidFill>
-                  <a:schemeClr val="tx2"/>
-                </a:solidFill>
-                <a:latin typeface="Arial" charset="0"/>
-                <a:ea typeface="MS PGothic" pitchFamily="34" charset="-128"/>
-              </a:rPr>
-              <a:t>Power trace generated using Wattch with SPEC benchmarks.</a:t>
-            </a:r>
+              <a:rPr lang="zh-CN" altLang="en-US" sz="2200">
+                <a:solidFill>
+                  <a:schemeClr val="tx2"/>
+                </a:solidFill>
+                <a:latin typeface="宋体" charset="-122"/>
+              </a:rPr>
+              <a:t>功耗信息由</a:t>
+            </a:r>
+            <a:r>
+              <a:rPr lang="en-US" altLang="zh-CN" sz="2200" b="1">
+                <a:solidFill>
+                  <a:schemeClr val="tx2"/>
+                </a:solidFill>
+                <a:latin typeface="Times New Roman" pitchFamily="18" charset="0"/>
+              </a:rPr>
+              <a:t>SPEC benchmarks</a:t>
+            </a:r>
+            <a:r>
+              <a:rPr lang="zh-CN" altLang="en-US"/>
+              <a:t> 在</a:t>
+            </a:r>
+            <a:r>
+              <a:rPr lang="en-US" altLang="zh-CN" sz="2200" b="1">
+                <a:solidFill>
+                  <a:schemeClr val="tx2"/>
+                </a:solidFill>
+                <a:latin typeface="Times New Roman" pitchFamily="18" charset="0"/>
+              </a:rPr>
+              <a:t>Wattch</a:t>
+            </a:r>
+            <a:r>
+              <a:rPr lang="zh-CN" altLang="en-US" sz="2200">
+                <a:solidFill>
+                  <a:schemeClr val="tx2"/>
+                </a:solidFill>
+                <a:latin typeface="宋体" charset="-122"/>
+              </a:rPr>
+              <a:t>上运行得到。</a:t>
+            </a:r>
+            <a:endParaRPr lang="en-US" altLang="zh-CN" sz="2200">
+              <a:solidFill>
+                <a:schemeClr val="tx2"/>
+              </a:solidFill>
+              <a:latin typeface="Arial" charset="0"/>
+              <a:ea typeface="MS PGothic" pitchFamily="34" charset="-128"/>
+            </a:endParaRPr>
           </a:p>
           <a:p>
             <a:pPr marL="342900" lvl="1" indent="-342900">
@@ -5323,14 +5514,31 @@
               <a:buChar char="•"/>
             </a:pPr>
             <a:r>
+              <a:rPr lang="zh-CN" altLang="en-US" sz="2200">
+                <a:solidFill>
+                  <a:schemeClr val="tx2"/>
+                </a:solidFill>
+                <a:latin typeface="宋体" charset="-122"/>
+              </a:rPr>
+              <a:t>环境温度设定为</a:t>
+            </a:r>
+            <a:r>
               <a:rPr lang="en-US" altLang="zh-CN" sz="2200">
                 <a:solidFill>
                   <a:schemeClr val="tx2"/>
                 </a:solidFill>
-                <a:latin typeface="Arial" charset="0"/>
-                <a:ea typeface="MS PGothic" pitchFamily="34" charset="-128"/>
-              </a:rPr>
-              <a:t>Ambient temperature set to be 20 degree.</a:t>
+                <a:latin typeface="宋体" charset="-122"/>
+              </a:rPr>
+              <a:t>20</a:t>
+            </a:r>
+            <a:r>
+              <a:rPr lang="zh-CN" altLang="en-US" sz="2200">
+                <a:solidFill>
+                  <a:schemeClr val="tx2"/>
+                </a:solidFill>
+                <a:latin typeface="宋体" charset="-122"/>
+              </a:rPr>
+              <a:t>摄氏度。</a:t>
             </a:r>
           </a:p>
           <a:p>
@@ -5342,66 +5550,32 @@
               <a:buChar char="•"/>
             </a:pPr>
             <a:r>
+              <a:rPr lang="zh-CN" altLang="en-US" sz="2200">
+                <a:solidFill>
+                  <a:schemeClr val="tx2"/>
+                </a:solidFill>
+                <a:latin typeface="宋体" charset="-122"/>
+              </a:rPr>
+              <a:t>安全温度设定为</a:t>
+            </a:r>
+            <a:r>
               <a:rPr lang="en-US" altLang="zh-CN" sz="2200">
                 <a:solidFill>
                   <a:schemeClr val="tx2"/>
                 </a:solidFill>
-                <a:latin typeface="Arial" charset="0"/>
-                <a:ea typeface="MS PGothic" pitchFamily="34" charset="-128"/>
-              </a:rPr>
-              <a:t>Safe temperature set to be 105 degree.</a:t>
-            </a:r>
-          </a:p>
-          <a:p>
-            <a:pPr marL="342900" lvl="1" indent="-342900">
-              <a:spcBef>
-                <a:spcPct val="20000"/>
-              </a:spcBef>
-              <a:buFont typeface="Arial" charset="0"/>
-              <a:buChar char="•"/>
-            </a:pPr>
-            <a:endParaRPr lang="en-US" altLang="zh-CN" sz="2200">
-              <a:solidFill>
-                <a:schemeClr val="tx1"/>
-              </a:solidFill>
-              <a:latin typeface="Arial" charset="0"/>
-              <a:ea typeface="MS PGothic" pitchFamily="34" charset="-128"/>
-            </a:endParaRPr>
-          </a:p>
-          <a:p>
-            <a:pPr marL="342900" lvl="1" indent="-342900">
-              <a:spcBef>
-                <a:spcPct val="20000"/>
-              </a:spcBef>
-              <a:buFont typeface="Arial" charset="0"/>
-              <a:buChar char="•"/>
-            </a:pPr>
-            <a:endParaRPr lang="en-US" altLang="zh-CN" sz="2200">
-              <a:latin typeface="Arial" charset="0"/>
-              <a:ea typeface="MS PGothic" pitchFamily="34" charset="-128"/>
-            </a:endParaRPr>
-          </a:p>
-          <a:p>
-            <a:pPr marL="342900" lvl="1" indent="-342900">
-              <a:spcBef>
-                <a:spcPct val="20000"/>
-              </a:spcBef>
-              <a:buFont typeface="Arial" charset="0"/>
-              <a:buChar char="•"/>
-            </a:pPr>
-            <a:endParaRPr lang="en-US" altLang="zh-CN" sz="2200">
-              <a:latin typeface="Arial" charset="0"/>
-              <a:ea typeface="MS PGothic" pitchFamily="34" charset="-128"/>
-            </a:endParaRPr>
-          </a:p>
-          <a:p>
-            <a:pPr marL="342900" lvl="1" indent="-342900">
-              <a:spcBef>
-                <a:spcPct val="20000"/>
-              </a:spcBef>
-              <a:buFont typeface="Arial" charset="0"/>
-              <a:buChar char="•"/>
-            </a:pPr>
+                <a:latin typeface="宋体" charset="-122"/>
+              </a:rPr>
+              <a:t>105</a:t>
+            </a:r>
+            <a:r>
+              <a:rPr lang="zh-CN" altLang="en-US" sz="2200">
+                <a:solidFill>
+                  <a:schemeClr val="tx2"/>
+                </a:solidFill>
+                <a:latin typeface="宋体" charset="-122"/>
+              </a:rPr>
+              <a:t>摄氏度。</a:t>
+            </a:r>
             <a:endParaRPr lang="en-US" altLang="zh-CN" sz="2200">
               <a:latin typeface="Arial" charset="0"/>
               <a:ea typeface="MS PGothic" pitchFamily="34" charset="-128"/>
@@ -5470,19 +5644,67 @@
           <a:lstStyle/>
           <a:p>
             <a:r>
-              <a:rPr lang="en-US" altLang="zh-CN" sz="4400">
+              <a:rPr lang="zh-CN" altLang="en-US" sz="4400">
                 <a:solidFill>
                   <a:srgbClr val="FF6600"/>
                 </a:solidFill>
-              </a:rPr>
-              <a:t>Transient temperature comparison</a:t>
+                <a:latin typeface="宋体" charset="-122"/>
+              </a:rPr>
+              <a:t>未分层混合方法的比较</a:t>
+            </a:r>
+          </a:p>
+        </p:txBody>
+      </p:sp>
+      <p:sp>
+        <p:nvSpPr>
+          <p:cNvPr id="50178" name="Text Box 17"/>
+          <p:cNvSpPr txBox="1">
+            <a:spLocks noChangeArrowheads="1"/>
+          </p:cNvSpPr>
+          <p:nvPr/>
+        </p:nvSpPr>
+        <p:spPr bwMode="auto">
+          <a:xfrm>
+            <a:off x="215900" y="3382963"/>
+            <a:ext cx="2903538" cy="641350"/>
+          </a:xfrm>
+          <a:prstGeom prst="rect">
+            <a:avLst/>
+          </a:prstGeom>
+          <a:noFill/>
+          <a:ln w="28575" algn="ctr">
+            <a:noFill/>
+            <a:miter lim="800000"/>
+            <a:headEnd/>
+            <a:tailEnd/>
+          </a:ln>
+        </p:spPr>
+        <p:txBody>
+          <a:bodyPr>
+            <a:spAutoFit/>
+          </a:bodyPr>
+          <a:lstStyle/>
+          <a:p>
+            <a:pPr>
+              <a:spcBef>
+                <a:spcPct val="50000"/>
+              </a:spcBef>
+            </a:pPr>
+            <a:r>
+              <a:rPr lang="zh-CN" altLang="en-US" b="1">
+                <a:solidFill>
+                  <a:schemeClr val="tx2"/>
+                </a:solidFill>
+                <a:latin typeface="宋体" charset="-122"/>
+              </a:rPr>
+              <a:t>没有采用温度管理方法时的温度</a:t>
             </a:r>
           </a:p>
         </p:txBody>
       </p:sp>
       <p:pic>
         <p:nvPicPr>
-          <p:cNvPr id="50178" name="Picture 13" descr="Screenshot-9"/>
+          <p:cNvPr id="50179" name="Picture 16" descr="混合温度3"/>
           <p:cNvPicPr>
             <a:picLocks noChangeAspect="1" noChangeArrowheads="1"/>
           </p:cNvPicPr>
@@ -5497,8 +5719,8 @@
         </p:blipFill>
         <p:spPr bwMode="auto">
           <a:xfrm>
-            <a:off x="4530725" y="3887788"/>
-            <a:ext cx="3198813" cy="2597150"/>
+            <a:off x="5907088" y="1187450"/>
+            <a:ext cx="2981325" cy="2195513"/>
           </a:xfrm>
           <a:prstGeom prst="rect">
             <a:avLst/>
@@ -5514,7 +5736,7 @@
       </p:pic>
       <p:pic>
         <p:nvPicPr>
-          <p:cNvPr id="50179" name="Picture 14" descr="Screenshot-6"/>
+          <p:cNvPr id="50180" name="Picture 17" descr="混合温度1"/>
           <p:cNvPicPr>
             <a:picLocks noChangeAspect="1" noChangeArrowheads="1"/>
           </p:cNvPicPr>
@@ -5529,8 +5751,8 @@
         </p:blipFill>
         <p:spPr bwMode="auto">
           <a:xfrm>
-            <a:off x="457200" y="1187450"/>
-            <a:ext cx="3048000" cy="2403475"/>
+            <a:off x="0" y="1146175"/>
+            <a:ext cx="2781300" cy="2160588"/>
           </a:xfrm>
           <a:prstGeom prst="rect">
             <a:avLst/>
@@ -5546,7 +5768,7 @@
       </p:pic>
       <p:pic>
         <p:nvPicPr>
-          <p:cNvPr id="50180" name="Picture 15" descr="Screenshot-7"/>
+          <p:cNvPr id="50181" name="Picture 18" descr="混合温度2"/>
           <p:cNvPicPr>
             <a:picLocks noChangeAspect="1" noChangeArrowheads="1"/>
           </p:cNvPicPr>
@@ -5561,8 +5783,8 @@
         </p:blipFill>
         <p:spPr bwMode="auto">
           <a:xfrm>
-            <a:off x="4556125" y="1168400"/>
-            <a:ext cx="3203575" cy="2552700"/>
+            <a:off x="2781300" y="1087438"/>
+            <a:ext cx="3087688" cy="2219325"/>
           </a:xfrm>
           <a:prstGeom prst="rect">
             <a:avLst/>
@@ -5576,9 +5798,139 @@
           </a:ln>
         </p:spPr>
       </p:pic>
+      <p:sp>
+        <p:nvSpPr>
+          <p:cNvPr id="50182" name="Text Box 17"/>
+          <p:cNvSpPr txBox="1">
+            <a:spLocks noChangeArrowheads="1"/>
+          </p:cNvSpPr>
+          <p:nvPr/>
+        </p:nvSpPr>
+        <p:spPr bwMode="auto">
+          <a:xfrm>
+            <a:off x="3119438" y="3382963"/>
+            <a:ext cx="2903537" cy="366712"/>
+          </a:xfrm>
+          <a:prstGeom prst="rect">
+            <a:avLst/>
+          </a:prstGeom>
+          <a:noFill/>
+          <a:ln w="28575" algn="ctr">
+            <a:noFill/>
+            <a:miter lim="800000"/>
+            <a:headEnd/>
+            <a:tailEnd/>
+          </a:ln>
+        </p:spPr>
+        <p:txBody>
+          <a:bodyPr>
+            <a:spAutoFit/>
+          </a:bodyPr>
+          <a:lstStyle/>
+          <a:p>
+            <a:pPr>
+              <a:spcBef>
+                <a:spcPct val="50000"/>
+              </a:spcBef>
+            </a:pPr>
+            <a:r>
+              <a:rPr lang="zh-CN" altLang="en-US" b="1">
+                <a:solidFill>
+                  <a:schemeClr val="tx2"/>
+                </a:solidFill>
+                <a:latin typeface="宋体" charset="-122"/>
+              </a:rPr>
+              <a:t>采用混合方法时的温度</a:t>
+            </a:r>
+          </a:p>
+        </p:txBody>
+      </p:sp>
+      <p:sp>
+        <p:nvSpPr>
+          <p:cNvPr id="50183" name="Text Box 17"/>
+          <p:cNvSpPr txBox="1">
+            <a:spLocks noChangeArrowheads="1"/>
+          </p:cNvSpPr>
+          <p:nvPr/>
+        </p:nvSpPr>
+        <p:spPr bwMode="auto">
+          <a:xfrm>
+            <a:off x="6022975" y="3382963"/>
+            <a:ext cx="2903538" cy="641350"/>
+          </a:xfrm>
+          <a:prstGeom prst="rect">
+            <a:avLst/>
+          </a:prstGeom>
+          <a:noFill/>
+          <a:ln w="28575" algn="ctr">
+            <a:noFill/>
+            <a:miter lim="800000"/>
+            <a:headEnd/>
+            <a:tailEnd/>
+          </a:ln>
+        </p:spPr>
+        <p:txBody>
+          <a:bodyPr>
+            <a:spAutoFit/>
+          </a:bodyPr>
+          <a:lstStyle/>
+          <a:p>
+            <a:pPr>
+              <a:spcBef>
+                <a:spcPct val="50000"/>
+              </a:spcBef>
+            </a:pPr>
+            <a:r>
+              <a:rPr lang="zh-CN" altLang="en-US" b="1">
+                <a:solidFill>
+                  <a:schemeClr val="tx2"/>
+                </a:solidFill>
+                <a:latin typeface="宋体" charset="-122"/>
+              </a:rPr>
+              <a:t>采用</a:t>
+            </a:r>
+            <a:r>
+              <a:rPr lang="en-US" altLang="zh-CN" b="1">
+                <a:solidFill>
+                  <a:schemeClr val="tx2"/>
+                </a:solidFill>
+                <a:latin typeface="宋体" charset="-122"/>
+              </a:rPr>
+              <a:t>MPC</a:t>
+            </a:r>
+            <a:r>
+              <a:rPr lang="zh-CN" altLang="en-US" b="1">
+                <a:solidFill>
+                  <a:schemeClr val="tx2"/>
+                </a:solidFill>
+                <a:latin typeface="宋体" charset="-122"/>
+              </a:rPr>
+              <a:t>只结合</a:t>
+            </a:r>
+            <a:r>
+              <a:rPr lang="en-US" altLang="zh-CN" b="1">
+                <a:solidFill>
+                  <a:schemeClr val="tx2"/>
+                </a:solidFill>
+                <a:latin typeface="宋体" charset="-122"/>
+              </a:rPr>
+              <a:t>DVFS</a:t>
+            </a:r>
+            <a:r>
+              <a:rPr lang="zh-CN" altLang="en-US" b="1">
+                <a:solidFill>
+                  <a:schemeClr val="tx2"/>
+                </a:solidFill>
+                <a:latin typeface="宋体" charset="-122"/>
+              </a:rPr>
+              <a:t>方法时的温度</a:t>
+            </a:r>
+          </a:p>
+        </p:txBody>
+      </p:sp>
       <p:pic>
         <p:nvPicPr>
-          <p:cNvPr id="50181" name="Picture 16" descr="Screenshot-8"/>
+          <p:cNvPr id="50184" name="Picture 21" descr="混合方差1"/>
           <p:cNvPicPr>
             <a:picLocks noChangeAspect="1" noChangeArrowheads="1"/>
           </p:cNvPicPr>
@@ -5593,8 +5945,8 @@
         </p:blipFill>
         <p:spPr bwMode="auto">
           <a:xfrm>
-            <a:off x="515938" y="4002088"/>
-            <a:ext cx="2989262" cy="2339975"/>
+            <a:off x="174625" y="4024313"/>
+            <a:ext cx="2781300" cy="2076450"/>
           </a:xfrm>
           <a:prstGeom prst="rect">
             <a:avLst/>
@@ -5608,9 +5960,73 @@
           </a:ln>
         </p:spPr>
       </p:pic>
-      <p:sp>
-        <p:nvSpPr>
-          <p:cNvPr id="50182" name="Text Box 17"/>
+      <p:pic>
+        <p:nvPicPr>
+          <p:cNvPr id="50185" name="Picture 22" descr="混合方差2"/>
+          <p:cNvPicPr>
+            <a:picLocks noChangeAspect="1" noChangeArrowheads="1"/>
+          </p:cNvPicPr>
+          <p:nvPr/>
+        </p:nvPicPr>
+        <p:blipFill>
+          <a:blip r:embed="rId6"/>
+          <a:srcRect/>
+          <a:stretch>
+            <a:fillRect/>
+          </a:stretch>
+        </p:blipFill>
+        <p:spPr bwMode="auto">
+          <a:xfrm>
+            <a:off x="2955925" y="4043363"/>
+            <a:ext cx="2903538" cy="2133600"/>
+          </a:xfrm>
+          <a:prstGeom prst="rect">
+            <a:avLst/>
+          </a:prstGeom>
+          <a:noFill/>
+          <a:ln w="9525">
+            <a:noFill/>
+            <a:miter lim="800000"/>
+            <a:headEnd/>
+            <a:tailEnd/>
+          </a:ln>
+        </p:spPr>
+      </p:pic>
+      <p:pic>
+        <p:nvPicPr>
+          <p:cNvPr id="50186" name="Picture 23" descr="混合方差3"/>
+          <p:cNvPicPr>
+            <a:picLocks noChangeAspect="1" noChangeArrowheads="1"/>
+          </p:cNvPicPr>
+          <p:nvPr/>
+        </p:nvPicPr>
+        <p:blipFill>
+          <a:blip r:embed="rId7"/>
+          <a:srcRect/>
+          <a:stretch>
+            <a:fillRect/>
+          </a:stretch>
+        </p:blipFill>
+        <p:spPr bwMode="auto">
+          <a:xfrm>
+            <a:off x="5868988" y="4024313"/>
+            <a:ext cx="2909887" cy="2152650"/>
+          </a:xfrm>
+          <a:prstGeom prst="rect">
+            <a:avLst/>
+          </a:prstGeom>
+          <a:noFill/>
+          <a:ln w="9525">
+            <a:noFill/>
+            <a:miter lim="800000"/>
+            <a:headEnd/>
+            <a:tailEnd/>
+          </a:ln>
+        </p:spPr>
+      </p:pic>
+      <p:sp>
+        <p:nvSpPr>
+          <p:cNvPr id="50187" name="Text Box 17"/>
           <p:cNvSpPr txBox="1">
             <a:spLocks noChangeArrowheads="1"/>
           </p:cNvSpPr>
@@ -5618,8 +6034,8 @@
         </p:nvSpPr>
         <p:spPr bwMode="auto">
           <a:xfrm>
-            <a:off x="790575" y="3590925"/>
-            <a:ext cx="2903538" cy="366713"/>
+            <a:off x="174625" y="6100763"/>
+            <a:ext cx="2903538" cy="641350"/>
           </a:xfrm>
           <a:prstGeom prst="rect">
             <a:avLst/>
@@ -5644,19 +6060,20 @@
               </a:spcBef>
             </a:pPr>
             <a:r>
-              <a:rPr lang="en-US" altLang="zh-CN">
-                <a:solidFill>
-                  <a:schemeClr val="tx2"/>
-                </a:solidFill>
-              </a:rPr>
-              <a:t>Temperature without DTM</a:t>
-            </a:r>
-          </a:p>
-        </p:txBody>
-      </p:sp>
-      <p:sp>
-        <p:nvSpPr>
-          <p:cNvPr id="50183" name="Text Box 18"/>
+              <a:rPr lang="zh-CN" altLang="en-US" b="1">
+                <a:solidFill>
+                  <a:schemeClr val="tx2"/>
+                </a:solidFill>
+                <a:latin typeface="宋体" charset="-122"/>
+              </a:rPr>
+              <a:t>没有采用温度管理方法时的核间温度方差</a:t>
+            </a:r>
+          </a:p>
+        </p:txBody>
+      </p:sp>
+      <p:sp>
+        <p:nvSpPr>
+          <p:cNvPr id="50188" name="Text Box 17"/>
           <p:cNvSpPr txBox="1">
             <a:spLocks noChangeArrowheads="1"/>
           </p:cNvSpPr>
@@ -5664,8 +6081,8 @@
         </p:nvSpPr>
         <p:spPr bwMode="auto">
           <a:xfrm>
-            <a:off x="4856163" y="3635375"/>
-            <a:ext cx="3225800" cy="366713"/>
+            <a:off x="3119438" y="6216650"/>
+            <a:ext cx="2903537" cy="641350"/>
           </a:xfrm>
           <a:prstGeom prst="rect">
             <a:avLst/>
@@ -5690,19 +6107,20 @@
               </a:spcBef>
             </a:pPr>
             <a:r>
-              <a:rPr lang="en-US" altLang="zh-CN">
-                <a:solidFill>
-                  <a:schemeClr val="tx2"/>
-                </a:solidFill>
-              </a:rPr>
-              <a:t>Temperature with new method</a:t>
-            </a:r>
-          </a:p>
-        </p:txBody>
-      </p:sp>
-      <p:sp>
-        <p:nvSpPr>
-          <p:cNvPr id="50184" name="Text Box 19"/>
+              <a:rPr lang="zh-CN" altLang="en-US" b="1">
+                <a:solidFill>
+                  <a:schemeClr val="tx2"/>
+                </a:solidFill>
+                <a:latin typeface="宋体" charset="-122"/>
+              </a:rPr>
+              <a:t>采用混合方法时的核间温度方差</a:t>
+            </a:r>
+          </a:p>
+        </p:txBody>
+      </p:sp>
+      <p:sp>
+        <p:nvSpPr>
+          <p:cNvPr id="50189" name="Text Box 17"/>
           <p:cNvSpPr txBox="1">
             <a:spLocks noChangeArrowheads="1"/>
           </p:cNvSpPr>
@@ -5710,8 +6128,8 @@
         </p:nvSpPr>
         <p:spPr bwMode="auto">
           <a:xfrm>
-            <a:off x="515938" y="6300788"/>
-            <a:ext cx="4340225" cy="366712"/>
+            <a:off x="5984875" y="6176963"/>
+            <a:ext cx="2903538" cy="641350"/>
           </a:xfrm>
           <a:prstGeom prst="rect">
             <a:avLst/>
@@ -5736,58 +6154,49 @@
               </a:spcBef>
             </a:pPr>
             <a:r>
-              <a:rPr lang="en-US" altLang="zh-CN">
-                <a:solidFill>
-                  <a:schemeClr val="tx2"/>
-                </a:solidFill>
-              </a:rPr>
-              <a:t>Temperature with method proposed in [1]</a:t>
-            </a:r>
-          </a:p>
-        </p:txBody>
-      </p:sp>
-      <p:sp>
-        <p:nvSpPr>
-          <p:cNvPr id="50185" name="Text Box 20"/>
-          <p:cNvSpPr txBox="1">
-            <a:spLocks noChangeArrowheads="1"/>
-          </p:cNvSpPr>
-          <p:nvPr/>
-        </p:nvSpPr>
-        <p:spPr bwMode="auto">
-          <a:xfrm>
-            <a:off x="4856163" y="6342063"/>
-            <a:ext cx="4032250" cy="366712"/>
-          </a:xfrm>
-          <a:prstGeom prst="rect">
-            <a:avLst/>
-          </a:prstGeom>
-          <a:noFill/>
-          <a:ln w="28575" algn="ctr">
-            <a:noFill/>
-            <a:miter lim="800000"/>
-            <a:headEnd/>
-            <a:tailEnd/>
-          </a:ln>
-        </p:spPr>
-        <p:txBody>
-          <a:bodyPr>
-            <a:spAutoFit/>
-          </a:bodyPr>
-          <a:lstStyle/>
-          <a:p>
-            <a:pPr>
-              <a:spcBef>
-                <a:spcPct val="50000"/>
-              </a:spcBef>
-            </a:pPr>
-            <a:r>
-              <a:rPr lang="en-US" altLang="zh-CN">
-                <a:solidFill>
-                  <a:schemeClr val="tx2"/>
-                </a:solidFill>
-              </a:rPr>
-              <a:t>Temperature with DVFS only method</a:t>
+              <a:rPr lang="zh-CN" altLang="en-US" b="1">
+                <a:solidFill>
+                  <a:schemeClr val="tx2"/>
+                </a:solidFill>
+                <a:latin typeface="宋体" charset="-122"/>
+              </a:rPr>
+              <a:t>采用</a:t>
+            </a:r>
+            <a:r>
+              <a:rPr lang="en-US" altLang="zh-CN" b="1">
+                <a:solidFill>
+                  <a:schemeClr val="tx2"/>
+                </a:solidFill>
+                <a:latin typeface="宋体" charset="-122"/>
+              </a:rPr>
+              <a:t>MPC</a:t>
+            </a:r>
+            <a:r>
+              <a:rPr lang="zh-CN" altLang="en-US" b="1">
+                <a:solidFill>
+                  <a:schemeClr val="tx2"/>
+                </a:solidFill>
+                <a:latin typeface="宋体" charset="-122"/>
+              </a:rPr>
+              <a:t>只结合</a:t>
+            </a:r>
+            <a:r>
+              <a:rPr lang="en-US" altLang="zh-CN" b="1">
+                <a:solidFill>
+                  <a:schemeClr val="tx2"/>
+                </a:solidFill>
+                <a:latin typeface="宋体" charset="-122"/>
+              </a:rPr>
+              <a:t>DVFS</a:t>
+            </a:r>
+            <a:r>
+              <a:rPr lang="zh-CN" altLang="en-US" b="1">
+                <a:solidFill>
+                  <a:schemeClr val="tx2"/>
+                </a:solidFill>
+                <a:latin typeface="宋体" charset="-122"/>
+              </a:rPr>
+              <a:t>方法时的核间温度方差</a:t>
             </a:r>
           </a:p>
         </p:txBody>
@@ -5826,7 +6235,7 @@
       </p:grpSpPr>
       <p:sp>
         <p:nvSpPr>
-          <p:cNvPr id="51201" name="Title 1"/>
+          <p:cNvPr id="57365" name="Title 1"/>
           <p:cNvSpPr txBox="1">
             <a:spLocks/>
           </p:cNvSpPr>
@@ -5853,26 +6262,121 @@
           <a:lstStyle/>
           <a:p>
             <a:r>
-              <a:rPr lang="en-US" altLang="zh-CN" sz="4400">
+              <a:rPr lang="zh-CN" altLang="en-US" sz="4400">
                 <a:solidFill>
                   <a:srgbClr val="FF6600"/>
                 </a:solidFill>
-              </a:rPr>
-              <a:t>Transient variance comparison</a:t>
+                <a:latin typeface="宋体" charset="-122"/>
+              </a:rPr>
+              <a:t>未分层混合方法的比较</a:t>
+            </a:r>
+          </a:p>
+        </p:txBody>
+      </p:sp>
+      <p:sp>
+        <p:nvSpPr>
+          <p:cNvPr id="57366" name="Text Box 17"/>
+          <p:cNvSpPr txBox="1">
+            <a:spLocks noChangeArrowheads="1"/>
+          </p:cNvSpPr>
+          <p:nvPr/>
+        </p:nvSpPr>
+        <p:spPr bwMode="auto">
+          <a:xfrm>
+            <a:off x="862013" y="5197475"/>
+            <a:ext cx="3600450" cy="366713"/>
+          </a:xfrm>
+          <a:prstGeom prst="rect">
+            <a:avLst/>
+          </a:prstGeom>
+          <a:noFill/>
+          <a:ln w="28575" algn="ctr">
+            <a:noFill/>
+            <a:miter lim="800000"/>
+            <a:headEnd/>
+            <a:tailEnd/>
+          </a:ln>
+        </p:spPr>
+        <p:txBody>
+          <a:bodyPr>
+            <a:spAutoFit/>
+          </a:bodyPr>
+          <a:lstStyle/>
+          <a:p>
+            <a:pPr>
+              <a:spcBef>
+                <a:spcPct val="50000"/>
+              </a:spcBef>
+            </a:pPr>
+            <a:r>
+              <a:rPr lang="zh-CN" altLang="en-US" b="1">
+                <a:solidFill>
+                  <a:schemeClr val="tx2"/>
+                </a:solidFill>
+                <a:latin typeface="宋体" charset="-122"/>
+              </a:rPr>
+              <a:t>混合方法与其他方法的性能比较</a:t>
+            </a:r>
+          </a:p>
+        </p:txBody>
+      </p:sp>
+      <p:sp>
+        <p:nvSpPr>
+          <p:cNvPr id="57367" name="Text Box 17"/>
+          <p:cNvSpPr txBox="1">
+            <a:spLocks noChangeArrowheads="1"/>
+          </p:cNvSpPr>
+          <p:nvPr/>
+        </p:nvSpPr>
+        <p:spPr bwMode="auto">
+          <a:xfrm>
+            <a:off x="5783263" y="1563688"/>
+            <a:ext cx="2903537" cy="641350"/>
+          </a:xfrm>
+          <a:prstGeom prst="rect">
+            <a:avLst/>
+          </a:prstGeom>
+          <a:noFill/>
+          <a:ln w="28575" algn="ctr">
+            <a:noFill/>
+            <a:miter lim="800000"/>
+            <a:headEnd/>
+            <a:tailEnd/>
+          </a:ln>
+        </p:spPr>
+        <p:txBody>
+          <a:bodyPr>
+            <a:spAutoFit/>
+          </a:bodyPr>
+          <a:lstStyle/>
+          <a:p>
+            <a:pPr>
+              <a:spcBef>
+                <a:spcPct val="50000"/>
+              </a:spcBef>
+            </a:pPr>
+            <a:r>
+              <a:rPr lang="zh-CN" altLang="en-US">
+                <a:solidFill>
+                  <a:schemeClr val="tx2"/>
+                </a:solidFill>
+                <a:latin typeface="宋体" charset="-122"/>
+              </a:rPr>
+              <a:t>     表示理想状态下的每秒指令数</a:t>
             </a:r>
           </a:p>
         </p:txBody>
       </p:sp>
       <p:pic>
         <p:nvPicPr>
-          <p:cNvPr id="51202" name="Picture 4" descr="Screenshot-11"/>
+          <p:cNvPr id="57368" name="Picture 15" descr="混合IPS"/>
           <p:cNvPicPr>
             <a:picLocks noChangeAspect="1" noChangeArrowheads="1"/>
           </p:cNvPicPr>
           <p:nvPr/>
         </p:nvPicPr>
         <p:blipFill>
-          <a:blip r:embed="rId2"/>
+          <a:blip r:embed="rId3"/>
           <a:srcRect/>
           <a:stretch>
             <a:fillRect/>
@@ -5880,8 +6384,8 @@
         </p:blipFill>
         <p:spPr bwMode="auto">
           <a:xfrm>
-            <a:off x="144463" y="1187450"/>
-            <a:ext cx="8999537" cy="2582863"/>
+            <a:off x="544513" y="1377950"/>
+            <a:ext cx="4449762" cy="3636963"/>
           </a:xfrm>
           <a:prstGeom prst="rect">
             <a:avLst/>
@@ -5895,9 +6399,29 @@
           </a:ln>
         </p:spPr>
       </p:pic>
-      <p:sp>
-        <p:nvSpPr>
-          <p:cNvPr id="51203" name="Text Box 10"/>
+      <p:graphicFrame>
+        <p:nvGraphicFramePr>
+          <p:cNvPr id="57360" name="Object 16"/>
+          <p:cNvGraphicFramePr>
+            <a:graphicFrameLocks noChangeAspect="1"/>
+          </p:cNvGraphicFramePr>
+          <p:nvPr/>
+        </p:nvGraphicFramePr>
+        <p:xfrm>
+          <a:off x="5613400" y="1506538"/>
+          <a:ext cx="885825" cy="455612"/>
+        </p:xfrm>
+        <a:graphic>
+          <a:graphicData uri="http://schemas.openxmlformats.org/presentationml/2006/ole">
+            <p:oleObj spid="_x0000_s57360" name="Equation" r:id="rId4" imgW="444240" imgH="228600" progId="Equation.DSMT4">
+              <p:embed/>
+            </p:oleObj>
+          </a:graphicData>
+        </a:graphic>
+      </p:graphicFrame>
+      <p:sp>
+        <p:nvSpPr>
+          <p:cNvPr id="57369" name="Text Box 17"/>
           <p:cNvSpPr txBox="1">
             <a:spLocks noChangeArrowheads="1"/>
           </p:cNvSpPr>
@@ -5905,8 +6429,8 @@
         </p:nvSpPr>
         <p:spPr bwMode="auto">
           <a:xfrm>
-            <a:off x="938213" y="4079875"/>
-            <a:ext cx="7748587" cy="2843213"/>
+            <a:off x="5799138" y="2279650"/>
+            <a:ext cx="2903537" cy="641350"/>
           </a:xfrm>
           <a:prstGeom prst="rect">
             <a:avLst/>
@@ -5931,30 +6455,102 @@
               </a:spcBef>
             </a:pPr>
             <a:r>
+              <a:rPr lang="zh-CN" altLang="en-US">
+                <a:solidFill>
+                  <a:schemeClr val="tx2"/>
+                </a:solidFill>
+                <a:latin typeface="宋体" charset="-122"/>
+              </a:rPr>
+              <a:t>     表示采用</a:t>
+            </a:r>
+            <a:r>
               <a:rPr lang="en-US" altLang="zh-CN">
                 <a:solidFill>
                   <a:schemeClr val="tx2"/>
                 </a:solidFill>
-              </a:rPr>
-              <a:t>var</a:t>
-            </a:r>
-            <a:r>
-              <a:rPr lang="en-US" altLang="zh-CN" baseline="-25000">
-                <a:solidFill>
-                  <a:schemeClr val="tx2"/>
-                </a:solidFill>
-              </a:rPr>
-              <a:t>o</a:t>
+                <a:latin typeface="宋体" charset="-122"/>
+              </a:rPr>
+              <a:t>MPC</a:t>
+            </a:r>
+            <a:r>
+              <a:rPr lang="zh-CN" altLang="en-US">
+                <a:solidFill>
+                  <a:schemeClr val="tx2"/>
+                </a:solidFill>
+                <a:latin typeface="宋体" charset="-122"/>
+              </a:rPr>
+              <a:t>只结合</a:t>
             </a:r>
             <a:r>
               <a:rPr lang="en-US" altLang="zh-CN">
                 <a:solidFill>
                   <a:schemeClr val="tx2"/>
                 </a:solidFill>
-              </a:rPr>
-              <a:t> is variance of Transient temperature trace without DTM method.</a:t>
-            </a:r>
-          </a:p>
+                <a:latin typeface="宋体" charset="-122"/>
+              </a:rPr>
+              <a:t>DVFS</a:t>
+            </a:r>
+            <a:r>
+              <a:rPr lang="zh-CN" altLang="en-US">
+                <a:solidFill>
+                  <a:schemeClr val="tx2"/>
+                </a:solidFill>
+                <a:latin typeface="宋体" charset="-122"/>
+              </a:rPr>
+              <a:t>方法的每秒指令数</a:t>
+            </a:r>
+          </a:p>
+        </p:txBody>
+      </p:sp>
+      <p:graphicFrame>
+        <p:nvGraphicFramePr>
+          <p:cNvPr id="57362" name="Object 18"/>
+          <p:cNvGraphicFramePr>
+            <a:graphicFrameLocks noChangeAspect="1"/>
+          </p:cNvGraphicFramePr>
+          <p:nvPr/>
+        </p:nvGraphicFramePr>
+        <p:xfrm>
+          <a:off x="5607050" y="2208213"/>
+          <a:ext cx="925513" cy="463550"/>
+        </p:xfrm>
+        <a:graphic>
+          <a:graphicData uri="http://schemas.openxmlformats.org/presentationml/2006/ole">
+            <p:oleObj spid="_x0000_s57362" name="Equation" r:id="rId5" imgW="457200" imgH="228600" progId="Equation.DSMT4">
+              <p:embed/>
+            </p:oleObj>
+          </a:graphicData>
+        </a:graphic>
+      </p:graphicFrame>
+      <p:sp>
+        <p:nvSpPr>
+          <p:cNvPr id="57370" name="Text Box 17"/>
+          <p:cNvSpPr txBox="1">
+            <a:spLocks noChangeArrowheads="1"/>
+          </p:cNvSpPr>
+          <p:nvPr/>
+        </p:nvSpPr>
+        <p:spPr bwMode="auto">
+          <a:xfrm>
+            <a:off x="5799138" y="3051175"/>
+            <a:ext cx="2903537" cy="641350"/>
+          </a:xfrm>
+          <a:prstGeom prst="rect">
+            <a:avLst/>
+          </a:prstGeom>
+          <a:noFill/>
+          <a:ln w="28575" algn="ctr">
+            <a:noFill/>
+            <a:miter lim="800000"/>
+            <a:headEnd/>
+            <a:tailEnd/>
+          </a:ln>
+        </p:spPr>
+        <p:txBody>
+          <a:bodyPr>
+            <a:spAutoFit/>
+          </a:bodyPr>
+          <a:lstStyle/>
           <a:p>
             <a:pPr>
               <a:spcBef>
@@ -5962,130 +6558,37 @@
               </a:spcBef>
             </a:pPr>
             <a:r>
-              <a:rPr lang="en-US" altLang="zh-CN">
-                <a:solidFill>
-                  <a:schemeClr val="tx2"/>
-                </a:solidFill>
-              </a:rPr>
-              <a:t>var</a:t>
-            </a:r>
-            <a:r>
-              <a:rPr lang="en-US" altLang="zh-CN" baseline="-25000">
-                <a:solidFill>
-                  <a:schemeClr val="tx2"/>
-                </a:solidFill>
-              </a:rPr>
-              <a:t>d</a:t>
-            </a:r>
-            <a:r>
-              <a:rPr lang="en-US" altLang="zh-CN">
-                <a:solidFill>
-                  <a:schemeClr val="tx2"/>
-                </a:solidFill>
-              </a:rPr>
-              <a:t> is variance of Transient temperature trace with DVFS only method.</a:t>
-            </a:r>
-          </a:p>
-          <a:p>
-            <a:pPr>
-              <a:spcBef>
-                <a:spcPct val="50000"/>
-              </a:spcBef>
-            </a:pPr>
-            <a:r>
-              <a:rPr lang="en-US" altLang="zh-CN">
-                <a:solidFill>
-                  <a:schemeClr val="tx2"/>
-                </a:solidFill>
-              </a:rPr>
-              <a:t>var</a:t>
-            </a:r>
-            <a:r>
-              <a:rPr lang="en-US" altLang="zh-CN" baseline="-25000">
-                <a:solidFill>
-                  <a:schemeClr val="tx2"/>
-                </a:solidFill>
-              </a:rPr>
-              <a:t>c</a:t>
-            </a:r>
-            <a:r>
-              <a:rPr lang="en-US" altLang="zh-CN">
-                <a:solidFill>
-                  <a:schemeClr val="tx2"/>
-                </a:solidFill>
-              </a:rPr>
-              <a:t> is variance of Transient temperature trace with method proposed in [1].</a:t>
-            </a:r>
-          </a:p>
-          <a:p>
-            <a:pPr>
-              <a:spcBef>
-                <a:spcPct val="50000"/>
-              </a:spcBef>
-            </a:pPr>
-            <a:r>
-              <a:rPr lang="en-US" altLang="zh-CN">
-                <a:solidFill>
-                  <a:schemeClr val="tx2"/>
-                </a:solidFill>
-              </a:rPr>
-              <a:t>var</a:t>
-            </a:r>
-            <a:r>
-              <a:rPr lang="en-US" altLang="zh-CN" baseline="-25000">
-                <a:solidFill>
-                  <a:schemeClr val="tx2"/>
-                </a:solidFill>
-              </a:rPr>
-              <a:t>n</a:t>
-            </a:r>
-            <a:r>
-              <a:rPr lang="en-US" altLang="zh-CN">
-                <a:solidFill>
-                  <a:schemeClr val="tx2"/>
-                </a:solidFill>
-              </a:rPr>
-              <a:t> is variance of Transient temperature trace with new method.</a:t>
-            </a:r>
-          </a:p>
-          <a:p>
-            <a:pPr>
-              <a:spcBef>
-                <a:spcPct val="50000"/>
-              </a:spcBef>
-            </a:pPr>
-            <a:endParaRPr lang="en-US" altLang="zh-CN">
-              <a:solidFill>
-                <a:schemeClr val="tx1"/>
-              </a:solidFill>
-            </a:endParaRPr>
-          </a:p>
-          <a:p>
-            <a:pPr>
-              <a:spcBef>
-                <a:spcPct val="50000"/>
-              </a:spcBef>
-            </a:pPr>
-            <a:endParaRPr lang="en-US" altLang="zh-CN">
-              <a:solidFill>
-                <a:schemeClr val="tx1"/>
-              </a:solidFill>
-            </a:endParaRPr>
-          </a:p>
-          <a:p>
-            <a:pPr>
-              <a:spcBef>
-                <a:spcPct val="50000"/>
-              </a:spcBef>
-            </a:pPr>
-            <a:endParaRPr lang="en-US" altLang="zh-CN">
-              <a:solidFill>
-                <a:schemeClr val="tx1"/>
-              </a:solidFill>
-            </a:endParaRPr>
-          </a:p>
-        </p:txBody>
-      </p:sp>
+              <a:rPr lang="zh-CN" altLang="en-US">
+                <a:solidFill>
+                  <a:schemeClr val="tx2"/>
+                </a:solidFill>
+                <a:latin typeface="宋体" charset="-122"/>
+              </a:rPr>
+              <a:t>     表示采用混合方法的每秒指令数</a:t>
+            </a:r>
+          </a:p>
+        </p:txBody>
+      </p:sp>
+      <p:graphicFrame>
+        <p:nvGraphicFramePr>
+          <p:cNvPr id="57364" name="Object 20"/>
+          <p:cNvGraphicFramePr>
+            <a:graphicFrameLocks noChangeAspect="1"/>
+          </p:cNvGraphicFramePr>
+          <p:nvPr/>
+        </p:nvGraphicFramePr>
+        <p:xfrm>
+          <a:off x="5635625" y="2992438"/>
+          <a:ext cx="885825" cy="457200"/>
+        </p:xfrm>
+        <a:graphic>
+          <a:graphicData uri="http://schemas.openxmlformats.org/presentationml/2006/ole">
+            <p:oleObj spid="_x0000_s57364" name="Equation" r:id="rId6" imgW="444240" imgH="228600" progId="Equation.DSMT4">
+              <p:embed/>
+            </p:oleObj>
+          </a:graphicData>
+        </a:graphic>
+      </p:graphicFrame>
     </p:spTree>
   </p:cSld>
   <p:clrMapOvr>
@@ -6120,7 +6623,7 @@
       </p:grpSpPr>
       <p:sp>
         <p:nvSpPr>
-          <p:cNvPr id="52225" name="Title 1"/>
+          <p:cNvPr id="58383" name="Title 1"/>
           <p:cNvSpPr txBox="1">
             <a:spLocks/>
           </p:cNvSpPr>
@@ -6147,26 +6650,139 @@
           <a:lstStyle/>
           <a:p>
             <a:r>
-              <a:rPr lang="en-US" altLang="zh-CN" sz="4400">
+              <a:rPr lang="zh-CN" altLang="en-US" sz="4400">
                 <a:solidFill>
                   <a:srgbClr val="FF6600"/>
                 </a:solidFill>
-              </a:rPr>
-              <a:t>Runtime comparison</a:t>
+                <a:latin typeface="宋体" charset="-122"/>
+              </a:rPr>
+              <a:t>未分层混合方法的比较</a:t>
+            </a:r>
+          </a:p>
+        </p:txBody>
+      </p:sp>
+      <p:sp>
+        <p:nvSpPr>
+          <p:cNvPr id="58384" name="Text Box 17"/>
+          <p:cNvSpPr txBox="1">
+            <a:spLocks noChangeArrowheads="1"/>
+          </p:cNvSpPr>
+          <p:nvPr/>
+        </p:nvSpPr>
+        <p:spPr bwMode="auto">
+          <a:xfrm>
+            <a:off x="804863" y="5197475"/>
+            <a:ext cx="3956050" cy="366713"/>
+          </a:xfrm>
+          <a:prstGeom prst="rect">
+            <a:avLst/>
+          </a:prstGeom>
+          <a:noFill/>
+          <a:ln w="28575" algn="ctr">
+            <a:noFill/>
+            <a:miter lim="800000"/>
+            <a:headEnd/>
+            <a:tailEnd/>
+          </a:ln>
+        </p:spPr>
+        <p:txBody>
+          <a:bodyPr>
+            <a:spAutoFit/>
+          </a:bodyPr>
+          <a:lstStyle/>
+          <a:p>
+            <a:pPr>
+              <a:spcBef>
+                <a:spcPct val="50000"/>
+              </a:spcBef>
+            </a:pPr>
+            <a:r>
+              <a:rPr lang="zh-CN" altLang="en-US" b="1">
+                <a:solidFill>
+                  <a:schemeClr val="tx2"/>
+                </a:solidFill>
+                <a:latin typeface="宋体" charset="-122"/>
+              </a:rPr>
+              <a:t>混合方法与其他方法的计算时间比较</a:t>
+            </a:r>
+          </a:p>
+        </p:txBody>
+      </p:sp>
+      <p:sp>
+        <p:nvSpPr>
+          <p:cNvPr id="58385" name="Text Box 17"/>
+          <p:cNvSpPr txBox="1">
+            <a:spLocks noChangeArrowheads="1"/>
+          </p:cNvSpPr>
+          <p:nvPr/>
+        </p:nvSpPr>
+        <p:spPr bwMode="auto">
+          <a:xfrm>
+            <a:off x="5116513" y="2322513"/>
+            <a:ext cx="3344862" cy="366712"/>
+          </a:xfrm>
+          <a:prstGeom prst="rect">
+            <a:avLst/>
+          </a:prstGeom>
+          <a:noFill/>
+          <a:ln w="28575" algn="ctr">
+            <a:noFill/>
+            <a:miter lim="800000"/>
+            <a:headEnd/>
+            <a:tailEnd/>
+          </a:ln>
+        </p:spPr>
+        <p:txBody>
+          <a:bodyPr>
+            <a:spAutoFit/>
+          </a:bodyPr>
+          <a:lstStyle/>
+          <a:p>
+            <a:pPr>
+              <a:spcBef>
+                <a:spcPct val="50000"/>
+              </a:spcBef>
+            </a:pPr>
+            <a:r>
+              <a:rPr lang="zh-CN" altLang="en-US">
+                <a:solidFill>
+                  <a:schemeClr val="tx2"/>
+                </a:solidFill>
+                <a:latin typeface="宋体" charset="-122"/>
+              </a:rPr>
+              <a:t>     表示</a:t>
+            </a:r>
+            <a:r>
+              <a:rPr lang="en-US" altLang="zh-CN">
+                <a:solidFill>
+                  <a:schemeClr val="tx2"/>
+                </a:solidFill>
+                <a:latin typeface="宋体" charset="-122"/>
+              </a:rPr>
+              <a:t>MPC</a:t>
+            </a:r>
+            <a:r>
+              <a:rPr lang="zh-CN" altLang="en-US">
+                <a:solidFill>
+                  <a:schemeClr val="tx2"/>
+                </a:solidFill>
+                <a:latin typeface="宋体" charset="-122"/>
+              </a:rPr>
+              <a:t>部分的计算时间</a:t>
             </a:r>
           </a:p>
         </p:txBody>
       </p:sp>
       <p:pic>
         <p:nvPicPr>
-          <p:cNvPr id="52226" name="Picture 3" descr="Screenshot-12"/>
+          <p:cNvPr id="58386" name="Picture 11" descr="混合时间"/>
           <p:cNvPicPr>
             <a:picLocks noChangeAspect="1" noChangeArrowheads="1"/>
           </p:cNvPicPr>
           <p:nvPr/>
         </p:nvPicPr>
         <p:blipFill>
-          <a:blip r:embed="rId2"/>
+          <a:blip r:embed="rId3"/>
           <a:srcRect/>
           <a:stretch>
             <a:fillRect/>
@@ -6174,8 +6790,8 @@
         </p:blipFill>
         <p:spPr bwMode="auto">
           <a:xfrm>
-            <a:off x="161925" y="1560513"/>
-            <a:ext cx="8818563" cy="2455862"/>
+            <a:off x="862013" y="1563688"/>
+            <a:ext cx="3600450" cy="3600450"/>
           </a:xfrm>
           <a:prstGeom prst="rect">
             <a:avLst/>
@@ -6189,9 +6805,29 @@
           </a:ln>
         </p:spPr>
       </p:pic>
-      <p:sp>
-        <p:nvSpPr>
-          <p:cNvPr id="52227" name="Text Box 7"/>
+      <p:graphicFrame>
+        <p:nvGraphicFramePr>
+          <p:cNvPr id="58380" name="Object 12"/>
+          <p:cNvGraphicFramePr>
+            <a:graphicFrameLocks noChangeAspect="1"/>
+          </p:cNvGraphicFramePr>
+          <p:nvPr/>
+        </p:nvGraphicFramePr>
+        <p:xfrm>
+          <a:off x="5486400" y="2195513"/>
+          <a:ext cx="334963" cy="530225"/>
+        </p:xfrm>
+        <a:graphic>
+          <a:graphicData uri="http://schemas.openxmlformats.org/presentationml/2006/ole">
+            <p:oleObj spid="_x0000_s58380" name="Equation" r:id="rId4" imgW="152280" imgH="241200" progId="Equation.DSMT4">
+              <p:embed/>
+            </p:oleObj>
+          </a:graphicData>
+        </a:graphic>
+      </p:graphicFrame>
+      <p:sp>
+        <p:nvSpPr>
+          <p:cNvPr id="58387" name="Text Box 17"/>
           <p:cNvSpPr txBox="1">
             <a:spLocks noChangeArrowheads="1"/>
           </p:cNvSpPr>
@@ -6199,8 +6835,8 @@
         </p:nvSpPr>
         <p:spPr bwMode="auto">
           <a:xfrm>
-            <a:off x="677863" y="4460875"/>
-            <a:ext cx="5718175" cy="2225675"/>
+            <a:off x="5116513" y="2905125"/>
+            <a:ext cx="3344862" cy="366713"/>
           </a:xfrm>
           <a:prstGeom prst="rect">
             <a:avLst/>
@@ -6225,124 +6861,37 @@
               </a:spcBef>
             </a:pPr>
             <a:r>
-              <a:rPr lang="en-US" altLang="zh-CN" sz="2000">
-                <a:solidFill>
-                  <a:schemeClr val="tx2"/>
-                </a:solidFill>
-              </a:rPr>
-              <a:t>t</a:t>
-            </a:r>
-            <a:r>
-              <a:rPr lang="en-US" altLang="zh-CN" sz="2000" baseline="-25000">
-                <a:solidFill>
-                  <a:schemeClr val="tx2"/>
-                </a:solidFill>
-              </a:rPr>
-              <a:t>n</a:t>
-            </a:r>
-            <a:r>
-              <a:rPr lang="en-US" altLang="zh-CN" sz="2000">
-                <a:solidFill>
-                  <a:schemeClr val="tx2"/>
-                </a:solidFill>
-              </a:rPr>
-              <a:t> is runtime per second of new method.</a:t>
-            </a:r>
-          </a:p>
-          <a:p>
-            <a:pPr>
-              <a:spcBef>
-                <a:spcPct val="50000"/>
-              </a:spcBef>
-            </a:pPr>
-            <a:r>
-              <a:rPr lang="en-US" altLang="zh-CN" sz="2000">
-                <a:solidFill>
-                  <a:schemeClr val="tx2"/>
-                </a:solidFill>
-              </a:rPr>
-              <a:t>t</a:t>
-            </a:r>
-            <a:r>
-              <a:rPr lang="en-US" altLang="zh-CN" sz="2000" baseline="-25000">
-                <a:solidFill>
-                  <a:schemeClr val="tx2"/>
-                </a:solidFill>
-              </a:rPr>
-              <a:t>c</a:t>
-            </a:r>
-            <a:r>
-              <a:rPr lang="en-US" altLang="zh-CN" sz="2000">
-                <a:solidFill>
-                  <a:schemeClr val="tx2"/>
-                </a:solidFill>
-              </a:rPr>
-              <a:t> is runtime per second of method proposed in [1].</a:t>
-            </a:r>
-          </a:p>
-          <a:p>
-            <a:pPr>
-              <a:spcBef>
-                <a:spcPct val="50000"/>
-              </a:spcBef>
-            </a:pPr>
-            <a:r>
-              <a:rPr lang="en-US" altLang="zh-CN" sz="2000">
-                <a:solidFill>
-                  <a:schemeClr val="tx2"/>
-                </a:solidFill>
-              </a:rPr>
-              <a:t>t</a:t>
-            </a:r>
-            <a:r>
-              <a:rPr lang="en-US" altLang="zh-CN" sz="2000" baseline="-25000">
-                <a:solidFill>
-                  <a:schemeClr val="tx2"/>
-                </a:solidFill>
-              </a:rPr>
-              <a:t>d</a:t>
-            </a:r>
-            <a:r>
-              <a:rPr lang="en-US" altLang="zh-CN" sz="2000">
-                <a:solidFill>
-                  <a:schemeClr val="tx2"/>
-                </a:solidFill>
-              </a:rPr>
-              <a:t> is runtime per second of DVFS only method. </a:t>
-            </a:r>
-          </a:p>
-          <a:p>
-            <a:pPr>
-              <a:spcBef>
-                <a:spcPct val="50000"/>
-              </a:spcBef>
-            </a:pPr>
-            <a:r>
-              <a:rPr lang="en-US" altLang="zh-CN" sz="2000">
-                <a:solidFill>
-                  <a:schemeClr val="tx1"/>
-                </a:solidFill>
-              </a:rPr>
-              <a:t> </a:t>
-            </a:r>
-          </a:p>
-          <a:p>
-            <a:pPr>
-              <a:spcBef>
-                <a:spcPct val="50000"/>
-              </a:spcBef>
-            </a:pPr>
-            <a:r>
-              <a:rPr lang="en-US" altLang="zh-CN" sz="2000">
-                <a:solidFill>
-                  <a:schemeClr val="tx1"/>
-                </a:solidFill>
-              </a:rPr>
-              <a:t> </a:t>
-            </a:r>
-          </a:p>
-        </p:txBody>
-      </p:sp>
+              <a:rPr lang="zh-CN" altLang="en-US">
+                <a:solidFill>
+                  <a:schemeClr val="tx2"/>
+                </a:solidFill>
+                <a:latin typeface="宋体" charset="-122"/>
+              </a:rPr>
+              <a:t>     表示匹配部分的计算时间</a:t>
+            </a:r>
+          </a:p>
+        </p:txBody>
+      </p:sp>
+      <p:graphicFrame>
+        <p:nvGraphicFramePr>
+          <p:cNvPr id="58382" name="Object 14"/>
+          <p:cNvGraphicFramePr>
+            <a:graphicFrameLocks noChangeAspect="1"/>
+          </p:cNvGraphicFramePr>
+          <p:nvPr/>
+        </p:nvGraphicFramePr>
+        <p:xfrm>
+          <a:off x="5486400" y="2725738"/>
+          <a:ext cx="363538" cy="546100"/>
+        </p:xfrm>
+        <a:graphic>
+          <a:graphicData uri="http://schemas.openxmlformats.org/presentationml/2006/ole">
+            <p:oleObj spid="_x0000_s58382" name="Equation" r:id="rId5" imgW="152280" imgH="228600" progId="Equation.DSMT4">
+              <p:embed/>
+            </p:oleObj>
+          </a:graphicData>
+        </a:graphic>
+      </p:graphicFrame>
     </p:spTree>
   </p:cSld>
   <p:clrMapOvr>
@@ -6454,7 +7003,7 @@
               <a:buChar char="l"/>
             </a:pPr>
             <a:r>
-              <a:rPr lang="zh-CN" altLang="en-US" sz="2000" dirty="0">
+              <a:rPr lang="zh-CN" altLang="en-US" sz="2000">
                 <a:solidFill>
                   <a:schemeClr val="tx2"/>
                 </a:solidFill>
@@ -6475,7 +7024,7 @@
               <a:buFont typeface="Wingdings" pitchFamily="2" charset="2"/>
               <a:buChar char="l"/>
             </a:pPr>
-            <a:endParaRPr lang="en-US" altLang="zh-CN" sz="2000" dirty="0">
+            <a:endParaRPr lang="en-US" altLang="zh-CN" sz="2000">
               <a:solidFill>
                 <a:schemeClr val="tx2"/>
               </a:solidFill>
@@ -6492,33 +7041,15 @@
               <a:buChar char="–"/>
             </a:pPr>
             <a:r>
-              <a:rPr lang="zh-CN" altLang="en-US" sz="2000" dirty="0" smtClean="0">
+              <a:rPr lang="zh-CN" altLang="en-US" sz="2000">
                 <a:solidFill>
                   <a:schemeClr val="tx2"/>
                 </a:solidFill>
                 <a:latin typeface="Times New Roman" pitchFamily="18" charset="0"/>
               </a:rPr>
-              <a:t>芯片</a:t>
-            </a:r>
-            <a:r>
-              <a:rPr lang="zh-CN" altLang="en-US" sz="2000" dirty="0">
-                <a:solidFill>
-                  <a:schemeClr val="tx2"/>
-                </a:solidFill>
-                <a:latin typeface="Times New Roman" pitchFamily="18" charset="0"/>
-              </a:rPr>
-              <a:t>高温或局部高温影响</a:t>
-            </a:r>
-            <a:r>
-              <a:rPr lang="zh-CN" altLang="en-US" sz="2000" dirty="0" smtClean="0">
-                <a:solidFill>
-                  <a:schemeClr val="tx2"/>
-                </a:solidFill>
-                <a:latin typeface="Times New Roman" pitchFamily="18" charset="0"/>
-              </a:rPr>
-              <a:t>系统可靠性</a:t>
-            </a:r>
-            <a:endParaRPr lang="en-US" altLang="zh-CN" sz="2000" dirty="0" smtClean="0">
+              <a:t>芯片高温或局部高温影响系统可靠性</a:t>
+            </a:r>
+            <a:endParaRPr lang="en-US" altLang="zh-CN" sz="2000">
               <a:solidFill>
                 <a:schemeClr val="tx2"/>
               </a:solidFill>
@@ -6534,24 +7065,15 @@
               <a:buChar char="–"/>
             </a:pPr>
             <a:r>
-              <a:rPr lang="zh-CN" altLang="en-US" sz="2000" dirty="0">
+              <a:rPr lang="zh-CN" altLang="en-US" sz="2000">
                 <a:solidFill>
                   <a:schemeClr val="tx2"/>
                 </a:solidFill>
                 <a:latin typeface="Times New Roman" pitchFamily="18" charset="0"/>
               </a:rPr>
-              <a:t>高温使静态功耗</a:t>
-            </a:r>
-            <a:r>
-              <a:rPr lang="zh-CN" altLang="en-US" sz="2000" dirty="0" smtClean="0">
-                <a:solidFill>
-                  <a:schemeClr val="tx2"/>
-                </a:solidFill>
-                <a:latin typeface="Times New Roman" pitchFamily="18" charset="0"/>
-              </a:rPr>
-              <a:t>增加</a:t>
-            </a:r>
-            <a:endParaRPr lang="en-US" altLang="zh-CN" sz="2000" dirty="0" smtClean="0">
+              <a:t>高温使静态功耗增加</a:t>
+            </a:r>
+            <a:endParaRPr lang="en-US" altLang="zh-CN" sz="2000">
               <a:solidFill>
                 <a:schemeClr val="tx2"/>
               </a:solidFill>
@@ -6567,7 +7089,7 @@
               <a:buChar char="–"/>
             </a:pPr>
             <a:r>
-              <a:rPr lang="zh-CN" altLang="en-US" sz="2000" dirty="0">
+              <a:rPr lang="zh-CN" altLang="en-US" sz="2000">
                 <a:solidFill>
                   <a:schemeClr val="tx2"/>
                 </a:solidFill>
@@ -6575,7 +7097,7 @@
               </a:rPr>
               <a:t>热问题使系统冷却开销很大</a:t>
             </a:r>
-            <a:endParaRPr lang="en-US" altLang="zh-CN" sz="2000" dirty="0">
+            <a:endParaRPr lang="en-US" altLang="zh-CN" sz="2000">
               <a:solidFill>
                 <a:schemeClr val="tx2"/>
               </a:solidFill>
@@ -6590,7 +7112,7 @@
               <a:buFont typeface="Arial" charset="0"/>
               <a:buChar char="–"/>
             </a:pPr>
-            <a:endParaRPr lang="zh-CN" altLang="en-US" sz="2000" dirty="0">
+            <a:endParaRPr lang="zh-CN" altLang="en-US" sz="2000">
               <a:solidFill>
                 <a:schemeClr val="tx2"/>
               </a:solidFill>
@@ -6605,7 +7127,7 @@
               <a:buFont typeface="Arial" charset="0"/>
               <a:buChar char="–"/>
             </a:pPr>
-            <a:endParaRPr lang="en-US" altLang="zh-CN" sz="2000" dirty="0">
+            <a:endParaRPr lang="en-US" altLang="zh-CN" sz="2000">
               <a:solidFill>
                 <a:schemeClr val="tx2"/>
               </a:solidFill>
@@ -6625,7 +7147,7 @@
               <a:buFont typeface="Wingdings" pitchFamily="2" charset="2"/>
               <a:buChar char="l"/>
             </a:pPr>
-            <a:endParaRPr lang="en-US" altLang="zh-CN" sz="2000" dirty="0">
+            <a:endParaRPr lang="en-US" altLang="zh-CN" sz="2000">
               <a:solidFill>
                 <a:schemeClr val="tx2"/>
               </a:solidFill>
@@ -6645,7 +7167,7 @@
               <a:buFont typeface="Wingdings" pitchFamily="2" charset="2"/>
               <a:buChar char="l"/>
             </a:pPr>
-            <a:endParaRPr lang="en-US" altLang="zh-CN" sz="2000" dirty="0">
+            <a:endParaRPr lang="en-US" altLang="zh-CN" sz="2000">
               <a:solidFill>
                 <a:schemeClr val="tx2"/>
               </a:solidFill>
@@ -6656,7 +7178,7 @@
           <a:p>
             <a:pPr marL="742950" lvl="1" indent="-285750"/>
             <a:r>
-              <a:rPr lang="en-US" altLang="zh-CN" dirty="0">
+              <a:rPr lang="en-US" altLang="zh-CN">
                 <a:solidFill>
                   <a:schemeClr val="tx2"/>
                 </a:solidFill>
@@ -6676,7 +7198,7 @@
               <a:buFont typeface="Wingdings" pitchFamily="2" charset="2"/>
               <a:buChar char="l"/>
             </a:pPr>
-            <a:endParaRPr lang="en-US" altLang="zh-CN" sz="2000" dirty="0">
+            <a:endParaRPr lang="en-US" altLang="zh-CN" sz="2000">
               <a:solidFill>
                 <a:schemeClr val="tx2"/>
               </a:solidFill>
@@ -6728,8 +7250,8 @@
         </p:nvSpPr>
         <p:spPr bwMode="auto">
           <a:xfrm>
-            <a:off x="5562600" y="6114352"/>
-            <a:ext cx="3059112" cy="369332"/>
+            <a:off x="5562600" y="6115050"/>
+            <a:ext cx="3059113" cy="368300"/>
           </a:xfrm>
           <a:prstGeom prst="rect">
             <a:avLst/>
@@ -6748,8 +7270,11 @@
           </a:bodyPr>
           <a:lstStyle/>
           <a:p>
-            <a:r>
-              <a:rPr lang="zh-CN" altLang="en-US" b="1" dirty="0" smtClean="0">
+            <a:pPr>
+              <a:defRPr/>
+            </a:pPr>
+            <a:r>
+              <a:rPr lang="zh-CN" altLang="en-US" b="1" dirty="0">
                 <a:solidFill>
                   <a:srgbClr val="FF6600"/>
                 </a:solidFill>
@@ -6777,25 +7302,27 @@
           <p:nvPr/>
         </p:nvPicPr>
         <p:blipFill>
-          <a:blip r:embed="rId2">
-            <a:extLst>
-              <a:ext uri="{28A0092B-C50C-407E-A947-70E740481C1C}">
-                <a14:useLocalDpi xmlns:a14="http://schemas.microsoft.com/office/drawing/2010/main" val="0"/>
-              </a:ext>
-            </a:extLst>
-          </a:blip>
+          <a:blip r:embed="rId2"/>
+          <a:srcRect/>
           <a:stretch>
             <a:fillRect/>
           </a:stretch>
         </p:blipFill>
-        <p:spPr>
-          <a:xfrm>
-            <a:off x="4686422" y="2209800"/>
-            <a:ext cx="3998201" cy="3925008"/>
+        <p:spPr bwMode="auto">
+          <a:xfrm>
+            <a:off x="4686300" y="2209800"/>
+            <a:ext cx="3998913" cy="3924300"/>
           </a:xfrm>
           <a:prstGeom prst="rect">
             <a:avLst/>
           </a:prstGeom>
+          <a:noFill/>
+          <a:ln w="9525">
+            <a:noFill/>
+            <a:miter lim="800000"/>
+            <a:headEnd/>
+            <a:tailEnd/>
+          </a:ln>
         </p:spPr>
       </p:pic>
     </p:spTree>
@@ -6832,7 +7359,7 @@
       </p:grpSpPr>
       <p:sp>
         <p:nvSpPr>
-          <p:cNvPr id="53249" name="Title 1"/>
+          <p:cNvPr id="59393" name="Title 1"/>
           <p:cNvSpPr txBox="1">
             <a:spLocks/>
           </p:cNvSpPr>
@@ -6859,19 +7386,20 @@
           <a:lstStyle/>
           <a:p>
             <a:r>
-              <a:rPr lang="en-US" altLang="zh-CN" sz="4400">
+              <a:rPr lang="zh-CN" altLang="en-US" sz="4400">
                 <a:solidFill>
                   <a:srgbClr val="FF6600"/>
                 </a:solidFill>
-              </a:rPr>
-              <a:t>Performance  comparison</a:t>
+                <a:latin typeface="宋体" charset="-122"/>
+              </a:rPr>
+              <a:t>改进分层方法的比较</a:t>
             </a:r>
           </a:p>
         </p:txBody>
       </p:sp>
       <p:pic>
         <p:nvPicPr>
-          <p:cNvPr id="53250" name="Picture 5" descr="Screenshot-10"/>
+          <p:cNvPr id="59394" name="Picture 13" descr="Screenshot-9"/>
           <p:cNvPicPr>
             <a:picLocks noChangeAspect="1" noChangeArrowheads="1"/>
           </p:cNvPicPr>
@@ -6886,8 +7414,8 @@
         </p:blipFill>
         <p:spPr bwMode="auto">
           <a:xfrm>
-            <a:off x="280988" y="1517650"/>
-            <a:ext cx="8670925" cy="2408238"/>
+            <a:off x="4530725" y="3887788"/>
+            <a:ext cx="3198813" cy="2597150"/>
           </a:xfrm>
           <a:prstGeom prst="rect">
             <a:avLst/>
@@ -6901,9 +7429,105 @@
           </a:ln>
         </p:spPr>
       </p:pic>
-      <p:sp>
-        <p:nvSpPr>
-          <p:cNvPr id="53251" name="Text Box 9"/>
+      <p:pic>
+        <p:nvPicPr>
+          <p:cNvPr id="59395" name="Picture 14" descr="Screenshot-6"/>
+          <p:cNvPicPr>
+            <a:picLocks noChangeAspect="1" noChangeArrowheads="1"/>
+          </p:cNvPicPr>
+          <p:nvPr/>
+        </p:nvPicPr>
+        <p:blipFill>
+          <a:blip r:embed="rId3"/>
+          <a:srcRect/>
+          <a:stretch>
+            <a:fillRect/>
+          </a:stretch>
+        </p:blipFill>
+        <p:spPr bwMode="auto">
+          <a:xfrm>
+            <a:off x="457200" y="1187450"/>
+            <a:ext cx="3048000" cy="2403475"/>
+          </a:xfrm>
+          <a:prstGeom prst="rect">
+            <a:avLst/>
+          </a:prstGeom>
+          <a:noFill/>
+          <a:ln w="9525">
+            <a:noFill/>
+            <a:miter lim="800000"/>
+            <a:headEnd/>
+            <a:tailEnd/>
+          </a:ln>
+        </p:spPr>
+      </p:pic>
+      <p:pic>
+        <p:nvPicPr>
+          <p:cNvPr id="59396" name="Picture 15" descr="Screenshot-7"/>
+          <p:cNvPicPr>
+            <a:picLocks noChangeAspect="1" noChangeArrowheads="1"/>
+          </p:cNvPicPr>
+          <p:nvPr/>
+        </p:nvPicPr>
+        <p:blipFill>
+          <a:blip r:embed="rId4"/>
+          <a:srcRect/>
+          <a:stretch>
+            <a:fillRect/>
+          </a:stretch>
+        </p:blipFill>
+        <p:spPr bwMode="auto">
+          <a:xfrm>
+            <a:off x="4556125" y="1168400"/>
+            <a:ext cx="3203575" cy="2552700"/>
+          </a:xfrm>
+          <a:prstGeom prst="rect">
+            <a:avLst/>
+          </a:prstGeom>
+          <a:noFill/>
+          <a:ln w="9525">
+            <a:noFill/>
+            <a:miter lim="800000"/>
+            <a:headEnd/>
+            <a:tailEnd/>
+          </a:ln>
+        </p:spPr>
+      </p:pic>
+      <p:pic>
+        <p:nvPicPr>
+          <p:cNvPr id="59397" name="Picture 16" descr="Screenshot-8"/>
+          <p:cNvPicPr>
+            <a:picLocks noChangeAspect="1" noChangeArrowheads="1"/>
+          </p:cNvPicPr>
+          <p:nvPr/>
+        </p:nvPicPr>
+        <p:blipFill>
+          <a:blip r:embed="rId5"/>
+          <a:srcRect/>
+          <a:stretch>
+            <a:fillRect/>
+          </a:stretch>
+        </p:blipFill>
+        <p:spPr bwMode="auto">
+          <a:xfrm>
+            <a:off x="515938" y="4002088"/>
+            <a:ext cx="2989262" cy="2339975"/>
+          </a:xfrm>
+          <a:prstGeom prst="rect">
+            <a:avLst/>
+          </a:prstGeom>
+          <a:noFill/>
+          <a:ln w="9525">
+            <a:noFill/>
+            <a:miter lim="800000"/>
+            <a:headEnd/>
+            <a:tailEnd/>
+          </a:ln>
+        </p:spPr>
+      </p:pic>
+      <p:sp>
+        <p:nvSpPr>
+          <p:cNvPr id="59398" name="Text Box 17"/>
           <p:cNvSpPr txBox="1">
             <a:spLocks noChangeArrowheads="1"/>
           </p:cNvSpPr>
@@ -6911,8 +7535,8 @@
         </p:nvSpPr>
         <p:spPr bwMode="auto">
           <a:xfrm>
-            <a:off x="831850" y="4400550"/>
-            <a:ext cx="7289800" cy="2017713"/>
+            <a:off x="798513" y="3590925"/>
+            <a:ext cx="3236912" cy="366713"/>
           </a:xfrm>
           <a:prstGeom prst="rect">
             <a:avLst/>
@@ -6937,30 +7561,46 @@
               </a:spcBef>
             </a:pPr>
             <a:r>
-              <a:rPr lang="en-US" altLang="zh-CN">
-                <a:solidFill>
-                  <a:schemeClr val="tx2"/>
-                </a:solidFill>
-              </a:rPr>
-              <a:t>MIPS</a:t>
-            </a:r>
-            <a:r>
-              <a:rPr lang="en-US" altLang="zh-CN" baseline="-25000">
-                <a:solidFill>
-                  <a:schemeClr val="tx2"/>
-                </a:solidFill>
-              </a:rPr>
-              <a:t>o</a:t>
-            </a:r>
-            <a:r>
-              <a:rPr lang="en-US" altLang="zh-CN">
-                <a:solidFill>
-                  <a:schemeClr val="tx2"/>
-                </a:solidFill>
-              </a:rPr>
-              <a:t> is  the average number of IPS in million without DTM.</a:t>
-            </a:r>
-          </a:p>
+              <a:rPr lang="zh-CN" altLang="en-US" b="1">
+                <a:solidFill>
+                  <a:schemeClr val="tx2"/>
+                </a:solidFill>
+                <a:latin typeface="宋体" charset="-122"/>
+              </a:rPr>
+              <a:t>没有采用温度管理的温度</a:t>
+            </a:r>
+          </a:p>
+        </p:txBody>
+      </p:sp>
+      <p:sp>
+        <p:nvSpPr>
+          <p:cNvPr id="59399" name="Text Box 18"/>
+          <p:cNvSpPr txBox="1">
+            <a:spLocks noChangeArrowheads="1"/>
+          </p:cNvSpPr>
+          <p:nvPr/>
+        </p:nvSpPr>
+        <p:spPr bwMode="auto">
+          <a:xfrm>
+            <a:off x="4856163" y="3635375"/>
+            <a:ext cx="3225800" cy="366713"/>
+          </a:xfrm>
+          <a:prstGeom prst="rect">
+            <a:avLst/>
+          </a:prstGeom>
+          <a:noFill/>
+          <a:ln w="28575" algn="ctr">
+            <a:noFill/>
+            <a:miter lim="800000"/>
+            <a:headEnd/>
+            <a:tailEnd/>
+          </a:ln>
+        </p:spPr>
+        <p:txBody>
+          <a:bodyPr>
+            <a:spAutoFit/>
+          </a:bodyPr>
+          <a:lstStyle/>
           <a:p>
             <a:pPr>
               <a:spcBef>
@@ -6968,30 +7608,46 @@
               </a:spcBef>
             </a:pPr>
             <a:r>
-              <a:rPr lang="en-US" altLang="zh-CN">
-                <a:solidFill>
-                  <a:schemeClr val="tx2"/>
-                </a:solidFill>
-              </a:rPr>
-              <a:t>MIPS</a:t>
-            </a:r>
-            <a:r>
-              <a:rPr lang="en-US" altLang="zh-CN" baseline="-25000">
-                <a:solidFill>
-                  <a:schemeClr val="tx2"/>
-                </a:solidFill>
-              </a:rPr>
-              <a:t>d</a:t>
-            </a:r>
-            <a:r>
-              <a:rPr lang="en-US" altLang="zh-CN">
-                <a:solidFill>
-                  <a:schemeClr val="tx2"/>
-                </a:solidFill>
-              </a:rPr>
-              <a:t> is  the average number of IPS in million with DVFS only method.</a:t>
-            </a:r>
-          </a:p>
+              <a:rPr lang="zh-CN" altLang="en-US" b="1">
+                <a:solidFill>
+                  <a:schemeClr val="tx2"/>
+                </a:solidFill>
+                <a:latin typeface="宋体" charset="-122"/>
+              </a:rPr>
+              <a:t>采用分层方法的温度</a:t>
+            </a:r>
+          </a:p>
+        </p:txBody>
+      </p:sp>
+      <p:sp>
+        <p:nvSpPr>
+          <p:cNvPr id="59400" name="Text Box 19"/>
+          <p:cNvSpPr txBox="1">
+            <a:spLocks noChangeArrowheads="1"/>
+          </p:cNvSpPr>
+          <p:nvPr/>
+        </p:nvSpPr>
+        <p:spPr bwMode="auto">
+          <a:xfrm>
+            <a:off x="798513" y="6300788"/>
+            <a:ext cx="4340225" cy="366712"/>
+          </a:xfrm>
+          <a:prstGeom prst="rect">
+            <a:avLst/>
+          </a:prstGeom>
+          <a:noFill/>
+          <a:ln w="28575" algn="ctr">
+            <a:noFill/>
+            <a:miter lim="800000"/>
+            <a:headEnd/>
+            <a:tailEnd/>
+          </a:ln>
+        </p:spPr>
+        <p:txBody>
+          <a:bodyPr>
+            <a:spAutoFit/>
+          </a:bodyPr>
+          <a:lstStyle/>
           <a:p>
             <a:pPr>
               <a:spcBef>
@@ -6999,53 +7655,91 @@
               </a:spcBef>
             </a:pPr>
             <a:r>
-              <a:rPr lang="en-US" altLang="zh-CN">
-                <a:solidFill>
-                  <a:schemeClr val="tx2"/>
-                </a:solidFill>
-              </a:rPr>
-              <a:t>MIPS</a:t>
-            </a:r>
-            <a:r>
-              <a:rPr lang="en-US" altLang="zh-CN" baseline="-25000">
-                <a:solidFill>
-                  <a:schemeClr val="tx2"/>
-                </a:solidFill>
-              </a:rPr>
-              <a:t>n</a:t>
-            </a:r>
-            <a:r>
-              <a:rPr lang="en-US" altLang="zh-CN">
-                <a:solidFill>
-                  <a:schemeClr val="tx2"/>
-                </a:solidFill>
-              </a:rPr>
-              <a:t> is  the average number of IPS in million with new method.</a:t>
-            </a:r>
-          </a:p>
+              <a:rPr lang="zh-CN" altLang="en-US" b="1">
+                <a:solidFill>
+                  <a:schemeClr val="tx2"/>
+                </a:solidFill>
+              </a:rPr>
+              <a:t>采用未分层方法的温度</a:t>
+            </a:r>
+          </a:p>
+        </p:txBody>
+      </p:sp>
+      <p:sp>
+        <p:nvSpPr>
+          <p:cNvPr id="59401" name="Text Box 20"/>
+          <p:cNvSpPr txBox="1">
+            <a:spLocks noChangeArrowheads="1"/>
+          </p:cNvSpPr>
+          <p:nvPr/>
+        </p:nvSpPr>
+        <p:spPr bwMode="auto">
+          <a:xfrm>
+            <a:off x="4856163" y="6342063"/>
+            <a:ext cx="4032250" cy="366712"/>
+          </a:xfrm>
+          <a:prstGeom prst="rect">
+            <a:avLst/>
+          </a:prstGeom>
+          <a:noFill/>
+          <a:ln w="28575" algn="ctr">
+            <a:noFill/>
+            <a:miter lim="800000"/>
+            <a:headEnd/>
+            <a:tailEnd/>
+          </a:ln>
+        </p:spPr>
+        <p:txBody>
+          <a:bodyPr>
+            <a:spAutoFit/>
+          </a:bodyPr>
+          <a:lstStyle/>
           <a:p>
             <a:pPr>
               <a:spcBef>
                 <a:spcPct val="50000"/>
               </a:spcBef>
             </a:pPr>
-            <a:endParaRPr lang="en-US" altLang="zh-CN">
-              <a:solidFill>
-                <a:schemeClr val="tx1"/>
-              </a:solidFill>
-            </a:endParaRPr>
-          </a:p>
-          <a:p>
-            <a:pPr>
-              <a:spcBef>
-                <a:spcPct val="50000"/>
-              </a:spcBef>
-            </a:pPr>
-            <a:endParaRPr lang="en-US" altLang="zh-CN">
-              <a:solidFill>
-                <a:schemeClr val="tx1"/>
-              </a:solidFill>
-            </a:endParaRPr>
+            <a:r>
+              <a:rPr lang="zh-CN" altLang="en-US" b="1">
+                <a:solidFill>
+                  <a:schemeClr val="tx2"/>
+                </a:solidFill>
+              </a:rPr>
+              <a:t>采用</a:t>
+            </a:r>
+            <a:r>
+              <a:rPr lang="en-US" altLang="zh-CN" b="1">
+                <a:solidFill>
+                  <a:schemeClr val="tx2"/>
+                </a:solidFill>
+              </a:rPr>
+              <a:t>MPC</a:t>
+            </a:r>
+            <a:r>
+              <a:rPr lang="zh-CN" altLang="en-US" b="1">
+                <a:solidFill>
+                  <a:schemeClr val="tx2"/>
+                </a:solidFill>
+              </a:rPr>
+              <a:t>只结合</a:t>
+            </a:r>
+            <a:r>
+              <a:rPr lang="en-US" altLang="zh-CN" b="1">
+                <a:solidFill>
+                  <a:schemeClr val="tx2"/>
+                </a:solidFill>
+              </a:rPr>
+              <a:t>DVFS</a:t>
+            </a:r>
+            <a:r>
+              <a:rPr lang="zh-CN" altLang="en-US" b="1">
+                <a:solidFill>
+                  <a:schemeClr val="tx2"/>
+                </a:solidFill>
+              </a:rPr>
+              <a:t>方法的温度</a:t>
+            </a:r>
           </a:p>
         </p:txBody>
       </p:sp>
@@ -7083,7 +7777,7 @@
       </p:grpSpPr>
       <p:sp>
         <p:nvSpPr>
-          <p:cNvPr id="54273" name="Title 1"/>
+          <p:cNvPr id="65538" name="Title 1"/>
           <p:cNvSpPr txBox="1">
             <a:spLocks/>
           </p:cNvSpPr>
@@ -7110,19 +7804,20 @@
           <a:lstStyle/>
           <a:p>
             <a:r>
-              <a:rPr lang="en-US" altLang="zh-CN" sz="4400">
+              <a:rPr lang="zh-CN" altLang="en-US" sz="4400">
                 <a:solidFill>
                   <a:srgbClr val="FF6600"/>
                 </a:solidFill>
-              </a:rPr>
-              <a:t>Conclusion</a:t>
-            </a:r>
-          </a:p>
-        </p:txBody>
-      </p:sp>
-      <p:sp>
-        <p:nvSpPr>
-          <p:cNvPr id="54274" name="Rectangle 3"/>
+                <a:latin typeface="宋体" charset="-122"/>
+              </a:rPr>
+              <a:t>改进分层方法的比较</a:t>
+            </a:r>
+          </a:p>
+        </p:txBody>
+      </p:sp>
+      <p:sp>
+        <p:nvSpPr>
+          <p:cNvPr id="65543" name="Text Box 17"/>
           <p:cNvSpPr txBox="1">
             <a:spLocks noChangeArrowheads="1"/>
           </p:cNvSpPr>
@@ -7130,14 +7825,14 @@
         </p:nvSpPr>
         <p:spPr bwMode="auto">
           <a:xfrm>
-            <a:off x="457200" y="1563688"/>
-            <a:ext cx="8423275" cy="3805237"/>
+            <a:off x="457200" y="3590925"/>
+            <a:ext cx="3884613" cy="366713"/>
           </a:xfrm>
           <a:prstGeom prst="rect">
             <a:avLst/>
           </a:prstGeom>
           <a:noFill/>
-          <a:ln w="9525">
+          <a:ln w="28575" algn="ctr">
             <a:noFill/>
             <a:miter lim="800000"/>
             <a:headEnd/>
@@ -7145,99 +7840,303 @@
           </a:ln>
         </p:spPr>
         <p:txBody>
-          <a:bodyPr/>
+          <a:bodyPr>
+            <a:spAutoFit/>
+          </a:bodyPr>
           <a:lstStyle/>
           <a:p>
-            <a:pPr marL="342900" indent="-342900" eaLnBrk="0" hangingPunct="0">
+            <a:pPr>
               <a:spcBef>
-                <a:spcPct val="20000"/>
+                <a:spcPct val="50000"/>
               </a:spcBef>
-              <a:buClr>
-                <a:schemeClr val="tx2"/>
-              </a:buClr>
-              <a:buSzPct val="70000"/>
-              <a:buFont typeface="Wingdings" pitchFamily="2" charset="2"/>
-              <a:buChar char="l"/>
-            </a:pPr>
-            <a:endParaRPr lang="en-US" altLang="zh-CN" sz="2400">
-              <a:solidFill>
-                <a:schemeClr val="tx2"/>
-              </a:solidFill>
-              <a:latin typeface="Arial" charset="0"/>
-              <a:ea typeface="MS PGothic" pitchFamily="34" charset="-128"/>
-            </a:endParaRPr>
-          </a:p>
-          <a:p>
-            <a:pPr marL="342900" indent="-342900" eaLnBrk="0" hangingPunct="0">
+            </a:pPr>
+            <a:r>
+              <a:rPr lang="zh-CN" altLang="en-US" b="1">
+                <a:solidFill>
+                  <a:schemeClr val="tx2"/>
+                </a:solidFill>
+                <a:latin typeface="宋体" charset="-122"/>
+              </a:rPr>
+              <a:t>没有采用温度管理的核间温度方差</a:t>
+            </a:r>
+          </a:p>
+        </p:txBody>
+      </p:sp>
+      <p:sp>
+        <p:nvSpPr>
+          <p:cNvPr id="65544" name="Text Box 18"/>
+          <p:cNvSpPr txBox="1">
+            <a:spLocks noChangeArrowheads="1"/>
+          </p:cNvSpPr>
+          <p:nvPr/>
+        </p:nvSpPr>
+        <p:spPr bwMode="auto">
+          <a:xfrm>
+            <a:off x="4856163" y="3635375"/>
+            <a:ext cx="3225800" cy="366713"/>
+          </a:xfrm>
+          <a:prstGeom prst="rect">
+            <a:avLst/>
+          </a:prstGeom>
+          <a:noFill/>
+          <a:ln w="28575" algn="ctr">
+            <a:noFill/>
+            <a:miter lim="800000"/>
+            <a:headEnd/>
+            <a:tailEnd/>
+          </a:ln>
+        </p:spPr>
+        <p:txBody>
+          <a:bodyPr>
+            <a:spAutoFit/>
+          </a:bodyPr>
+          <a:lstStyle/>
+          <a:p>
+            <a:pPr>
               <a:spcBef>
-                <a:spcPct val="20000"/>
+                <a:spcPct val="50000"/>
               </a:spcBef>
-              <a:buClr>
-                <a:schemeClr val="tx2"/>
-              </a:buClr>
-              <a:buSzPct val="70000"/>
-              <a:buFont typeface="Wingdings" pitchFamily="2" charset="2"/>
-              <a:buChar char="l"/>
-            </a:pPr>
-            <a:r>
-              <a:rPr lang="en-US" altLang="zh-CN" sz="2400">
-                <a:solidFill>
-                  <a:schemeClr val="tx2"/>
-                </a:solidFill>
-                <a:latin typeface="Arial" charset="0"/>
-                <a:ea typeface="MS PGothic" pitchFamily="34" charset="-128"/>
-              </a:rPr>
-              <a:t>A Hierarchical dynamic thermal management method is proposed.</a:t>
-            </a:r>
-          </a:p>
-          <a:p>
-            <a:pPr marL="342900" indent="-342900" eaLnBrk="0" hangingPunct="0">
+            </a:pPr>
+            <a:r>
+              <a:rPr lang="zh-CN" altLang="en-US" b="1">
+                <a:solidFill>
+                  <a:schemeClr val="tx2"/>
+                </a:solidFill>
+                <a:latin typeface="宋体" charset="-122"/>
+              </a:rPr>
+              <a:t>采用分层方法的核间温度方差</a:t>
+            </a:r>
+          </a:p>
+        </p:txBody>
+      </p:sp>
+      <p:sp>
+        <p:nvSpPr>
+          <p:cNvPr id="65545" name="Text Box 19"/>
+          <p:cNvSpPr txBox="1">
+            <a:spLocks noChangeArrowheads="1"/>
+          </p:cNvSpPr>
+          <p:nvPr/>
+        </p:nvSpPr>
+        <p:spPr bwMode="auto">
+          <a:xfrm>
+            <a:off x="798513" y="6300788"/>
+            <a:ext cx="4340225" cy="366712"/>
+          </a:xfrm>
+          <a:prstGeom prst="rect">
+            <a:avLst/>
+          </a:prstGeom>
+          <a:noFill/>
+          <a:ln w="28575" algn="ctr">
+            <a:noFill/>
+            <a:miter lim="800000"/>
+            <a:headEnd/>
+            <a:tailEnd/>
+          </a:ln>
+        </p:spPr>
+        <p:txBody>
+          <a:bodyPr>
+            <a:spAutoFit/>
+          </a:bodyPr>
+          <a:lstStyle/>
+          <a:p>
+            <a:pPr>
               <a:spcBef>
-                <a:spcPct val="20000"/>
+                <a:spcPct val="50000"/>
               </a:spcBef>
-              <a:buClr>
-                <a:schemeClr val="tx2"/>
-              </a:buClr>
-              <a:buSzPct val="70000"/>
-              <a:buFont typeface="Wingdings" pitchFamily="2" charset="2"/>
-              <a:buChar char="l"/>
-            </a:pPr>
-            <a:r>
-              <a:rPr lang="en-US" altLang="zh-CN" sz="2400">
-                <a:solidFill>
-                  <a:schemeClr val="tx2"/>
-                </a:solidFill>
-                <a:latin typeface="Arial" charset="0"/>
-                <a:ea typeface="MS PGothic" pitchFamily="34" charset="-128"/>
-              </a:rPr>
-              <a:t>Two partitioning methods are used: one is partitioning by position, the other is partitioning using a minimum cut algorithm.</a:t>
-            </a:r>
-          </a:p>
-          <a:p>
-            <a:pPr marL="342900" indent="-342900" eaLnBrk="0" hangingPunct="0">
+            </a:pPr>
+            <a:r>
+              <a:rPr lang="zh-CN" altLang="en-US" b="1">
+                <a:solidFill>
+                  <a:schemeClr val="tx2"/>
+                </a:solidFill>
+              </a:rPr>
+              <a:t>采用未分层方法的核间温度方差</a:t>
+            </a:r>
+          </a:p>
+        </p:txBody>
+      </p:sp>
+      <p:sp>
+        <p:nvSpPr>
+          <p:cNvPr id="65546" name="Text Box 20"/>
+          <p:cNvSpPr txBox="1">
+            <a:spLocks noChangeArrowheads="1"/>
+          </p:cNvSpPr>
+          <p:nvPr/>
+        </p:nvSpPr>
+        <p:spPr bwMode="auto">
+          <a:xfrm>
+            <a:off x="4341813" y="6342063"/>
+            <a:ext cx="4546600" cy="366712"/>
+          </a:xfrm>
+          <a:prstGeom prst="rect">
+            <a:avLst/>
+          </a:prstGeom>
+          <a:noFill/>
+          <a:ln w="28575" algn="ctr">
+            <a:noFill/>
+            <a:miter lim="800000"/>
+            <a:headEnd/>
+            <a:tailEnd/>
+          </a:ln>
+        </p:spPr>
+        <p:txBody>
+          <a:bodyPr>
+            <a:spAutoFit/>
+          </a:bodyPr>
+          <a:lstStyle/>
+          <a:p>
+            <a:pPr>
               <a:spcBef>
-                <a:spcPct val="20000"/>
+                <a:spcPct val="50000"/>
               </a:spcBef>
-              <a:buClr>
-                <a:schemeClr val="tx2"/>
-              </a:buClr>
-              <a:buSzPct val="70000"/>
-              <a:buFont typeface="Wingdings" pitchFamily="2" charset="2"/>
-              <a:buChar char="l"/>
-            </a:pPr>
-            <a:r>
-              <a:rPr lang="en-US" altLang="zh-CN" sz="2400">
-                <a:solidFill>
-                  <a:schemeClr val="tx2"/>
-                </a:solidFill>
-                <a:latin typeface="Arial" charset="0"/>
-                <a:ea typeface="MS PGothic" pitchFamily="34" charset="-128"/>
-              </a:rPr>
-              <a:t>The new method is distributed, time spent in computing is reduced so much.</a:t>
-            </a:r>
-          </a:p>
-        </p:txBody>
-      </p:sp>
+            </a:pPr>
+            <a:r>
+              <a:rPr lang="zh-CN" altLang="en-US" b="1">
+                <a:solidFill>
+                  <a:schemeClr val="tx2"/>
+                </a:solidFill>
+              </a:rPr>
+              <a:t>采用</a:t>
+            </a:r>
+            <a:r>
+              <a:rPr lang="en-US" altLang="zh-CN" b="1">
+                <a:solidFill>
+                  <a:schemeClr val="tx2"/>
+                </a:solidFill>
+              </a:rPr>
+              <a:t>MPC</a:t>
+            </a:r>
+            <a:r>
+              <a:rPr lang="zh-CN" altLang="en-US" b="1">
+                <a:solidFill>
+                  <a:schemeClr val="tx2"/>
+                </a:solidFill>
+              </a:rPr>
+              <a:t>只结合</a:t>
+            </a:r>
+            <a:r>
+              <a:rPr lang="en-US" altLang="zh-CN" b="1">
+                <a:solidFill>
+                  <a:schemeClr val="tx2"/>
+                </a:solidFill>
+              </a:rPr>
+              <a:t>DVFS</a:t>
+            </a:r>
+            <a:r>
+              <a:rPr lang="zh-CN" altLang="en-US" b="1">
+                <a:solidFill>
+                  <a:schemeClr val="tx2"/>
+                </a:solidFill>
+              </a:rPr>
+              <a:t>方法的核间温度方差</a:t>
+            </a:r>
+          </a:p>
+        </p:txBody>
+      </p:sp>
+      <p:pic>
+        <p:nvPicPr>
+          <p:cNvPr id="65547" name="Picture 11" descr="分层var1"/>
+          <p:cNvPicPr>
+            <a:picLocks noChangeAspect="1" noChangeArrowheads="1"/>
+          </p:cNvPicPr>
+          <p:nvPr/>
+        </p:nvPicPr>
+        <p:blipFill>
+          <a:blip r:embed="rId2"/>
+          <a:srcRect/>
+          <a:stretch>
+            <a:fillRect/>
+          </a:stretch>
+        </p:blipFill>
+        <p:spPr bwMode="auto">
+          <a:xfrm>
+            <a:off x="457200" y="1223963"/>
+            <a:ext cx="3303588" cy="2411412"/>
+          </a:xfrm>
+          <a:prstGeom prst="rect">
+            <a:avLst/>
+          </a:prstGeom>
+          <a:noFill/>
+        </p:spPr>
+      </p:pic>
+      <p:pic>
+        <p:nvPicPr>
+          <p:cNvPr id="65548" name="Picture 12" descr="分层var2"/>
+          <p:cNvPicPr>
+            <a:picLocks noChangeAspect="1" noChangeArrowheads="1"/>
+          </p:cNvPicPr>
+          <p:nvPr/>
+        </p:nvPicPr>
+        <p:blipFill>
+          <a:blip r:embed="rId3"/>
+          <a:srcRect/>
+          <a:stretch>
+            <a:fillRect/>
+          </a:stretch>
+        </p:blipFill>
+        <p:spPr bwMode="auto">
+          <a:xfrm>
+            <a:off x="4341813" y="1263650"/>
+            <a:ext cx="3273425" cy="2327275"/>
+          </a:xfrm>
+          <a:prstGeom prst="rect">
+            <a:avLst/>
+          </a:prstGeom>
+          <a:noFill/>
+        </p:spPr>
+      </p:pic>
+      <p:pic>
+        <p:nvPicPr>
+          <p:cNvPr id="65549" name="Picture 13" descr="分层var3"/>
+          <p:cNvPicPr>
+            <a:picLocks noChangeAspect="1" noChangeArrowheads="1"/>
+          </p:cNvPicPr>
+          <p:nvPr/>
+        </p:nvPicPr>
+        <p:blipFill>
+          <a:blip r:embed="rId4"/>
+          <a:srcRect/>
+          <a:stretch>
+            <a:fillRect/>
+          </a:stretch>
+        </p:blipFill>
+        <p:spPr bwMode="auto">
+          <a:xfrm>
+            <a:off x="519113" y="4002088"/>
+            <a:ext cx="3241675" cy="2300287"/>
+          </a:xfrm>
+          <a:prstGeom prst="rect">
+            <a:avLst/>
+          </a:prstGeom>
+          <a:noFill/>
+        </p:spPr>
+      </p:pic>
+      <p:pic>
+        <p:nvPicPr>
+          <p:cNvPr id="65550" name="Picture 14" descr="分层var4"/>
+          <p:cNvPicPr>
+            <a:picLocks noChangeAspect="1" noChangeArrowheads="1"/>
+          </p:cNvPicPr>
+          <p:nvPr/>
+        </p:nvPicPr>
+        <p:blipFill>
+          <a:blip r:embed="rId5"/>
+          <a:srcRect/>
+          <a:stretch>
+            <a:fillRect/>
+          </a:stretch>
+        </p:blipFill>
+        <p:spPr bwMode="auto">
+          <a:xfrm>
+            <a:off x="4341813" y="3990975"/>
+            <a:ext cx="3262312" cy="2351088"/>
+          </a:xfrm>
+          <a:prstGeom prst="rect">
+            <a:avLst/>
+          </a:prstGeom>
+          <a:noFill/>
+        </p:spPr>
+      </p:pic>
     </p:spTree>
   </p:cSld>
   <p:clrMapOvr>
@@ -7272,7 +8171,7 @@
       </p:grpSpPr>
       <p:sp>
         <p:nvSpPr>
-          <p:cNvPr id="55297" name="Title 1"/>
+          <p:cNvPr id="61445" name="Title 1"/>
           <p:cNvSpPr txBox="1">
             <a:spLocks/>
           </p:cNvSpPr>
@@ -7280,7 +8179,7 @@
         </p:nvSpPr>
         <p:spPr bwMode="auto">
           <a:xfrm>
-            <a:off x="554038" y="2709863"/>
+            <a:off x="457200" y="44450"/>
             <a:ext cx="8229600" cy="1143000"/>
           </a:xfrm>
           <a:prstGeom prst="rect">
@@ -7298,14 +8197,1017 @@
           <a:bodyPr anchor="ctr"/>
           <a:lstStyle/>
           <a:p>
+            <a:r>
+              <a:rPr lang="zh-CN" altLang="en-US" sz="4400">
+                <a:solidFill>
+                  <a:srgbClr val="FF6600"/>
+                </a:solidFill>
+                <a:latin typeface="宋体" charset="-122"/>
+              </a:rPr>
+              <a:t>改进分层方法的比较</a:t>
+            </a:r>
+          </a:p>
+        </p:txBody>
+      </p:sp>
+      <p:pic>
+        <p:nvPicPr>
+          <p:cNvPr id="61446" name="Picture 6" descr="分层时间"/>
+          <p:cNvPicPr>
+            <a:picLocks noChangeAspect="1" noChangeArrowheads="1"/>
+          </p:cNvPicPr>
+          <p:nvPr/>
+        </p:nvPicPr>
+        <p:blipFill>
+          <a:blip r:embed="rId3"/>
+          <a:srcRect/>
+          <a:stretch>
+            <a:fillRect/>
+          </a:stretch>
+        </p:blipFill>
+        <p:spPr bwMode="auto">
+          <a:xfrm>
+            <a:off x="457200" y="1187450"/>
+            <a:ext cx="6140450" cy="3090863"/>
+          </a:xfrm>
+          <a:prstGeom prst="rect">
+            <a:avLst/>
+          </a:prstGeom>
+          <a:noFill/>
+        </p:spPr>
+      </p:pic>
+      <p:sp>
+        <p:nvSpPr>
+          <p:cNvPr id="61447" name="Text Box 17"/>
+          <p:cNvSpPr txBox="1">
+            <a:spLocks noChangeArrowheads="1"/>
+          </p:cNvSpPr>
+          <p:nvPr/>
+        </p:nvSpPr>
+        <p:spPr bwMode="auto">
+          <a:xfrm>
+            <a:off x="541338" y="4459288"/>
+            <a:ext cx="4422775" cy="366712"/>
+          </a:xfrm>
+          <a:prstGeom prst="rect">
+            <a:avLst/>
+          </a:prstGeom>
+          <a:noFill/>
+          <a:ln w="28575" algn="ctr">
+            <a:noFill/>
+            <a:miter lim="800000"/>
+            <a:headEnd/>
+            <a:tailEnd/>
+          </a:ln>
+        </p:spPr>
+        <p:txBody>
+          <a:bodyPr>
+            <a:spAutoFit/>
+          </a:bodyPr>
+          <a:lstStyle/>
+          <a:p>
+            <a:pPr>
+              <a:spcBef>
+                <a:spcPct val="50000"/>
+              </a:spcBef>
+            </a:pPr>
+            <a:r>
+              <a:rPr lang="zh-CN" altLang="en-US" b="1">
+                <a:solidFill>
+                  <a:schemeClr val="tx2"/>
+                </a:solidFill>
+                <a:latin typeface="宋体" charset="-122"/>
+              </a:rPr>
+              <a:t>分层方法与未分层方法的计算时间比较</a:t>
+            </a:r>
+          </a:p>
+        </p:txBody>
+      </p:sp>
+      <p:sp>
+        <p:nvSpPr>
+          <p:cNvPr id="61448" name="Text Box 17"/>
+          <p:cNvSpPr txBox="1">
+            <a:spLocks noChangeArrowheads="1"/>
+          </p:cNvSpPr>
+          <p:nvPr/>
+        </p:nvSpPr>
+        <p:spPr bwMode="auto">
+          <a:xfrm>
+            <a:off x="5341938" y="4459288"/>
+            <a:ext cx="3344862" cy="366712"/>
+          </a:xfrm>
+          <a:prstGeom prst="rect">
+            <a:avLst/>
+          </a:prstGeom>
+          <a:noFill/>
+          <a:ln w="28575" algn="ctr">
+            <a:noFill/>
+            <a:miter lim="800000"/>
+            <a:headEnd/>
+            <a:tailEnd/>
+          </a:ln>
+        </p:spPr>
+        <p:txBody>
+          <a:bodyPr>
+            <a:spAutoFit/>
+          </a:bodyPr>
+          <a:lstStyle/>
+          <a:p>
+            <a:pPr>
+              <a:spcBef>
+                <a:spcPct val="50000"/>
+              </a:spcBef>
+            </a:pPr>
+            <a:r>
+              <a:rPr lang="zh-CN" altLang="en-US">
+                <a:solidFill>
+                  <a:schemeClr val="tx2"/>
+                </a:solidFill>
+                <a:latin typeface="宋体" charset="-122"/>
+              </a:rPr>
+              <a:t>     表示</a:t>
+            </a:r>
+            <a:r>
+              <a:rPr lang="en-US" altLang="zh-CN">
+                <a:solidFill>
+                  <a:schemeClr val="tx2"/>
+                </a:solidFill>
+                <a:latin typeface="宋体" charset="-122"/>
+              </a:rPr>
+              <a:t>MPC</a:t>
+            </a:r>
+            <a:r>
+              <a:rPr lang="zh-CN" altLang="en-US">
+                <a:solidFill>
+                  <a:schemeClr val="tx2"/>
+                </a:solidFill>
+                <a:latin typeface="宋体" charset="-122"/>
+              </a:rPr>
+              <a:t>部分的计算时间</a:t>
+            </a:r>
+          </a:p>
+        </p:txBody>
+      </p:sp>
+      <p:graphicFrame>
+        <p:nvGraphicFramePr>
+          <p:cNvPr id="61449" name="Object 9"/>
+          <p:cNvGraphicFramePr>
+            <a:graphicFrameLocks noChangeAspect="1"/>
+          </p:cNvGraphicFramePr>
+          <p:nvPr/>
+        </p:nvGraphicFramePr>
+        <p:xfrm>
+          <a:off x="5711825" y="4332288"/>
+          <a:ext cx="334963" cy="530225"/>
+        </p:xfrm>
+        <a:graphic>
+          <a:graphicData uri="http://schemas.openxmlformats.org/presentationml/2006/ole">
+            <p:oleObj spid="_x0000_s61449" name="Equation" r:id="rId4" imgW="152280" imgH="241200" progId="Equation.DSMT4">
+              <p:embed/>
+            </p:oleObj>
+          </a:graphicData>
+        </a:graphic>
+      </p:graphicFrame>
+      <p:sp>
+        <p:nvSpPr>
+          <p:cNvPr id="61450" name="Text Box 17"/>
+          <p:cNvSpPr txBox="1">
+            <a:spLocks noChangeArrowheads="1"/>
+          </p:cNvSpPr>
+          <p:nvPr/>
+        </p:nvSpPr>
+        <p:spPr bwMode="auto">
+          <a:xfrm>
+            <a:off x="5341938" y="5041900"/>
+            <a:ext cx="3344862" cy="366713"/>
+          </a:xfrm>
+          <a:prstGeom prst="rect">
+            <a:avLst/>
+          </a:prstGeom>
+          <a:noFill/>
+          <a:ln w="28575" algn="ctr">
+            <a:noFill/>
+            <a:miter lim="800000"/>
+            <a:headEnd/>
+            <a:tailEnd/>
+          </a:ln>
+        </p:spPr>
+        <p:txBody>
+          <a:bodyPr>
+            <a:spAutoFit/>
+          </a:bodyPr>
+          <a:lstStyle/>
+          <a:p>
+            <a:pPr>
+              <a:spcBef>
+                <a:spcPct val="50000"/>
+              </a:spcBef>
+            </a:pPr>
+            <a:r>
+              <a:rPr lang="zh-CN" altLang="en-US">
+                <a:solidFill>
+                  <a:schemeClr val="tx2"/>
+                </a:solidFill>
+                <a:latin typeface="宋体" charset="-122"/>
+              </a:rPr>
+              <a:t>     表示匹配部分的计算时间</a:t>
+            </a:r>
+          </a:p>
+        </p:txBody>
+      </p:sp>
+      <p:graphicFrame>
+        <p:nvGraphicFramePr>
+          <p:cNvPr id="61451" name="Object 11"/>
+          <p:cNvGraphicFramePr>
+            <a:graphicFrameLocks noChangeAspect="1"/>
+          </p:cNvGraphicFramePr>
+          <p:nvPr/>
+        </p:nvGraphicFramePr>
+        <p:xfrm>
+          <a:off x="5711825" y="4862513"/>
+          <a:ext cx="363538" cy="546100"/>
+        </p:xfrm>
+        <a:graphic>
+          <a:graphicData uri="http://schemas.openxmlformats.org/presentationml/2006/ole">
+            <p:oleObj spid="_x0000_s61451" name="Equation" r:id="rId5" imgW="152280" imgH="228600" progId="Equation.DSMT4">
+              <p:embed/>
+            </p:oleObj>
+          </a:graphicData>
+        </a:graphic>
+      </p:graphicFrame>
+      <p:graphicFrame>
+        <p:nvGraphicFramePr>
+          <p:cNvPr id="61452" name="Object 12"/>
+          <p:cNvGraphicFramePr>
+            <a:graphicFrameLocks noChangeAspect="1"/>
+          </p:cNvGraphicFramePr>
+          <p:nvPr/>
+        </p:nvGraphicFramePr>
+        <p:xfrm>
+          <a:off x="5711825" y="5408613"/>
+          <a:ext cx="301625" cy="493712"/>
+        </p:xfrm>
+        <a:graphic>
+          <a:graphicData uri="http://schemas.openxmlformats.org/presentationml/2006/ole">
+            <p:oleObj spid="_x0000_s61452" name="Equation" r:id="rId6" imgW="139680" imgH="228600" progId="Equation.DSMT4">
+              <p:embed/>
+            </p:oleObj>
+          </a:graphicData>
+        </a:graphic>
+      </p:graphicFrame>
+      <p:sp>
+        <p:nvSpPr>
+          <p:cNvPr id="61453" name="Text Box 17"/>
+          <p:cNvSpPr txBox="1">
+            <a:spLocks noChangeArrowheads="1"/>
+          </p:cNvSpPr>
+          <p:nvPr/>
+        </p:nvSpPr>
+        <p:spPr bwMode="auto">
+          <a:xfrm>
+            <a:off x="5327650" y="5507038"/>
+            <a:ext cx="3344863" cy="779462"/>
+          </a:xfrm>
+          <a:prstGeom prst="rect">
+            <a:avLst/>
+          </a:prstGeom>
+          <a:noFill/>
+          <a:ln w="28575" algn="ctr">
+            <a:noFill/>
+            <a:miter lim="800000"/>
+            <a:headEnd/>
+            <a:tailEnd/>
+          </a:ln>
+        </p:spPr>
+        <p:txBody>
+          <a:bodyPr>
+            <a:spAutoFit/>
+          </a:bodyPr>
+          <a:lstStyle/>
+          <a:p>
+            <a:pPr>
+              <a:spcBef>
+                <a:spcPct val="50000"/>
+              </a:spcBef>
+            </a:pPr>
+            <a:r>
+              <a:rPr lang="zh-CN" altLang="en-US">
+                <a:solidFill>
+                  <a:schemeClr val="tx2"/>
+                </a:solidFill>
+                <a:latin typeface="宋体" charset="-122"/>
+              </a:rPr>
+              <a:t>     表示最小割划分部分的计</a:t>
+            </a:r>
+          </a:p>
+          <a:p>
+            <a:pPr>
+              <a:spcBef>
+                <a:spcPct val="50000"/>
+              </a:spcBef>
+            </a:pPr>
+            <a:r>
+              <a:rPr lang="zh-CN" altLang="en-US">
+                <a:solidFill>
+                  <a:schemeClr val="tx2"/>
+                </a:solidFill>
+                <a:latin typeface="宋体" charset="-122"/>
+              </a:rPr>
+              <a:t>     算时间</a:t>
+            </a:r>
+          </a:p>
+        </p:txBody>
+      </p:sp>
+    </p:spTree>
+  </p:cSld>
+  <p:clrMapOvr>
+    <a:masterClrMapping/>
+  </p:clrMapOvr>
+  <p:timing>
+    <p:tnLst>
+      <p:par>
+        <p:cTn id="1" dur="indefinite" restart="never" nodeType="tmRoot"/>
+      </p:par>
+    </p:tnLst>
+  </p:timing>
+</p:sld>
+</file>
+
+<file path=ppt/slides/slide23.xml><?xml version="1.0" encoding="utf-8"?>
+<p:sld xmlns:a="http://schemas.openxmlformats.org/drawingml/2006/main" xmlns:r="http://schemas.openxmlformats.org/officeDocument/2006/relationships" xmlns:p="http://schemas.openxmlformats.org/presentationml/2006/main">
+  <p:cSld>
+    <p:spTree>
+      <p:nvGrpSpPr>
+        <p:cNvPr id="1" name=""/>
+        <p:cNvGrpSpPr/>
+        <p:nvPr/>
+      </p:nvGrpSpPr>
+      <p:grpSpPr>
+        <a:xfrm>
+          <a:off x="0" y="0"/>
+          <a:ext cx="0" cy="0"/>
+          <a:chOff x="0" y="0"/>
+          <a:chExt cx="0" cy="0"/>
+        </a:xfrm>
+      </p:grpSpPr>
+      <p:sp>
+        <p:nvSpPr>
+          <p:cNvPr id="62470" name="Title 1"/>
+          <p:cNvSpPr txBox="1">
+            <a:spLocks/>
+          </p:cNvSpPr>
+          <p:nvPr/>
+        </p:nvSpPr>
+        <p:spPr bwMode="auto">
+          <a:xfrm>
+            <a:off x="457200" y="44450"/>
+            <a:ext cx="8229600" cy="1143000"/>
+          </a:xfrm>
+          <a:prstGeom prst="rect">
+            <a:avLst/>
+          </a:prstGeom>
+          <a:noFill/>
+          <a:ln w="9525">
+            <a:noFill/>
+            <a:miter lim="800000"/>
+            <a:headEnd/>
+            <a:tailEnd/>
+          </a:ln>
+        </p:spPr>
+        <p:txBody>
+          <a:bodyPr anchor="ctr"/>
+          <a:lstStyle/>
+          <a:p>
+            <a:r>
+              <a:rPr lang="zh-CN" altLang="en-US" sz="4400">
+                <a:solidFill>
+                  <a:srgbClr val="FF6600"/>
+                </a:solidFill>
+                <a:latin typeface="宋体" charset="-122"/>
+              </a:rPr>
+              <a:t>改进分层方法的比较</a:t>
+            </a:r>
+          </a:p>
+        </p:txBody>
+      </p:sp>
+      <p:pic>
+        <p:nvPicPr>
+          <p:cNvPr id="62471" name="Picture 7" descr="分层IPS"/>
+          <p:cNvPicPr>
+            <a:picLocks noChangeAspect="1" noChangeArrowheads="1"/>
+          </p:cNvPicPr>
+          <p:nvPr/>
+        </p:nvPicPr>
+        <p:blipFill>
+          <a:blip r:embed="rId3"/>
+          <a:srcRect/>
+          <a:stretch>
+            <a:fillRect/>
+          </a:stretch>
+        </p:blipFill>
+        <p:spPr bwMode="auto">
+          <a:xfrm>
+            <a:off x="831850" y="1425575"/>
+            <a:ext cx="6702425" cy="2974975"/>
+          </a:xfrm>
+          <a:prstGeom prst="rect">
+            <a:avLst/>
+          </a:prstGeom>
+          <a:noFill/>
+        </p:spPr>
+      </p:pic>
+      <p:sp>
+        <p:nvSpPr>
+          <p:cNvPr id="62472" name="Text Box 17"/>
+          <p:cNvSpPr txBox="1">
+            <a:spLocks noChangeArrowheads="1"/>
+          </p:cNvSpPr>
+          <p:nvPr/>
+        </p:nvSpPr>
+        <p:spPr bwMode="auto">
+          <a:xfrm>
+            <a:off x="2105025" y="4570413"/>
+            <a:ext cx="3600450" cy="366712"/>
+          </a:xfrm>
+          <a:prstGeom prst="rect">
+            <a:avLst/>
+          </a:prstGeom>
+          <a:noFill/>
+          <a:ln w="28575" algn="ctr">
+            <a:noFill/>
+            <a:miter lim="800000"/>
+            <a:headEnd/>
+            <a:tailEnd/>
+          </a:ln>
+        </p:spPr>
+        <p:txBody>
+          <a:bodyPr>
+            <a:spAutoFit/>
+          </a:bodyPr>
+          <a:lstStyle/>
+          <a:p>
+            <a:pPr>
+              <a:spcBef>
+                <a:spcPct val="50000"/>
+              </a:spcBef>
+            </a:pPr>
+            <a:r>
+              <a:rPr lang="zh-CN" altLang="en-US" b="1">
+                <a:solidFill>
+                  <a:schemeClr val="tx2"/>
+                </a:solidFill>
+                <a:latin typeface="宋体" charset="-122"/>
+              </a:rPr>
+              <a:t>分层方法与其他方法的性能比较</a:t>
+            </a:r>
+          </a:p>
+        </p:txBody>
+      </p:sp>
+      <p:sp>
+        <p:nvSpPr>
+          <p:cNvPr id="62473" name="Text Box 17"/>
+          <p:cNvSpPr txBox="1">
+            <a:spLocks noChangeArrowheads="1"/>
+          </p:cNvSpPr>
+          <p:nvPr/>
+        </p:nvSpPr>
+        <p:spPr bwMode="auto">
+          <a:xfrm>
+            <a:off x="3616325" y="5151438"/>
+            <a:ext cx="4368800" cy="366712"/>
+          </a:xfrm>
+          <a:prstGeom prst="rect">
+            <a:avLst/>
+          </a:prstGeom>
+          <a:noFill/>
+          <a:ln w="28575" algn="ctr">
+            <a:noFill/>
+            <a:miter lim="800000"/>
+            <a:headEnd/>
+            <a:tailEnd/>
+          </a:ln>
+        </p:spPr>
+        <p:txBody>
+          <a:bodyPr>
+            <a:spAutoFit/>
+          </a:bodyPr>
+          <a:lstStyle/>
+          <a:p>
+            <a:pPr>
+              <a:spcBef>
+                <a:spcPct val="50000"/>
+              </a:spcBef>
+            </a:pPr>
+            <a:r>
+              <a:rPr lang="zh-CN" altLang="en-US">
+                <a:solidFill>
+                  <a:schemeClr val="tx2"/>
+                </a:solidFill>
+                <a:latin typeface="宋体" charset="-122"/>
+              </a:rPr>
+              <a:t>     表示理想状态下的每秒指令数</a:t>
+            </a:r>
+          </a:p>
+        </p:txBody>
+      </p:sp>
+      <p:graphicFrame>
+        <p:nvGraphicFramePr>
+          <p:cNvPr id="62474" name="Object 10"/>
+          <p:cNvGraphicFramePr>
+            <a:graphicFrameLocks noChangeAspect="1"/>
+          </p:cNvGraphicFramePr>
+          <p:nvPr/>
+        </p:nvGraphicFramePr>
+        <p:xfrm>
+          <a:off x="3446463" y="5094288"/>
+          <a:ext cx="987425" cy="455612"/>
+        </p:xfrm>
+        <a:graphic>
+          <a:graphicData uri="http://schemas.openxmlformats.org/presentationml/2006/ole">
+            <p:oleObj spid="_x0000_s62474" name="Equation" r:id="rId4" imgW="444240" imgH="228600" progId="Equation.DSMT4">
+              <p:embed/>
+            </p:oleObj>
+          </a:graphicData>
+        </a:graphic>
+      </p:graphicFrame>
+      <p:sp>
+        <p:nvSpPr>
+          <p:cNvPr id="62475" name="Text Box 17"/>
+          <p:cNvSpPr txBox="1">
+            <a:spLocks noChangeArrowheads="1"/>
+          </p:cNvSpPr>
+          <p:nvPr/>
+        </p:nvSpPr>
+        <p:spPr bwMode="auto">
+          <a:xfrm>
+            <a:off x="3632200" y="5567363"/>
+            <a:ext cx="5268913" cy="366712"/>
+          </a:xfrm>
+          <a:prstGeom prst="rect">
+            <a:avLst/>
+          </a:prstGeom>
+          <a:noFill/>
+          <a:ln w="28575" algn="ctr">
+            <a:noFill/>
+            <a:miter lim="800000"/>
+            <a:headEnd/>
+            <a:tailEnd/>
+          </a:ln>
+        </p:spPr>
+        <p:txBody>
+          <a:bodyPr>
+            <a:spAutoFit/>
+          </a:bodyPr>
+          <a:lstStyle/>
+          <a:p>
+            <a:pPr>
+              <a:spcBef>
+                <a:spcPct val="50000"/>
+              </a:spcBef>
+            </a:pPr>
+            <a:r>
+              <a:rPr lang="zh-CN" altLang="en-US">
+                <a:solidFill>
+                  <a:schemeClr val="tx2"/>
+                </a:solidFill>
+                <a:latin typeface="宋体" charset="-122"/>
+              </a:rPr>
+              <a:t>     表示采用</a:t>
+            </a:r>
+            <a:r>
+              <a:rPr lang="en-US" altLang="zh-CN">
+                <a:solidFill>
+                  <a:schemeClr val="tx2"/>
+                </a:solidFill>
+                <a:latin typeface="宋体" charset="-122"/>
+              </a:rPr>
+              <a:t>MPC</a:t>
+            </a:r>
+            <a:r>
+              <a:rPr lang="zh-CN" altLang="en-US">
+                <a:solidFill>
+                  <a:schemeClr val="tx2"/>
+                </a:solidFill>
+                <a:latin typeface="宋体" charset="-122"/>
+              </a:rPr>
+              <a:t>只结合</a:t>
+            </a:r>
+            <a:r>
+              <a:rPr lang="en-US" altLang="zh-CN">
+                <a:solidFill>
+                  <a:schemeClr val="tx2"/>
+                </a:solidFill>
+                <a:latin typeface="宋体" charset="-122"/>
+              </a:rPr>
+              <a:t>DVFS</a:t>
+            </a:r>
+            <a:r>
+              <a:rPr lang="zh-CN" altLang="en-US">
+                <a:solidFill>
+                  <a:schemeClr val="tx2"/>
+                </a:solidFill>
+                <a:latin typeface="宋体" charset="-122"/>
+              </a:rPr>
+              <a:t>方法的每秒指令数</a:t>
+            </a:r>
+          </a:p>
+        </p:txBody>
+      </p:sp>
+      <p:graphicFrame>
+        <p:nvGraphicFramePr>
+          <p:cNvPr id="62476" name="Object 12"/>
+          <p:cNvGraphicFramePr>
+            <a:graphicFrameLocks noChangeAspect="1"/>
+          </p:cNvGraphicFramePr>
+          <p:nvPr/>
+        </p:nvGraphicFramePr>
+        <p:xfrm>
+          <a:off x="3440113" y="5495925"/>
+          <a:ext cx="1031875" cy="463550"/>
+        </p:xfrm>
+        <a:graphic>
+          <a:graphicData uri="http://schemas.openxmlformats.org/presentationml/2006/ole">
+            <p:oleObj spid="_x0000_s62476" name="Equation" r:id="rId5" imgW="457200" imgH="228600" progId="Equation.DSMT4">
+              <p:embed/>
+            </p:oleObj>
+          </a:graphicData>
+        </a:graphic>
+      </p:graphicFrame>
+      <p:sp>
+        <p:nvSpPr>
+          <p:cNvPr id="62477" name="Text Box 17"/>
+          <p:cNvSpPr txBox="1">
+            <a:spLocks noChangeArrowheads="1"/>
+          </p:cNvSpPr>
+          <p:nvPr/>
+        </p:nvSpPr>
+        <p:spPr bwMode="auto">
+          <a:xfrm>
+            <a:off x="3632200" y="5995988"/>
+            <a:ext cx="5268913" cy="366712"/>
+          </a:xfrm>
+          <a:prstGeom prst="rect">
+            <a:avLst/>
+          </a:prstGeom>
+          <a:noFill/>
+          <a:ln w="28575" algn="ctr">
+            <a:noFill/>
+            <a:miter lim="800000"/>
+            <a:headEnd/>
+            <a:tailEnd/>
+          </a:ln>
+        </p:spPr>
+        <p:txBody>
+          <a:bodyPr>
+            <a:spAutoFit/>
+          </a:bodyPr>
+          <a:lstStyle/>
+          <a:p>
+            <a:pPr>
+              <a:spcBef>
+                <a:spcPct val="50000"/>
+              </a:spcBef>
+            </a:pPr>
+            <a:r>
+              <a:rPr lang="zh-CN" altLang="en-US">
+                <a:solidFill>
+                  <a:schemeClr val="tx2"/>
+                </a:solidFill>
+                <a:latin typeface="宋体" charset="-122"/>
+              </a:rPr>
+              <a:t>     表示采用混合方法的每秒指令数</a:t>
+            </a:r>
+          </a:p>
+        </p:txBody>
+      </p:sp>
+      <p:graphicFrame>
+        <p:nvGraphicFramePr>
+          <p:cNvPr id="62478" name="Object 14"/>
+          <p:cNvGraphicFramePr>
+            <a:graphicFrameLocks noChangeAspect="1"/>
+          </p:cNvGraphicFramePr>
+          <p:nvPr/>
+        </p:nvGraphicFramePr>
+        <p:xfrm>
+          <a:off x="3468688" y="5937250"/>
+          <a:ext cx="987425" cy="457200"/>
+        </p:xfrm>
+        <a:graphic>
+          <a:graphicData uri="http://schemas.openxmlformats.org/presentationml/2006/ole">
+            <p:oleObj spid="_x0000_s62478" name="Equation" r:id="rId6" imgW="444240" imgH="228600" progId="Equation.DSMT4">
+              <p:embed/>
+            </p:oleObj>
+          </a:graphicData>
+        </a:graphic>
+      </p:graphicFrame>
+    </p:spTree>
+  </p:cSld>
+  <p:clrMapOvr>
+    <a:masterClrMapping/>
+  </p:clrMapOvr>
+  <p:timing>
+    <p:tnLst>
+      <p:par>
+        <p:cTn id="1" dur="indefinite" restart="never" nodeType="tmRoot"/>
+      </p:par>
+    </p:tnLst>
+  </p:timing>
+</p:sld>
+</file>
+
+<file path=ppt/slides/slide24.xml><?xml version="1.0" encoding="utf-8"?>
+<p:sld xmlns:a="http://schemas.openxmlformats.org/drawingml/2006/main" xmlns:r="http://schemas.openxmlformats.org/officeDocument/2006/relationships" xmlns:p="http://schemas.openxmlformats.org/presentationml/2006/main">
+  <p:cSld>
+    <p:spTree>
+      <p:nvGrpSpPr>
+        <p:cNvPr id="1" name=""/>
+        <p:cNvGrpSpPr/>
+        <p:nvPr/>
+      </p:nvGrpSpPr>
+      <p:grpSpPr>
+        <a:xfrm>
+          <a:off x="0" y="0"/>
+          <a:ext cx="0" cy="0"/>
+          <a:chOff x="0" y="0"/>
+          <a:chExt cx="0" cy="0"/>
+        </a:xfrm>
+      </p:grpSpPr>
+      <p:sp>
+        <p:nvSpPr>
+          <p:cNvPr id="63489" name="Title 1"/>
+          <p:cNvSpPr txBox="1">
+            <a:spLocks/>
+          </p:cNvSpPr>
+          <p:nvPr/>
+        </p:nvSpPr>
+        <p:spPr bwMode="auto">
+          <a:xfrm>
+            <a:off x="457200" y="44450"/>
+            <a:ext cx="8229600" cy="1143000"/>
+          </a:xfrm>
+          <a:prstGeom prst="rect">
+            <a:avLst/>
+          </a:prstGeom>
+          <a:noFill/>
+          <a:ln w="9525">
+            <a:noFill/>
+            <a:miter lim="800000"/>
+            <a:headEnd/>
+            <a:tailEnd/>
+          </a:ln>
+        </p:spPr>
+        <p:txBody>
+          <a:bodyPr anchor="ctr"/>
+          <a:lstStyle/>
+          <a:p>
+            <a:r>
+              <a:rPr lang="zh-CN" altLang="en-US" sz="4400">
+                <a:solidFill>
+                  <a:srgbClr val="FF6600"/>
+                </a:solidFill>
+              </a:rPr>
+              <a:t>总结</a:t>
+            </a:r>
+          </a:p>
+        </p:txBody>
+      </p:sp>
+      <p:sp>
+        <p:nvSpPr>
+          <p:cNvPr id="63490" name="Rectangle 3"/>
+          <p:cNvSpPr txBox="1">
+            <a:spLocks noChangeArrowheads="1"/>
+          </p:cNvSpPr>
+          <p:nvPr/>
+        </p:nvSpPr>
+        <p:spPr bwMode="auto">
+          <a:xfrm>
+            <a:off x="457200" y="1563688"/>
+            <a:ext cx="8423275" cy="3805237"/>
+          </a:xfrm>
+          <a:prstGeom prst="rect">
+            <a:avLst/>
+          </a:prstGeom>
+          <a:noFill/>
+          <a:ln w="9525">
+            <a:noFill/>
+            <a:miter lim="800000"/>
+            <a:headEnd/>
+            <a:tailEnd/>
+          </a:ln>
+        </p:spPr>
+        <p:txBody>
+          <a:bodyPr/>
+          <a:lstStyle/>
+          <a:p>
+            <a:pPr marL="342900" indent="-342900" eaLnBrk="0" hangingPunct="0">
+              <a:spcBef>
+                <a:spcPct val="20000"/>
+              </a:spcBef>
+              <a:buClr>
+                <a:schemeClr val="tx2"/>
+              </a:buClr>
+              <a:buSzPct val="70000"/>
+              <a:buFont typeface="Wingdings" pitchFamily="2" charset="2"/>
+              <a:buChar char="l"/>
+            </a:pPr>
+            <a:endParaRPr lang="en-US" altLang="zh-CN" sz="2400">
+              <a:solidFill>
+                <a:schemeClr val="tx2"/>
+              </a:solidFill>
+              <a:latin typeface="Arial" charset="0"/>
+              <a:ea typeface="MS PGothic" pitchFamily="34" charset="-128"/>
+            </a:endParaRPr>
+          </a:p>
+          <a:p>
+            <a:pPr marL="342900" indent="-342900" eaLnBrk="0" hangingPunct="0">
+              <a:spcBef>
+                <a:spcPct val="20000"/>
+              </a:spcBef>
+              <a:buClr>
+                <a:schemeClr val="tx2"/>
+              </a:buClr>
+              <a:buSzPct val="70000"/>
+              <a:buFont typeface="Wingdings" pitchFamily="2" charset="2"/>
+              <a:buChar char="l"/>
+            </a:pPr>
+            <a:r>
+              <a:rPr lang="zh-CN" altLang="en-US" sz="2400">
+                <a:solidFill>
+                  <a:schemeClr val="tx2"/>
+                </a:solidFill>
+                <a:latin typeface="Arial" charset="0"/>
+              </a:rPr>
+              <a:t>提出了模型预测控制结合任务迁移和</a:t>
+            </a:r>
+            <a:r>
+              <a:rPr lang="en-US" altLang="zh-CN" sz="2400">
+                <a:solidFill>
+                  <a:schemeClr val="tx2"/>
+                </a:solidFill>
+                <a:latin typeface="Arial" charset="0"/>
+              </a:rPr>
+              <a:t>DVFS</a:t>
+            </a:r>
+            <a:r>
+              <a:rPr lang="zh-CN" altLang="en-US" sz="2400">
+                <a:solidFill>
+                  <a:schemeClr val="tx2"/>
+                </a:solidFill>
+                <a:latin typeface="Arial" charset="0"/>
+              </a:rPr>
+              <a:t>的混合方法，并将其改进成分层方法</a:t>
+            </a:r>
+          </a:p>
+          <a:p>
+            <a:pPr marL="342900" indent="-342900" eaLnBrk="0" hangingPunct="0">
+              <a:spcBef>
+                <a:spcPct val="20000"/>
+              </a:spcBef>
+              <a:buClr>
+                <a:schemeClr val="tx2"/>
+              </a:buClr>
+              <a:buSzPct val="70000"/>
+              <a:buFont typeface="Wingdings" pitchFamily="2" charset="2"/>
+              <a:buChar char="l"/>
+            </a:pPr>
+            <a:r>
+              <a:rPr lang="zh-CN" altLang="en-US" sz="2400">
+                <a:solidFill>
+                  <a:schemeClr val="tx2"/>
+                </a:solidFill>
+                <a:latin typeface="Arial" charset="0"/>
+              </a:rPr>
+              <a:t>混合方法是首次将模型预测控制方法与任务迁移相结合，并将其化为任务分配问题解决。</a:t>
+            </a:r>
+          </a:p>
+          <a:p>
+            <a:pPr marL="342900" indent="-342900" eaLnBrk="0" hangingPunct="0">
+              <a:spcBef>
+                <a:spcPct val="20000"/>
+              </a:spcBef>
+              <a:buClr>
+                <a:schemeClr val="tx2"/>
+              </a:buClr>
+              <a:buSzPct val="70000"/>
+              <a:buFont typeface="Wingdings" pitchFamily="2" charset="2"/>
+              <a:buChar char="l"/>
+            </a:pPr>
+            <a:r>
+              <a:rPr lang="zh-CN" altLang="en-US" sz="2400">
+                <a:solidFill>
+                  <a:schemeClr val="tx2"/>
+                </a:solidFill>
+                <a:latin typeface="Arial" charset="0"/>
+              </a:rPr>
+              <a:t>针对任务分配决策时间长的问题，创新性地将任务分配问题分层处理，并引入最小割算法。</a:t>
+            </a:r>
+          </a:p>
+          <a:p>
+            <a:pPr marL="342900" indent="-342900" eaLnBrk="0" hangingPunct="0">
+              <a:spcBef>
+                <a:spcPct val="20000"/>
+              </a:spcBef>
+              <a:buClr>
+                <a:schemeClr val="tx2"/>
+              </a:buClr>
+              <a:buSzPct val="70000"/>
+              <a:buFont typeface="Wingdings" pitchFamily="2" charset="2"/>
+              <a:buChar char="l"/>
+            </a:pPr>
+            <a:r>
+              <a:rPr lang="zh-CN" altLang="en-US" sz="2400">
+                <a:solidFill>
+                  <a:schemeClr val="tx2"/>
+                </a:solidFill>
+                <a:latin typeface="Arial" charset="0"/>
+              </a:rPr>
+              <a:t>通过实验比较，新的方法具有更可靠的热控制，更大的可靠性和性能优势，改进分层之后减少了计算开销增强了扩展性。</a:t>
+            </a:r>
+            <a:endParaRPr lang="zh-CN" altLang="en-US" sz="2400">
+              <a:solidFill>
+                <a:schemeClr val="tx2"/>
+              </a:solidFill>
+              <a:latin typeface="Arial" charset="0"/>
+              <a:ea typeface="MS PGothic" pitchFamily="34" charset="-128"/>
+            </a:endParaRPr>
+          </a:p>
+        </p:txBody>
+      </p:sp>
+    </p:spTree>
+  </p:cSld>
+  <p:clrMapOvr>
+    <a:masterClrMapping/>
+  </p:clrMapOvr>
+  <p:timing>
+    <p:tnLst>
+      <p:par>
+        <p:cTn id="1" dur="indefinite" restart="never" nodeType="tmRoot"/>
+      </p:par>
+    </p:tnLst>
+  </p:timing>
+</p:sld>
+</file>
+
+<file path=ppt/slides/slide25.xml><?xml version="1.0" encoding="utf-8"?>
+<p:sld xmlns:a="http://schemas.openxmlformats.org/drawingml/2006/main" xmlns:r="http://schemas.openxmlformats.org/officeDocument/2006/relationships" xmlns:p="http://schemas.openxmlformats.org/presentationml/2006/main">
+  <p:cSld>
+    <p:spTree>
+      <p:nvGrpSpPr>
+        <p:cNvPr id="1" name=""/>
+        <p:cNvGrpSpPr/>
+        <p:nvPr/>
+      </p:nvGrpSpPr>
+      <p:grpSpPr>
+        <a:xfrm>
+          <a:off x="0" y="0"/>
+          <a:ext cx="0" cy="0"/>
+          <a:chOff x="0" y="0"/>
+          <a:chExt cx="0" cy="0"/>
+        </a:xfrm>
+      </p:grpSpPr>
+      <p:sp>
+        <p:nvSpPr>
+          <p:cNvPr id="64513" name="Title 1"/>
+          <p:cNvSpPr txBox="1">
+            <a:spLocks/>
+          </p:cNvSpPr>
+          <p:nvPr/>
+        </p:nvSpPr>
+        <p:spPr bwMode="auto">
+          <a:xfrm>
+            <a:off x="554038" y="2709863"/>
+            <a:ext cx="8229600" cy="1143000"/>
+          </a:xfrm>
+          <a:prstGeom prst="rect">
+            <a:avLst/>
+          </a:prstGeom>
+          <a:noFill/>
+          <a:ln w="9525">
+            <a:noFill/>
+            <a:miter lim="800000"/>
+            <a:headEnd/>
+            <a:tailEnd/>
+          </a:ln>
+        </p:spPr>
+        <p:txBody>
+          <a:bodyPr anchor="ctr"/>
+          <a:lstStyle/>
+          <a:p>
             <a:pPr algn="ctr"/>
             <a:r>
+              <a:rPr lang="zh-CN" altLang="en-US" sz="5400">
+                <a:solidFill>
+                  <a:srgbClr val="FF6600"/>
+                </a:solidFill>
+              </a:rPr>
+              <a:t>谢 谢</a:t>
+            </a:r>
+            <a:r>
               <a:rPr lang="en-US" altLang="zh-CN" sz="5400">
                 <a:solidFill>
                   <a:srgbClr val="FF6600"/>
                 </a:solidFill>
               </a:rPr>
-              <a:t>Thank you!</a:t>
+              <a:t>!</a:t>
             </a:r>
           </a:p>
         </p:txBody>
@@ -7417,7 +9319,7 @@
               <a:buChar char="•"/>
             </a:pPr>
             <a:r>
-              <a:rPr lang="zh-CN" altLang="en-US" sz="2400" dirty="0">
+              <a:rPr lang="zh-CN" altLang="en-US" sz="2400">
                 <a:solidFill>
                   <a:schemeClr val="tx2"/>
                 </a:solidFill>
@@ -7426,7 +9328,7 @@
               <a:t>动态电压频率调整技术 </a:t>
             </a:r>
             <a:r>
-              <a:rPr lang="en-US" altLang="zh-CN" sz="2400" dirty="0">
+              <a:rPr lang="en-US" altLang="zh-CN" sz="2400">
                 <a:solidFill>
                   <a:schemeClr val="tx2"/>
                 </a:solidFill>
@@ -7435,7 +9337,7 @@
               <a:t>(</a:t>
             </a:r>
             <a:r>
-              <a:rPr lang="en-US" altLang="zh-CN" sz="2400" dirty="0">
+              <a:rPr lang="en-US" altLang="zh-CN" sz="2400">
                 <a:solidFill>
                   <a:schemeClr val="tx2"/>
                 </a:solidFill>
@@ -7445,7 +9347,7 @@
               <a:t>DVFS)</a:t>
             </a:r>
             <a:r>
-              <a:rPr lang="en-US" altLang="zh-CN" sz="2000" dirty="0">
+              <a:rPr lang="en-US" altLang="zh-CN" sz="2000">
                 <a:solidFill>
                   <a:schemeClr val="tx2"/>
                 </a:solidFill>
@@ -7454,7 +9356,7 @@
               <a:t>:</a:t>
             </a:r>
             <a:r>
-              <a:rPr lang="en-US" altLang="zh-CN" sz="2400" dirty="0">
+              <a:rPr lang="en-US" altLang="zh-CN" sz="2400">
                 <a:solidFill>
                   <a:schemeClr val="tx2"/>
                 </a:solidFill>
@@ -7463,7 +9365,7 @@
               </a:rPr>
               <a:t> </a:t>
             </a:r>
-            <a:endParaRPr lang="en-US" altLang="zh-CN" sz="1400" dirty="0">
+            <a:endParaRPr lang="en-US" altLang="zh-CN" sz="1400">
               <a:solidFill>
                 <a:schemeClr val="tx2"/>
               </a:solidFill>
@@ -7480,7 +9382,7 @@
               <a:buChar char="–"/>
             </a:pPr>
             <a:r>
-              <a:rPr lang="en-US" altLang="zh-CN" sz="2000" dirty="0">
+              <a:rPr lang="en-US" altLang="zh-CN" sz="2000">
                 <a:solidFill>
                   <a:schemeClr val="tx2"/>
                 </a:solidFill>
@@ -7490,7 +9392,7 @@
               <a:t> P ~ f v</a:t>
             </a:r>
             <a:r>
-              <a:rPr lang="en-US" altLang="zh-CN" sz="2000" baseline="30000" dirty="0">
+              <a:rPr lang="en-US" altLang="zh-CN" sz="2000" baseline="30000">
                 <a:solidFill>
                   <a:schemeClr val="tx2"/>
                 </a:solidFill>
@@ -7499,7 +9401,7 @@
               </a:rPr>
               <a:t>2</a:t>
             </a:r>
-            <a:endParaRPr lang="en-US" altLang="zh-CN" sz="2000" dirty="0">
+            <a:endParaRPr lang="en-US" altLang="zh-CN" sz="2000">
               <a:solidFill>
                 <a:schemeClr val="tx2"/>
               </a:solidFill>
@@ -7516,7 +9418,7 @@
               <a:buChar char="–"/>
             </a:pPr>
             <a:r>
-              <a:rPr lang="zh-CN" altLang="en-US" sz="2000" dirty="0">
+              <a:rPr lang="zh-CN" altLang="en-US" sz="2000">
                 <a:solidFill>
                   <a:schemeClr val="tx2"/>
                 </a:solidFill>
@@ -7534,7 +9436,7 @@
               <a:buChar char="–"/>
             </a:pPr>
             <a:r>
-              <a:rPr lang="zh-CN" altLang="en-US" sz="2000" dirty="0">
+              <a:rPr lang="zh-CN" altLang="en-US" sz="2000">
                 <a:solidFill>
                   <a:schemeClr val="tx2"/>
                 </a:solidFill>
@@ -7551,7 +9453,7 @@
               <a:buFont typeface="Arial" charset="0"/>
               <a:buChar char="•"/>
             </a:pPr>
-            <a:endParaRPr lang="zh-CN" altLang="en-US" sz="2000" dirty="0">
+            <a:endParaRPr lang="zh-CN" altLang="en-US" sz="2000">
               <a:solidFill>
                 <a:schemeClr val="tx1"/>
               </a:solidFill>
@@ -8003,7 +9905,7 @@
       </p:sp>
       <p:pic>
         <p:nvPicPr>
-          <p:cNvPr id="16389" name="Picture 8" descr="tu14"/>
+          <p:cNvPr id="16388" name="Picture 8" descr="tu14"/>
           <p:cNvPicPr>
             <a:picLocks noChangeAspect="1" noChangeArrowheads="1"/>
           </p:cNvPicPr>
@@ -8035,7 +9937,7 @@
       </p:pic>
       <p:pic>
         <p:nvPicPr>
-          <p:cNvPr id="16390" name="Picture 9" descr="tu13"/>
+          <p:cNvPr id="16389" name="Picture 9" descr="tu13"/>
           <p:cNvPicPr>
             <a:picLocks noChangeAspect="1" noChangeArrowheads="1"/>
           </p:cNvPicPr>
@@ -8099,7 +10001,7 @@
       </p:grpSpPr>
       <p:sp>
         <p:nvSpPr>
-          <p:cNvPr id="37910" name="Title 1"/>
+          <p:cNvPr id="37938" name="Title 1"/>
           <p:cNvSpPr txBox="1">
             <a:spLocks/>
           </p:cNvSpPr>
@@ -8143,7 +10045,7 @@
       </p:sp>
       <p:sp>
         <p:nvSpPr>
-          <p:cNvPr id="37911" name="Text Box 11"/>
+          <p:cNvPr id="37939" name="Text Box 11"/>
           <p:cNvSpPr txBox="1">
             <a:spLocks noChangeArrowheads="1"/>
           </p:cNvSpPr>
@@ -8249,7 +10151,7 @@
       </p:sp>
       <p:pic>
         <p:nvPicPr>
-          <p:cNvPr id="37912" name="Picture 12" descr="thermalmodel"/>
+          <p:cNvPr id="37940" name="Picture 12" descr="thermalmodel"/>
           <p:cNvPicPr>
             <a:picLocks noChangeAspect="1" noChangeArrowheads="1"/>
           </p:cNvPicPr>
@@ -8281,7 +10183,7 @@
       </p:pic>
       <p:graphicFrame>
         <p:nvGraphicFramePr>
-          <p:cNvPr id="37901" name="Object 13"/>
+          <p:cNvPr id="37931" name="Object 43"/>
           <p:cNvGraphicFramePr>
             <a:graphicFrameLocks noChangeAspect="1"/>
           </p:cNvGraphicFramePr>
@@ -8293,65 +10195,15 @@
         </p:xfrm>
         <a:graphic>
           <a:graphicData uri="http://schemas.openxmlformats.org/presentationml/2006/ole">
-            <mc:AlternateContent xmlns:mc="http://schemas.openxmlformats.org/markup-compatibility/2006">
-              <mc:Choice xmlns:v="urn:schemas-microsoft-com:vml" Requires="v">
-                <p:oleObj spid="_x0000_s37931" name="Equation" r:id="rId4" imgW="139680" imgH="164880" progId="Equation.DSMT4">
-                  <p:embed/>
-                </p:oleObj>
-              </mc:Choice>
-              <mc:Fallback>
-                <p:oleObj name="Equation" r:id="rId4" imgW="139680" imgH="164880" progId="Equation.DSMT4">
-                  <p:embed/>
-                  <p:pic>
-                    <p:nvPicPr>
-                      <p:cNvPr id="0" name="Picture 13"/>
-                      <p:cNvPicPr>
-                        <a:picLocks noChangeAspect="1" noChangeArrowheads="1"/>
-                      </p:cNvPicPr>
-                      <p:nvPr/>
-                    </p:nvPicPr>
-                    <p:blipFill>
-                      <a:blip r:embed="rId5">
-                        <a:extLst>
-                          <a:ext uri="{28A0092B-C50C-407E-A947-70E740481C1C}">
-                            <a14:useLocalDpi xmlns:a14="http://schemas.microsoft.com/office/drawing/2010/main" val="0"/>
-                          </a:ext>
-                        </a:extLst>
-                      </a:blip>
-                      <a:srcRect/>
-                      <a:stretch>
-                        <a:fillRect/>
-                      </a:stretch>
-                    </p:blipFill>
-                    <p:spPr bwMode="auto">
-                      <a:xfrm>
-                        <a:off x="1376363" y="3602038"/>
-                        <a:ext cx="288925" cy="341312"/>
-                      </a:xfrm>
-                      <a:prstGeom prst="rect">
-                        <a:avLst/>
-                      </a:prstGeom>
-                      <a:noFill/>
-                      <a:extLst>
-                        <a:ext uri="{909E8E84-426E-40DD-AFC4-6F175D3DCCD1}">
-                          <a14:hiddenFill xmlns:a14="http://schemas.microsoft.com/office/drawing/2010/main">
-                            <a:solidFill>
-                              <a:srgbClr val="FFFFFF"/>
-                            </a:solidFill>
-                          </a14:hiddenFill>
-                        </a:ext>
-                      </a:extLst>
-                    </p:spPr>
-                  </p:pic>
-                </p:oleObj>
-              </mc:Fallback>
-            </mc:AlternateContent>
+            <p:oleObj spid="_x0000_s37931" name="Equation" r:id="rId4" imgW="139579" imgH="164957" progId="Equation.DSMT4">
+              <p:embed/>
+            </p:oleObj>
           </a:graphicData>
         </a:graphic>
       </p:graphicFrame>
       <p:graphicFrame>
         <p:nvGraphicFramePr>
-          <p:cNvPr id="37902" name="Object 14"/>
+          <p:cNvPr id="37932" name="Object 44"/>
           <p:cNvGraphicFramePr>
             <a:graphicFrameLocks noChangeAspect="1"/>
           </p:cNvGraphicFramePr>
@@ -8363,65 +10215,15 @@
         </p:xfrm>
         <a:graphic>
           <a:graphicData uri="http://schemas.openxmlformats.org/presentationml/2006/ole">
-            <mc:AlternateContent xmlns:mc="http://schemas.openxmlformats.org/markup-compatibility/2006">
-              <mc:Choice xmlns:v="urn:schemas-microsoft-com:vml" Requires="v">
-                <p:oleObj spid="_x0000_s37932" name="Equation" r:id="rId6" imgW="139680" imgH="164880" progId="Equation.DSMT4">
-                  <p:embed/>
-                </p:oleObj>
-              </mc:Choice>
-              <mc:Fallback>
-                <p:oleObj name="Equation" r:id="rId6" imgW="139680" imgH="164880" progId="Equation.DSMT4">
-                  <p:embed/>
-                  <p:pic>
-                    <p:nvPicPr>
-                      <p:cNvPr id="0" name="Picture 14"/>
-                      <p:cNvPicPr>
-                        <a:picLocks noChangeAspect="1" noChangeArrowheads="1"/>
-                      </p:cNvPicPr>
-                      <p:nvPr/>
-                    </p:nvPicPr>
-                    <p:blipFill>
-                      <a:blip r:embed="rId7">
-                        <a:extLst>
-                          <a:ext uri="{28A0092B-C50C-407E-A947-70E740481C1C}">
-                            <a14:useLocalDpi xmlns:a14="http://schemas.microsoft.com/office/drawing/2010/main" val="0"/>
-                          </a:ext>
-                        </a:extLst>
-                      </a:blip>
-                      <a:srcRect/>
-                      <a:stretch>
-                        <a:fillRect/>
-                      </a:stretch>
-                    </p:blipFill>
-                    <p:spPr bwMode="auto">
-                      <a:xfrm>
-                        <a:off x="1376363" y="4010025"/>
-                        <a:ext cx="284162" cy="334963"/>
-                      </a:xfrm>
-                      <a:prstGeom prst="rect">
-                        <a:avLst/>
-                      </a:prstGeom>
-                      <a:noFill/>
-                      <a:extLst>
-                        <a:ext uri="{909E8E84-426E-40DD-AFC4-6F175D3DCCD1}">
-                          <a14:hiddenFill xmlns:a14="http://schemas.microsoft.com/office/drawing/2010/main">
-                            <a:solidFill>
-                              <a:srgbClr val="FFFFFF"/>
-                            </a:solidFill>
-                          </a14:hiddenFill>
-                        </a:ext>
-                      </a:extLst>
-                    </p:spPr>
-                  </p:pic>
-                </p:oleObj>
-              </mc:Fallback>
-            </mc:AlternateContent>
+            <p:oleObj spid="_x0000_s37932" name="Equation" r:id="rId5" imgW="139579" imgH="164957" progId="Equation.DSMT4">
+              <p:embed/>
+            </p:oleObj>
           </a:graphicData>
         </a:graphic>
       </p:graphicFrame>
       <p:graphicFrame>
         <p:nvGraphicFramePr>
-          <p:cNvPr id="37903" name="Object 15"/>
+          <p:cNvPr id="37933" name="Object 45"/>
           <p:cNvGraphicFramePr>
             <a:graphicFrameLocks noChangeAspect="1"/>
           </p:cNvGraphicFramePr>
@@ -8433,65 +10235,15 @@
         </p:xfrm>
         <a:graphic>
           <a:graphicData uri="http://schemas.openxmlformats.org/presentationml/2006/ole">
-            <mc:AlternateContent xmlns:mc="http://schemas.openxmlformats.org/markup-compatibility/2006">
-              <mc:Choice xmlns:v="urn:schemas-microsoft-com:vml" Requires="v">
-                <p:oleObj spid="_x0000_s37933" name="Equation" r:id="rId8" imgW="152280" imgH="164880" progId="Equation.DSMT4">
-                  <p:embed/>
-                </p:oleObj>
-              </mc:Choice>
-              <mc:Fallback>
-                <p:oleObj name="Equation" r:id="rId8" imgW="152280" imgH="164880" progId="Equation.DSMT4">
-                  <p:embed/>
-                  <p:pic>
-                    <p:nvPicPr>
-                      <p:cNvPr id="0" name="Picture 15"/>
-                      <p:cNvPicPr>
-                        <a:picLocks noChangeAspect="1" noChangeArrowheads="1"/>
-                      </p:cNvPicPr>
-                      <p:nvPr/>
-                    </p:nvPicPr>
-                    <p:blipFill>
-                      <a:blip r:embed="rId9">
-                        <a:extLst>
-                          <a:ext uri="{28A0092B-C50C-407E-A947-70E740481C1C}">
-                            <a14:useLocalDpi xmlns:a14="http://schemas.microsoft.com/office/drawing/2010/main" val="0"/>
-                          </a:ext>
-                        </a:extLst>
-                      </a:blip>
-                      <a:srcRect/>
-                      <a:stretch>
-                        <a:fillRect/>
-                      </a:stretch>
-                    </p:blipFill>
-                    <p:spPr bwMode="auto">
-                      <a:xfrm>
-                        <a:off x="1347788" y="4410075"/>
-                        <a:ext cx="322262" cy="349250"/>
-                      </a:xfrm>
-                      <a:prstGeom prst="rect">
-                        <a:avLst/>
-                      </a:prstGeom>
-                      <a:noFill/>
-                      <a:extLst>
-                        <a:ext uri="{909E8E84-426E-40DD-AFC4-6F175D3DCCD1}">
-                          <a14:hiddenFill xmlns:a14="http://schemas.microsoft.com/office/drawing/2010/main">
-                            <a:solidFill>
-                              <a:srgbClr val="FFFFFF"/>
-                            </a:solidFill>
-                          </a14:hiddenFill>
-                        </a:ext>
-                      </a:extLst>
-                    </p:spPr>
-                  </p:pic>
-                </p:oleObj>
-              </mc:Fallback>
-            </mc:AlternateContent>
+            <p:oleObj spid="_x0000_s37933" name="Equation" r:id="rId6" imgW="152268" imgH="164957" progId="Equation.DSMT4">
+              <p:embed/>
+            </p:oleObj>
           </a:graphicData>
         </a:graphic>
       </p:graphicFrame>
       <p:graphicFrame>
         <p:nvGraphicFramePr>
-          <p:cNvPr id="37906" name="Object 18"/>
+          <p:cNvPr id="37934" name="Object 46"/>
           <p:cNvGraphicFramePr>
             <a:graphicFrameLocks noChangeAspect="1"/>
           </p:cNvGraphicFramePr>
@@ -8503,65 +10255,15 @@
         </p:xfrm>
         <a:graphic>
           <a:graphicData uri="http://schemas.openxmlformats.org/presentationml/2006/ole">
-            <mc:AlternateContent xmlns:mc="http://schemas.openxmlformats.org/markup-compatibility/2006">
-              <mc:Choice xmlns:v="urn:schemas-microsoft-com:vml" Requires="v">
-                <p:oleObj spid="_x0000_s37934" name="Equation" r:id="rId10" imgW="152280" imgH="164880" progId="Equation.DSMT4">
-                  <p:embed/>
-                </p:oleObj>
-              </mc:Choice>
-              <mc:Fallback>
-                <p:oleObj name="Equation" r:id="rId10" imgW="152280" imgH="164880" progId="Equation.DSMT4">
-                  <p:embed/>
-                  <p:pic>
-                    <p:nvPicPr>
-                      <p:cNvPr id="0" name="Picture 18"/>
-                      <p:cNvPicPr>
-                        <a:picLocks noChangeAspect="1" noChangeArrowheads="1"/>
-                      </p:cNvPicPr>
-                      <p:nvPr/>
-                    </p:nvPicPr>
-                    <p:blipFill>
-                      <a:blip r:embed="rId11">
-                        <a:extLst>
-                          <a:ext uri="{28A0092B-C50C-407E-A947-70E740481C1C}">
-                            <a14:useLocalDpi xmlns:a14="http://schemas.microsoft.com/office/drawing/2010/main" val="0"/>
-                          </a:ext>
-                        </a:extLst>
-                      </a:blip>
-                      <a:srcRect/>
-                      <a:stretch>
-                        <a:fillRect/>
-                      </a:stretch>
-                    </p:blipFill>
-                    <p:spPr bwMode="auto">
-                      <a:xfrm>
-                        <a:off x="1062038" y="4854575"/>
-                        <a:ext cx="334962" cy="363538"/>
-                      </a:xfrm>
-                      <a:prstGeom prst="rect">
-                        <a:avLst/>
-                      </a:prstGeom>
-                      <a:noFill/>
-                      <a:extLst>
-                        <a:ext uri="{909E8E84-426E-40DD-AFC4-6F175D3DCCD1}">
-                          <a14:hiddenFill xmlns:a14="http://schemas.microsoft.com/office/drawing/2010/main">
-                            <a:solidFill>
-                              <a:srgbClr val="FFFFFF"/>
-                            </a:solidFill>
-                          </a14:hiddenFill>
-                        </a:ext>
-                      </a:extLst>
-                    </p:spPr>
-                  </p:pic>
-                </p:oleObj>
-              </mc:Fallback>
-            </mc:AlternateContent>
+            <p:oleObj spid="_x0000_s37934" name="Equation" r:id="rId7" imgW="152268" imgH="164957" progId="Equation.DSMT4">
+              <p:embed/>
+            </p:oleObj>
           </a:graphicData>
         </a:graphic>
       </p:graphicFrame>
       <p:graphicFrame>
         <p:nvGraphicFramePr>
-          <p:cNvPr id="37907" name="Object 19"/>
+          <p:cNvPr id="37935" name="Object 47"/>
           <p:cNvGraphicFramePr>
             <a:graphicFrameLocks noChangeAspect="1"/>
           </p:cNvGraphicFramePr>
@@ -8573,65 +10275,15 @@
         </p:xfrm>
         <a:graphic>
           <a:graphicData uri="http://schemas.openxmlformats.org/presentationml/2006/ole">
-            <mc:AlternateContent xmlns:mc="http://schemas.openxmlformats.org/markup-compatibility/2006">
-              <mc:Choice xmlns:v="urn:schemas-microsoft-com:vml" Requires="v">
-                <p:oleObj spid="_x0000_s37935" name="Equation" r:id="rId12" imgW="190440" imgH="228600" progId="Equation.DSMT4">
-                  <p:embed/>
-                </p:oleObj>
-              </mc:Choice>
-              <mc:Fallback>
-                <p:oleObj name="Equation" r:id="rId12" imgW="190440" imgH="228600" progId="Equation.DSMT4">
-                  <p:embed/>
-                  <p:pic>
-                    <p:nvPicPr>
-                      <p:cNvPr id="0" name="Picture 19"/>
-                      <p:cNvPicPr>
-                        <a:picLocks noChangeAspect="1" noChangeArrowheads="1"/>
-                      </p:cNvPicPr>
-                      <p:nvPr/>
-                    </p:nvPicPr>
-                    <p:blipFill>
-                      <a:blip r:embed="rId13">
-                        <a:extLst>
-                          <a:ext uri="{28A0092B-C50C-407E-A947-70E740481C1C}">
-                            <a14:useLocalDpi xmlns:a14="http://schemas.microsoft.com/office/drawing/2010/main" val="0"/>
-                          </a:ext>
-                        </a:extLst>
-                      </a:blip>
-                      <a:srcRect/>
-                      <a:stretch>
-                        <a:fillRect/>
-                      </a:stretch>
-                    </p:blipFill>
-                    <p:spPr bwMode="auto">
-                      <a:xfrm>
-                        <a:off x="1481138" y="4854575"/>
-                        <a:ext cx="341312" cy="409575"/>
-                      </a:xfrm>
-                      <a:prstGeom prst="rect">
-                        <a:avLst/>
-                      </a:prstGeom>
-                      <a:noFill/>
-                      <a:extLst>
-                        <a:ext uri="{909E8E84-426E-40DD-AFC4-6F175D3DCCD1}">
-                          <a14:hiddenFill xmlns:a14="http://schemas.microsoft.com/office/drawing/2010/main">
-                            <a:solidFill>
-                              <a:srgbClr val="FFFFFF"/>
-                            </a:solidFill>
-                          </a14:hiddenFill>
-                        </a:ext>
-                      </a:extLst>
-                    </p:spPr>
-                  </p:pic>
-                </p:oleObj>
-              </mc:Fallback>
-            </mc:AlternateContent>
+            <p:oleObj spid="_x0000_s37935" name="Equation" r:id="rId8" imgW="190500" imgH="228600" progId="Equation.DSMT4">
+              <p:embed/>
+            </p:oleObj>
           </a:graphicData>
         </a:graphic>
       </p:graphicFrame>
       <p:graphicFrame>
         <p:nvGraphicFramePr>
-          <p:cNvPr id="37908" name="Object 20"/>
+          <p:cNvPr id="37936" name="Object 48"/>
           <p:cNvGraphicFramePr>
             <a:graphicFrameLocks noChangeAspect="1"/>
           </p:cNvGraphicFramePr>
@@ -8643,65 +10295,15 @@
         </p:xfrm>
         <a:graphic>
           <a:graphicData uri="http://schemas.openxmlformats.org/presentationml/2006/ole">
-            <mc:AlternateContent xmlns:mc="http://schemas.openxmlformats.org/markup-compatibility/2006">
-              <mc:Choice xmlns:v="urn:schemas-microsoft-com:vml" Requires="v">
-                <p:oleObj spid="_x0000_s37936" name="Equation" r:id="rId14" imgW="139680" imgH="164880" progId="Equation.DSMT4">
-                  <p:embed/>
-                </p:oleObj>
-              </mc:Choice>
-              <mc:Fallback>
-                <p:oleObj name="Equation" r:id="rId14" imgW="139680" imgH="164880" progId="Equation.DSMT4">
-                  <p:embed/>
-                  <p:pic>
-                    <p:nvPicPr>
-                      <p:cNvPr id="0" name="Picture 20"/>
-                      <p:cNvPicPr>
-                        <a:picLocks noChangeAspect="1" noChangeArrowheads="1"/>
-                      </p:cNvPicPr>
-                      <p:nvPr/>
-                    </p:nvPicPr>
-                    <p:blipFill>
-                      <a:blip r:embed="rId15">
-                        <a:extLst>
-                          <a:ext uri="{28A0092B-C50C-407E-A947-70E740481C1C}">
-                            <a14:useLocalDpi xmlns:a14="http://schemas.microsoft.com/office/drawing/2010/main" val="0"/>
-                          </a:ext>
-                        </a:extLst>
-                      </a:blip>
-                      <a:srcRect/>
-                      <a:stretch>
-                        <a:fillRect/>
-                      </a:stretch>
-                    </p:blipFill>
-                    <p:spPr bwMode="auto">
-                      <a:xfrm>
-                        <a:off x="1330325" y="5249863"/>
-                        <a:ext cx="301625" cy="357187"/>
-                      </a:xfrm>
-                      <a:prstGeom prst="rect">
-                        <a:avLst/>
-                      </a:prstGeom>
-                      <a:noFill/>
-                      <a:extLst>
-                        <a:ext uri="{909E8E84-426E-40DD-AFC4-6F175D3DCCD1}">
-                          <a14:hiddenFill xmlns:a14="http://schemas.microsoft.com/office/drawing/2010/main">
-                            <a:solidFill>
-                              <a:srgbClr val="FFFFFF"/>
-                            </a:solidFill>
-                          </a14:hiddenFill>
-                        </a:ext>
-                      </a:extLst>
-                    </p:spPr>
-                  </p:pic>
-                </p:oleObj>
-              </mc:Fallback>
-            </mc:AlternateContent>
+            <p:oleObj spid="_x0000_s37936" name="Equation" r:id="rId9" imgW="139579" imgH="164957" progId="Equation.DSMT4">
+              <p:embed/>
+            </p:oleObj>
           </a:graphicData>
         </a:graphic>
       </p:graphicFrame>
       <p:graphicFrame>
         <p:nvGraphicFramePr>
-          <p:cNvPr id="37909" name="Object 21"/>
+          <p:cNvPr id="37937" name="Object 49"/>
           <p:cNvGraphicFramePr>
             <a:graphicFrameLocks noChangeAspect="1"/>
           </p:cNvGraphicFramePr>
@@ -8713,59 +10315,9 @@
         </p:xfrm>
         <a:graphic>
           <a:graphicData uri="http://schemas.openxmlformats.org/presentationml/2006/ole">
-            <mc:AlternateContent xmlns:mc="http://schemas.openxmlformats.org/markup-compatibility/2006">
-              <mc:Choice xmlns:v="urn:schemas-microsoft-com:vml" Requires="v">
-                <p:oleObj spid="_x0000_s37937" name="Equation" r:id="rId16" imgW="139680" imgH="164880" progId="Equation.DSMT4">
-                  <p:embed/>
-                </p:oleObj>
-              </mc:Choice>
-              <mc:Fallback>
-                <p:oleObj name="Equation" r:id="rId16" imgW="139680" imgH="164880" progId="Equation.DSMT4">
-                  <p:embed/>
-                  <p:pic>
-                    <p:nvPicPr>
-                      <p:cNvPr id="0" name="Picture 21"/>
-                      <p:cNvPicPr>
-                        <a:picLocks noChangeAspect="1" noChangeArrowheads="1"/>
-                      </p:cNvPicPr>
-                      <p:nvPr/>
-                    </p:nvPicPr>
-                    <p:blipFill>
-                      <a:blip r:embed="rId5">
-                        <a:extLst>
-                          <a:ext uri="{28A0092B-C50C-407E-A947-70E740481C1C}">
-                            <a14:useLocalDpi xmlns:a14="http://schemas.microsoft.com/office/drawing/2010/main" val="0"/>
-                          </a:ext>
-                        </a:extLst>
-                      </a:blip>
-                      <a:srcRect/>
-                      <a:stretch>
-                        <a:fillRect/>
-                      </a:stretch>
-                    </p:blipFill>
-                    <p:spPr bwMode="auto">
-                      <a:xfrm>
-                        <a:off x="4062413" y="5265738"/>
-                        <a:ext cx="288925" cy="341312"/>
-                      </a:xfrm>
-                      <a:prstGeom prst="rect">
-                        <a:avLst/>
-                      </a:prstGeom>
-                      <a:noFill/>
-                      <a:extLst>
-                        <a:ext uri="{909E8E84-426E-40DD-AFC4-6F175D3DCCD1}">
-                          <a14:hiddenFill xmlns:a14="http://schemas.microsoft.com/office/drawing/2010/main">
-                            <a:solidFill>
-                              <a:srgbClr val="FFFFFF"/>
-                            </a:solidFill>
-                          </a14:hiddenFill>
-                        </a:ext>
-                      </a:extLst>
-                    </p:spPr>
-                  </p:pic>
-                </p:oleObj>
-              </mc:Fallback>
-            </mc:AlternateContent>
+            <p:oleObj spid="_x0000_s37937" name="Equation" r:id="rId10" imgW="139579" imgH="164957" progId="Equation.DSMT4">
+              <p:embed/>
+            </p:oleObj>
           </a:graphicData>
         </a:graphic>
       </p:graphicFrame>
@@ -9305,7 +10857,7 @@
       </p:sp>
       <p:pic>
         <p:nvPicPr>
-          <p:cNvPr id="38924" name="Picture 15" descr="tu11"/>
+          <p:cNvPr id="38922" name="Picture 15" descr="tu11"/>
           <p:cNvPicPr>
             <a:picLocks noChangeAspect="1" noChangeArrowheads="1"/>
           </p:cNvPicPr>
@@ -9337,7 +10889,7 @@
       </p:pic>
       <p:pic>
         <p:nvPicPr>
-          <p:cNvPr id="38925" name="Picture 16" descr="tu15"/>
+          <p:cNvPr id="38923" name="Picture 16" descr="tu15"/>
           <p:cNvPicPr>
             <a:picLocks noChangeAspect="1" noChangeArrowheads="1"/>
           </p:cNvPicPr>
@@ -9369,7 +10921,7 @@
       </p:pic>
       <p:sp>
         <p:nvSpPr>
-          <p:cNvPr id="38926" name="Text Box 15"/>
+          <p:cNvPr id="38924" name="Text Box 15"/>
           <p:cNvSpPr txBox="1">
             <a:spLocks noChangeArrowheads="1"/>
           </p:cNvSpPr>
@@ -9403,7 +10955,7 @@
               </a:spcBef>
             </a:pPr>
             <a:r>
-              <a:rPr lang="zh-CN" altLang="en-US" b="1" dirty="0">
+              <a:rPr lang="zh-CN" altLang="en-US" b="1">
                 <a:solidFill>
                   <a:schemeClr val="tx2"/>
                 </a:solidFill>
@@ -9416,7 +10968,7 @@
       </p:sp>
       <p:pic>
         <p:nvPicPr>
-          <p:cNvPr id="38928" name="Picture 16" descr="power"/>
+          <p:cNvPr id="38925" name="Picture 16" descr="power"/>
           <p:cNvPicPr>
             <a:picLocks noChangeAspect="1" noChangeArrowheads="1"/>
           </p:cNvPicPr>
@@ -9438,11 +10990,17 @@
             <a:avLst/>
           </a:prstGeom>
           <a:noFill/>
+          <a:ln w="9525">
+            <a:noFill/>
+            <a:miter lim="800000"/>
+            <a:headEnd/>
+            <a:tailEnd/>
+          </a:ln>
         </p:spPr>
       </p:pic>
       <p:pic>
         <p:nvPicPr>
-          <p:cNvPr id="38929" name="Picture 17" descr="power2"/>
+          <p:cNvPr id="38926" name="Picture 17" descr="power2"/>
           <p:cNvPicPr>
             <a:picLocks noChangeAspect="1" noChangeArrowheads="1"/>
           </p:cNvPicPr>
@@ -9464,11 +11022,17 @@
             <a:avLst/>
           </a:prstGeom>
           <a:noFill/>
+          <a:ln w="9525">
+            <a:noFill/>
+            <a:miter lim="800000"/>
+            <a:headEnd/>
+            <a:tailEnd/>
+          </a:ln>
         </p:spPr>
       </p:pic>
       <p:sp>
         <p:nvSpPr>
-          <p:cNvPr id="38930" name="Text Box 15"/>
+          <p:cNvPr id="38927" name="Text Box 15"/>
           <p:cNvSpPr txBox="1">
             <a:spLocks noChangeArrowheads="1"/>
           </p:cNvSpPr>
@@ -9758,7 +11322,7 @@
                   <a:srgbClr val="FF6600"/>
                 </a:solidFill>
               </a:rPr>
-              <a:t>提出的新方法</a:t>
+              <a:t>提出的混合方法</a:t>
             </a:r>
           </a:p>
         </p:txBody>
@@ -9804,32 +11368,34 @@
       </p:sp>
       <p:pic>
         <p:nvPicPr>
-          <p:cNvPr id="3" name="图片 2"/>
+          <p:cNvPr id="39939" name="图片 2"/>
           <p:cNvPicPr>
             <a:picLocks noChangeAspect="1"/>
           </p:cNvPicPr>
           <p:nvPr/>
         </p:nvPicPr>
         <p:blipFill>
-          <a:blip r:embed="rId2">
-            <a:extLst>
-              <a:ext uri="{28A0092B-C50C-407E-A947-70E740481C1C}">
-                <a14:useLocalDpi xmlns:a14="http://schemas.microsoft.com/office/drawing/2010/main" val="0"/>
-              </a:ext>
-            </a:extLst>
-          </a:blip>
+          <a:blip r:embed="rId2"/>
+          <a:srcRect/>
           <a:stretch>
             <a:fillRect/>
           </a:stretch>
         </p:blipFill>
-        <p:spPr>
-          <a:xfrm>
-            <a:off x="1423852" y="2258673"/>
-            <a:ext cx="6570618" cy="3907961"/>
+        <p:spPr bwMode="auto">
+          <a:xfrm>
+            <a:off x="1423988" y="2259013"/>
+            <a:ext cx="6570662" cy="3906837"/>
           </a:xfrm>
           <a:prstGeom prst="rect">
             <a:avLst/>
           </a:prstGeom>
+          <a:noFill/>
+          <a:ln w="9525">
+            <a:noFill/>
+            <a:miter lim="800000"/>
+            <a:headEnd/>
+            <a:tailEnd/>
+          </a:ln>
         </p:spPr>
       </p:pic>
     </p:spTree>
@@ -9886,7 +11452,7 @@
                   <a:srgbClr val="FF6600"/>
                 </a:solidFill>
               </a:rPr>
-              <a:t>提出的新方法</a:t>
+              <a:t>提出的混合方法</a:t>
             </a:r>
           </a:p>
         </p:txBody>
@@ -10313,7 +11879,7 @@
                   <a:srgbClr val="FF6600"/>
                 </a:solidFill>
               </a:rPr>
-              <a:t>提出的新方法</a:t>
+              <a:t>提出的混合方法</a:t>
             </a:r>
           </a:p>
         </p:txBody>

--- a/ppt/majian.pptx
+++ b/ppt/majian.pptx
@@ -158,6 +158,22 @@
       </a:defRPr>
     </a:lvl9pPr>
   </p:defaultTextStyle>
+  <p:extLst>
+    <p:ext uri="{EFAFB233-063F-42B5-8137-9DF3F51BA10A}">
+      <p15:sldGuideLst xmlns:p15="http://schemas.microsoft.com/office/powerpoint/2012/main">
+        <p15:guide id="1" orient="horz" pos="2160">
+          <p15:clr>
+            <a:srgbClr val="A4A3A4"/>
+          </p15:clr>
+        </p15:guide>
+        <p15:guide id="2" pos="2880">
+          <p15:clr>
+            <a:srgbClr val="A4A3A4"/>
+          </p15:clr>
+        </p15:guide>
+      </p15:sldGuideLst>
+    </p:ext>
+  </p:extLst>
 </p:presentation>
 </file>
 
@@ -352,7 +368,7 @@
               <a:pPr>
                 <a:defRPr/>
               </a:pPr>
-              <a:t>2016/5/9</a:t>
+              <a:t>2016-05-16</a:t>
             </a:fld>
             <a:endParaRPr lang="zh-CN" altLang="en-US"/>
           </a:p>
@@ -544,7 +560,7 @@
               <a:pPr>
                 <a:defRPr/>
               </a:pPr>
-              <a:t>2016/5/9</a:t>
+              <a:t>2016-05-16</a:t>
             </a:fld>
             <a:endParaRPr lang="zh-CN" altLang="en-US"/>
           </a:p>
@@ -746,7 +762,7 @@
               <a:pPr>
                 <a:defRPr/>
               </a:pPr>
-              <a:t>2016/5/9</a:t>
+              <a:t>2016-05-16</a:t>
             </a:fld>
             <a:endParaRPr lang="zh-CN" altLang="en-US"/>
           </a:p>
@@ -938,7 +954,7 @@
               <a:pPr>
                 <a:defRPr/>
               </a:pPr>
-              <a:t>2016/5/9</a:t>
+              <a:t>2016-05-16</a:t>
             </a:fld>
             <a:endParaRPr lang="zh-CN" altLang="en-US"/>
           </a:p>
@@ -1206,7 +1222,7 @@
               <a:pPr>
                 <a:defRPr/>
               </a:pPr>
-              <a:t>2016/5/9</a:t>
+              <a:t>2016-05-16</a:t>
             </a:fld>
             <a:endParaRPr lang="zh-CN" altLang="en-US"/>
           </a:p>
@@ -1516,7 +1532,7 @@
               <a:pPr>
                 <a:defRPr/>
               </a:pPr>
-              <a:t>2016/5/9</a:t>
+              <a:t>2016-05-16</a:t>
             </a:fld>
             <a:endParaRPr lang="zh-CN" altLang="en-US"/>
           </a:p>
@@ -1960,7 +1976,7 @@
               <a:pPr>
                 <a:defRPr/>
               </a:pPr>
-              <a:t>2016/5/9</a:t>
+              <a:t>2016-05-16</a:t>
             </a:fld>
             <a:endParaRPr lang="zh-CN" altLang="en-US"/>
           </a:p>
@@ -2100,7 +2116,7 @@
               <a:pPr>
                 <a:defRPr/>
               </a:pPr>
-              <a:t>2016/5/9</a:t>
+              <a:t>2016-05-16</a:t>
             </a:fld>
             <a:endParaRPr lang="zh-CN" altLang="en-US"/>
           </a:p>
@@ -2217,7 +2233,7 @@
               <a:pPr>
                 <a:defRPr/>
               </a:pPr>
-              <a:t>2016/5/9</a:t>
+              <a:t>2016-05-16</a:t>
             </a:fld>
             <a:endParaRPr lang="zh-CN" altLang="en-US"/>
           </a:p>
@@ -2516,7 +2532,7 @@
               <a:pPr>
                 <a:defRPr/>
               </a:pPr>
-              <a:t>2016/5/9</a:t>
+              <a:t>2016-05-16</a:t>
             </a:fld>
             <a:endParaRPr lang="zh-CN" altLang="en-US"/>
           </a:p>
@@ -2794,7 +2810,7 @@
               <a:pPr>
                 <a:defRPr/>
               </a:pPr>
-              <a:t>2016/5/9</a:t>
+              <a:t>2016-05-16</a:t>
             </a:fld>
             <a:endParaRPr lang="zh-CN" altLang="en-US"/>
           </a:p>
@@ -3051,7 +3067,7 @@
               <a:pPr>
                 <a:defRPr/>
               </a:pPr>
-              <a:t>2016/5/9</a:t>
+              <a:t>2016-05-16</a:t>
             </a:fld>
             <a:endParaRPr lang="zh-CN" altLang="en-US"/>
           </a:p>
@@ -6413,9 +6429,59 @@
         </p:xfrm>
         <a:graphic>
           <a:graphicData uri="http://schemas.openxmlformats.org/presentationml/2006/ole">
-            <p:oleObj spid="_x0000_s57360" name="Equation" r:id="rId4" imgW="444240" imgH="228600" progId="Equation.DSMT4">
-              <p:embed/>
-            </p:oleObj>
+            <mc:AlternateContent xmlns:mc="http://schemas.openxmlformats.org/markup-compatibility/2006">
+              <mc:Choice xmlns:v="urn:schemas-microsoft-com:vml" Requires="v">
+                <p:oleObj spid="_x0000_s57365" name="Equation" r:id="rId4" imgW="444240" imgH="228600" progId="Equation.DSMT4">
+                  <p:embed/>
+                </p:oleObj>
+              </mc:Choice>
+              <mc:Fallback>
+                <p:oleObj name="Equation" r:id="rId4" imgW="444240" imgH="228600" progId="Equation.DSMT4">
+                  <p:embed/>
+                  <p:pic>
+                    <p:nvPicPr>
+                      <p:cNvPr id="0" name="Picture 16"/>
+                      <p:cNvPicPr>
+                        <a:picLocks noChangeAspect="1" noChangeArrowheads="1"/>
+                      </p:cNvPicPr>
+                      <p:nvPr/>
+                    </p:nvPicPr>
+                    <p:blipFill>
+                      <a:blip r:embed="rId5">
+                        <a:extLst>
+                          <a:ext uri="{28A0092B-C50C-407E-A947-70E740481C1C}">
+                            <a14:useLocalDpi xmlns:a14="http://schemas.microsoft.com/office/drawing/2010/main" val="0"/>
+                          </a:ext>
+                        </a:extLst>
+                      </a:blip>
+                      <a:srcRect/>
+                      <a:stretch>
+                        <a:fillRect/>
+                      </a:stretch>
+                    </p:blipFill>
+                    <p:spPr bwMode="auto">
+                      <a:xfrm>
+                        <a:off x="5613400" y="1506538"/>
+                        <a:ext cx="885825" cy="455612"/>
+                      </a:xfrm>
+                      <a:prstGeom prst="rect">
+                        <a:avLst/>
+                      </a:prstGeom>
+                      <a:noFill/>
+                      <a:extLst>
+                        <a:ext uri="{909E8E84-426E-40DD-AFC4-6F175D3DCCD1}">
+                          <a14:hiddenFill xmlns:a14="http://schemas.microsoft.com/office/drawing/2010/main">
+                            <a:solidFill>
+                              <a:srgbClr val="FFFFFF"/>
+                            </a:solidFill>
+                          </a14:hiddenFill>
+                        </a:ext>
+                      </a:extLst>
+                    </p:spPr>
+                  </p:pic>
+                </p:oleObj>
+              </mc:Fallback>
+            </mc:AlternateContent>
           </a:graphicData>
         </a:graphic>
       </p:graphicFrame>
@@ -6516,9 +6582,59 @@
         </p:xfrm>
         <a:graphic>
           <a:graphicData uri="http://schemas.openxmlformats.org/presentationml/2006/ole">
-            <p:oleObj spid="_x0000_s57362" name="Equation" r:id="rId5" imgW="457200" imgH="228600" progId="Equation.DSMT4">
-              <p:embed/>
-            </p:oleObj>
+            <mc:AlternateContent xmlns:mc="http://schemas.openxmlformats.org/markup-compatibility/2006">
+              <mc:Choice xmlns:v="urn:schemas-microsoft-com:vml" Requires="v">
+                <p:oleObj spid="_x0000_s57366" name="Equation" r:id="rId6" imgW="457200" imgH="228600" progId="Equation.DSMT4">
+                  <p:embed/>
+                </p:oleObj>
+              </mc:Choice>
+              <mc:Fallback>
+                <p:oleObj name="Equation" r:id="rId6" imgW="457200" imgH="228600" progId="Equation.DSMT4">
+                  <p:embed/>
+                  <p:pic>
+                    <p:nvPicPr>
+                      <p:cNvPr id="0" name="Picture 18"/>
+                      <p:cNvPicPr>
+                        <a:picLocks noChangeAspect="1" noChangeArrowheads="1"/>
+                      </p:cNvPicPr>
+                      <p:nvPr/>
+                    </p:nvPicPr>
+                    <p:blipFill>
+                      <a:blip r:embed="rId7">
+                        <a:extLst>
+                          <a:ext uri="{28A0092B-C50C-407E-A947-70E740481C1C}">
+                            <a14:useLocalDpi xmlns:a14="http://schemas.microsoft.com/office/drawing/2010/main" val="0"/>
+                          </a:ext>
+                        </a:extLst>
+                      </a:blip>
+                      <a:srcRect/>
+                      <a:stretch>
+                        <a:fillRect/>
+                      </a:stretch>
+                    </p:blipFill>
+                    <p:spPr bwMode="auto">
+                      <a:xfrm>
+                        <a:off x="5607050" y="2208213"/>
+                        <a:ext cx="925513" cy="463550"/>
+                      </a:xfrm>
+                      <a:prstGeom prst="rect">
+                        <a:avLst/>
+                      </a:prstGeom>
+                      <a:noFill/>
+                      <a:extLst>
+                        <a:ext uri="{909E8E84-426E-40DD-AFC4-6F175D3DCCD1}">
+                          <a14:hiddenFill xmlns:a14="http://schemas.microsoft.com/office/drawing/2010/main">
+                            <a:solidFill>
+                              <a:srgbClr val="FFFFFF"/>
+                            </a:solidFill>
+                          </a14:hiddenFill>
+                        </a:ext>
+                      </a:extLst>
+                    </p:spPr>
+                  </p:pic>
+                </p:oleObj>
+              </mc:Fallback>
+            </mc:AlternateContent>
           </a:graphicData>
         </a:graphic>
       </p:graphicFrame>
@@ -6583,9 +6699,59 @@
         </p:xfrm>
         <a:graphic>
           <a:graphicData uri="http://schemas.openxmlformats.org/presentationml/2006/ole">
-            <p:oleObj spid="_x0000_s57364" name="Equation" r:id="rId6" imgW="444240" imgH="228600" progId="Equation.DSMT4">
-              <p:embed/>
-            </p:oleObj>
+            <mc:AlternateContent xmlns:mc="http://schemas.openxmlformats.org/markup-compatibility/2006">
+              <mc:Choice xmlns:v="urn:schemas-microsoft-com:vml" Requires="v">
+                <p:oleObj spid="_x0000_s57367" name="Equation" r:id="rId8" imgW="444240" imgH="228600" progId="Equation.DSMT4">
+                  <p:embed/>
+                </p:oleObj>
+              </mc:Choice>
+              <mc:Fallback>
+                <p:oleObj name="Equation" r:id="rId8" imgW="444240" imgH="228600" progId="Equation.DSMT4">
+                  <p:embed/>
+                  <p:pic>
+                    <p:nvPicPr>
+                      <p:cNvPr id="0" name="Picture 20"/>
+                      <p:cNvPicPr>
+                        <a:picLocks noChangeAspect="1" noChangeArrowheads="1"/>
+                      </p:cNvPicPr>
+                      <p:nvPr/>
+                    </p:nvPicPr>
+                    <p:blipFill>
+                      <a:blip r:embed="rId9">
+                        <a:extLst>
+                          <a:ext uri="{28A0092B-C50C-407E-A947-70E740481C1C}">
+                            <a14:useLocalDpi xmlns:a14="http://schemas.microsoft.com/office/drawing/2010/main" val="0"/>
+                          </a:ext>
+                        </a:extLst>
+                      </a:blip>
+                      <a:srcRect/>
+                      <a:stretch>
+                        <a:fillRect/>
+                      </a:stretch>
+                    </p:blipFill>
+                    <p:spPr bwMode="auto">
+                      <a:xfrm>
+                        <a:off x="5635625" y="2992438"/>
+                        <a:ext cx="885825" cy="457200"/>
+                      </a:xfrm>
+                      <a:prstGeom prst="rect">
+                        <a:avLst/>
+                      </a:prstGeom>
+                      <a:noFill/>
+                      <a:extLst>
+                        <a:ext uri="{909E8E84-426E-40DD-AFC4-6F175D3DCCD1}">
+                          <a14:hiddenFill xmlns:a14="http://schemas.microsoft.com/office/drawing/2010/main">
+                            <a:solidFill>
+                              <a:srgbClr val="FFFFFF"/>
+                            </a:solidFill>
+                          </a14:hiddenFill>
+                        </a:ext>
+                      </a:extLst>
+                    </p:spPr>
+                  </p:pic>
+                </p:oleObj>
+              </mc:Fallback>
+            </mc:AlternateContent>
           </a:graphicData>
         </a:graphic>
       </p:graphicFrame>
@@ -6819,9 +6985,59 @@
         </p:xfrm>
         <a:graphic>
           <a:graphicData uri="http://schemas.openxmlformats.org/presentationml/2006/ole">
-            <p:oleObj spid="_x0000_s58380" name="Equation" r:id="rId4" imgW="152280" imgH="241200" progId="Equation.DSMT4">
-              <p:embed/>
-            </p:oleObj>
+            <mc:AlternateContent xmlns:mc="http://schemas.openxmlformats.org/markup-compatibility/2006">
+              <mc:Choice xmlns:v="urn:schemas-microsoft-com:vml" Requires="v">
+                <p:oleObj spid="_x0000_s58383" name="Equation" r:id="rId4" imgW="152280" imgH="241200" progId="Equation.DSMT4">
+                  <p:embed/>
+                </p:oleObj>
+              </mc:Choice>
+              <mc:Fallback>
+                <p:oleObj name="Equation" r:id="rId4" imgW="152280" imgH="241200" progId="Equation.DSMT4">
+                  <p:embed/>
+                  <p:pic>
+                    <p:nvPicPr>
+                      <p:cNvPr id="0" name="Picture 12"/>
+                      <p:cNvPicPr>
+                        <a:picLocks noChangeAspect="1" noChangeArrowheads="1"/>
+                      </p:cNvPicPr>
+                      <p:nvPr/>
+                    </p:nvPicPr>
+                    <p:blipFill>
+                      <a:blip r:embed="rId5">
+                        <a:extLst>
+                          <a:ext uri="{28A0092B-C50C-407E-A947-70E740481C1C}">
+                            <a14:useLocalDpi xmlns:a14="http://schemas.microsoft.com/office/drawing/2010/main" val="0"/>
+                          </a:ext>
+                        </a:extLst>
+                      </a:blip>
+                      <a:srcRect/>
+                      <a:stretch>
+                        <a:fillRect/>
+                      </a:stretch>
+                    </p:blipFill>
+                    <p:spPr bwMode="auto">
+                      <a:xfrm>
+                        <a:off x="5486400" y="2195513"/>
+                        <a:ext cx="334963" cy="530225"/>
+                      </a:xfrm>
+                      <a:prstGeom prst="rect">
+                        <a:avLst/>
+                      </a:prstGeom>
+                      <a:noFill/>
+                      <a:extLst>
+                        <a:ext uri="{909E8E84-426E-40DD-AFC4-6F175D3DCCD1}">
+                          <a14:hiddenFill xmlns:a14="http://schemas.microsoft.com/office/drawing/2010/main">
+                            <a:solidFill>
+                              <a:srgbClr val="FFFFFF"/>
+                            </a:solidFill>
+                          </a14:hiddenFill>
+                        </a:ext>
+                      </a:extLst>
+                    </p:spPr>
+                  </p:pic>
+                </p:oleObj>
+              </mc:Fallback>
+            </mc:AlternateContent>
           </a:graphicData>
         </a:graphic>
       </p:graphicFrame>
@@ -6886,9 +7102,59 @@
         </p:xfrm>
         <a:graphic>
           <a:graphicData uri="http://schemas.openxmlformats.org/presentationml/2006/ole">
-            <p:oleObj spid="_x0000_s58382" name="Equation" r:id="rId5" imgW="152280" imgH="228600" progId="Equation.DSMT4">
-              <p:embed/>
-            </p:oleObj>
+            <mc:AlternateContent xmlns:mc="http://schemas.openxmlformats.org/markup-compatibility/2006">
+              <mc:Choice xmlns:v="urn:schemas-microsoft-com:vml" Requires="v">
+                <p:oleObj spid="_x0000_s58384" name="Equation" r:id="rId6" imgW="152280" imgH="228600" progId="Equation.DSMT4">
+                  <p:embed/>
+                </p:oleObj>
+              </mc:Choice>
+              <mc:Fallback>
+                <p:oleObj name="Equation" r:id="rId6" imgW="152280" imgH="228600" progId="Equation.DSMT4">
+                  <p:embed/>
+                  <p:pic>
+                    <p:nvPicPr>
+                      <p:cNvPr id="0" name="Picture 14"/>
+                      <p:cNvPicPr>
+                        <a:picLocks noChangeAspect="1" noChangeArrowheads="1"/>
+                      </p:cNvPicPr>
+                      <p:nvPr/>
+                    </p:nvPicPr>
+                    <p:blipFill>
+                      <a:blip r:embed="rId7">
+                        <a:extLst>
+                          <a:ext uri="{28A0092B-C50C-407E-A947-70E740481C1C}">
+                            <a14:useLocalDpi xmlns:a14="http://schemas.microsoft.com/office/drawing/2010/main" val="0"/>
+                          </a:ext>
+                        </a:extLst>
+                      </a:blip>
+                      <a:srcRect/>
+                      <a:stretch>
+                        <a:fillRect/>
+                      </a:stretch>
+                    </p:blipFill>
+                    <p:spPr bwMode="auto">
+                      <a:xfrm>
+                        <a:off x="5486400" y="2725738"/>
+                        <a:ext cx="363538" cy="546100"/>
+                      </a:xfrm>
+                      <a:prstGeom prst="rect">
+                        <a:avLst/>
+                      </a:prstGeom>
+                      <a:noFill/>
+                      <a:extLst>
+                        <a:ext uri="{909E8E84-426E-40DD-AFC4-6F175D3DCCD1}">
+                          <a14:hiddenFill xmlns:a14="http://schemas.microsoft.com/office/drawing/2010/main">
+                            <a:solidFill>
+                              <a:srgbClr val="FFFFFF"/>
+                            </a:solidFill>
+                          </a14:hiddenFill>
+                        </a:ext>
+                      </a:extLst>
+                    </p:spPr>
+                  </p:pic>
+                </p:oleObj>
+              </mc:Fallback>
+            </mc:AlternateContent>
           </a:graphicData>
         </a:graphic>
       </p:graphicFrame>
@@ -8361,9 +8627,59 @@
         </p:xfrm>
         <a:graphic>
           <a:graphicData uri="http://schemas.openxmlformats.org/presentationml/2006/ole">
-            <p:oleObj spid="_x0000_s61449" name="Equation" r:id="rId4" imgW="152280" imgH="241200" progId="Equation.DSMT4">
-              <p:embed/>
-            </p:oleObj>
+            <mc:AlternateContent xmlns:mc="http://schemas.openxmlformats.org/markup-compatibility/2006">
+              <mc:Choice xmlns:v="urn:schemas-microsoft-com:vml" Requires="v">
+                <p:oleObj spid="_x0000_s61453" name="Equation" r:id="rId4" imgW="152280" imgH="241200" progId="Equation.DSMT4">
+                  <p:embed/>
+                </p:oleObj>
+              </mc:Choice>
+              <mc:Fallback>
+                <p:oleObj name="Equation" r:id="rId4" imgW="152280" imgH="241200" progId="Equation.DSMT4">
+                  <p:embed/>
+                  <p:pic>
+                    <p:nvPicPr>
+                      <p:cNvPr id="0" name="Picture 9"/>
+                      <p:cNvPicPr>
+                        <a:picLocks noChangeAspect="1" noChangeArrowheads="1"/>
+                      </p:cNvPicPr>
+                      <p:nvPr/>
+                    </p:nvPicPr>
+                    <p:blipFill>
+                      <a:blip r:embed="rId5">
+                        <a:extLst>
+                          <a:ext uri="{28A0092B-C50C-407E-A947-70E740481C1C}">
+                            <a14:useLocalDpi xmlns:a14="http://schemas.microsoft.com/office/drawing/2010/main" val="0"/>
+                          </a:ext>
+                        </a:extLst>
+                      </a:blip>
+                      <a:srcRect/>
+                      <a:stretch>
+                        <a:fillRect/>
+                      </a:stretch>
+                    </p:blipFill>
+                    <p:spPr bwMode="auto">
+                      <a:xfrm>
+                        <a:off x="5711825" y="4332288"/>
+                        <a:ext cx="334963" cy="530225"/>
+                      </a:xfrm>
+                      <a:prstGeom prst="rect">
+                        <a:avLst/>
+                      </a:prstGeom>
+                      <a:noFill/>
+                      <a:extLst>
+                        <a:ext uri="{909E8E84-426E-40DD-AFC4-6F175D3DCCD1}">
+                          <a14:hiddenFill xmlns:a14="http://schemas.microsoft.com/office/drawing/2010/main">
+                            <a:solidFill>
+                              <a:srgbClr val="FFFFFF"/>
+                            </a:solidFill>
+                          </a14:hiddenFill>
+                        </a:ext>
+                      </a:extLst>
+                    </p:spPr>
+                  </p:pic>
+                </p:oleObj>
+              </mc:Fallback>
+            </mc:AlternateContent>
           </a:graphicData>
         </a:graphic>
       </p:graphicFrame>
@@ -8428,9 +8744,59 @@
         </p:xfrm>
         <a:graphic>
           <a:graphicData uri="http://schemas.openxmlformats.org/presentationml/2006/ole">
-            <p:oleObj spid="_x0000_s61451" name="Equation" r:id="rId5" imgW="152280" imgH="228600" progId="Equation.DSMT4">
-              <p:embed/>
-            </p:oleObj>
+            <mc:AlternateContent xmlns:mc="http://schemas.openxmlformats.org/markup-compatibility/2006">
+              <mc:Choice xmlns:v="urn:schemas-microsoft-com:vml" Requires="v">
+                <p:oleObj spid="_x0000_s61454" name="Equation" r:id="rId6" imgW="152280" imgH="228600" progId="Equation.DSMT4">
+                  <p:embed/>
+                </p:oleObj>
+              </mc:Choice>
+              <mc:Fallback>
+                <p:oleObj name="Equation" r:id="rId6" imgW="152280" imgH="228600" progId="Equation.DSMT4">
+                  <p:embed/>
+                  <p:pic>
+                    <p:nvPicPr>
+                      <p:cNvPr id="0" name="Picture 11"/>
+                      <p:cNvPicPr>
+                        <a:picLocks noChangeAspect="1" noChangeArrowheads="1"/>
+                      </p:cNvPicPr>
+                      <p:nvPr/>
+                    </p:nvPicPr>
+                    <p:blipFill>
+                      <a:blip r:embed="rId7">
+                        <a:extLst>
+                          <a:ext uri="{28A0092B-C50C-407E-A947-70E740481C1C}">
+                            <a14:useLocalDpi xmlns:a14="http://schemas.microsoft.com/office/drawing/2010/main" val="0"/>
+                          </a:ext>
+                        </a:extLst>
+                      </a:blip>
+                      <a:srcRect/>
+                      <a:stretch>
+                        <a:fillRect/>
+                      </a:stretch>
+                    </p:blipFill>
+                    <p:spPr bwMode="auto">
+                      <a:xfrm>
+                        <a:off x="5711825" y="4862513"/>
+                        <a:ext cx="363538" cy="546100"/>
+                      </a:xfrm>
+                      <a:prstGeom prst="rect">
+                        <a:avLst/>
+                      </a:prstGeom>
+                      <a:noFill/>
+                      <a:extLst>
+                        <a:ext uri="{909E8E84-426E-40DD-AFC4-6F175D3DCCD1}">
+                          <a14:hiddenFill xmlns:a14="http://schemas.microsoft.com/office/drawing/2010/main">
+                            <a:solidFill>
+                              <a:srgbClr val="FFFFFF"/>
+                            </a:solidFill>
+                          </a14:hiddenFill>
+                        </a:ext>
+                      </a:extLst>
+                    </p:spPr>
+                  </p:pic>
+                </p:oleObj>
+              </mc:Fallback>
+            </mc:AlternateContent>
           </a:graphicData>
         </a:graphic>
       </p:graphicFrame>
@@ -8448,9 +8814,59 @@
         </p:xfrm>
         <a:graphic>
           <a:graphicData uri="http://schemas.openxmlformats.org/presentationml/2006/ole">
-            <p:oleObj spid="_x0000_s61452" name="Equation" r:id="rId6" imgW="139680" imgH="228600" progId="Equation.DSMT4">
-              <p:embed/>
-            </p:oleObj>
+            <mc:AlternateContent xmlns:mc="http://schemas.openxmlformats.org/markup-compatibility/2006">
+              <mc:Choice xmlns:v="urn:schemas-microsoft-com:vml" Requires="v">
+                <p:oleObj spid="_x0000_s61455" name="Equation" r:id="rId8" imgW="139680" imgH="228600" progId="Equation.DSMT4">
+                  <p:embed/>
+                </p:oleObj>
+              </mc:Choice>
+              <mc:Fallback>
+                <p:oleObj name="Equation" r:id="rId8" imgW="139680" imgH="228600" progId="Equation.DSMT4">
+                  <p:embed/>
+                  <p:pic>
+                    <p:nvPicPr>
+                      <p:cNvPr id="0" name="Picture 12"/>
+                      <p:cNvPicPr>
+                        <a:picLocks noChangeAspect="1" noChangeArrowheads="1"/>
+                      </p:cNvPicPr>
+                      <p:nvPr/>
+                    </p:nvPicPr>
+                    <p:blipFill>
+                      <a:blip r:embed="rId9">
+                        <a:extLst>
+                          <a:ext uri="{28A0092B-C50C-407E-A947-70E740481C1C}">
+                            <a14:useLocalDpi xmlns:a14="http://schemas.microsoft.com/office/drawing/2010/main" val="0"/>
+                          </a:ext>
+                        </a:extLst>
+                      </a:blip>
+                      <a:srcRect/>
+                      <a:stretch>
+                        <a:fillRect/>
+                      </a:stretch>
+                    </p:blipFill>
+                    <p:spPr bwMode="auto">
+                      <a:xfrm>
+                        <a:off x="5711825" y="5408613"/>
+                        <a:ext cx="301625" cy="493712"/>
+                      </a:xfrm>
+                      <a:prstGeom prst="rect">
+                        <a:avLst/>
+                      </a:prstGeom>
+                      <a:noFill/>
+                      <a:extLst>
+                        <a:ext uri="{909E8E84-426E-40DD-AFC4-6F175D3DCCD1}">
+                          <a14:hiddenFill xmlns:a14="http://schemas.microsoft.com/office/drawing/2010/main">
+                            <a:solidFill>
+                              <a:srgbClr val="FFFFFF"/>
+                            </a:solidFill>
+                          </a14:hiddenFill>
+                        </a:ext>
+                      </a:extLst>
+                    </p:spPr>
+                  </p:pic>
+                </p:oleObj>
+              </mc:Fallback>
+            </mc:AlternateContent>
           </a:graphicData>
         </a:graphic>
       </p:graphicFrame>
@@ -8715,17 +9131,73 @@
           <p:cNvGraphicFramePr>
             <a:graphicFrameLocks noChangeAspect="1"/>
           </p:cNvGraphicFramePr>
-          <p:nvPr/>
+          <p:nvPr>
+            <p:extLst>
+              <p:ext uri="{D42A27DB-BD31-4B8C-83A1-F6EECF244321}">
+                <p14:modId xmlns:p14="http://schemas.microsoft.com/office/powerpoint/2010/main" val="951476205"/>
+              </p:ext>
+            </p:extLst>
+          </p:nvPr>
         </p:nvGraphicFramePr>
         <p:xfrm>
-          <a:off x="3446463" y="5094288"/>
+          <a:off x="3224392" y="5094288"/>
           <a:ext cx="987425" cy="455612"/>
         </p:xfrm>
         <a:graphic>
           <a:graphicData uri="http://schemas.openxmlformats.org/presentationml/2006/ole">
-            <p:oleObj spid="_x0000_s62474" name="Equation" r:id="rId4" imgW="444240" imgH="228600" progId="Equation.DSMT4">
-              <p:embed/>
-            </p:oleObj>
+            <mc:AlternateContent xmlns:mc="http://schemas.openxmlformats.org/markup-compatibility/2006">
+              <mc:Choice xmlns:v="urn:schemas-microsoft-com:vml" Requires="v">
+                <p:oleObj spid="_x0000_s62479" name="Equation" r:id="rId4" imgW="444240" imgH="228600" progId="Equation.DSMT4">
+                  <p:embed/>
+                </p:oleObj>
+              </mc:Choice>
+              <mc:Fallback>
+                <p:oleObj name="Equation" r:id="rId4" imgW="444240" imgH="228600" progId="Equation.DSMT4">
+                  <p:embed/>
+                  <p:pic>
+                    <p:nvPicPr>
+                      <p:cNvPr id="0" name="Picture 10"/>
+                      <p:cNvPicPr>
+                        <a:picLocks noChangeAspect="1" noChangeArrowheads="1"/>
+                      </p:cNvPicPr>
+                      <p:nvPr/>
+                    </p:nvPicPr>
+                    <p:blipFill>
+                      <a:blip r:embed="rId5">
+                        <a:extLst>
+                          <a:ext uri="{28A0092B-C50C-407E-A947-70E740481C1C}">
+                            <a14:useLocalDpi xmlns:a14="http://schemas.microsoft.com/office/drawing/2010/main" val="0"/>
+                          </a:ext>
+                        </a:extLst>
+                      </a:blip>
+                      <a:srcRect/>
+                      <a:stretch>
+                        <a:fillRect/>
+                      </a:stretch>
+                    </p:blipFill>
+                    <p:spPr bwMode="auto">
+                      <a:xfrm>
+                        <a:off x="3224392" y="5094288"/>
+                        <a:ext cx="987425" cy="455612"/>
+                      </a:xfrm>
+                      <a:prstGeom prst="rect">
+                        <a:avLst/>
+                      </a:prstGeom>
+                      <a:noFill/>
+                      <a:extLst>
+                        <a:ext uri="{909E8E84-426E-40DD-AFC4-6F175D3DCCD1}">
+                          <a14:hiddenFill xmlns:a14="http://schemas.microsoft.com/office/drawing/2010/main">
+                            <a:solidFill>
+                              <a:srgbClr val="FFFFFF"/>
+                            </a:solidFill>
+                          </a14:hiddenFill>
+                        </a:ext>
+                      </a:extLst>
+                    </p:spPr>
+                  </p:pic>
+                </p:oleObj>
+              </mc:Fallback>
+            </mc:AlternateContent>
           </a:graphicData>
         </a:graphic>
       </p:graphicFrame>
@@ -8818,17 +9290,73 @@
           <p:cNvGraphicFramePr>
             <a:graphicFrameLocks noChangeAspect="1"/>
           </p:cNvGraphicFramePr>
-          <p:nvPr/>
+          <p:nvPr>
+            <p:extLst>
+              <p:ext uri="{D42A27DB-BD31-4B8C-83A1-F6EECF244321}">
+                <p14:modId xmlns:p14="http://schemas.microsoft.com/office/powerpoint/2010/main" val="269413373"/>
+              </p:ext>
+            </p:extLst>
+          </p:nvPr>
         </p:nvGraphicFramePr>
         <p:xfrm>
-          <a:off x="3440113" y="5495925"/>
+          <a:off x="3218042" y="5495925"/>
           <a:ext cx="1031875" cy="463550"/>
         </p:xfrm>
         <a:graphic>
           <a:graphicData uri="http://schemas.openxmlformats.org/presentationml/2006/ole">
-            <p:oleObj spid="_x0000_s62476" name="Equation" r:id="rId5" imgW="457200" imgH="228600" progId="Equation.DSMT4">
-              <p:embed/>
-            </p:oleObj>
+            <mc:AlternateContent xmlns:mc="http://schemas.openxmlformats.org/markup-compatibility/2006">
+              <mc:Choice xmlns:v="urn:schemas-microsoft-com:vml" Requires="v">
+                <p:oleObj spid="_x0000_s62480" name="Equation" r:id="rId6" imgW="457200" imgH="228600" progId="Equation.DSMT4">
+                  <p:embed/>
+                </p:oleObj>
+              </mc:Choice>
+              <mc:Fallback>
+                <p:oleObj name="Equation" r:id="rId6" imgW="457200" imgH="228600" progId="Equation.DSMT4">
+                  <p:embed/>
+                  <p:pic>
+                    <p:nvPicPr>
+                      <p:cNvPr id="0" name="Picture 12"/>
+                      <p:cNvPicPr>
+                        <a:picLocks noChangeAspect="1" noChangeArrowheads="1"/>
+                      </p:cNvPicPr>
+                      <p:nvPr/>
+                    </p:nvPicPr>
+                    <p:blipFill>
+                      <a:blip r:embed="rId7">
+                        <a:extLst>
+                          <a:ext uri="{28A0092B-C50C-407E-A947-70E740481C1C}">
+                            <a14:useLocalDpi xmlns:a14="http://schemas.microsoft.com/office/drawing/2010/main" val="0"/>
+                          </a:ext>
+                        </a:extLst>
+                      </a:blip>
+                      <a:srcRect/>
+                      <a:stretch>
+                        <a:fillRect/>
+                      </a:stretch>
+                    </p:blipFill>
+                    <p:spPr bwMode="auto">
+                      <a:xfrm>
+                        <a:off x="3218042" y="5495925"/>
+                        <a:ext cx="1031875" cy="463550"/>
+                      </a:xfrm>
+                      <a:prstGeom prst="rect">
+                        <a:avLst/>
+                      </a:prstGeom>
+                      <a:noFill/>
+                      <a:extLst>
+                        <a:ext uri="{909E8E84-426E-40DD-AFC4-6F175D3DCCD1}">
+                          <a14:hiddenFill xmlns:a14="http://schemas.microsoft.com/office/drawing/2010/main">
+                            <a:solidFill>
+                              <a:srgbClr val="FFFFFF"/>
+                            </a:solidFill>
+                          </a14:hiddenFill>
+                        </a:ext>
+                      </a:extLst>
+                    </p:spPr>
+                  </p:pic>
+                </p:oleObj>
+              </mc:Fallback>
+            </mc:AlternateContent>
           </a:graphicData>
         </a:graphic>
       </p:graphicFrame>
@@ -8885,17 +9413,73 @@
           <p:cNvGraphicFramePr>
             <a:graphicFrameLocks noChangeAspect="1"/>
           </p:cNvGraphicFramePr>
-          <p:nvPr/>
+          <p:nvPr>
+            <p:extLst>
+              <p:ext uri="{D42A27DB-BD31-4B8C-83A1-F6EECF244321}">
+                <p14:modId xmlns:p14="http://schemas.microsoft.com/office/powerpoint/2010/main" val="2983260119"/>
+              </p:ext>
+            </p:extLst>
+          </p:nvPr>
         </p:nvGraphicFramePr>
         <p:xfrm>
-          <a:off x="3468688" y="5937250"/>
+          <a:off x="3246617" y="5937250"/>
           <a:ext cx="987425" cy="457200"/>
         </p:xfrm>
         <a:graphic>
           <a:graphicData uri="http://schemas.openxmlformats.org/presentationml/2006/ole">
-            <p:oleObj spid="_x0000_s62478" name="Equation" r:id="rId6" imgW="444240" imgH="228600" progId="Equation.DSMT4">
-              <p:embed/>
-            </p:oleObj>
+            <mc:AlternateContent xmlns:mc="http://schemas.openxmlformats.org/markup-compatibility/2006">
+              <mc:Choice xmlns:v="urn:schemas-microsoft-com:vml" Requires="v">
+                <p:oleObj spid="_x0000_s62481" name="Equation" r:id="rId8" imgW="444240" imgH="228600" progId="Equation.DSMT4">
+                  <p:embed/>
+                </p:oleObj>
+              </mc:Choice>
+              <mc:Fallback>
+                <p:oleObj name="Equation" r:id="rId8" imgW="444240" imgH="228600" progId="Equation.DSMT4">
+                  <p:embed/>
+                  <p:pic>
+                    <p:nvPicPr>
+                      <p:cNvPr id="0" name="Picture 14"/>
+                      <p:cNvPicPr>
+                        <a:picLocks noChangeAspect="1" noChangeArrowheads="1"/>
+                      </p:cNvPicPr>
+                      <p:nvPr/>
+                    </p:nvPicPr>
+                    <p:blipFill>
+                      <a:blip r:embed="rId9">
+                        <a:extLst>
+                          <a:ext uri="{28A0092B-C50C-407E-A947-70E740481C1C}">
+                            <a14:useLocalDpi xmlns:a14="http://schemas.microsoft.com/office/drawing/2010/main" val="0"/>
+                          </a:ext>
+                        </a:extLst>
+                      </a:blip>
+                      <a:srcRect/>
+                      <a:stretch>
+                        <a:fillRect/>
+                      </a:stretch>
+                    </p:blipFill>
+                    <p:spPr bwMode="auto">
+                      <a:xfrm>
+                        <a:off x="3246617" y="5937250"/>
+                        <a:ext cx="987425" cy="457200"/>
+                      </a:xfrm>
+                      <a:prstGeom prst="rect">
+                        <a:avLst/>
+                      </a:prstGeom>
+                      <a:noFill/>
+                      <a:extLst>
+                        <a:ext uri="{909E8E84-426E-40DD-AFC4-6F175D3DCCD1}">
+                          <a14:hiddenFill xmlns:a14="http://schemas.microsoft.com/office/drawing/2010/main">
+                            <a:solidFill>
+                              <a:srgbClr val="FFFFFF"/>
+                            </a:solidFill>
+                          </a14:hiddenFill>
+                        </a:ext>
+                      </a:extLst>
+                    </p:spPr>
+                  </p:pic>
+                </p:oleObj>
+              </mc:Fallback>
+            </mc:AlternateContent>
           </a:graphicData>
         </a:graphic>
       </p:graphicFrame>
@@ -10195,9 +10779,59 @@
         </p:xfrm>
         <a:graphic>
           <a:graphicData uri="http://schemas.openxmlformats.org/presentationml/2006/ole">
-            <p:oleObj spid="_x0000_s37931" name="Equation" r:id="rId4" imgW="139579" imgH="164957" progId="Equation.DSMT4">
-              <p:embed/>
-            </p:oleObj>
+            <mc:AlternateContent xmlns:mc="http://schemas.openxmlformats.org/markup-compatibility/2006">
+              <mc:Choice xmlns:v="urn:schemas-microsoft-com:vml" Requires="v">
+                <p:oleObj spid="_x0000_s37938" name="Equation" r:id="rId4" imgW="139579" imgH="164957" progId="Equation.DSMT4">
+                  <p:embed/>
+                </p:oleObj>
+              </mc:Choice>
+              <mc:Fallback>
+                <p:oleObj name="Equation" r:id="rId4" imgW="139579" imgH="164957" progId="Equation.DSMT4">
+                  <p:embed/>
+                  <p:pic>
+                    <p:nvPicPr>
+                      <p:cNvPr id="0" name="Picture 43"/>
+                      <p:cNvPicPr>
+                        <a:picLocks noChangeAspect="1" noChangeArrowheads="1"/>
+                      </p:cNvPicPr>
+                      <p:nvPr/>
+                    </p:nvPicPr>
+                    <p:blipFill>
+                      <a:blip r:embed="rId5">
+                        <a:extLst>
+                          <a:ext uri="{28A0092B-C50C-407E-A947-70E740481C1C}">
+                            <a14:useLocalDpi xmlns:a14="http://schemas.microsoft.com/office/drawing/2010/main" val="0"/>
+                          </a:ext>
+                        </a:extLst>
+                      </a:blip>
+                      <a:srcRect/>
+                      <a:stretch>
+                        <a:fillRect/>
+                      </a:stretch>
+                    </p:blipFill>
+                    <p:spPr bwMode="auto">
+                      <a:xfrm>
+                        <a:off x="1376363" y="3602038"/>
+                        <a:ext cx="288925" cy="341312"/>
+                      </a:xfrm>
+                      <a:prstGeom prst="rect">
+                        <a:avLst/>
+                      </a:prstGeom>
+                      <a:noFill/>
+                      <a:extLst>
+                        <a:ext uri="{909E8E84-426E-40DD-AFC4-6F175D3DCCD1}">
+                          <a14:hiddenFill xmlns:a14="http://schemas.microsoft.com/office/drawing/2010/main">
+                            <a:solidFill>
+                              <a:srgbClr val="FFFFFF"/>
+                            </a:solidFill>
+                          </a14:hiddenFill>
+                        </a:ext>
+                      </a:extLst>
+                    </p:spPr>
+                  </p:pic>
+                </p:oleObj>
+              </mc:Fallback>
+            </mc:AlternateContent>
           </a:graphicData>
         </a:graphic>
       </p:graphicFrame>
@@ -10215,9 +10849,59 @@
         </p:xfrm>
         <a:graphic>
           <a:graphicData uri="http://schemas.openxmlformats.org/presentationml/2006/ole">
-            <p:oleObj spid="_x0000_s37932" name="Equation" r:id="rId5" imgW="139579" imgH="164957" progId="Equation.DSMT4">
-              <p:embed/>
-            </p:oleObj>
+            <mc:AlternateContent xmlns:mc="http://schemas.openxmlformats.org/markup-compatibility/2006">
+              <mc:Choice xmlns:v="urn:schemas-microsoft-com:vml" Requires="v">
+                <p:oleObj spid="_x0000_s37939" name="Equation" r:id="rId6" imgW="139579" imgH="164957" progId="Equation.DSMT4">
+                  <p:embed/>
+                </p:oleObj>
+              </mc:Choice>
+              <mc:Fallback>
+                <p:oleObj name="Equation" r:id="rId6" imgW="139579" imgH="164957" progId="Equation.DSMT4">
+                  <p:embed/>
+                  <p:pic>
+                    <p:nvPicPr>
+                      <p:cNvPr id="0" name="Picture 44"/>
+                      <p:cNvPicPr>
+                        <a:picLocks noChangeAspect="1" noChangeArrowheads="1"/>
+                      </p:cNvPicPr>
+                      <p:nvPr/>
+                    </p:nvPicPr>
+                    <p:blipFill>
+                      <a:blip r:embed="rId7">
+                        <a:extLst>
+                          <a:ext uri="{28A0092B-C50C-407E-A947-70E740481C1C}">
+                            <a14:useLocalDpi xmlns:a14="http://schemas.microsoft.com/office/drawing/2010/main" val="0"/>
+                          </a:ext>
+                        </a:extLst>
+                      </a:blip>
+                      <a:srcRect/>
+                      <a:stretch>
+                        <a:fillRect/>
+                      </a:stretch>
+                    </p:blipFill>
+                    <p:spPr bwMode="auto">
+                      <a:xfrm>
+                        <a:off x="1376363" y="4010025"/>
+                        <a:ext cx="284162" cy="334963"/>
+                      </a:xfrm>
+                      <a:prstGeom prst="rect">
+                        <a:avLst/>
+                      </a:prstGeom>
+                      <a:noFill/>
+                      <a:extLst>
+                        <a:ext uri="{909E8E84-426E-40DD-AFC4-6F175D3DCCD1}">
+                          <a14:hiddenFill xmlns:a14="http://schemas.microsoft.com/office/drawing/2010/main">
+                            <a:solidFill>
+                              <a:srgbClr val="FFFFFF"/>
+                            </a:solidFill>
+                          </a14:hiddenFill>
+                        </a:ext>
+                      </a:extLst>
+                    </p:spPr>
+                  </p:pic>
+                </p:oleObj>
+              </mc:Fallback>
+            </mc:AlternateContent>
           </a:graphicData>
         </a:graphic>
       </p:graphicFrame>
@@ -10235,9 +10919,59 @@
         </p:xfrm>
         <a:graphic>
           <a:graphicData uri="http://schemas.openxmlformats.org/presentationml/2006/ole">
-            <p:oleObj spid="_x0000_s37933" name="Equation" r:id="rId6" imgW="152268" imgH="164957" progId="Equation.DSMT4">
-              <p:embed/>
-            </p:oleObj>
+            <mc:AlternateContent xmlns:mc="http://schemas.openxmlformats.org/markup-compatibility/2006">
+              <mc:Choice xmlns:v="urn:schemas-microsoft-com:vml" Requires="v">
+                <p:oleObj spid="_x0000_s37940" name="Equation" r:id="rId8" imgW="152268" imgH="164957" progId="Equation.DSMT4">
+                  <p:embed/>
+                </p:oleObj>
+              </mc:Choice>
+              <mc:Fallback>
+                <p:oleObj name="Equation" r:id="rId8" imgW="152268" imgH="164957" progId="Equation.DSMT4">
+                  <p:embed/>
+                  <p:pic>
+                    <p:nvPicPr>
+                      <p:cNvPr id="0" name="Picture 45"/>
+                      <p:cNvPicPr>
+                        <a:picLocks noChangeAspect="1" noChangeArrowheads="1"/>
+                      </p:cNvPicPr>
+                      <p:nvPr/>
+                    </p:nvPicPr>
+                    <p:blipFill>
+                      <a:blip r:embed="rId9">
+                        <a:extLst>
+                          <a:ext uri="{28A0092B-C50C-407E-A947-70E740481C1C}">
+                            <a14:useLocalDpi xmlns:a14="http://schemas.microsoft.com/office/drawing/2010/main" val="0"/>
+                          </a:ext>
+                        </a:extLst>
+                      </a:blip>
+                      <a:srcRect/>
+                      <a:stretch>
+                        <a:fillRect/>
+                      </a:stretch>
+                    </p:blipFill>
+                    <p:spPr bwMode="auto">
+                      <a:xfrm>
+                        <a:off x="1347788" y="4410075"/>
+                        <a:ext cx="322262" cy="349250"/>
+                      </a:xfrm>
+                      <a:prstGeom prst="rect">
+                        <a:avLst/>
+                      </a:prstGeom>
+                      <a:noFill/>
+                      <a:extLst>
+                        <a:ext uri="{909E8E84-426E-40DD-AFC4-6F175D3DCCD1}">
+                          <a14:hiddenFill xmlns:a14="http://schemas.microsoft.com/office/drawing/2010/main">
+                            <a:solidFill>
+                              <a:srgbClr val="FFFFFF"/>
+                            </a:solidFill>
+                          </a14:hiddenFill>
+                        </a:ext>
+                      </a:extLst>
+                    </p:spPr>
+                  </p:pic>
+                </p:oleObj>
+              </mc:Fallback>
+            </mc:AlternateContent>
           </a:graphicData>
         </a:graphic>
       </p:graphicFrame>
@@ -10255,9 +10989,59 @@
         </p:xfrm>
         <a:graphic>
           <a:graphicData uri="http://schemas.openxmlformats.org/presentationml/2006/ole">
-            <p:oleObj spid="_x0000_s37934" name="Equation" r:id="rId7" imgW="152268" imgH="164957" progId="Equation.DSMT4">
-              <p:embed/>
-            </p:oleObj>
+            <mc:AlternateContent xmlns:mc="http://schemas.openxmlformats.org/markup-compatibility/2006">
+              <mc:Choice xmlns:v="urn:schemas-microsoft-com:vml" Requires="v">
+                <p:oleObj spid="_x0000_s37941" name="Equation" r:id="rId10" imgW="152268" imgH="164957" progId="Equation.DSMT4">
+                  <p:embed/>
+                </p:oleObj>
+              </mc:Choice>
+              <mc:Fallback>
+                <p:oleObj name="Equation" r:id="rId10" imgW="152268" imgH="164957" progId="Equation.DSMT4">
+                  <p:embed/>
+                  <p:pic>
+                    <p:nvPicPr>
+                      <p:cNvPr id="0" name="Picture 46"/>
+                      <p:cNvPicPr>
+                        <a:picLocks noChangeAspect="1" noChangeArrowheads="1"/>
+                      </p:cNvPicPr>
+                      <p:nvPr/>
+                    </p:nvPicPr>
+                    <p:blipFill>
+                      <a:blip r:embed="rId11">
+                        <a:extLst>
+                          <a:ext uri="{28A0092B-C50C-407E-A947-70E740481C1C}">
+                            <a14:useLocalDpi xmlns:a14="http://schemas.microsoft.com/office/drawing/2010/main" val="0"/>
+                          </a:ext>
+                        </a:extLst>
+                      </a:blip>
+                      <a:srcRect/>
+                      <a:stretch>
+                        <a:fillRect/>
+                      </a:stretch>
+                    </p:blipFill>
+                    <p:spPr bwMode="auto">
+                      <a:xfrm>
+                        <a:off x="1062038" y="4854575"/>
+                        <a:ext cx="334962" cy="363538"/>
+                      </a:xfrm>
+                      <a:prstGeom prst="rect">
+                        <a:avLst/>
+                      </a:prstGeom>
+                      <a:noFill/>
+                      <a:extLst>
+                        <a:ext uri="{909E8E84-426E-40DD-AFC4-6F175D3DCCD1}">
+                          <a14:hiddenFill xmlns:a14="http://schemas.microsoft.com/office/drawing/2010/main">
+                            <a:solidFill>
+                              <a:srgbClr val="FFFFFF"/>
+                            </a:solidFill>
+                          </a14:hiddenFill>
+                        </a:ext>
+                      </a:extLst>
+                    </p:spPr>
+                  </p:pic>
+                </p:oleObj>
+              </mc:Fallback>
+            </mc:AlternateContent>
           </a:graphicData>
         </a:graphic>
       </p:graphicFrame>
@@ -10275,9 +11059,59 @@
         </p:xfrm>
         <a:graphic>
           <a:graphicData uri="http://schemas.openxmlformats.org/presentationml/2006/ole">
-            <p:oleObj spid="_x0000_s37935" name="Equation" r:id="rId8" imgW="190500" imgH="228600" progId="Equation.DSMT4">
-              <p:embed/>
-            </p:oleObj>
+            <mc:AlternateContent xmlns:mc="http://schemas.openxmlformats.org/markup-compatibility/2006">
+              <mc:Choice xmlns:v="urn:schemas-microsoft-com:vml" Requires="v">
+                <p:oleObj spid="_x0000_s37942" name="Equation" r:id="rId12" imgW="190500" imgH="228600" progId="Equation.DSMT4">
+                  <p:embed/>
+                </p:oleObj>
+              </mc:Choice>
+              <mc:Fallback>
+                <p:oleObj name="Equation" r:id="rId12" imgW="190500" imgH="228600" progId="Equation.DSMT4">
+                  <p:embed/>
+                  <p:pic>
+                    <p:nvPicPr>
+                      <p:cNvPr id="0" name="Picture 47"/>
+                      <p:cNvPicPr>
+                        <a:picLocks noChangeAspect="1" noChangeArrowheads="1"/>
+                      </p:cNvPicPr>
+                      <p:nvPr/>
+                    </p:nvPicPr>
+                    <p:blipFill>
+                      <a:blip r:embed="rId13">
+                        <a:extLst>
+                          <a:ext uri="{28A0092B-C50C-407E-A947-70E740481C1C}">
+                            <a14:useLocalDpi xmlns:a14="http://schemas.microsoft.com/office/drawing/2010/main" val="0"/>
+                          </a:ext>
+                        </a:extLst>
+                      </a:blip>
+                      <a:srcRect/>
+                      <a:stretch>
+                        <a:fillRect/>
+                      </a:stretch>
+                    </p:blipFill>
+                    <p:spPr bwMode="auto">
+                      <a:xfrm>
+                        <a:off x="1481138" y="4854575"/>
+                        <a:ext cx="341312" cy="409575"/>
+                      </a:xfrm>
+                      <a:prstGeom prst="rect">
+                        <a:avLst/>
+                      </a:prstGeom>
+                      <a:noFill/>
+                      <a:extLst>
+                        <a:ext uri="{909E8E84-426E-40DD-AFC4-6F175D3DCCD1}">
+                          <a14:hiddenFill xmlns:a14="http://schemas.microsoft.com/office/drawing/2010/main">
+                            <a:solidFill>
+                              <a:srgbClr val="FFFFFF"/>
+                            </a:solidFill>
+                          </a14:hiddenFill>
+                        </a:ext>
+                      </a:extLst>
+                    </p:spPr>
+                  </p:pic>
+                </p:oleObj>
+              </mc:Fallback>
+            </mc:AlternateContent>
           </a:graphicData>
         </a:graphic>
       </p:graphicFrame>
@@ -10295,9 +11129,59 @@
         </p:xfrm>
         <a:graphic>
           <a:graphicData uri="http://schemas.openxmlformats.org/presentationml/2006/ole">
-            <p:oleObj spid="_x0000_s37936" name="Equation" r:id="rId9" imgW="139579" imgH="164957" progId="Equation.DSMT4">
-              <p:embed/>
-            </p:oleObj>
+            <mc:AlternateContent xmlns:mc="http://schemas.openxmlformats.org/markup-compatibility/2006">
+              <mc:Choice xmlns:v="urn:schemas-microsoft-com:vml" Requires="v">
+                <p:oleObj spid="_x0000_s37943" name="Equation" r:id="rId14" imgW="139579" imgH="164957" progId="Equation.DSMT4">
+                  <p:embed/>
+                </p:oleObj>
+              </mc:Choice>
+              <mc:Fallback>
+                <p:oleObj name="Equation" r:id="rId14" imgW="139579" imgH="164957" progId="Equation.DSMT4">
+                  <p:embed/>
+                  <p:pic>
+                    <p:nvPicPr>
+                      <p:cNvPr id="0" name="Picture 48"/>
+                      <p:cNvPicPr>
+                        <a:picLocks noChangeAspect="1" noChangeArrowheads="1"/>
+                      </p:cNvPicPr>
+                      <p:nvPr/>
+                    </p:nvPicPr>
+                    <p:blipFill>
+                      <a:blip r:embed="rId15">
+                        <a:extLst>
+                          <a:ext uri="{28A0092B-C50C-407E-A947-70E740481C1C}">
+                            <a14:useLocalDpi xmlns:a14="http://schemas.microsoft.com/office/drawing/2010/main" val="0"/>
+                          </a:ext>
+                        </a:extLst>
+                      </a:blip>
+                      <a:srcRect/>
+                      <a:stretch>
+                        <a:fillRect/>
+                      </a:stretch>
+                    </p:blipFill>
+                    <p:spPr bwMode="auto">
+                      <a:xfrm>
+                        <a:off x="1330325" y="5249863"/>
+                        <a:ext cx="301625" cy="357187"/>
+                      </a:xfrm>
+                      <a:prstGeom prst="rect">
+                        <a:avLst/>
+                      </a:prstGeom>
+                      <a:noFill/>
+                      <a:extLst>
+                        <a:ext uri="{909E8E84-426E-40DD-AFC4-6F175D3DCCD1}">
+                          <a14:hiddenFill xmlns:a14="http://schemas.microsoft.com/office/drawing/2010/main">
+                            <a:solidFill>
+                              <a:srgbClr val="FFFFFF"/>
+                            </a:solidFill>
+                          </a14:hiddenFill>
+                        </a:ext>
+                      </a:extLst>
+                    </p:spPr>
+                  </p:pic>
+                </p:oleObj>
+              </mc:Fallback>
+            </mc:AlternateContent>
           </a:graphicData>
         </a:graphic>
       </p:graphicFrame>
@@ -10315,9 +11199,59 @@
         </p:xfrm>
         <a:graphic>
           <a:graphicData uri="http://schemas.openxmlformats.org/presentationml/2006/ole">
-            <p:oleObj spid="_x0000_s37937" name="Equation" r:id="rId10" imgW="139579" imgH="164957" progId="Equation.DSMT4">
-              <p:embed/>
-            </p:oleObj>
+            <mc:AlternateContent xmlns:mc="http://schemas.openxmlformats.org/markup-compatibility/2006">
+              <mc:Choice xmlns:v="urn:schemas-microsoft-com:vml" Requires="v">
+                <p:oleObj spid="_x0000_s37944" name="Equation" r:id="rId16" imgW="139579" imgH="164957" progId="Equation.DSMT4">
+                  <p:embed/>
+                </p:oleObj>
+              </mc:Choice>
+              <mc:Fallback>
+                <p:oleObj name="Equation" r:id="rId16" imgW="139579" imgH="164957" progId="Equation.DSMT4">
+                  <p:embed/>
+                  <p:pic>
+                    <p:nvPicPr>
+                      <p:cNvPr id="0" name="Picture 49"/>
+                      <p:cNvPicPr>
+                        <a:picLocks noChangeAspect="1" noChangeArrowheads="1"/>
+                      </p:cNvPicPr>
+                      <p:nvPr/>
+                    </p:nvPicPr>
+                    <p:blipFill>
+                      <a:blip r:embed="rId5">
+                        <a:extLst>
+                          <a:ext uri="{28A0092B-C50C-407E-A947-70E740481C1C}">
+                            <a14:useLocalDpi xmlns:a14="http://schemas.microsoft.com/office/drawing/2010/main" val="0"/>
+                          </a:ext>
+                        </a:extLst>
+                      </a:blip>
+                      <a:srcRect/>
+                      <a:stretch>
+                        <a:fillRect/>
+                      </a:stretch>
+                    </p:blipFill>
+                    <p:spPr bwMode="auto">
+                      <a:xfrm>
+                        <a:off x="4062413" y="5265738"/>
+                        <a:ext cx="288925" cy="341312"/>
+                      </a:xfrm>
+                      <a:prstGeom prst="rect">
+                        <a:avLst/>
+                      </a:prstGeom>
+                      <a:noFill/>
+                      <a:extLst>
+                        <a:ext uri="{909E8E84-426E-40DD-AFC4-6F175D3DCCD1}">
+                          <a14:hiddenFill xmlns:a14="http://schemas.microsoft.com/office/drawing/2010/main">
+                            <a:solidFill>
+                              <a:srgbClr val="FFFFFF"/>
+                            </a:solidFill>
+                          </a14:hiddenFill>
+                        </a:ext>
+                      </a:extLst>
+                    </p:spPr>
+                  </p:pic>
+                </p:oleObj>
+              </mc:Fallback>
+            </mc:AlternateContent>
           </a:graphicData>
         </a:graphic>
       </p:graphicFrame>

--- a/ppt/majian.pptx
+++ b/ppt/majian.pptx
@@ -158,22 +158,6 @@
       </a:defRPr>
     </a:lvl9pPr>
   </p:defaultTextStyle>
-  <p:extLst>
-    <p:ext uri="{EFAFB233-063F-42B5-8137-9DF3F51BA10A}">
-      <p15:sldGuideLst xmlns:p15="http://schemas.microsoft.com/office/powerpoint/2012/main">
-        <p15:guide id="1" orient="horz" pos="2160">
-          <p15:clr>
-            <a:srgbClr val="A4A3A4"/>
-          </p15:clr>
-        </p15:guide>
-        <p15:guide id="2" pos="2880">
-          <p15:clr>
-            <a:srgbClr val="A4A3A4"/>
-          </p15:clr>
-        </p15:guide>
-      </p15:sldGuideLst>
-    </p:ext>
-  </p:extLst>
 </p:presentation>
 </file>
 
@@ -363,12 +347,12 @@
             <a:pPr>
               <a:defRPr/>
             </a:pPr>
-            <a:fld id="{CDC010D0-E8E6-4C33-BD43-C09BB0AE24ED}" type="datetimeFigureOut">
+            <a:fld id="{30A590F7-79DA-41B4-A9FE-6F478132B332}" type="datetimeFigureOut">
               <a:rPr lang="zh-CN" altLang="en-US"/>
               <a:pPr>
                 <a:defRPr/>
               </a:pPr>
-              <a:t>2016-05-16</a:t>
+              <a:t>2016/5/18</a:t>
             </a:fld>
             <a:endParaRPr lang="zh-CN" altLang="en-US"/>
           </a:p>
@@ -422,7 +406,7 @@
             <a:pPr>
               <a:defRPr/>
             </a:pPr>
-            <a:fld id="{2CECFAE1-F743-4693-AB95-03981E847B09}" type="slidenum">
+            <a:fld id="{718F6732-815B-42F3-9084-108D55852095}" type="slidenum">
               <a:rPr lang="zh-CN" altLang="en-US"/>
               <a:pPr>
                 <a:defRPr/>
@@ -555,12 +539,12 @@
             <a:pPr>
               <a:defRPr/>
             </a:pPr>
-            <a:fld id="{0BCF1F0B-549D-40C4-9031-57500022D7A0}" type="datetimeFigureOut">
+            <a:fld id="{D2B9CAC7-3919-46D2-AC7D-8CB65BDB0688}" type="datetimeFigureOut">
               <a:rPr lang="zh-CN" altLang="en-US"/>
               <a:pPr>
                 <a:defRPr/>
               </a:pPr>
-              <a:t>2016-05-16</a:t>
+              <a:t>2016/5/18</a:t>
             </a:fld>
             <a:endParaRPr lang="zh-CN" altLang="en-US"/>
           </a:p>
@@ -614,7 +598,7 @@
             <a:pPr>
               <a:defRPr/>
             </a:pPr>
-            <a:fld id="{1BB0694D-8681-46B7-BA1A-92519C2A567A}" type="slidenum">
+            <a:fld id="{7A5E3407-481D-486A-82FF-483DF6629359}" type="slidenum">
               <a:rPr lang="zh-CN" altLang="en-US"/>
               <a:pPr>
                 <a:defRPr/>
@@ -757,12 +741,12 @@
             <a:pPr>
               <a:defRPr/>
             </a:pPr>
-            <a:fld id="{D9CB01D9-5634-422F-B352-D108DCD91492}" type="datetimeFigureOut">
+            <a:fld id="{EB890E61-2255-4881-8469-D9957637345A}" type="datetimeFigureOut">
               <a:rPr lang="zh-CN" altLang="en-US"/>
               <a:pPr>
                 <a:defRPr/>
               </a:pPr>
-              <a:t>2016-05-16</a:t>
+              <a:t>2016/5/18</a:t>
             </a:fld>
             <a:endParaRPr lang="zh-CN" altLang="en-US"/>
           </a:p>
@@ -816,7 +800,7 @@
             <a:pPr>
               <a:defRPr/>
             </a:pPr>
-            <a:fld id="{F075448F-6D2A-4B72-BA89-7EB50AEF3A22}" type="slidenum">
+            <a:fld id="{B616F4F1-378C-4B4D-9215-4D965CCEA387}" type="slidenum">
               <a:rPr lang="zh-CN" altLang="en-US"/>
               <a:pPr>
                 <a:defRPr/>
@@ -949,12 +933,12 @@
             <a:pPr>
               <a:defRPr/>
             </a:pPr>
-            <a:fld id="{87D2DE19-03D6-4C8B-B674-7951AF203C65}" type="datetimeFigureOut">
+            <a:fld id="{6781D5C0-3109-44A8-8B84-591687077B86}" type="datetimeFigureOut">
               <a:rPr lang="zh-CN" altLang="en-US"/>
               <a:pPr>
                 <a:defRPr/>
               </a:pPr>
-              <a:t>2016-05-16</a:t>
+              <a:t>2016/5/18</a:t>
             </a:fld>
             <a:endParaRPr lang="zh-CN" altLang="en-US"/>
           </a:p>
@@ -1008,7 +992,7 @@
             <a:pPr>
               <a:defRPr/>
             </a:pPr>
-            <a:fld id="{77F47220-B34F-495C-A488-41F26EC1B877}" type="slidenum">
+            <a:fld id="{B7B7D52C-8922-4A47-9864-24D8B7BB06EB}" type="slidenum">
               <a:rPr lang="zh-CN" altLang="en-US"/>
               <a:pPr>
                 <a:defRPr/>
@@ -1217,12 +1201,12 @@
             <a:pPr>
               <a:defRPr/>
             </a:pPr>
-            <a:fld id="{62009663-1C39-44FE-B34C-0D7B45122177}" type="datetimeFigureOut">
+            <a:fld id="{A831955E-85B3-4DCE-B9CF-7EDF02D77DC4}" type="datetimeFigureOut">
               <a:rPr lang="zh-CN" altLang="en-US"/>
               <a:pPr>
                 <a:defRPr/>
               </a:pPr>
-              <a:t>2016-05-16</a:t>
+              <a:t>2016/5/18</a:t>
             </a:fld>
             <a:endParaRPr lang="zh-CN" altLang="en-US"/>
           </a:p>
@@ -1276,7 +1260,7 @@
             <a:pPr>
               <a:defRPr/>
             </a:pPr>
-            <a:fld id="{D5C8FF79-1D7B-42AE-AA0C-BD99193EF6FE}" type="slidenum">
+            <a:fld id="{2B2A8943-B118-432F-8F77-94882E46B851}" type="slidenum">
               <a:rPr lang="zh-CN" altLang="en-US"/>
               <a:pPr>
                 <a:defRPr/>
@@ -1527,12 +1511,12 @@
             <a:pPr>
               <a:defRPr/>
             </a:pPr>
-            <a:fld id="{250D5F4C-2F8D-4748-9857-91C995CFD654}" type="datetimeFigureOut">
+            <a:fld id="{A44BECC7-74C8-484D-9952-4750F0A3FD68}" type="datetimeFigureOut">
               <a:rPr lang="zh-CN" altLang="en-US"/>
               <a:pPr>
                 <a:defRPr/>
               </a:pPr>
-              <a:t>2016-05-16</a:t>
+              <a:t>2016/5/18</a:t>
             </a:fld>
             <a:endParaRPr lang="zh-CN" altLang="en-US"/>
           </a:p>
@@ -1586,7 +1570,7 @@
             <a:pPr>
               <a:defRPr/>
             </a:pPr>
-            <a:fld id="{E810F476-DA36-449C-9DF1-E7D478FA20B8}" type="slidenum">
+            <a:fld id="{A0BB89C6-1857-4AC8-A70E-EA292D765BFD}" type="slidenum">
               <a:rPr lang="zh-CN" altLang="en-US"/>
               <a:pPr>
                 <a:defRPr/>
@@ -1971,12 +1955,12 @@
             <a:pPr>
               <a:defRPr/>
             </a:pPr>
-            <a:fld id="{8680BB57-2B87-472B-9088-DB56A79DD4DD}" type="datetimeFigureOut">
+            <a:fld id="{751F9D62-6325-4986-99F6-52F24C3FD09D}" type="datetimeFigureOut">
               <a:rPr lang="zh-CN" altLang="en-US"/>
               <a:pPr>
                 <a:defRPr/>
               </a:pPr>
-              <a:t>2016-05-16</a:t>
+              <a:t>2016/5/18</a:t>
             </a:fld>
             <a:endParaRPr lang="zh-CN" altLang="en-US"/>
           </a:p>
@@ -2030,7 +2014,7 @@
             <a:pPr>
               <a:defRPr/>
             </a:pPr>
-            <a:fld id="{633A8026-A653-4EBD-972A-F39B6D74BA87}" type="slidenum">
+            <a:fld id="{0C75BA1F-1BF8-4BF9-8084-8063518C8845}" type="slidenum">
               <a:rPr lang="zh-CN" altLang="en-US"/>
               <a:pPr>
                 <a:defRPr/>
@@ -2111,12 +2095,12 @@
             <a:pPr>
               <a:defRPr/>
             </a:pPr>
-            <a:fld id="{CC7DFCBD-F038-4BCD-8891-F238790A1F1C}" type="datetimeFigureOut">
+            <a:fld id="{00A4384C-1356-4555-84AF-239565BB746C}" type="datetimeFigureOut">
               <a:rPr lang="zh-CN" altLang="en-US"/>
               <a:pPr>
                 <a:defRPr/>
               </a:pPr>
-              <a:t>2016-05-16</a:t>
+              <a:t>2016/5/18</a:t>
             </a:fld>
             <a:endParaRPr lang="zh-CN" altLang="en-US"/>
           </a:p>
@@ -2170,7 +2154,7 @@
             <a:pPr>
               <a:defRPr/>
             </a:pPr>
-            <a:fld id="{9B11F458-9EEC-4DEC-8047-D8465E451EAD}" type="slidenum">
+            <a:fld id="{64C9E7E4-BD13-4F02-9A2F-5AB0614FE3BB}" type="slidenum">
               <a:rPr lang="zh-CN" altLang="en-US"/>
               <a:pPr>
                 <a:defRPr/>
@@ -2228,12 +2212,12 @@
             <a:pPr>
               <a:defRPr/>
             </a:pPr>
-            <a:fld id="{F27E9504-1D15-4CCF-929E-86D9B262C056}" type="datetimeFigureOut">
+            <a:fld id="{6016AF38-2FA5-4951-A11F-75CDFBE6BE40}" type="datetimeFigureOut">
               <a:rPr lang="zh-CN" altLang="en-US"/>
               <a:pPr>
                 <a:defRPr/>
               </a:pPr>
-              <a:t>2016-05-16</a:t>
+              <a:t>2016/5/18</a:t>
             </a:fld>
             <a:endParaRPr lang="zh-CN" altLang="en-US"/>
           </a:p>
@@ -2287,7 +2271,7 @@
             <a:pPr>
               <a:defRPr/>
             </a:pPr>
-            <a:fld id="{3E4C029F-89E5-4C2F-856A-F8C23C772293}" type="slidenum">
+            <a:fld id="{2DF5E5FA-0D2F-4063-915A-E0282CF28FA8}" type="slidenum">
               <a:rPr lang="zh-CN" altLang="en-US"/>
               <a:pPr>
                 <a:defRPr/>
@@ -2527,12 +2511,12 @@
             <a:pPr>
               <a:defRPr/>
             </a:pPr>
-            <a:fld id="{D2F81D6B-FF73-413C-8A3C-F1F41DD4BCA6}" type="datetimeFigureOut">
+            <a:fld id="{F4F0CBAC-4C03-4386-865F-D0F3DBC9476F}" type="datetimeFigureOut">
               <a:rPr lang="zh-CN" altLang="en-US"/>
               <a:pPr>
                 <a:defRPr/>
               </a:pPr>
-              <a:t>2016-05-16</a:t>
+              <a:t>2016/5/18</a:t>
             </a:fld>
             <a:endParaRPr lang="zh-CN" altLang="en-US"/>
           </a:p>
@@ -2586,7 +2570,7 @@
             <a:pPr>
               <a:defRPr/>
             </a:pPr>
-            <a:fld id="{82ED582C-7311-4D22-AD89-0DDBCE3DE136}" type="slidenum">
+            <a:fld id="{3DCD29CF-AA4C-401F-961F-30D84A2970AC}" type="slidenum">
               <a:rPr lang="zh-CN" altLang="en-US"/>
               <a:pPr>
                 <a:defRPr/>
@@ -2805,12 +2789,12 @@
             <a:pPr>
               <a:defRPr/>
             </a:pPr>
-            <a:fld id="{A1F830B8-DCF8-45BD-9EE4-C07AC200D0CB}" type="datetimeFigureOut">
+            <a:fld id="{F9E15748-05FD-4AA8-B0AC-07D6641B16D1}" type="datetimeFigureOut">
               <a:rPr lang="zh-CN" altLang="en-US"/>
               <a:pPr>
                 <a:defRPr/>
               </a:pPr>
-              <a:t>2016-05-16</a:t>
+              <a:t>2016/5/18</a:t>
             </a:fld>
             <a:endParaRPr lang="zh-CN" altLang="en-US"/>
           </a:p>
@@ -2864,7 +2848,7 @@
             <a:pPr>
               <a:defRPr/>
             </a:pPr>
-            <a:fld id="{457C86C8-BF9F-41D5-B660-E3B83316D7DD}" type="slidenum">
+            <a:fld id="{DB389F20-895E-43F9-B10F-26EAD2DD125B}" type="slidenum">
               <a:rPr lang="zh-CN" altLang="en-US"/>
               <a:pPr>
                 <a:defRPr/>
@@ -3062,12 +3046,12 @@
             <a:pPr>
               <a:defRPr/>
             </a:pPr>
-            <a:fld id="{B4A06061-BFFA-4ABC-A6E1-9E9DC1616358}" type="datetimeFigureOut">
+            <a:fld id="{3EBFDEF2-C2F9-410A-8FCC-034C850415D6}" type="datetimeFigureOut">
               <a:rPr lang="zh-CN" altLang="en-US"/>
               <a:pPr>
                 <a:defRPr/>
               </a:pPr>
-              <a:t>2016-05-16</a:t>
+              <a:t>2016/5/18</a:t>
             </a:fld>
             <a:endParaRPr lang="zh-CN" altLang="en-US"/>
           </a:p>
@@ -3167,7 +3151,7 @@
             <a:pPr>
               <a:defRPr/>
             </a:pPr>
-            <a:fld id="{E6225239-91B9-4930-9584-D6C3E0B62393}" type="slidenum">
+            <a:fld id="{1981A0E1-F7F1-465D-A244-54EBCFC358A2}" type="slidenum">
               <a:rPr lang="zh-CN" altLang="en-US"/>
               <a:pPr>
                 <a:defRPr/>
@@ -6251,7 +6235,7 @@
       </p:grpSpPr>
       <p:sp>
         <p:nvSpPr>
-          <p:cNvPr id="57365" name="Title 1"/>
+          <p:cNvPr id="57368" name="Title 1"/>
           <p:cNvSpPr txBox="1">
             <a:spLocks/>
           </p:cNvSpPr>
@@ -6291,7 +6275,7 @@
       </p:sp>
       <p:sp>
         <p:nvSpPr>
-          <p:cNvPr id="57366" name="Text Box 17"/>
+          <p:cNvPr id="57369" name="Text Box 17"/>
           <p:cNvSpPr txBox="1">
             <a:spLocks noChangeArrowheads="1"/>
           </p:cNvSpPr>
@@ -6338,7 +6322,7 @@
       </p:sp>
       <p:sp>
         <p:nvSpPr>
-          <p:cNvPr id="57367" name="Text Box 17"/>
+          <p:cNvPr id="57370" name="Text Box 17"/>
           <p:cNvSpPr txBox="1">
             <a:spLocks noChangeArrowheads="1"/>
           </p:cNvSpPr>
@@ -6385,7 +6369,7 @@
       </p:sp>
       <p:pic>
         <p:nvPicPr>
-          <p:cNvPr id="57368" name="Picture 15" descr="混合IPS"/>
+          <p:cNvPr id="57371" name="Picture 15" descr="混合IPS"/>
           <p:cNvPicPr>
             <a:picLocks noChangeAspect="1" noChangeArrowheads="1"/>
           </p:cNvPicPr>
@@ -6417,7 +6401,7 @@
       </p:pic>
       <p:graphicFrame>
         <p:nvGraphicFramePr>
-          <p:cNvPr id="57360" name="Object 16"/>
+          <p:cNvPr id="57365" name="Object 21"/>
           <p:cNvGraphicFramePr>
             <a:graphicFrameLocks noChangeAspect="1"/>
           </p:cNvGraphicFramePr>
@@ -6429,65 +6413,15 @@
         </p:xfrm>
         <a:graphic>
           <a:graphicData uri="http://schemas.openxmlformats.org/presentationml/2006/ole">
-            <mc:AlternateContent xmlns:mc="http://schemas.openxmlformats.org/markup-compatibility/2006">
-              <mc:Choice xmlns:v="urn:schemas-microsoft-com:vml" Requires="v">
-                <p:oleObj spid="_x0000_s57365" name="Equation" r:id="rId4" imgW="444240" imgH="228600" progId="Equation.DSMT4">
-                  <p:embed/>
-                </p:oleObj>
-              </mc:Choice>
-              <mc:Fallback>
-                <p:oleObj name="Equation" r:id="rId4" imgW="444240" imgH="228600" progId="Equation.DSMT4">
-                  <p:embed/>
-                  <p:pic>
-                    <p:nvPicPr>
-                      <p:cNvPr id="0" name="Picture 16"/>
-                      <p:cNvPicPr>
-                        <a:picLocks noChangeAspect="1" noChangeArrowheads="1"/>
-                      </p:cNvPicPr>
-                      <p:nvPr/>
-                    </p:nvPicPr>
-                    <p:blipFill>
-                      <a:blip r:embed="rId5">
-                        <a:extLst>
-                          <a:ext uri="{28A0092B-C50C-407E-A947-70E740481C1C}">
-                            <a14:useLocalDpi xmlns:a14="http://schemas.microsoft.com/office/drawing/2010/main" val="0"/>
-                          </a:ext>
-                        </a:extLst>
-                      </a:blip>
-                      <a:srcRect/>
-                      <a:stretch>
-                        <a:fillRect/>
-                      </a:stretch>
-                    </p:blipFill>
-                    <p:spPr bwMode="auto">
-                      <a:xfrm>
-                        <a:off x="5613400" y="1506538"/>
-                        <a:ext cx="885825" cy="455612"/>
-                      </a:xfrm>
-                      <a:prstGeom prst="rect">
-                        <a:avLst/>
-                      </a:prstGeom>
-                      <a:noFill/>
-                      <a:extLst>
-                        <a:ext uri="{909E8E84-426E-40DD-AFC4-6F175D3DCCD1}">
-                          <a14:hiddenFill xmlns:a14="http://schemas.microsoft.com/office/drawing/2010/main">
-                            <a:solidFill>
-                              <a:srgbClr val="FFFFFF"/>
-                            </a:solidFill>
-                          </a14:hiddenFill>
-                        </a:ext>
-                      </a:extLst>
-                    </p:spPr>
-                  </p:pic>
-                </p:oleObj>
-              </mc:Fallback>
-            </mc:AlternateContent>
+            <p:oleObj spid="_x0000_s57365" name="Equation" r:id="rId4" imgW="444307" imgH="228501" progId="Equation.DSMT4">
+              <p:embed/>
+            </p:oleObj>
           </a:graphicData>
         </a:graphic>
       </p:graphicFrame>
       <p:sp>
         <p:nvSpPr>
-          <p:cNvPr id="57369" name="Text Box 17"/>
+          <p:cNvPr id="57372" name="Text Box 17"/>
           <p:cNvSpPr txBox="1">
             <a:spLocks noChangeArrowheads="1"/>
           </p:cNvSpPr>
@@ -6570,7 +6504,7 @@
       </p:sp>
       <p:graphicFrame>
         <p:nvGraphicFramePr>
-          <p:cNvPr id="57362" name="Object 18"/>
+          <p:cNvPr id="57366" name="Object 22"/>
           <p:cNvGraphicFramePr>
             <a:graphicFrameLocks noChangeAspect="1"/>
           </p:cNvGraphicFramePr>
@@ -6582,65 +6516,15 @@
         </p:xfrm>
         <a:graphic>
           <a:graphicData uri="http://schemas.openxmlformats.org/presentationml/2006/ole">
-            <mc:AlternateContent xmlns:mc="http://schemas.openxmlformats.org/markup-compatibility/2006">
-              <mc:Choice xmlns:v="urn:schemas-microsoft-com:vml" Requires="v">
-                <p:oleObj spid="_x0000_s57366" name="Equation" r:id="rId6" imgW="457200" imgH="228600" progId="Equation.DSMT4">
-                  <p:embed/>
-                </p:oleObj>
-              </mc:Choice>
-              <mc:Fallback>
-                <p:oleObj name="Equation" r:id="rId6" imgW="457200" imgH="228600" progId="Equation.DSMT4">
-                  <p:embed/>
-                  <p:pic>
-                    <p:nvPicPr>
-                      <p:cNvPr id="0" name="Picture 18"/>
-                      <p:cNvPicPr>
-                        <a:picLocks noChangeAspect="1" noChangeArrowheads="1"/>
-                      </p:cNvPicPr>
-                      <p:nvPr/>
-                    </p:nvPicPr>
-                    <p:blipFill>
-                      <a:blip r:embed="rId7">
-                        <a:extLst>
-                          <a:ext uri="{28A0092B-C50C-407E-A947-70E740481C1C}">
-                            <a14:useLocalDpi xmlns:a14="http://schemas.microsoft.com/office/drawing/2010/main" val="0"/>
-                          </a:ext>
-                        </a:extLst>
-                      </a:blip>
-                      <a:srcRect/>
-                      <a:stretch>
-                        <a:fillRect/>
-                      </a:stretch>
-                    </p:blipFill>
-                    <p:spPr bwMode="auto">
-                      <a:xfrm>
-                        <a:off x="5607050" y="2208213"/>
-                        <a:ext cx="925513" cy="463550"/>
-                      </a:xfrm>
-                      <a:prstGeom prst="rect">
-                        <a:avLst/>
-                      </a:prstGeom>
-                      <a:noFill/>
-                      <a:extLst>
-                        <a:ext uri="{909E8E84-426E-40DD-AFC4-6F175D3DCCD1}">
-                          <a14:hiddenFill xmlns:a14="http://schemas.microsoft.com/office/drawing/2010/main">
-                            <a:solidFill>
-                              <a:srgbClr val="FFFFFF"/>
-                            </a:solidFill>
-                          </a14:hiddenFill>
-                        </a:ext>
-                      </a:extLst>
-                    </p:spPr>
-                  </p:pic>
-                </p:oleObj>
-              </mc:Fallback>
-            </mc:AlternateContent>
+            <p:oleObj spid="_x0000_s57366" name="Equation" r:id="rId5" imgW="457200" imgH="228600" progId="Equation.DSMT4">
+              <p:embed/>
+            </p:oleObj>
           </a:graphicData>
         </a:graphic>
       </p:graphicFrame>
       <p:sp>
         <p:nvSpPr>
-          <p:cNvPr id="57370" name="Text Box 17"/>
+          <p:cNvPr id="57373" name="Text Box 17"/>
           <p:cNvSpPr txBox="1">
             <a:spLocks noChangeArrowheads="1"/>
           </p:cNvSpPr>
@@ -6687,7 +6571,7 @@
       </p:sp>
       <p:graphicFrame>
         <p:nvGraphicFramePr>
-          <p:cNvPr id="57364" name="Object 20"/>
+          <p:cNvPr id="57367" name="Object 23"/>
           <p:cNvGraphicFramePr>
             <a:graphicFrameLocks noChangeAspect="1"/>
           </p:cNvGraphicFramePr>
@@ -6699,59 +6583,9 @@
         </p:xfrm>
         <a:graphic>
           <a:graphicData uri="http://schemas.openxmlformats.org/presentationml/2006/ole">
-            <mc:AlternateContent xmlns:mc="http://schemas.openxmlformats.org/markup-compatibility/2006">
-              <mc:Choice xmlns:v="urn:schemas-microsoft-com:vml" Requires="v">
-                <p:oleObj spid="_x0000_s57367" name="Equation" r:id="rId8" imgW="444240" imgH="228600" progId="Equation.DSMT4">
-                  <p:embed/>
-                </p:oleObj>
-              </mc:Choice>
-              <mc:Fallback>
-                <p:oleObj name="Equation" r:id="rId8" imgW="444240" imgH="228600" progId="Equation.DSMT4">
-                  <p:embed/>
-                  <p:pic>
-                    <p:nvPicPr>
-                      <p:cNvPr id="0" name="Picture 20"/>
-                      <p:cNvPicPr>
-                        <a:picLocks noChangeAspect="1" noChangeArrowheads="1"/>
-                      </p:cNvPicPr>
-                      <p:nvPr/>
-                    </p:nvPicPr>
-                    <p:blipFill>
-                      <a:blip r:embed="rId9">
-                        <a:extLst>
-                          <a:ext uri="{28A0092B-C50C-407E-A947-70E740481C1C}">
-                            <a14:useLocalDpi xmlns:a14="http://schemas.microsoft.com/office/drawing/2010/main" val="0"/>
-                          </a:ext>
-                        </a:extLst>
-                      </a:blip>
-                      <a:srcRect/>
-                      <a:stretch>
-                        <a:fillRect/>
-                      </a:stretch>
-                    </p:blipFill>
-                    <p:spPr bwMode="auto">
-                      <a:xfrm>
-                        <a:off x="5635625" y="2992438"/>
-                        <a:ext cx="885825" cy="457200"/>
-                      </a:xfrm>
-                      <a:prstGeom prst="rect">
-                        <a:avLst/>
-                      </a:prstGeom>
-                      <a:noFill/>
-                      <a:extLst>
-                        <a:ext uri="{909E8E84-426E-40DD-AFC4-6F175D3DCCD1}">
-                          <a14:hiddenFill xmlns:a14="http://schemas.microsoft.com/office/drawing/2010/main">
-                            <a:solidFill>
-                              <a:srgbClr val="FFFFFF"/>
-                            </a:solidFill>
-                          </a14:hiddenFill>
-                        </a:ext>
-                      </a:extLst>
-                    </p:spPr>
-                  </p:pic>
-                </p:oleObj>
-              </mc:Fallback>
-            </mc:AlternateContent>
+            <p:oleObj spid="_x0000_s57367" name="Equation" r:id="rId6" imgW="444307" imgH="228501" progId="Equation.DSMT4">
+              <p:embed/>
+            </p:oleObj>
           </a:graphicData>
         </a:graphic>
       </p:graphicFrame>
@@ -6789,7 +6623,7 @@
       </p:grpSpPr>
       <p:sp>
         <p:nvSpPr>
-          <p:cNvPr id="58383" name="Title 1"/>
+          <p:cNvPr id="58385" name="Title 1"/>
           <p:cNvSpPr txBox="1">
             <a:spLocks/>
           </p:cNvSpPr>
@@ -6829,7 +6663,7 @@
       </p:sp>
       <p:sp>
         <p:nvSpPr>
-          <p:cNvPr id="58384" name="Text Box 17"/>
+          <p:cNvPr id="58386" name="Text Box 17"/>
           <p:cNvSpPr txBox="1">
             <a:spLocks noChangeArrowheads="1"/>
           </p:cNvSpPr>
@@ -6876,7 +6710,7 @@
       </p:sp>
       <p:sp>
         <p:nvSpPr>
-          <p:cNvPr id="58385" name="Text Box 17"/>
+          <p:cNvPr id="58387" name="Text Box 17"/>
           <p:cNvSpPr txBox="1">
             <a:spLocks noChangeArrowheads="1"/>
           </p:cNvSpPr>
@@ -6941,7 +6775,7 @@
       </p:sp>
       <p:pic>
         <p:nvPicPr>
-          <p:cNvPr id="58386" name="Picture 11" descr="混合时间"/>
+          <p:cNvPr id="58388" name="Picture 11" descr="混合时间"/>
           <p:cNvPicPr>
             <a:picLocks noChangeAspect="1" noChangeArrowheads="1"/>
           </p:cNvPicPr>
@@ -6973,7 +6807,7 @@
       </p:pic>
       <p:graphicFrame>
         <p:nvGraphicFramePr>
-          <p:cNvPr id="58380" name="Object 12"/>
+          <p:cNvPr id="58383" name="Object 15"/>
           <p:cNvGraphicFramePr>
             <a:graphicFrameLocks noChangeAspect="1"/>
           </p:cNvGraphicFramePr>
@@ -6985,65 +6819,15 @@
         </p:xfrm>
         <a:graphic>
           <a:graphicData uri="http://schemas.openxmlformats.org/presentationml/2006/ole">
-            <mc:AlternateContent xmlns:mc="http://schemas.openxmlformats.org/markup-compatibility/2006">
-              <mc:Choice xmlns:v="urn:schemas-microsoft-com:vml" Requires="v">
-                <p:oleObj spid="_x0000_s58383" name="Equation" r:id="rId4" imgW="152280" imgH="241200" progId="Equation.DSMT4">
-                  <p:embed/>
-                </p:oleObj>
-              </mc:Choice>
-              <mc:Fallback>
-                <p:oleObj name="Equation" r:id="rId4" imgW="152280" imgH="241200" progId="Equation.DSMT4">
-                  <p:embed/>
-                  <p:pic>
-                    <p:nvPicPr>
-                      <p:cNvPr id="0" name="Picture 12"/>
-                      <p:cNvPicPr>
-                        <a:picLocks noChangeAspect="1" noChangeArrowheads="1"/>
-                      </p:cNvPicPr>
-                      <p:nvPr/>
-                    </p:nvPicPr>
-                    <p:blipFill>
-                      <a:blip r:embed="rId5">
-                        <a:extLst>
-                          <a:ext uri="{28A0092B-C50C-407E-A947-70E740481C1C}">
-                            <a14:useLocalDpi xmlns:a14="http://schemas.microsoft.com/office/drawing/2010/main" val="0"/>
-                          </a:ext>
-                        </a:extLst>
-                      </a:blip>
-                      <a:srcRect/>
-                      <a:stretch>
-                        <a:fillRect/>
-                      </a:stretch>
-                    </p:blipFill>
-                    <p:spPr bwMode="auto">
-                      <a:xfrm>
-                        <a:off x="5486400" y="2195513"/>
-                        <a:ext cx="334963" cy="530225"/>
-                      </a:xfrm>
-                      <a:prstGeom prst="rect">
-                        <a:avLst/>
-                      </a:prstGeom>
-                      <a:noFill/>
-                      <a:extLst>
-                        <a:ext uri="{909E8E84-426E-40DD-AFC4-6F175D3DCCD1}">
-                          <a14:hiddenFill xmlns:a14="http://schemas.microsoft.com/office/drawing/2010/main">
-                            <a:solidFill>
-                              <a:srgbClr val="FFFFFF"/>
-                            </a:solidFill>
-                          </a14:hiddenFill>
-                        </a:ext>
-                      </a:extLst>
-                    </p:spPr>
-                  </p:pic>
-                </p:oleObj>
-              </mc:Fallback>
-            </mc:AlternateContent>
+            <p:oleObj spid="_x0000_s58383" name="Equation" r:id="rId4" imgW="152334" imgH="241195" progId="Equation.DSMT4">
+              <p:embed/>
+            </p:oleObj>
           </a:graphicData>
         </a:graphic>
       </p:graphicFrame>
       <p:sp>
         <p:nvSpPr>
-          <p:cNvPr id="58387" name="Text Box 17"/>
+          <p:cNvPr id="58389" name="Text Box 17"/>
           <p:cNvSpPr txBox="1">
             <a:spLocks noChangeArrowheads="1"/>
           </p:cNvSpPr>
@@ -7090,7 +6874,7 @@
       </p:sp>
       <p:graphicFrame>
         <p:nvGraphicFramePr>
-          <p:cNvPr id="58382" name="Object 14"/>
+          <p:cNvPr id="58384" name="Object 16"/>
           <p:cNvGraphicFramePr>
             <a:graphicFrameLocks noChangeAspect="1"/>
           </p:cNvGraphicFramePr>
@@ -7102,59 +6886,9 @@
         </p:xfrm>
         <a:graphic>
           <a:graphicData uri="http://schemas.openxmlformats.org/presentationml/2006/ole">
-            <mc:AlternateContent xmlns:mc="http://schemas.openxmlformats.org/markup-compatibility/2006">
-              <mc:Choice xmlns:v="urn:schemas-microsoft-com:vml" Requires="v">
-                <p:oleObj spid="_x0000_s58384" name="Equation" r:id="rId6" imgW="152280" imgH="228600" progId="Equation.DSMT4">
-                  <p:embed/>
-                </p:oleObj>
-              </mc:Choice>
-              <mc:Fallback>
-                <p:oleObj name="Equation" r:id="rId6" imgW="152280" imgH="228600" progId="Equation.DSMT4">
-                  <p:embed/>
-                  <p:pic>
-                    <p:nvPicPr>
-                      <p:cNvPr id="0" name="Picture 14"/>
-                      <p:cNvPicPr>
-                        <a:picLocks noChangeAspect="1" noChangeArrowheads="1"/>
-                      </p:cNvPicPr>
-                      <p:nvPr/>
-                    </p:nvPicPr>
-                    <p:blipFill>
-                      <a:blip r:embed="rId7">
-                        <a:extLst>
-                          <a:ext uri="{28A0092B-C50C-407E-A947-70E740481C1C}">
-                            <a14:useLocalDpi xmlns:a14="http://schemas.microsoft.com/office/drawing/2010/main" val="0"/>
-                          </a:ext>
-                        </a:extLst>
-                      </a:blip>
-                      <a:srcRect/>
-                      <a:stretch>
-                        <a:fillRect/>
-                      </a:stretch>
-                    </p:blipFill>
-                    <p:spPr bwMode="auto">
-                      <a:xfrm>
-                        <a:off x="5486400" y="2725738"/>
-                        <a:ext cx="363538" cy="546100"/>
-                      </a:xfrm>
-                      <a:prstGeom prst="rect">
-                        <a:avLst/>
-                      </a:prstGeom>
-                      <a:noFill/>
-                      <a:extLst>
-                        <a:ext uri="{909E8E84-426E-40DD-AFC4-6F175D3DCCD1}">
-                          <a14:hiddenFill xmlns:a14="http://schemas.microsoft.com/office/drawing/2010/main">
-                            <a:solidFill>
-                              <a:srgbClr val="FFFFFF"/>
-                            </a:solidFill>
-                          </a14:hiddenFill>
-                        </a:ext>
-                      </a:extLst>
-                    </p:spPr>
-                  </p:pic>
-                </p:oleObj>
-              </mc:Fallback>
-            </mc:AlternateContent>
+            <p:oleObj spid="_x0000_s58384" name="Equation" r:id="rId5" imgW="152334" imgH="228501" progId="Equation.DSMT4">
+              <p:embed/>
+            </p:oleObj>
           </a:graphicData>
         </a:graphic>
       </p:graphicFrame>
@@ -7386,7 +7120,7 @@
             </a:endParaRPr>
           </a:p>
           <a:p>
-            <a:pPr marL="742950" lvl="1" indent="-285750">
+            <a:pPr marL="342900" indent="-342900">
               <a:spcBef>
                 <a:spcPct val="20000"/>
               </a:spcBef>
@@ -8043,7 +7777,7 @@
       </p:grpSpPr>
       <p:sp>
         <p:nvSpPr>
-          <p:cNvPr id="65538" name="Title 1"/>
+          <p:cNvPr id="60417" name="Title 1"/>
           <p:cNvSpPr txBox="1">
             <a:spLocks/>
           </p:cNvSpPr>
@@ -8083,7 +7817,7 @@
       </p:sp>
       <p:sp>
         <p:nvSpPr>
-          <p:cNvPr id="65543" name="Text Box 17"/>
+          <p:cNvPr id="60418" name="Text Box 17"/>
           <p:cNvSpPr txBox="1">
             <a:spLocks noChangeArrowheads="1"/>
           </p:cNvSpPr>
@@ -8130,7 +7864,7 @@
       </p:sp>
       <p:sp>
         <p:nvSpPr>
-          <p:cNvPr id="65544" name="Text Box 18"/>
+          <p:cNvPr id="60419" name="Text Box 18"/>
           <p:cNvSpPr txBox="1">
             <a:spLocks noChangeArrowheads="1"/>
           </p:cNvSpPr>
@@ -8177,7 +7911,7 @@
       </p:sp>
       <p:sp>
         <p:nvSpPr>
-          <p:cNvPr id="65545" name="Text Box 19"/>
+          <p:cNvPr id="60420" name="Text Box 19"/>
           <p:cNvSpPr txBox="1">
             <a:spLocks noChangeArrowheads="1"/>
           </p:cNvSpPr>
@@ -8223,7 +7957,7 @@
       </p:sp>
       <p:sp>
         <p:nvSpPr>
-          <p:cNvPr id="65546" name="Text Box 20"/>
+          <p:cNvPr id="60421" name="Text Box 20"/>
           <p:cNvSpPr txBox="1">
             <a:spLocks noChangeArrowheads="1"/>
           </p:cNvSpPr>
@@ -8301,7 +8035,7 @@
       </p:sp>
       <p:pic>
         <p:nvPicPr>
-          <p:cNvPr id="65547" name="Picture 11" descr="分层var1"/>
+          <p:cNvPr id="60422" name="Picture 11" descr="分层var1"/>
           <p:cNvPicPr>
             <a:picLocks noChangeAspect="1" noChangeArrowheads="1"/>
           </p:cNvPicPr>
@@ -8323,11 +8057,17 @@
             <a:avLst/>
           </a:prstGeom>
           <a:noFill/>
+          <a:ln w="9525">
+            <a:noFill/>
+            <a:miter lim="800000"/>
+            <a:headEnd/>
+            <a:tailEnd/>
+          </a:ln>
         </p:spPr>
       </p:pic>
       <p:pic>
         <p:nvPicPr>
-          <p:cNvPr id="65548" name="Picture 12" descr="分层var2"/>
+          <p:cNvPr id="60423" name="Picture 12" descr="分层var2"/>
           <p:cNvPicPr>
             <a:picLocks noChangeAspect="1" noChangeArrowheads="1"/>
           </p:cNvPicPr>
@@ -8349,11 +8089,17 @@
             <a:avLst/>
           </a:prstGeom>
           <a:noFill/>
+          <a:ln w="9525">
+            <a:noFill/>
+            <a:miter lim="800000"/>
+            <a:headEnd/>
+            <a:tailEnd/>
+          </a:ln>
         </p:spPr>
       </p:pic>
       <p:pic>
         <p:nvPicPr>
-          <p:cNvPr id="65549" name="Picture 13" descr="分层var3"/>
+          <p:cNvPr id="60424" name="Picture 13" descr="分层var3"/>
           <p:cNvPicPr>
             <a:picLocks noChangeAspect="1" noChangeArrowheads="1"/>
           </p:cNvPicPr>
@@ -8375,11 +8121,17 @@
             <a:avLst/>
           </a:prstGeom>
           <a:noFill/>
+          <a:ln w="9525">
+            <a:noFill/>
+            <a:miter lim="800000"/>
+            <a:headEnd/>
+            <a:tailEnd/>
+          </a:ln>
         </p:spPr>
       </p:pic>
       <p:pic>
         <p:nvPicPr>
-          <p:cNvPr id="65550" name="Picture 14" descr="分层var4"/>
+          <p:cNvPr id="60425" name="Picture 14" descr="分层var4"/>
           <p:cNvPicPr>
             <a:picLocks noChangeAspect="1" noChangeArrowheads="1"/>
           </p:cNvPicPr>
@@ -8401,6 +8153,12 @@
             <a:avLst/>
           </a:prstGeom>
           <a:noFill/>
+          <a:ln w="9525">
+            <a:noFill/>
+            <a:miter lim="800000"/>
+            <a:headEnd/>
+            <a:tailEnd/>
+          </a:ln>
         </p:spPr>
       </p:pic>
     </p:spTree>
@@ -8437,7 +8195,7 @@
       </p:grpSpPr>
       <p:sp>
         <p:nvSpPr>
-          <p:cNvPr id="61445" name="Title 1"/>
+          <p:cNvPr id="61456" name="Title 1"/>
           <p:cNvSpPr txBox="1">
             <a:spLocks/>
           </p:cNvSpPr>
@@ -8477,7 +8235,7 @@
       </p:sp>
       <p:pic>
         <p:nvPicPr>
-          <p:cNvPr id="61446" name="Picture 6" descr="分层时间"/>
+          <p:cNvPr id="61457" name="Picture 6" descr="分层时间"/>
           <p:cNvPicPr>
             <a:picLocks noChangeAspect="1" noChangeArrowheads="1"/>
           </p:cNvPicPr>
@@ -8499,11 +8257,17 @@
             <a:avLst/>
           </a:prstGeom>
           <a:noFill/>
+          <a:ln w="9525">
+            <a:noFill/>
+            <a:miter lim="800000"/>
+            <a:headEnd/>
+            <a:tailEnd/>
+          </a:ln>
         </p:spPr>
       </p:pic>
       <p:sp>
         <p:nvSpPr>
-          <p:cNvPr id="61447" name="Text Box 17"/>
+          <p:cNvPr id="61458" name="Text Box 17"/>
           <p:cNvSpPr txBox="1">
             <a:spLocks noChangeArrowheads="1"/>
           </p:cNvSpPr>
@@ -8550,7 +8314,7 @@
       </p:sp>
       <p:sp>
         <p:nvSpPr>
-          <p:cNvPr id="61448" name="Text Box 17"/>
+          <p:cNvPr id="61459" name="Text Box 17"/>
           <p:cNvSpPr txBox="1">
             <a:spLocks noChangeArrowheads="1"/>
           </p:cNvSpPr>
@@ -8615,7 +8379,7 @@
       </p:sp>
       <p:graphicFrame>
         <p:nvGraphicFramePr>
-          <p:cNvPr id="61449" name="Object 9"/>
+          <p:cNvPr id="61453" name="Object 13"/>
           <p:cNvGraphicFramePr>
             <a:graphicFrameLocks noChangeAspect="1"/>
           </p:cNvGraphicFramePr>
@@ -8627,65 +8391,15 @@
         </p:xfrm>
         <a:graphic>
           <a:graphicData uri="http://schemas.openxmlformats.org/presentationml/2006/ole">
-            <mc:AlternateContent xmlns:mc="http://schemas.openxmlformats.org/markup-compatibility/2006">
-              <mc:Choice xmlns:v="urn:schemas-microsoft-com:vml" Requires="v">
-                <p:oleObj spid="_x0000_s61453" name="Equation" r:id="rId4" imgW="152280" imgH="241200" progId="Equation.DSMT4">
-                  <p:embed/>
-                </p:oleObj>
-              </mc:Choice>
-              <mc:Fallback>
-                <p:oleObj name="Equation" r:id="rId4" imgW="152280" imgH="241200" progId="Equation.DSMT4">
-                  <p:embed/>
-                  <p:pic>
-                    <p:nvPicPr>
-                      <p:cNvPr id="0" name="Picture 9"/>
-                      <p:cNvPicPr>
-                        <a:picLocks noChangeAspect="1" noChangeArrowheads="1"/>
-                      </p:cNvPicPr>
-                      <p:nvPr/>
-                    </p:nvPicPr>
-                    <p:blipFill>
-                      <a:blip r:embed="rId5">
-                        <a:extLst>
-                          <a:ext uri="{28A0092B-C50C-407E-A947-70E740481C1C}">
-                            <a14:useLocalDpi xmlns:a14="http://schemas.microsoft.com/office/drawing/2010/main" val="0"/>
-                          </a:ext>
-                        </a:extLst>
-                      </a:blip>
-                      <a:srcRect/>
-                      <a:stretch>
-                        <a:fillRect/>
-                      </a:stretch>
-                    </p:blipFill>
-                    <p:spPr bwMode="auto">
-                      <a:xfrm>
-                        <a:off x="5711825" y="4332288"/>
-                        <a:ext cx="334963" cy="530225"/>
-                      </a:xfrm>
-                      <a:prstGeom prst="rect">
-                        <a:avLst/>
-                      </a:prstGeom>
-                      <a:noFill/>
-                      <a:extLst>
-                        <a:ext uri="{909E8E84-426E-40DD-AFC4-6F175D3DCCD1}">
-                          <a14:hiddenFill xmlns:a14="http://schemas.microsoft.com/office/drawing/2010/main">
-                            <a:solidFill>
-                              <a:srgbClr val="FFFFFF"/>
-                            </a:solidFill>
-                          </a14:hiddenFill>
-                        </a:ext>
-                      </a:extLst>
-                    </p:spPr>
-                  </p:pic>
-                </p:oleObj>
-              </mc:Fallback>
-            </mc:AlternateContent>
+            <p:oleObj spid="_x0000_s61453" name="Equation" r:id="rId4" imgW="152334" imgH="241195" progId="Equation.DSMT4">
+              <p:embed/>
+            </p:oleObj>
           </a:graphicData>
         </a:graphic>
       </p:graphicFrame>
       <p:sp>
         <p:nvSpPr>
-          <p:cNvPr id="61450" name="Text Box 17"/>
+          <p:cNvPr id="61460" name="Text Box 17"/>
           <p:cNvSpPr txBox="1">
             <a:spLocks noChangeArrowheads="1"/>
           </p:cNvSpPr>
@@ -8732,7 +8446,7 @@
       </p:sp>
       <p:graphicFrame>
         <p:nvGraphicFramePr>
-          <p:cNvPr id="61451" name="Object 11"/>
+          <p:cNvPr id="61454" name="Object 14"/>
           <p:cNvGraphicFramePr>
             <a:graphicFrameLocks noChangeAspect="1"/>
           </p:cNvGraphicFramePr>
@@ -8744,65 +8458,15 @@
         </p:xfrm>
         <a:graphic>
           <a:graphicData uri="http://schemas.openxmlformats.org/presentationml/2006/ole">
-            <mc:AlternateContent xmlns:mc="http://schemas.openxmlformats.org/markup-compatibility/2006">
-              <mc:Choice xmlns:v="urn:schemas-microsoft-com:vml" Requires="v">
-                <p:oleObj spid="_x0000_s61454" name="Equation" r:id="rId6" imgW="152280" imgH="228600" progId="Equation.DSMT4">
-                  <p:embed/>
-                </p:oleObj>
-              </mc:Choice>
-              <mc:Fallback>
-                <p:oleObj name="Equation" r:id="rId6" imgW="152280" imgH="228600" progId="Equation.DSMT4">
-                  <p:embed/>
-                  <p:pic>
-                    <p:nvPicPr>
-                      <p:cNvPr id="0" name="Picture 11"/>
-                      <p:cNvPicPr>
-                        <a:picLocks noChangeAspect="1" noChangeArrowheads="1"/>
-                      </p:cNvPicPr>
-                      <p:nvPr/>
-                    </p:nvPicPr>
-                    <p:blipFill>
-                      <a:blip r:embed="rId7">
-                        <a:extLst>
-                          <a:ext uri="{28A0092B-C50C-407E-A947-70E740481C1C}">
-                            <a14:useLocalDpi xmlns:a14="http://schemas.microsoft.com/office/drawing/2010/main" val="0"/>
-                          </a:ext>
-                        </a:extLst>
-                      </a:blip>
-                      <a:srcRect/>
-                      <a:stretch>
-                        <a:fillRect/>
-                      </a:stretch>
-                    </p:blipFill>
-                    <p:spPr bwMode="auto">
-                      <a:xfrm>
-                        <a:off x="5711825" y="4862513"/>
-                        <a:ext cx="363538" cy="546100"/>
-                      </a:xfrm>
-                      <a:prstGeom prst="rect">
-                        <a:avLst/>
-                      </a:prstGeom>
-                      <a:noFill/>
-                      <a:extLst>
-                        <a:ext uri="{909E8E84-426E-40DD-AFC4-6F175D3DCCD1}">
-                          <a14:hiddenFill xmlns:a14="http://schemas.microsoft.com/office/drawing/2010/main">
-                            <a:solidFill>
-                              <a:srgbClr val="FFFFFF"/>
-                            </a:solidFill>
-                          </a14:hiddenFill>
-                        </a:ext>
-                      </a:extLst>
-                    </p:spPr>
-                  </p:pic>
-                </p:oleObj>
-              </mc:Fallback>
-            </mc:AlternateContent>
+            <p:oleObj spid="_x0000_s61454" name="Equation" r:id="rId5" imgW="152334" imgH="228501" progId="Equation.DSMT4">
+              <p:embed/>
+            </p:oleObj>
           </a:graphicData>
         </a:graphic>
       </p:graphicFrame>
       <p:graphicFrame>
         <p:nvGraphicFramePr>
-          <p:cNvPr id="61452" name="Object 12"/>
+          <p:cNvPr id="61455" name="Object 15"/>
           <p:cNvGraphicFramePr>
             <a:graphicFrameLocks noChangeAspect="1"/>
           </p:cNvGraphicFramePr>
@@ -8814,65 +8478,15 @@
         </p:xfrm>
         <a:graphic>
           <a:graphicData uri="http://schemas.openxmlformats.org/presentationml/2006/ole">
-            <mc:AlternateContent xmlns:mc="http://schemas.openxmlformats.org/markup-compatibility/2006">
-              <mc:Choice xmlns:v="urn:schemas-microsoft-com:vml" Requires="v">
-                <p:oleObj spid="_x0000_s61455" name="Equation" r:id="rId8" imgW="139680" imgH="228600" progId="Equation.DSMT4">
-                  <p:embed/>
-                </p:oleObj>
-              </mc:Choice>
-              <mc:Fallback>
-                <p:oleObj name="Equation" r:id="rId8" imgW="139680" imgH="228600" progId="Equation.DSMT4">
-                  <p:embed/>
-                  <p:pic>
-                    <p:nvPicPr>
-                      <p:cNvPr id="0" name="Picture 12"/>
-                      <p:cNvPicPr>
-                        <a:picLocks noChangeAspect="1" noChangeArrowheads="1"/>
-                      </p:cNvPicPr>
-                      <p:nvPr/>
-                    </p:nvPicPr>
-                    <p:blipFill>
-                      <a:blip r:embed="rId9">
-                        <a:extLst>
-                          <a:ext uri="{28A0092B-C50C-407E-A947-70E740481C1C}">
-                            <a14:useLocalDpi xmlns:a14="http://schemas.microsoft.com/office/drawing/2010/main" val="0"/>
-                          </a:ext>
-                        </a:extLst>
-                      </a:blip>
-                      <a:srcRect/>
-                      <a:stretch>
-                        <a:fillRect/>
-                      </a:stretch>
-                    </p:blipFill>
-                    <p:spPr bwMode="auto">
-                      <a:xfrm>
-                        <a:off x="5711825" y="5408613"/>
-                        <a:ext cx="301625" cy="493712"/>
-                      </a:xfrm>
-                      <a:prstGeom prst="rect">
-                        <a:avLst/>
-                      </a:prstGeom>
-                      <a:noFill/>
-                      <a:extLst>
-                        <a:ext uri="{909E8E84-426E-40DD-AFC4-6F175D3DCCD1}">
-                          <a14:hiddenFill xmlns:a14="http://schemas.microsoft.com/office/drawing/2010/main">
-                            <a:solidFill>
-                              <a:srgbClr val="FFFFFF"/>
-                            </a:solidFill>
-                          </a14:hiddenFill>
-                        </a:ext>
-                      </a:extLst>
-                    </p:spPr>
-                  </p:pic>
-                </p:oleObj>
-              </mc:Fallback>
-            </mc:AlternateContent>
+            <p:oleObj spid="_x0000_s61455" name="Equation" r:id="rId6" imgW="139700" imgH="228600" progId="Equation.DSMT4">
+              <p:embed/>
+            </p:oleObj>
           </a:graphicData>
         </a:graphic>
       </p:graphicFrame>
       <p:sp>
         <p:nvSpPr>
-          <p:cNvPr id="61453" name="Text Box 17"/>
+          <p:cNvPr id="61461" name="Text Box 17"/>
           <p:cNvSpPr txBox="1">
             <a:spLocks noChangeArrowheads="1"/>
           </p:cNvSpPr>
@@ -8967,7 +8581,7 @@
       </p:grpSpPr>
       <p:sp>
         <p:nvSpPr>
-          <p:cNvPr id="62470" name="Title 1"/>
+          <p:cNvPr id="62482" name="Title 1"/>
           <p:cNvSpPr txBox="1">
             <a:spLocks/>
           </p:cNvSpPr>
@@ -9007,7 +8621,7 @@
       </p:sp>
       <p:pic>
         <p:nvPicPr>
-          <p:cNvPr id="62471" name="Picture 7" descr="分层IPS"/>
+          <p:cNvPr id="62483" name="Picture 7" descr="分层IPS"/>
           <p:cNvPicPr>
             <a:picLocks noChangeAspect="1" noChangeArrowheads="1"/>
           </p:cNvPicPr>
@@ -9029,11 +8643,17 @@
             <a:avLst/>
           </a:prstGeom>
           <a:noFill/>
+          <a:ln w="9525">
+            <a:noFill/>
+            <a:miter lim="800000"/>
+            <a:headEnd/>
+            <a:tailEnd/>
+          </a:ln>
         </p:spPr>
       </p:pic>
       <p:sp>
         <p:nvSpPr>
-          <p:cNvPr id="62472" name="Text Box 17"/>
+          <p:cNvPr id="62484" name="Text Box 17"/>
           <p:cNvSpPr txBox="1">
             <a:spLocks noChangeArrowheads="1"/>
           </p:cNvSpPr>
@@ -9080,7 +8700,7 @@
       </p:sp>
       <p:sp>
         <p:nvSpPr>
-          <p:cNvPr id="62473" name="Text Box 17"/>
+          <p:cNvPr id="62485" name="Text Box 17"/>
           <p:cNvSpPr txBox="1">
             <a:spLocks noChangeArrowheads="1"/>
           </p:cNvSpPr>
@@ -9127,83 +8747,27 @@
       </p:sp>
       <p:graphicFrame>
         <p:nvGraphicFramePr>
-          <p:cNvPr id="62474" name="Object 10"/>
+          <p:cNvPr id="62479" name="Object 15"/>
           <p:cNvGraphicFramePr>
             <a:graphicFrameLocks noChangeAspect="1"/>
           </p:cNvGraphicFramePr>
-          <p:nvPr>
-            <p:extLst>
-              <p:ext uri="{D42A27DB-BD31-4B8C-83A1-F6EECF244321}">
-                <p14:modId xmlns:p14="http://schemas.microsoft.com/office/powerpoint/2010/main" val="951476205"/>
-              </p:ext>
-            </p:extLst>
-          </p:nvPr>
+          <p:nvPr/>
         </p:nvGraphicFramePr>
         <p:xfrm>
-          <a:off x="3224392" y="5094288"/>
+          <a:off x="3224213" y="5094288"/>
           <a:ext cx="987425" cy="455612"/>
         </p:xfrm>
         <a:graphic>
           <a:graphicData uri="http://schemas.openxmlformats.org/presentationml/2006/ole">
-            <mc:AlternateContent xmlns:mc="http://schemas.openxmlformats.org/markup-compatibility/2006">
-              <mc:Choice xmlns:v="urn:schemas-microsoft-com:vml" Requires="v">
-                <p:oleObj spid="_x0000_s62479" name="Equation" r:id="rId4" imgW="444240" imgH="228600" progId="Equation.DSMT4">
-                  <p:embed/>
-                </p:oleObj>
-              </mc:Choice>
-              <mc:Fallback>
-                <p:oleObj name="Equation" r:id="rId4" imgW="444240" imgH="228600" progId="Equation.DSMT4">
-                  <p:embed/>
-                  <p:pic>
-                    <p:nvPicPr>
-                      <p:cNvPr id="0" name="Picture 10"/>
-                      <p:cNvPicPr>
-                        <a:picLocks noChangeAspect="1" noChangeArrowheads="1"/>
-                      </p:cNvPicPr>
-                      <p:nvPr/>
-                    </p:nvPicPr>
-                    <p:blipFill>
-                      <a:blip r:embed="rId5">
-                        <a:extLst>
-                          <a:ext uri="{28A0092B-C50C-407E-A947-70E740481C1C}">
-                            <a14:useLocalDpi xmlns:a14="http://schemas.microsoft.com/office/drawing/2010/main" val="0"/>
-                          </a:ext>
-                        </a:extLst>
-                      </a:blip>
-                      <a:srcRect/>
-                      <a:stretch>
-                        <a:fillRect/>
-                      </a:stretch>
-                    </p:blipFill>
-                    <p:spPr bwMode="auto">
-                      <a:xfrm>
-                        <a:off x="3224392" y="5094288"/>
-                        <a:ext cx="987425" cy="455612"/>
-                      </a:xfrm>
-                      <a:prstGeom prst="rect">
-                        <a:avLst/>
-                      </a:prstGeom>
-                      <a:noFill/>
-                      <a:extLst>
-                        <a:ext uri="{909E8E84-426E-40DD-AFC4-6F175D3DCCD1}">
-                          <a14:hiddenFill xmlns:a14="http://schemas.microsoft.com/office/drawing/2010/main">
-                            <a:solidFill>
-                              <a:srgbClr val="FFFFFF"/>
-                            </a:solidFill>
-                          </a14:hiddenFill>
-                        </a:ext>
-                      </a:extLst>
-                    </p:spPr>
-                  </p:pic>
-                </p:oleObj>
-              </mc:Fallback>
-            </mc:AlternateContent>
+            <p:oleObj spid="_x0000_s62479" name="Equation" r:id="rId4" imgW="444307" imgH="228501" progId="Equation.DSMT4">
+              <p:embed/>
+            </p:oleObj>
           </a:graphicData>
         </a:graphic>
       </p:graphicFrame>
       <p:sp>
         <p:nvSpPr>
-          <p:cNvPr id="62475" name="Text Box 17"/>
+          <p:cNvPr id="62486" name="Text Box 17"/>
           <p:cNvSpPr txBox="1">
             <a:spLocks noChangeArrowheads="1"/>
           </p:cNvSpPr>
@@ -9286,83 +8850,27 @@
       </p:sp>
       <p:graphicFrame>
         <p:nvGraphicFramePr>
-          <p:cNvPr id="62476" name="Object 12"/>
+          <p:cNvPr id="62480" name="Object 16"/>
           <p:cNvGraphicFramePr>
             <a:graphicFrameLocks noChangeAspect="1"/>
           </p:cNvGraphicFramePr>
-          <p:nvPr>
-            <p:extLst>
-              <p:ext uri="{D42A27DB-BD31-4B8C-83A1-F6EECF244321}">
-                <p14:modId xmlns:p14="http://schemas.microsoft.com/office/powerpoint/2010/main" val="269413373"/>
-              </p:ext>
-            </p:extLst>
-          </p:nvPr>
+          <p:nvPr/>
         </p:nvGraphicFramePr>
         <p:xfrm>
-          <a:off x="3218042" y="5495925"/>
+          <a:off x="3217863" y="5495925"/>
           <a:ext cx="1031875" cy="463550"/>
         </p:xfrm>
         <a:graphic>
           <a:graphicData uri="http://schemas.openxmlformats.org/presentationml/2006/ole">
-            <mc:AlternateContent xmlns:mc="http://schemas.openxmlformats.org/markup-compatibility/2006">
-              <mc:Choice xmlns:v="urn:schemas-microsoft-com:vml" Requires="v">
-                <p:oleObj spid="_x0000_s62480" name="Equation" r:id="rId6" imgW="457200" imgH="228600" progId="Equation.DSMT4">
-                  <p:embed/>
-                </p:oleObj>
-              </mc:Choice>
-              <mc:Fallback>
-                <p:oleObj name="Equation" r:id="rId6" imgW="457200" imgH="228600" progId="Equation.DSMT4">
-                  <p:embed/>
-                  <p:pic>
-                    <p:nvPicPr>
-                      <p:cNvPr id="0" name="Picture 12"/>
-                      <p:cNvPicPr>
-                        <a:picLocks noChangeAspect="1" noChangeArrowheads="1"/>
-                      </p:cNvPicPr>
-                      <p:nvPr/>
-                    </p:nvPicPr>
-                    <p:blipFill>
-                      <a:blip r:embed="rId7">
-                        <a:extLst>
-                          <a:ext uri="{28A0092B-C50C-407E-A947-70E740481C1C}">
-                            <a14:useLocalDpi xmlns:a14="http://schemas.microsoft.com/office/drawing/2010/main" val="0"/>
-                          </a:ext>
-                        </a:extLst>
-                      </a:blip>
-                      <a:srcRect/>
-                      <a:stretch>
-                        <a:fillRect/>
-                      </a:stretch>
-                    </p:blipFill>
-                    <p:spPr bwMode="auto">
-                      <a:xfrm>
-                        <a:off x="3218042" y="5495925"/>
-                        <a:ext cx="1031875" cy="463550"/>
-                      </a:xfrm>
-                      <a:prstGeom prst="rect">
-                        <a:avLst/>
-                      </a:prstGeom>
-                      <a:noFill/>
-                      <a:extLst>
-                        <a:ext uri="{909E8E84-426E-40DD-AFC4-6F175D3DCCD1}">
-                          <a14:hiddenFill xmlns:a14="http://schemas.microsoft.com/office/drawing/2010/main">
-                            <a:solidFill>
-                              <a:srgbClr val="FFFFFF"/>
-                            </a:solidFill>
-                          </a14:hiddenFill>
-                        </a:ext>
-                      </a:extLst>
-                    </p:spPr>
-                  </p:pic>
-                </p:oleObj>
-              </mc:Fallback>
-            </mc:AlternateContent>
+            <p:oleObj spid="_x0000_s62480" name="Equation" r:id="rId5" imgW="457200" imgH="228600" progId="Equation.DSMT4">
+              <p:embed/>
+            </p:oleObj>
           </a:graphicData>
         </a:graphic>
       </p:graphicFrame>
       <p:sp>
         <p:nvSpPr>
-          <p:cNvPr id="62477" name="Text Box 17"/>
+          <p:cNvPr id="62487" name="Text Box 17"/>
           <p:cNvSpPr txBox="1">
             <a:spLocks noChangeArrowheads="1"/>
           </p:cNvSpPr>
@@ -9409,77 +8917,21 @@
       </p:sp>
       <p:graphicFrame>
         <p:nvGraphicFramePr>
-          <p:cNvPr id="62478" name="Object 14"/>
+          <p:cNvPr id="62481" name="Object 17"/>
           <p:cNvGraphicFramePr>
             <a:graphicFrameLocks noChangeAspect="1"/>
           </p:cNvGraphicFramePr>
-          <p:nvPr>
-            <p:extLst>
-              <p:ext uri="{D42A27DB-BD31-4B8C-83A1-F6EECF244321}">
-                <p14:modId xmlns:p14="http://schemas.microsoft.com/office/powerpoint/2010/main" val="2983260119"/>
-              </p:ext>
-            </p:extLst>
-          </p:nvPr>
+          <p:nvPr/>
         </p:nvGraphicFramePr>
         <p:xfrm>
-          <a:off x="3246617" y="5937250"/>
+          <a:off x="3246438" y="5937250"/>
           <a:ext cx="987425" cy="457200"/>
         </p:xfrm>
         <a:graphic>
           <a:graphicData uri="http://schemas.openxmlformats.org/presentationml/2006/ole">
-            <mc:AlternateContent xmlns:mc="http://schemas.openxmlformats.org/markup-compatibility/2006">
-              <mc:Choice xmlns:v="urn:schemas-microsoft-com:vml" Requires="v">
-                <p:oleObj spid="_x0000_s62481" name="Equation" r:id="rId8" imgW="444240" imgH="228600" progId="Equation.DSMT4">
-                  <p:embed/>
-                </p:oleObj>
-              </mc:Choice>
-              <mc:Fallback>
-                <p:oleObj name="Equation" r:id="rId8" imgW="444240" imgH="228600" progId="Equation.DSMT4">
-                  <p:embed/>
-                  <p:pic>
-                    <p:nvPicPr>
-                      <p:cNvPr id="0" name="Picture 14"/>
-                      <p:cNvPicPr>
-                        <a:picLocks noChangeAspect="1" noChangeArrowheads="1"/>
-                      </p:cNvPicPr>
-                      <p:nvPr/>
-                    </p:nvPicPr>
-                    <p:blipFill>
-                      <a:blip r:embed="rId9">
-                        <a:extLst>
-                          <a:ext uri="{28A0092B-C50C-407E-A947-70E740481C1C}">
-                            <a14:useLocalDpi xmlns:a14="http://schemas.microsoft.com/office/drawing/2010/main" val="0"/>
-                          </a:ext>
-                        </a:extLst>
-                      </a:blip>
-                      <a:srcRect/>
-                      <a:stretch>
-                        <a:fillRect/>
-                      </a:stretch>
-                    </p:blipFill>
-                    <p:spPr bwMode="auto">
-                      <a:xfrm>
-                        <a:off x="3246617" y="5937250"/>
-                        <a:ext cx="987425" cy="457200"/>
-                      </a:xfrm>
-                      <a:prstGeom prst="rect">
-                        <a:avLst/>
-                      </a:prstGeom>
-                      <a:noFill/>
-                      <a:extLst>
-                        <a:ext uri="{909E8E84-426E-40DD-AFC4-6F175D3DCCD1}">
-                          <a14:hiddenFill xmlns:a14="http://schemas.microsoft.com/office/drawing/2010/main">
-                            <a:solidFill>
-                              <a:srgbClr val="FFFFFF"/>
-                            </a:solidFill>
-                          </a14:hiddenFill>
-                        </a:ext>
-                      </a:extLst>
-                    </p:spPr>
-                  </p:pic>
-                </p:oleObj>
-              </mc:Fallback>
-            </mc:AlternateContent>
+            <p:oleObj spid="_x0000_s62481" name="Equation" r:id="rId6" imgW="444307" imgH="228501" progId="Equation.DSMT4">
+              <p:embed/>
+            </p:oleObj>
           </a:graphicData>
         </a:graphic>
       </p:graphicFrame>
@@ -10585,7 +10037,7 @@
       </p:grpSpPr>
       <p:sp>
         <p:nvSpPr>
-          <p:cNvPr id="37938" name="Title 1"/>
+          <p:cNvPr id="37945" name="Title 1"/>
           <p:cNvSpPr txBox="1">
             <a:spLocks/>
           </p:cNvSpPr>
@@ -10629,7 +10081,7 @@
       </p:sp>
       <p:sp>
         <p:nvSpPr>
-          <p:cNvPr id="37939" name="Text Box 11"/>
+          <p:cNvPr id="37946" name="Text Box 11"/>
           <p:cNvSpPr txBox="1">
             <a:spLocks noChangeArrowheads="1"/>
           </p:cNvSpPr>
@@ -10735,7 +10187,7 @@
       </p:sp>
       <p:pic>
         <p:nvPicPr>
-          <p:cNvPr id="37940" name="Picture 12" descr="thermalmodel"/>
+          <p:cNvPr id="37947" name="Picture 12" descr="thermalmodel"/>
           <p:cNvPicPr>
             <a:picLocks noChangeAspect="1" noChangeArrowheads="1"/>
           </p:cNvPicPr>
@@ -10767,7 +10219,7 @@
       </p:pic>
       <p:graphicFrame>
         <p:nvGraphicFramePr>
-          <p:cNvPr id="37931" name="Object 43"/>
+          <p:cNvPr id="37938" name="Object 50"/>
           <p:cNvGraphicFramePr>
             <a:graphicFrameLocks noChangeAspect="1"/>
           </p:cNvGraphicFramePr>
@@ -10779,65 +10231,15 @@
         </p:xfrm>
         <a:graphic>
           <a:graphicData uri="http://schemas.openxmlformats.org/presentationml/2006/ole">
-            <mc:AlternateContent xmlns:mc="http://schemas.openxmlformats.org/markup-compatibility/2006">
-              <mc:Choice xmlns:v="urn:schemas-microsoft-com:vml" Requires="v">
-                <p:oleObj spid="_x0000_s37938" name="Equation" r:id="rId4" imgW="139579" imgH="164957" progId="Equation.DSMT4">
-                  <p:embed/>
-                </p:oleObj>
-              </mc:Choice>
-              <mc:Fallback>
-                <p:oleObj name="Equation" r:id="rId4" imgW="139579" imgH="164957" progId="Equation.DSMT4">
-                  <p:embed/>
-                  <p:pic>
-                    <p:nvPicPr>
-                      <p:cNvPr id="0" name="Picture 43"/>
-                      <p:cNvPicPr>
-                        <a:picLocks noChangeAspect="1" noChangeArrowheads="1"/>
-                      </p:cNvPicPr>
-                      <p:nvPr/>
-                    </p:nvPicPr>
-                    <p:blipFill>
-                      <a:blip r:embed="rId5">
-                        <a:extLst>
-                          <a:ext uri="{28A0092B-C50C-407E-A947-70E740481C1C}">
-                            <a14:useLocalDpi xmlns:a14="http://schemas.microsoft.com/office/drawing/2010/main" val="0"/>
-                          </a:ext>
-                        </a:extLst>
-                      </a:blip>
-                      <a:srcRect/>
-                      <a:stretch>
-                        <a:fillRect/>
-                      </a:stretch>
-                    </p:blipFill>
-                    <p:spPr bwMode="auto">
-                      <a:xfrm>
-                        <a:off x="1376363" y="3602038"/>
-                        <a:ext cx="288925" cy="341312"/>
-                      </a:xfrm>
-                      <a:prstGeom prst="rect">
-                        <a:avLst/>
-                      </a:prstGeom>
-                      <a:noFill/>
-                      <a:extLst>
-                        <a:ext uri="{909E8E84-426E-40DD-AFC4-6F175D3DCCD1}">
-                          <a14:hiddenFill xmlns:a14="http://schemas.microsoft.com/office/drawing/2010/main">
-                            <a:solidFill>
-                              <a:srgbClr val="FFFFFF"/>
-                            </a:solidFill>
-                          </a14:hiddenFill>
-                        </a:ext>
-                      </a:extLst>
-                    </p:spPr>
-                  </p:pic>
-                </p:oleObj>
-              </mc:Fallback>
-            </mc:AlternateContent>
+            <p:oleObj spid="_x0000_s37938" name="Equation" r:id="rId4" imgW="139579" imgH="164957" progId="Equation.DSMT4">
+              <p:embed/>
+            </p:oleObj>
           </a:graphicData>
         </a:graphic>
       </p:graphicFrame>
       <p:graphicFrame>
         <p:nvGraphicFramePr>
-          <p:cNvPr id="37932" name="Object 44"/>
+          <p:cNvPr id="37939" name="Object 51"/>
           <p:cNvGraphicFramePr>
             <a:graphicFrameLocks noChangeAspect="1"/>
           </p:cNvGraphicFramePr>
@@ -10849,65 +10251,15 @@
         </p:xfrm>
         <a:graphic>
           <a:graphicData uri="http://schemas.openxmlformats.org/presentationml/2006/ole">
-            <mc:AlternateContent xmlns:mc="http://schemas.openxmlformats.org/markup-compatibility/2006">
-              <mc:Choice xmlns:v="urn:schemas-microsoft-com:vml" Requires="v">
-                <p:oleObj spid="_x0000_s37939" name="Equation" r:id="rId6" imgW="139579" imgH="164957" progId="Equation.DSMT4">
-                  <p:embed/>
-                </p:oleObj>
-              </mc:Choice>
-              <mc:Fallback>
-                <p:oleObj name="Equation" r:id="rId6" imgW="139579" imgH="164957" progId="Equation.DSMT4">
-                  <p:embed/>
-                  <p:pic>
-                    <p:nvPicPr>
-                      <p:cNvPr id="0" name="Picture 44"/>
-                      <p:cNvPicPr>
-                        <a:picLocks noChangeAspect="1" noChangeArrowheads="1"/>
-                      </p:cNvPicPr>
-                      <p:nvPr/>
-                    </p:nvPicPr>
-                    <p:blipFill>
-                      <a:blip r:embed="rId7">
-                        <a:extLst>
-                          <a:ext uri="{28A0092B-C50C-407E-A947-70E740481C1C}">
-                            <a14:useLocalDpi xmlns:a14="http://schemas.microsoft.com/office/drawing/2010/main" val="0"/>
-                          </a:ext>
-                        </a:extLst>
-                      </a:blip>
-                      <a:srcRect/>
-                      <a:stretch>
-                        <a:fillRect/>
-                      </a:stretch>
-                    </p:blipFill>
-                    <p:spPr bwMode="auto">
-                      <a:xfrm>
-                        <a:off x="1376363" y="4010025"/>
-                        <a:ext cx="284162" cy="334963"/>
-                      </a:xfrm>
-                      <a:prstGeom prst="rect">
-                        <a:avLst/>
-                      </a:prstGeom>
-                      <a:noFill/>
-                      <a:extLst>
-                        <a:ext uri="{909E8E84-426E-40DD-AFC4-6F175D3DCCD1}">
-                          <a14:hiddenFill xmlns:a14="http://schemas.microsoft.com/office/drawing/2010/main">
-                            <a:solidFill>
-                              <a:srgbClr val="FFFFFF"/>
-                            </a:solidFill>
-                          </a14:hiddenFill>
-                        </a:ext>
-                      </a:extLst>
-                    </p:spPr>
-                  </p:pic>
-                </p:oleObj>
-              </mc:Fallback>
-            </mc:AlternateContent>
+            <p:oleObj spid="_x0000_s37939" name="Equation" r:id="rId5" imgW="139579" imgH="164957" progId="Equation.DSMT4">
+              <p:embed/>
+            </p:oleObj>
           </a:graphicData>
         </a:graphic>
       </p:graphicFrame>
       <p:graphicFrame>
         <p:nvGraphicFramePr>
-          <p:cNvPr id="37933" name="Object 45"/>
+          <p:cNvPr id="37940" name="Object 52"/>
           <p:cNvGraphicFramePr>
             <a:graphicFrameLocks noChangeAspect="1"/>
           </p:cNvGraphicFramePr>
@@ -10919,65 +10271,15 @@
         </p:xfrm>
         <a:graphic>
           <a:graphicData uri="http://schemas.openxmlformats.org/presentationml/2006/ole">
-            <mc:AlternateContent xmlns:mc="http://schemas.openxmlformats.org/markup-compatibility/2006">
-              <mc:Choice xmlns:v="urn:schemas-microsoft-com:vml" Requires="v">
-                <p:oleObj spid="_x0000_s37940" name="Equation" r:id="rId8" imgW="152268" imgH="164957" progId="Equation.DSMT4">
-                  <p:embed/>
-                </p:oleObj>
-              </mc:Choice>
-              <mc:Fallback>
-                <p:oleObj name="Equation" r:id="rId8" imgW="152268" imgH="164957" progId="Equation.DSMT4">
-                  <p:embed/>
-                  <p:pic>
-                    <p:nvPicPr>
-                      <p:cNvPr id="0" name="Picture 45"/>
-                      <p:cNvPicPr>
-                        <a:picLocks noChangeAspect="1" noChangeArrowheads="1"/>
-                      </p:cNvPicPr>
-                      <p:nvPr/>
-                    </p:nvPicPr>
-                    <p:blipFill>
-                      <a:blip r:embed="rId9">
-                        <a:extLst>
-                          <a:ext uri="{28A0092B-C50C-407E-A947-70E740481C1C}">
-                            <a14:useLocalDpi xmlns:a14="http://schemas.microsoft.com/office/drawing/2010/main" val="0"/>
-                          </a:ext>
-                        </a:extLst>
-                      </a:blip>
-                      <a:srcRect/>
-                      <a:stretch>
-                        <a:fillRect/>
-                      </a:stretch>
-                    </p:blipFill>
-                    <p:spPr bwMode="auto">
-                      <a:xfrm>
-                        <a:off x="1347788" y="4410075"/>
-                        <a:ext cx="322262" cy="349250"/>
-                      </a:xfrm>
-                      <a:prstGeom prst="rect">
-                        <a:avLst/>
-                      </a:prstGeom>
-                      <a:noFill/>
-                      <a:extLst>
-                        <a:ext uri="{909E8E84-426E-40DD-AFC4-6F175D3DCCD1}">
-                          <a14:hiddenFill xmlns:a14="http://schemas.microsoft.com/office/drawing/2010/main">
-                            <a:solidFill>
-                              <a:srgbClr val="FFFFFF"/>
-                            </a:solidFill>
-                          </a14:hiddenFill>
-                        </a:ext>
-                      </a:extLst>
-                    </p:spPr>
-                  </p:pic>
-                </p:oleObj>
-              </mc:Fallback>
-            </mc:AlternateContent>
+            <p:oleObj spid="_x0000_s37940" name="Equation" r:id="rId6" imgW="152268" imgH="164957" progId="Equation.DSMT4">
+              <p:embed/>
+            </p:oleObj>
           </a:graphicData>
         </a:graphic>
       </p:graphicFrame>
       <p:graphicFrame>
         <p:nvGraphicFramePr>
-          <p:cNvPr id="37934" name="Object 46"/>
+          <p:cNvPr id="37941" name="Object 53"/>
           <p:cNvGraphicFramePr>
             <a:graphicFrameLocks noChangeAspect="1"/>
           </p:cNvGraphicFramePr>
@@ -10989,65 +10291,15 @@
         </p:xfrm>
         <a:graphic>
           <a:graphicData uri="http://schemas.openxmlformats.org/presentationml/2006/ole">
-            <mc:AlternateContent xmlns:mc="http://schemas.openxmlformats.org/markup-compatibility/2006">
-              <mc:Choice xmlns:v="urn:schemas-microsoft-com:vml" Requires="v">
-                <p:oleObj spid="_x0000_s37941" name="Equation" r:id="rId10" imgW="152268" imgH="164957" progId="Equation.DSMT4">
-                  <p:embed/>
-                </p:oleObj>
-              </mc:Choice>
-              <mc:Fallback>
-                <p:oleObj name="Equation" r:id="rId10" imgW="152268" imgH="164957" progId="Equation.DSMT4">
-                  <p:embed/>
-                  <p:pic>
-                    <p:nvPicPr>
-                      <p:cNvPr id="0" name="Picture 46"/>
-                      <p:cNvPicPr>
-                        <a:picLocks noChangeAspect="1" noChangeArrowheads="1"/>
-                      </p:cNvPicPr>
-                      <p:nvPr/>
-                    </p:nvPicPr>
-                    <p:blipFill>
-                      <a:blip r:embed="rId11">
-                        <a:extLst>
-                          <a:ext uri="{28A0092B-C50C-407E-A947-70E740481C1C}">
-                            <a14:useLocalDpi xmlns:a14="http://schemas.microsoft.com/office/drawing/2010/main" val="0"/>
-                          </a:ext>
-                        </a:extLst>
-                      </a:blip>
-                      <a:srcRect/>
-                      <a:stretch>
-                        <a:fillRect/>
-                      </a:stretch>
-                    </p:blipFill>
-                    <p:spPr bwMode="auto">
-                      <a:xfrm>
-                        <a:off x="1062038" y="4854575"/>
-                        <a:ext cx="334962" cy="363538"/>
-                      </a:xfrm>
-                      <a:prstGeom prst="rect">
-                        <a:avLst/>
-                      </a:prstGeom>
-                      <a:noFill/>
-                      <a:extLst>
-                        <a:ext uri="{909E8E84-426E-40DD-AFC4-6F175D3DCCD1}">
-                          <a14:hiddenFill xmlns:a14="http://schemas.microsoft.com/office/drawing/2010/main">
-                            <a:solidFill>
-                              <a:srgbClr val="FFFFFF"/>
-                            </a:solidFill>
-                          </a14:hiddenFill>
-                        </a:ext>
-                      </a:extLst>
-                    </p:spPr>
-                  </p:pic>
-                </p:oleObj>
-              </mc:Fallback>
-            </mc:AlternateContent>
+            <p:oleObj spid="_x0000_s37941" name="Equation" r:id="rId7" imgW="152268" imgH="164957" progId="Equation.DSMT4">
+              <p:embed/>
+            </p:oleObj>
           </a:graphicData>
         </a:graphic>
       </p:graphicFrame>
       <p:graphicFrame>
         <p:nvGraphicFramePr>
-          <p:cNvPr id="37935" name="Object 47"/>
+          <p:cNvPr id="37942" name="Object 54"/>
           <p:cNvGraphicFramePr>
             <a:graphicFrameLocks noChangeAspect="1"/>
           </p:cNvGraphicFramePr>
@@ -11059,65 +10311,15 @@
         </p:xfrm>
         <a:graphic>
           <a:graphicData uri="http://schemas.openxmlformats.org/presentationml/2006/ole">
-            <mc:AlternateContent xmlns:mc="http://schemas.openxmlformats.org/markup-compatibility/2006">
-              <mc:Choice xmlns:v="urn:schemas-microsoft-com:vml" Requires="v">
-                <p:oleObj spid="_x0000_s37942" name="Equation" r:id="rId12" imgW="190500" imgH="228600" progId="Equation.DSMT4">
-                  <p:embed/>
-                </p:oleObj>
-              </mc:Choice>
-              <mc:Fallback>
-                <p:oleObj name="Equation" r:id="rId12" imgW="190500" imgH="228600" progId="Equation.DSMT4">
-                  <p:embed/>
-                  <p:pic>
-                    <p:nvPicPr>
-                      <p:cNvPr id="0" name="Picture 47"/>
-                      <p:cNvPicPr>
-                        <a:picLocks noChangeAspect="1" noChangeArrowheads="1"/>
-                      </p:cNvPicPr>
-                      <p:nvPr/>
-                    </p:nvPicPr>
-                    <p:blipFill>
-                      <a:blip r:embed="rId13">
-                        <a:extLst>
-                          <a:ext uri="{28A0092B-C50C-407E-A947-70E740481C1C}">
-                            <a14:useLocalDpi xmlns:a14="http://schemas.microsoft.com/office/drawing/2010/main" val="0"/>
-                          </a:ext>
-                        </a:extLst>
-                      </a:blip>
-                      <a:srcRect/>
-                      <a:stretch>
-                        <a:fillRect/>
-                      </a:stretch>
-                    </p:blipFill>
-                    <p:spPr bwMode="auto">
-                      <a:xfrm>
-                        <a:off x="1481138" y="4854575"/>
-                        <a:ext cx="341312" cy="409575"/>
-                      </a:xfrm>
-                      <a:prstGeom prst="rect">
-                        <a:avLst/>
-                      </a:prstGeom>
-                      <a:noFill/>
-                      <a:extLst>
-                        <a:ext uri="{909E8E84-426E-40DD-AFC4-6F175D3DCCD1}">
-                          <a14:hiddenFill xmlns:a14="http://schemas.microsoft.com/office/drawing/2010/main">
-                            <a:solidFill>
-                              <a:srgbClr val="FFFFFF"/>
-                            </a:solidFill>
-                          </a14:hiddenFill>
-                        </a:ext>
-                      </a:extLst>
-                    </p:spPr>
-                  </p:pic>
-                </p:oleObj>
-              </mc:Fallback>
-            </mc:AlternateContent>
+            <p:oleObj spid="_x0000_s37942" name="Equation" r:id="rId8" imgW="190500" imgH="228600" progId="Equation.DSMT4">
+              <p:embed/>
+            </p:oleObj>
           </a:graphicData>
         </a:graphic>
       </p:graphicFrame>
       <p:graphicFrame>
         <p:nvGraphicFramePr>
-          <p:cNvPr id="37936" name="Object 48"/>
+          <p:cNvPr id="37943" name="Object 55"/>
           <p:cNvGraphicFramePr>
             <a:graphicFrameLocks noChangeAspect="1"/>
           </p:cNvGraphicFramePr>
@@ -11129,65 +10331,15 @@
         </p:xfrm>
         <a:graphic>
           <a:graphicData uri="http://schemas.openxmlformats.org/presentationml/2006/ole">
-            <mc:AlternateContent xmlns:mc="http://schemas.openxmlformats.org/markup-compatibility/2006">
-              <mc:Choice xmlns:v="urn:schemas-microsoft-com:vml" Requires="v">
-                <p:oleObj spid="_x0000_s37943" name="Equation" r:id="rId14" imgW="139579" imgH="164957" progId="Equation.DSMT4">
-                  <p:embed/>
-                </p:oleObj>
-              </mc:Choice>
-              <mc:Fallback>
-                <p:oleObj name="Equation" r:id="rId14" imgW="139579" imgH="164957" progId="Equation.DSMT4">
-                  <p:embed/>
-                  <p:pic>
-                    <p:nvPicPr>
-                      <p:cNvPr id="0" name="Picture 48"/>
-                      <p:cNvPicPr>
-                        <a:picLocks noChangeAspect="1" noChangeArrowheads="1"/>
-                      </p:cNvPicPr>
-                      <p:nvPr/>
-                    </p:nvPicPr>
-                    <p:blipFill>
-                      <a:blip r:embed="rId15">
-                        <a:extLst>
-                          <a:ext uri="{28A0092B-C50C-407E-A947-70E740481C1C}">
-                            <a14:useLocalDpi xmlns:a14="http://schemas.microsoft.com/office/drawing/2010/main" val="0"/>
-                          </a:ext>
-                        </a:extLst>
-                      </a:blip>
-                      <a:srcRect/>
-                      <a:stretch>
-                        <a:fillRect/>
-                      </a:stretch>
-                    </p:blipFill>
-                    <p:spPr bwMode="auto">
-                      <a:xfrm>
-                        <a:off x="1330325" y="5249863"/>
-                        <a:ext cx="301625" cy="357187"/>
-                      </a:xfrm>
-                      <a:prstGeom prst="rect">
-                        <a:avLst/>
-                      </a:prstGeom>
-                      <a:noFill/>
-                      <a:extLst>
-                        <a:ext uri="{909E8E84-426E-40DD-AFC4-6F175D3DCCD1}">
-                          <a14:hiddenFill xmlns:a14="http://schemas.microsoft.com/office/drawing/2010/main">
-                            <a:solidFill>
-                              <a:srgbClr val="FFFFFF"/>
-                            </a:solidFill>
-                          </a14:hiddenFill>
-                        </a:ext>
-                      </a:extLst>
-                    </p:spPr>
-                  </p:pic>
-                </p:oleObj>
-              </mc:Fallback>
-            </mc:AlternateContent>
+            <p:oleObj spid="_x0000_s37943" name="Equation" r:id="rId9" imgW="139579" imgH="164957" progId="Equation.DSMT4">
+              <p:embed/>
+            </p:oleObj>
           </a:graphicData>
         </a:graphic>
       </p:graphicFrame>
       <p:graphicFrame>
         <p:nvGraphicFramePr>
-          <p:cNvPr id="37937" name="Object 49"/>
+          <p:cNvPr id="37944" name="Object 56"/>
           <p:cNvGraphicFramePr>
             <a:graphicFrameLocks noChangeAspect="1"/>
           </p:cNvGraphicFramePr>
@@ -11199,59 +10351,9 @@
         </p:xfrm>
         <a:graphic>
           <a:graphicData uri="http://schemas.openxmlformats.org/presentationml/2006/ole">
-            <mc:AlternateContent xmlns:mc="http://schemas.openxmlformats.org/markup-compatibility/2006">
-              <mc:Choice xmlns:v="urn:schemas-microsoft-com:vml" Requires="v">
-                <p:oleObj spid="_x0000_s37944" name="Equation" r:id="rId16" imgW="139579" imgH="164957" progId="Equation.DSMT4">
-                  <p:embed/>
-                </p:oleObj>
-              </mc:Choice>
-              <mc:Fallback>
-                <p:oleObj name="Equation" r:id="rId16" imgW="139579" imgH="164957" progId="Equation.DSMT4">
-                  <p:embed/>
-                  <p:pic>
-                    <p:nvPicPr>
-                      <p:cNvPr id="0" name="Picture 49"/>
-                      <p:cNvPicPr>
-                        <a:picLocks noChangeAspect="1" noChangeArrowheads="1"/>
-                      </p:cNvPicPr>
-                      <p:nvPr/>
-                    </p:nvPicPr>
-                    <p:blipFill>
-                      <a:blip r:embed="rId5">
-                        <a:extLst>
-                          <a:ext uri="{28A0092B-C50C-407E-A947-70E740481C1C}">
-                            <a14:useLocalDpi xmlns:a14="http://schemas.microsoft.com/office/drawing/2010/main" val="0"/>
-                          </a:ext>
-                        </a:extLst>
-                      </a:blip>
-                      <a:srcRect/>
-                      <a:stretch>
-                        <a:fillRect/>
-                      </a:stretch>
-                    </p:blipFill>
-                    <p:spPr bwMode="auto">
-                      <a:xfrm>
-                        <a:off x="4062413" y="5265738"/>
-                        <a:ext cx="288925" cy="341312"/>
-                      </a:xfrm>
-                      <a:prstGeom prst="rect">
-                        <a:avLst/>
-                      </a:prstGeom>
-                      <a:noFill/>
-                      <a:extLst>
-                        <a:ext uri="{909E8E84-426E-40DD-AFC4-6F175D3DCCD1}">
-                          <a14:hiddenFill xmlns:a14="http://schemas.microsoft.com/office/drawing/2010/main">
-                            <a:solidFill>
-                              <a:srgbClr val="FFFFFF"/>
-                            </a:solidFill>
-                          </a14:hiddenFill>
-                        </a:ext>
-                      </a:extLst>
-                    </p:spPr>
-                  </p:pic>
-                </p:oleObj>
-              </mc:Fallback>
-            </mc:AlternateContent>
+            <p:oleObj spid="_x0000_s37944" name="Equation" r:id="rId10" imgW="139579" imgH="164957" progId="Equation.DSMT4">
+              <p:embed/>
+            </p:oleObj>
           </a:graphicData>
         </a:graphic>
       </p:graphicFrame>
@@ -12289,7 +11391,7 @@
                 </a:solidFill>
                 <a:latin typeface="宋体" charset="-122"/>
               </a:rPr>
-              <a:t>新的动态温度管理方法流程</a:t>
+              <a:t>动态温度管理流程</a:t>
             </a:r>
             <a:endParaRPr lang="en-US" altLang="zh-CN" sz="2400" smtClean="0">
               <a:solidFill>
